--- a/sql answer.pptx
+++ b/sql answer.pptx
@@ -5,12 +5,14 @@
     <p:sldMasterId id="2147483648" r:id="rId1"/>
   </p:sldMasterIdLst>
   <p:notesMasterIdLst>
-    <p:notesMasterId r:id="rId5"/>
+    <p:notesMasterId r:id="rId7"/>
   </p:notesMasterIdLst>
   <p:sldIdLst>
     <p:sldId id="256" r:id="rId2"/>
     <p:sldId id="257" r:id="rId3"/>
     <p:sldId id="258" r:id="rId4"/>
+    <p:sldId id="259" r:id="rId5"/>
+    <p:sldId id="260" r:id="rId6"/>
   </p:sldIdLst>
   <p:sldSz cx="12192000" cy="6858000"/>
   <p:notesSz cx="6858000" cy="9144000"/>
@@ -109,6 +111,11 @@
       </a:defRPr>
     </a:lvl9pPr>
   </p:defaultTextStyle>
+  <p:extLst>
+    <p:ext uri="{EFAFB233-063F-42B5-8137-9DF3F51BA10A}">
+      <p15:sldGuideLst xmlns:p15="http://schemas.microsoft.com/office/powerpoint/2012/main"/>
+    </p:ext>
+  </p:extLst>
 </p:presentation>
 </file>
 
@@ -194,7 +201,7 @@
           <a:p>
             <a:fld id="{54AEA450-3062-4AAA-926F-005294A4F50C}" type="datetimeFigureOut">
               <a:rPr lang="zh-TW" altLang="en-US" smtClean="0"/>
-              <a:t>2023/7/17</a:t>
+              <a:t>2023/7/18</a:t>
             </a:fld>
             <a:endParaRPr lang="zh-TW" altLang="en-US"/>
           </a:p>
@@ -649,7 +656,7 @@
           <a:p>
             <a:fld id="{A6C54CF7-6667-4CB7-8FEA-8B4DA9F0AC0C}" type="datetime1">
               <a:rPr lang="en-US" altLang="zh-TW" smtClean="0"/>
-              <a:t>7/17/2023</a:t>
+              <a:t>7/18/2023</a:t>
             </a:fld>
             <a:endParaRPr lang="en-US" dirty="0"/>
           </a:p>
@@ -983,7 +990,7 @@
           <a:p>
             <a:fld id="{FE5B22DC-6D1B-472D-BD9F-6B84DDEAB6B8}" type="datetime1">
               <a:rPr lang="en-US" altLang="zh-TW" smtClean="0"/>
-              <a:t>7/17/2023</a:t>
+              <a:t>7/18/2023</a:t>
             </a:fld>
             <a:endParaRPr lang="en-US" dirty="0"/>
           </a:p>
@@ -1380,7 +1387,7 @@
           <a:p>
             <a:fld id="{3FC3214E-7A41-44CA-BB02-BAB1A71F9802}" type="datetime1">
               <a:rPr lang="en-US" altLang="zh-TW" smtClean="0"/>
-              <a:t>7/17/2023</a:t>
+              <a:t>7/18/2023</a:t>
             </a:fld>
             <a:endParaRPr lang="en-US" dirty="0"/>
           </a:p>
@@ -1712,7 +1719,7 @@
           <a:p>
             <a:fld id="{88479D64-44E6-4599-AF52-72AA177CD66B}" type="datetime1">
               <a:rPr lang="en-US" altLang="zh-TW" smtClean="0"/>
-              <a:t>7/17/2023</a:t>
+              <a:t>7/18/2023</a:t>
             </a:fld>
             <a:endParaRPr lang="en-US" dirty="0"/>
           </a:p>
@@ -2028,7 +2035,7 @@
           <a:p>
             <a:fld id="{BC5341FE-9B92-4466-B7E3-A580E0801C16}" type="datetime1">
               <a:rPr lang="en-US" altLang="zh-TW" smtClean="0"/>
-              <a:t>7/17/2023</a:t>
+              <a:t>7/18/2023</a:t>
             </a:fld>
             <a:endParaRPr lang="en-US" dirty="0"/>
           </a:p>
@@ -2420,7 +2427,7 @@
           <a:p>
             <a:fld id="{0D284FD5-6194-4E8F-9756-89A3108F6C23}" type="datetime1">
               <a:rPr lang="en-US" altLang="zh-TW" smtClean="0"/>
-              <a:t>7/17/2023</a:t>
+              <a:t>7/18/2023</a:t>
             </a:fld>
             <a:endParaRPr lang="en-US" dirty="0"/>
           </a:p>
@@ -2673,7 +2680,7 @@
           <a:p>
             <a:fld id="{CBAC82C6-D93E-47E7-8693-33E42F689429}" type="datetime1">
               <a:rPr lang="en-US" altLang="zh-TW" smtClean="0"/>
-              <a:t>7/17/2023</a:t>
+              <a:t>7/18/2023</a:t>
             </a:fld>
             <a:endParaRPr lang="en-US" dirty="0"/>
           </a:p>
@@ -2931,7 +2938,7 @@
           <a:p>
             <a:fld id="{02319D0E-B076-43B7-9EF9-D6B7F26EF7E2}" type="datetime1">
               <a:rPr lang="en-US" altLang="zh-TW" smtClean="0"/>
-              <a:t>7/17/2023</a:t>
+              <a:t>7/18/2023</a:t>
             </a:fld>
             <a:endParaRPr lang="en-US" dirty="0"/>
           </a:p>
@@ -3137,35 +3144,35 @@
           <a:p>
             <a:pPr lvl="0"/>
             <a:r>
-              <a:rPr lang="zh-TW" altLang="en-US"/>
+              <a:rPr lang="zh-TW" altLang="en-US" dirty="0"/>
               <a:t>按一下以編輯母片文字樣式</a:t>
             </a:r>
           </a:p>
           <a:p>
             <a:pPr lvl="1"/>
             <a:r>
-              <a:rPr lang="zh-TW" altLang="en-US"/>
+              <a:rPr lang="zh-TW" altLang="en-US" dirty="0"/>
               <a:t>第二層</a:t>
             </a:r>
           </a:p>
           <a:p>
             <a:pPr lvl="2"/>
             <a:r>
-              <a:rPr lang="zh-TW" altLang="en-US"/>
+              <a:rPr lang="zh-TW" altLang="en-US" dirty="0"/>
               <a:t>第三層</a:t>
             </a:r>
           </a:p>
           <a:p>
             <a:pPr lvl="3"/>
             <a:r>
-              <a:rPr lang="zh-TW" altLang="en-US"/>
+              <a:rPr lang="zh-TW" altLang="en-US" dirty="0"/>
               <a:t>第四層</a:t>
             </a:r>
           </a:p>
           <a:p>
             <a:pPr lvl="4"/>
             <a:r>
-              <a:rPr lang="zh-TW" altLang="en-US"/>
+              <a:rPr lang="zh-TW" altLang="en-US" dirty="0"/>
               <a:t>第五層</a:t>
             </a:r>
             <a:endParaRPr lang="en-US" dirty="0"/>
@@ -3189,7 +3196,7 @@
           <a:p>
             <a:fld id="{44708793-4B7B-4D17-9975-D4491719BE20}" type="datetime1">
               <a:rPr lang="en-US" altLang="zh-TW" smtClean="0"/>
-              <a:t>7/17/2023</a:t>
+              <a:t>7/18/2023</a:t>
             </a:fld>
             <a:endParaRPr lang="en-US" dirty="0"/>
           </a:p>
@@ -3514,7 +3521,7 @@
           <a:p>
             <a:fld id="{C8293FAC-1493-4884-862F-E2E3704498C6}" type="datetime1">
               <a:rPr lang="en-US" altLang="zh-TW" smtClean="0"/>
-              <a:t>7/17/2023</a:t>
+              <a:t>7/18/2023</a:t>
             </a:fld>
             <a:endParaRPr lang="en-US" dirty="0"/>
           </a:p>
@@ -3833,7 +3840,7 @@
           <a:p>
             <a:fld id="{9FF65A49-FC39-47D2-AD3E-83B3400966FA}" type="datetime1">
               <a:rPr lang="en-US" altLang="zh-TW" smtClean="0"/>
-              <a:t>7/17/2023</a:t>
+              <a:t>7/18/2023</a:t>
             </a:fld>
             <a:endParaRPr lang="en-US" dirty="0"/>
           </a:p>
@@ -4286,7 +4293,7 @@
           <a:p>
             <a:fld id="{DDE8F718-462A-480A-988A-43604F475233}" type="datetime1">
               <a:rPr lang="en-US" altLang="zh-TW" smtClean="0"/>
-              <a:t>7/17/2023</a:t>
+              <a:t>7/18/2023</a:t>
             </a:fld>
             <a:endParaRPr lang="en-US" dirty="0"/>
           </a:p>
@@ -4487,7 +4494,7 @@
           <a:p>
             <a:fld id="{778B05C5-8E7C-4599-8ED3-6260AC83F79E}" type="datetime1">
               <a:rPr lang="en-US" altLang="zh-TW" smtClean="0"/>
-              <a:t>7/17/2023</a:t>
+              <a:t>7/18/2023</a:t>
             </a:fld>
             <a:endParaRPr lang="en-US" dirty="0"/>
           </a:p>
@@ -4660,7 +4667,7 @@
           <a:p>
             <a:fld id="{B345B859-EFE9-45D0-969C-2B31176A0FB1}" type="datetime1">
               <a:rPr lang="en-US" altLang="zh-TW" smtClean="0"/>
-              <a:t>7/17/2023</a:t>
+              <a:t>7/18/2023</a:t>
             </a:fld>
             <a:endParaRPr lang="en-US" dirty="0"/>
           </a:p>
@@ -4989,7 +4996,7 @@
           <a:p>
             <a:fld id="{74F40FDB-72BA-4C65-8D45-6FB1F48CE299}" type="datetime1">
               <a:rPr lang="en-US" altLang="zh-TW" smtClean="0"/>
-              <a:t>7/17/2023</a:t>
+              <a:t>7/18/2023</a:t>
             </a:fld>
             <a:endParaRPr lang="en-US" dirty="0"/>
           </a:p>
@@ -5330,7 +5337,7 @@
           <a:p>
             <a:fld id="{A7A6B26D-7F72-4902-9D21-541244423039}" type="datetime1">
               <a:rPr lang="en-US" altLang="zh-TW" smtClean="0"/>
-              <a:t>7/17/2023</a:t>
+              <a:t>7/18/2023</a:t>
             </a:fld>
             <a:endParaRPr lang="en-US" dirty="0"/>
           </a:p>
@@ -7443,7 +7450,7 @@
           <a:p>
             <a:fld id="{877DD24C-FF9A-411C-96FD-F688C4DA8D6E}" type="datetime1">
               <a:rPr lang="en-US" altLang="zh-TW" smtClean="0"/>
-              <a:t>7/17/2023</a:t>
+              <a:t>7/18/2023</a:t>
             </a:fld>
             <a:endParaRPr lang="en-US" dirty="0"/>
           </a:p>
@@ -8117,7 +8124,7 @@
         <p:spPr>
           <a:xfrm>
             <a:off x="1687669" y="624110"/>
-            <a:ext cx="4137059" cy="1280890"/>
+            <a:ext cx="4982072" cy="1280890"/>
           </a:xfrm>
         </p:spPr>
         <p:txBody>
@@ -8127,10 +8134,10 @@
           <a:lstStyle/>
           <a:p>
             <a:r>
-              <a:rPr lang="en-US" altLang="zh-TW" sz="3200"/>
-              <a:t>Question1.</a:t>
-            </a:r>
-            <a:endParaRPr lang="zh-TW" altLang="en-US" sz="3200"/>
+              <a:rPr lang="en-US" altLang="zh-TW" sz="3200" dirty="0"/>
+              <a:t>Question1- Order by</a:t>
+            </a:r>
+            <a:endParaRPr lang="zh-TW" altLang="en-US" sz="3200" dirty="0"/>
           </a:p>
         </p:txBody>
       </p:sp>
@@ -8528,8 +8535,8 @@
                 <a:solidFill>
                   <a:srgbClr val="000000"/>
                 </a:solidFill>
-                <a:latin typeface="細明體" panose="02020509000000000000" pitchFamily="49" charset="-120"/>
-                <a:ea typeface="細明體" panose="02020509000000000000" pitchFamily="49" charset="-120"/>
+                <a:latin typeface="微軟正黑體" panose="020B0604030504040204" pitchFamily="34" charset="-120"/>
+                <a:ea typeface="微軟正黑體" panose="020B0604030504040204" pitchFamily="34" charset="-120"/>
               </a:rPr>
               <a:t>SELECT </a:t>
             </a:r>
@@ -8538,8 +8545,8 @@
                 <a:solidFill>
                   <a:srgbClr val="000000"/>
                 </a:solidFill>
-                <a:latin typeface="細明體" panose="02020509000000000000" pitchFamily="49" charset="-120"/>
-                <a:ea typeface="細明體" panose="02020509000000000000" pitchFamily="49" charset="-120"/>
+                <a:latin typeface="微軟正黑體" panose="020B0604030504040204" pitchFamily="34" charset="-120"/>
+                <a:ea typeface="微軟正黑體" panose="020B0604030504040204" pitchFamily="34" charset="-120"/>
               </a:rPr>
               <a:t>e.EventName,e.EventDate</a:t>
             </a:r>
@@ -8547,8 +8554,8 @@
               <a:solidFill>
                 <a:srgbClr val="000000"/>
               </a:solidFill>
-              <a:latin typeface="細明體" panose="02020509000000000000" pitchFamily="49" charset="-120"/>
-              <a:ea typeface="細明體" panose="02020509000000000000" pitchFamily="49" charset="-120"/>
+              <a:latin typeface="微軟正黑體" panose="020B0604030504040204" pitchFamily="34" charset="-120"/>
+              <a:ea typeface="微軟正黑體" panose="020B0604030504040204" pitchFamily="34" charset="-120"/>
             </a:endParaRPr>
           </a:p>
           <a:p>
@@ -8557,8 +8564,8 @@
                 <a:solidFill>
                   <a:srgbClr val="000000"/>
                 </a:solidFill>
-                <a:latin typeface="細明體" panose="02020509000000000000" pitchFamily="49" charset="-120"/>
-                <a:ea typeface="細明體" panose="02020509000000000000" pitchFamily="49" charset="-120"/>
+                <a:latin typeface="微軟正黑體" panose="020B0604030504040204" pitchFamily="34" charset="-120"/>
+                <a:ea typeface="微軟正黑體" panose="020B0604030504040204" pitchFamily="34" charset="-120"/>
               </a:rPr>
               <a:t>FROM </a:t>
             </a:r>
@@ -8567,8 +8574,8 @@
                 <a:solidFill>
                   <a:srgbClr val="000000"/>
                 </a:solidFill>
-                <a:latin typeface="細明體" panose="02020509000000000000" pitchFamily="49" charset="-120"/>
-                <a:ea typeface="細明體" panose="02020509000000000000" pitchFamily="49" charset="-120"/>
+                <a:latin typeface="微軟正黑體" panose="020B0604030504040204" pitchFamily="34" charset="-120"/>
+                <a:ea typeface="微軟正黑體" panose="020B0604030504040204" pitchFamily="34" charset="-120"/>
               </a:rPr>
               <a:t>WorldEvents.dbo.tblEvent</a:t>
             </a:r>
@@ -8577,8 +8584,8 @@
                 <a:solidFill>
                   <a:srgbClr val="000000"/>
                 </a:solidFill>
-                <a:latin typeface="細明體" panose="02020509000000000000" pitchFamily="49" charset="-120"/>
-                <a:ea typeface="細明體" panose="02020509000000000000" pitchFamily="49" charset="-120"/>
+                <a:latin typeface="微軟正黑體" panose="020B0604030504040204" pitchFamily="34" charset="-120"/>
+                <a:ea typeface="微軟正黑體" panose="020B0604030504040204" pitchFamily="34" charset="-120"/>
               </a:rPr>
               <a:t> as e</a:t>
             </a:r>
@@ -8589,8 +8596,8 @@
                 <a:solidFill>
                   <a:srgbClr val="000000"/>
                 </a:solidFill>
-                <a:latin typeface="細明體" panose="02020509000000000000" pitchFamily="49" charset="-120"/>
-                <a:ea typeface="細明體" panose="02020509000000000000" pitchFamily="49" charset="-120"/>
+                <a:latin typeface="微軟正黑體" panose="020B0604030504040204" pitchFamily="34" charset="-120"/>
+                <a:ea typeface="微軟正黑體" panose="020B0604030504040204" pitchFamily="34" charset="-120"/>
               </a:rPr>
               <a:t>ORDER BY </a:t>
             </a:r>
@@ -8599,8 +8606,8 @@
                 <a:solidFill>
                   <a:srgbClr val="000000"/>
                 </a:solidFill>
-                <a:latin typeface="細明體" panose="02020509000000000000" pitchFamily="49" charset="-120"/>
-                <a:ea typeface="細明體" panose="02020509000000000000" pitchFamily="49" charset="-120"/>
+                <a:latin typeface="微軟正黑體" panose="020B0604030504040204" pitchFamily="34" charset="-120"/>
+                <a:ea typeface="微軟正黑體" panose="020B0604030504040204" pitchFamily="34" charset="-120"/>
               </a:rPr>
               <a:t>e.EventDate</a:t>
             </a:r>
@@ -8609,8 +8616,8 @@
                 <a:solidFill>
                   <a:srgbClr val="000000"/>
                 </a:solidFill>
-                <a:latin typeface="細明體" panose="02020509000000000000" pitchFamily="49" charset="-120"/>
-                <a:ea typeface="細明體" panose="02020509000000000000" pitchFamily="49" charset="-120"/>
+                <a:latin typeface="微軟正黑體" panose="020B0604030504040204" pitchFamily="34" charset="-120"/>
+                <a:ea typeface="微軟正黑體" panose="020B0604030504040204" pitchFamily="34" charset="-120"/>
               </a:rPr>
               <a:t> DESC</a:t>
             </a:r>
@@ -8620,8 +8627,8 @@
               <a:solidFill>
                 <a:srgbClr val="000000"/>
               </a:solidFill>
-              <a:latin typeface="細明體" panose="02020509000000000000" pitchFamily="49" charset="-120"/>
-              <a:ea typeface="細明體" panose="02020509000000000000" pitchFamily="49" charset="-120"/>
+              <a:latin typeface="微軟正黑體" panose="020B0604030504040204" pitchFamily="34" charset="-120"/>
+              <a:ea typeface="微軟正黑體" panose="020B0604030504040204" pitchFamily="34" charset="-120"/>
             </a:endParaRPr>
           </a:p>
           <a:p>
@@ -8630,18 +8637,18 @@
                 <a:solidFill>
                   <a:srgbClr val="000000"/>
                 </a:solidFill>
-                <a:latin typeface="細明體" panose="02020509000000000000" pitchFamily="49" charset="-120"/>
-                <a:ea typeface="細明體" panose="02020509000000000000" pitchFamily="49" charset="-120"/>
+                <a:latin typeface="微軟正黑體" panose="020B0604030504040204" pitchFamily="34" charset="-120"/>
+                <a:ea typeface="微軟正黑體" panose="020B0604030504040204" pitchFamily="34" charset="-120"/>
               </a:rPr>
-              <a:t>ORDER BY :	</a:t>
+              <a:t>ORDER BY :</a:t>
             </a:r>
             <a:r>
               <a:rPr lang="zh-TW" altLang="en-US" sz="1600" dirty="0">
                 <a:solidFill>
                   <a:srgbClr val="000000"/>
                 </a:solidFill>
-                <a:latin typeface="細明體" panose="02020509000000000000" pitchFamily="49" charset="-120"/>
-                <a:ea typeface="細明體" panose="02020509000000000000" pitchFamily="49" charset="-120"/>
+                <a:latin typeface="微軟正黑體" panose="020B0604030504040204" pitchFamily="34" charset="-120"/>
+                <a:ea typeface="微軟正黑體" panose="020B0604030504040204" pitchFamily="34" charset="-120"/>
               </a:rPr>
               <a:t>根據某個</a:t>
             </a:r>
@@ -8650,8 +8657,8 @@
                 <a:solidFill>
                   <a:srgbClr val="000000"/>
                 </a:solidFill>
-                <a:latin typeface="細明體" panose="02020509000000000000" pitchFamily="49" charset="-120"/>
-                <a:ea typeface="細明體" panose="02020509000000000000" pitchFamily="49" charset="-120"/>
+                <a:latin typeface="微軟正黑體" panose="020B0604030504040204" pitchFamily="34" charset="-120"/>
+                <a:ea typeface="微軟正黑體" panose="020B0604030504040204" pitchFamily="34" charset="-120"/>
               </a:rPr>
               <a:t>table</a:t>
             </a:r>
@@ -8660,8 +8667,8 @@
                 <a:solidFill>
                   <a:srgbClr val="000000"/>
                 </a:solidFill>
-                <a:latin typeface="細明體" panose="02020509000000000000" pitchFamily="49" charset="-120"/>
-                <a:ea typeface="細明體" panose="02020509000000000000" pitchFamily="49" charset="-120"/>
+                <a:latin typeface="微軟正黑體" panose="020B0604030504040204" pitchFamily="34" charset="-120"/>
+                <a:ea typeface="微軟正黑體" panose="020B0604030504040204" pitchFamily="34" charset="-120"/>
               </a:rPr>
               <a:t>來做排序</a:t>
             </a:r>
@@ -8669,8 +8676,8 @@
               <a:solidFill>
                 <a:srgbClr val="000000"/>
               </a:solidFill>
-              <a:latin typeface="細明體" panose="02020509000000000000" pitchFamily="49" charset="-120"/>
-              <a:ea typeface="細明體" panose="02020509000000000000" pitchFamily="49" charset="-120"/>
+              <a:latin typeface="微軟正黑體" panose="020B0604030504040204" pitchFamily="34" charset="-120"/>
+              <a:ea typeface="微軟正黑體" panose="020B0604030504040204" pitchFamily="34" charset="-120"/>
             </a:endParaRPr>
           </a:p>
           <a:p>
@@ -8679,8 +8686,8 @@
                 <a:solidFill>
                   <a:srgbClr val="000000"/>
                 </a:solidFill>
-                <a:latin typeface="細明體" panose="02020509000000000000" pitchFamily="49" charset="-120"/>
-                <a:ea typeface="細明體" panose="02020509000000000000" pitchFamily="49" charset="-120"/>
+                <a:latin typeface="微軟正黑體" panose="020B0604030504040204" pitchFamily="34" charset="-120"/>
+                <a:ea typeface="微軟正黑體" panose="020B0604030504040204" pitchFamily="34" charset="-120"/>
               </a:rPr>
               <a:t>DESC:</a:t>
             </a:r>
@@ -8689,8 +8696,8 @@
                 <a:solidFill>
                   <a:srgbClr val="000000"/>
                 </a:solidFill>
-                <a:latin typeface="細明體" panose="02020509000000000000" pitchFamily="49" charset="-120"/>
-                <a:ea typeface="細明體" panose="02020509000000000000" pitchFamily="49" charset="-120"/>
+                <a:latin typeface="微軟正黑體" panose="020B0604030504040204" pitchFamily="34" charset="-120"/>
+                <a:ea typeface="微軟正黑體" panose="020B0604030504040204" pitchFamily="34" charset="-120"/>
               </a:rPr>
               <a:t>由大到小</a:t>
             </a:r>
@@ -8698,8 +8705,8 @@
               <a:solidFill>
                 <a:srgbClr val="000000"/>
               </a:solidFill>
-              <a:latin typeface="細明體" panose="02020509000000000000" pitchFamily="49" charset="-120"/>
-              <a:ea typeface="細明體" panose="02020509000000000000" pitchFamily="49" charset="-120"/>
+              <a:latin typeface="微軟正黑體" panose="020B0604030504040204" pitchFamily="34" charset="-120"/>
+              <a:ea typeface="微軟正黑體" panose="020B0604030504040204" pitchFamily="34" charset="-120"/>
             </a:endParaRPr>
           </a:p>
           <a:p>
@@ -8708,8 +8715,8 @@
                 <a:solidFill>
                   <a:srgbClr val="000000"/>
                 </a:solidFill>
-                <a:latin typeface="細明體" panose="02020509000000000000" pitchFamily="49" charset="-120"/>
-                <a:ea typeface="細明體" panose="02020509000000000000" pitchFamily="49" charset="-120"/>
+                <a:latin typeface="微軟正黑體" panose="020B0604030504040204" pitchFamily="34" charset="-120"/>
+                <a:ea typeface="微軟正黑體" panose="020B0604030504040204" pitchFamily="34" charset="-120"/>
               </a:rPr>
               <a:t>ASC:</a:t>
             </a:r>
@@ -8718,8 +8725,8 @@
                 <a:solidFill>
                   <a:srgbClr val="000000"/>
                 </a:solidFill>
-                <a:latin typeface="細明體" panose="02020509000000000000" pitchFamily="49" charset="-120"/>
-                <a:ea typeface="細明體" panose="02020509000000000000" pitchFamily="49" charset="-120"/>
+                <a:latin typeface="微軟正黑體" panose="020B0604030504040204" pitchFamily="34" charset="-120"/>
+                <a:ea typeface="微軟正黑體" panose="020B0604030504040204" pitchFamily="34" charset="-120"/>
               </a:rPr>
               <a:t>由小到大</a:t>
             </a:r>
@@ -8728,25 +8735,45 @@
                 <a:solidFill>
                   <a:srgbClr val="000000"/>
                 </a:solidFill>
-                <a:latin typeface="細明體" panose="02020509000000000000" pitchFamily="49" charset="-120"/>
-                <a:ea typeface="細明體" panose="02020509000000000000" pitchFamily="49" charset="-120"/>
+                <a:latin typeface="微軟正黑體" panose="020B0604030504040204" pitchFamily="34" charset="-120"/>
+                <a:ea typeface="微軟正黑體" panose="020B0604030504040204" pitchFamily="34" charset="-120"/>
               </a:rPr>
               <a:t>(</a:t>
             </a:r>
             <a:r>
-              <a:rPr lang="zh-TW" altLang="en-US" sz="1600">
+              <a:rPr lang="zh-TW" altLang="en-US" sz="1600" dirty="0">
                 <a:solidFill>
                   <a:srgbClr val="000000"/>
                 </a:solidFill>
-                <a:latin typeface="細明體" panose="02020509000000000000" pitchFamily="49" charset="-120"/>
-                <a:ea typeface="細明體" panose="02020509000000000000" pitchFamily="49" charset="-120"/>
+                <a:latin typeface="微軟正黑體" panose="020B0604030504040204" pitchFamily="34" charset="-120"/>
+                <a:ea typeface="微軟正黑體" panose="020B0604030504040204" pitchFamily="34" charset="-120"/>
               </a:rPr>
               <a:t>預設</a:t>
             </a:r>
+            <a:endParaRPr lang="en-US" altLang="zh-TW" sz="1600" dirty="0">
+              <a:solidFill>
+                <a:srgbClr val="000000"/>
+              </a:solidFill>
+              <a:latin typeface="微軟正黑體" panose="020B0604030504040204" pitchFamily="34" charset="-120"/>
+              <a:ea typeface="微軟正黑體" panose="020B0604030504040204" pitchFamily="34" charset="-120"/>
+            </a:endParaRPr>
+          </a:p>
+          <a:p>
+            <a:endParaRPr lang="en-US" altLang="zh-TW" sz="1600" dirty="0">
+              <a:solidFill>
+                <a:srgbClr val="000000"/>
+              </a:solidFill>
+              <a:latin typeface="微軟正黑體" panose="020B0604030504040204" pitchFamily="34" charset="-120"/>
+              <a:ea typeface="微軟正黑體" panose="020B0604030504040204" pitchFamily="34" charset="-120"/>
+            </a:endParaRPr>
+          </a:p>
+          <a:p>
             <a:endParaRPr lang="zh-TW" altLang="en-US" sz="1600" dirty="0">
               <a:solidFill>
                 <a:srgbClr val="000000"/>
               </a:solidFill>
+              <a:latin typeface="微軟正黑體" panose="020B0604030504040204" pitchFamily="34" charset="-120"/>
+              <a:ea typeface="微軟正黑體" panose="020B0604030504040204" pitchFamily="34" charset="-120"/>
             </a:endParaRPr>
           </a:p>
         </p:txBody>
@@ -8781,10 +8808,747 @@
           </a:prstGeom>
         </p:spPr>
       </p:pic>
+      <p:sp>
+        <p:nvSpPr>
+          <p:cNvPr id="5" name="文字方塊 4">
+            <a:extLst>
+              <a:ext uri="{FF2B5EF4-FFF2-40B4-BE49-F238E27FC236}">
+                <a16:creationId xmlns:a16="http://schemas.microsoft.com/office/drawing/2014/main" id="{DB945650-F748-596E-15AC-CF88144C1596}"/>
+              </a:ext>
+            </a:extLst>
+          </p:cNvPr>
+          <p:cNvSpPr txBox="1"/>
+          <p:nvPr/>
+        </p:nvSpPr>
+        <p:spPr>
+          <a:xfrm>
+            <a:off x="1683956" y="6140824"/>
+            <a:ext cx="6593472" cy="369332"/>
+          </a:xfrm>
+          <a:prstGeom prst="rect">
+            <a:avLst/>
+          </a:prstGeom>
+          <a:noFill/>
+        </p:spPr>
+        <p:txBody>
+          <a:bodyPr wrap="none" rtlCol="0">
+            <a:spAutoFit/>
+          </a:bodyPr>
+          <a:lstStyle/>
+          <a:p>
+            <a:r>
+              <a:rPr lang="zh-TW" altLang="en-US" dirty="0"/>
+              <a:t>參考資料</a:t>
+            </a:r>
+            <a:r>
+              <a:rPr lang="en-US" altLang="zh-TW" dirty="0"/>
+              <a:t>:https://www.w3schools.com/sql/sql_orderby.asp</a:t>
+            </a:r>
+            <a:endParaRPr lang="zh-TW" altLang="en-US" dirty="0"/>
+          </a:p>
+        </p:txBody>
+      </p:sp>
     </p:spTree>
     <p:extLst>
       <p:ext uri="{BB962C8B-B14F-4D97-AF65-F5344CB8AC3E}">
         <p14:creationId xmlns:p14="http://schemas.microsoft.com/office/powerpoint/2010/main" val="878525937"/>
+      </p:ext>
+    </p:extLst>
+  </p:cSld>
+  <p:clrMapOvr>
+    <a:masterClrMapping/>
+  </p:clrMapOvr>
+</p:sld>
+</file>
+
+<file path=ppt/slides/slide4.xml><?xml version="1.0" encoding="utf-8"?>
+<p:sld xmlns:a="http://schemas.openxmlformats.org/drawingml/2006/main" xmlns:r="http://schemas.openxmlformats.org/officeDocument/2006/relationships" xmlns:p="http://schemas.openxmlformats.org/presentationml/2006/main">
+  <p:cSld>
+    <p:bg>
+      <p:bgPr>
+        <a:gradFill rotWithShape="1">
+          <a:gsLst>
+            <a:gs pos="0">
+              <a:schemeClr val="bg2">
+                <a:tint val="90000"/>
+                <a:lumMod val="120000"/>
+              </a:schemeClr>
+            </a:gs>
+            <a:gs pos="100000">
+              <a:schemeClr val="bg2">
+                <a:shade val="98000"/>
+                <a:satMod val="120000"/>
+                <a:lumMod val="98000"/>
+              </a:schemeClr>
+            </a:gs>
+          </a:gsLst>
+          <a:lin ang="5400000" scaled="0"/>
+        </a:gradFill>
+        <a:effectLst/>
+      </p:bgPr>
+    </p:bg>
+    <p:spTree>
+      <p:nvGrpSpPr>
+        <p:cNvPr id="1" name=""/>
+        <p:cNvGrpSpPr/>
+        <p:nvPr/>
+      </p:nvGrpSpPr>
+      <p:grpSpPr>
+        <a:xfrm>
+          <a:off x="0" y="0"/>
+          <a:ext cx="0" cy="0"/>
+          <a:chOff x="0" y="0"/>
+          <a:chExt cx="0" cy="0"/>
+        </a:xfrm>
+      </p:grpSpPr>
+      <p:sp>
+        <p:nvSpPr>
+          <p:cNvPr id="2" name="標題 1">
+            <a:extLst>
+              <a:ext uri="{FF2B5EF4-FFF2-40B4-BE49-F238E27FC236}">
+                <a16:creationId xmlns:a16="http://schemas.microsoft.com/office/drawing/2014/main" id="{9754B65C-1642-6FE5-D941-96E5D377AABC}"/>
+              </a:ext>
+            </a:extLst>
+          </p:cNvPr>
+          <p:cNvSpPr>
+            <a:spLocks noGrp="1"/>
+          </p:cNvSpPr>
+          <p:nvPr>
+            <p:ph type="title"/>
+          </p:nvPr>
+        </p:nvSpPr>
+        <p:spPr>
+          <a:xfrm>
+            <a:off x="1687669" y="624110"/>
+            <a:ext cx="4137059" cy="1280890"/>
+          </a:xfrm>
+        </p:spPr>
+        <p:txBody>
+          <a:bodyPr>
+            <a:normAutofit/>
+          </a:bodyPr>
+          <a:lstStyle/>
+          <a:p>
+            <a:r>
+              <a:rPr lang="en-US" altLang="zh-TW" sz="3200" dirty="0"/>
+              <a:t>Question2- Aliases</a:t>
+            </a:r>
+            <a:endParaRPr lang="zh-TW" altLang="en-US" sz="3200" dirty="0"/>
+          </a:p>
+        </p:txBody>
+      </p:sp>
+      <p:sp>
+        <p:nvSpPr>
+          <p:cNvPr id="4" name="投影片編號版面配置區 3">
+            <a:extLst>
+              <a:ext uri="{FF2B5EF4-FFF2-40B4-BE49-F238E27FC236}">
+                <a16:creationId xmlns:a16="http://schemas.microsoft.com/office/drawing/2014/main" id="{3F1EA6AD-3945-5A5F-70AE-CD8043429B6D}"/>
+              </a:ext>
+            </a:extLst>
+          </p:cNvPr>
+          <p:cNvSpPr>
+            <a:spLocks noGrp="1"/>
+          </p:cNvSpPr>
+          <p:nvPr>
+            <p:ph type="sldNum" sz="quarter" idx="12"/>
+          </p:nvPr>
+        </p:nvSpPr>
+        <p:spPr>
+          <a:xfrm>
+            <a:off x="531812" y="787782"/>
+            <a:ext cx="779767" cy="365125"/>
+          </a:xfrm>
+        </p:spPr>
+        <p:txBody>
+          <a:bodyPr>
+            <a:normAutofit/>
+          </a:bodyPr>
+          <a:lstStyle/>
+          <a:p>
+            <a:pPr>
+              <a:lnSpc>
+                <a:spcPct val="90000"/>
+              </a:lnSpc>
+              <a:spcAft>
+                <a:spcPts val="600"/>
+              </a:spcAft>
+            </a:pPr>
+            <a:fld id="{D57F1E4F-1CFF-5643-939E-217C01CDF565}" type="slidenum">
+              <a:rPr lang="en-US" sz="1900" smtClean="0"/>
+              <a:pPr>
+                <a:lnSpc>
+                  <a:spcPct val="90000"/>
+                </a:lnSpc>
+                <a:spcAft>
+                  <a:spcPts val="600"/>
+                </a:spcAft>
+              </a:pPr>
+              <a:t>4</a:t>
+            </a:fld>
+            <a:endParaRPr lang="en-US" sz="1900"/>
+          </a:p>
+        </p:txBody>
+      </p:sp>
+      <p:sp>
+        <p:nvSpPr>
+          <p:cNvPr id="3" name="內容版面配置區 2">
+            <a:extLst>
+              <a:ext uri="{FF2B5EF4-FFF2-40B4-BE49-F238E27FC236}">
+                <a16:creationId xmlns:a16="http://schemas.microsoft.com/office/drawing/2014/main" id="{8A26720F-616D-E164-DA93-3A4EBED4F0AD}"/>
+              </a:ext>
+            </a:extLst>
+          </p:cNvPr>
+          <p:cNvSpPr>
+            <a:spLocks noGrp="1"/>
+          </p:cNvSpPr>
+          <p:nvPr>
+            <p:ph idx="1"/>
+          </p:nvPr>
+        </p:nvSpPr>
+        <p:spPr>
+          <a:xfrm>
+            <a:off x="1683956" y="2133600"/>
+            <a:ext cx="4140772" cy="3777622"/>
+          </a:xfrm>
+        </p:spPr>
+        <p:txBody>
+          <a:bodyPr>
+            <a:noAutofit/>
+          </a:bodyPr>
+          <a:lstStyle/>
+          <a:p>
+            <a:pPr algn="l"/>
+            <a:r>
+              <a:rPr lang="en-US" altLang="zh-TW" sz="1600" b="0" i="0" dirty="0">
+                <a:solidFill>
+                  <a:srgbClr val="666666"/>
+                </a:solidFill>
+                <a:effectLst/>
+                <a:latin typeface="微軟正黑體" panose="020B0604030504040204" pitchFamily="34" charset="-120"/>
+                <a:ea typeface="微軟正黑體" panose="020B0604030504040204" pitchFamily="34" charset="-120"/>
+              </a:rPr>
+              <a:t>Write a query to show the first 5 events (in date order) from the </a:t>
+            </a:r>
+            <a:r>
+              <a:rPr lang="en-US" altLang="zh-TW" sz="1600" b="1" i="0" dirty="0" err="1">
+                <a:solidFill>
+                  <a:srgbClr val="666666"/>
+                </a:solidFill>
+                <a:effectLst/>
+                <a:latin typeface="微軟正黑體" panose="020B0604030504040204" pitchFamily="34" charset="-120"/>
+                <a:ea typeface="微軟正黑體" panose="020B0604030504040204" pitchFamily="34" charset="-120"/>
+              </a:rPr>
+              <a:t>tblEvent</a:t>
+            </a:r>
+            <a:r>
+              <a:rPr lang="en-US" altLang="zh-TW" sz="1600" b="1" i="0" dirty="0">
+                <a:solidFill>
+                  <a:srgbClr val="666666"/>
+                </a:solidFill>
+                <a:effectLst/>
+                <a:latin typeface="微軟正黑體" panose="020B0604030504040204" pitchFamily="34" charset="-120"/>
+                <a:ea typeface="微軟正黑體" panose="020B0604030504040204" pitchFamily="34" charset="-120"/>
+              </a:rPr>
+              <a:t> </a:t>
+            </a:r>
+            <a:r>
+              <a:rPr lang="en-US" altLang="zh-TW" sz="1600" b="0" i="0" dirty="0">
+                <a:solidFill>
+                  <a:srgbClr val="666666"/>
+                </a:solidFill>
+                <a:effectLst/>
+                <a:latin typeface="微軟正黑體" panose="020B0604030504040204" pitchFamily="34" charset="-120"/>
+                <a:ea typeface="微軟正黑體" panose="020B0604030504040204" pitchFamily="34" charset="-120"/>
+              </a:rPr>
+              <a:t>table:</a:t>
+            </a:r>
+          </a:p>
+          <a:p>
+            <a:r>
+              <a:rPr lang="en-US" altLang="zh-TW" sz="1600" dirty="0">
+                <a:latin typeface="微軟正黑體" panose="020B0604030504040204" pitchFamily="34" charset="-120"/>
+                <a:ea typeface="微軟正黑體" panose="020B0604030504040204" pitchFamily="34" charset="-120"/>
+              </a:rPr>
+              <a:t>There are a few things to notice about this:</a:t>
+            </a:r>
+          </a:p>
+          <a:p>
+            <a:r>
+              <a:rPr lang="en-US" altLang="zh-TW" sz="1600" dirty="0">
+                <a:latin typeface="微軟正黑體" panose="020B0604030504040204" pitchFamily="34" charset="-120"/>
+                <a:ea typeface="微軟正黑體" panose="020B0604030504040204" pitchFamily="34" charset="-120"/>
+              </a:rPr>
+              <a:t>You should give the columns </a:t>
+            </a:r>
+            <a:r>
+              <a:rPr lang="en-US" altLang="zh-TW" sz="1600" dirty="0">
+                <a:solidFill>
+                  <a:srgbClr val="FF0000"/>
+                </a:solidFill>
+                <a:latin typeface="微軟正黑體" panose="020B0604030504040204" pitchFamily="34" charset="-120"/>
+                <a:ea typeface="微軟正黑體" panose="020B0604030504040204" pitchFamily="34" charset="-120"/>
+              </a:rPr>
+              <a:t>aliases</a:t>
+            </a:r>
+            <a:r>
+              <a:rPr lang="en-US" altLang="zh-TW" sz="1600" dirty="0">
+                <a:latin typeface="微軟正黑體" panose="020B0604030504040204" pitchFamily="34" charset="-120"/>
+                <a:ea typeface="微軟正黑體" panose="020B0604030504040204" pitchFamily="34" charset="-120"/>
+              </a:rPr>
+              <a:t> (What and Details in this case);</a:t>
+            </a:r>
+          </a:p>
+          <a:p>
+            <a:r>
+              <a:rPr lang="en-US" altLang="zh-TW" sz="1600" dirty="0">
+                <a:latin typeface="微軟正黑體" panose="020B0604030504040204" pitchFamily="34" charset="-120"/>
+                <a:ea typeface="微軟正黑體" panose="020B0604030504040204" pitchFamily="34" charset="-120"/>
+              </a:rPr>
+              <a:t>Use </a:t>
+            </a:r>
+            <a:r>
+              <a:rPr lang="en-US" altLang="zh-TW" sz="1600" b="1" dirty="0">
+                <a:solidFill>
+                  <a:srgbClr val="FF0000"/>
+                </a:solidFill>
+                <a:latin typeface="微軟正黑體" panose="020B0604030504040204" pitchFamily="34" charset="-120"/>
+                <a:ea typeface="微軟正黑體" panose="020B0604030504040204" pitchFamily="34" charset="-120"/>
+              </a:rPr>
+              <a:t>SELECT TOP 5</a:t>
+            </a:r>
+            <a:r>
+              <a:rPr lang="en-US" altLang="zh-TW" sz="1600" dirty="0">
+                <a:latin typeface="微軟正黑體" panose="020B0604030504040204" pitchFamily="34" charset="-120"/>
+                <a:ea typeface="微軟正黑體" panose="020B0604030504040204" pitchFamily="34" charset="-120"/>
+              </a:rPr>
+              <a:t> to limit the results to 5 rows;</a:t>
+            </a:r>
+          </a:p>
+          <a:p>
+            <a:r>
+              <a:rPr lang="en-US" altLang="zh-TW" sz="1600" dirty="0">
+                <a:latin typeface="微軟正黑體" panose="020B0604030504040204" pitchFamily="34" charset="-120"/>
+                <a:ea typeface="微軟正黑體" panose="020B0604030504040204" pitchFamily="34" charset="-120"/>
+              </a:rPr>
+              <a:t>Even though you're sorting by the event date, it doesn't have to be included in your results.</a:t>
+            </a:r>
+          </a:p>
+        </p:txBody>
+      </p:sp>
+      <p:pic>
+        <p:nvPicPr>
+          <p:cNvPr id="1028" name="Picture 4" descr="Query results">
+            <a:extLst>
+              <a:ext uri="{FF2B5EF4-FFF2-40B4-BE49-F238E27FC236}">
+                <a16:creationId xmlns:a16="http://schemas.microsoft.com/office/drawing/2014/main" id="{D5AB491D-B264-89F9-F3C0-819DA08A4D0F}"/>
+              </a:ext>
+            </a:extLst>
+          </p:cNvPr>
+          <p:cNvPicPr>
+            <a:picLocks noChangeAspect="1" noChangeArrowheads="1"/>
+          </p:cNvPicPr>
+          <p:nvPr/>
+        </p:nvPicPr>
+        <p:blipFill>
+          <a:blip r:embed="rId2">
+            <a:extLst>
+              <a:ext uri="{28A0092B-C50C-407E-A947-70E740481C1C}">
+                <a14:useLocalDpi xmlns:a14="http://schemas.microsoft.com/office/drawing/2010/main" val="0"/>
+              </a:ext>
+            </a:extLst>
+          </a:blip>
+          <a:srcRect/>
+          <a:stretch>
+            <a:fillRect/>
+          </a:stretch>
+        </p:blipFill>
+        <p:spPr bwMode="auto">
+          <a:xfrm>
+            <a:off x="6186955" y="2868519"/>
+            <a:ext cx="5229225" cy="1343025"/>
+          </a:xfrm>
+          <a:prstGeom prst="rect">
+            <a:avLst/>
+          </a:prstGeom>
+          <a:noFill/>
+          <a:extLst>
+            <a:ext uri="{909E8E84-426E-40DD-AFC4-6F175D3DCCD1}">
+              <a14:hiddenFill xmlns:a14="http://schemas.microsoft.com/office/drawing/2010/main">
+                <a:solidFill>
+                  <a:srgbClr val="FFFFFF"/>
+                </a:solidFill>
+              </a14:hiddenFill>
+            </a:ext>
+          </a:extLst>
+        </p:spPr>
+      </p:pic>
+    </p:spTree>
+    <p:extLst>
+      <p:ext uri="{BB962C8B-B14F-4D97-AF65-F5344CB8AC3E}">
+        <p14:creationId xmlns:p14="http://schemas.microsoft.com/office/powerpoint/2010/main" val="2489279946"/>
+      </p:ext>
+    </p:extLst>
+  </p:cSld>
+  <p:clrMapOvr>
+    <a:masterClrMapping/>
+  </p:clrMapOvr>
+</p:sld>
+</file>
+
+<file path=ppt/slides/slide5.xml><?xml version="1.0" encoding="utf-8"?>
+<p:sld xmlns:a="http://schemas.openxmlformats.org/drawingml/2006/main" xmlns:r="http://schemas.openxmlformats.org/officeDocument/2006/relationships" xmlns:p="http://schemas.openxmlformats.org/presentationml/2006/main">
+  <p:cSld>
+    <p:bg>
+      <p:bgPr>
+        <a:gradFill rotWithShape="1">
+          <a:gsLst>
+            <a:gs pos="0">
+              <a:schemeClr val="bg2">
+                <a:tint val="90000"/>
+                <a:lumMod val="120000"/>
+              </a:schemeClr>
+            </a:gs>
+            <a:gs pos="100000">
+              <a:schemeClr val="bg2">
+                <a:shade val="98000"/>
+                <a:satMod val="120000"/>
+                <a:lumMod val="98000"/>
+              </a:schemeClr>
+            </a:gs>
+          </a:gsLst>
+          <a:lin ang="5400000" scaled="0"/>
+        </a:gradFill>
+        <a:effectLst/>
+      </p:bgPr>
+    </p:bg>
+    <p:spTree>
+      <p:nvGrpSpPr>
+        <p:cNvPr id="1" name=""/>
+        <p:cNvGrpSpPr/>
+        <p:nvPr/>
+      </p:nvGrpSpPr>
+      <p:grpSpPr>
+        <a:xfrm>
+          <a:off x="0" y="0"/>
+          <a:ext cx="0" cy="0"/>
+          <a:chOff x="0" y="0"/>
+          <a:chExt cx="0" cy="0"/>
+        </a:xfrm>
+      </p:grpSpPr>
+      <p:sp>
+        <p:nvSpPr>
+          <p:cNvPr id="2" name="標題 1">
+            <a:extLst>
+              <a:ext uri="{FF2B5EF4-FFF2-40B4-BE49-F238E27FC236}">
+                <a16:creationId xmlns:a16="http://schemas.microsoft.com/office/drawing/2014/main" id="{9754B65C-1642-6FE5-D941-96E5D377AABC}"/>
+              </a:ext>
+            </a:extLst>
+          </p:cNvPr>
+          <p:cNvSpPr>
+            <a:spLocks noGrp="1"/>
+          </p:cNvSpPr>
+          <p:nvPr>
+            <p:ph type="title"/>
+          </p:nvPr>
+        </p:nvSpPr>
+        <p:spPr>
+          <a:xfrm>
+            <a:off x="1687669" y="624110"/>
+            <a:ext cx="4137059" cy="1280890"/>
+          </a:xfrm>
+        </p:spPr>
+        <p:txBody>
+          <a:bodyPr>
+            <a:normAutofit/>
+          </a:bodyPr>
+          <a:lstStyle/>
+          <a:p>
+            <a:r>
+              <a:rPr lang="en-US" altLang="zh-TW" sz="3200" dirty="0"/>
+              <a:t>Answer2.</a:t>
+            </a:r>
+            <a:endParaRPr lang="zh-TW" altLang="en-US" sz="3200" dirty="0"/>
+          </a:p>
+        </p:txBody>
+      </p:sp>
+      <p:sp>
+        <p:nvSpPr>
+          <p:cNvPr id="4" name="投影片編號版面配置區 3">
+            <a:extLst>
+              <a:ext uri="{FF2B5EF4-FFF2-40B4-BE49-F238E27FC236}">
+                <a16:creationId xmlns:a16="http://schemas.microsoft.com/office/drawing/2014/main" id="{3F1EA6AD-3945-5A5F-70AE-CD8043429B6D}"/>
+              </a:ext>
+            </a:extLst>
+          </p:cNvPr>
+          <p:cNvSpPr>
+            <a:spLocks noGrp="1"/>
+          </p:cNvSpPr>
+          <p:nvPr>
+            <p:ph type="sldNum" sz="quarter" idx="12"/>
+          </p:nvPr>
+        </p:nvSpPr>
+        <p:spPr>
+          <a:xfrm>
+            <a:off x="531812" y="787782"/>
+            <a:ext cx="779767" cy="365125"/>
+          </a:xfrm>
+        </p:spPr>
+        <p:txBody>
+          <a:bodyPr>
+            <a:normAutofit/>
+          </a:bodyPr>
+          <a:lstStyle/>
+          <a:p>
+            <a:pPr>
+              <a:lnSpc>
+                <a:spcPct val="90000"/>
+              </a:lnSpc>
+              <a:spcAft>
+                <a:spcPts val="600"/>
+              </a:spcAft>
+            </a:pPr>
+            <a:fld id="{D57F1E4F-1CFF-5643-939E-217C01CDF565}" type="slidenum">
+              <a:rPr lang="en-US" sz="1900" smtClean="0"/>
+              <a:pPr>
+                <a:lnSpc>
+                  <a:spcPct val="90000"/>
+                </a:lnSpc>
+                <a:spcAft>
+                  <a:spcPts val="600"/>
+                </a:spcAft>
+              </a:pPr>
+              <a:t>5</a:t>
+            </a:fld>
+            <a:endParaRPr lang="en-US" sz="1900"/>
+          </a:p>
+        </p:txBody>
+      </p:sp>
+      <p:sp>
+        <p:nvSpPr>
+          <p:cNvPr id="3" name="內容版面配置區 2">
+            <a:extLst>
+              <a:ext uri="{FF2B5EF4-FFF2-40B4-BE49-F238E27FC236}">
+                <a16:creationId xmlns:a16="http://schemas.microsoft.com/office/drawing/2014/main" id="{8A26720F-616D-E164-DA93-3A4EBED4F0AD}"/>
+              </a:ext>
+            </a:extLst>
+          </p:cNvPr>
+          <p:cNvSpPr>
+            <a:spLocks noGrp="1"/>
+          </p:cNvSpPr>
+          <p:nvPr>
+            <p:ph idx="1"/>
+          </p:nvPr>
+        </p:nvSpPr>
+        <p:spPr>
+          <a:xfrm>
+            <a:off x="1683956" y="2133600"/>
+            <a:ext cx="4140772" cy="3777622"/>
+          </a:xfrm>
+        </p:spPr>
+        <p:txBody>
+          <a:bodyPr>
+            <a:normAutofit/>
+          </a:bodyPr>
+          <a:lstStyle/>
+          <a:p>
+            <a:r>
+              <a:rPr lang="en-US" altLang="zh-TW" sz="1600" dirty="0">
+                <a:solidFill>
+                  <a:srgbClr val="000000"/>
+                </a:solidFill>
+                <a:latin typeface="微軟正黑體" panose="020B0604030504040204" pitchFamily="34" charset="-120"/>
+                <a:ea typeface="微軟正黑體" panose="020B0604030504040204" pitchFamily="34" charset="-120"/>
+              </a:rPr>
+              <a:t>SELECT TOP 5	</a:t>
+            </a:r>
+            <a:r>
+              <a:rPr lang="en-US" altLang="zh-TW" sz="1600" dirty="0" err="1">
+                <a:solidFill>
+                  <a:srgbClr val="000000"/>
+                </a:solidFill>
+                <a:latin typeface="微軟正黑體" panose="020B0604030504040204" pitchFamily="34" charset="-120"/>
+                <a:ea typeface="微軟正黑體" panose="020B0604030504040204" pitchFamily="34" charset="-120"/>
+              </a:rPr>
+              <a:t>e.EventName</a:t>
+            </a:r>
+            <a:r>
+              <a:rPr lang="en-US" altLang="zh-TW" sz="1600" dirty="0">
+                <a:solidFill>
+                  <a:srgbClr val="000000"/>
+                </a:solidFill>
+                <a:latin typeface="微軟正黑體" panose="020B0604030504040204" pitchFamily="34" charset="-120"/>
+                <a:ea typeface="微軟正黑體" panose="020B0604030504040204" pitchFamily="34" charset="-120"/>
+              </a:rPr>
+              <a:t> as 'What',</a:t>
+            </a:r>
+            <a:r>
+              <a:rPr lang="en-US" altLang="zh-TW" sz="1600" dirty="0" err="1">
+                <a:solidFill>
+                  <a:srgbClr val="000000"/>
+                </a:solidFill>
+                <a:latin typeface="微軟正黑體" panose="020B0604030504040204" pitchFamily="34" charset="-120"/>
+                <a:ea typeface="微軟正黑體" panose="020B0604030504040204" pitchFamily="34" charset="-120"/>
+              </a:rPr>
+              <a:t>e.EventDetails</a:t>
+            </a:r>
+            <a:r>
+              <a:rPr lang="en-US" altLang="zh-TW" sz="1600" dirty="0">
+                <a:solidFill>
+                  <a:srgbClr val="000000"/>
+                </a:solidFill>
+                <a:latin typeface="微軟正黑體" panose="020B0604030504040204" pitchFamily="34" charset="-120"/>
+                <a:ea typeface="微軟正黑體" panose="020B0604030504040204" pitchFamily="34" charset="-120"/>
+              </a:rPr>
+              <a:t> as 'Details'</a:t>
+            </a:r>
+          </a:p>
+          <a:p>
+            <a:r>
+              <a:rPr lang="en-US" altLang="zh-TW" sz="1600" dirty="0">
+                <a:solidFill>
+                  <a:srgbClr val="000000"/>
+                </a:solidFill>
+                <a:latin typeface="微軟正黑體" panose="020B0604030504040204" pitchFamily="34" charset="-120"/>
+                <a:ea typeface="微軟正黑體" panose="020B0604030504040204" pitchFamily="34" charset="-120"/>
+              </a:rPr>
+              <a:t>FROM </a:t>
+            </a:r>
+            <a:r>
+              <a:rPr lang="en-US" altLang="zh-TW" sz="1600" dirty="0" err="1">
+                <a:solidFill>
+                  <a:srgbClr val="000000"/>
+                </a:solidFill>
+                <a:latin typeface="微軟正黑體" panose="020B0604030504040204" pitchFamily="34" charset="-120"/>
+                <a:ea typeface="微軟正黑體" panose="020B0604030504040204" pitchFamily="34" charset="-120"/>
+              </a:rPr>
+              <a:t>WorldEvents.dbo.tblEvent</a:t>
+            </a:r>
+            <a:r>
+              <a:rPr lang="en-US" altLang="zh-TW" sz="1600" dirty="0">
+                <a:solidFill>
+                  <a:srgbClr val="000000"/>
+                </a:solidFill>
+                <a:latin typeface="微軟正黑體" panose="020B0604030504040204" pitchFamily="34" charset="-120"/>
+                <a:ea typeface="微軟正黑體" panose="020B0604030504040204" pitchFamily="34" charset="-120"/>
+              </a:rPr>
+              <a:t> as e</a:t>
+            </a:r>
+          </a:p>
+          <a:p>
+            <a:r>
+              <a:rPr lang="en-US" altLang="zh-TW" sz="1600" dirty="0">
+                <a:solidFill>
+                  <a:srgbClr val="000000"/>
+                </a:solidFill>
+                <a:latin typeface="微軟正黑體" panose="020B0604030504040204" pitchFamily="34" charset="-120"/>
+                <a:ea typeface="微軟正黑體" panose="020B0604030504040204" pitchFamily="34" charset="-120"/>
+              </a:rPr>
+              <a:t>ORDER BY </a:t>
+            </a:r>
+            <a:r>
+              <a:rPr lang="en-US" altLang="zh-TW" sz="1600" dirty="0" err="1">
+                <a:solidFill>
+                  <a:srgbClr val="000000"/>
+                </a:solidFill>
+                <a:latin typeface="微軟正黑體" panose="020B0604030504040204" pitchFamily="34" charset="-120"/>
+                <a:ea typeface="微軟正黑體" panose="020B0604030504040204" pitchFamily="34" charset="-120"/>
+              </a:rPr>
+              <a:t>e.EventDate</a:t>
+            </a:r>
+            <a:r>
+              <a:rPr lang="en-US" altLang="zh-TW" sz="1600" dirty="0">
+                <a:solidFill>
+                  <a:srgbClr val="000000"/>
+                </a:solidFill>
+                <a:latin typeface="微軟正黑體" panose="020B0604030504040204" pitchFamily="34" charset="-120"/>
+                <a:ea typeface="微軟正黑體" panose="020B0604030504040204" pitchFamily="34" charset="-120"/>
+              </a:rPr>
+              <a:t> ASC</a:t>
+            </a:r>
+            <a:endParaRPr lang="zh-TW" altLang="en-US" sz="1600" dirty="0">
+              <a:solidFill>
+                <a:srgbClr val="000000"/>
+              </a:solidFill>
+              <a:latin typeface="微軟正黑體" panose="020B0604030504040204" pitchFamily="34" charset="-120"/>
+              <a:ea typeface="微軟正黑體" panose="020B0604030504040204" pitchFamily="34" charset="-120"/>
+            </a:endParaRPr>
+          </a:p>
+        </p:txBody>
+      </p:sp>
+      <p:sp>
+        <p:nvSpPr>
+          <p:cNvPr id="5" name="文字方塊 4">
+            <a:extLst>
+              <a:ext uri="{FF2B5EF4-FFF2-40B4-BE49-F238E27FC236}">
+                <a16:creationId xmlns:a16="http://schemas.microsoft.com/office/drawing/2014/main" id="{DB945650-F748-596E-15AC-CF88144C1596}"/>
+              </a:ext>
+            </a:extLst>
+          </p:cNvPr>
+          <p:cNvSpPr txBox="1"/>
+          <p:nvPr/>
+        </p:nvSpPr>
+        <p:spPr>
+          <a:xfrm>
+            <a:off x="1683956" y="6140824"/>
+            <a:ext cx="6211957" cy="369332"/>
+          </a:xfrm>
+          <a:prstGeom prst="rect">
+            <a:avLst/>
+          </a:prstGeom>
+          <a:noFill/>
+        </p:spPr>
+        <p:txBody>
+          <a:bodyPr wrap="none" rtlCol="0">
+            <a:spAutoFit/>
+          </a:bodyPr>
+          <a:lstStyle/>
+          <a:p>
+            <a:r>
+              <a:rPr lang="zh-TW" altLang="en-US" dirty="0"/>
+              <a:t>參考資料</a:t>
+            </a:r>
+            <a:r>
+              <a:rPr lang="en-US" altLang="zh-TW" dirty="0"/>
+              <a:t>:https://www.w3schools.com/sql/sql_alias.asp</a:t>
+            </a:r>
+            <a:endParaRPr lang="zh-TW" altLang="en-US" dirty="0"/>
+          </a:p>
+        </p:txBody>
+      </p:sp>
+      <p:pic>
+        <p:nvPicPr>
+          <p:cNvPr id="8" name="圖片 7">
+            <a:extLst>
+              <a:ext uri="{FF2B5EF4-FFF2-40B4-BE49-F238E27FC236}">
+                <a16:creationId xmlns:a16="http://schemas.microsoft.com/office/drawing/2014/main" id="{CCA00555-7961-170A-56C4-3E4F1A9E2530}"/>
+              </a:ext>
+            </a:extLst>
+          </p:cNvPr>
+          <p:cNvPicPr>
+            <a:picLocks noChangeAspect="1"/>
+          </p:cNvPicPr>
+          <p:nvPr/>
+        </p:nvPicPr>
+        <p:blipFill>
+          <a:blip r:embed="rId2"/>
+          <a:stretch>
+            <a:fillRect/>
+          </a:stretch>
+        </p:blipFill>
+        <p:spPr>
+          <a:xfrm>
+            <a:off x="6096001" y="2065380"/>
+            <a:ext cx="5916706" cy="1830770"/>
+          </a:xfrm>
+          <a:prstGeom prst="rect">
+            <a:avLst/>
+          </a:prstGeom>
+        </p:spPr>
+      </p:pic>
+    </p:spTree>
+    <p:extLst>
+      <p:ext uri="{BB962C8B-B14F-4D97-AF65-F5344CB8AC3E}">
+        <p14:creationId xmlns:p14="http://schemas.microsoft.com/office/powerpoint/2010/main" val="4177900851"/>
       </p:ext>
     </p:extLst>
   </p:cSld>

--- a/sql answer.pptx
+++ b/sql answer.pptx
@@ -5,14 +5,18 @@
     <p:sldMasterId id="2147483648" r:id="rId1"/>
   </p:sldMasterIdLst>
   <p:notesMasterIdLst>
-    <p:notesMasterId r:id="rId7"/>
+    <p:notesMasterId r:id="rId11"/>
   </p:notesMasterIdLst>
   <p:sldIdLst>
     <p:sldId id="256" r:id="rId2"/>
     <p:sldId id="257" r:id="rId3"/>
     <p:sldId id="258" r:id="rId4"/>
-    <p:sldId id="259" r:id="rId5"/>
+    <p:sldId id="261" r:id="rId5"/>
     <p:sldId id="260" r:id="rId6"/>
+    <p:sldId id="259" r:id="rId7"/>
+    <p:sldId id="262" r:id="rId8"/>
+    <p:sldId id="263" r:id="rId9"/>
+    <p:sldId id="264" r:id="rId10"/>
   </p:sldIdLst>
   <p:sldSz cx="12192000" cy="6858000"/>
   <p:notesSz cx="6858000" cy="9144000"/>
@@ -201,7 +205,7 @@
           <a:p>
             <a:fld id="{54AEA450-3062-4AAA-926F-005294A4F50C}" type="datetimeFigureOut">
               <a:rPr lang="zh-TW" altLang="en-US" smtClean="0"/>
-              <a:t>2023/7/18</a:t>
+              <a:t>2023/7/19</a:t>
             </a:fld>
             <a:endParaRPr lang="zh-TW" altLang="en-US"/>
           </a:p>
@@ -656,7 +660,7 @@
           <a:p>
             <a:fld id="{A6C54CF7-6667-4CB7-8FEA-8B4DA9F0AC0C}" type="datetime1">
               <a:rPr lang="en-US" altLang="zh-TW" smtClean="0"/>
-              <a:t>7/18/2023</a:t>
+              <a:t>7/19/2023</a:t>
             </a:fld>
             <a:endParaRPr lang="en-US" dirty="0"/>
           </a:p>
@@ -990,7 +994,7 @@
           <a:p>
             <a:fld id="{FE5B22DC-6D1B-472D-BD9F-6B84DDEAB6B8}" type="datetime1">
               <a:rPr lang="en-US" altLang="zh-TW" smtClean="0"/>
-              <a:t>7/18/2023</a:t>
+              <a:t>7/19/2023</a:t>
             </a:fld>
             <a:endParaRPr lang="en-US" dirty="0"/>
           </a:p>
@@ -1387,7 +1391,7 @@
           <a:p>
             <a:fld id="{3FC3214E-7A41-44CA-BB02-BAB1A71F9802}" type="datetime1">
               <a:rPr lang="en-US" altLang="zh-TW" smtClean="0"/>
-              <a:t>7/18/2023</a:t>
+              <a:t>7/19/2023</a:t>
             </a:fld>
             <a:endParaRPr lang="en-US" dirty="0"/>
           </a:p>
@@ -1719,7 +1723,7 @@
           <a:p>
             <a:fld id="{88479D64-44E6-4599-AF52-72AA177CD66B}" type="datetime1">
               <a:rPr lang="en-US" altLang="zh-TW" smtClean="0"/>
-              <a:t>7/18/2023</a:t>
+              <a:t>7/19/2023</a:t>
             </a:fld>
             <a:endParaRPr lang="en-US" dirty="0"/>
           </a:p>
@@ -2035,7 +2039,7 @@
           <a:p>
             <a:fld id="{BC5341FE-9B92-4466-B7E3-A580E0801C16}" type="datetime1">
               <a:rPr lang="en-US" altLang="zh-TW" smtClean="0"/>
-              <a:t>7/18/2023</a:t>
+              <a:t>7/19/2023</a:t>
             </a:fld>
             <a:endParaRPr lang="en-US" dirty="0"/>
           </a:p>
@@ -2427,7 +2431,7 @@
           <a:p>
             <a:fld id="{0D284FD5-6194-4E8F-9756-89A3108F6C23}" type="datetime1">
               <a:rPr lang="en-US" altLang="zh-TW" smtClean="0"/>
-              <a:t>7/18/2023</a:t>
+              <a:t>7/19/2023</a:t>
             </a:fld>
             <a:endParaRPr lang="en-US" dirty="0"/>
           </a:p>
@@ -2680,7 +2684,7 @@
           <a:p>
             <a:fld id="{CBAC82C6-D93E-47E7-8693-33E42F689429}" type="datetime1">
               <a:rPr lang="en-US" altLang="zh-TW" smtClean="0"/>
-              <a:t>7/18/2023</a:t>
+              <a:t>7/19/2023</a:t>
             </a:fld>
             <a:endParaRPr lang="en-US" dirty="0"/>
           </a:p>
@@ -2938,7 +2942,7 @@
           <a:p>
             <a:fld id="{02319D0E-B076-43B7-9EF9-D6B7F26EF7E2}" type="datetime1">
               <a:rPr lang="en-US" altLang="zh-TW" smtClean="0"/>
-              <a:t>7/18/2023</a:t>
+              <a:t>7/19/2023</a:t>
             </a:fld>
             <a:endParaRPr lang="en-US" dirty="0"/>
           </a:p>
@@ -3196,7 +3200,7 @@
           <a:p>
             <a:fld id="{44708793-4B7B-4D17-9975-D4491719BE20}" type="datetime1">
               <a:rPr lang="en-US" altLang="zh-TW" smtClean="0"/>
-              <a:t>7/18/2023</a:t>
+              <a:t>7/19/2023</a:t>
             </a:fld>
             <a:endParaRPr lang="en-US" dirty="0"/>
           </a:p>
@@ -3521,7 +3525,7 @@
           <a:p>
             <a:fld id="{C8293FAC-1493-4884-862F-E2E3704498C6}" type="datetime1">
               <a:rPr lang="en-US" altLang="zh-TW" smtClean="0"/>
-              <a:t>7/18/2023</a:t>
+              <a:t>7/19/2023</a:t>
             </a:fld>
             <a:endParaRPr lang="en-US" dirty="0"/>
           </a:p>
@@ -3840,7 +3844,7 @@
           <a:p>
             <a:fld id="{9FF65A49-FC39-47D2-AD3E-83B3400966FA}" type="datetime1">
               <a:rPr lang="en-US" altLang="zh-TW" smtClean="0"/>
-              <a:t>7/18/2023</a:t>
+              <a:t>7/19/2023</a:t>
             </a:fld>
             <a:endParaRPr lang="en-US" dirty="0"/>
           </a:p>
@@ -4293,7 +4297,7 @@
           <a:p>
             <a:fld id="{DDE8F718-462A-480A-988A-43604F475233}" type="datetime1">
               <a:rPr lang="en-US" altLang="zh-TW" smtClean="0"/>
-              <a:t>7/18/2023</a:t>
+              <a:t>7/19/2023</a:t>
             </a:fld>
             <a:endParaRPr lang="en-US" dirty="0"/>
           </a:p>
@@ -4494,7 +4498,7 @@
           <a:p>
             <a:fld id="{778B05C5-8E7C-4599-8ED3-6260AC83F79E}" type="datetime1">
               <a:rPr lang="en-US" altLang="zh-TW" smtClean="0"/>
-              <a:t>7/18/2023</a:t>
+              <a:t>7/19/2023</a:t>
             </a:fld>
             <a:endParaRPr lang="en-US" dirty="0"/>
           </a:p>
@@ -4667,7 +4671,7 @@
           <a:p>
             <a:fld id="{B345B859-EFE9-45D0-969C-2B31176A0FB1}" type="datetime1">
               <a:rPr lang="en-US" altLang="zh-TW" smtClean="0"/>
-              <a:t>7/18/2023</a:t>
+              <a:t>7/19/2023</a:t>
             </a:fld>
             <a:endParaRPr lang="en-US" dirty="0"/>
           </a:p>
@@ -4996,7 +5000,7 @@
           <a:p>
             <a:fld id="{74F40FDB-72BA-4C65-8D45-6FB1F48CE299}" type="datetime1">
               <a:rPr lang="en-US" altLang="zh-TW" smtClean="0"/>
-              <a:t>7/18/2023</a:t>
+              <a:t>7/19/2023</a:t>
             </a:fld>
             <a:endParaRPr lang="en-US" dirty="0"/>
           </a:p>
@@ -5337,7 +5341,7 @@
           <a:p>
             <a:fld id="{A7A6B26D-7F72-4902-9D21-541244423039}" type="datetime1">
               <a:rPr lang="en-US" altLang="zh-TW" smtClean="0"/>
-              <a:t>7/18/2023</a:t>
+              <a:t>7/19/2023</a:t>
             </a:fld>
             <a:endParaRPr lang="en-US" dirty="0"/>
           </a:p>
@@ -7450,7 +7454,7 @@
           <a:p>
             <a:fld id="{877DD24C-FF9A-411C-96FD-F688C4DA8D6E}" type="datetime1">
               <a:rPr lang="en-US" altLang="zh-TW" smtClean="0"/>
-              <a:t>7/18/2023</a:t>
+              <a:t>7/19/2023</a:t>
             </a:fld>
             <a:endParaRPr lang="en-US" dirty="0"/>
           </a:p>
@@ -8124,7 +8128,7 @@
         <p:spPr>
           <a:xfrm>
             <a:off x="1687669" y="624110"/>
-            <a:ext cx="4982072" cy="1280890"/>
+            <a:ext cx="8254190" cy="1280890"/>
           </a:xfrm>
         </p:spPr>
         <p:txBody>
@@ -8135,7 +8139,7 @@
           <a:p>
             <a:r>
               <a:rPr lang="en-US" altLang="zh-TW" sz="3200" dirty="0"/>
-              <a:t>Question1- Order by</a:t>
+              <a:t>Simple queries Question1- Order by</a:t>
             </a:r>
             <a:endParaRPr lang="zh-TW" altLang="en-US" sz="3200" dirty="0"/>
           </a:p>
@@ -8920,7 +8924,7 @@
         <p:spPr>
           <a:xfrm>
             <a:off x="1687669" y="624110"/>
-            <a:ext cx="4137059" cy="1280890"/>
+            <a:ext cx="7967319" cy="1280890"/>
           </a:xfrm>
         </p:spPr>
         <p:txBody>
@@ -8931,7 +8935,7 @@
           <a:p>
             <a:r>
               <a:rPr lang="en-US" altLang="zh-TW" sz="3200" dirty="0"/>
-              <a:t>Question2- Aliases</a:t>
+              <a:t>Simple queries Question2- Aliases</a:t>
             </a:r>
             <a:endParaRPr lang="zh-TW" altLang="en-US" sz="3200" dirty="0"/>
           </a:p>
@@ -9185,7 +9189,7 @@
     </p:spTree>
     <p:extLst>
       <p:ext uri="{BB962C8B-B14F-4D97-AF65-F5344CB8AC3E}">
-        <p14:creationId xmlns:p14="http://schemas.microsoft.com/office/powerpoint/2010/main" val="2489279946"/>
+        <p14:creationId xmlns:p14="http://schemas.microsoft.com/office/powerpoint/2010/main" val="1899207007"/>
       </p:ext>
     </p:extLst>
   </p:cSld>
@@ -9549,6 +9553,1182 @@
     <p:extLst>
       <p:ext uri="{BB962C8B-B14F-4D97-AF65-F5344CB8AC3E}">
         <p14:creationId xmlns:p14="http://schemas.microsoft.com/office/powerpoint/2010/main" val="4177900851"/>
+      </p:ext>
+    </p:extLst>
+  </p:cSld>
+  <p:clrMapOvr>
+    <a:masterClrMapping/>
+  </p:clrMapOvr>
+</p:sld>
+</file>
+
+<file path=ppt/slides/slide6.xml><?xml version="1.0" encoding="utf-8"?>
+<p:sld xmlns:a="http://schemas.openxmlformats.org/drawingml/2006/main" xmlns:r="http://schemas.openxmlformats.org/officeDocument/2006/relationships" xmlns:p="http://schemas.openxmlformats.org/presentationml/2006/main">
+  <p:cSld>
+    <p:bg>
+      <p:bgPr>
+        <a:gradFill rotWithShape="1">
+          <a:gsLst>
+            <a:gs pos="0">
+              <a:schemeClr val="bg2">
+                <a:tint val="90000"/>
+                <a:lumMod val="120000"/>
+              </a:schemeClr>
+            </a:gs>
+            <a:gs pos="100000">
+              <a:schemeClr val="bg2">
+                <a:shade val="98000"/>
+                <a:satMod val="120000"/>
+                <a:lumMod val="98000"/>
+              </a:schemeClr>
+            </a:gs>
+          </a:gsLst>
+          <a:lin ang="5400000" scaled="0"/>
+        </a:gradFill>
+        <a:effectLst/>
+      </p:bgPr>
+    </p:bg>
+    <p:spTree>
+      <p:nvGrpSpPr>
+        <p:cNvPr id="1" name=""/>
+        <p:cNvGrpSpPr/>
+        <p:nvPr/>
+      </p:nvGrpSpPr>
+      <p:grpSpPr>
+        <a:xfrm>
+          <a:off x="0" y="0"/>
+          <a:ext cx="0" cy="0"/>
+          <a:chOff x="0" y="0"/>
+          <a:chExt cx="0" cy="0"/>
+        </a:xfrm>
+      </p:grpSpPr>
+      <p:sp>
+        <p:nvSpPr>
+          <p:cNvPr id="2" name="標題 1">
+            <a:extLst>
+              <a:ext uri="{FF2B5EF4-FFF2-40B4-BE49-F238E27FC236}">
+                <a16:creationId xmlns:a16="http://schemas.microsoft.com/office/drawing/2014/main" id="{9754B65C-1642-6FE5-D941-96E5D377AABC}"/>
+              </a:ext>
+            </a:extLst>
+          </p:cNvPr>
+          <p:cNvSpPr>
+            <a:spLocks noGrp="1"/>
+          </p:cNvSpPr>
+          <p:nvPr>
+            <p:ph type="title"/>
+          </p:nvPr>
+        </p:nvSpPr>
+        <p:spPr>
+          <a:xfrm>
+            <a:off x="1687669" y="624110"/>
+            <a:ext cx="7321860" cy="1280890"/>
+          </a:xfrm>
+        </p:spPr>
+        <p:txBody>
+          <a:bodyPr>
+            <a:normAutofit/>
+          </a:bodyPr>
+          <a:lstStyle/>
+          <a:p>
+            <a:r>
+              <a:rPr lang="en-US" altLang="zh-TW" sz="3200" dirty="0"/>
+              <a:t>Simple queries Question3</a:t>
+            </a:r>
+            <a:endParaRPr lang="zh-TW" altLang="en-US" sz="3200" dirty="0"/>
+          </a:p>
+        </p:txBody>
+      </p:sp>
+      <p:sp>
+        <p:nvSpPr>
+          <p:cNvPr id="4" name="投影片編號版面配置區 3">
+            <a:extLst>
+              <a:ext uri="{FF2B5EF4-FFF2-40B4-BE49-F238E27FC236}">
+                <a16:creationId xmlns:a16="http://schemas.microsoft.com/office/drawing/2014/main" id="{3F1EA6AD-3945-5A5F-70AE-CD8043429B6D}"/>
+              </a:ext>
+            </a:extLst>
+          </p:cNvPr>
+          <p:cNvSpPr>
+            <a:spLocks noGrp="1"/>
+          </p:cNvSpPr>
+          <p:nvPr>
+            <p:ph type="sldNum" sz="quarter" idx="12"/>
+          </p:nvPr>
+        </p:nvSpPr>
+        <p:spPr>
+          <a:xfrm>
+            <a:off x="531812" y="787782"/>
+            <a:ext cx="779767" cy="365125"/>
+          </a:xfrm>
+        </p:spPr>
+        <p:txBody>
+          <a:bodyPr>
+            <a:normAutofit/>
+          </a:bodyPr>
+          <a:lstStyle/>
+          <a:p>
+            <a:pPr>
+              <a:lnSpc>
+                <a:spcPct val="90000"/>
+              </a:lnSpc>
+              <a:spcAft>
+                <a:spcPts val="600"/>
+              </a:spcAft>
+            </a:pPr>
+            <a:fld id="{D57F1E4F-1CFF-5643-939E-217C01CDF565}" type="slidenum">
+              <a:rPr lang="en-US" sz="1900" smtClean="0"/>
+              <a:pPr>
+                <a:lnSpc>
+                  <a:spcPct val="90000"/>
+                </a:lnSpc>
+                <a:spcAft>
+                  <a:spcPts val="600"/>
+                </a:spcAft>
+              </a:pPr>
+              <a:t>6</a:t>
+            </a:fld>
+            <a:endParaRPr lang="en-US" sz="1900"/>
+          </a:p>
+        </p:txBody>
+      </p:sp>
+      <p:pic>
+        <p:nvPicPr>
+          <p:cNvPr id="6" name="內容版面配置區 5">
+            <a:extLst>
+              <a:ext uri="{FF2B5EF4-FFF2-40B4-BE49-F238E27FC236}">
+                <a16:creationId xmlns:a16="http://schemas.microsoft.com/office/drawing/2014/main" id="{EAC0E7C5-F9AF-C435-20C0-519B65B84D95}"/>
+              </a:ext>
+            </a:extLst>
+          </p:cNvPr>
+          <p:cNvPicPr>
+            <a:picLocks noGrp="1" noChangeAspect="1"/>
+          </p:cNvPicPr>
+          <p:nvPr>
+            <p:ph idx="1"/>
+          </p:nvPr>
+        </p:nvPicPr>
+        <p:blipFill>
+          <a:blip r:embed="rId2"/>
+          <a:stretch>
+            <a:fillRect/>
+          </a:stretch>
+        </p:blipFill>
+        <p:spPr>
+          <a:xfrm>
+            <a:off x="3514167" y="1770531"/>
+            <a:ext cx="6128353" cy="4123472"/>
+          </a:xfrm>
+        </p:spPr>
+      </p:pic>
+    </p:spTree>
+    <p:extLst>
+      <p:ext uri="{BB962C8B-B14F-4D97-AF65-F5344CB8AC3E}">
+        <p14:creationId xmlns:p14="http://schemas.microsoft.com/office/powerpoint/2010/main" val="2489279946"/>
+      </p:ext>
+    </p:extLst>
+  </p:cSld>
+  <p:clrMapOvr>
+    <a:masterClrMapping/>
+  </p:clrMapOvr>
+</p:sld>
+</file>
+
+<file path=ppt/slides/slide7.xml><?xml version="1.0" encoding="utf-8"?>
+<p:sld xmlns:a="http://schemas.openxmlformats.org/drawingml/2006/main" xmlns:r="http://schemas.openxmlformats.org/officeDocument/2006/relationships" xmlns:p="http://schemas.openxmlformats.org/presentationml/2006/main">
+  <p:cSld>
+    <p:bg>
+      <p:bgPr>
+        <a:gradFill rotWithShape="1">
+          <a:gsLst>
+            <a:gs pos="0">
+              <a:schemeClr val="bg2">
+                <a:tint val="90000"/>
+                <a:lumMod val="120000"/>
+              </a:schemeClr>
+            </a:gs>
+            <a:gs pos="100000">
+              <a:schemeClr val="bg2">
+                <a:shade val="98000"/>
+                <a:satMod val="120000"/>
+                <a:lumMod val="98000"/>
+              </a:schemeClr>
+            </a:gs>
+          </a:gsLst>
+          <a:lin ang="5400000" scaled="0"/>
+        </a:gradFill>
+        <a:effectLst/>
+      </p:bgPr>
+    </p:bg>
+    <p:spTree>
+      <p:nvGrpSpPr>
+        <p:cNvPr id="1" name=""/>
+        <p:cNvGrpSpPr/>
+        <p:nvPr/>
+      </p:nvGrpSpPr>
+      <p:grpSpPr>
+        <a:xfrm>
+          <a:off x="0" y="0"/>
+          <a:ext cx="0" cy="0"/>
+          <a:chOff x="0" y="0"/>
+          <a:chExt cx="0" cy="0"/>
+        </a:xfrm>
+      </p:grpSpPr>
+      <p:sp>
+        <p:nvSpPr>
+          <p:cNvPr id="2" name="標題 1">
+            <a:extLst>
+              <a:ext uri="{FF2B5EF4-FFF2-40B4-BE49-F238E27FC236}">
+                <a16:creationId xmlns:a16="http://schemas.microsoft.com/office/drawing/2014/main" id="{9754B65C-1642-6FE5-D941-96E5D377AABC}"/>
+              </a:ext>
+            </a:extLst>
+          </p:cNvPr>
+          <p:cNvSpPr>
+            <a:spLocks noGrp="1"/>
+          </p:cNvSpPr>
+          <p:nvPr>
+            <p:ph type="title"/>
+          </p:nvPr>
+        </p:nvSpPr>
+        <p:spPr>
+          <a:xfrm>
+            <a:off x="1687669" y="624110"/>
+            <a:ext cx="4137059" cy="1280890"/>
+          </a:xfrm>
+        </p:spPr>
+        <p:txBody>
+          <a:bodyPr>
+            <a:normAutofit/>
+          </a:bodyPr>
+          <a:lstStyle/>
+          <a:p>
+            <a:r>
+              <a:rPr lang="en-US" altLang="zh-TW" sz="3200" dirty="0"/>
+              <a:t>Answer3.</a:t>
+            </a:r>
+            <a:endParaRPr lang="zh-TW" altLang="en-US" sz="3200" dirty="0"/>
+          </a:p>
+        </p:txBody>
+      </p:sp>
+      <p:sp>
+        <p:nvSpPr>
+          <p:cNvPr id="4" name="投影片編號版面配置區 3">
+            <a:extLst>
+              <a:ext uri="{FF2B5EF4-FFF2-40B4-BE49-F238E27FC236}">
+                <a16:creationId xmlns:a16="http://schemas.microsoft.com/office/drawing/2014/main" id="{3F1EA6AD-3945-5A5F-70AE-CD8043429B6D}"/>
+              </a:ext>
+            </a:extLst>
+          </p:cNvPr>
+          <p:cNvSpPr>
+            <a:spLocks noGrp="1"/>
+          </p:cNvSpPr>
+          <p:nvPr>
+            <p:ph type="sldNum" sz="quarter" idx="12"/>
+          </p:nvPr>
+        </p:nvSpPr>
+        <p:spPr>
+          <a:xfrm>
+            <a:off x="531812" y="787782"/>
+            <a:ext cx="779767" cy="365125"/>
+          </a:xfrm>
+        </p:spPr>
+        <p:txBody>
+          <a:bodyPr>
+            <a:normAutofit/>
+          </a:bodyPr>
+          <a:lstStyle/>
+          <a:p>
+            <a:pPr>
+              <a:lnSpc>
+                <a:spcPct val="90000"/>
+              </a:lnSpc>
+              <a:spcAft>
+                <a:spcPts val="600"/>
+              </a:spcAft>
+            </a:pPr>
+            <a:fld id="{D57F1E4F-1CFF-5643-939E-217C01CDF565}" type="slidenum">
+              <a:rPr lang="en-US" sz="1900" smtClean="0"/>
+              <a:pPr>
+                <a:lnSpc>
+                  <a:spcPct val="90000"/>
+                </a:lnSpc>
+                <a:spcAft>
+                  <a:spcPts val="600"/>
+                </a:spcAft>
+              </a:pPr>
+              <a:t>7</a:t>
+            </a:fld>
+            <a:endParaRPr lang="en-US" sz="1900"/>
+          </a:p>
+        </p:txBody>
+      </p:sp>
+      <p:sp>
+        <p:nvSpPr>
+          <p:cNvPr id="3" name="內容版面配置區 2">
+            <a:extLst>
+              <a:ext uri="{FF2B5EF4-FFF2-40B4-BE49-F238E27FC236}">
+                <a16:creationId xmlns:a16="http://schemas.microsoft.com/office/drawing/2014/main" id="{8A26720F-616D-E164-DA93-3A4EBED4F0AD}"/>
+              </a:ext>
+            </a:extLst>
+          </p:cNvPr>
+          <p:cNvSpPr>
+            <a:spLocks noGrp="1"/>
+          </p:cNvSpPr>
+          <p:nvPr>
+            <p:ph idx="1"/>
+          </p:nvPr>
+        </p:nvSpPr>
+        <p:spPr>
+          <a:xfrm>
+            <a:off x="1513627" y="2286000"/>
+            <a:ext cx="4923032" cy="3854824"/>
+          </a:xfrm>
+        </p:spPr>
+        <p:txBody>
+          <a:bodyPr>
+            <a:normAutofit/>
+          </a:bodyPr>
+          <a:lstStyle/>
+          <a:p>
+            <a:r>
+              <a:rPr lang="en-US" altLang="zh-TW" sz="1600" dirty="0">
+                <a:solidFill>
+                  <a:srgbClr val="000000"/>
+                </a:solidFill>
+                <a:latin typeface="微軟正黑體" panose="020B0604030504040204" pitchFamily="34" charset="-120"/>
+                <a:ea typeface="微軟正黑體" panose="020B0604030504040204" pitchFamily="34" charset="-120"/>
+              </a:rPr>
+              <a:t>SELECT TOP (3) [</a:t>
+            </a:r>
+            <a:r>
+              <a:rPr lang="en-US" altLang="zh-TW" sz="1600" dirty="0" err="1">
+                <a:solidFill>
+                  <a:srgbClr val="000000"/>
+                </a:solidFill>
+                <a:latin typeface="微軟正黑體" panose="020B0604030504040204" pitchFamily="34" charset="-120"/>
+                <a:ea typeface="微軟正黑體" panose="020B0604030504040204" pitchFamily="34" charset="-120"/>
+              </a:rPr>
+              <a:t>CategoryID</a:t>
+            </a:r>
+            <a:r>
+              <a:rPr lang="en-US" altLang="zh-TW" sz="1600" dirty="0">
+                <a:solidFill>
+                  <a:srgbClr val="000000"/>
+                </a:solidFill>
+                <a:latin typeface="微軟正黑體" panose="020B0604030504040204" pitchFamily="34" charset="-120"/>
+                <a:ea typeface="微軟正黑體" panose="020B0604030504040204" pitchFamily="34" charset="-120"/>
+              </a:rPr>
+              <a:t>],[</a:t>
+            </a:r>
+            <a:r>
+              <a:rPr lang="en-US" altLang="zh-TW" sz="1600" dirty="0" err="1">
+                <a:solidFill>
+                  <a:srgbClr val="000000"/>
+                </a:solidFill>
+                <a:latin typeface="微軟正黑體" panose="020B0604030504040204" pitchFamily="34" charset="-120"/>
+                <a:ea typeface="微軟正黑體" panose="020B0604030504040204" pitchFamily="34" charset="-120"/>
+              </a:rPr>
+              <a:t>CategoryName</a:t>
+            </a:r>
+            <a:r>
+              <a:rPr lang="en-US" altLang="zh-TW" sz="1600" dirty="0">
+                <a:solidFill>
+                  <a:srgbClr val="000000"/>
+                </a:solidFill>
+                <a:latin typeface="微軟正黑體" panose="020B0604030504040204" pitchFamily="34" charset="-120"/>
+                <a:ea typeface="微軟正黑體" panose="020B0604030504040204" pitchFamily="34" charset="-120"/>
+              </a:rPr>
+              <a:t>]</a:t>
+            </a:r>
+          </a:p>
+          <a:p>
+            <a:r>
+              <a:rPr lang="en-US" altLang="zh-TW" sz="1600" dirty="0">
+                <a:solidFill>
+                  <a:srgbClr val="000000"/>
+                </a:solidFill>
+                <a:latin typeface="微軟正黑體" panose="020B0604030504040204" pitchFamily="34" charset="-120"/>
+                <a:ea typeface="微軟正黑體" panose="020B0604030504040204" pitchFamily="34" charset="-120"/>
+              </a:rPr>
+              <a:t>FROM [</a:t>
+            </a:r>
+            <a:r>
+              <a:rPr lang="en-US" altLang="zh-TW" sz="1600" dirty="0" err="1">
+                <a:solidFill>
+                  <a:srgbClr val="000000"/>
+                </a:solidFill>
+                <a:latin typeface="微軟正黑體" panose="020B0604030504040204" pitchFamily="34" charset="-120"/>
+                <a:ea typeface="微軟正黑體" panose="020B0604030504040204" pitchFamily="34" charset="-120"/>
+              </a:rPr>
+              <a:t>WorldEvents</a:t>
+            </a:r>
+            <a:r>
+              <a:rPr lang="en-US" altLang="zh-TW" sz="1600" dirty="0">
+                <a:solidFill>
+                  <a:srgbClr val="000000"/>
+                </a:solidFill>
+                <a:latin typeface="微軟正黑體" panose="020B0604030504040204" pitchFamily="34" charset="-120"/>
+                <a:ea typeface="微軟正黑體" panose="020B0604030504040204" pitchFamily="34" charset="-120"/>
+              </a:rPr>
+              <a:t>].[</a:t>
+            </a:r>
+            <a:r>
+              <a:rPr lang="en-US" altLang="zh-TW" sz="1600" dirty="0" err="1">
+                <a:solidFill>
+                  <a:srgbClr val="000000"/>
+                </a:solidFill>
+                <a:latin typeface="微軟正黑體" panose="020B0604030504040204" pitchFamily="34" charset="-120"/>
+                <a:ea typeface="微軟正黑體" panose="020B0604030504040204" pitchFamily="34" charset="-120"/>
+              </a:rPr>
+              <a:t>dbo</a:t>
+            </a:r>
+            <a:r>
+              <a:rPr lang="en-US" altLang="zh-TW" sz="1600" dirty="0">
+                <a:solidFill>
+                  <a:srgbClr val="000000"/>
+                </a:solidFill>
+                <a:latin typeface="微軟正黑體" panose="020B0604030504040204" pitchFamily="34" charset="-120"/>
+                <a:ea typeface="微軟正黑體" panose="020B0604030504040204" pitchFamily="34" charset="-120"/>
+              </a:rPr>
+              <a:t>].[</a:t>
+            </a:r>
+            <a:r>
+              <a:rPr lang="en-US" altLang="zh-TW" sz="1600" dirty="0" err="1">
+                <a:solidFill>
+                  <a:srgbClr val="000000"/>
+                </a:solidFill>
+                <a:latin typeface="微軟正黑體" panose="020B0604030504040204" pitchFamily="34" charset="-120"/>
+                <a:ea typeface="微軟正黑體" panose="020B0604030504040204" pitchFamily="34" charset="-120"/>
+              </a:rPr>
+              <a:t>tblCategory</a:t>
+            </a:r>
+            <a:r>
+              <a:rPr lang="en-US" altLang="zh-TW" sz="1600" dirty="0">
+                <a:solidFill>
+                  <a:srgbClr val="000000"/>
+                </a:solidFill>
+                <a:latin typeface="微軟正黑體" panose="020B0604030504040204" pitchFamily="34" charset="-120"/>
+                <a:ea typeface="微軟正黑體" panose="020B0604030504040204" pitchFamily="34" charset="-120"/>
+              </a:rPr>
+              <a:t>]</a:t>
+            </a:r>
+          </a:p>
+          <a:p>
+            <a:r>
+              <a:rPr lang="en-US" altLang="zh-TW" sz="1600" dirty="0">
+                <a:solidFill>
+                  <a:srgbClr val="000000"/>
+                </a:solidFill>
+                <a:latin typeface="微軟正黑體" panose="020B0604030504040204" pitchFamily="34" charset="-120"/>
+                <a:ea typeface="微軟正黑體" panose="020B0604030504040204" pitchFamily="34" charset="-120"/>
+              </a:rPr>
+              <a:t>Order By </a:t>
+            </a:r>
+            <a:r>
+              <a:rPr lang="en-US" altLang="zh-TW" sz="1600" dirty="0" err="1">
+                <a:solidFill>
+                  <a:srgbClr val="000000"/>
+                </a:solidFill>
+                <a:latin typeface="微軟正黑體" panose="020B0604030504040204" pitchFamily="34" charset="-120"/>
+                <a:ea typeface="微軟正黑體" panose="020B0604030504040204" pitchFamily="34" charset="-120"/>
+              </a:rPr>
+              <a:t>CategoryName</a:t>
+            </a:r>
+            <a:r>
+              <a:rPr lang="en-US" altLang="zh-TW" sz="1600" dirty="0">
+                <a:solidFill>
+                  <a:srgbClr val="000000"/>
+                </a:solidFill>
+                <a:latin typeface="微軟正黑體" panose="020B0604030504040204" pitchFamily="34" charset="-120"/>
+                <a:ea typeface="微軟正黑體" panose="020B0604030504040204" pitchFamily="34" charset="-120"/>
+              </a:rPr>
+              <a:t> Desc </a:t>
+            </a:r>
+            <a:endParaRPr lang="zh-TW" altLang="en-US" sz="1600" dirty="0">
+              <a:solidFill>
+                <a:srgbClr val="000000"/>
+              </a:solidFill>
+              <a:latin typeface="微軟正黑體" panose="020B0604030504040204" pitchFamily="34" charset="-120"/>
+              <a:ea typeface="微軟正黑體" panose="020B0604030504040204" pitchFamily="34" charset="-120"/>
+            </a:endParaRPr>
+          </a:p>
+        </p:txBody>
+      </p:sp>
+      <p:pic>
+        <p:nvPicPr>
+          <p:cNvPr id="7" name="圖片 6">
+            <a:extLst>
+              <a:ext uri="{FF2B5EF4-FFF2-40B4-BE49-F238E27FC236}">
+                <a16:creationId xmlns:a16="http://schemas.microsoft.com/office/drawing/2014/main" id="{03470C2A-D6FB-7E0C-8F4C-A4419196AC02}"/>
+              </a:ext>
+            </a:extLst>
+          </p:cNvPr>
+          <p:cNvPicPr>
+            <a:picLocks noChangeAspect="1"/>
+          </p:cNvPicPr>
+          <p:nvPr/>
+        </p:nvPicPr>
+        <p:blipFill>
+          <a:blip r:embed="rId2"/>
+          <a:stretch>
+            <a:fillRect/>
+          </a:stretch>
+        </p:blipFill>
+        <p:spPr>
+          <a:xfrm>
+            <a:off x="7024637" y="2126714"/>
+            <a:ext cx="3989268" cy="3503121"/>
+          </a:xfrm>
+          <a:prstGeom prst="rect">
+            <a:avLst/>
+          </a:prstGeom>
+        </p:spPr>
+      </p:pic>
+    </p:spTree>
+    <p:extLst>
+      <p:ext uri="{BB962C8B-B14F-4D97-AF65-F5344CB8AC3E}">
+        <p14:creationId xmlns:p14="http://schemas.microsoft.com/office/powerpoint/2010/main" val="3897944444"/>
+      </p:ext>
+    </p:extLst>
+  </p:cSld>
+  <p:clrMapOvr>
+    <a:masterClrMapping/>
+  </p:clrMapOvr>
+</p:sld>
+</file>
+
+<file path=ppt/slides/slide8.xml><?xml version="1.0" encoding="utf-8"?>
+<p:sld xmlns:a="http://schemas.openxmlformats.org/drawingml/2006/main" xmlns:r="http://schemas.openxmlformats.org/officeDocument/2006/relationships" xmlns:p="http://schemas.openxmlformats.org/presentationml/2006/main">
+  <p:cSld>
+    <p:spTree>
+      <p:nvGrpSpPr>
+        <p:cNvPr id="1" name=""/>
+        <p:cNvGrpSpPr/>
+        <p:nvPr/>
+      </p:nvGrpSpPr>
+      <p:grpSpPr>
+        <a:xfrm>
+          <a:off x="0" y="0"/>
+          <a:ext cx="0" cy="0"/>
+          <a:chOff x="0" y="0"/>
+          <a:chExt cx="0" cy="0"/>
+        </a:xfrm>
+      </p:grpSpPr>
+      <p:sp>
+        <p:nvSpPr>
+          <p:cNvPr id="2" name="標題 1">
+            <a:extLst>
+              <a:ext uri="{FF2B5EF4-FFF2-40B4-BE49-F238E27FC236}">
+                <a16:creationId xmlns:a16="http://schemas.microsoft.com/office/drawing/2014/main" id="{9754B65C-1642-6FE5-D941-96E5D377AABC}"/>
+              </a:ext>
+            </a:extLst>
+          </p:cNvPr>
+          <p:cNvSpPr>
+            <a:spLocks noGrp="1"/>
+          </p:cNvSpPr>
+          <p:nvPr>
+            <p:ph type="title"/>
+          </p:nvPr>
+        </p:nvSpPr>
+        <p:spPr>
+          <a:xfrm>
+            <a:off x="1687669" y="624110"/>
+            <a:ext cx="7321860" cy="1280890"/>
+          </a:xfrm>
+        </p:spPr>
+        <p:txBody>
+          <a:bodyPr>
+            <a:normAutofit/>
+          </a:bodyPr>
+          <a:lstStyle/>
+          <a:p>
+            <a:r>
+              <a:rPr lang="en-US" altLang="zh-TW" sz="3200" dirty="0"/>
+              <a:t>Simple queries Question4</a:t>
+            </a:r>
+            <a:endParaRPr lang="zh-TW" altLang="en-US" sz="3200" dirty="0"/>
+          </a:p>
+        </p:txBody>
+      </p:sp>
+      <p:sp>
+        <p:nvSpPr>
+          <p:cNvPr id="4" name="投影片編號版面配置區 3">
+            <a:extLst>
+              <a:ext uri="{FF2B5EF4-FFF2-40B4-BE49-F238E27FC236}">
+                <a16:creationId xmlns:a16="http://schemas.microsoft.com/office/drawing/2014/main" id="{3F1EA6AD-3945-5A5F-70AE-CD8043429B6D}"/>
+              </a:ext>
+            </a:extLst>
+          </p:cNvPr>
+          <p:cNvSpPr>
+            <a:spLocks noGrp="1"/>
+          </p:cNvSpPr>
+          <p:nvPr>
+            <p:ph type="sldNum" sz="quarter" idx="12"/>
+          </p:nvPr>
+        </p:nvSpPr>
+        <p:spPr>
+          <a:xfrm>
+            <a:off x="531812" y="787782"/>
+            <a:ext cx="779767" cy="365125"/>
+          </a:xfrm>
+        </p:spPr>
+        <p:txBody>
+          <a:bodyPr>
+            <a:normAutofit/>
+          </a:bodyPr>
+          <a:lstStyle/>
+          <a:p>
+            <a:pPr>
+              <a:lnSpc>
+                <a:spcPct val="90000"/>
+              </a:lnSpc>
+              <a:spcAft>
+                <a:spcPts val="600"/>
+              </a:spcAft>
+            </a:pPr>
+            <a:fld id="{D57F1E4F-1CFF-5643-939E-217C01CDF565}" type="slidenum">
+              <a:rPr lang="en-US" sz="1900" smtClean="0"/>
+              <a:pPr>
+                <a:lnSpc>
+                  <a:spcPct val="90000"/>
+                </a:lnSpc>
+                <a:spcAft>
+                  <a:spcPts val="600"/>
+                </a:spcAft>
+              </a:pPr>
+              <a:t>8</a:t>
+            </a:fld>
+            <a:endParaRPr lang="en-US" sz="1900"/>
+          </a:p>
+        </p:txBody>
+      </p:sp>
+      <p:pic>
+        <p:nvPicPr>
+          <p:cNvPr id="8" name="內容版面配置區 7">
+            <a:extLst>
+              <a:ext uri="{FF2B5EF4-FFF2-40B4-BE49-F238E27FC236}">
+                <a16:creationId xmlns:a16="http://schemas.microsoft.com/office/drawing/2014/main" id="{851E3914-3F36-0729-3752-87DC5FFB0055}"/>
+              </a:ext>
+            </a:extLst>
+          </p:cNvPr>
+          <p:cNvPicPr>
+            <a:picLocks noGrp="1" noChangeAspect="1"/>
+          </p:cNvPicPr>
+          <p:nvPr>
+            <p:ph idx="1"/>
+          </p:nvPr>
+        </p:nvPicPr>
+        <p:blipFill>
+          <a:blip r:embed="rId2"/>
+          <a:stretch>
+            <a:fillRect/>
+          </a:stretch>
+        </p:blipFill>
+        <p:spPr>
+          <a:xfrm>
+            <a:off x="2764599" y="1809849"/>
+            <a:ext cx="7453006" cy="3726503"/>
+          </a:xfrm>
+        </p:spPr>
+      </p:pic>
+    </p:spTree>
+    <p:extLst>
+      <p:ext uri="{BB962C8B-B14F-4D97-AF65-F5344CB8AC3E}">
+        <p14:creationId xmlns:p14="http://schemas.microsoft.com/office/powerpoint/2010/main" val="2349331946"/>
+      </p:ext>
+    </p:extLst>
+  </p:cSld>
+  <p:clrMapOvr>
+    <a:masterClrMapping/>
+  </p:clrMapOvr>
+</p:sld>
+</file>
+
+<file path=ppt/slides/slide9.xml><?xml version="1.0" encoding="utf-8"?>
+<p:sld xmlns:a="http://schemas.openxmlformats.org/drawingml/2006/main" xmlns:r="http://schemas.openxmlformats.org/officeDocument/2006/relationships" xmlns:p="http://schemas.openxmlformats.org/presentationml/2006/main">
+  <p:cSld>
+    <p:spTree>
+      <p:nvGrpSpPr>
+        <p:cNvPr id="1" name=""/>
+        <p:cNvGrpSpPr/>
+        <p:nvPr/>
+      </p:nvGrpSpPr>
+      <p:grpSpPr>
+        <a:xfrm>
+          <a:off x="0" y="0"/>
+          <a:ext cx="0" cy="0"/>
+          <a:chOff x="0" y="0"/>
+          <a:chExt cx="0" cy="0"/>
+        </a:xfrm>
+      </p:grpSpPr>
+      <p:sp>
+        <p:nvSpPr>
+          <p:cNvPr id="2" name="標題 1">
+            <a:extLst>
+              <a:ext uri="{FF2B5EF4-FFF2-40B4-BE49-F238E27FC236}">
+                <a16:creationId xmlns:a16="http://schemas.microsoft.com/office/drawing/2014/main" id="{9754B65C-1642-6FE5-D941-96E5D377AABC}"/>
+              </a:ext>
+            </a:extLst>
+          </p:cNvPr>
+          <p:cNvSpPr>
+            <a:spLocks noGrp="1"/>
+          </p:cNvSpPr>
+          <p:nvPr>
+            <p:ph type="title"/>
+          </p:nvPr>
+        </p:nvSpPr>
+        <p:spPr>
+          <a:xfrm>
+            <a:off x="1687669" y="624110"/>
+            <a:ext cx="4137059" cy="1280890"/>
+          </a:xfrm>
+        </p:spPr>
+        <p:txBody>
+          <a:bodyPr>
+            <a:normAutofit/>
+          </a:bodyPr>
+          <a:lstStyle/>
+          <a:p>
+            <a:r>
+              <a:rPr lang="en-US" altLang="zh-TW" sz="3200" dirty="0"/>
+              <a:t>Answer4.</a:t>
+            </a:r>
+            <a:endParaRPr lang="zh-TW" altLang="en-US" sz="3200" dirty="0"/>
+          </a:p>
+        </p:txBody>
+      </p:sp>
+      <p:sp>
+        <p:nvSpPr>
+          <p:cNvPr id="4" name="投影片編號版面配置區 3">
+            <a:extLst>
+              <a:ext uri="{FF2B5EF4-FFF2-40B4-BE49-F238E27FC236}">
+                <a16:creationId xmlns:a16="http://schemas.microsoft.com/office/drawing/2014/main" id="{3F1EA6AD-3945-5A5F-70AE-CD8043429B6D}"/>
+              </a:ext>
+            </a:extLst>
+          </p:cNvPr>
+          <p:cNvSpPr>
+            <a:spLocks noGrp="1"/>
+          </p:cNvSpPr>
+          <p:nvPr>
+            <p:ph type="sldNum" sz="quarter" idx="12"/>
+          </p:nvPr>
+        </p:nvSpPr>
+        <p:spPr>
+          <a:xfrm>
+            <a:off x="531812" y="787782"/>
+            <a:ext cx="779767" cy="365125"/>
+          </a:xfrm>
+        </p:spPr>
+        <p:txBody>
+          <a:bodyPr>
+            <a:normAutofit/>
+          </a:bodyPr>
+          <a:lstStyle/>
+          <a:p>
+            <a:pPr>
+              <a:lnSpc>
+                <a:spcPct val="90000"/>
+              </a:lnSpc>
+              <a:spcAft>
+                <a:spcPts val="600"/>
+              </a:spcAft>
+            </a:pPr>
+            <a:fld id="{D57F1E4F-1CFF-5643-939E-217C01CDF565}" type="slidenum">
+              <a:rPr lang="en-US" sz="1900" smtClean="0"/>
+              <a:pPr>
+                <a:lnSpc>
+                  <a:spcPct val="90000"/>
+                </a:lnSpc>
+                <a:spcAft>
+                  <a:spcPts val="600"/>
+                </a:spcAft>
+              </a:pPr>
+              <a:t>9</a:t>
+            </a:fld>
+            <a:endParaRPr lang="en-US" sz="1900"/>
+          </a:p>
+        </p:txBody>
+      </p:sp>
+      <p:sp>
+        <p:nvSpPr>
+          <p:cNvPr id="3" name="內容版面配置區 2">
+            <a:extLst>
+              <a:ext uri="{FF2B5EF4-FFF2-40B4-BE49-F238E27FC236}">
+                <a16:creationId xmlns:a16="http://schemas.microsoft.com/office/drawing/2014/main" id="{8A26720F-616D-E164-DA93-3A4EBED4F0AD}"/>
+              </a:ext>
+            </a:extLst>
+          </p:cNvPr>
+          <p:cNvSpPr>
+            <a:spLocks noGrp="1"/>
+          </p:cNvSpPr>
+          <p:nvPr>
+            <p:ph idx="1"/>
+          </p:nvPr>
+        </p:nvSpPr>
+        <p:spPr>
+          <a:xfrm>
+            <a:off x="1513627" y="2286000"/>
+            <a:ext cx="4923032" cy="3854824"/>
+          </a:xfrm>
+        </p:spPr>
+        <p:txBody>
+          <a:bodyPr>
+            <a:normAutofit/>
+          </a:bodyPr>
+          <a:lstStyle/>
+          <a:p>
+            <a:r>
+              <a:rPr lang="en-US" altLang="zh-TW" sz="1600" dirty="0">
+                <a:solidFill>
+                  <a:srgbClr val="000000"/>
+                </a:solidFill>
+                <a:latin typeface="微軟正黑體" panose="020B0604030504040204" pitchFamily="34" charset="-120"/>
+                <a:ea typeface="微軟正黑體" panose="020B0604030504040204" pitchFamily="34" charset="-120"/>
+              </a:rPr>
+              <a:t>SELECT TOP (2)  [</a:t>
+            </a:r>
+            <a:r>
+              <a:rPr lang="en-US" altLang="zh-TW" sz="1600" dirty="0" err="1">
+                <a:solidFill>
+                  <a:srgbClr val="000000"/>
+                </a:solidFill>
+                <a:latin typeface="微軟正黑體" panose="020B0604030504040204" pitchFamily="34" charset="-120"/>
+                <a:ea typeface="微軟正黑體" panose="020B0604030504040204" pitchFamily="34" charset="-120"/>
+              </a:rPr>
+              <a:t>EventName</a:t>
+            </a:r>
+            <a:r>
+              <a:rPr lang="en-US" altLang="zh-TW" sz="1600" dirty="0">
+                <a:solidFill>
+                  <a:srgbClr val="000000"/>
+                </a:solidFill>
+                <a:latin typeface="微軟正黑體" panose="020B0604030504040204" pitchFamily="34" charset="-120"/>
+                <a:ea typeface="微軟正黑體" panose="020B0604030504040204" pitchFamily="34" charset="-120"/>
+              </a:rPr>
+              <a:t>] as 'What',[</a:t>
+            </a:r>
+            <a:r>
+              <a:rPr lang="en-US" altLang="zh-TW" sz="1600" dirty="0" err="1">
+                <a:solidFill>
+                  <a:srgbClr val="000000"/>
+                </a:solidFill>
+                <a:latin typeface="微軟正黑體" panose="020B0604030504040204" pitchFamily="34" charset="-120"/>
+                <a:ea typeface="微軟正黑體" panose="020B0604030504040204" pitchFamily="34" charset="-120"/>
+              </a:rPr>
+              <a:t>EventDate</a:t>
+            </a:r>
+            <a:r>
+              <a:rPr lang="en-US" altLang="zh-TW" sz="1600" dirty="0">
+                <a:solidFill>
+                  <a:srgbClr val="000000"/>
+                </a:solidFill>
+                <a:latin typeface="微軟正黑體" panose="020B0604030504040204" pitchFamily="34" charset="-120"/>
+                <a:ea typeface="微軟正黑體" panose="020B0604030504040204" pitchFamily="34" charset="-120"/>
+              </a:rPr>
+              <a:t>] as 'When'</a:t>
+            </a:r>
+          </a:p>
+          <a:p>
+            <a:r>
+              <a:rPr lang="en-US" altLang="zh-TW" sz="1600" dirty="0">
+                <a:solidFill>
+                  <a:srgbClr val="000000"/>
+                </a:solidFill>
+                <a:latin typeface="微軟正黑體" panose="020B0604030504040204" pitchFamily="34" charset="-120"/>
+                <a:ea typeface="微軟正黑體" panose="020B0604030504040204" pitchFamily="34" charset="-120"/>
+              </a:rPr>
+              <a:t>FROM [</a:t>
+            </a:r>
+            <a:r>
+              <a:rPr lang="en-US" altLang="zh-TW" sz="1600" dirty="0" err="1">
+                <a:solidFill>
+                  <a:srgbClr val="000000"/>
+                </a:solidFill>
+                <a:latin typeface="微軟正黑體" panose="020B0604030504040204" pitchFamily="34" charset="-120"/>
+                <a:ea typeface="微軟正黑體" panose="020B0604030504040204" pitchFamily="34" charset="-120"/>
+              </a:rPr>
+              <a:t>WorldEvents</a:t>
+            </a:r>
+            <a:r>
+              <a:rPr lang="en-US" altLang="zh-TW" sz="1600" dirty="0">
+                <a:solidFill>
+                  <a:srgbClr val="000000"/>
+                </a:solidFill>
+                <a:latin typeface="微軟正黑體" panose="020B0604030504040204" pitchFamily="34" charset="-120"/>
+                <a:ea typeface="微軟正黑體" panose="020B0604030504040204" pitchFamily="34" charset="-120"/>
+              </a:rPr>
+              <a:t>].[</a:t>
+            </a:r>
+            <a:r>
+              <a:rPr lang="en-US" altLang="zh-TW" sz="1600" dirty="0" err="1">
+                <a:solidFill>
+                  <a:srgbClr val="000000"/>
+                </a:solidFill>
+                <a:latin typeface="微軟正黑體" panose="020B0604030504040204" pitchFamily="34" charset="-120"/>
+                <a:ea typeface="微軟正黑體" panose="020B0604030504040204" pitchFamily="34" charset="-120"/>
+              </a:rPr>
+              <a:t>dbo</a:t>
+            </a:r>
+            <a:r>
+              <a:rPr lang="en-US" altLang="zh-TW" sz="1600" dirty="0">
+                <a:solidFill>
+                  <a:srgbClr val="000000"/>
+                </a:solidFill>
+                <a:latin typeface="微軟正黑體" panose="020B0604030504040204" pitchFamily="34" charset="-120"/>
+                <a:ea typeface="微軟正黑體" panose="020B0604030504040204" pitchFamily="34" charset="-120"/>
+              </a:rPr>
+              <a:t>].[</a:t>
+            </a:r>
+            <a:r>
+              <a:rPr lang="en-US" altLang="zh-TW" sz="1600" dirty="0" err="1">
+                <a:solidFill>
+                  <a:srgbClr val="000000"/>
+                </a:solidFill>
+                <a:latin typeface="微軟正黑體" panose="020B0604030504040204" pitchFamily="34" charset="-120"/>
+                <a:ea typeface="微軟正黑體" panose="020B0604030504040204" pitchFamily="34" charset="-120"/>
+              </a:rPr>
+              <a:t>tblEvent</a:t>
+            </a:r>
+            <a:r>
+              <a:rPr lang="en-US" altLang="zh-TW" sz="1600" dirty="0">
+                <a:solidFill>
+                  <a:srgbClr val="000000"/>
+                </a:solidFill>
+                <a:latin typeface="微軟正黑體" panose="020B0604030504040204" pitchFamily="34" charset="-120"/>
+                <a:ea typeface="微軟正黑體" panose="020B0604030504040204" pitchFamily="34" charset="-120"/>
+              </a:rPr>
+              <a:t>]</a:t>
+            </a:r>
+          </a:p>
+          <a:p>
+            <a:r>
+              <a:rPr lang="en-US" altLang="zh-TW" sz="1600" dirty="0">
+                <a:solidFill>
+                  <a:srgbClr val="000000"/>
+                </a:solidFill>
+                <a:latin typeface="微軟正黑體" panose="020B0604030504040204" pitchFamily="34" charset="-120"/>
+                <a:ea typeface="微軟正黑體" panose="020B0604030504040204" pitchFamily="34" charset="-120"/>
+              </a:rPr>
+              <a:t>ORDER BY [</a:t>
+            </a:r>
+            <a:r>
+              <a:rPr lang="en-US" altLang="zh-TW" sz="1600" dirty="0" err="1">
+                <a:solidFill>
+                  <a:srgbClr val="000000"/>
+                </a:solidFill>
+                <a:latin typeface="微軟正黑體" panose="020B0604030504040204" pitchFamily="34" charset="-120"/>
+                <a:ea typeface="微軟正黑體" panose="020B0604030504040204" pitchFamily="34" charset="-120"/>
+              </a:rPr>
+              <a:t>EventDate</a:t>
+            </a:r>
+            <a:r>
+              <a:rPr lang="en-US" altLang="zh-TW" sz="1600" dirty="0">
+                <a:solidFill>
+                  <a:srgbClr val="000000"/>
+                </a:solidFill>
+                <a:latin typeface="微軟正黑體" panose="020B0604030504040204" pitchFamily="34" charset="-120"/>
+                <a:ea typeface="微軟正黑體" panose="020B0604030504040204" pitchFamily="34" charset="-120"/>
+              </a:rPr>
+              <a:t>] ASC</a:t>
+            </a:r>
+          </a:p>
+          <a:p>
+            <a:r>
+              <a:rPr lang="en-US" altLang="zh-TW" sz="1600" dirty="0">
+                <a:solidFill>
+                  <a:srgbClr val="000000"/>
+                </a:solidFill>
+                <a:latin typeface="微軟正黑體" panose="020B0604030504040204" pitchFamily="34" charset="-120"/>
+                <a:ea typeface="微軟正黑體" panose="020B0604030504040204" pitchFamily="34" charset="-120"/>
+              </a:rPr>
+              <a:t>SELECT TOP (2)  [</a:t>
+            </a:r>
+            <a:r>
+              <a:rPr lang="en-US" altLang="zh-TW" sz="1600" dirty="0" err="1">
+                <a:solidFill>
+                  <a:srgbClr val="000000"/>
+                </a:solidFill>
+                <a:latin typeface="微軟正黑體" panose="020B0604030504040204" pitchFamily="34" charset="-120"/>
+                <a:ea typeface="微軟正黑體" panose="020B0604030504040204" pitchFamily="34" charset="-120"/>
+              </a:rPr>
+              <a:t>EventName</a:t>
+            </a:r>
+            <a:r>
+              <a:rPr lang="en-US" altLang="zh-TW" sz="1600" dirty="0">
+                <a:solidFill>
+                  <a:srgbClr val="000000"/>
+                </a:solidFill>
+                <a:latin typeface="微軟正黑體" panose="020B0604030504040204" pitchFamily="34" charset="-120"/>
+                <a:ea typeface="微軟正黑體" panose="020B0604030504040204" pitchFamily="34" charset="-120"/>
+              </a:rPr>
+              <a:t>] as 'What',[</a:t>
+            </a:r>
+            <a:r>
+              <a:rPr lang="en-US" altLang="zh-TW" sz="1600" dirty="0" err="1">
+                <a:solidFill>
+                  <a:srgbClr val="000000"/>
+                </a:solidFill>
+                <a:latin typeface="微軟正黑體" panose="020B0604030504040204" pitchFamily="34" charset="-120"/>
+                <a:ea typeface="微軟正黑體" panose="020B0604030504040204" pitchFamily="34" charset="-120"/>
+              </a:rPr>
+              <a:t>EventDate</a:t>
+            </a:r>
+            <a:r>
+              <a:rPr lang="en-US" altLang="zh-TW" sz="1600" dirty="0">
+                <a:solidFill>
+                  <a:srgbClr val="000000"/>
+                </a:solidFill>
+                <a:latin typeface="微軟正黑體" panose="020B0604030504040204" pitchFamily="34" charset="-120"/>
+                <a:ea typeface="微軟正黑體" panose="020B0604030504040204" pitchFamily="34" charset="-120"/>
+              </a:rPr>
+              <a:t>] as 'When'</a:t>
+            </a:r>
+          </a:p>
+          <a:p>
+            <a:r>
+              <a:rPr lang="en-US" altLang="zh-TW" sz="1600" dirty="0">
+                <a:solidFill>
+                  <a:srgbClr val="000000"/>
+                </a:solidFill>
+                <a:latin typeface="微軟正黑體" panose="020B0604030504040204" pitchFamily="34" charset="-120"/>
+                <a:ea typeface="微軟正黑體" panose="020B0604030504040204" pitchFamily="34" charset="-120"/>
+              </a:rPr>
+              <a:t>FROM [</a:t>
+            </a:r>
+            <a:r>
+              <a:rPr lang="en-US" altLang="zh-TW" sz="1600" dirty="0" err="1">
+                <a:solidFill>
+                  <a:srgbClr val="000000"/>
+                </a:solidFill>
+                <a:latin typeface="微軟正黑體" panose="020B0604030504040204" pitchFamily="34" charset="-120"/>
+                <a:ea typeface="微軟正黑體" panose="020B0604030504040204" pitchFamily="34" charset="-120"/>
+              </a:rPr>
+              <a:t>WorldEvents</a:t>
+            </a:r>
+            <a:r>
+              <a:rPr lang="en-US" altLang="zh-TW" sz="1600" dirty="0">
+                <a:solidFill>
+                  <a:srgbClr val="000000"/>
+                </a:solidFill>
+                <a:latin typeface="微軟正黑體" panose="020B0604030504040204" pitchFamily="34" charset="-120"/>
+                <a:ea typeface="微軟正黑體" panose="020B0604030504040204" pitchFamily="34" charset="-120"/>
+              </a:rPr>
+              <a:t>].[</a:t>
+            </a:r>
+            <a:r>
+              <a:rPr lang="en-US" altLang="zh-TW" sz="1600" dirty="0" err="1">
+                <a:solidFill>
+                  <a:srgbClr val="000000"/>
+                </a:solidFill>
+                <a:latin typeface="微軟正黑體" panose="020B0604030504040204" pitchFamily="34" charset="-120"/>
+                <a:ea typeface="微軟正黑體" panose="020B0604030504040204" pitchFamily="34" charset="-120"/>
+              </a:rPr>
+              <a:t>dbo</a:t>
+            </a:r>
+            <a:r>
+              <a:rPr lang="en-US" altLang="zh-TW" sz="1600" dirty="0">
+                <a:solidFill>
+                  <a:srgbClr val="000000"/>
+                </a:solidFill>
+                <a:latin typeface="微軟正黑體" panose="020B0604030504040204" pitchFamily="34" charset="-120"/>
+                <a:ea typeface="微軟正黑體" panose="020B0604030504040204" pitchFamily="34" charset="-120"/>
+              </a:rPr>
+              <a:t>].[</a:t>
+            </a:r>
+            <a:r>
+              <a:rPr lang="en-US" altLang="zh-TW" sz="1600" dirty="0" err="1">
+                <a:solidFill>
+                  <a:srgbClr val="000000"/>
+                </a:solidFill>
+                <a:latin typeface="微軟正黑體" panose="020B0604030504040204" pitchFamily="34" charset="-120"/>
+                <a:ea typeface="微軟正黑體" panose="020B0604030504040204" pitchFamily="34" charset="-120"/>
+              </a:rPr>
+              <a:t>tblEvent</a:t>
+            </a:r>
+            <a:r>
+              <a:rPr lang="en-US" altLang="zh-TW" sz="1600" dirty="0">
+                <a:solidFill>
+                  <a:srgbClr val="000000"/>
+                </a:solidFill>
+                <a:latin typeface="微軟正黑體" panose="020B0604030504040204" pitchFamily="34" charset="-120"/>
+                <a:ea typeface="微軟正黑體" panose="020B0604030504040204" pitchFamily="34" charset="-120"/>
+              </a:rPr>
+              <a:t>]</a:t>
+            </a:r>
+          </a:p>
+          <a:p>
+            <a:r>
+              <a:rPr lang="en-US" altLang="zh-TW" sz="1600" dirty="0">
+                <a:solidFill>
+                  <a:srgbClr val="000000"/>
+                </a:solidFill>
+                <a:latin typeface="微軟正黑體" panose="020B0604030504040204" pitchFamily="34" charset="-120"/>
+                <a:ea typeface="微軟正黑體" panose="020B0604030504040204" pitchFamily="34" charset="-120"/>
+              </a:rPr>
+              <a:t>ORDER BY [</a:t>
+            </a:r>
+            <a:r>
+              <a:rPr lang="en-US" altLang="zh-TW" sz="1600" dirty="0" err="1">
+                <a:solidFill>
+                  <a:srgbClr val="000000"/>
+                </a:solidFill>
+                <a:latin typeface="微軟正黑體" panose="020B0604030504040204" pitchFamily="34" charset="-120"/>
+                <a:ea typeface="微軟正黑體" panose="020B0604030504040204" pitchFamily="34" charset="-120"/>
+              </a:rPr>
+              <a:t>EventDate</a:t>
+            </a:r>
+            <a:r>
+              <a:rPr lang="en-US" altLang="zh-TW" sz="1600" dirty="0">
+                <a:solidFill>
+                  <a:srgbClr val="000000"/>
+                </a:solidFill>
+                <a:latin typeface="微軟正黑體" panose="020B0604030504040204" pitchFamily="34" charset="-120"/>
+                <a:ea typeface="微軟正黑體" panose="020B0604030504040204" pitchFamily="34" charset="-120"/>
+              </a:rPr>
+              <a:t>] DESC</a:t>
+            </a:r>
+            <a:endParaRPr lang="zh-TW" altLang="en-US" sz="1600" dirty="0">
+              <a:solidFill>
+                <a:srgbClr val="000000"/>
+              </a:solidFill>
+              <a:latin typeface="微軟正黑體" panose="020B0604030504040204" pitchFamily="34" charset="-120"/>
+              <a:ea typeface="微軟正黑體" panose="020B0604030504040204" pitchFamily="34" charset="-120"/>
+            </a:endParaRPr>
+          </a:p>
+        </p:txBody>
+      </p:sp>
+      <p:pic>
+        <p:nvPicPr>
+          <p:cNvPr id="6" name="圖片 5">
+            <a:extLst>
+              <a:ext uri="{FF2B5EF4-FFF2-40B4-BE49-F238E27FC236}">
+                <a16:creationId xmlns:a16="http://schemas.microsoft.com/office/drawing/2014/main" id="{15CF0F78-5653-5764-5F88-201E38E17966}"/>
+              </a:ext>
+            </a:extLst>
+          </p:cNvPr>
+          <p:cNvPicPr>
+            <a:picLocks noChangeAspect="1"/>
+          </p:cNvPicPr>
+          <p:nvPr/>
+        </p:nvPicPr>
+        <p:blipFill>
+          <a:blip r:embed="rId2"/>
+          <a:stretch>
+            <a:fillRect/>
+          </a:stretch>
+        </p:blipFill>
+        <p:spPr>
+          <a:xfrm>
+            <a:off x="6167717" y="2169458"/>
+            <a:ext cx="4213987" cy="3013109"/>
+          </a:xfrm>
+          <a:prstGeom prst="rect">
+            <a:avLst/>
+          </a:prstGeom>
+        </p:spPr>
+      </p:pic>
+    </p:spTree>
+    <p:extLst>
+      <p:ext uri="{BB962C8B-B14F-4D97-AF65-F5344CB8AC3E}">
+        <p14:creationId xmlns:p14="http://schemas.microsoft.com/office/powerpoint/2010/main" val="2319749801"/>
       </p:ext>
     </p:extLst>
   </p:cSld>

--- a/sql answer.pptx
+++ b/sql answer.pptx
@@ -5,7 +5,7 @@
     <p:sldMasterId id="2147483648" r:id="rId1"/>
   </p:sldMasterIdLst>
   <p:notesMasterIdLst>
-    <p:notesMasterId r:id="rId11"/>
+    <p:notesMasterId r:id="rId17"/>
   </p:notesMasterIdLst>
   <p:sldIdLst>
     <p:sldId id="256" r:id="rId2"/>
@@ -17,6 +17,12 @@
     <p:sldId id="262" r:id="rId8"/>
     <p:sldId id="263" r:id="rId9"/>
     <p:sldId id="264" r:id="rId10"/>
+    <p:sldId id="265" r:id="rId11"/>
+    <p:sldId id="266" r:id="rId12"/>
+    <p:sldId id="267" r:id="rId13"/>
+    <p:sldId id="268" r:id="rId14"/>
+    <p:sldId id="269" r:id="rId15"/>
+    <p:sldId id="270" r:id="rId16"/>
   </p:sldIdLst>
   <p:sldSz cx="12192000" cy="6858000"/>
   <p:notesSz cx="6858000" cy="9144000"/>
@@ -205,7 +211,7 @@
           <a:p>
             <a:fld id="{54AEA450-3062-4AAA-926F-005294A4F50C}" type="datetimeFigureOut">
               <a:rPr lang="zh-TW" altLang="en-US" smtClean="0"/>
-              <a:t>2023/7/19</a:t>
+              <a:t>2023/7/20</a:t>
             </a:fld>
             <a:endParaRPr lang="zh-TW" altLang="en-US"/>
           </a:p>
@@ -660,7 +666,7 @@
           <a:p>
             <a:fld id="{A6C54CF7-6667-4CB7-8FEA-8B4DA9F0AC0C}" type="datetime1">
               <a:rPr lang="en-US" altLang="zh-TW" smtClean="0"/>
-              <a:t>7/19/2023</a:t>
+              <a:t>7/20/2023</a:t>
             </a:fld>
             <a:endParaRPr lang="en-US" dirty="0"/>
           </a:p>
@@ -994,7 +1000,7 @@
           <a:p>
             <a:fld id="{FE5B22DC-6D1B-472D-BD9F-6B84DDEAB6B8}" type="datetime1">
               <a:rPr lang="en-US" altLang="zh-TW" smtClean="0"/>
-              <a:t>7/19/2023</a:t>
+              <a:t>7/20/2023</a:t>
             </a:fld>
             <a:endParaRPr lang="en-US" dirty="0"/>
           </a:p>
@@ -1391,7 +1397,7 @@
           <a:p>
             <a:fld id="{3FC3214E-7A41-44CA-BB02-BAB1A71F9802}" type="datetime1">
               <a:rPr lang="en-US" altLang="zh-TW" smtClean="0"/>
-              <a:t>7/19/2023</a:t>
+              <a:t>7/20/2023</a:t>
             </a:fld>
             <a:endParaRPr lang="en-US" dirty="0"/>
           </a:p>
@@ -1723,7 +1729,7 @@
           <a:p>
             <a:fld id="{88479D64-44E6-4599-AF52-72AA177CD66B}" type="datetime1">
               <a:rPr lang="en-US" altLang="zh-TW" smtClean="0"/>
-              <a:t>7/19/2023</a:t>
+              <a:t>7/20/2023</a:t>
             </a:fld>
             <a:endParaRPr lang="en-US" dirty="0"/>
           </a:p>
@@ -2039,7 +2045,7 @@
           <a:p>
             <a:fld id="{BC5341FE-9B92-4466-B7E3-A580E0801C16}" type="datetime1">
               <a:rPr lang="en-US" altLang="zh-TW" smtClean="0"/>
-              <a:t>7/19/2023</a:t>
+              <a:t>7/20/2023</a:t>
             </a:fld>
             <a:endParaRPr lang="en-US" dirty="0"/>
           </a:p>
@@ -2431,7 +2437,7 @@
           <a:p>
             <a:fld id="{0D284FD5-6194-4E8F-9756-89A3108F6C23}" type="datetime1">
               <a:rPr lang="en-US" altLang="zh-TW" smtClean="0"/>
-              <a:t>7/19/2023</a:t>
+              <a:t>7/20/2023</a:t>
             </a:fld>
             <a:endParaRPr lang="en-US" dirty="0"/>
           </a:p>
@@ -2684,7 +2690,7 @@
           <a:p>
             <a:fld id="{CBAC82C6-D93E-47E7-8693-33E42F689429}" type="datetime1">
               <a:rPr lang="en-US" altLang="zh-TW" smtClean="0"/>
-              <a:t>7/19/2023</a:t>
+              <a:t>7/20/2023</a:t>
             </a:fld>
             <a:endParaRPr lang="en-US" dirty="0"/>
           </a:p>
@@ -2942,7 +2948,7 @@
           <a:p>
             <a:fld id="{02319D0E-B076-43B7-9EF9-D6B7F26EF7E2}" type="datetime1">
               <a:rPr lang="en-US" altLang="zh-TW" smtClean="0"/>
-              <a:t>7/19/2023</a:t>
+              <a:t>7/20/2023</a:t>
             </a:fld>
             <a:endParaRPr lang="en-US" dirty="0"/>
           </a:p>
@@ -3200,7 +3206,7 @@
           <a:p>
             <a:fld id="{44708793-4B7B-4D17-9975-D4491719BE20}" type="datetime1">
               <a:rPr lang="en-US" altLang="zh-TW" smtClean="0"/>
-              <a:t>7/19/2023</a:t>
+              <a:t>7/20/2023</a:t>
             </a:fld>
             <a:endParaRPr lang="en-US" dirty="0"/>
           </a:p>
@@ -3525,7 +3531,7 @@
           <a:p>
             <a:fld id="{C8293FAC-1493-4884-862F-E2E3704498C6}" type="datetime1">
               <a:rPr lang="en-US" altLang="zh-TW" smtClean="0"/>
-              <a:t>7/19/2023</a:t>
+              <a:t>7/20/2023</a:t>
             </a:fld>
             <a:endParaRPr lang="en-US" dirty="0"/>
           </a:p>
@@ -3844,7 +3850,7 @@
           <a:p>
             <a:fld id="{9FF65A49-FC39-47D2-AD3E-83B3400966FA}" type="datetime1">
               <a:rPr lang="en-US" altLang="zh-TW" smtClean="0"/>
-              <a:t>7/19/2023</a:t>
+              <a:t>7/20/2023</a:t>
             </a:fld>
             <a:endParaRPr lang="en-US" dirty="0"/>
           </a:p>
@@ -4297,7 +4303,7 @@
           <a:p>
             <a:fld id="{DDE8F718-462A-480A-988A-43604F475233}" type="datetime1">
               <a:rPr lang="en-US" altLang="zh-TW" smtClean="0"/>
-              <a:t>7/19/2023</a:t>
+              <a:t>7/20/2023</a:t>
             </a:fld>
             <a:endParaRPr lang="en-US" dirty="0"/>
           </a:p>
@@ -4498,7 +4504,7 @@
           <a:p>
             <a:fld id="{778B05C5-8E7C-4599-8ED3-6260AC83F79E}" type="datetime1">
               <a:rPr lang="en-US" altLang="zh-TW" smtClean="0"/>
-              <a:t>7/19/2023</a:t>
+              <a:t>7/20/2023</a:t>
             </a:fld>
             <a:endParaRPr lang="en-US" dirty="0"/>
           </a:p>
@@ -4671,7 +4677,7 @@
           <a:p>
             <a:fld id="{B345B859-EFE9-45D0-969C-2B31176A0FB1}" type="datetime1">
               <a:rPr lang="en-US" altLang="zh-TW" smtClean="0"/>
-              <a:t>7/19/2023</a:t>
+              <a:t>7/20/2023</a:t>
             </a:fld>
             <a:endParaRPr lang="en-US" dirty="0"/>
           </a:p>
@@ -5000,7 +5006,7 @@
           <a:p>
             <a:fld id="{74F40FDB-72BA-4C65-8D45-6FB1F48CE299}" type="datetime1">
               <a:rPr lang="en-US" altLang="zh-TW" smtClean="0"/>
-              <a:t>7/19/2023</a:t>
+              <a:t>7/20/2023</a:t>
             </a:fld>
             <a:endParaRPr lang="en-US" dirty="0"/>
           </a:p>
@@ -5341,7 +5347,7 @@
           <a:p>
             <a:fld id="{A7A6B26D-7F72-4902-9D21-541244423039}" type="datetime1">
               <a:rPr lang="en-US" altLang="zh-TW" smtClean="0"/>
-              <a:t>7/19/2023</a:t>
+              <a:t>7/20/2023</a:t>
             </a:fld>
             <a:endParaRPr lang="en-US" dirty="0"/>
           </a:p>
@@ -7454,7 +7460,7 @@
           <a:p>
             <a:fld id="{877DD24C-FF9A-411C-96FD-F688C4DA8D6E}" type="datetime1">
               <a:rPr lang="en-US" altLang="zh-TW" smtClean="0"/>
-              <a:t>7/19/2023</a:t>
+              <a:t>7/20/2023</a:t>
             </a:fld>
             <a:endParaRPr lang="en-US" dirty="0"/>
           </a:p>
@@ -8060,6 +8066,1661 @@
     <p:extLst>
       <p:ext uri="{BB962C8B-B14F-4D97-AF65-F5344CB8AC3E}">
         <p14:creationId xmlns:p14="http://schemas.microsoft.com/office/powerpoint/2010/main" val="649501483"/>
+      </p:ext>
+    </p:extLst>
+  </p:cSld>
+  <p:clrMapOvr>
+    <a:masterClrMapping/>
+  </p:clrMapOvr>
+</p:sld>
+</file>
+
+<file path=ppt/slides/slide10.xml><?xml version="1.0" encoding="utf-8"?>
+<p:sld xmlns:a="http://schemas.openxmlformats.org/drawingml/2006/main" xmlns:r="http://schemas.openxmlformats.org/officeDocument/2006/relationships" xmlns:p="http://schemas.openxmlformats.org/presentationml/2006/main">
+  <p:cSld>
+    <p:spTree>
+      <p:nvGrpSpPr>
+        <p:cNvPr id="1" name=""/>
+        <p:cNvGrpSpPr/>
+        <p:nvPr/>
+      </p:nvGrpSpPr>
+      <p:grpSpPr>
+        <a:xfrm>
+          <a:off x="0" y="0"/>
+          <a:ext cx="0" cy="0"/>
+          <a:chOff x="0" y="0"/>
+          <a:chExt cx="0" cy="0"/>
+        </a:xfrm>
+      </p:grpSpPr>
+      <p:sp>
+        <p:nvSpPr>
+          <p:cNvPr id="2" name="標題 1">
+            <a:extLst>
+              <a:ext uri="{FF2B5EF4-FFF2-40B4-BE49-F238E27FC236}">
+                <a16:creationId xmlns:a16="http://schemas.microsoft.com/office/drawing/2014/main" id="{9754B65C-1642-6FE5-D941-96E5D377AABC}"/>
+              </a:ext>
+            </a:extLst>
+          </p:cNvPr>
+          <p:cNvSpPr>
+            <a:spLocks noGrp="1"/>
+          </p:cNvSpPr>
+          <p:nvPr>
+            <p:ph type="title"/>
+          </p:nvPr>
+        </p:nvSpPr>
+        <p:spPr>
+          <a:xfrm>
+            <a:off x="1687669" y="624110"/>
+            <a:ext cx="7321860" cy="1280890"/>
+          </a:xfrm>
+        </p:spPr>
+        <p:txBody>
+          <a:bodyPr>
+            <a:normAutofit/>
+          </a:bodyPr>
+          <a:lstStyle/>
+          <a:p>
+            <a:r>
+              <a:rPr lang="en-US" altLang="zh-TW" sz="3200" dirty="0"/>
+              <a:t>Setting criteria using WHERE Q1 Question1</a:t>
+            </a:r>
+            <a:endParaRPr lang="zh-TW" altLang="en-US" sz="3200" dirty="0"/>
+          </a:p>
+        </p:txBody>
+      </p:sp>
+      <p:sp>
+        <p:nvSpPr>
+          <p:cNvPr id="4" name="投影片編號版面配置區 3">
+            <a:extLst>
+              <a:ext uri="{FF2B5EF4-FFF2-40B4-BE49-F238E27FC236}">
+                <a16:creationId xmlns:a16="http://schemas.microsoft.com/office/drawing/2014/main" id="{3F1EA6AD-3945-5A5F-70AE-CD8043429B6D}"/>
+              </a:ext>
+            </a:extLst>
+          </p:cNvPr>
+          <p:cNvSpPr>
+            <a:spLocks noGrp="1"/>
+          </p:cNvSpPr>
+          <p:nvPr>
+            <p:ph type="sldNum" sz="quarter" idx="12"/>
+          </p:nvPr>
+        </p:nvSpPr>
+        <p:spPr>
+          <a:xfrm>
+            <a:off x="531812" y="787782"/>
+            <a:ext cx="779767" cy="365125"/>
+          </a:xfrm>
+        </p:spPr>
+        <p:txBody>
+          <a:bodyPr>
+            <a:normAutofit/>
+          </a:bodyPr>
+          <a:lstStyle/>
+          <a:p>
+            <a:pPr>
+              <a:lnSpc>
+                <a:spcPct val="90000"/>
+              </a:lnSpc>
+              <a:spcAft>
+                <a:spcPts val="600"/>
+              </a:spcAft>
+            </a:pPr>
+            <a:fld id="{D57F1E4F-1CFF-5643-939E-217C01CDF565}" type="slidenum">
+              <a:rPr lang="en-US" sz="1900" smtClean="0"/>
+              <a:pPr>
+                <a:lnSpc>
+                  <a:spcPct val="90000"/>
+                </a:lnSpc>
+                <a:spcAft>
+                  <a:spcPts val="600"/>
+                </a:spcAft>
+              </a:pPr>
+              <a:t>10</a:t>
+            </a:fld>
+            <a:endParaRPr lang="en-US" sz="1900"/>
+          </a:p>
+        </p:txBody>
+      </p:sp>
+      <p:sp>
+        <p:nvSpPr>
+          <p:cNvPr id="5" name="內容版面配置區 4">
+            <a:extLst>
+              <a:ext uri="{FF2B5EF4-FFF2-40B4-BE49-F238E27FC236}">
+                <a16:creationId xmlns:a16="http://schemas.microsoft.com/office/drawing/2014/main" id="{D7604D20-0EBD-1EDD-73C3-AE780BA8FD96}"/>
+              </a:ext>
+            </a:extLst>
+          </p:cNvPr>
+          <p:cNvSpPr>
+            <a:spLocks noGrp="1"/>
+          </p:cNvSpPr>
+          <p:nvPr>
+            <p:ph idx="1"/>
+          </p:nvPr>
+        </p:nvSpPr>
+        <p:spPr/>
+        <p:txBody>
+          <a:bodyPr/>
+          <a:lstStyle/>
+          <a:p>
+            <a:endParaRPr lang="zh-TW" altLang="en-US"/>
+          </a:p>
+        </p:txBody>
+      </p:sp>
+      <p:pic>
+        <p:nvPicPr>
+          <p:cNvPr id="7" name="圖片 6">
+            <a:extLst>
+              <a:ext uri="{FF2B5EF4-FFF2-40B4-BE49-F238E27FC236}">
+                <a16:creationId xmlns:a16="http://schemas.microsoft.com/office/drawing/2014/main" id="{D8CEA677-120F-AFDC-8CA7-6E322D2E7B9B}"/>
+              </a:ext>
+            </a:extLst>
+          </p:cNvPr>
+          <p:cNvPicPr>
+            <a:picLocks noChangeAspect="1"/>
+          </p:cNvPicPr>
+          <p:nvPr/>
+        </p:nvPicPr>
+        <p:blipFill>
+          <a:blip r:embed="rId2"/>
+          <a:stretch>
+            <a:fillRect/>
+          </a:stretch>
+        </p:blipFill>
+        <p:spPr>
+          <a:xfrm>
+            <a:off x="1687669" y="1264555"/>
+            <a:ext cx="7712108" cy="5128704"/>
+          </a:xfrm>
+          <a:prstGeom prst="rect">
+            <a:avLst/>
+          </a:prstGeom>
+        </p:spPr>
+      </p:pic>
+    </p:spTree>
+    <p:extLst>
+      <p:ext uri="{BB962C8B-B14F-4D97-AF65-F5344CB8AC3E}">
+        <p14:creationId xmlns:p14="http://schemas.microsoft.com/office/powerpoint/2010/main" val="2681901675"/>
+      </p:ext>
+    </p:extLst>
+  </p:cSld>
+  <p:clrMapOvr>
+    <a:masterClrMapping/>
+  </p:clrMapOvr>
+</p:sld>
+</file>
+
+<file path=ppt/slides/slide11.xml><?xml version="1.0" encoding="utf-8"?>
+<p:sld xmlns:a="http://schemas.openxmlformats.org/drawingml/2006/main" xmlns:r="http://schemas.openxmlformats.org/officeDocument/2006/relationships" xmlns:p="http://schemas.openxmlformats.org/presentationml/2006/main">
+  <p:cSld>
+    <p:spTree>
+      <p:nvGrpSpPr>
+        <p:cNvPr id="1" name=""/>
+        <p:cNvGrpSpPr/>
+        <p:nvPr/>
+      </p:nvGrpSpPr>
+      <p:grpSpPr>
+        <a:xfrm>
+          <a:off x="0" y="0"/>
+          <a:ext cx="0" cy="0"/>
+          <a:chOff x="0" y="0"/>
+          <a:chExt cx="0" cy="0"/>
+        </a:xfrm>
+      </p:grpSpPr>
+      <p:sp>
+        <p:nvSpPr>
+          <p:cNvPr id="2" name="標題 1">
+            <a:extLst>
+              <a:ext uri="{FF2B5EF4-FFF2-40B4-BE49-F238E27FC236}">
+                <a16:creationId xmlns:a16="http://schemas.microsoft.com/office/drawing/2014/main" id="{9754B65C-1642-6FE5-D941-96E5D377AABC}"/>
+              </a:ext>
+            </a:extLst>
+          </p:cNvPr>
+          <p:cNvSpPr>
+            <a:spLocks noGrp="1"/>
+          </p:cNvSpPr>
+          <p:nvPr>
+            <p:ph type="title"/>
+          </p:nvPr>
+        </p:nvSpPr>
+        <p:spPr>
+          <a:xfrm>
+            <a:off x="1687669" y="624110"/>
+            <a:ext cx="4137059" cy="1280890"/>
+          </a:xfrm>
+        </p:spPr>
+        <p:txBody>
+          <a:bodyPr>
+            <a:normAutofit/>
+          </a:bodyPr>
+          <a:lstStyle/>
+          <a:p>
+            <a:r>
+              <a:rPr lang="en-US" altLang="zh-TW" sz="3200" dirty="0"/>
+              <a:t>Answer1.</a:t>
+            </a:r>
+            <a:endParaRPr lang="zh-TW" altLang="en-US" sz="3200" dirty="0"/>
+          </a:p>
+        </p:txBody>
+      </p:sp>
+      <p:sp>
+        <p:nvSpPr>
+          <p:cNvPr id="4" name="投影片編號版面配置區 3">
+            <a:extLst>
+              <a:ext uri="{FF2B5EF4-FFF2-40B4-BE49-F238E27FC236}">
+                <a16:creationId xmlns:a16="http://schemas.microsoft.com/office/drawing/2014/main" id="{3F1EA6AD-3945-5A5F-70AE-CD8043429B6D}"/>
+              </a:ext>
+            </a:extLst>
+          </p:cNvPr>
+          <p:cNvSpPr>
+            <a:spLocks noGrp="1"/>
+          </p:cNvSpPr>
+          <p:nvPr>
+            <p:ph type="sldNum" sz="quarter" idx="12"/>
+          </p:nvPr>
+        </p:nvSpPr>
+        <p:spPr>
+          <a:xfrm>
+            <a:off x="531812" y="787782"/>
+            <a:ext cx="779767" cy="365125"/>
+          </a:xfrm>
+        </p:spPr>
+        <p:txBody>
+          <a:bodyPr>
+            <a:normAutofit/>
+          </a:bodyPr>
+          <a:lstStyle/>
+          <a:p>
+            <a:pPr>
+              <a:lnSpc>
+                <a:spcPct val="90000"/>
+              </a:lnSpc>
+              <a:spcAft>
+                <a:spcPts val="600"/>
+              </a:spcAft>
+            </a:pPr>
+            <a:fld id="{D57F1E4F-1CFF-5643-939E-217C01CDF565}" type="slidenum">
+              <a:rPr lang="en-US" sz="1900" smtClean="0"/>
+              <a:pPr>
+                <a:lnSpc>
+                  <a:spcPct val="90000"/>
+                </a:lnSpc>
+                <a:spcAft>
+                  <a:spcPts val="600"/>
+                </a:spcAft>
+              </a:pPr>
+              <a:t>11</a:t>
+            </a:fld>
+            <a:endParaRPr lang="en-US" sz="1900"/>
+          </a:p>
+        </p:txBody>
+      </p:sp>
+      <p:sp>
+        <p:nvSpPr>
+          <p:cNvPr id="3" name="內容版面配置區 2">
+            <a:extLst>
+              <a:ext uri="{FF2B5EF4-FFF2-40B4-BE49-F238E27FC236}">
+                <a16:creationId xmlns:a16="http://schemas.microsoft.com/office/drawing/2014/main" id="{8A26720F-616D-E164-DA93-3A4EBED4F0AD}"/>
+              </a:ext>
+            </a:extLst>
+          </p:cNvPr>
+          <p:cNvSpPr>
+            <a:spLocks noGrp="1"/>
+          </p:cNvSpPr>
+          <p:nvPr>
+            <p:ph idx="1"/>
+          </p:nvPr>
+        </p:nvSpPr>
+        <p:spPr>
+          <a:xfrm>
+            <a:off x="1513627" y="2286000"/>
+            <a:ext cx="4923032" cy="3854824"/>
+          </a:xfrm>
+        </p:spPr>
+        <p:txBody>
+          <a:bodyPr>
+            <a:normAutofit/>
+          </a:bodyPr>
+          <a:lstStyle/>
+          <a:p>
+            <a:r>
+              <a:rPr lang="en-US" altLang="zh-TW" sz="1600" dirty="0">
+                <a:solidFill>
+                  <a:srgbClr val="000000"/>
+                </a:solidFill>
+                <a:latin typeface="微軟正黑體" panose="020B0604030504040204" pitchFamily="34" charset="-120"/>
+                <a:ea typeface="微軟正黑體" panose="020B0604030504040204" pitchFamily="34" charset="-120"/>
+              </a:rPr>
+              <a:t>SELECT [</a:t>
+            </a:r>
+            <a:r>
+              <a:rPr lang="en-US" altLang="zh-TW" sz="1600" dirty="0" err="1">
+                <a:solidFill>
+                  <a:srgbClr val="000000"/>
+                </a:solidFill>
+                <a:latin typeface="微軟正黑體" panose="020B0604030504040204" pitchFamily="34" charset="-120"/>
+                <a:ea typeface="微軟正黑體" panose="020B0604030504040204" pitchFamily="34" charset="-120"/>
+              </a:rPr>
+              <a:t>EventName</a:t>
+            </a:r>
+            <a:r>
+              <a:rPr lang="en-US" altLang="zh-TW" sz="1600" dirty="0">
+                <a:solidFill>
+                  <a:srgbClr val="000000"/>
+                </a:solidFill>
+                <a:latin typeface="微軟正黑體" panose="020B0604030504040204" pitchFamily="34" charset="-120"/>
+                <a:ea typeface="微軟正黑體" panose="020B0604030504040204" pitchFamily="34" charset="-120"/>
+              </a:rPr>
+              <a:t>],[</a:t>
+            </a:r>
+            <a:r>
+              <a:rPr lang="en-US" altLang="zh-TW" sz="1600" dirty="0" err="1">
+                <a:solidFill>
+                  <a:srgbClr val="000000"/>
+                </a:solidFill>
+                <a:latin typeface="微軟正黑體" panose="020B0604030504040204" pitchFamily="34" charset="-120"/>
+                <a:ea typeface="微軟正黑體" panose="020B0604030504040204" pitchFamily="34" charset="-120"/>
+              </a:rPr>
+              <a:t>EventDate</a:t>
+            </a:r>
+            <a:r>
+              <a:rPr lang="en-US" altLang="zh-TW" sz="1600" dirty="0">
+                <a:solidFill>
+                  <a:srgbClr val="000000"/>
+                </a:solidFill>
+                <a:latin typeface="微軟正黑體" panose="020B0604030504040204" pitchFamily="34" charset="-120"/>
+                <a:ea typeface="微軟正黑體" panose="020B0604030504040204" pitchFamily="34" charset="-120"/>
+              </a:rPr>
+              <a:t>]</a:t>
+            </a:r>
+          </a:p>
+          <a:p>
+            <a:r>
+              <a:rPr lang="en-US" altLang="zh-TW" sz="1600" dirty="0">
+                <a:solidFill>
+                  <a:srgbClr val="000000"/>
+                </a:solidFill>
+                <a:latin typeface="微軟正黑體" panose="020B0604030504040204" pitchFamily="34" charset="-120"/>
+                <a:ea typeface="微軟正黑體" panose="020B0604030504040204" pitchFamily="34" charset="-120"/>
+              </a:rPr>
+              <a:t> FROM [</a:t>
+            </a:r>
+            <a:r>
+              <a:rPr lang="en-US" altLang="zh-TW" sz="1600" dirty="0" err="1">
+                <a:solidFill>
+                  <a:srgbClr val="000000"/>
+                </a:solidFill>
+                <a:latin typeface="微軟正黑體" panose="020B0604030504040204" pitchFamily="34" charset="-120"/>
+                <a:ea typeface="微軟正黑體" panose="020B0604030504040204" pitchFamily="34" charset="-120"/>
+              </a:rPr>
+              <a:t>WorldEvents</a:t>
+            </a:r>
+            <a:r>
+              <a:rPr lang="en-US" altLang="zh-TW" sz="1600" dirty="0">
+                <a:solidFill>
+                  <a:srgbClr val="000000"/>
+                </a:solidFill>
+                <a:latin typeface="微軟正黑體" panose="020B0604030504040204" pitchFamily="34" charset="-120"/>
+                <a:ea typeface="微軟正黑體" panose="020B0604030504040204" pitchFamily="34" charset="-120"/>
+              </a:rPr>
+              <a:t>].[</a:t>
+            </a:r>
+            <a:r>
+              <a:rPr lang="en-US" altLang="zh-TW" sz="1600" dirty="0" err="1">
+                <a:solidFill>
+                  <a:srgbClr val="000000"/>
+                </a:solidFill>
+                <a:latin typeface="微軟正黑體" panose="020B0604030504040204" pitchFamily="34" charset="-120"/>
+                <a:ea typeface="微軟正黑體" panose="020B0604030504040204" pitchFamily="34" charset="-120"/>
+              </a:rPr>
+              <a:t>dbo</a:t>
+            </a:r>
+            <a:r>
+              <a:rPr lang="en-US" altLang="zh-TW" sz="1600" dirty="0">
+                <a:solidFill>
+                  <a:srgbClr val="000000"/>
+                </a:solidFill>
+                <a:latin typeface="微軟正黑體" panose="020B0604030504040204" pitchFamily="34" charset="-120"/>
+                <a:ea typeface="微軟正黑體" panose="020B0604030504040204" pitchFamily="34" charset="-120"/>
+              </a:rPr>
+              <a:t>].[</a:t>
+            </a:r>
+            <a:r>
+              <a:rPr lang="en-US" altLang="zh-TW" sz="1600" dirty="0" err="1">
+                <a:solidFill>
+                  <a:srgbClr val="000000"/>
+                </a:solidFill>
+                <a:latin typeface="微軟正黑體" panose="020B0604030504040204" pitchFamily="34" charset="-120"/>
+                <a:ea typeface="微軟正黑體" panose="020B0604030504040204" pitchFamily="34" charset="-120"/>
+              </a:rPr>
+              <a:t>tblEvent</a:t>
+            </a:r>
+            <a:r>
+              <a:rPr lang="en-US" altLang="zh-TW" sz="1600" dirty="0">
+                <a:solidFill>
+                  <a:srgbClr val="000000"/>
+                </a:solidFill>
+                <a:latin typeface="微軟正黑體" panose="020B0604030504040204" pitchFamily="34" charset="-120"/>
+                <a:ea typeface="微軟正黑體" panose="020B0604030504040204" pitchFamily="34" charset="-120"/>
+              </a:rPr>
+              <a:t>] as e</a:t>
+            </a:r>
+          </a:p>
+          <a:p>
+            <a:r>
+              <a:rPr lang="en-US" altLang="zh-TW" sz="1600" dirty="0">
+                <a:solidFill>
+                  <a:srgbClr val="000000"/>
+                </a:solidFill>
+                <a:latin typeface="微軟正黑體" panose="020B0604030504040204" pitchFamily="34" charset="-120"/>
+                <a:ea typeface="微軟正黑體" panose="020B0604030504040204" pitchFamily="34" charset="-120"/>
+              </a:rPr>
+              <a:t> WHERE e.[</a:t>
+            </a:r>
+            <a:r>
+              <a:rPr lang="en-US" altLang="zh-TW" sz="1600" dirty="0" err="1">
+                <a:solidFill>
+                  <a:srgbClr val="000000"/>
+                </a:solidFill>
+                <a:latin typeface="微軟正黑體" panose="020B0604030504040204" pitchFamily="34" charset="-120"/>
+                <a:ea typeface="微軟正黑體" panose="020B0604030504040204" pitchFamily="34" charset="-120"/>
+              </a:rPr>
+              <a:t>CategoryID</a:t>
+            </a:r>
+            <a:r>
+              <a:rPr lang="en-US" altLang="zh-TW" sz="1600" dirty="0">
+                <a:solidFill>
+                  <a:srgbClr val="000000"/>
+                </a:solidFill>
+                <a:latin typeface="微軟正黑體" panose="020B0604030504040204" pitchFamily="34" charset="-120"/>
+                <a:ea typeface="微軟正黑體" panose="020B0604030504040204" pitchFamily="34" charset="-120"/>
+              </a:rPr>
+              <a:t>] ='11'</a:t>
+            </a:r>
+            <a:endParaRPr lang="zh-TW" altLang="en-US" sz="1600" dirty="0">
+              <a:solidFill>
+                <a:srgbClr val="000000"/>
+              </a:solidFill>
+              <a:latin typeface="微軟正黑體" panose="020B0604030504040204" pitchFamily="34" charset="-120"/>
+              <a:ea typeface="微軟正黑體" panose="020B0604030504040204" pitchFamily="34" charset="-120"/>
+            </a:endParaRPr>
+          </a:p>
+        </p:txBody>
+      </p:sp>
+      <p:pic>
+        <p:nvPicPr>
+          <p:cNvPr id="7" name="圖片 6">
+            <a:extLst>
+              <a:ext uri="{FF2B5EF4-FFF2-40B4-BE49-F238E27FC236}">
+                <a16:creationId xmlns:a16="http://schemas.microsoft.com/office/drawing/2014/main" id="{463126EB-B149-C939-6BCA-1763765C65E8}"/>
+              </a:ext>
+            </a:extLst>
+          </p:cNvPr>
+          <p:cNvPicPr>
+            <a:picLocks noChangeAspect="1"/>
+          </p:cNvPicPr>
+          <p:nvPr/>
+        </p:nvPicPr>
+        <p:blipFill>
+          <a:blip r:embed="rId2"/>
+          <a:stretch>
+            <a:fillRect/>
+          </a:stretch>
+        </p:blipFill>
+        <p:spPr>
+          <a:xfrm>
+            <a:off x="6642696" y="1926349"/>
+            <a:ext cx="4390732" cy="1994647"/>
+          </a:xfrm>
+          <a:prstGeom prst="rect">
+            <a:avLst/>
+          </a:prstGeom>
+        </p:spPr>
+      </p:pic>
+    </p:spTree>
+    <p:extLst>
+      <p:ext uri="{BB962C8B-B14F-4D97-AF65-F5344CB8AC3E}">
+        <p14:creationId xmlns:p14="http://schemas.microsoft.com/office/powerpoint/2010/main" val="379069053"/>
+      </p:ext>
+    </p:extLst>
+  </p:cSld>
+  <p:clrMapOvr>
+    <a:masterClrMapping/>
+  </p:clrMapOvr>
+</p:sld>
+</file>
+
+<file path=ppt/slides/slide12.xml><?xml version="1.0" encoding="utf-8"?>
+<p:sld xmlns:a="http://schemas.openxmlformats.org/drawingml/2006/main" xmlns:r="http://schemas.openxmlformats.org/officeDocument/2006/relationships" xmlns:p="http://schemas.openxmlformats.org/presentationml/2006/main">
+  <p:cSld>
+    <p:spTree>
+      <p:nvGrpSpPr>
+        <p:cNvPr id="1" name=""/>
+        <p:cNvGrpSpPr/>
+        <p:nvPr/>
+      </p:nvGrpSpPr>
+      <p:grpSpPr>
+        <a:xfrm>
+          <a:off x="0" y="0"/>
+          <a:ext cx="0" cy="0"/>
+          <a:chOff x="0" y="0"/>
+          <a:chExt cx="0" cy="0"/>
+        </a:xfrm>
+      </p:grpSpPr>
+      <p:sp>
+        <p:nvSpPr>
+          <p:cNvPr id="2" name="標題 1">
+            <a:extLst>
+              <a:ext uri="{FF2B5EF4-FFF2-40B4-BE49-F238E27FC236}">
+                <a16:creationId xmlns:a16="http://schemas.microsoft.com/office/drawing/2014/main" id="{9754B65C-1642-6FE5-D941-96E5D377AABC}"/>
+              </a:ext>
+            </a:extLst>
+          </p:cNvPr>
+          <p:cNvSpPr>
+            <a:spLocks noGrp="1"/>
+          </p:cNvSpPr>
+          <p:nvPr>
+            <p:ph type="title"/>
+          </p:nvPr>
+        </p:nvSpPr>
+        <p:spPr>
+          <a:xfrm>
+            <a:off x="1687669" y="624110"/>
+            <a:ext cx="7321860" cy="1280890"/>
+          </a:xfrm>
+        </p:spPr>
+        <p:txBody>
+          <a:bodyPr>
+            <a:normAutofit/>
+          </a:bodyPr>
+          <a:lstStyle/>
+          <a:p>
+            <a:r>
+              <a:rPr lang="en-US" altLang="zh-TW" sz="3200" dirty="0"/>
+              <a:t>Setting criteria using WHERE Q2 </a:t>
+            </a:r>
+            <a:endParaRPr lang="zh-TW" altLang="en-US" sz="3200" dirty="0"/>
+          </a:p>
+        </p:txBody>
+      </p:sp>
+      <p:sp>
+        <p:nvSpPr>
+          <p:cNvPr id="4" name="投影片編號版面配置區 3">
+            <a:extLst>
+              <a:ext uri="{FF2B5EF4-FFF2-40B4-BE49-F238E27FC236}">
+                <a16:creationId xmlns:a16="http://schemas.microsoft.com/office/drawing/2014/main" id="{3F1EA6AD-3945-5A5F-70AE-CD8043429B6D}"/>
+              </a:ext>
+            </a:extLst>
+          </p:cNvPr>
+          <p:cNvSpPr>
+            <a:spLocks noGrp="1"/>
+          </p:cNvSpPr>
+          <p:nvPr>
+            <p:ph type="sldNum" sz="quarter" idx="12"/>
+          </p:nvPr>
+        </p:nvSpPr>
+        <p:spPr>
+          <a:xfrm>
+            <a:off x="531812" y="787782"/>
+            <a:ext cx="779767" cy="365125"/>
+          </a:xfrm>
+        </p:spPr>
+        <p:txBody>
+          <a:bodyPr>
+            <a:normAutofit/>
+          </a:bodyPr>
+          <a:lstStyle/>
+          <a:p>
+            <a:pPr>
+              <a:lnSpc>
+                <a:spcPct val="90000"/>
+              </a:lnSpc>
+              <a:spcAft>
+                <a:spcPts val="600"/>
+              </a:spcAft>
+            </a:pPr>
+            <a:fld id="{D57F1E4F-1CFF-5643-939E-217C01CDF565}" type="slidenum">
+              <a:rPr lang="en-US" sz="1900" smtClean="0"/>
+              <a:pPr>
+                <a:lnSpc>
+                  <a:spcPct val="90000"/>
+                </a:lnSpc>
+                <a:spcAft>
+                  <a:spcPts val="600"/>
+                </a:spcAft>
+              </a:pPr>
+              <a:t>12</a:t>
+            </a:fld>
+            <a:endParaRPr lang="en-US" sz="1900"/>
+          </a:p>
+        </p:txBody>
+      </p:sp>
+      <p:pic>
+        <p:nvPicPr>
+          <p:cNvPr id="6" name="內容版面配置區 5">
+            <a:extLst>
+              <a:ext uri="{FF2B5EF4-FFF2-40B4-BE49-F238E27FC236}">
+                <a16:creationId xmlns:a16="http://schemas.microsoft.com/office/drawing/2014/main" id="{03AC0130-5BAA-5B91-C111-0039C29BF9CF}"/>
+              </a:ext>
+            </a:extLst>
+          </p:cNvPr>
+          <p:cNvPicPr>
+            <a:picLocks noGrp="1" noChangeAspect="1"/>
+          </p:cNvPicPr>
+          <p:nvPr>
+            <p:ph idx="1"/>
+          </p:nvPr>
+        </p:nvPicPr>
+        <p:blipFill>
+          <a:blip r:embed="rId2"/>
+          <a:stretch>
+            <a:fillRect/>
+          </a:stretch>
+        </p:blipFill>
+        <p:spPr>
+          <a:xfrm>
+            <a:off x="2877671" y="1393467"/>
+            <a:ext cx="5852873" cy="4840423"/>
+          </a:xfrm>
+        </p:spPr>
+      </p:pic>
+    </p:spTree>
+    <p:extLst>
+      <p:ext uri="{BB962C8B-B14F-4D97-AF65-F5344CB8AC3E}">
+        <p14:creationId xmlns:p14="http://schemas.microsoft.com/office/powerpoint/2010/main" val="1936443538"/>
+      </p:ext>
+    </p:extLst>
+  </p:cSld>
+  <p:clrMapOvr>
+    <a:masterClrMapping/>
+  </p:clrMapOvr>
+</p:sld>
+</file>
+
+<file path=ppt/slides/slide13.xml><?xml version="1.0" encoding="utf-8"?>
+<p:sld xmlns:a="http://schemas.openxmlformats.org/drawingml/2006/main" xmlns:r="http://schemas.openxmlformats.org/officeDocument/2006/relationships" xmlns:p="http://schemas.openxmlformats.org/presentationml/2006/main">
+  <p:cSld>
+    <p:spTree>
+      <p:nvGrpSpPr>
+        <p:cNvPr id="1" name=""/>
+        <p:cNvGrpSpPr/>
+        <p:nvPr/>
+      </p:nvGrpSpPr>
+      <p:grpSpPr>
+        <a:xfrm>
+          <a:off x="0" y="0"/>
+          <a:ext cx="0" cy="0"/>
+          <a:chOff x="0" y="0"/>
+          <a:chExt cx="0" cy="0"/>
+        </a:xfrm>
+      </p:grpSpPr>
+      <p:sp>
+        <p:nvSpPr>
+          <p:cNvPr id="2" name="標題 1">
+            <a:extLst>
+              <a:ext uri="{FF2B5EF4-FFF2-40B4-BE49-F238E27FC236}">
+                <a16:creationId xmlns:a16="http://schemas.microsoft.com/office/drawing/2014/main" id="{9754B65C-1642-6FE5-D941-96E5D377AABC}"/>
+              </a:ext>
+            </a:extLst>
+          </p:cNvPr>
+          <p:cNvSpPr>
+            <a:spLocks noGrp="1"/>
+          </p:cNvSpPr>
+          <p:nvPr>
+            <p:ph type="title"/>
+          </p:nvPr>
+        </p:nvSpPr>
+        <p:spPr>
+          <a:xfrm>
+            <a:off x="1687669" y="624110"/>
+            <a:ext cx="4137059" cy="1280890"/>
+          </a:xfrm>
+        </p:spPr>
+        <p:txBody>
+          <a:bodyPr>
+            <a:normAutofit/>
+          </a:bodyPr>
+          <a:lstStyle/>
+          <a:p>
+            <a:r>
+              <a:rPr lang="en-US" altLang="zh-TW" sz="3200" dirty="0"/>
+              <a:t>Answer2.</a:t>
+            </a:r>
+            <a:endParaRPr lang="zh-TW" altLang="en-US" sz="3200" dirty="0"/>
+          </a:p>
+        </p:txBody>
+      </p:sp>
+      <p:sp>
+        <p:nvSpPr>
+          <p:cNvPr id="4" name="投影片編號版面配置區 3">
+            <a:extLst>
+              <a:ext uri="{FF2B5EF4-FFF2-40B4-BE49-F238E27FC236}">
+                <a16:creationId xmlns:a16="http://schemas.microsoft.com/office/drawing/2014/main" id="{3F1EA6AD-3945-5A5F-70AE-CD8043429B6D}"/>
+              </a:ext>
+            </a:extLst>
+          </p:cNvPr>
+          <p:cNvSpPr>
+            <a:spLocks noGrp="1"/>
+          </p:cNvSpPr>
+          <p:nvPr>
+            <p:ph type="sldNum" sz="quarter" idx="12"/>
+          </p:nvPr>
+        </p:nvSpPr>
+        <p:spPr>
+          <a:xfrm>
+            <a:off x="531812" y="787782"/>
+            <a:ext cx="779767" cy="365125"/>
+          </a:xfrm>
+        </p:spPr>
+        <p:txBody>
+          <a:bodyPr>
+            <a:normAutofit/>
+          </a:bodyPr>
+          <a:lstStyle/>
+          <a:p>
+            <a:pPr>
+              <a:lnSpc>
+                <a:spcPct val="90000"/>
+              </a:lnSpc>
+              <a:spcAft>
+                <a:spcPts val="600"/>
+              </a:spcAft>
+            </a:pPr>
+            <a:fld id="{D57F1E4F-1CFF-5643-939E-217C01CDF565}" type="slidenum">
+              <a:rPr lang="en-US" sz="1900" smtClean="0"/>
+              <a:pPr>
+                <a:lnSpc>
+                  <a:spcPct val="90000"/>
+                </a:lnSpc>
+                <a:spcAft>
+                  <a:spcPts val="600"/>
+                </a:spcAft>
+              </a:pPr>
+              <a:t>13</a:t>
+            </a:fld>
+            <a:endParaRPr lang="en-US" sz="1900"/>
+          </a:p>
+        </p:txBody>
+      </p:sp>
+      <p:sp>
+        <p:nvSpPr>
+          <p:cNvPr id="3" name="內容版面配置區 2">
+            <a:extLst>
+              <a:ext uri="{FF2B5EF4-FFF2-40B4-BE49-F238E27FC236}">
+                <a16:creationId xmlns:a16="http://schemas.microsoft.com/office/drawing/2014/main" id="{8A26720F-616D-E164-DA93-3A4EBED4F0AD}"/>
+              </a:ext>
+            </a:extLst>
+          </p:cNvPr>
+          <p:cNvSpPr>
+            <a:spLocks noGrp="1"/>
+          </p:cNvSpPr>
+          <p:nvPr>
+            <p:ph idx="1"/>
+          </p:nvPr>
+        </p:nvSpPr>
+        <p:spPr>
+          <a:xfrm>
+            <a:off x="1513627" y="2286000"/>
+            <a:ext cx="4923032" cy="3854824"/>
+          </a:xfrm>
+        </p:spPr>
+        <p:txBody>
+          <a:bodyPr>
+            <a:normAutofit/>
+          </a:bodyPr>
+          <a:lstStyle/>
+          <a:p>
+            <a:r>
+              <a:rPr lang="en-US" altLang="zh-TW" sz="1600" dirty="0">
+                <a:solidFill>
+                  <a:srgbClr val="000000"/>
+                </a:solidFill>
+                <a:latin typeface="微軟正黑體" panose="020B0604030504040204" pitchFamily="34" charset="-120"/>
+                <a:ea typeface="微軟正黑體" panose="020B0604030504040204" pitchFamily="34" charset="-120"/>
+              </a:rPr>
+              <a:t>SELECT [</a:t>
+            </a:r>
+            <a:r>
+              <a:rPr lang="en-US" altLang="zh-TW" sz="1600" dirty="0" err="1">
+                <a:solidFill>
+                  <a:srgbClr val="000000"/>
+                </a:solidFill>
+                <a:latin typeface="微軟正黑體" panose="020B0604030504040204" pitchFamily="34" charset="-120"/>
+                <a:ea typeface="微軟正黑體" panose="020B0604030504040204" pitchFamily="34" charset="-120"/>
+              </a:rPr>
+              <a:t>EventName</a:t>
+            </a:r>
+            <a:r>
+              <a:rPr lang="en-US" altLang="zh-TW" sz="1600" dirty="0">
+                <a:solidFill>
+                  <a:srgbClr val="000000"/>
+                </a:solidFill>
+                <a:latin typeface="微軟正黑體" panose="020B0604030504040204" pitchFamily="34" charset="-120"/>
+                <a:ea typeface="微軟正黑體" panose="020B0604030504040204" pitchFamily="34" charset="-120"/>
+              </a:rPr>
+              <a:t>],[</a:t>
+            </a:r>
+            <a:r>
+              <a:rPr lang="en-US" altLang="zh-TW" sz="1600" dirty="0" err="1">
+                <a:solidFill>
+                  <a:srgbClr val="000000"/>
+                </a:solidFill>
+                <a:latin typeface="微軟正黑體" panose="020B0604030504040204" pitchFamily="34" charset="-120"/>
+                <a:ea typeface="微軟正黑體" panose="020B0604030504040204" pitchFamily="34" charset="-120"/>
+              </a:rPr>
+              <a:t>EventDate</a:t>
+            </a:r>
+            <a:r>
+              <a:rPr lang="en-US" altLang="zh-TW" sz="1600" dirty="0">
+                <a:solidFill>
+                  <a:srgbClr val="000000"/>
+                </a:solidFill>
+                <a:latin typeface="微軟正黑體" panose="020B0604030504040204" pitchFamily="34" charset="-120"/>
+                <a:ea typeface="微軟正黑體" panose="020B0604030504040204" pitchFamily="34" charset="-120"/>
+              </a:rPr>
+              <a:t>]</a:t>
+            </a:r>
+          </a:p>
+          <a:p>
+            <a:r>
+              <a:rPr lang="en-US" altLang="zh-TW" sz="1600" dirty="0">
+                <a:solidFill>
+                  <a:srgbClr val="000000"/>
+                </a:solidFill>
+                <a:latin typeface="微軟正黑體" panose="020B0604030504040204" pitchFamily="34" charset="-120"/>
+                <a:ea typeface="微軟正黑體" panose="020B0604030504040204" pitchFamily="34" charset="-120"/>
+              </a:rPr>
+              <a:t> FROM [</a:t>
+            </a:r>
+            <a:r>
+              <a:rPr lang="en-US" altLang="zh-TW" sz="1600" dirty="0" err="1">
+                <a:solidFill>
+                  <a:srgbClr val="000000"/>
+                </a:solidFill>
+                <a:latin typeface="微軟正黑體" panose="020B0604030504040204" pitchFamily="34" charset="-120"/>
+                <a:ea typeface="微軟正黑體" panose="020B0604030504040204" pitchFamily="34" charset="-120"/>
+              </a:rPr>
+              <a:t>WorldEvents</a:t>
+            </a:r>
+            <a:r>
+              <a:rPr lang="en-US" altLang="zh-TW" sz="1600" dirty="0">
+                <a:solidFill>
+                  <a:srgbClr val="000000"/>
+                </a:solidFill>
+                <a:latin typeface="微軟正黑體" panose="020B0604030504040204" pitchFamily="34" charset="-120"/>
+                <a:ea typeface="微軟正黑體" panose="020B0604030504040204" pitchFamily="34" charset="-120"/>
+              </a:rPr>
+              <a:t>].[</a:t>
+            </a:r>
+            <a:r>
+              <a:rPr lang="en-US" altLang="zh-TW" sz="1600" dirty="0" err="1">
+                <a:solidFill>
+                  <a:srgbClr val="000000"/>
+                </a:solidFill>
+                <a:latin typeface="微軟正黑體" panose="020B0604030504040204" pitchFamily="34" charset="-120"/>
+                <a:ea typeface="微軟正黑體" panose="020B0604030504040204" pitchFamily="34" charset="-120"/>
+              </a:rPr>
+              <a:t>dbo</a:t>
+            </a:r>
+            <a:r>
+              <a:rPr lang="en-US" altLang="zh-TW" sz="1600" dirty="0">
+                <a:solidFill>
+                  <a:srgbClr val="000000"/>
+                </a:solidFill>
+                <a:latin typeface="微軟正黑體" panose="020B0604030504040204" pitchFamily="34" charset="-120"/>
+                <a:ea typeface="微軟正黑體" panose="020B0604030504040204" pitchFamily="34" charset="-120"/>
+              </a:rPr>
+              <a:t>].[</a:t>
+            </a:r>
+            <a:r>
+              <a:rPr lang="en-US" altLang="zh-TW" sz="1600" dirty="0" err="1">
+                <a:solidFill>
+                  <a:srgbClr val="000000"/>
+                </a:solidFill>
+                <a:latin typeface="微軟正黑體" panose="020B0604030504040204" pitchFamily="34" charset="-120"/>
+                <a:ea typeface="微軟正黑體" panose="020B0604030504040204" pitchFamily="34" charset="-120"/>
+              </a:rPr>
+              <a:t>tblEvent</a:t>
+            </a:r>
+            <a:r>
+              <a:rPr lang="en-US" altLang="zh-TW" sz="1600" dirty="0">
+                <a:solidFill>
+                  <a:srgbClr val="000000"/>
+                </a:solidFill>
+                <a:latin typeface="微軟正黑體" panose="020B0604030504040204" pitchFamily="34" charset="-120"/>
+                <a:ea typeface="微軟正黑體" panose="020B0604030504040204" pitchFamily="34" charset="-120"/>
+              </a:rPr>
+              <a:t>] as e</a:t>
+            </a:r>
+          </a:p>
+          <a:p>
+            <a:r>
+              <a:rPr lang="en-US" altLang="zh-TW" sz="1600" dirty="0">
+                <a:solidFill>
+                  <a:srgbClr val="000000"/>
+                </a:solidFill>
+                <a:latin typeface="微軟正黑體" panose="020B0604030504040204" pitchFamily="34" charset="-120"/>
+                <a:ea typeface="微軟正黑體" panose="020B0604030504040204" pitchFamily="34" charset="-120"/>
+              </a:rPr>
+              <a:t> WHERE e.[</a:t>
+            </a:r>
+            <a:r>
+              <a:rPr lang="en-US" altLang="zh-TW" sz="1600" dirty="0" err="1">
+                <a:solidFill>
+                  <a:srgbClr val="000000"/>
+                </a:solidFill>
+                <a:latin typeface="微軟正黑體" panose="020B0604030504040204" pitchFamily="34" charset="-120"/>
+                <a:ea typeface="微軟正黑體" panose="020B0604030504040204" pitchFamily="34" charset="-120"/>
+              </a:rPr>
+              <a:t>EventName</a:t>
+            </a:r>
+            <a:r>
+              <a:rPr lang="en-US" altLang="zh-TW" sz="1600" dirty="0">
+                <a:solidFill>
+                  <a:srgbClr val="000000"/>
+                </a:solidFill>
+                <a:latin typeface="微軟正黑體" panose="020B0604030504040204" pitchFamily="34" charset="-120"/>
+                <a:ea typeface="微軟正黑體" panose="020B0604030504040204" pitchFamily="34" charset="-120"/>
+              </a:rPr>
+              <a:t>] like '%Teletubbies%'</a:t>
+            </a:r>
+          </a:p>
+          <a:p>
+            <a:r>
+              <a:rPr lang="en-US" altLang="zh-TW" sz="1600" dirty="0">
+                <a:solidFill>
+                  <a:srgbClr val="000000"/>
+                </a:solidFill>
+                <a:latin typeface="微軟正黑體" panose="020B0604030504040204" pitchFamily="34" charset="-120"/>
+                <a:ea typeface="微軟正黑體" panose="020B0604030504040204" pitchFamily="34" charset="-120"/>
+              </a:rPr>
+              <a:t>    </a:t>
+            </a:r>
+            <a:r>
+              <a:rPr lang="zh-TW" altLang="en-US" sz="1600" dirty="0">
+                <a:solidFill>
+                  <a:srgbClr val="000000"/>
+                </a:solidFill>
+                <a:latin typeface="微軟正黑體" panose="020B0604030504040204" pitchFamily="34" charset="-120"/>
+                <a:ea typeface="微軟正黑體" panose="020B0604030504040204" pitchFamily="34" charset="-120"/>
+              </a:rPr>
+              <a:t>     </a:t>
+            </a:r>
+            <a:r>
+              <a:rPr lang="en-US" altLang="zh-TW" sz="1600" dirty="0">
+                <a:solidFill>
+                  <a:srgbClr val="000000"/>
+                </a:solidFill>
+                <a:latin typeface="微軟正黑體" panose="020B0604030504040204" pitchFamily="34" charset="-120"/>
+                <a:ea typeface="微軟正黑體" panose="020B0604030504040204" pitchFamily="34" charset="-120"/>
+              </a:rPr>
+              <a:t>OR e.[</a:t>
+            </a:r>
+            <a:r>
+              <a:rPr lang="en-US" altLang="zh-TW" sz="1600" dirty="0" err="1">
+                <a:solidFill>
+                  <a:srgbClr val="000000"/>
+                </a:solidFill>
+                <a:latin typeface="微軟正黑體" panose="020B0604030504040204" pitchFamily="34" charset="-120"/>
+                <a:ea typeface="微軟正黑體" panose="020B0604030504040204" pitchFamily="34" charset="-120"/>
+              </a:rPr>
+              <a:t>EventName</a:t>
+            </a:r>
+            <a:r>
+              <a:rPr lang="en-US" altLang="zh-TW" sz="1600" dirty="0">
+                <a:solidFill>
+                  <a:srgbClr val="000000"/>
+                </a:solidFill>
+                <a:latin typeface="微軟正黑體" panose="020B0604030504040204" pitchFamily="34" charset="-120"/>
+                <a:ea typeface="微軟正黑體" panose="020B0604030504040204" pitchFamily="34" charset="-120"/>
+              </a:rPr>
+              <a:t>] like '%</a:t>
+            </a:r>
+            <a:r>
+              <a:rPr lang="en-US" altLang="zh-TW" sz="1600" dirty="0" err="1">
+                <a:solidFill>
+                  <a:srgbClr val="000000"/>
+                </a:solidFill>
+                <a:latin typeface="微軟正黑體" panose="020B0604030504040204" pitchFamily="34" charset="-120"/>
+                <a:ea typeface="微軟正黑體" panose="020B0604030504040204" pitchFamily="34" charset="-120"/>
+              </a:rPr>
+              <a:t>Pandy</a:t>
+            </a:r>
+            <a:r>
+              <a:rPr lang="en-US" altLang="zh-TW" sz="1600" dirty="0">
+                <a:solidFill>
+                  <a:srgbClr val="000000"/>
+                </a:solidFill>
+                <a:latin typeface="微軟正黑體" panose="020B0604030504040204" pitchFamily="34" charset="-120"/>
+                <a:ea typeface="微軟正黑體" panose="020B0604030504040204" pitchFamily="34" charset="-120"/>
+              </a:rPr>
+              <a:t>%'</a:t>
+            </a:r>
+            <a:endParaRPr lang="zh-TW" altLang="en-US" sz="1600" dirty="0">
+              <a:solidFill>
+                <a:srgbClr val="000000"/>
+              </a:solidFill>
+              <a:latin typeface="微軟正黑體" panose="020B0604030504040204" pitchFamily="34" charset="-120"/>
+              <a:ea typeface="微軟正黑體" panose="020B0604030504040204" pitchFamily="34" charset="-120"/>
+            </a:endParaRPr>
+          </a:p>
+        </p:txBody>
+      </p:sp>
+      <p:sp>
+        <p:nvSpPr>
+          <p:cNvPr id="5" name="文字方塊 4">
+            <a:extLst>
+              <a:ext uri="{FF2B5EF4-FFF2-40B4-BE49-F238E27FC236}">
+                <a16:creationId xmlns:a16="http://schemas.microsoft.com/office/drawing/2014/main" id="{B3AE3051-64FE-7B61-225A-E28EC49D8F4F}"/>
+              </a:ext>
+            </a:extLst>
+          </p:cNvPr>
+          <p:cNvSpPr txBox="1"/>
+          <p:nvPr/>
+        </p:nvSpPr>
+        <p:spPr>
+          <a:xfrm>
+            <a:off x="1513627" y="5656729"/>
+            <a:ext cx="10623421" cy="369332"/>
+          </a:xfrm>
+          <a:prstGeom prst="rect">
+            <a:avLst/>
+          </a:prstGeom>
+          <a:noFill/>
+        </p:spPr>
+        <p:txBody>
+          <a:bodyPr wrap="none" rtlCol="0">
+            <a:spAutoFit/>
+          </a:bodyPr>
+          <a:lstStyle/>
+          <a:p>
+            <a:r>
+              <a:rPr lang="zh-TW" altLang="en-US" dirty="0"/>
+              <a:t>參考資料</a:t>
+            </a:r>
+            <a:r>
+              <a:rPr lang="en-US" altLang="zh-TW" dirty="0"/>
+              <a:t>:https://stackoverflow.com/questions/14290857/</a:t>
+            </a:r>
+            <a:r>
+              <a:rPr lang="en-US" altLang="zh-TW" dirty="0" err="1"/>
+              <a:t>sql</a:t>
+            </a:r>
+            <a:r>
+              <a:rPr lang="en-US" altLang="zh-TW" dirty="0"/>
+              <a:t>-select-where-field-contains-words</a:t>
+            </a:r>
+            <a:endParaRPr lang="zh-TW" altLang="en-US" dirty="0"/>
+          </a:p>
+        </p:txBody>
+      </p:sp>
+      <p:pic>
+        <p:nvPicPr>
+          <p:cNvPr id="8" name="圖片 7">
+            <a:extLst>
+              <a:ext uri="{FF2B5EF4-FFF2-40B4-BE49-F238E27FC236}">
+                <a16:creationId xmlns:a16="http://schemas.microsoft.com/office/drawing/2014/main" id="{FDA4C5D4-130C-035E-AFF4-9794D766BCCA}"/>
+              </a:ext>
+            </a:extLst>
+          </p:cNvPr>
+          <p:cNvPicPr>
+            <a:picLocks noChangeAspect="1"/>
+          </p:cNvPicPr>
+          <p:nvPr/>
+        </p:nvPicPr>
+        <p:blipFill>
+          <a:blip r:embed="rId2"/>
+          <a:stretch>
+            <a:fillRect/>
+          </a:stretch>
+        </p:blipFill>
+        <p:spPr>
+          <a:xfrm>
+            <a:off x="6900240" y="2216480"/>
+            <a:ext cx="4398319" cy="1638343"/>
+          </a:xfrm>
+          <a:prstGeom prst="rect">
+            <a:avLst/>
+          </a:prstGeom>
+        </p:spPr>
+      </p:pic>
+    </p:spTree>
+    <p:extLst>
+      <p:ext uri="{BB962C8B-B14F-4D97-AF65-F5344CB8AC3E}">
+        <p14:creationId xmlns:p14="http://schemas.microsoft.com/office/powerpoint/2010/main" val="1662815345"/>
+      </p:ext>
+    </p:extLst>
+  </p:cSld>
+  <p:clrMapOvr>
+    <a:masterClrMapping/>
+  </p:clrMapOvr>
+</p:sld>
+</file>
+
+<file path=ppt/slides/slide14.xml><?xml version="1.0" encoding="utf-8"?>
+<p:sld xmlns:a="http://schemas.openxmlformats.org/drawingml/2006/main" xmlns:r="http://schemas.openxmlformats.org/officeDocument/2006/relationships" xmlns:p="http://schemas.openxmlformats.org/presentationml/2006/main">
+  <p:cSld>
+    <p:spTree>
+      <p:nvGrpSpPr>
+        <p:cNvPr id="1" name=""/>
+        <p:cNvGrpSpPr/>
+        <p:nvPr/>
+      </p:nvGrpSpPr>
+      <p:grpSpPr>
+        <a:xfrm>
+          <a:off x="0" y="0"/>
+          <a:ext cx="0" cy="0"/>
+          <a:chOff x="0" y="0"/>
+          <a:chExt cx="0" cy="0"/>
+        </a:xfrm>
+      </p:grpSpPr>
+      <p:sp>
+        <p:nvSpPr>
+          <p:cNvPr id="2" name="標題 1">
+            <a:extLst>
+              <a:ext uri="{FF2B5EF4-FFF2-40B4-BE49-F238E27FC236}">
+                <a16:creationId xmlns:a16="http://schemas.microsoft.com/office/drawing/2014/main" id="{9754B65C-1642-6FE5-D941-96E5D377AABC}"/>
+              </a:ext>
+            </a:extLst>
+          </p:cNvPr>
+          <p:cNvSpPr>
+            <a:spLocks noGrp="1"/>
+          </p:cNvSpPr>
+          <p:nvPr>
+            <p:ph type="title"/>
+          </p:nvPr>
+        </p:nvSpPr>
+        <p:spPr>
+          <a:xfrm>
+            <a:off x="1687669" y="624110"/>
+            <a:ext cx="7321860" cy="1280890"/>
+          </a:xfrm>
+        </p:spPr>
+        <p:txBody>
+          <a:bodyPr>
+            <a:normAutofit/>
+          </a:bodyPr>
+          <a:lstStyle/>
+          <a:p>
+            <a:r>
+              <a:rPr lang="en-US" altLang="zh-TW" sz="3200" dirty="0"/>
+              <a:t>Setting criteria using WHERE Q3</a:t>
+            </a:r>
+            <a:endParaRPr lang="zh-TW" altLang="en-US" sz="3200" dirty="0"/>
+          </a:p>
+        </p:txBody>
+      </p:sp>
+      <p:sp>
+        <p:nvSpPr>
+          <p:cNvPr id="4" name="投影片編號版面配置區 3">
+            <a:extLst>
+              <a:ext uri="{FF2B5EF4-FFF2-40B4-BE49-F238E27FC236}">
+                <a16:creationId xmlns:a16="http://schemas.microsoft.com/office/drawing/2014/main" id="{3F1EA6AD-3945-5A5F-70AE-CD8043429B6D}"/>
+              </a:ext>
+            </a:extLst>
+          </p:cNvPr>
+          <p:cNvSpPr>
+            <a:spLocks noGrp="1"/>
+          </p:cNvSpPr>
+          <p:nvPr>
+            <p:ph type="sldNum" sz="quarter" idx="12"/>
+          </p:nvPr>
+        </p:nvSpPr>
+        <p:spPr>
+          <a:xfrm>
+            <a:off x="531812" y="787782"/>
+            <a:ext cx="779767" cy="365125"/>
+          </a:xfrm>
+        </p:spPr>
+        <p:txBody>
+          <a:bodyPr>
+            <a:normAutofit/>
+          </a:bodyPr>
+          <a:lstStyle/>
+          <a:p>
+            <a:pPr>
+              <a:lnSpc>
+                <a:spcPct val="90000"/>
+              </a:lnSpc>
+              <a:spcAft>
+                <a:spcPts val="600"/>
+              </a:spcAft>
+            </a:pPr>
+            <a:fld id="{D57F1E4F-1CFF-5643-939E-217C01CDF565}" type="slidenum">
+              <a:rPr lang="en-US" sz="1900" smtClean="0"/>
+              <a:pPr>
+                <a:lnSpc>
+                  <a:spcPct val="90000"/>
+                </a:lnSpc>
+                <a:spcAft>
+                  <a:spcPts val="600"/>
+                </a:spcAft>
+              </a:pPr>
+              <a:t>14</a:t>
+            </a:fld>
+            <a:endParaRPr lang="en-US" sz="1900"/>
+          </a:p>
+        </p:txBody>
+      </p:sp>
+      <p:pic>
+        <p:nvPicPr>
+          <p:cNvPr id="8" name="內容版面配置區 7">
+            <a:extLst>
+              <a:ext uri="{FF2B5EF4-FFF2-40B4-BE49-F238E27FC236}">
+                <a16:creationId xmlns:a16="http://schemas.microsoft.com/office/drawing/2014/main" id="{41949D99-38B9-8DC9-D65D-4F074845ED32}"/>
+              </a:ext>
+            </a:extLst>
+          </p:cNvPr>
+          <p:cNvPicPr>
+            <a:picLocks noGrp="1" noChangeAspect="1"/>
+          </p:cNvPicPr>
+          <p:nvPr>
+            <p:ph idx="1"/>
+          </p:nvPr>
+        </p:nvPicPr>
+        <p:blipFill>
+          <a:blip r:embed="rId2"/>
+          <a:stretch>
+            <a:fillRect/>
+          </a:stretch>
+        </p:blipFill>
+        <p:spPr>
+          <a:xfrm>
+            <a:off x="2663605" y="1524000"/>
+            <a:ext cx="6864789" cy="4282064"/>
+          </a:xfrm>
+        </p:spPr>
+      </p:pic>
+    </p:spTree>
+    <p:extLst>
+      <p:ext uri="{BB962C8B-B14F-4D97-AF65-F5344CB8AC3E}">
+        <p14:creationId xmlns:p14="http://schemas.microsoft.com/office/powerpoint/2010/main" val="2388925254"/>
+      </p:ext>
+    </p:extLst>
+  </p:cSld>
+  <p:clrMapOvr>
+    <a:masterClrMapping/>
+  </p:clrMapOvr>
+</p:sld>
+</file>
+
+<file path=ppt/slides/slide15.xml><?xml version="1.0" encoding="utf-8"?>
+<p:sld xmlns:a="http://schemas.openxmlformats.org/drawingml/2006/main" xmlns:r="http://schemas.openxmlformats.org/officeDocument/2006/relationships" xmlns:p="http://schemas.openxmlformats.org/presentationml/2006/main">
+  <p:cSld>
+    <p:spTree>
+      <p:nvGrpSpPr>
+        <p:cNvPr id="1" name=""/>
+        <p:cNvGrpSpPr/>
+        <p:nvPr/>
+      </p:nvGrpSpPr>
+      <p:grpSpPr>
+        <a:xfrm>
+          <a:off x="0" y="0"/>
+          <a:ext cx="0" cy="0"/>
+          <a:chOff x="0" y="0"/>
+          <a:chExt cx="0" cy="0"/>
+        </a:xfrm>
+      </p:grpSpPr>
+      <p:sp>
+        <p:nvSpPr>
+          <p:cNvPr id="2" name="標題 1">
+            <a:extLst>
+              <a:ext uri="{FF2B5EF4-FFF2-40B4-BE49-F238E27FC236}">
+                <a16:creationId xmlns:a16="http://schemas.microsoft.com/office/drawing/2014/main" id="{9754B65C-1642-6FE5-D941-96E5D377AABC}"/>
+              </a:ext>
+            </a:extLst>
+          </p:cNvPr>
+          <p:cNvSpPr>
+            <a:spLocks noGrp="1"/>
+          </p:cNvSpPr>
+          <p:nvPr>
+            <p:ph type="title"/>
+          </p:nvPr>
+        </p:nvSpPr>
+        <p:spPr>
+          <a:xfrm>
+            <a:off x="1687669" y="624110"/>
+            <a:ext cx="4137059" cy="1280890"/>
+          </a:xfrm>
+        </p:spPr>
+        <p:txBody>
+          <a:bodyPr>
+            <a:normAutofit/>
+          </a:bodyPr>
+          <a:lstStyle/>
+          <a:p>
+            <a:r>
+              <a:rPr lang="en-US" altLang="zh-TW" sz="3200" dirty="0"/>
+              <a:t>Answer3.</a:t>
+            </a:r>
+            <a:endParaRPr lang="zh-TW" altLang="en-US" sz="3200" dirty="0"/>
+          </a:p>
+        </p:txBody>
+      </p:sp>
+      <p:sp>
+        <p:nvSpPr>
+          <p:cNvPr id="4" name="投影片編號版面配置區 3">
+            <a:extLst>
+              <a:ext uri="{FF2B5EF4-FFF2-40B4-BE49-F238E27FC236}">
+                <a16:creationId xmlns:a16="http://schemas.microsoft.com/office/drawing/2014/main" id="{3F1EA6AD-3945-5A5F-70AE-CD8043429B6D}"/>
+              </a:ext>
+            </a:extLst>
+          </p:cNvPr>
+          <p:cNvSpPr>
+            <a:spLocks noGrp="1"/>
+          </p:cNvSpPr>
+          <p:nvPr>
+            <p:ph type="sldNum" sz="quarter" idx="12"/>
+          </p:nvPr>
+        </p:nvSpPr>
+        <p:spPr>
+          <a:xfrm>
+            <a:off x="531812" y="787782"/>
+            <a:ext cx="779767" cy="365125"/>
+          </a:xfrm>
+        </p:spPr>
+        <p:txBody>
+          <a:bodyPr>
+            <a:normAutofit/>
+          </a:bodyPr>
+          <a:lstStyle/>
+          <a:p>
+            <a:pPr>
+              <a:lnSpc>
+                <a:spcPct val="90000"/>
+              </a:lnSpc>
+              <a:spcAft>
+                <a:spcPts val="600"/>
+              </a:spcAft>
+            </a:pPr>
+            <a:fld id="{D57F1E4F-1CFF-5643-939E-217C01CDF565}" type="slidenum">
+              <a:rPr lang="en-US" sz="1900" smtClean="0"/>
+              <a:pPr>
+                <a:lnSpc>
+                  <a:spcPct val="90000"/>
+                </a:lnSpc>
+                <a:spcAft>
+                  <a:spcPts val="600"/>
+                </a:spcAft>
+              </a:pPr>
+              <a:t>15</a:t>
+            </a:fld>
+            <a:endParaRPr lang="en-US" sz="1900"/>
+          </a:p>
+        </p:txBody>
+      </p:sp>
+      <p:sp>
+        <p:nvSpPr>
+          <p:cNvPr id="3" name="內容版面配置區 2">
+            <a:extLst>
+              <a:ext uri="{FF2B5EF4-FFF2-40B4-BE49-F238E27FC236}">
+                <a16:creationId xmlns:a16="http://schemas.microsoft.com/office/drawing/2014/main" id="{8A26720F-616D-E164-DA93-3A4EBED4F0AD}"/>
+              </a:ext>
+            </a:extLst>
+          </p:cNvPr>
+          <p:cNvSpPr>
+            <a:spLocks noGrp="1"/>
+          </p:cNvSpPr>
+          <p:nvPr>
+            <p:ph idx="1"/>
+          </p:nvPr>
+        </p:nvSpPr>
+        <p:spPr>
+          <a:xfrm>
+            <a:off x="1513627" y="2286000"/>
+            <a:ext cx="4923032" cy="3854824"/>
+          </a:xfrm>
+        </p:spPr>
+        <p:txBody>
+          <a:bodyPr>
+            <a:normAutofit/>
+          </a:bodyPr>
+          <a:lstStyle/>
+          <a:p>
+            <a:r>
+              <a:rPr lang="en-US" altLang="zh-TW" sz="1600" dirty="0">
+                <a:solidFill>
+                  <a:srgbClr val="000000"/>
+                </a:solidFill>
+                <a:latin typeface="微軟正黑體" panose="020B0604030504040204" pitchFamily="34" charset="-120"/>
+                <a:ea typeface="微軟正黑體" panose="020B0604030504040204" pitchFamily="34" charset="-120"/>
+              </a:rPr>
+              <a:t>SELECT [</a:t>
+            </a:r>
+            <a:r>
+              <a:rPr lang="en-US" altLang="zh-TW" sz="1600" dirty="0" err="1">
+                <a:solidFill>
+                  <a:srgbClr val="000000"/>
+                </a:solidFill>
+                <a:latin typeface="微軟正黑體" panose="020B0604030504040204" pitchFamily="34" charset="-120"/>
+                <a:ea typeface="微軟正黑體" panose="020B0604030504040204" pitchFamily="34" charset="-120"/>
+              </a:rPr>
+              <a:t>EventName</a:t>
+            </a:r>
+            <a:r>
+              <a:rPr lang="en-US" altLang="zh-TW" sz="1600" dirty="0">
+                <a:solidFill>
+                  <a:srgbClr val="000000"/>
+                </a:solidFill>
+                <a:latin typeface="微軟正黑體" panose="020B0604030504040204" pitchFamily="34" charset="-120"/>
+                <a:ea typeface="微軟正黑體" panose="020B0604030504040204" pitchFamily="34" charset="-120"/>
+              </a:rPr>
+              <a:t>] as 'What',[</a:t>
+            </a:r>
+            <a:r>
+              <a:rPr lang="en-US" altLang="zh-TW" sz="1600" dirty="0" err="1">
+                <a:solidFill>
+                  <a:srgbClr val="000000"/>
+                </a:solidFill>
+                <a:latin typeface="微軟正黑體" panose="020B0604030504040204" pitchFamily="34" charset="-120"/>
+                <a:ea typeface="微軟正黑體" panose="020B0604030504040204" pitchFamily="34" charset="-120"/>
+              </a:rPr>
+              <a:t>EventDate</a:t>
+            </a:r>
+            <a:r>
+              <a:rPr lang="en-US" altLang="zh-TW" sz="1600" dirty="0">
+                <a:solidFill>
+                  <a:srgbClr val="000000"/>
+                </a:solidFill>
+                <a:latin typeface="微軟正黑體" panose="020B0604030504040204" pitchFamily="34" charset="-120"/>
+                <a:ea typeface="微軟正黑體" panose="020B0604030504040204" pitchFamily="34" charset="-120"/>
+              </a:rPr>
+              <a:t>] as 'When'</a:t>
+            </a:r>
+          </a:p>
+          <a:p>
+            <a:r>
+              <a:rPr lang="en-US" altLang="zh-TW" sz="1600" dirty="0">
+                <a:solidFill>
+                  <a:srgbClr val="000000"/>
+                </a:solidFill>
+                <a:latin typeface="微軟正黑體" panose="020B0604030504040204" pitchFamily="34" charset="-120"/>
+                <a:ea typeface="微軟正黑體" panose="020B0604030504040204" pitchFamily="34" charset="-120"/>
+              </a:rPr>
+              <a:t> FROM [</a:t>
+            </a:r>
+            <a:r>
+              <a:rPr lang="en-US" altLang="zh-TW" sz="1600" dirty="0" err="1">
+                <a:solidFill>
+                  <a:srgbClr val="000000"/>
+                </a:solidFill>
+                <a:latin typeface="微軟正黑體" panose="020B0604030504040204" pitchFamily="34" charset="-120"/>
+                <a:ea typeface="微軟正黑體" panose="020B0604030504040204" pitchFamily="34" charset="-120"/>
+              </a:rPr>
+              <a:t>WorldEvents</a:t>
+            </a:r>
+            <a:r>
+              <a:rPr lang="en-US" altLang="zh-TW" sz="1600" dirty="0">
+                <a:solidFill>
+                  <a:srgbClr val="000000"/>
+                </a:solidFill>
+                <a:latin typeface="微軟正黑體" panose="020B0604030504040204" pitchFamily="34" charset="-120"/>
+                <a:ea typeface="微軟正黑體" panose="020B0604030504040204" pitchFamily="34" charset="-120"/>
+              </a:rPr>
+              <a:t>].[</a:t>
+            </a:r>
+            <a:r>
+              <a:rPr lang="en-US" altLang="zh-TW" sz="1600" dirty="0" err="1">
+                <a:solidFill>
+                  <a:srgbClr val="000000"/>
+                </a:solidFill>
+                <a:latin typeface="微軟正黑體" panose="020B0604030504040204" pitchFamily="34" charset="-120"/>
+                <a:ea typeface="微軟正黑體" panose="020B0604030504040204" pitchFamily="34" charset="-120"/>
+              </a:rPr>
+              <a:t>dbo</a:t>
+            </a:r>
+            <a:r>
+              <a:rPr lang="en-US" altLang="zh-TW" sz="1600" dirty="0">
+                <a:solidFill>
+                  <a:srgbClr val="000000"/>
+                </a:solidFill>
+                <a:latin typeface="微軟正黑體" panose="020B0604030504040204" pitchFamily="34" charset="-120"/>
+                <a:ea typeface="微軟正黑體" panose="020B0604030504040204" pitchFamily="34" charset="-120"/>
+              </a:rPr>
+              <a:t>].[</a:t>
+            </a:r>
+            <a:r>
+              <a:rPr lang="en-US" altLang="zh-TW" sz="1600" dirty="0" err="1">
+                <a:solidFill>
+                  <a:srgbClr val="000000"/>
+                </a:solidFill>
+                <a:latin typeface="微軟正黑體" panose="020B0604030504040204" pitchFamily="34" charset="-120"/>
+                <a:ea typeface="微軟正黑體" panose="020B0604030504040204" pitchFamily="34" charset="-120"/>
+              </a:rPr>
+              <a:t>tblEvent</a:t>
+            </a:r>
+            <a:r>
+              <a:rPr lang="en-US" altLang="zh-TW" sz="1600" dirty="0">
+                <a:solidFill>
+                  <a:srgbClr val="000000"/>
+                </a:solidFill>
+                <a:latin typeface="微軟正黑體" panose="020B0604030504040204" pitchFamily="34" charset="-120"/>
+                <a:ea typeface="微軟正黑體" panose="020B0604030504040204" pitchFamily="34" charset="-120"/>
+              </a:rPr>
+              <a:t>] as e</a:t>
+            </a:r>
+          </a:p>
+          <a:p>
+            <a:r>
+              <a:rPr lang="en-US" altLang="zh-TW" sz="1600" dirty="0">
+                <a:solidFill>
+                  <a:srgbClr val="000000"/>
+                </a:solidFill>
+                <a:latin typeface="微軟正黑體" panose="020B0604030504040204" pitchFamily="34" charset="-120"/>
+                <a:ea typeface="微軟正黑體" panose="020B0604030504040204" pitchFamily="34" charset="-120"/>
+              </a:rPr>
+              <a:t> WHERE e.[</a:t>
+            </a:r>
+            <a:r>
+              <a:rPr lang="en-US" altLang="zh-TW" sz="1600" dirty="0" err="1">
+                <a:solidFill>
+                  <a:srgbClr val="000000"/>
+                </a:solidFill>
+                <a:latin typeface="微軟正黑體" panose="020B0604030504040204" pitchFamily="34" charset="-120"/>
+                <a:ea typeface="微軟正黑體" panose="020B0604030504040204" pitchFamily="34" charset="-120"/>
+              </a:rPr>
+              <a:t>EventDate</a:t>
+            </a:r>
+            <a:r>
+              <a:rPr lang="en-US" altLang="zh-TW" sz="1600" dirty="0">
+                <a:solidFill>
+                  <a:srgbClr val="000000"/>
+                </a:solidFill>
+                <a:latin typeface="微軟正黑體" panose="020B0604030504040204" pitchFamily="34" charset="-120"/>
+                <a:ea typeface="微軟正黑體" panose="020B0604030504040204" pitchFamily="34" charset="-120"/>
+              </a:rPr>
+              <a:t>] like '2005-02%'</a:t>
+            </a:r>
+            <a:endParaRPr lang="zh-TW" altLang="en-US" sz="1600" dirty="0">
+              <a:solidFill>
+                <a:srgbClr val="000000"/>
+              </a:solidFill>
+              <a:latin typeface="微軟正黑體" panose="020B0604030504040204" pitchFamily="34" charset="-120"/>
+              <a:ea typeface="微軟正黑體" panose="020B0604030504040204" pitchFamily="34" charset="-120"/>
+            </a:endParaRPr>
+          </a:p>
+        </p:txBody>
+      </p:sp>
+      <p:sp>
+        <p:nvSpPr>
+          <p:cNvPr id="5" name="文字方塊 4">
+            <a:extLst>
+              <a:ext uri="{FF2B5EF4-FFF2-40B4-BE49-F238E27FC236}">
+                <a16:creationId xmlns:a16="http://schemas.microsoft.com/office/drawing/2014/main" id="{B3AE3051-64FE-7B61-225A-E28EC49D8F4F}"/>
+              </a:ext>
+            </a:extLst>
+          </p:cNvPr>
+          <p:cNvSpPr txBox="1"/>
+          <p:nvPr/>
+        </p:nvSpPr>
+        <p:spPr>
+          <a:xfrm>
+            <a:off x="1513627" y="5656729"/>
+            <a:ext cx="10623421" cy="369332"/>
+          </a:xfrm>
+          <a:prstGeom prst="rect">
+            <a:avLst/>
+          </a:prstGeom>
+          <a:noFill/>
+        </p:spPr>
+        <p:txBody>
+          <a:bodyPr wrap="none" rtlCol="0">
+            <a:spAutoFit/>
+          </a:bodyPr>
+          <a:lstStyle/>
+          <a:p>
+            <a:r>
+              <a:rPr lang="zh-TW" altLang="en-US" dirty="0"/>
+              <a:t>參考資料</a:t>
+            </a:r>
+            <a:r>
+              <a:rPr lang="en-US" altLang="zh-TW" dirty="0"/>
+              <a:t>:https://stackoverflow.com/questions/14290857/</a:t>
+            </a:r>
+            <a:r>
+              <a:rPr lang="en-US" altLang="zh-TW" dirty="0" err="1"/>
+              <a:t>sql</a:t>
+            </a:r>
+            <a:r>
+              <a:rPr lang="en-US" altLang="zh-TW" dirty="0"/>
+              <a:t>-select-where-field-contains-words</a:t>
+            </a:r>
+            <a:endParaRPr lang="zh-TW" altLang="en-US" dirty="0"/>
+          </a:p>
+        </p:txBody>
+      </p:sp>
+      <p:pic>
+        <p:nvPicPr>
+          <p:cNvPr id="7" name="圖片 6">
+            <a:extLst>
+              <a:ext uri="{FF2B5EF4-FFF2-40B4-BE49-F238E27FC236}">
+                <a16:creationId xmlns:a16="http://schemas.microsoft.com/office/drawing/2014/main" id="{070871E1-704E-0CF0-8429-D3D3304DE651}"/>
+              </a:ext>
+            </a:extLst>
+          </p:cNvPr>
+          <p:cNvPicPr>
+            <a:picLocks noChangeAspect="1"/>
+          </p:cNvPicPr>
+          <p:nvPr/>
+        </p:nvPicPr>
+        <p:blipFill>
+          <a:blip r:embed="rId2"/>
+          <a:stretch>
+            <a:fillRect/>
+          </a:stretch>
+        </p:blipFill>
+        <p:spPr>
+          <a:xfrm>
+            <a:off x="7049818" y="2286000"/>
+            <a:ext cx="3923987" cy="1607417"/>
+          </a:xfrm>
+          <a:prstGeom prst="rect">
+            <a:avLst/>
+          </a:prstGeom>
+        </p:spPr>
+      </p:pic>
+    </p:spTree>
+    <p:extLst>
+      <p:ext uri="{BB962C8B-B14F-4D97-AF65-F5344CB8AC3E}">
+        <p14:creationId xmlns:p14="http://schemas.microsoft.com/office/powerpoint/2010/main" val="2645514347"/>
       </p:ext>
     </p:extLst>
   </p:cSld>

--- a/sql answer.pptx
+++ b/sql answer.pptx
@@ -5,7 +5,7 @@
     <p:sldMasterId id="2147483648" r:id="rId1"/>
   </p:sldMasterIdLst>
   <p:notesMasterIdLst>
-    <p:notesMasterId r:id="rId17"/>
+    <p:notesMasterId r:id="rId21"/>
   </p:notesMasterIdLst>
   <p:sldIdLst>
     <p:sldId id="256" r:id="rId2"/>
@@ -23,6 +23,10 @@
     <p:sldId id="268" r:id="rId14"/>
     <p:sldId id="269" r:id="rId15"/>
     <p:sldId id="270" r:id="rId16"/>
+    <p:sldId id="271" r:id="rId17"/>
+    <p:sldId id="272" r:id="rId18"/>
+    <p:sldId id="274" r:id="rId19"/>
+    <p:sldId id="273" r:id="rId20"/>
   </p:sldIdLst>
   <p:sldSz cx="12192000" cy="6858000"/>
   <p:notesSz cx="6858000" cy="9144000"/>
@@ -211,7 +215,7 @@
           <a:p>
             <a:fld id="{54AEA450-3062-4AAA-926F-005294A4F50C}" type="datetimeFigureOut">
               <a:rPr lang="zh-TW" altLang="en-US" smtClean="0"/>
-              <a:t>2023/7/20</a:t>
+              <a:t>2023/7/21</a:t>
             </a:fld>
             <a:endParaRPr lang="zh-TW" altLang="en-US"/>
           </a:p>
@@ -666,7 +670,7 @@
           <a:p>
             <a:fld id="{A6C54CF7-6667-4CB7-8FEA-8B4DA9F0AC0C}" type="datetime1">
               <a:rPr lang="en-US" altLang="zh-TW" smtClean="0"/>
-              <a:t>7/20/2023</a:t>
+              <a:t>7/21/2023</a:t>
             </a:fld>
             <a:endParaRPr lang="en-US" dirty="0"/>
           </a:p>
@@ -1000,7 +1004,7 @@
           <a:p>
             <a:fld id="{FE5B22DC-6D1B-472D-BD9F-6B84DDEAB6B8}" type="datetime1">
               <a:rPr lang="en-US" altLang="zh-TW" smtClean="0"/>
-              <a:t>7/20/2023</a:t>
+              <a:t>7/21/2023</a:t>
             </a:fld>
             <a:endParaRPr lang="en-US" dirty="0"/>
           </a:p>
@@ -1397,7 +1401,7 @@
           <a:p>
             <a:fld id="{3FC3214E-7A41-44CA-BB02-BAB1A71F9802}" type="datetime1">
               <a:rPr lang="en-US" altLang="zh-TW" smtClean="0"/>
-              <a:t>7/20/2023</a:t>
+              <a:t>7/21/2023</a:t>
             </a:fld>
             <a:endParaRPr lang="en-US" dirty="0"/>
           </a:p>
@@ -1729,7 +1733,7 @@
           <a:p>
             <a:fld id="{88479D64-44E6-4599-AF52-72AA177CD66B}" type="datetime1">
               <a:rPr lang="en-US" altLang="zh-TW" smtClean="0"/>
-              <a:t>7/20/2023</a:t>
+              <a:t>7/21/2023</a:t>
             </a:fld>
             <a:endParaRPr lang="en-US" dirty="0"/>
           </a:p>
@@ -2045,7 +2049,7 @@
           <a:p>
             <a:fld id="{BC5341FE-9B92-4466-B7E3-A580E0801C16}" type="datetime1">
               <a:rPr lang="en-US" altLang="zh-TW" smtClean="0"/>
-              <a:t>7/20/2023</a:t>
+              <a:t>7/21/2023</a:t>
             </a:fld>
             <a:endParaRPr lang="en-US" dirty="0"/>
           </a:p>
@@ -2437,7 +2441,7 @@
           <a:p>
             <a:fld id="{0D284FD5-6194-4E8F-9756-89A3108F6C23}" type="datetime1">
               <a:rPr lang="en-US" altLang="zh-TW" smtClean="0"/>
-              <a:t>7/20/2023</a:t>
+              <a:t>7/21/2023</a:t>
             </a:fld>
             <a:endParaRPr lang="en-US" dirty="0"/>
           </a:p>
@@ -2690,7 +2694,7 @@
           <a:p>
             <a:fld id="{CBAC82C6-D93E-47E7-8693-33E42F689429}" type="datetime1">
               <a:rPr lang="en-US" altLang="zh-TW" smtClean="0"/>
-              <a:t>7/20/2023</a:t>
+              <a:t>7/21/2023</a:t>
             </a:fld>
             <a:endParaRPr lang="en-US" dirty="0"/>
           </a:p>
@@ -2948,7 +2952,7 @@
           <a:p>
             <a:fld id="{02319D0E-B076-43B7-9EF9-D6B7F26EF7E2}" type="datetime1">
               <a:rPr lang="en-US" altLang="zh-TW" smtClean="0"/>
-              <a:t>7/20/2023</a:t>
+              <a:t>7/21/2023</a:t>
             </a:fld>
             <a:endParaRPr lang="en-US" dirty="0"/>
           </a:p>
@@ -3206,7 +3210,7 @@
           <a:p>
             <a:fld id="{44708793-4B7B-4D17-9975-D4491719BE20}" type="datetime1">
               <a:rPr lang="en-US" altLang="zh-TW" smtClean="0"/>
-              <a:t>7/20/2023</a:t>
+              <a:t>7/21/2023</a:t>
             </a:fld>
             <a:endParaRPr lang="en-US" dirty="0"/>
           </a:p>
@@ -3531,7 +3535,7 @@
           <a:p>
             <a:fld id="{C8293FAC-1493-4884-862F-E2E3704498C6}" type="datetime1">
               <a:rPr lang="en-US" altLang="zh-TW" smtClean="0"/>
-              <a:t>7/20/2023</a:t>
+              <a:t>7/21/2023</a:t>
             </a:fld>
             <a:endParaRPr lang="en-US" dirty="0"/>
           </a:p>
@@ -3850,7 +3854,7 @@
           <a:p>
             <a:fld id="{9FF65A49-FC39-47D2-AD3E-83B3400966FA}" type="datetime1">
               <a:rPr lang="en-US" altLang="zh-TW" smtClean="0"/>
-              <a:t>7/20/2023</a:t>
+              <a:t>7/21/2023</a:t>
             </a:fld>
             <a:endParaRPr lang="en-US" dirty="0"/>
           </a:p>
@@ -4303,7 +4307,7 @@
           <a:p>
             <a:fld id="{DDE8F718-462A-480A-988A-43604F475233}" type="datetime1">
               <a:rPr lang="en-US" altLang="zh-TW" smtClean="0"/>
-              <a:t>7/20/2023</a:t>
+              <a:t>7/21/2023</a:t>
             </a:fld>
             <a:endParaRPr lang="en-US" dirty="0"/>
           </a:p>
@@ -4504,7 +4508,7 @@
           <a:p>
             <a:fld id="{778B05C5-8E7C-4599-8ED3-6260AC83F79E}" type="datetime1">
               <a:rPr lang="en-US" altLang="zh-TW" smtClean="0"/>
-              <a:t>7/20/2023</a:t>
+              <a:t>7/21/2023</a:t>
             </a:fld>
             <a:endParaRPr lang="en-US" dirty="0"/>
           </a:p>
@@ -4677,7 +4681,7 @@
           <a:p>
             <a:fld id="{B345B859-EFE9-45D0-969C-2B31176A0FB1}" type="datetime1">
               <a:rPr lang="en-US" altLang="zh-TW" smtClean="0"/>
-              <a:t>7/20/2023</a:t>
+              <a:t>7/21/2023</a:t>
             </a:fld>
             <a:endParaRPr lang="en-US" dirty="0"/>
           </a:p>
@@ -5006,7 +5010,7 @@
           <a:p>
             <a:fld id="{74F40FDB-72BA-4C65-8D45-6FB1F48CE299}" type="datetime1">
               <a:rPr lang="en-US" altLang="zh-TW" smtClean="0"/>
-              <a:t>7/20/2023</a:t>
+              <a:t>7/21/2023</a:t>
             </a:fld>
             <a:endParaRPr lang="en-US" dirty="0"/>
           </a:p>
@@ -5347,7 +5351,7 @@
           <a:p>
             <a:fld id="{A7A6B26D-7F72-4902-9D21-541244423039}" type="datetime1">
               <a:rPr lang="en-US" altLang="zh-TW" smtClean="0"/>
-              <a:t>7/20/2023</a:t>
+              <a:t>7/21/2023</a:t>
             </a:fld>
             <a:endParaRPr lang="en-US" dirty="0"/>
           </a:p>
@@ -7460,7 +7464,7 @@
           <a:p>
             <a:fld id="{877DD24C-FF9A-411C-96FD-F688C4DA8D6E}" type="datetime1">
               <a:rPr lang="en-US" altLang="zh-TW" smtClean="0"/>
-              <a:t>7/20/2023</a:t>
+              <a:t>7/21/2023</a:t>
             </a:fld>
             <a:endParaRPr lang="en-US" dirty="0"/>
           </a:p>
@@ -9721,6 +9725,1333 @@
     <p:extLst>
       <p:ext uri="{BB962C8B-B14F-4D97-AF65-F5344CB8AC3E}">
         <p14:creationId xmlns:p14="http://schemas.microsoft.com/office/powerpoint/2010/main" val="2645514347"/>
+      </p:ext>
+    </p:extLst>
+  </p:cSld>
+  <p:clrMapOvr>
+    <a:masterClrMapping/>
+  </p:clrMapOvr>
+</p:sld>
+</file>
+
+<file path=ppt/slides/slide16.xml><?xml version="1.0" encoding="utf-8"?>
+<p:sld xmlns:a="http://schemas.openxmlformats.org/drawingml/2006/main" xmlns:r="http://schemas.openxmlformats.org/officeDocument/2006/relationships" xmlns:p="http://schemas.openxmlformats.org/presentationml/2006/main">
+  <p:cSld>
+    <p:spTree>
+      <p:nvGrpSpPr>
+        <p:cNvPr id="1" name=""/>
+        <p:cNvGrpSpPr/>
+        <p:nvPr/>
+      </p:nvGrpSpPr>
+      <p:grpSpPr>
+        <a:xfrm>
+          <a:off x="0" y="0"/>
+          <a:ext cx="0" cy="0"/>
+          <a:chOff x="0" y="0"/>
+          <a:chExt cx="0" cy="0"/>
+        </a:xfrm>
+      </p:grpSpPr>
+      <p:sp>
+        <p:nvSpPr>
+          <p:cNvPr id="2" name="標題 1">
+            <a:extLst>
+              <a:ext uri="{FF2B5EF4-FFF2-40B4-BE49-F238E27FC236}">
+                <a16:creationId xmlns:a16="http://schemas.microsoft.com/office/drawing/2014/main" id="{9754B65C-1642-6FE5-D941-96E5D377AABC}"/>
+              </a:ext>
+            </a:extLst>
+          </p:cNvPr>
+          <p:cNvSpPr>
+            <a:spLocks noGrp="1"/>
+          </p:cNvSpPr>
+          <p:nvPr>
+            <p:ph type="title"/>
+          </p:nvPr>
+        </p:nvSpPr>
+        <p:spPr>
+          <a:xfrm>
+            <a:off x="1687669" y="624110"/>
+            <a:ext cx="7321860" cy="1280890"/>
+          </a:xfrm>
+        </p:spPr>
+        <p:txBody>
+          <a:bodyPr>
+            <a:normAutofit/>
+          </a:bodyPr>
+          <a:lstStyle/>
+          <a:p>
+            <a:r>
+              <a:rPr lang="en-US" altLang="zh-TW" sz="3200" dirty="0"/>
+              <a:t>Setting criteria using WHERE Q4</a:t>
+            </a:r>
+            <a:endParaRPr lang="zh-TW" altLang="en-US" sz="3200" dirty="0"/>
+          </a:p>
+        </p:txBody>
+      </p:sp>
+      <p:sp>
+        <p:nvSpPr>
+          <p:cNvPr id="4" name="投影片編號版面配置區 3">
+            <a:extLst>
+              <a:ext uri="{FF2B5EF4-FFF2-40B4-BE49-F238E27FC236}">
+                <a16:creationId xmlns:a16="http://schemas.microsoft.com/office/drawing/2014/main" id="{3F1EA6AD-3945-5A5F-70AE-CD8043429B6D}"/>
+              </a:ext>
+            </a:extLst>
+          </p:cNvPr>
+          <p:cNvSpPr>
+            <a:spLocks noGrp="1"/>
+          </p:cNvSpPr>
+          <p:nvPr>
+            <p:ph type="sldNum" sz="quarter" idx="12"/>
+          </p:nvPr>
+        </p:nvSpPr>
+        <p:spPr>
+          <a:xfrm>
+            <a:off x="531812" y="787782"/>
+            <a:ext cx="779767" cy="365125"/>
+          </a:xfrm>
+        </p:spPr>
+        <p:txBody>
+          <a:bodyPr>
+            <a:normAutofit/>
+          </a:bodyPr>
+          <a:lstStyle/>
+          <a:p>
+            <a:pPr>
+              <a:lnSpc>
+                <a:spcPct val="90000"/>
+              </a:lnSpc>
+              <a:spcAft>
+                <a:spcPts val="600"/>
+              </a:spcAft>
+            </a:pPr>
+            <a:fld id="{D57F1E4F-1CFF-5643-939E-217C01CDF565}" type="slidenum">
+              <a:rPr lang="en-US" sz="1900" smtClean="0"/>
+              <a:pPr>
+                <a:lnSpc>
+                  <a:spcPct val="90000"/>
+                </a:lnSpc>
+                <a:spcAft>
+                  <a:spcPts val="600"/>
+                </a:spcAft>
+              </a:pPr>
+              <a:t>16</a:t>
+            </a:fld>
+            <a:endParaRPr lang="en-US" sz="1900"/>
+          </a:p>
+        </p:txBody>
+      </p:sp>
+      <p:pic>
+        <p:nvPicPr>
+          <p:cNvPr id="8" name="內容版面配置區 7">
+            <a:extLst>
+              <a:ext uri="{FF2B5EF4-FFF2-40B4-BE49-F238E27FC236}">
+                <a16:creationId xmlns:a16="http://schemas.microsoft.com/office/drawing/2014/main" id="{41949D99-38B9-8DC9-D65D-4F074845ED32}"/>
+              </a:ext>
+            </a:extLst>
+          </p:cNvPr>
+          <p:cNvPicPr>
+            <a:picLocks noGrp="1" noChangeAspect="1"/>
+          </p:cNvPicPr>
+          <p:nvPr>
+            <p:ph idx="1"/>
+          </p:nvPr>
+        </p:nvPicPr>
+        <p:blipFill>
+          <a:blip r:embed="rId2"/>
+          <a:stretch>
+            <a:fillRect/>
+          </a:stretch>
+        </p:blipFill>
+        <p:spPr>
+          <a:xfrm>
+            <a:off x="2663605" y="1524000"/>
+            <a:ext cx="6864789" cy="4282064"/>
+          </a:xfrm>
+        </p:spPr>
+      </p:pic>
+    </p:spTree>
+    <p:extLst>
+      <p:ext uri="{BB962C8B-B14F-4D97-AF65-F5344CB8AC3E}">
+        <p14:creationId xmlns:p14="http://schemas.microsoft.com/office/powerpoint/2010/main" val="1847074773"/>
+      </p:ext>
+    </p:extLst>
+  </p:cSld>
+  <p:clrMapOvr>
+    <a:masterClrMapping/>
+  </p:clrMapOvr>
+</p:sld>
+</file>
+
+<file path=ppt/slides/slide17.xml><?xml version="1.0" encoding="utf-8"?>
+<p:sld xmlns:a="http://schemas.openxmlformats.org/drawingml/2006/main" xmlns:r="http://schemas.openxmlformats.org/officeDocument/2006/relationships" xmlns:p="http://schemas.openxmlformats.org/presentationml/2006/main">
+  <p:cSld>
+    <p:spTree>
+      <p:nvGrpSpPr>
+        <p:cNvPr id="1" name=""/>
+        <p:cNvGrpSpPr/>
+        <p:nvPr/>
+      </p:nvGrpSpPr>
+      <p:grpSpPr>
+        <a:xfrm>
+          <a:off x="0" y="0"/>
+          <a:ext cx="0" cy="0"/>
+          <a:chOff x="0" y="0"/>
+          <a:chExt cx="0" cy="0"/>
+        </a:xfrm>
+      </p:grpSpPr>
+      <p:sp>
+        <p:nvSpPr>
+          <p:cNvPr id="2" name="標題 1">
+            <a:extLst>
+              <a:ext uri="{FF2B5EF4-FFF2-40B4-BE49-F238E27FC236}">
+                <a16:creationId xmlns:a16="http://schemas.microsoft.com/office/drawing/2014/main" id="{9754B65C-1642-6FE5-D941-96E5D377AABC}"/>
+              </a:ext>
+            </a:extLst>
+          </p:cNvPr>
+          <p:cNvSpPr>
+            <a:spLocks noGrp="1"/>
+          </p:cNvSpPr>
+          <p:nvPr>
+            <p:ph type="title"/>
+          </p:nvPr>
+        </p:nvSpPr>
+        <p:spPr>
+          <a:xfrm>
+            <a:off x="1687669" y="624110"/>
+            <a:ext cx="4137059" cy="1280890"/>
+          </a:xfrm>
+        </p:spPr>
+        <p:txBody>
+          <a:bodyPr>
+            <a:normAutofit/>
+          </a:bodyPr>
+          <a:lstStyle/>
+          <a:p>
+            <a:r>
+              <a:rPr lang="en-US" altLang="zh-TW" sz="3200" dirty="0"/>
+              <a:t>Answer4-1.</a:t>
+            </a:r>
+            <a:endParaRPr lang="zh-TW" altLang="en-US" sz="3200" dirty="0"/>
+          </a:p>
+        </p:txBody>
+      </p:sp>
+      <p:sp>
+        <p:nvSpPr>
+          <p:cNvPr id="4" name="投影片編號版面配置區 3">
+            <a:extLst>
+              <a:ext uri="{FF2B5EF4-FFF2-40B4-BE49-F238E27FC236}">
+                <a16:creationId xmlns:a16="http://schemas.microsoft.com/office/drawing/2014/main" id="{3F1EA6AD-3945-5A5F-70AE-CD8043429B6D}"/>
+              </a:ext>
+            </a:extLst>
+          </p:cNvPr>
+          <p:cNvSpPr>
+            <a:spLocks noGrp="1"/>
+          </p:cNvSpPr>
+          <p:nvPr>
+            <p:ph type="sldNum" sz="quarter" idx="12"/>
+          </p:nvPr>
+        </p:nvSpPr>
+        <p:spPr>
+          <a:xfrm>
+            <a:off x="531812" y="787782"/>
+            <a:ext cx="779767" cy="365125"/>
+          </a:xfrm>
+        </p:spPr>
+        <p:txBody>
+          <a:bodyPr>
+            <a:normAutofit/>
+          </a:bodyPr>
+          <a:lstStyle/>
+          <a:p>
+            <a:pPr>
+              <a:lnSpc>
+                <a:spcPct val="90000"/>
+              </a:lnSpc>
+              <a:spcAft>
+                <a:spcPts val="600"/>
+              </a:spcAft>
+            </a:pPr>
+            <a:fld id="{D57F1E4F-1CFF-5643-939E-217C01CDF565}" type="slidenum">
+              <a:rPr lang="en-US" sz="1900" smtClean="0"/>
+              <a:pPr>
+                <a:lnSpc>
+                  <a:spcPct val="90000"/>
+                </a:lnSpc>
+                <a:spcAft>
+                  <a:spcPts val="600"/>
+                </a:spcAft>
+              </a:pPr>
+              <a:t>17</a:t>
+            </a:fld>
+            <a:endParaRPr lang="en-US" sz="1900"/>
+          </a:p>
+        </p:txBody>
+      </p:sp>
+      <p:sp>
+        <p:nvSpPr>
+          <p:cNvPr id="3" name="內容版面配置區 2">
+            <a:extLst>
+              <a:ext uri="{FF2B5EF4-FFF2-40B4-BE49-F238E27FC236}">
+                <a16:creationId xmlns:a16="http://schemas.microsoft.com/office/drawing/2014/main" id="{8A26720F-616D-E164-DA93-3A4EBED4F0AD}"/>
+              </a:ext>
+            </a:extLst>
+          </p:cNvPr>
+          <p:cNvSpPr>
+            <a:spLocks noGrp="1"/>
+          </p:cNvSpPr>
+          <p:nvPr>
+            <p:ph idx="1"/>
+          </p:nvPr>
+        </p:nvSpPr>
+        <p:spPr>
+          <a:xfrm>
+            <a:off x="1513627" y="2286000"/>
+            <a:ext cx="4923032" cy="3854824"/>
+          </a:xfrm>
+        </p:spPr>
+        <p:txBody>
+          <a:bodyPr>
+            <a:normAutofit/>
+          </a:bodyPr>
+          <a:lstStyle/>
+          <a:p>
+            <a:r>
+              <a:rPr lang="en-US" altLang="zh-TW" sz="1600" dirty="0">
+                <a:solidFill>
+                  <a:srgbClr val="000000"/>
+                </a:solidFill>
+                <a:latin typeface="微軟正黑體" panose="020B0604030504040204" pitchFamily="34" charset="-120"/>
+                <a:ea typeface="微軟正黑體" panose="020B0604030504040204" pitchFamily="34" charset="-120"/>
+              </a:rPr>
+              <a:t>SELECT *</a:t>
+            </a:r>
+          </a:p>
+          <a:p>
+            <a:r>
+              <a:rPr lang="en-US" altLang="zh-TW" sz="1600" dirty="0">
+                <a:solidFill>
+                  <a:srgbClr val="000000"/>
+                </a:solidFill>
+                <a:latin typeface="微軟正黑體" panose="020B0604030504040204" pitchFamily="34" charset="-120"/>
+                <a:ea typeface="微軟正黑體" panose="020B0604030504040204" pitchFamily="34" charset="-120"/>
+              </a:rPr>
+              <a:t>FROM [</a:t>
+            </a:r>
+            <a:r>
+              <a:rPr lang="en-US" altLang="zh-TW" sz="1600" dirty="0" err="1">
+                <a:solidFill>
+                  <a:srgbClr val="000000"/>
+                </a:solidFill>
+                <a:latin typeface="微軟正黑體" panose="020B0604030504040204" pitchFamily="34" charset="-120"/>
+                <a:ea typeface="微軟正黑體" panose="020B0604030504040204" pitchFamily="34" charset="-120"/>
+              </a:rPr>
+              <a:t>WorldEvents</a:t>
+            </a:r>
+            <a:r>
+              <a:rPr lang="en-US" altLang="zh-TW" sz="1600" dirty="0">
+                <a:solidFill>
+                  <a:srgbClr val="000000"/>
+                </a:solidFill>
+                <a:latin typeface="微軟正黑體" panose="020B0604030504040204" pitchFamily="34" charset="-120"/>
+                <a:ea typeface="微軟正黑體" panose="020B0604030504040204" pitchFamily="34" charset="-120"/>
+              </a:rPr>
+              <a:t>].[</a:t>
+            </a:r>
+            <a:r>
+              <a:rPr lang="en-US" altLang="zh-TW" sz="1600" dirty="0" err="1">
+                <a:solidFill>
+                  <a:srgbClr val="000000"/>
+                </a:solidFill>
+                <a:latin typeface="微軟正黑體" panose="020B0604030504040204" pitchFamily="34" charset="-120"/>
+                <a:ea typeface="微軟正黑體" panose="020B0604030504040204" pitchFamily="34" charset="-120"/>
+              </a:rPr>
+              <a:t>dbo</a:t>
+            </a:r>
+            <a:r>
+              <a:rPr lang="en-US" altLang="zh-TW" sz="1600" dirty="0">
+                <a:solidFill>
+                  <a:srgbClr val="000000"/>
+                </a:solidFill>
+                <a:latin typeface="微軟正黑體" panose="020B0604030504040204" pitchFamily="34" charset="-120"/>
+                <a:ea typeface="微軟正黑體" panose="020B0604030504040204" pitchFamily="34" charset="-120"/>
+              </a:rPr>
+              <a:t>].[</a:t>
+            </a:r>
+            <a:r>
+              <a:rPr lang="en-US" altLang="zh-TW" sz="1600" dirty="0" err="1">
+                <a:solidFill>
+                  <a:srgbClr val="000000"/>
+                </a:solidFill>
+                <a:latin typeface="微軟正黑體" panose="020B0604030504040204" pitchFamily="34" charset="-120"/>
+                <a:ea typeface="微軟正黑體" panose="020B0604030504040204" pitchFamily="34" charset="-120"/>
+              </a:rPr>
+              <a:t>tblEvent</a:t>
+            </a:r>
+            <a:r>
+              <a:rPr lang="en-US" altLang="zh-TW" sz="1600" dirty="0">
+                <a:solidFill>
+                  <a:srgbClr val="000000"/>
+                </a:solidFill>
+                <a:latin typeface="微軟正黑體" panose="020B0604030504040204" pitchFamily="34" charset="-120"/>
+                <a:ea typeface="微軟正黑體" panose="020B0604030504040204" pitchFamily="34" charset="-120"/>
+              </a:rPr>
+              <a:t>]  as e</a:t>
+            </a:r>
+          </a:p>
+          <a:p>
+            <a:r>
+              <a:rPr lang="en-US" altLang="zh-TW" sz="1600" dirty="0">
+                <a:solidFill>
+                  <a:srgbClr val="000000"/>
+                </a:solidFill>
+                <a:latin typeface="微軟正黑體" panose="020B0604030504040204" pitchFamily="34" charset="-120"/>
+                <a:ea typeface="微軟正黑體" panose="020B0604030504040204" pitchFamily="34" charset="-120"/>
+              </a:rPr>
+              <a:t>WHERE e.[</a:t>
+            </a:r>
+            <a:r>
+              <a:rPr lang="en-US" altLang="zh-TW" sz="1600" dirty="0" err="1">
+                <a:solidFill>
+                  <a:srgbClr val="000000"/>
+                </a:solidFill>
+                <a:latin typeface="微軟正黑體" panose="020B0604030504040204" pitchFamily="34" charset="-120"/>
+                <a:ea typeface="微軟正黑體" panose="020B0604030504040204" pitchFamily="34" charset="-120"/>
+              </a:rPr>
+              <a:t>CategoryID</a:t>
+            </a:r>
+            <a:r>
+              <a:rPr lang="en-US" altLang="zh-TW" sz="1600" dirty="0">
+                <a:solidFill>
+                  <a:srgbClr val="000000"/>
+                </a:solidFill>
+                <a:latin typeface="微軟正黑體" panose="020B0604030504040204" pitchFamily="34" charset="-120"/>
+                <a:ea typeface="微軟正黑體" panose="020B0604030504040204" pitchFamily="34" charset="-120"/>
+              </a:rPr>
+              <a:t>] &lt;&gt;14</a:t>
+            </a:r>
+          </a:p>
+          <a:p>
+            <a:r>
+              <a:rPr lang="en-US" altLang="zh-TW" sz="1600" dirty="0">
+                <a:solidFill>
+                  <a:srgbClr val="000000"/>
+                </a:solidFill>
+                <a:latin typeface="微軟正黑體" panose="020B0604030504040204" pitchFamily="34" charset="-120"/>
+                <a:ea typeface="微軟正黑體" panose="020B0604030504040204" pitchFamily="34" charset="-120"/>
+              </a:rPr>
+              <a:t>AND </a:t>
+            </a:r>
+            <a:r>
+              <a:rPr lang="en-US" altLang="zh-TW" sz="1600" dirty="0" err="1">
+                <a:solidFill>
+                  <a:srgbClr val="000000"/>
+                </a:solidFill>
+                <a:latin typeface="微軟正黑體" panose="020B0604030504040204" pitchFamily="34" charset="-120"/>
+                <a:ea typeface="微軟正黑體" panose="020B0604030504040204" pitchFamily="34" charset="-120"/>
+              </a:rPr>
+              <a:t>e.EventDetails</a:t>
+            </a:r>
+            <a:r>
+              <a:rPr lang="en-US" altLang="zh-TW" sz="1600" dirty="0">
+                <a:solidFill>
+                  <a:srgbClr val="000000"/>
+                </a:solidFill>
+                <a:latin typeface="微軟正黑體" panose="020B0604030504040204" pitchFamily="34" charset="-120"/>
+                <a:ea typeface="微軟正黑體" panose="020B0604030504040204" pitchFamily="34" charset="-120"/>
+              </a:rPr>
+              <a:t> like '%Train%'</a:t>
+            </a:r>
+            <a:endParaRPr lang="zh-TW" altLang="en-US" sz="1600" dirty="0">
+              <a:solidFill>
+                <a:srgbClr val="000000"/>
+              </a:solidFill>
+              <a:latin typeface="微軟正黑體" panose="020B0604030504040204" pitchFamily="34" charset="-120"/>
+              <a:ea typeface="微軟正黑體" panose="020B0604030504040204" pitchFamily="34" charset="-120"/>
+            </a:endParaRPr>
+          </a:p>
+        </p:txBody>
+      </p:sp>
+      <p:sp>
+        <p:nvSpPr>
+          <p:cNvPr id="5" name="文字方塊 4">
+            <a:extLst>
+              <a:ext uri="{FF2B5EF4-FFF2-40B4-BE49-F238E27FC236}">
+                <a16:creationId xmlns:a16="http://schemas.microsoft.com/office/drawing/2014/main" id="{B3AE3051-64FE-7B61-225A-E28EC49D8F4F}"/>
+              </a:ext>
+            </a:extLst>
+          </p:cNvPr>
+          <p:cNvSpPr txBox="1"/>
+          <p:nvPr/>
+        </p:nvSpPr>
+        <p:spPr>
+          <a:xfrm>
+            <a:off x="1513627" y="5656729"/>
+            <a:ext cx="6787436" cy="369332"/>
+          </a:xfrm>
+          <a:prstGeom prst="rect">
+            <a:avLst/>
+          </a:prstGeom>
+          <a:noFill/>
+        </p:spPr>
+        <p:txBody>
+          <a:bodyPr wrap="none" rtlCol="0">
+            <a:spAutoFit/>
+          </a:bodyPr>
+          <a:lstStyle/>
+          <a:p>
+            <a:r>
+              <a:rPr lang="zh-TW" altLang="en-US" dirty="0"/>
+              <a:t>參考資料</a:t>
+            </a:r>
+            <a:r>
+              <a:rPr lang="en-US" altLang="zh-TW" dirty="0"/>
+              <a:t>:https://www.w3schools.com/sql/sql_operators.asp</a:t>
+            </a:r>
+            <a:endParaRPr lang="zh-TW" altLang="en-US" dirty="0"/>
+          </a:p>
+        </p:txBody>
+      </p:sp>
+      <p:pic>
+        <p:nvPicPr>
+          <p:cNvPr id="8" name="圖片 7">
+            <a:extLst>
+              <a:ext uri="{FF2B5EF4-FFF2-40B4-BE49-F238E27FC236}">
+                <a16:creationId xmlns:a16="http://schemas.microsoft.com/office/drawing/2014/main" id="{459A5683-3DD5-3175-CC74-4A5E5023266D}"/>
+              </a:ext>
+            </a:extLst>
+          </p:cNvPr>
+          <p:cNvPicPr>
+            <a:picLocks noChangeAspect="1"/>
+          </p:cNvPicPr>
+          <p:nvPr/>
+        </p:nvPicPr>
+        <p:blipFill>
+          <a:blip r:embed="rId2"/>
+          <a:stretch>
+            <a:fillRect/>
+          </a:stretch>
+        </p:blipFill>
+        <p:spPr>
+          <a:xfrm>
+            <a:off x="1819004" y="4083019"/>
+            <a:ext cx="6508044" cy="1333616"/>
+          </a:xfrm>
+          <a:prstGeom prst="rect">
+            <a:avLst/>
+          </a:prstGeom>
+        </p:spPr>
+      </p:pic>
+    </p:spTree>
+    <p:extLst>
+      <p:ext uri="{BB962C8B-B14F-4D97-AF65-F5344CB8AC3E}">
+        <p14:creationId xmlns:p14="http://schemas.microsoft.com/office/powerpoint/2010/main" val="2559183446"/>
+      </p:ext>
+    </p:extLst>
+  </p:cSld>
+  <p:clrMapOvr>
+    <a:masterClrMapping/>
+  </p:clrMapOvr>
+</p:sld>
+</file>
+
+<file path=ppt/slides/slide18.xml><?xml version="1.0" encoding="utf-8"?>
+<p:sld xmlns:a="http://schemas.openxmlformats.org/drawingml/2006/main" xmlns:r="http://schemas.openxmlformats.org/officeDocument/2006/relationships" xmlns:p="http://schemas.openxmlformats.org/presentationml/2006/main">
+  <p:cSld>
+    <p:spTree>
+      <p:nvGrpSpPr>
+        <p:cNvPr id="1" name=""/>
+        <p:cNvGrpSpPr/>
+        <p:nvPr/>
+      </p:nvGrpSpPr>
+      <p:grpSpPr>
+        <a:xfrm>
+          <a:off x="0" y="0"/>
+          <a:ext cx="0" cy="0"/>
+          <a:chOff x="0" y="0"/>
+          <a:chExt cx="0" cy="0"/>
+        </a:xfrm>
+      </p:grpSpPr>
+      <p:sp>
+        <p:nvSpPr>
+          <p:cNvPr id="2" name="標題 1">
+            <a:extLst>
+              <a:ext uri="{FF2B5EF4-FFF2-40B4-BE49-F238E27FC236}">
+                <a16:creationId xmlns:a16="http://schemas.microsoft.com/office/drawing/2014/main" id="{9754B65C-1642-6FE5-D941-96E5D377AABC}"/>
+              </a:ext>
+            </a:extLst>
+          </p:cNvPr>
+          <p:cNvSpPr>
+            <a:spLocks noGrp="1"/>
+          </p:cNvSpPr>
+          <p:nvPr>
+            <p:ph type="title"/>
+          </p:nvPr>
+        </p:nvSpPr>
+        <p:spPr>
+          <a:xfrm>
+            <a:off x="1687669" y="624110"/>
+            <a:ext cx="4137059" cy="1280890"/>
+          </a:xfrm>
+        </p:spPr>
+        <p:txBody>
+          <a:bodyPr>
+            <a:normAutofit/>
+          </a:bodyPr>
+          <a:lstStyle/>
+          <a:p>
+            <a:r>
+              <a:rPr lang="en-US" altLang="zh-TW" sz="3200" dirty="0"/>
+              <a:t>Answer4-2.</a:t>
+            </a:r>
+            <a:endParaRPr lang="zh-TW" altLang="en-US" sz="3200" dirty="0"/>
+          </a:p>
+        </p:txBody>
+      </p:sp>
+      <p:sp>
+        <p:nvSpPr>
+          <p:cNvPr id="4" name="投影片編號版面配置區 3">
+            <a:extLst>
+              <a:ext uri="{FF2B5EF4-FFF2-40B4-BE49-F238E27FC236}">
+                <a16:creationId xmlns:a16="http://schemas.microsoft.com/office/drawing/2014/main" id="{3F1EA6AD-3945-5A5F-70AE-CD8043429B6D}"/>
+              </a:ext>
+            </a:extLst>
+          </p:cNvPr>
+          <p:cNvSpPr>
+            <a:spLocks noGrp="1"/>
+          </p:cNvSpPr>
+          <p:nvPr>
+            <p:ph type="sldNum" sz="quarter" idx="12"/>
+          </p:nvPr>
+        </p:nvSpPr>
+        <p:spPr>
+          <a:xfrm>
+            <a:off x="531812" y="787782"/>
+            <a:ext cx="779767" cy="365125"/>
+          </a:xfrm>
+        </p:spPr>
+        <p:txBody>
+          <a:bodyPr>
+            <a:normAutofit/>
+          </a:bodyPr>
+          <a:lstStyle/>
+          <a:p>
+            <a:pPr>
+              <a:lnSpc>
+                <a:spcPct val="90000"/>
+              </a:lnSpc>
+              <a:spcAft>
+                <a:spcPts val="600"/>
+              </a:spcAft>
+            </a:pPr>
+            <a:fld id="{D57F1E4F-1CFF-5643-939E-217C01CDF565}" type="slidenum">
+              <a:rPr lang="en-US" sz="1900" smtClean="0"/>
+              <a:pPr>
+                <a:lnSpc>
+                  <a:spcPct val="90000"/>
+                </a:lnSpc>
+                <a:spcAft>
+                  <a:spcPts val="600"/>
+                </a:spcAft>
+              </a:pPr>
+              <a:t>18</a:t>
+            </a:fld>
+            <a:endParaRPr lang="en-US" sz="1900"/>
+          </a:p>
+        </p:txBody>
+      </p:sp>
+      <p:sp>
+        <p:nvSpPr>
+          <p:cNvPr id="3" name="內容版面配置區 2">
+            <a:extLst>
+              <a:ext uri="{FF2B5EF4-FFF2-40B4-BE49-F238E27FC236}">
+                <a16:creationId xmlns:a16="http://schemas.microsoft.com/office/drawing/2014/main" id="{8A26720F-616D-E164-DA93-3A4EBED4F0AD}"/>
+              </a:ext>
+            </a:extLst>
+          </p:cNvPr>
+          <p:cNvSpPr>
+            <a:spLocks noGrp="1"/>
+          </p:cNvSpPr>
+          <p:nvPr>
+            <p:ph idx="1"/>
+          </p:nvPr>
+        </p:nvSpPr>
+        <p:spPr>
+          <a:xfrm>
+            <a:off x="1513627" y="1501588"/>
+            <a:ext cx="4923032" cy="3854824"/>
+          </a:xfrm>
+        </p:spPr>
+        <p:txBody>
+          <a:bodyPr>
+            <a:normAutofit/>
+          </a:bodyPr>
+          <a:lstStyle/>
+          <a:p>
+            <a:r>
+              <a:rPr lang="en-US" altLang="zh-TW" sz="1600" dirty="0">
+                <a:solidFill>
+                  <a:srgbClr val="000000"/>
+                </a:solidFill>
+                <a:latin typeface="微軟正黑體" panose="020B0604030504040204" pitchFamily="34" charset="-120"/>
+                <a:ea typeface="微軟正黑體" panose="020B0604030504040204" pitchFamily="34" charset="-120"/>
+              </a:rPr>
+              <a:t>SELECT *</a:t>
+            </a:r>
+          </a:p>
+          <a:p>
+            <a:r>
+              <a:rPr lang="en-US" altLang="zh-TW" sz="1600" dirty="0">
+                <a:solidFill>
+                  <a:srgbClr val="000000"/>
+                </a:solidFill>
+                <a:latin typeface="微軟正黑體" panose="020B0604030504040204" pitchFamily="34" charset="-120"/>
+                <a:ea typeface="微軟正黑體" panose="020B0604030504040204" pitchFamily="34" charset="-120"/>
+              </a:rPr>
+              <a:t>FROM [</a:t>
+            </a:r>
+            <a:r>
+              <a:rPr lang="en-US" altLang="zh-TW" sz="1600" dirty="0" err="1">
+                <a:solidFill>
+                  <a:srgbClr val="000000"/>
+                </a:solidFill>
+                <a:latin typeface="微軟正黑體" panose="020B0604030504040204" pitchFamily="34" charset="-120"/>
+                <a:ea typeface="微軟正黑體" panose="020B0604030504040204" pitchFamily="34" charset="-120"/>
+              </a:rPr>
+              <a:t>WorldEvents</a:t>
+            </a:r>
+            <a:r>
+              <a:rPr lang="en-US" altLang="zh-TW" sz="1600" dirty="0">
+                <a:solidFill>
+                  <a:srgbClr val="000000"/>
+                </a:solidFill>
+                <a:latin typeface="微軟正黑體" panose="020B0604030504040204" pitchFamily="34" charset="-120"/>
+                <a:ea typeface="微軟正黑體" panose="020B0604030504040204" pitchFamily="34" charset="-120"/>
+              </a:rPr>
+              <a:t>].[</a:t>
+            </a:r>
+            <a:r>
+              <a:rPr lang="en-US" altLang="zh-TW" sz="1600" dirty="0" err="1">
+                <a:solidFill>
+                  <a:srgbClr val="000000"/>
+                </a:solidFill>
+                <a:latin typeface="微軟正黑體" panose="020B0604030504040204" pitchFamily="34" charset="-120"/>
+                <a:ea typeface="微軟正黑體" panose="020B0604030504040204" pitchFamily="34" charset="-120"/>
+              </a:rPr>
+              <a:t>dbo</a:t>
+            </a:r>
+            <a:r>
+              <a:rPr lang="en-US" altLang="zh-TW" sz="1600" dirty="0">
+                <a:solidFill>
+                  <a:srgbClr val="000000"/>
+                </a:solidFill>
+                <a:latin typeface="微軟正黑體" panose="020B0604030504040204" pitchFamily="34" charset="-120"/>
+                <a:ea typeface="微軟正黑體" panose="020B0604030504040204" pitchFamily="34" charset="-120"/>
+              </a:rPr>
+              <a:t>].[</a:t>
+            </a:r>
+            <a:r>
+              <a:rPr lang="en-US" altLang="zh-TW" sz="1600" dirty="0" err="1">
+                <a:solidFill>
+                  <a:srgbClr val="000000"/>
+                </a:solidFill>
+                <a:latin typeface="微軟正黑體" panose="020B0604030504040204" pitchFamily="34" charset="-120"/>
+                <a:ea typeface="微軟正黑體" panose="020B0604030504040204" pitchFamily="34" charset="-120"/>
+              </a:rPr>
+              <a:t>tblEvent</a:t>
+            </a:r>
+            <a:r>
+              <a:rPr lang="en-US" altLang="zh-TW" sz="1600" dirty="0">
+                <a:solidFill>
+                  <a:srgbClr val="000000"/>
+                </a:solidFill>
+                <a:latin typeface="微軟正黑體" panose="020B0604030504040204" pitchFamily="34" charset="-120"/>
+                <a:ea typeface="微軟正黑體" panose="020B0604030504040204" pitchFamily="34" charset="-120"/>
+              </a:rPr>
+              <a:t>]  as e</a:t>
+            </a:r>
+          </a:p>
+          <a:p>
+            <a:r>
+              <a:rPr lang="en-US" altLang="zh-TW" sz="1600" dirty="0">
+                <a:solidFill>
+                  <a:srgbClr val="000000"/>
+                </a:solidFill>
+                <a:latin typeface="微軟正黑體" panose="020B0604030504040204" pitchFamily="34" charset="-120"/>
+                <a:ea typeface="微軟正黑體" panose="020B0604030504040204" pitchFamily="34" charset="-120"/>
+              </a:rPr>
+              <a:t>WHERE e.[</a:t>
+            </a:r>
+            <a:r>
+              <a:rPr lang="en-US" altLang="zh-TW" sz="1600" dirty="0" err="1">
+                <a:solidFill>
+                  <a:srgbClr val="000000"/>
+                </a:solidFill>
+                <a:latin typeface="微軟正黑體" panose="020B0604030504040204" pitchFamily="34" charset="-120"/>
+                <a:ea typeface="微軟正黑體" panose="020B0604030504040204" pitchFamily="34" charset="-120"/>
+              </a:rPr>
+              <a:t>CountryID</a:t>
+            </a:r>
+            <a:r>
+              <a:rPr lang="en-US" altLang="zh-TW" sz="1600" dirty="0">
+                <a:solidFill>
+                  <a:srgbClr val="000000"/>
+                </a:solidFill>
+                <a:latin typeface="微軟正黑體" panose="020B0604030504040204" pitchFamily="34" charset="-120"/>
+                <a:ea typeface="微軟正黑體" panose="020B0604030504040204" pitchFamily="34" charset="-120"/>
+              </a:rPr>
+              <a:t>] = 13</a:t>
+            </a:r>
+          </a:p>
+          <a:p>
+            <a:r>
+              <a:rPr lang="en-US" altLang="zh-TW" sz="1600" dirty="0">
+                <a:solidFill>
+                  <a:srgbClr val="000000"/>
+                </a:solidFill>
+                <a:latin typeface="微軟正黑體" panose="020B0604030504040204" pitchFamily="34" charset="-120"/>
+                <a:ea typeface="微軟正黑體" panose="020B0604030504040204" pitchFamily="34" charset="-120"/>
+              </a:rPr>
+              <a:t>AND </a:t>
+            </a:r>
+            <a:r>
+              <a:rPr lang="en-US" altLang="zh-TW" sz="1600" dirty="0" err="1">
+                <a:solidFill>
+                  <a:srgbClr val="000000"/>
+                </a:solidFill>
+                <a:latin typeface="微軟正黑體" panose="020B0604030504040204" pitchFamily="34" charset="-120"/>
+                <a:ea typeface="微軟正黑體" panose="020B0604030504040204" pitchFamily="34" charset="-120"/>
+              </a:rPr>
+              <a:t>e.EventDetails</a:t>
+            </a:r>
+            <a:r>
+              <a:rPr lang="en-US" altLang="zh-TW" sz="1600" dirty="0">
+                <a:solidFill>
+                  <a:srgbClr val="000000"/>
+                </a:solidFill>
+                <a:latin typeface="微軟正黑體" panose="020B0604030504040204" pitchFamily="34" charset="-120"/>
+                <a:ea typeface="微軟正黑體" panose="020B0604030504040204" pitchFamily="34" charset="-120"/>
+              </a:rPr>
+              <a:t> not like '%Space%'</a:t>
+            </a:r>
+          </a:p>
+          <a:p>
+            <a:r>
+              <a:rPr lang="en-US" altLang="zh-TW" sz="1600" dirty="0">
+                <a:solidFill>
+                  <a:srgbClr val="000000"/>
+                </a:solidFill>
+                <a:latin typeface="微軟正黑體" panose="020B0604030504040204" pitchFamily="34" charset="-120"/>
+                <a:ea typeface="微軟正黑體" panose="020B0604030504040204" pitchFamily="34" charset="-120"/>
+              </a:rPr>
+              <a:t>AND </a:t>
+            </a:r>
+            <a:r>
+              <a:rPr lang="en-US" altLang="zh-TW" sz="1600" dirty="0" err="1">
+                <a:solidFill>
+                  <a:srgbClr val="000000"/>
+                </a:solidFill>
+                <a:latin typeface="微軟正黑體" panose="020B0604030504040204" pitchFamily="34" charset="-120"/>
+                <a:ea typeface="微軟正黑體" panose="020B0604030504040204" pitchFamily="34" charset="-120"/>
+              </a:rPr>
+              <a:t>e.EventName</a:t>
+            </a:r>
+            <a:r>
+              <a:rPr lang="en-US" altLang="zh-TW" sz="1600" dirty="0">
+                <a:solidFill>
+                  <a:srgbClr val="000000"/>
+                </a:solidFill>
+                <a:latin typeface="微軟正黑體" panose="020B0604030504040204" pitchFamily="34" charset="-120"/>
+                <a:ea typeface="微軟正黑體" panose="020B0604030504040204" pitchFamily="34" charset="-120"/>
+              </a:rPr>
+              <a:t> not like '%Space%'</a:t>
+            </a:r>
+            <a:endParaRPr lang="zh-TW" altLang="en-US" sz="1600" dirty="0">
+              <a:solidFill>
+                <a:srgbClr val="000000"/>
+              </a:solidFill>
+              <a:latin typeface="微軟正黑體" panose="020B0604030504040204" pitchFamily="34" charset="-120"/>
+              <a:ea typeface="微軟正黑體" panose="020B0604030504040204" pitchFamily="34" charset="-120"/>
+            </a:endParaRPr>
+          </a:p>
+        </p:txBody>
+      </p:sp>
+      <p:sp>
+        <p:nvSpPr>
+          <p:cNvPr id="5" name="文字方塊 4">
+            <a:extLst>
+              <a:ext uri="{FF2B5EF4-FFF2-40B4-BE49-F238E27FC236}">
+                <a16:creationId xmlns:a16="http://schemas.microsoft.com/office/drawing/2014/main" id="{B3AE3051-64FE-7B61-225A-E28EC49D8F4F}"/>
+              </a:ext>
+            </a:extLst>
+          </p:cNvPr>
+          <p:cNvSpPr txBox="1"/>
+          <p:nvPr/>
+        </p:nvSpPr>
+        <p:spPr>
+          <a:xfrm>
+            <a:off x="1513627" y="6049224"/>
+            <a:ext cx="6787436" cy="369332"/>
+          </a:xfrm>
+          <a:prstGeom prst="rect">
+            <a:avLst/>
+          </a:prstGeom>
+          <a:noFill/>
+        </p:spPr>
+        <p:txBody>
+          <a:bodyPr wrap="none" rtlCol="0">
+            <a:spAutoFit/>
+          </a:bodyPr>
+          <a:lstStyle/>
+          <a:p>
+            <a:r>
+              <a:rPr lang="zh-TW" altLang="en-US" dirty="0"/>
+              <a:t>參考資料</a:t>
+            </a:r>
+            <a:r>
+              <a:rPr lang="en-US" altLang="zh-TW" dirty="0"/>
+              <a:t>:https://www.w3schools.com/sql/sql_operators.asp</a:t>
+            </a:r>
+            <a:endParaRPr lang="zh-TW" altLang="en-US" dirty="0"/>
+          </a:p>
+        </p:txBody>
+      </p:sp>
+      <p:pic>
+        <p:nvPicPr>
+          <p:cNvPr id="7" name="圖片 6">
+            <a:extLst>
+              <a:ext uri="{FF2B5EF4-FFF2-40B4-BE49-F238E27FC236}">
+                <a16:creationId xmlns:a16="http://schemas.microsoft.com/office/drawing/2014/main" id="{2EBAFAB0-A4AE-78E5-A806-03303760D700}"/>
+              </a:ext>
+            </a:extLst>
+          </p:cNvPr>
+          <p:cNvPicPr>
+            <a:picLocks noChangeAspect="1"/>
+          </p:cNvPicPr>
+          <p:nvPr/>
+        </p:nvPicPr>
+        <p:blipFill>
+          <a:blip r:embed="rId2"/>
+          <a:stretch>
+            <a:fillRect/>
+          </a:stretch>
+        </p:blipFill>
+        <p:spPr>
+          <a:xfrm>
+            <a:off x="1513627" y="3429000"/>
+            <a:ext cx="7613040" cy="1699407"/>
+          </a:xfrm>
+          <a:prstGeom prst="rect">
+            <a:avLst/>
+          </a:prstGeom>
+        </p:spPr>
+      </p:pic>
+    </p:spTree>
+    <p:extLst>
+      <p:ext uri="{BB962C8B-B14F-4D97-AF65-F5344CB8AC3E}">
+        <p14:creationId xmlns:p14="http://schemas.microsoft.com/office/powerpoint/2010/main" val="2481628465"/>
+      </p:ext>
+    </p:extLst>
+  </p:cSld>
+  <p:clrMapOvr>
+    <a:masterClrMapping/>
+  </p:clrMapOvr>
+</p:sld>
+</file>
+
+<file path=ppt/slides/slide19.xml><?xml version="1.0" encoding="utf-8"?>
+<p:sld xmlns:a="http://schemas.openxmlformats.org/drawingml/2006/main" xmlns:r="http://schemas.openxmlformats.org/officeDocument/2006/relationships" xmlns:p="http://schemas.openxmlformats.org/presentationml/2006/main">
+  <p:cSld>
+    <p:spTree>
+      <p:nvGrpSpPr>
+        <p:cNvPr id="1" name=""/>
+        <p:cNvGrpSpPr/>
+        <p:nvPr/>
+      </p:nvGrpSpPr>
+      <p:grpSpPr>
+        <a:xfrm>
+          <a:off x="0" y="0"/>
+          <a:ext cx="0" cy="0"/>
+          <a:chOff x="0" y="0"/>
+          <a:chExt cx="0" cy="0"/>
+        </a:xfrm>
+      </p:grpSpPr>
+      <p:sp>
+        <p:nvSpPr>
+          <p:cNvPr id="2" name="標題 1">
+            <a:extLst>
+              <a:ext uri="{FF2B5EF4-FFF2-40B4-BE49-F238E27FC236}">
+                <a16:creationId xmlns:a16="http://schemas.microsoft.com/office/drawing/2014/main" id="{9754B65C-1642-6FE5-D941-96E5D377AABC}"/>
+              </a:ext>
+            </a:extLst>
+          </p:cNvPr>
+          <p:cNvSpPr>
+            <a:spLocks noGrp="1"/>
+          </p:cNvSpPr>
+          <p:nvPr>
+            <p:ph type="title"/>
+          </p:nvPr>
+        </p:nvSpPr>
+        <p:spPr>
+          <a:xfrm>
+            <a:off x="1687669" y="624110"/>
+            <a:ext cx="4137059" cy="1280890"/>
+          </a:xfrm>
+        </p:spPr>
+        <p:txBody>
+          <a:bodyPr>
+            <a:normAutofit/>
+          </a:bodyPr>
+          <a:lstStyle/>
+          <a:p>
+            <a:r>
+              <a:rPr lang="en-US" altLang="zh-TW" sz="3200" dirty="0"/>
+              <a:t>Answer4-3.</a:t>
+            </a:r>
+            <a:endParaRPr lang="zh-TW" altLang="en-US" sz="3200" dirty="0"/>
+          </a:p>
+        </p:txBody>
+      </p:sp>
+      <p:sp>
+        <p:nvSpPr>
+          <p:cNvPr id="4" name="投影片編號版面配置區 3">
+            <a:extLst>
+              <a:ext uri="{FF2B5EF4-FFF2-40B4-BE49-F238E27FC236}">
+                <a16:creationId xmlns:a16="http://schemas.microsoft.com/office/drawing/2014/main" id="{3F1EA6AD-3945-5A5F-70AE-CD8043429B6D}"/>
+              </a:ext>
+            </a:extLst>
+          </p:cNvPr>
+          <p:cNvSpPr>
+            <a:spLocks noGrp="1"/>
+          </p:cNvSpPr>
+          <p:nvPr>
+            <p:ph type="sldNum" sz="quarter" idx="12"/>
+          </p:nvPr>
+        </p:nvSpPr>
+        <p:spPr>
+          <a:xfrm>
+            <a:off x="531812" y="787782"/>
+            <a:ext cx="779767" cy="365125"/>
+          </a:xfrm>
+        </p:spPr>
+        <p:txBody>
+          <a:bodyPr>
+            <a:normAutofit/>
+          </a:bodyPr>
+          <a:lstStyle/>
+          <a:p>
+            <a:pPr>
+              <a:lnSpc>
+                <a:spcPct val="90000"/>
+              </a:lnSpc>
+              <a:spcAft>
+                <a:spcPts val="600"/>
+              </a:spcAft>
+            </a:pPr>
+            <a:fld id="{D57F1E4F-1CFF-5643-939E-217C01CDF565}" type="slidenum">
+              <a:rPr lang="en-US" sz="1900" smtClean="0"/>
+              <a:pPr>
+                <a:lnSpc>
+                  <a:spcPct val="90000"/>
+                </a:lnSpc>
+                <a:spcAft>
+                  <a:spcPts val="600"/>
+                </a:spcAft>
+              </a:pPr>
+              <a:t>19</a:t>
+            </a:fld>
+            <a:endParaRPr lang="en-US" sz="1900"/>
+          </a:p>
+        </p:txBody>
+      </p:sp>
+      <p:sp>
+        <p:nvSpPr>
+          <p:cNvPr id="3" name="內容版面配置區 2">
+            <a:extLst>
+              <a:ext uri="{FF2B5EF4-FFF2-40B4-BE49-F238E27FC236}">
+                <a16:creationId xmlns:a16="http://schemas.microsoft.com/office/drawing/2014/main" id="{8A26720F-616D-E164-DA93-3A4EBED4F0AD}"/>
+              </a:ext>
+            </a:extLst>
+          </p:cNvPr>
+          <p:cNvSpPr>
+            <a:spLocks noGrp="1"/>
+          </p:cNvSpPr>
+          <p:nvPr>
+            <p:ph idx="1"/>
+          </p:nvPr>
+        </p:nvSpPr>
+        <p:spPr>
+          <a:xfrm>
+            <a:off x="1513627" y="1434353"/>
+            <a:ext cx="4923032" cy="3854824"/>
+          </a:xfrm>
+        </p:spPr>
+        <p:txBody>
+          <a:bodyPr>
+            <a:normAutofit/>
+          </a:bodyPr>
+          <a:lstStyle/>
+          <a:p>
+            <a:r>
+              <a:rPr lang="en-US" altLang="zh-TW" sz="1600" dirty="0">
+                <a:solidFill>
+                  <a:srgbClr val="000000"/>
+                </a:solidFill>
+                <a:latin typeface="微軟正黑體" panose="020B0604030504040204" pitchFamily="34" charset="-120"/>
+                <a:ea typeface="微軟正黑體" panose="020B0604030504040204" pitchFamily="34" charset="-120"/>
+              </a:rPr>
+              <a:t>SELECT *</a:t>
+            </a:r>
+          </a:p>
+          <a:p>
+            <a:r>
+              <a:rPr lang="en-US" altLang="zh-TW" sz="1600" dirty="0">
+                <a:solidFill>
+                  <a:srgbClr val="000000"/>
+                </a:solidFill>
+                <a:latin typeface="微軟正黑體" panose="020B0604030504040204" pitchFamily="34" charset="-120"/>
+                <a:ea typeface="微軟正黑體" panose="020B0604030504040204" pitchFamily="34" charset="-120"/>
+              </a:rPr>
+              <a:t>FROM [</a:t>
+            </a:r>
+            <a:r>
+              <a:rPr lang="en-US" altLang="zh-TW" sz="1600" dirty="0" err="1">
+                <a:solidFill>
+                  <a:srgbClr val="000000"/>
+                </a:solidFill>
+                <a:latin typeface="微軟正黑體" panose="020B0604030504040204" pitchFamily="34" charset="-120"/>
+                <a:ea typeface="微軟正黑體" panose="020B0604030504040204" pitchFamily="34" charset="-120"/>
+              </a:rPr>
+              <a:t>WorldEvents</a:t>
+            </a:r>
+            <a:r>
+              <a:rPr lang="en-US" altLang="zh-TW" sz="1600" dirty="0">
+                <a:solidFill>
+                  <a:srgbClr val="000000"/>
+                </a:solidFill>
+                <a:latin typeface="微軟正黑體" panose="020B0604030504040204" pitchFamily="34" charset="-120"/>
+                <a:ea typeface="微軟正黑體" panose="020B0604030504040204" pitchFamily="34" charset="-120"/>
+              </a:rPr>
+              <a:t>].[</a:t>
+            </a:r>
+            <a:r>
+              <a:rPr lang="en-US" altLang="zh-TW" sz="1600" dirty="0" err="1">
+                <a:solidFill>
+                  <a:srgbClr val="000000"/>
+                </a:solidFill>
+                <a:latin typeface="微軟正黑體" panose="020B0604030504040204" pitchFamily="34" charset="-120"/>
+                <a:ea typeface="微軟正黑體" panose="020B0604030504040204" pitchFamily="34" charset="-120"/>
+              </a:rPr>
+              <a:t>dbo</a:t>
+            </a:r>
+            <a:r>
+              <a:rPr lang="en-US" altLang="zh-TW" sz="1600" dirty="0">
+                <a:solidFill>
+                  <a:srgbClr val="000000"/>
+                </a:solidFill>
+                <a:latin typeface="微軟正黑體" panose="020B0604030504040204" pitchFamily="34" charset="-120"/>
+                <a:ea typeface="微軟正黑體" panose="020B0604030504040204" pitchFamily="34" charset="-120"/>
+              </a:rPr>
+              <a:t>].[</a:t>
+            </a:r>
+            <a:r>
+              <a:rPr lang="en-US" altLang="zh-TW" sz="1600" dirty="0" err="1">
+                <a:solidFill>
+                  <a:srgbClr val="000000"/>
+                </a:solidFill>
+                <a:latin typeface="微軟正黑體" panose="020B0604030504040204" pitchFamily="34" charset="-120"/>
+                <a:ea typeface="微軟正黑體" panose="020B0604030504040204" pitchFamily="34" charset="-120"/>
+              </a:rPr>
+              <a:t>tblEvent</a:t>
+            </a:r>
+            <a:r>
+              <a:rPr lang="en-US" altLang="zh-TW" sz="1600" dirty="0">
+                <a:solidFill>
+                  <a:srgbClr val="000000"/>
+                </a:solidFill>
+                <a:latin typeface="微軟正黑體" panose="020B0604030504040204" pitchFamily="34" charset="-120"/>
+                <a:ea typeface="微軟正黑體" panose="020B0604030504040204" pitchFamily="34" charset="-120"/>
+              </a:rPr>
+              <a:t>]  as e</a:t>
+            </a:r>
+          </a:p>
+          <a:p>
+            <a:r>
+              <a:rPr lang="en-US" altLang="zh-TW" sz="1600" dirty="0">
+                <a:solidFill>
+                  <a:srgbClr val="000000"/>
+                </a:solidFill>
+                <a:latin typeface="微軟正黑體" panose="020B0604030504040204" pitchFamily="34" charset="-120"/>
+                <a:ea typeface="微軟正黑體" panose="020B0604030504040204" pitchFamily="34" charset="-120"/>
+              </a:rPr>
+              <a:t>WHERE e.[</a:t>
+            </a:r>
+            <a:r>
+              <a:rPr lang="en-US" altLang="zh-TW" sz="1600" dirty="0" err="1">
+                <a:solidFill>
+                  <a:srgbClr val="000000"/>
+                </a:solidFill>
+                <a:latin typeface="微軟正黑體" panose="020B0604030504040204" pitchFamily="34" charset="-120"/>
+                <a:ea typeface="微軟正黑體" panose="020B0604030504040204" pitchFamily="34" charset="-120"/>
+              </a:rPr>
+              <a:t>CategoryID</a:t>
+            </a:r>
+            <a:r>
+              <a:rPr lang="en-US" altLang="zh-TW" sz="1600" dirty="0">
+                <a:solidFill>
+                  <a:srgbClr val="000000"/>
+                </a:solidFill>
+                <a:latin typeface="微軟正黑體" panose="020B0604030504040204" pitchFamily="34" charset="-120"/>
+                <a:ea typeface="微軟正黑體" panose="020B0604030504040204" pitchFamily="34" charset="-120"/>
+              </a:rPr>
+              <a:t>] in (5,6)</a:t>
+            </a:r>
+          </a:p>
+          <a:p>
+            <a:r>
+              <a:rPr lang="en-US" altLang="zh-TW" sz="1600" dirty="0">
+                <a:solidFill>
+                  <a:srgbClr val="000000"/>
+                </a:solidFill>
+                <a:latin typeface="微軟正黑體" panose="020B0604030504040204" pitchFamily="34" charset="-120"/>
+                <a:ea typeface="微軟正黑體" panose="020B0604030504040204" pitchFamily="34" charset="-120"/>
+              </a:rPr>
+              <a:t>AND </a:t>
+            </a:r>
+            <a:r>
+              <a:rPr lang="en-US" altLang="zh-TW" sz="1600" dirty="0" err="1">
+                <a:solidFill>
+                  <a:srgbClr val="000000"/>
+                </a:solidFill>
+                <a:latin typeface="微軟正黑體" panose="020B0604030504040204" pitchFamily="34" charset="-120"/>
+                <a:ea typeface="微軟正黑體" panose="020B0604030504040204" pitchFamily="34" charset="-120"/>
+              </a:rPr>
+              <a:t>e.EventDetails</a:t>
+            </a:r>
+            <a:r>
+              <a:rPr lang="en-US" altLang="zh-TW" sz="1600" dirty="0">
+                <a:solidFill>
+                  <a:srgbClr val="000000"/>
+                </a:solidFill>
+                <a:latin typeface="微軟正黑體" panose="020B0604030504040204" pitchFamily="34" charset="-120"/>
+                <a:ea typeface="微軟正黑體" panose="020B0604030504040204" pitchFamily="34" charset="-120"/>
+              </a:rPr>
+              <a:t> not like '%War%'</a:t>
+            </a:r>
+          </a:p>
+          <a:p>
+            <a:r>
+              <a:rPr lang="en-US" altLang="zh-TW" sz="1600" dirty="0">
+                <a:solidFill>
+                  <a:srgbClr val="000000"/>
+                </a:solidFill>
+                <a:latin typeface="微軟正黑體" panose="020B0604030504040204" pitchFamily="34" charset="-120"/>
+                <a:ea typeface="微軟正黑體" panose="020B0604030504040204" pitchFamily="34" charset="-120"/>
+              </a:rPr>
+              <a:t>AND </a:t>
+            </a:r>
+            <a:r>
+              <a:rPr lang="en-US" altLang="zh-TW" sz="1600" dirty="0" err="1">
+                <a:solidFill>
+                  <a:srgbClr val="000000"/>
+                </a:solidFill>
+                <a:latin typeface="微軟正黑體" panose="020B0604030504040204" pitchFamily="34" charset="-120"/>
+                <a:ea typeface="微軟正黑體" panose="020B0604030504040204" pitchFamily="34" charset="-120"/>
+              </a:rPr>
+              <a:t>e.EventDetails</a:t>
+            </a:r>
+            <a:r>
+              <a:rPr lang="en-US" altLang="zh-TW" sz="1600" dirty="0">
+                <a:solidFill>
+                  <a:srgbClr val="000000"/>
+                </a:solidFill>
+                <a:latin typeface="微軟正黑體" panose="020B0604030504040204" pitchFamily="34" charset="-120"/>
+                <a:ea typeface="微軟正黑體" panose="020B0604030504040204" pitchFamily="34" charset="-120"/>
+              </a:rPr>
+              <a:t> not like '%Death%'</a:t>
+            </a:r>
+            <a:endParaRPr lang="zh-TW" altLang="en-US" sz="1600" dirty="0">
+              <a:solidFill>
+                <a:srgbClr val="000000"/>
+              </a:solidFill>
+              <a:latin typeface="微軟正黑體" panose="020B0604030504040204" pitchFamily="34" charset="-120"/>
+              <a:ea typeface="微軟正黑體" panose="020B0604030504040204" pitchFamily="34" charset="-120"/>
+            </a:endParaRPr>
+          </a:p>
+        </p:txBody>
+      </p:sp>
+      <p:sp>
+        <p:nvSpPr>
+          <p:cNvPr id="5" name="文字方塊 4">
+            <a:extLst>
+              <a:ext uri="{FF2B5EF4-FFF2-40B4-BE49-F238E27FC236}">
+                <a16:creationId xmlns:a16="http://schemas.microsoft.com/office/drawing/2014/main" id="{B3AE3051-64FE-7B61-225A-E28EC49D8F4F}"/>
+              </a:ext>
+            </a:extLst>
+          </p:cNvPr>
+          <p:cNvSpPr txBox="1"/>
+          <p:nvPr/>
+        </p:nvSpPr>
+        <p:spPr>
+          <a:xfrm>
+            <a:off x="1513627" y="5914754"/>
+            <a:ext cx="6787436" cy="369332"/>
+          </a:xfrm>
+          <a:prstGeom prst="rect">
+            <a:avLst/>
+          </a:prstGeom>
+          <a:noFill/>
+        </p:spPr>
+        <p:txBody>
+          <a:bodyPr wrap="none" rtlCol="0">
+            <a:spAutoFit/>
+          </a:bodyPr>
+          <a:lstStyle/>
+          <a:p>
+            <a:r>
+              <a:rPr lang="zh-TW" altLang="en-US" dirty="0"/>
+              <a:t>參考資料</a:t>
+            </a:r>
+            <a:r>
+              <a:rPr lang="en-US" altLang="zh-TW" dirty="0"/>
+              <a:t>:https://www.w3schools.com/sql/sql_operators.asp</a:t>
+            </a:r>
+            <a:endParaRPr lang="zh-TW" altLang="en-US" dirty="0"/>
+          </a:p>
+        </p:txBody>
+      </p:sp>
+      <p:pic>
+        <p:nvPicPr>
+          <p:cNvPr id="7" name="圖片 6">
+            <a:extLst>
+              <a:ext uri="{FF2B5EF4-FFF2-40B4-BE49-F238E27FC236}">
+                <a16:creationId xmlns:a16="http://schemas.microsoft.com/office/drawing/2014/main" id="{73AAACEC-0D0C-2E95-E67F-3CE31C9AAA35}"/>
+              </a:ext>
+            </a:extLst>
+          </p:cNvPr>
+          <p:cNvPicPr>
+            <a:picLocks noChangeAspect="1"/>
+          </p:cNvPicPr>
+          <p:nvPr/>
+        </p:nvPicPr>
+        <p:blipFill>
+          <a:blip r:embed="rId2"/>
+          <a:stretch>
+            <a:fillRect/>
+          </a:stretch>
+        </p:blipFill>
+        <p:spPr>
+          <a:xfrm>
+            <a:off x="1596168" y="3253632"/>
+            <a:ext cx="6622354" cy="2484335"/>
+          </a:xfrm>
+          <a:prstGeom prst="rect">
+            <a:avLst/>
+          </a:prstGeom>
+        </p:spPr>
+      </p:pic>
+    </p:spTree>
+    <p:extLst>
+      <p:ext uri="{BB962C8B-B14F-4D97-AF65-F5344CB8AC3E}">
+        <p14:creationId xmlns:p14="http://schemas.microsoft.com/office/powerpoint/2010/main" val="2393522653"/>
       </p:ext>
     </p:extLst>
   </p:cSld>

--- a/sql answer.pptx
+++ b/sql answer.pptx
@@ -5,7 +5,7 @@
     <p:sldMasterId id="2147483648" r:id="rId1"/>
   </p:sldMasterIdLst>
   <p:notesMasterIdLst>
-    <p:notesMasterId r:id="rId21"/>
+    <p:notesMasterId r:id="rId23"/>
   </p:notesMasterIdLst>
   <p:sldIdLst>
     <p:sldId id="256" r:id="rId2"/>
@@ -27,6 +27,8 @@
     <p:sldId id="272" r:id="rId18"/>
     <p:sldId id="274" r:id="rId19"/>
     <p:sldId id="273" r:id="rId20"/>
+    <p:sldId id="275" r:id="rId21"/>
+    <p:sldId id="276" r:id="rId22"/>
   </p:sldIdLst>
   <p:sldSz cx="12192000" cy="6858000"/>
   <p:notesSz cx="6858000" cy="9144000"/>
@@ -215,7 +217,7 @@
           <a:p>
             <a:fld id="{54AEA450-3062-4AAA-926F-005294A4F50C}" type="datetimeFigureOut">
               <a:rPr lang="zh-TW" altLang="en-US" smtClean="0"/>
-              <a:t>2023/7/21</a:t>
+              <a:t>2023/7/24</a:t>
             </a:fld>
             <a:endParaRPr lang="zh-TW" altLang="en-US"/>
           </a:p>
@@ -670,7 +672,7 @@
           <a:p>
             <a:fld id="{A6C54CF7-6667-4CB7-8FEA-8B4DA9F0AC0C}" type="datetime1">
               <a:rPr lang="en-US" altLang="zh-TW" smtClean="0"/>
-              <a:t>7/21/2023</a:t>
+              <a:t>7/24/2023</a:t>
             </a:fld>
             <a:endParaRPr lang="en-US" dirty="0"/>
           </a:p>
@@ -1004,7 +1006,7 @@
           <a:p>
             <a:fld id="{FE5B22DC-6D1B-472D-BD9F-6B84DDEAB6B8}" type="datetime1">
               <a:rPr lang="en-US" altLang="zh-TW" smtClean="0"/>
-              <a:t>7/21/2023</a:t>
+              <a:t>7/24/2023</a:t>
             </a:fld>
             <a:endParaRPr lang="en-US" dirty="0"/>
           </a:p>
@@ -1401,7 +1403,7 @@
           <a:p>
             <a:fld id="{3FC3214E-7A41-44CA-BB02-BAB1A71F9802}" type="datetime1">
               <a:rPr lang="en-US" altLang="zh-TW" smtClean="0"/>
-              <a:t>7/21/2023</a:t>
+              <a:t>7/24/2023</a:t>
             </a:fld>
             <a:endParaRPr lang="en-US" dirty="0"/>
           </a:p>
@@ -1733,7 +1735,7 @@
           <a:p>
             <a:fld id="{88479D64-44E6-4599-AF52-72AA177CD66B}" type="datetime1">
               <a:rPr lang="en-US" altLang="zh-TW" smtClean="0"/>
-              <a:t>7/21/2023</a:t>
+              <a:t>7/24/2023</a:t>
             </a:fld>
             <a:endParaRPr lang="en-US" dirty="0"/>
           </a:p>
@@ -2049,7 +2051,7 @@
           <a:p>
             <a:fld id="{BC5341FE-9B92-4466-B7E3-A580E0801C16}" type="datetime1">
               <a:rPr lang="en-US" altLang="zh-TW" smtClean="0"/>
-              <a:t>7/21/2023</a:t>
+              <a:t>7/24/2023</a:t>
             </a:fld>
             <a:endParaRPr lang="en-US" dirty="0"/>
           </a:p>
@@ -2441,7 +2443,7 @@
           <a:p>
             <a:fld id="{0D284FD5-6194-4E8F-9756-89A3108F6C23}" type="datetime1">
               <a:rPr lang="en-US" altLang="zh-TW" smtClean="0"/>
-              <a:t>7/21/2023</a:t>
+              <a:t>7/24/2023</a:t>
             </a:fld>
             <a:endParaRPr lang="en-US" dirty="0"/>
           </a:p>
@@ -2694,7 +2696,7 @@
           <a:p>
             <a:fld id="{CBAC82C6-D93E-47E7-8693-33E42F689429}" type="datetime1">
               <a:rPr lang="en-US" altLang="zh-TW" smtClean="0"/>
-              <a:t>7/21/2023</a:t>
+              <a:t>7/24/2023</a:t>
             </a:fld>
             <a:endParaRPr lang="en-US" dirty="0"/>
           </a:p>
@@ -2952,7 +2954,7 @@
           <a:p>
             <a:fld id="{02319D0E-B076-43B7-9EF9-D6B7F26EF7E2}" type="datetime1">
               <a:rPr lang="en-US" altLang="zh-TW" smtClean="0"/>
-              <a:t>7/21/2023</a:t>
+              <a:t>7/24/2023</a:t>
             </a:fld>
             <a:endParaRPr lang="en-US" dirty="0"/>
           </a:p>
@@ -3210,7 +3212,7 @@
           <a:p>
             <a:fld id="{44708793-4B7B-4D17-9975-D4491719BE20}" type="datetime1">
               <a:rPr lang="en-US" altLang="zh-TW" smtClean="0"/>
-              <a:t>7/21/2023</a:t>
+              <a:t>7/24/2023</a:t>
             </a:fld>
             <a:endParaRPr lang="en-US" dirty="0"/>
           </a:p>
@@ -3535,7 +3537,7 @@
           <a:p>
             <a:fld id="{C8293FAC-1493-4884-862F-E2E3704498C6}" type="datetime1">
               <a:rPr lang="en-US" altLang="zh-TW" smtClean="0"/>
-              <a:t>7/21/2023</a:t>
+              <a:t>7/24/2023</a:t>
             </a:fld>
             <a:endParaRPr lang="en-US" dirty="0"/>
           </a:p>
@@ -3854,7 +3856,7 @@
           <a:p>
             <a:fld id="{9FF65A49-FC39-47D2-AD3E-83B3400966FA}" type="datetime1">
               <a:rPr lang="en-US" altLang="zh-TW" smtClean="0"/>
-              <a:t>7/21/2023</a:t>
+              <a:t>7/24/2023</a:t>
             </a:fld>
             <a:endParaRPr lang="en-US" dirty="0"/>
           </a:p>
@@ -4307,7 +4309,7 @@
           <a:p>
             <a:fld id="{DDE8F718-462A-480A-988A-43604F475233}" type="datetime1">
               <a:rPr lang="en-US" altLang="zh-TW" smtClean="0"/>
-              <a:t>7/21/2023</a:t>
+              <a:t>7/24/2023</a:t>
             </a:fld>
             <a:endParaRPr lang="en-US" dirty="0"/>
           </a:p>
@@ -4508,7 +4510,7 @@
           <a:p>
             <a:fld id="{778B05C5-8E7C-4599-8ED3-6260AC83F79E}" type="datetime1">
               <a:rPr lang="en-US" altLang="zh-TW" smtClean="0"/>
-              <a:t>7/21/2023</a:t>
+              <a:t>7/24/2023</a:t>
             </a:fld>
             <a:endParaRPr lang="en-US" dirty="0"/>
           </a:p>
@@ -4681,7 +4683,7 @@
           <a:p>
             <a:fld id="{B345B859-EFE9-45D0-969C-2B31176A0FB1}" type="datetime1">
               <a:rPr lang="en-US" altLang="zh-TW" smtClean="0"/>
-              <a:t>7/21/2023</a:t>
+              <a:t>7/24/2023</a:t>
             </a:fld>
             <a:endParaRPr lang="en-US" dirty="0"/>
           </a:p>
@@ -5010,7 +5012,7 @@
           <a:p>
             <a:fld id="{74F40FDB-72BA-4C65-8D45-6FB1F48CE299}" type="datetime1">
               <a:rPr lang="en-US" altLang="zh-TW" smtClean="0"/>
-              <a:t>7/21/2023</a:t>
+              <a:t>7/24/2023</a:t>
             </a:fld>
             <a:endParaRPr lang="en-US" dirty="0"/>
           </a:p>
@@ -5351,7 +5353,7 @@
           <a:p>
             <a:fld id="{A7A6B26D-7F72-4902-9D21-541244423039}" type="datetime1">
               <a:rPr lang="en-US" altLang="zh-TW" smtClean="0"/>
-              <a:t>7/21/2023</a:t>
+              <a:t>7/24/2023</a:t>
             </a:fld>
             <a:endParaRPr lang="en-US" dirty="0"/>
           </a:p>
@@ -7464,7 +7466,7 @@
           <a:p>
             <a:fld id="{877DD24C-FF9A-411C-96FD-F688C4DA8D6E}" type="datetime1">
               <a:rPr lang="en-US" altLang="zh-TW" smtClean="0"/>
-              <a:t>7/21/2023</a:t>
+              <a:t>7/24/2023</a:t>
             </a:fld>
             <a:endParaRPr lang="en-US" dirty="0"/>
           </a:p>
@@ -11361,6 +11363,639 @@
     <p:extLst>
       <p:ext uri="{BB962C8B-B14F-4D97-AF65-F5344CB8AC3E}">
         <p14:creationId xmlns:p14="http://schemas.microsoft.com/office/powerpoint/2010/main" val="1665979212"/>
+      </p:ext>
+    </p:extLst>
+  </p:cSld>
+  <p:clrMapOvr>
+    <a:masterClrMapping/>
+  </p:clrMapOvr>
+</p:sld>
+</file>
+
+<file path=ppt/slides/slide20.xml><?xml version="1.0" encoding="utf-8"?>
+<p:sld xmlns:a="http://schemas.openxmlformats.org/drawingml/2006/main" xmlns:r="http://schemas.openxmlformats.org/officeDocument/2006/relationships" xmlns:p="http://schemas.openxmlformats.org/presentationml/2006/main">
+  <p:cSld>
+    <p:spTree>
+      <p:nvGrpSpPr>
+        <p:cNvPr id="1" name=""/>
+        <p:cNvGrpSpPr/>
+        <p:nvPr/>
+      </p:nvGrpSpPr>
+      <p:grpSpPr>
+        <a:xfrm>
+          <a:off x="0" y="0"/>
+          <a:ext cx="0" cy="0"/>
+          <a:chOff x="0" y="0"/>
+          <a:chExt cx="0" cy="0"/>
+        </a:xfrm>
+      </p:grpSpPr>
+      <p:sp>
+        <p:nvSpPr>
+          <p:cNvPr id="2" name="標題 1">
+            <a:extLst>
+              <a:ext uri="{FF2B5EF4-FFF2-40B4-BE49-F238E27FC236}">
+                <a16:creationId xmlns:a16="http://schemas.microsoft.com/office/drawing/2014/main" id="{9754B65C-1642-6FE5-D941-96E5D377AABC}"/>
+              </a:ext>
+            </a:extLst>
+          </p:cNvPr>
+          <p:cNvSpPr>
+            <a:spLocks noGrp="1"/>
+          </p:cNvSpPr>
+          <p:nvPr>
+            <p:ph type="title"/>
+          </p:nvPr>
+        </p:nvSpPr>
+        <p:spPr>
+          <a:xfrm>
+            <a:off x="1687669" y="624110"/>
+            <a:ext cx="7321860" cy="1280890"/>
+          </a:xfrm>
+        </p:spPr>
+        <p:txBody>
+          <a:bodyPr>
+            <a:normAutofit/>
+          </a:bodyPr>
+          <a:lstStyle/>
+          <a:p>
+            <a:r>
+              <a:rPr lang="en-US" altLang="zh-TW" sz="3200" dirty="0"/>
+              <a:t>Setting criteria using WHERE Q5</a:t>
+            </a:r>
+            <a:endParaRPr lang="zh-TW" altLang="en-US" sz="3200" dirty="0"/>
+          </a:p>
+        </p:txBody>
+      </p:sp>
+      <p:sp>
+        <p:nvSpPr>
+          <p:cNvPr id="4" name="投影片編號版面配置區 3">
+            <a:extLst>
+              <a:ext uri="{FF2B5EF4-FFF2-40B4-BE49-F238E27FC236}">
+                <a16:creationId xmlns:a16="http://schemas.microsoft.com/office/drawing/2014/main" id="{3F1EA6AD-3945-5A5F-70AE-CD8043429B6D}"/>
+              </a:ext>
+            </a:extLst>
+          </p:cNvPr>
+          <p:cNvSpPr>
+            <a:spLocks noGrp="1"/>
+          </p:cNvSpPr>
+          <p:nvPr>
+            <p:ph type="sldNum" sz="quarter" idx="12"/>
+          </p:nvPr>
+        </p:nvSpPr>
+        <p:spPr>
+          <a:xfrm>
+            <a:off x="531812" y="787782"/>
+            <a:ext cx="779767" cy="365125"/>
+          </a:xfrm>
+        </p:spPr>
+        <p:txBody>
+          <a:bodyPr>
+            <a:normAutofit/>
+          </a:bodyPr>
+          <a:lstStyle/>
+          <a:p>
+            <a:pPr>
+              <a:lnSpc>
+                <a:spcPct val="90000"/>
+              </a:lnSpc>
+              <a:spcAft>
+                <a:spcPts val="600"/>
+              </a:spcAft>
+            </a:pPr>
+            <a:fld id="{D57F1E4F-1CFF-5643-939E-217C01CDF565}" type="slidenum">
+              <a:rPr lang="en-US" sz="1900" smtClean="0"/>
+              <a:pPr>
+                <a:lnSpc>
+                  <a:spcPct val="90000"/>
+                </a:lnSpc>
+                <a:spcAft>
+                  <a:spcPts val="600"/>
+                </a:spcAft>
+              </a:pPr>
+              <a:t>20</a:t>
+            </a:fld>
+            <a:endParaRPr lang="en-US" sz="1900"/>
+          </a:p>
+        </p:txBody>
+      </p:sp>
+      <p:sp>
+        <p:nvSpPr>
+          <p:cNvPr id="5" name="內容版面配置區 4">
+            <a:extLst>
+              <a:ext uri="{FF2B5EF4-FFF2-40B4-BE49-F238E27FC236}">
+                <a16:creationId xmlns:a16="http://schemas.microsoft.com/office/drawing/2014/main" id="{1DCF5518-F834-F025-677A-66A6C8FE49DA}"/>
+              </a:ext>
+            </a:extLst>
+          </p:cNvPr>
+          <p:cNvSpPr>
+            <a:spLocks noGrp="1"/>
+          </p:cNvSpPr>
+          <p:nvPr>
+            <p:ph idx="1"/>
+          </p:nvPr>
+        </p:nvSpPr>
+        <p:spPr/>
+        <p:txBody>
+          <a:bodyPr/>
+          <a:lstStyle/>
+          <a:p>
+            <a:endParaRPr lang="zh-TW" altLang="en-US"/>
+          </a:p>
+        </p:txBody>
+      </p:sp>
+      <p:pic>
+        <p:nvPicPr>
+          <p:cNvPr id="7" name="圖片 6">
+            <a:extLst>
+              <a:ext uri="{FF2B5EF4-FFF2-40B4-BE49-F238E27FC236}">
+                <a16:creationId xmlns:a16="http://schemas.microsoft.com/office/drawing/2014/main" id="{1816A790-9FBD-5A63-2A8A-155DADEFEFAC}"/>
+              </a:ext>
+            </a:extLst>
+          </p:cNvPr>
+          <p:cNvPicPr>
+            <a:picLocks noChangeAspect="1"/>
+          </p:cNvPicPr>
+          <p:nvPr/>
+        </p:nvPicPr>
+        <p:blipFill>
+          <a:blip r:embed="rId2"/>
+          <a:stretch>
+            <a:fillRect/>
+          </a:stretch>
+        </p:blipFill>
+        <p:spPr>
+          <a:xfrm>
+            <a:off x="1568823" y="1264555"/>
+            <a:ext cx="6759053" cy="5150386"/>
+          </a:xfrm>
+          <a:prstGeom prst="rect">
+            <a:avLst/>
+          </a:prstGeom>
+        </p:spPr>
+      </p:pic>
+    </p:spTree>
+    <p:extLst>
+      <p:ext uri="{BB962C8B-B14F-4D97-AF65-F5344CB8AC3E}">
+        <p14:creationId xmlns:p14="http://schemas.microsoft.com/office/powerpoint/2010/main" val="704527448"/>
+      </p:ext>
+    </p:extLst>
+  </p:cSld>
+  <p:clrMapOvr>
+    <a:masterClrMapping/>
+  </p:clrMapOvr>
+</p:sld>
+</file>
+
+<file path=ppt/slides/slide21.xml><?xml version="1.0" encoding="utf-8"?>
+<p:sld xmlns:a="http://schemas.openxmlformats.org/drawingml/2006/main" xmlns:r="http://schemas.openxmlformats.org/officeDocument/2006/relationships" xmlns:p="http://schemas.openxmlformats.org/presentationml/2006/main">
+  <p:cSld>
+    <p:spTree>
+      <p:nvGrpSpPr>
+        <p:cNvPr id="1" name=""/>
+        <p:cNvGrpSpPr/>
+        <p:nvPr/>
+      </p:nvGrpSpPr>
+      <p:grpSpPr>
+        <a:xfrm>
+          <a:off x="0" y="0"/>
+          <a:ext cx="0" cy="0"/>
+          <a:chOff x="0" y="0"/>
+          <a:chExt cx="0" cy="0"/>
+        </a:xfrm>
+      </p:grpSpPr>
+      <p:sp>
+        <p:nvSpPr>
+          <p:cNvPr id="2" name="標題 1">
+            <a:extLst>
+              <a:ext uri="{FF2B5EF4-FFF2-40B4-BE49-F238E27FC236}">
+                <a16:creationId xmlns:a16="http://schemas.microsoft.com/office/drawing/2014/main" id="{9754B65C-1642-6FE5-D941-96E5D377AABC}"/>
+              </a:ext>
+            </a:extLst>
+          </p:cNvPr>
+          <p:cNvSpPr>
+            <a:spLocks noGrp="1"/>
+          </p:cNvSpPr>
+          <p:nvPr>
+            <p:ph type="title"/>
+          </p:nvPr>
+        </p:nvSpPr>
+        <p:spPr>
+          <a:xfrm>
+            <a:off x="1687669" y="624110"/>
+            <a:ext cx="4137059" cy="1280890"/>
+          </a:xfrm>
+        </p:spPr>
+        <p:txBody>
+          <a:bodyPr>
+            <a:normAutofit/>
+          </a:bodyPr>
+          <a:lstStyle/>
+          <a:p>
+            <a:r>
+              <a:rPr lang="en-US" altLang="zh-TW" sz="3200" dirty="0"/>
+              <a:t>Answer5.</a:t>
+            </a:r>
+            <a:endParaRPr lang="zh-TW" altLang="en-US" sz="3200" dirty="0"/>
+          </a:p>
+        </p:txBody>
+      </p:sp>
+      <p:sp>
+        <p:nvSpPr>
+          <p:cNvPr id="4" name="投影片編號版面配置區 3">
+            <a:extLst>
+              <a:ext uri="{FF2B5EF4-FFF2-40B4-BE49-F238E27FC236}">
+                <a16:creationId xmlns:a16="http://schemas.microsoft.com/office/drawing/2014/main" id="{3F1EA6AD-3945-5A5F-70AE-CD8043429B6D}"/>
+              </a:ext>
+            </a:extLst>
+          </p:cNvPr>
+          <p:cNvSpPr>
+            <a:spLocks noGrp="1"/>
+          </p:cNvSpPr>
+          <p:nvPr>
+            <p:ph type="sldNum" sz="quarter" idx="12"/>
+          </p:nvPr>
+        </p:nvSpPr>
+        <p:spPr>
+          <a:xfrm>
+            <a:off x="531812" y="787782"/>
+            <a:ext cx="779767" cy="365125"/>
+          </a:xfrm>
+        </p:spPr>
+        <p:txBody>
+          <a:bodyPr>
+            <a:normAutofit/>
+          </a:bodyPr>
+          <a:lstStyle/>
+          <a:p>
+            <a:pPr>
+              <a:lnSpc>
+                <a:spcPct val="90000"/>
+              </a:lnSpc>
+              <a:spcAft>
+                <a:spcPts val="600"/>
+              </a:spcAft>
+            </a:pPr>
+            <a:fld id="{D57F1E4F-1CFF-5643-939E-217C01CDF565}" type="slidenum">
+              <a:rPr lang="en-US" sz="1900" smtClean="0"/>
+              <a:pPr>
+                <a:lnSpc>
+                  <a:spcPct val="90000"/>
+                </a:lnSpc>
+                <a:spcAft>
+                  <a:spcPts val="600"/>
+                </a:spcAft>
+              </a:pPr>
+              <a:t>21</a:t>
+            </a:fld>
+            <a:endParaRPr lang="en-US" sz="1900"/>
+          </a:p>
+        </p:txBody>
+      </p:sp>
+      <p:sp>
+        <p:nvSpPr>
+          <p:cNvPr id="3" name="內容版面配置區 2">
+            <a:extLst>
+              <a:ext uri="{FF2B5EF4-FFF2-40B4-BE49-F238E27FC236}">
+                <a16:creationId xmlns:a16="http://schemas.microsoft.com/office/drawing/2014/main" id="{8A26720F-616D-E164-DA93-3A4EBED4F0AD}"/>
+              </a:ext>
+            </a:extLst>
+          </p:cNvPr>
+          <p:cNvSpPr>
+            <a:spLocks noGrp="1"/>
+          </p:cNvSpPr>
+          <p:nvPr>
+            <p:ph idx="1"/>
+          </p:nvPr>
+        </p:nvSpPr>
+        <p:spPr>
+          <a:xfrm>
+            <a:off x="1513626" y="2286000"/>
+            <a:ext cx="5299549" cy="3854824"/>
+          </a:xfrm>
+        </p:spPr>
+        <p:txBody>
+          <a:bodyPr>
+            <a:normAutofit/>
+          </a:bodyPr>
+          <a:lstStyle/>
+          <a:p>
+            <a:r>
+              <a:rPr lang="en-US" altLang="zh-TW" sz="1600" dirty="0">
+                <a:solidFill>
+                  <a:srgbClr val="000000"/>
+                </a:solidFill>
+                <a:latin typeface="微軟正黑體" panose="020B0604030504040204" pitchFamily="34" charset="-120"/>
+                <a:ea typeface="微軟正黑體" panose="020B0604030504040204" pitchFamily="34" charset="-120"/>
+              </a:rPr>
+              <a:t>SELECT [</a:t>
+            </a:r>
+            <a:r>
+              <a:rPr lang="en-US" altLang="zh-TW" sz="1600" dirty="0" err="1">
+                <a:solidFill>
+                  <a:srgbClr val="000000"/>
+                </a:solidFill>
+                <a:latin typeface="微軟正黑體" panose="020B0604030504040204" pitchFamily="34" charset="-120"/>
+                <a:ea typeface="微軟正黑體" panose="020B0604030504040204" pitchFamily="34" charset="-120"/>
+              </a:rPr>
+              <a:t>EventName</a:t>
+            </a:r>
+            <a:r>
+              <a:rPr lang="en-US" altLang="zh-TW" sz="1600" dirty="0">
+                <a:solidFill>
+                  <a:srgbClr val="000000"/>
+                </a:solidFill>
+                <a:latin typeface="微軟正黑體" panose="020B0604030504040204" pitchFamily="34" charset="-120"/>
+                <a:ea typeface="微軟正黑體" panose="020B0604030504040204" pitchFamily="34" charset="-120"/>
+              </a:rPr>
+              <a:t>],[</a:t>
+            </a:r>
+            <a:r>
+              <a:rPr lang="en-US" altLang="zh-TW" sz="1600" dirty="0" err="1">
+                <a:solidFill>
+                  <a:srgbClr val="000000"/>
+                </a:solidFill>
+                <a:latin typeface="微軟正黑體" panose="020B0604030504040204" pitchFamily="34" charset="-120"/>
+                <a:ea typeface="微軟正黑體" panose="020B0604030504040204" pitchFamily="34" charset="-120"/>
+              </a:rPr>
+              <a:t>EventDetails</a:t>
+            </a:r>
+            <a:r>
+              <a:rPr lang="en-US" altLang="zh-TW" sz="1600" dirty="0">
+                <a:solidFill>
+                  <a:srgbClr val="000000"/>
+                </a:solidFill>
+                <a:latin typeface="微軟正黑體" panose="020B0604030504040204" pitchFamily="34" charset="-120"/>
+                <a:ea typeface="微軟正黑體" panose="020B0604030504040204" pitchFamily="34" charset="-120"/>
+              </a:rPr>
+              <a:t>],[</a:t>
+            </a:r>
+            <a:r>
+              <a:rPr lang="en-US" altLang="zh-TW" sz="1600" dirty="0" err="1">
+                <a:solidFill>
+                  <a:srgbClr val="000000"/>
+                </a:solidFill>
+                <a:latin typeface="微軟正黑體" panose="020B0604030504040204" pitchFamily="34" charset="-120"/>
+                <a:ea typeface="微軟正黑體" panose="020B0604030504040204" pitchFamily="34" charset="-120"/>
+              </a:rPr>
+              <a:t>EventDate</a:t>
+            </a:r>
+            <a:r>
+              <a:rPr lang="en-US" altLang="zh-TW" sz="1600" dirty="0">
+                <a:solidFill>
+                  <a:srgbClr val="000000"/>
+                </a:solidFill>
+                <a:latin typeface="微軟正黑體" panose="020B0604030504040204" pitchFamily="34" charset="-120"/>
+                <a:ea typeface="微軟正黑體" panose="020B0604030504040204" pitchFamily="34" charset="-120"/>
+              </a:rPr>
+              <a:t>]</a:t>
+            </a:r>
+          </a:p>
+          <a:p>
+            <a:r>
+              <a:rPr lang="en-US" altLang="zh-TW" sz="1600" dirty="0">
+                <a:solidFill>
+                  <a:srgbClr val="000000"/>
+                </a:solidFill>
+                <a:latin typeface="微軟正黑體" panose="020B0604030504040204" pitchFamily="34" charset="-120"/>
+                <a:ea typeface="微軟正黑體" panose="020B0604030504040204" pitchFamily="34" charset="-120"/>
+              </a:rPr>
+              <a:t>FROM [</a:t>
+            </a:r>
+            <a:r>
+              <a:rPr lang="en-US" altLang="zh-TW" sz="1600" dirty="0" err="1">
+                <a:solidFill>
+                  <a:srgbClr val="000000"/>
+                </a:solidFill>
+                <a:latin typeface="微軟正黑體" panose="020B0604030504040204" pitchFamily="34" charset="-120"/>
+                <a:ea typeface="微軟正黑體" panose="020B0604030504040204" pitchFamily="34" charset="-120"/>
+              </a:rPr>
+              <a:t>WorldEvents</a:t>
+            </a:r>
+            <a:r>
+              <a:rPr lang="en-US" altLang="zh-TW" sz="1600" dirty="0">
+                <a:solidFill>
+                  <a:srgbClr val="000000"/>
+                </a:solidFill>
+                <a:latin typeface="微軟正黑體" panose="020B0604030504040204" pitchFamily="34" charset="-120"/>
+                <a:ea typeface="微軟正黑體" panose="020B0604030504040204" pitchFamily="34" charset="-120"/>
+              </a:rPr>
+              <a:t>].[</a:t>
+            </a:r>
+            <a:r>
+              <a:rPr lang="en-US" altLang="zh-TW" sz="1600" dirty="0" err="1">
+                <a:solidFill>
+                  <a:srgbClr val="000000"/>
+                </a:solidFill>
+                <a:latin typeface="微軟正黑體" panose="020B0604030504040204" pitchFamily="34" charset="-120"/>
+                <a:ea typeface="微軟正黑體" panose="020B0604030504040204" pitchFamily="34" charset="-120"/>
+              </a:rPr>
+              <a:t>dbo</a:t>
+            </a:r>
+            <a:r>
+              <a:rPr lang="en-US" altLang="zh-TW" sz="1600" dirty="0">
+                <a:solidFill>
+                  <a:srgbClr val="000000"/>
+                </a:solidFill>
+                <a:latin typeface="微軟正黑體" panose="020B0604030504040204" pitchFamily="34" charset="-120"/>
+                <a:ea typeface="微軟正黑體" panose="020B0604030504040204" pitchFamily="34" charset="-120"/>
+              </a:rPr>
+              <a:t>].[</a:t>
+            </a:r>
+            <a:r>
+              <a:rPr lang="en-US" altLang="zh-TW" sz="1600" dirty="0" err="1">
+                <a:solidFill>
+                  <a:srgbClr val="000000"/>
+                </a:solidFill>
+                <a:latin typeface="微軟正黑體" panose="020B0604030504040204" pitchFamily="34" charset="-120"/>
+                <a:ea typeface="微軟正黑體" panose="020B0604030504040204" pitchFamily="34" charset="-120"/>
+              </a:rPr>
+              <a:t>tblEvent</a:t>
+            </a:r>
+            <a:r>
+              <a:rPr lang="en-US" altLang="zh-TW" sz="1600" dirty="0">
+                <a:solidFill>
+                  <a:srgbClr val="000000"/>
+                </a:solidFill>
+                <a:latin typeface="微軟正黑體" panose="020B0604030504040204" pitchFamily="34" charset="-120"/>
+                <a:ea typeface="微軟正黑體" panose="020B0604030504040204" pitchFamily="34" charset="-120"/>
+              </a:rPr>
+              <a:t>] as e</a:t>
+            </a:r>
+          </a:p>
+          <a:p>
+            <a:r>
+              <a:rPr lang="en-US" altLang="zh-TW" sz="1600" dirty="0">
+                <a:solidFill>
+                  <a:srgbClr val="000000"/>
+                </a:solidFill>
+                <a:latin typeface="微軟正黑體" panose="020B0604030504040204" pitchFamily="34" charset="-120"/>
+                <a:ea typeface="微軟正黑體" panose="020B0604030504040204" pitchFamily="34" charset="-120"/>
+              </a:rPr>
+              <a:t>WHERE (</a:t>
+            </a:r>
+            <a:r>
+              <a:rPr lang="en-US" altLang="zh-TW" sz="1600" dirty="0" err="1">
+                <a:solidFill>
+                  <a:srgbClr val="000000"/>
+                </a:solidFill>
+                <a:latin typeface="微軟正黑體" panose="020B0604030504040204" pitchFamily="34" charset="-120"/>
+                <a:ea typeface="微軟正黑體" panose="020B0604030504040204" pitchFamily="34" charset="-120"/>
+              </a:rPr>
+              <a:t>e.CategoryID</a:t>
+            </a:r>
+            <a:r>
+              <a:rPr lang="en-US" altLang="zh-TW" sz="1600" dirty="0">
+                <a:solidFill>
+                  <a:srgbClr val="000000"/>
+                </a:solidFill>
+                <a:latin typeface="微軟正黑體" panose="020B0604030504040204" pitchFamily="34" charset="-120"/>
+                <a:ea typeface="微軟正黑體" panose="020B0604030504040204" pitchFamily="34" charset="-120"/>
+              </a:rPr>
+              <a:t> = 4 or </a:t>
+            </a:r>
+            <a:r>
+              <a:rPr lang="en-US" altLang="zh-TW" sz="1600" dirty="0" err="1">
+                <a:solidFill>
+                  <a:srgbClr val="000000"/>
+                </a:solidFill>
+                <a:latin typeface="微軟正黑體" panose="020B0604030504040204" pitchFamily="34" charset="-120"/>
+                <a:ea typeface="微軟正黑體" panose="020B0604030504040204" pitchFamily="34" charset="-120"/>
+              </a:rPr>
+              <a:t>e.EventDetails</a:t>
+            </a:r>
+            <a:r>
+              <a:rPr lang="en-US" altLang="zh-TW" sz="1600" dirty="0">
+                <a:solidFill>
+                  <a:srgbClr val="000000"/>
+                </a:solidFill>
+                <a:latin typeface="微軟正黑體" panose="020B0604030504040204" pitchFamily="34" charset="-120"/>
+                <a:ea typeface="微軟正黑體" panose="020B0604030504040204" pitchFamily="34" charset="-120"/>
+              </a:rPr>
+              <a:t> like '% Water %' or </a:t>
+            </a:r>
+            <a:r>
+              <a:rPr lang="en-US" altLang="zh-TW" sz="1600" dirty="0" err="1">
+                <a:solidFill>
+                  <a:srgbClr val="000000"/>
+                </a:solidFill>
+                <a:latin typeface="微軟正黑體" panose="020B0604030504040204" pitchFamily="34" charset="-120"/>
+                <a:ea typeface="微軟正黑體" panose="020B0604030504040204" pitchFamily="34" charset="-120"/>
+              </a:rPr>
+              <a:t>e.CountryID</a:t>
+            </a:r>
+            <a:r>
+              <a:rPr lang="en-US" altLang="zh-TW" sz="1600" dirty="0">
+                <a:solidFill>
+                  <a:srgbClr val="000000"/>
+                </a:solidFill>
+                <a:latin typeface="微軟正黑體" panose="020B0604030504040204" pitchFamily="34" charset="-120"/>
+                <a:ea typeface="微軟正黑體" panose="020B0604030504040204" pitchFamily="34" charset="-120"/>
+              </a:rPr>
+              <a:t> in (8,22,30,35)) AND DATEPART(YEAR, </a:t>
+            </a:r>
+            <a:r>
+              <a:rPr lang="en-US" altLang="zh-TW" sz="1600" dirty="0" err="1">
+                <a:solidFill>
+                  <a:srgbClr val="000000"/>
+                </a:solidFill>
+                <a:latin typeface="微軟正黑體" panose="020B0604030504040204" pitchFamily="34" charset="-120"/>
+                <a:ea typeface="微軟正黑體" panose="020B0604030504040204" pitchFamily="34" charset="-120"/>
+              </a:rPr>
+              <a:t>EventDate</a:t>
+            </a:r>
+            <a:r>
+              <a:rPr lang="en-US" altLang="zh-TW" sz="1600" dirty="0">
+                <a:solidFill>
+                  <a:srgbClr val="000000"/>
+                </a:solidFill>
+                <a:latin typeface="微軟正黑體" panose="020B0604030504040204" pitchFamily="34" charset="-120"/>
+                <a:ea typeface="微軟正黑體" panose="020B0604030504040204" pitchFamily="34" charset="-120"/>
+              </a:rPr>
+              <a:t>) &gt; 1970</a:t>
+            </a:r>
+            <a:endParaRPr lang="zh-TW" altLang="en-US" sz="1600" dirty="0">
+              <a:solidFill>
+                <a:srgbClr val="000000"/>
+              </a:solidFill>
+              <a:latin typeface="微軟正黑體" panose="020B0604030504040204" pitchFamily="34" charset="-120"/>
+              <a:ea typeface="微軟正黑體" panose="020B0604030504040204" pitchFamily="34" charset="-120"/>
+            </a:endParaRPr>
+          </a:p>
+        </p:txBody>
+      </p:sp>
+      <p:sp>
+        <p:nvSpPr>
+          <p:cNvPr id="5" name="文字方塊 4">
+            <a:extLst>
+              <a:ext uri="{FF2B5EF4-FFF2-40B4-BE49-F238E27FC236}">
+                <a16:creationId xmlns:a16="http://schemas.microsoft.com/office/drawing/2014/main" id="{B3AE3051-64FE-7B61-225A-E28EC49D8F4F}"/>
+              </a:ext>
+            </a:extLst>
+          </p:cNvPr>
+          <p:cNvSpPr txBox="1"/>
+          <p:nvPr/>
+        </p:nvSpPr>
+        <p:spPr>
+          <a:xfrm>
+            <a:off x="1513627" y="5656729"/>
+            <a:ext cx="7997702" cy="369332"/>
+          </a:xfrm>
+          <a:prstGeom prst="rect">
+            <a:avLst/>
+          </a:prstGeom>
+          <a:noFill/>
+        </p:spPr>
+        <p:txBody>
+          <a:bodyPr wrap="none" rtlCol="0">
+            <a:spAutoFit/>
+          </a:bodyPr>
+          <a:lstStyle/>
+          <a:p>
+            <a:r>
+              <a:rPr lang="zh-TW" altLang="en-US" dirty="0"/>
+              <a:t>參考資料</a:t>
+            </a:r>
+            <a:r>
+              <a:rPr lang="en-US" altLang="zh-TW" dirty="0"/>
+              <a:t>:https://www.w3schools.com/sql/func_sqlserver_datepart.asp</a:t>
+            </a:r>
+            <a:endParaRPr lang="zh-TW" altLang="en-US" dirty="0"/>
+          </a:p>
+        </p:txBody>
+      </p:sp>
+      <p:pic>
+        <p:nvPicPr>
+          <p:cNvPr id="7" name="圖片 6">
+            <a:extLst>
+              <a:ext uri="{FF2B5EF4-FFF2-40B4-BE49-F238E27FC236}">
+                <a16:creationId xmlns:a16="http://schemas.microsoft.com/office/drawing/2014/main" id="{A6B06A64-0E96-65E6-F518-1A79851BBE8D}"/>
+              </a:ext>
+            </a:extLst>
+          </p:cNvPr>
+          <p:cNvPicPr>
+            <a:picLocks noChangeAspect="1"/>
+          </p:cNvPicPr>
+          <p:nvPr/>
+        </p:nvPicPr>
+        <p:blipFill>
+          <a:blip r:embed="rId2"/>
+          <a:stretch>
+            <a:fillRect/>
+          </a:stretch>
+        </p:blipFill>
+        <p:spPr>
+          <a:xfrm>
+            <a:off x="1660773" y="4044698"/>
+            <a:ext cx="5258256" cy="1432684"/>
+          </a:xfrm>
+          <a:prstGeom prst="rect">
+            <a:avLst/>
+          </a:prstGeom>
+        </p:spPr>
+      </p:pic>
+    </p:spTree>
+    <p:extLst>
+      <p:ext uri="{BB962C8B-B14F-4D97-AF65-F5344CB8AC3E}">
+        <p14:creationId xmlns:p14="http://schemas.microsoft.com/office/powerpoint/2010/main" val="2888508287"/>
       </p:ext>
     </p:extLst>
   </p:cSld>

--- a/sql answer.pptx
+++ b/sql answer.pptx
@@ -5,7 +5,7 @@
     <p:sldMasterId id="2147483648" r:id="rId1"/>
   </p:sldMasterIdLst>
   <p:notesMasterIdLst>
-    <p:notesMasterId r:id="rId23"/>
+    <p:notesMasterId r:id="rId39"/>
   </p:notesMasterIdLst>
   <p:sldIdLst>
     <p:sldId id="256" r:id="rId2"/>
@@ -29,6 +29,22 @@
     <p:sldId id="273" r:id="rId20"/>
     <p:sldId id="275" r:id="rId21"/>
     <p:sldId id="276" r:id="rId22"/>
+    <p:sldId id="277" r:id="rId23"/>
+    <p:sldId id="278" r:id="rId24"/>
+    <p:sldId id="279" r:id="rId25"/>
+    <p:sldId id="280" r:id="rId26"/>
+    <p:sldId id="281" r:id="rId27"/>
+    <p:sldId id="282" r:id="rId28"/>
+    <p:sldId id="283" r:id="rId29"/>
+    <p:sldId id="284" r:id="rId30"/>
+    <p:sldId id="285" r:id="rId31"/>
+    <p:sldId id="286" r:id="rId32"/>
+    <p:sldId id="287" r:id="rId33"/>
+    <p:sldId id="288" r:id="rId34"/>
+    <p:sldId id="289" r:id="rId35"/>
+    <p:sldId id="292" r:id="rId36"/>
+    <p:sldId id="290" r:id="rId37"/>
+    <p:sldId id="291" r:id="rId38"/>
   </p:sldIdLst>
   <p:sldSz cx="12192000" cy="6858000"/>
   <p:notesSz cx="6858000" cy="9144000"/>
@@ -217,7 +233,7 @@
           <a:p>
             <a:fld id="{54AEA450-3062-4AAA-926F-005294A4F50C}" type="datetimeFigureOut">
               <a:rPr lang="zh-TW" altLang="en-US" smtClean="0"/>
-              <a:t>2023/7/24</a:t>
+              <a:t>2023/8/2</a:t>
             </a:fld>
             <a:endParaRPr lang="zh-TW" altLang="en-US"/>
           </a:p>
@@ -672,7 +688,7 @@
           <a:p>
             <a:fld id="{A6C54CF7-6667-4CB7-8FEA-8B4DA9F0AC0C}" type="datetime1">
               <a:rPr lang="en-US" altLang="zh-TW" smtClean="0"/>
-              <a:t>7/24/2023</a:t>
+              <a:t>8/2/2023</a:t>
             </a:fld>
             <a:endParaRPr lang="en-US" dirty="0"/>
           </a:p>
@@ -1006,7 +1022,7 @@
           <a:p>
             <a:fld id="{FE5B22DC-6D1B-472D-BD9F-6B84DDEAB6B8}" type="datetime1">
               <a:rPr lang="en-US" altLang="zh-TW" smtClean="0"/>
-              <a:t>7/24/2023</a:t>
+              <a:t>8/2/2023</a:t>
             </a:fld>
             <a:endParaRPr lang="en-US" dirty="0"/>
           </a:p>
@@ -1403,7 +1419,7 @@
           <a:p>
             <a:fld id="{3FC3214E-7A41-44CA-BB02-BAB1A71F9802}" type="datetime1">
               <a:rPr lang="en-US" altLang="zh-TW" smtClean="0"/>
-              <a:t>7/24/2023</a:t>
+              <a:t>8/2/2023</a:t>
             </a:fld>
             <a:endParaRPr lang="en-US" dirty="0"/>
           </a:p>
@@ -1735,7 +1751,7 @@
           <a:p>
             <a:fld id="{88479D64-44E6-4599-AF52-72AA177CD66B}" type="datetime1">
               <a:rPr lang="en-US" altLang="zh-TW" smtClean="0"/>
-              <a:t>7/24/2023</a:t>
+              <a:t>8/2/2023</a:t>
             </a:fld>
             <a:endParaRPr lang="en-US" dirty="0"/>
           </a:p>
@@ -2051,7 +2067,7 @@
           <a:p>
             <a:fld id="{BC5341FE-9B92-4466-B7E3-A580E0801C16}" type="datetime1">
               <a:rPr lang="en-US" altLang="zh-TW" smtClean="0"/>
-              <a:t>7/24/2023</a:t>
+              <a:t>8/2/2023</a:t>
             </a:fld>
             <a:endParaRPr lang="en-US" dirty="0"/>
           </a:p>
@@ -2443,7 +2459,7 @@
           <a:p>
             <a:fld id="{0D284FD5-6194-4E8F-9756-89A3108F6C23}" type="datetime1">
               <a:rPr lang="en-US" altLang="zh-TW" smtClean="0"/>
-              <a:t>7/24/2023</a:t>
+              <a:t>8/2/2023</a:t>
             </a:fld>
             <a:endParaRPr lang="en-US" dirty="0"/>
           </a:p>
@@ -2696,7 +2712,7 @@
           <a:p>
             <a:fld id="{CBAC82C6-D93E-47E7-8693-33E42F689429}" type="datetime1">
               <a:rPr lang="en-US" altLang="zh-TW" smtClean="0"/>
-              <a:t>7/24/2023</a:t>
+              <a:t>8/2/2023</a:t>
             </a:fld>
             <a:endParaRPr lang="en-US" dirty="0"/>
           </a:p>
@@ -2954,7 +2970,7 @@
           <a:p>
             <a:fld id="{02319D0E-B076-43B7-9EF9-D6B7F26EF7E2}" type="datetime1">
               <a:rPr lang="en-US" altLang="zh-TW" smtClean="0"/>
-              <a:t>7/24/2023</a:t>
+              <a:t>8/2/2023</a:t>
             </a:fld>
             <a:endParaRPr lang="en-US" dirty="0"/>
           </a:p>
@@ -3212,7 +3228,7 @@
           <a:p>
             <a:fld id="{44708793-4B7B-4D17-9975-D4491719BE20}" type="datetime1">
               <a:rPr lang="en-US" altLang="zh-TW" smtClean="0"/>
-              <a:t>7/24/2023</a:t>
+              <a:t>8/2/2023</a:t>
             </a:fld>
             <a:endParaRPr lang="en-US" dirty="0"/>
           </a:p>
@@ -3537,7 +3553,7 @@
           <a:p>
             <a:fld id="{C8293FAC-1493-4884-862F-E2E3704498C6}" type="datetime1">
               <a:rPr lang="en-US" altLang="zh-TW" smtClean="0"/>
-              <a:t>7/24/2023</a:t>
+              <a:t>8/2/2023</a:t>
             </a:fld>
             <a:endParaRPr lang="en-US" dirty="0"/>
           </a:p>
@@ -3856,7 +3872,7 @@
           <a:p>
             <a:fld id="{9FF65A49-FC39-47D2-AD3E-83B3400966FA}" type="datetime1">
               <a:rPr lang="en-US" altLang="zh-TW" smtClean="0"/>
-              <a:t>7/24/2023</a:t>
+              <a:t>8/2/2023</a:t>
             </a:fld>
             <a:endParaRPr lang="en-US" dirty="0"/>
           </a:p>
@@ -4309,7 +4325,7 @@
           <a:p>
             <a:fld id="{DDE8F718-462A-480A-988A-43604F475233}" type="datetime1">
               <a:rPr lang="en-US" altLang="zh-TW" smtClean="0"/>
-              <a:t>7/24/2023</a:t>
+              <a:t>8/2/2023</a:t>
             </a:fld>
             <a:endParaRPr lang="en-US" dirty="0"/>
           </a:p>
@@ -4510,7 +4526,7 @@
           <a:p>
             <a:fld id="{778B05C5-8E7C-4599-8ED3-6260AC83F79E}" type="datetime1">
               <a:rPr lang="en-US" altLang="zh-TW" smtClean="0"/>
-              <a:t>7/24/2023</a:t>
+              <a:t>8/2/2023</a:t>
             </a:fld>
             <a:endParaRPr lang="en-US" dirty="0"/>
           </a:p>
@@ -4683,7 +4699,7 @@
           <a:p>
             <a:fld id="{B345B859-EFE9-45D0-969C-2B31176A0FB1}" type="datetime1">
               <a:rPr lang="en-US" altLang="zh-TW" smtClean="0"/>
-              <a:t>7/24/2023</a:t>
+              <a:t>8/2/2023</a:t>
             </a:fld>
             <a:endParaRPr lang="en-US" dirty="0"/>
           </a:p>
@@ -5012,7 +5028,7 @@
           <a:p>
             <a:fld id="{74F40FDB-72BA-4C65-8D45-6FB1F48CE299}" type="datetime1">
               <a:rPr lang="en-US" altLang="zh-TW" smtClean="0"/>
-              <a:t>7/24/2023</a:t>
+              <a:t>8/2/2023</a:t>
             </a:fld>
             <a:endParaRPr lang="en-US" dirty="0"/>
           </a:p>
@@ -5353,7 +5369,7 @@
           <a:p>
             <a:fld id="{A7A6B26D-7F72-4902-9D21-541244423039}" type="datetime1">
               <a:rPr lang="en-US" altLang="zh-TW" smtClean="0"/>
-              <a:t>7/24/2023</a:t>
+              <a:t>8/2/2023</a:t>
             </a:fld>
             <a:endParaRPr lang="en-US" dirty="0"/>
           </a:p>
@@ -7466,7 +7482,7 @@
           <a:p>
             <a:fld id="{877DD24C-FF9A-411C-96FD-F688C4DA8D6E}" type="datetime1">
               <a:rPr lang="en-US" altLang="zh-TW" smtClean="0"/>
-              <a:t>7/24/2023</a:t>
+              <a:t>8/2/2023</a:t>
             </a:fld>
             <a:endParaRPr lang="en-US" dirty="0"/>
           </a:p>
@@ -12005,6 +12021,3946 @@
 </p:sld>
 </file>
 
+<file path=ppt/slides/slide22.xml><?xml version="1.0" encoding="utf-8"?>
+<p:sld xmlns:a="http://schemas.openxmlformats.org/drawingml/2006/main" xmlns:r="http://schemas.openxmlformats.org/officeDocument/2006/relationships" xmlns:p="http://schemas.openxmlformats.org/presentationml/2006/main">
+  <p:cSld>
+    <p:spTree>
+      <p:nvGrpSpPr>
+        <p:cNvPr id="1" name=""/>
+        <p:cNvGrpSpPr/>
+        <p:nvPr/>
+      </p:nvGrpSpPr>
+      <p:grpSpPr>
+        <a:xfrm>
+          <a:off x="0" y="0"/>
+          <a:ext cx="0" cy="0"/>
+          <a:chOff x="0" y="0"/>
+          <a:chExt cx="0" cy="0"/>
+        </a:xfrm>
+      </p:grpSpPr>
+      <p:sp>
+        <p:nvSpPr>
+          <p:cNvPr id="2" name="標題 1">
+            <a:extLst>
+              <a:ext uri="{FF2B5EF4-FFF2-40B4-BE49-F238E27FC236}">
+                <a16:creationId xmlns:a16="http://schemas.microsoft.com/office/drawing/2014/main" id="{9754B65C-1642-6FE5-D941-96E5D377AABC}"/>
+              </a:ext>
+            </a:extLst>
+          </p:cNvPr>
+          <p:cNvSpPr>
+            <a:spLocks noGrp="1"/>
+          </p:cNvSpPr>
+          <p:nvPr>
+            <p:ph type="title"/>
+          </p:nvPr>
+        </p:nvSpPr>
+        <p:spPr>
+          <a:xfrm>
+            <a:off x="1687669" y="624110"/>
+            <a:ext cx="7321860" cy="1280890"/>
+          </a:xfrm>
+        </p:spPr>
+        <p:txBody>
+          <a:bodyPr>
+            <a:normAutofit/>
+          </a:bodyPr>
+          <a:lstStyle/>
+          <a:p>
+            <a:r>
+              <a:rPr lang="en-US" altLang="zh-TW" sz="3200" dirty="0"/>
+              <a:t>Calculations Q1</a:t>
+            </a:r>
+            <a:endParaRPr lang="zh-TW" altLang="en-US" sz="3200" dirty="0"/>
+          </a:p>
+        </p:txBody>
+      </p:sp>
+      <p:sp>
+        <p:nvSpPr>
+          <p:cNvPr id="4" name="投影片編號版面配置區 3">
+            <a:extLst>
+              <a:ext uri="{FF2B5EF4-FFF2-40B4-BE49-F238E27FC236}">
+                <a16:creationId xmlns:a16="http://schemas.microsoft.com/office/drawing/2014/main" id="{3F1EA6AD-3945-5A5F-70AE-CD8043429B6D}"/>
+              </a:ext>
+            </a:extLst>
+          </p:cNvPr>
+          <p:cNvSpPr>
+            <a:spLocks noGrp="1"/>
+          </p:cNvSpPr>
+          <p:nvPr>
+            <p:ph type="sldNum" sz="quarter" idx="12"/>
+          </p:nvPr>
+        </p:nvSpPr>
+        <p:spPr>
+          <a:xfrm>
+            <a:off x="531812" y="787782"/>
+            <a:ext cx="779767" cy="365125"/>
+          </a:xfrm>
+        </p:spPr>
+        <p:txBody>
+          <a:bodyPr>
+            <a:normAutofit/>
+          </a:bodyPr>
+          <a:lstStyle/>
+          <a:p>
+            <a:pPr>
+              <a:lnSpc>
+                <a:spcPct val="90000"/>
+              </a:lnSpc>
+              <a:spcAft>
+                <a:spcPts val="600"/>
+              </a:spcAft>
+            </a:pPr>
+            <a:fld id="{D57F1E4F-1CFF-5643-939E-217C01CDF565}" type="slidenum">
+              <a:rPr lang="en-US" sz="1900" smtClean="0"/>
+              <a:pPr>
+                <a:lnSpc>
+                  <a:spcPct val="90000"/>
+                </a:lnSpc>
+                <a:spcAft>
+                  <a:spcPts val="600"/>
+                </a:spcAft>
+              </a:pPr>
+              <a:t>22</a:t>
+            </a:fld>
+            <a:endParaRPr lang="en-US" sz="1900"/>
+          </a:p>
+        </p:txBody>
+      </p:sp>
+      <p:pic>
+        <p:nvPicPr>
+          <p:cNvPr id="6" name="內容版面配置區 5">
+            <a:extLst>
+              <a:ext uri="{FF2B5EF4-FFF2-40B4-BE49-F238E27FC236}">
+                <a16:creationId xmlns:a16="http://schemas.microsoft.com/office/drawing/2014/main" id="{703D39D2-47C0-62AA-27DC-2E2D593E7A37}"/>
+              </a:ext>
+            </a:extLst>
+          </p:cNvPr>
+          <p:cNvPicPr>
+            <a:picLocks noGrp="1" noChangeAspect="1"/>
+          </p:cNvPicPr>
+          <p:nvPr>
+            <p:ph idx="1"/>
+          </p:nvPr>
+        </p:nvPicPr>
+        <p:blipFill>
+          <a:blip r:embed="rId2"/>
+          <a:stretch>
+            <a:fillRect/>
+          </a:stretch>
+        </p:blipFill>
+        <p:spPr>
+          <a:xfrm>
+            <a:off x="1687668" y="1604682"/>
+            <a:ext cx="4919319" cy="4574277"/>
+          </a:xfrm>
+        </p:spPr>
+      </p:pic>
+    </p:spTree>
+    <p:extLst>
+      <p:ext uri="{BB962C8B-B14F-4D97-AF65-F5344CB8AC3E}">
+        <p14:creationId xmlns:p14="http://schemas.microsoft.com/office/powerpoint/2010/main" val="951033114"/>
+      </p:ext>
+    </p:extLst>
+  </p:cSld>
+  <p:clrMapOvr>
+    <a:masterClrMapping/>
+  </p:clrMapOvr>
+</p:sld>
+</file>
+
+<file path=ppt/slides/slide23.xml><?xml version="1.0" encoding="utf-8"?>
+<p:sld xmlns:a="http://schemas.openxmlformats.org/drawingml/2006/main" xmlns:r="http://schemas.openxmlformats.org/officeDocument/2006/relationships" xmlns:p="http://schemas.openxmlformats.org/presentationml/2006/main">
+  <p:cSld>
+    <p:spTree>
+      <p:nvGrpSpPr>
+        <p:cNvPr id="1" name=""/>
+        <p:cNvGrpSpPr/>
+        <p:nvPr/>
+      </p:nvGrpSpPr>
+      <p:grpSpPr>
+        <a:xfrm>
+          <a:off x="0" y="0"/>
+          <a:ext cx="0" cy="0"/>
+          <a:chOff x="0" y="0"/>
+          <a:chExt cx="0" cy="0"/>
+        </a:xfrm>
+      </p:grpSpPr>
+      <p:sp>
+        <p:nvSpPr>
+          <p:cNvPr id="2" name="標題 1">
+            <a:extLst>
+              <a:ext uri="{FF2B5EF4-FFF2-40B4-BE49-F238E27FC236}">
+                <a16:creationId xmlns:a16="http://schemas.microsoft.com/office/drawing/2014/main" id="{9754B65C-1642-6FE5-D941-96E5D377AABC}"/>
+              </a:ext>
+            </a:extLst>
+          </p:cNvPr>
+          <p:cNvSpPr>
+            <a:spLocks noGrp="1"/>
+          </p:cNvSpPr>
+          <p:nvPr>
+            <p:ph type="title"/>
+          </p:nvPr>
+        </p:nvSpPr>
+        <p:spPr>
+          <a:xfrm>
+            <a:off x="1687669" y="624110"/>
+            <a:ext cx="4137059" cy="1280890"/>
+          </a:xfrm>
+        </p:spPr>
+        <p:txBody>
+          <a:bodyPr>
+            <a:normAutofit/>
+          </a:bodyPr>
+          <a:lstStyle/>
+          <a:p>
+            <a:r>
+              <a:rPr lang="en-US" altLang="zh-TW" sz="3200" dirty="0"/>
+              <a:t>Answer1.</a:t>
+            </a:r>
+            <a:endParaRPr lang="zh-TW" altLang="en-US" sz="3200" dirty="0"/>
+          </a:p>
+        </p:txBody>
+      </p:sp>
+      <p:sp>
+        <p:nvSpPr>
+          <p:cNvPr id="4" name="投影片編號版面配置區 3">
+            <a:extLst>
+              <a:ext uri="{FF2B5EF4-FFF2-40B4-BE49-F238E27FC236}">
+                <a16:creationId xmlns:a16="http://schemas.microsoft.com/office/drawing/2014/main" id="{3F1EA6AD-3945-5A5F-70AE-CD8043429B6D}"/>
+              </a:ext>
+            </a:extLst>
+          </p:cNvPr>
+          <p:cNvSpPr>
+            <a:spLocks noGrp="1"/>
+          </p:cNvSpPr>
+          <p:nvPr>
+            <p:ph type="sldNum" sz="quarter" idx="12"/>
+          </p:nvPr>
+        </p:nvSpPr>
+        <p:spPr>
+          <a:xfrm>
+            <a:off x="531812" y="787782"/>
+            <a:ext cx="779767" cy="365125"/>
+          </a:xfrm>
+        </p:spPr>
+        <p:txBody>
+          <a:bodyPr>
+            <a:normAutofit/>
+          </a:bodyPr>
+          <a:lstStyle/>
+          <a:p>
+            <a:pPr>
+              <a:lnSpc>
+                <a:spcPct val="90000"/>
+              </a:lnSpc>
+              <a:spcAft>
+                <a:spcPts val="600"/>
+              </a:spcAft>
+            </a:pPr>
+            <a:fld id="{D57F1E4F-1CFF-5643-939E-217C01CDF565}" type="slidenum">
+              <a:rPr lang="en-US" sz="1900" smtClean="0"/>
+              <a:pPr>
+                <a:lnSpc>
+                  <a:spcPct val="90000"/>
+                </a:lnSpc>
+                <a:spcAft>
+                  <a:spcPts val="600"/>
+                </a:spcAft>
+              </a:pPr>
+              <a:t>23</a:t>
+            </a:fld>
+            <a:endParaRPr lang="en-US" sz="1900"/>
+          </a:p>
+        </p:txBody>
+      </p:sp>
+      <p:sp>
+        <p:nvSpPr>
+          <p:cNvPr id="3" name="內容版面配置區 2">
+            <a:extLst>
+              <a:ext uri="{FF2B5EF4-FFF2-40B4-BE49-F238E27FC236}">
+                <a16:creationId xmlns:a16="http://schemas.microsoft.com/office/drawing/2014/main" id="{8A26720F-616D-E164-DA93-3A4EBED4F0AD}"/>
+              </a:ext>
+            </a:extLst>
+          </p:cNvPr>
+          <p:cNvSpPr>
+            <a:spLocks noGrp="1"/>
+          </p:cNvSpPr>
+          <p:nvPr>
+            <p:ph idx="1"/>
+          </p:nvPr>
+        </p:nvSpPr>
+        <p:spPr>
+          <a:xfrm>
+            <a:off x="1513626" y="2286000"/>
+            <a:ext cx="5299549" cy="3854824"/>
+          </a:xfrm>
+        </p:spPr>
+        <p:txBody>
+          <a:bodyPr>
+            <a:normAutofit/>
+          </a:bodyPr>
+          <a:lstStyle/>
+          <a:p>
+            <a:r>
+              <a:rPr lang="en-US" altLang="zh-TW" sz="1600" dirty="0">
+                <a:solidFill>
+                  <a:srgbClr val="000000"/>
+                </a:solidFill>
+                <a:latin typeface="微軟正黑體" panose="020B0604030504040204" pitchFamily="34" charset="-120"/>
+                <a:ea typeface="微軟正黑體" panose="020B0604030504040204" pitchFamily="34" charset="-120"/>
+              </a:rPr>
+              <a:t>SELECT [</a:t>
+            </a:r>
+            <a:r>
+              <a:rPr lang="en-US" altLang="zh-TW" sz="1600" dirty="0" err="1">
+                <a:solidFill>
+                  <a:srgbClr val="000000"/>
+                </a:solidFill>
+                <a:latin typeface="微軟正黑體" panose="020B0604030504040204" pitchFamily="34" charset="-120"/>
+                <a:ea typeface="微軟正黑體" panose="020B0604030504040204" pitchFamily="34" charset="-120"/>
+              </a:rPr>
+              <a:t>EventName</a:t>
+            </a:r>
+            <a:r>
+              <a:rPr lang="en-US" altLang="zh-TW" sz="1600" dirty="0">
+                <a:solidFill>
+                  <a:srgbClr val="000000"/>
+                </a:solidFill>
+                <a:latin typeface="微軟正黑體" panose="020B0604030504040204" pitchFamily="34" charset="-120"/>
+                <a:ea typeface="微軟正黑體" panose="020B0604030504040204" pitchFamily="34" charset="-120"/>
+              </a:rPr>
+              <a:t>]</a:t>
+            </a:r>
+            <a:r>
+              <a:rPr lang="zh-TW" altLang="en-US" sz="1600" dirty="0">
+                <a:solidFill>
+                  <a:srgbClr val="000000"/>
+                </a:solidFill>
+                <a:latin typeface="微軟正黑體" panose="020B0604030504040204" pitchFamily="34" charset="-120"/>
+                <a:ea typeface="微軟正黑體" panose="020B0604030504040204" pitchFamily="34" charset="-120"/>
+              </a:rPr>
+              <a:t>　</a:t>
+            </a:r>
+            <a:r>
+              <a:rPr lang="en-US" altLang="zh-TW" sz="1600" dirty="0">
+                <a:solidFill>
+                  <a:srgbClr val="000000"/>
+                </a:solidFill>
+                <a:latin typeface="微軟正黑體" panose="020B0604030504040204" pitchFamily="34" charset="-120"/>
+                <a:ea typeface="微軟正黑體" panose="020B0604030504040204" pitchFamily="34" charset="-120"/>
+              </a:rPr>
+              <a:t>, LEN(</a:t>
+            </a:r>
+            <a:r>
+              <a:rPr lang="en-US" altLang="zh-TW" sz="1600" dirty="0" err="1">
+                <a:solidFill>
+                  <a:srgbClr val="000000"/>
+                </a:solidFill>
+                <a:latin typeface="微軟正黑體" panose="020B0604030504040204" pitchFamily="34" charset="-120"/>
+                <a:ea typeface="微軟正黑體" panose="020B0604030504040204" pitchFamily="34" charset="-120"/>
+              </a:rPr>
+              <a:t>EventName</a:t>
+            </a:r>
+            <a:r>
+              <a:rPr lang="en-US" altLang="zh-TW" sz="1600" dirty="0">
+                <a:solidFill>
+                  <a:srgbClr val="000000"/>
+                </a:solidFill>
+                <a:latin typeface="微軟正黑體" panose="020B0604030504040204" pitchFamily="34" charset="-120"/>
+                <a:ea typeface="微軟正黑體" panose="020B0604030504040204" pitchFamily="34" charset="-120"/>
+              </a:rPr>
+              <a:t>) as 'Length of name'</a:t>
+            </a:r>
+          </a:p>
+          <a:p>
+            <a:r>
+              <a:rPr lang="en-US" altLang="zh-TW" sz="1600" dirty="0">
+                <a:solidFill>
+                  <a:srgbClr val="000000"/>
+                </a:solidFill>
+                <a:latin typeface="微軟正黑體" panose="020B0604030504040204" pitchFamily="34" charset="-120"/>
+                <a:ea typeface="微軟正黑體" panose="020B0604030504040204" pitchFamily="34" charset="-120"/>
+              </a:rPr>
+              <a:t>FROM [</a:t>
+            </a:r>
+            <a:r>
+              <a:rPr lang="en-US" altLang="zh-TW" sz="1600" dirty="0" err="1">
+                <a:solidFill>
+                  <a:srgbClr val="000000"/>
+                </a:solidFill>
+                <a:latin typeface="微軟正黑體" panose="020B0604030504040204" pitchFamily="34" charset="-120"/>
+                <a:ea typeface="微軟正黑體" panose="020B0604030504040204" pitchFamily="34" charset="-120"/>
+              </a:rPr>
+              <a:t>WorldEvents</a:t>
+            </a:r>
+            <a:r>
+              <a:rPr lang="en-US" altLang="zh-TW" sz="1600" dirty="0">
+                <a:solidFill>
+                  <a:srgbClr val="000000"/>
+                </a:solidFill>
+                <a:latin typeface="微軟正黑體" panose="020B0604030504040204" pitchFamily="34" charset="-120"/>
+                <a:ea typeface="微軟正黑體" panose="020B0604030504040204" pitchFamily="34" charset="-120"/>
+              </a:rPr>
+              <a:t>].[</a:t>
+            </a:r>
+            <a:r>
+              <a:rPr lang="en-US" altLang="zh-TW" sz="1600" dirty="0" err="1">
+                <a:solidFill>
+                  <a:srgbClr val="000000"/>
+                </a:solidFill>
+                <a:latin typeface="微軟正黑體" panose="020B0604030504040204" pitchFamily="34" charset="-120"/>
+                <a:ea typeface="微軟正黑體" panose="020B0604030504040204" pitchFamily="34" charset="-120"/>
+              </a:rPr>
+              <a:t>dbo</a:t>
+            </a:r>
+            <a:r>
+              <a:rPr lang="en-US" altLang="zh-TW" sz="1600" dirty="0">
+                <a:solidFill>
+                  <a:srgbClr val="000000"/>
+                </a:solidFill>
+                <a:latin typeface="微軟正黑體" panose="020B0604030504040204" pitchFamily="34" charset="-120"/>
+                <a:ea typeface="微軟正黑體" panose="020B0604030504040204" pitchFamily="34" charset="-120"/>
+              </a:rPr>
+              <a:t>].[</a:t>
+            </a:r>
+            <a:r>
+              <a:rPr lang="en-US" altLang="zh-TW" sz="1600" dirty="0" err="1">
+                <a:solidFill>
+                  <a:srgbClr val="000000"/>
+                </a:solidFill>
+                <a:latin typeface="微軟正黑體" panose="020B0604030504040204" pitchFamily="34" charset="-120"/>
+                <a:ea typeface="微軟正黑體" panose="020B0604030504040204" pitchFamily="34" charset="-120"/>
+              </a:rPr>
+              <a:t>tblEvent</a:t>
+            </a:r>
+            <a:r>
+              <a:rPr lang="en-US" altLang="zh-TW" sz="1600" dirty="0">
+                <a:solidFill>
+                  <a:srgbClr val="000000"/>
+                </a:solidFill>
+                <a:latin typeface="微軟正黑體" panose="020B0604030504040204" pitchFamily="34" charset="-120"/>
+                <a:ea typeface="微軟正黑體" panose="020B0604030504040204" pitchFamily="34" charset="-120"/>
+              </a:rPr>
+              <a:t>] as e</a:t>
+            </a:r>
+          </a:p>
+          <a:p>
+            <a:r>
+              <a:rPr lang="en-US" altLang="zh-TW" sz="1600" dirty="0">
+                <a:solidFill>
+                  <a:srgbClr val="000000"/>
+                </a:solidFill>
+                <a:latin typeface="微軟正黑體" panose="020B0604030504040204" pitchFamily="34" charset="-120"/>
+                <a:ea typeface="微軟正黑體" panose="020B0604030504040204" pitchFamily="34" charset="-120"/>
+              </a:rPr>
+              <a:t>ORDER BY LEN(</a:t>
+            </a:r>
+            <a:r>
+              <a:rPr lang="en-US" altLang="zh-TW" sz="1600" dirty="0" err="1">
+                <a:solidFill>
+                  <a:srgbClr val="000000"/>
+                </a:solidFill>
+                <a:latin typeface="微軟正黑體" panose="020B0604030504040204" pitchFamily="34" charset="-120"/>
+                <a:ea typeface="微軟正黑體" panose="020B0604030504040204" pitchFamily="34" charset="-120"/>
+              </a:rPr>
+              <a:t>EventName</a:t>
+            </a:r>
+            <a:r>
+              <a:rPr lang="en-US" altLang="zh-TW" sz="1600" dirty="0">
+                <a:solidFill>
+                  <a:srgbClr val="000000"/>
+                </a:solidFill>
+                <a:latin typeface="微軟正黑體" panose="020B0604030504040204" pitchFamily="34" charset="-120"/>
+                <a:ea typeface="微軟正黑體" panose="020B0604030504040204" pitchFamily="34" charset="-120"/>
+              </a:rPr>
+              <a:t>) ASC</a:t>
+            </a:r>
+            <a:endParaRPr lang="zh-TW" altLang="en-US" sz="1600" dirty="0">
+              <a:solidFill>
+                <a:srgbClr val="000000"/>
+              </a:solidFill>
+              <a:latin typeface="微軟正黑體" panose="020B0604030504040204" pitchFamily="34" charset="-120"/>
+              <a:ea typeface="微軟正黑體" panose="020B0604030504040204" pitchFamily="34" charset="-120"/>
+            </a:endParaRPr>
+          </a:p>
+        </p:txBody>
+      </p:sp>
+      <p:sp>
+        <p:nvSpPr>
+          <p:cNvPr id="5" name="文字方塊 4">
+            <a:extLst>
+              <a:ext uri="{FF2B5EF4-FFF2-40B4-BE49-F238E27FC236}">
+                <a16:creationId xmlns:a16="http://schemas.microsoft.com/office/drawing/2014/main" id="{B3AE3051-64FE-7B61-225A-E28EC49D8F4F}"/>
+              </a:ext>
+            </a:extLst>
+          </p:cNvPr>
+          <p:cNvSpPr txBox="1"/>
+          <p:nvPr/>
+        </p:nvSpPr>
+        <p:spPr>
+          <a:xfrm>
+            <a:off x="1513627" y="5656729"/>
+            <a:ext cx="7329251" cy="369332"/>
+          </a:xfrm>
+          <a:prstGeom prst="rect">
+            <a:avLst/>
+          </a:prstGeom>
+          <a:noFill/>
+        </p:spPr>
+        <p:txBody>
+          <a:bodyPr wrap="none" rtlCol="0">
+            <a:spAutoFit/>
+          </a:bodyPr>
+          <a:lstStyle/>
+          <a:p>
+            <a:r>
+              <a:rPr lang="zh-TW" altLang="en-US" dirty="0"/>
+              <a:t>參考資料</a:t>
+            </a:r>
+            <a:r>
+              <a:rPr lang="en-US" altLang="zh-TW" dirty="0"/>
+              <a:t>:https://www.w3schools.com/sql/func_sqlserver_len.asp</a:t>
+            </a:r>
+            <a:endParaRPr lang="zh-TW" altLang="en-US" dirty="0"/>
+          </a:p>
+        </p:txBody>
+      </p:sp>
+      <p:pic>
+        <p:nvPicPr>
+          <p:cNvPr id="8" name="圖片 7">
+            <a:extLst>
+              <a:ext uri="{FF2B5EF4-FFF2-40B4-BE49-F238E27FC236}">
+                <a16:creationId xmlns:a16="http://schemas.microsoft.com/office/drawing/2014/main" id="{D0C4A47E-49F6-7511-C86F-D1A32F598BE0}"/>
+              </a:ext>
+            </a:extLst>
+          </p:cNvPr>
+          <p:cNvPicPr>
+            <a:picLocks noChangeAspect="1"/>
+          </p:cNvPicPr>
+          <p:nvPr/>
+        </p:nvPicPr>
+        <p:blipFill>
+          <a:blip r:embed="rId2"/>
+          <a:stretch>
+            <a:fillRect/>
+          </a:stretch>
+        </p:blipFill>
+        <p:spPr>
+          <a:xfrm>
+            <a:off x="7062913" y="1078117"/>
+            <a:ext cx="3441418" cy="4217301"/>
+          </a:xfrm>
+          <a:prstGeom prst="rect">
+            <a:avLst/>
+          </a:prstGeom>
+        </p:spPr>
+      </p:pic>
+    </p:spTree>
+    <p:extLst>
+      <p:ext uri="{BB962C8B-B14F-4D97-AF65-F5344CB8AC3E}">
+        <p14:creationId xmlns:p14="http://schemas.microsoft.com/office/powerpoint/2010/main" val="2078482318"/>
+      </p:ext>
+    </p:extLst>
+  </p:cSld>
+  <p:clrMapOvr>
+    <a:masterClrMapping/>
+  </p:clrMapOvr>
+</p:sld>
+</file>
+
+<file path=ppt/slides/slide24.xml><?xml version="1.0" encoding="utf-8"?>
+<p:sld xmlns:a="http://schemas.openxmlformats.org/drawingml/2006/main" xmlns:r="http://schemas.openxmlformats.org/officeDocument/2006/relationships" xmlns:p="http://schemas.openxmlformats.org/presentationml/2006/main">
+  <p:cSld>
+    <p:spTree>
+      <p:nvGrpSpPr>
+        <p:cNvPr id="1" name=""/>
+        <p:cNvGrpSpPr/>
+        <p:nvPr/>
+      </p:nvGrpSpPr>
+      <p:grpSpPr>
+        <a:xfrm>
+          <a:off x="0" y="0"/>
+          <a:ext cx="0" cy="0"/>
+          <a:chOff x="0" y="0"/>
+          <a:chExt cx="0" cy="0"/>
+        </a:xfrm>
+      </p:grpSpPr>
+      <p:sp>
+        <p:nvSpPr>
+          <p:cNvPr id="2" name="標題 1">
+            <a:extLst>
+              <a:ext uri="{FF2B5EF4-FFF2-40B4-BE49-F238E27FC236}">
+                <a16:creationId xmlns:a16="http://schemas.microsoft.com/office/drawing/2014/main" id="{9754B65C-1642-6FE5-D941-96E5D377AABC}"/>
+              </a:ext>
+            </a:extLst>
+          </p:cNvPr>
+          <p:cNvSpPr>
+            <a:spLocks noGrp="1"/>
+          </p:cNvSpPr>
+          <p:nvPr>
+            <p:ph type="title"/>
+          </p:nvPr>
+        </p:nvSpPr>
+        <p:spPr>
+          <a:xfrm>
+            <a:off x="1687669" y="624110"/>
+            <a:ext cx="7321860" cy="1280890"/>
+          </a:xfrm>
+        </p:spPr>
+        <p:txBody>
+          <a:bodyPr>
+            <a:normAutofit/>
+          </a:bodyPr>
+          <a:lstStyle/>
+          <a:p>
+            <a:r>
+              <a:rPr lang="en-US" altLang="zh-TW" sz="3200" dirty="0"/>
+              <a:t>Calculations Q2</a:t>
+            </a:r>
+            <a:endParaRPr lang="zh-TW" altLang="en-US" sz="3200" dirty="0"/>
+          </a:p>
+        </p:txBody>
+      </p:sp>
+      <p:sp>
+        <p:nvSpPr>
+          <p:cNvPr id="4" name="投影片編號版面配置區 3">
+            <a:extLst>
+              <a:ext uri="{FF2B5EF4-FFF2-40B4-BE49-F238E27FC236}">
+                <a16:creationId xmlns:a16="http://schemas.microsoft.com/office/drawing/2014/main" id="{3F1EA6AD-3945-5A5F-70AE-CD8043429B6D}"/>
+              </a:ext>
+            </a:extLst>
+          </p:cNvPr>
+          <p:cNvSpPr>
+            <a:spLocks noGrp="1"/>
+          </p:cNvSpPr>
+          <p:nvPr>
+            <p:ph type="sldNum" sz="quarter" idx="12"/>
+          </p:nvPr>
+        </p:nvSpPr>
+        <p:spPr>
+          <a:xfrm>
+            <a:off x="531812" y="787782"/>
+            <a:ext cx="779767" cy="365125"/>
+          </a:xfrm>
+        </p:spPr>
+        <p:txBody>
+          <a:bodyPr>
+            <a:normAutofit/>
+          </a:bodyPr>
+          <a:lstStyle/>
+          <a:p>
+            <a:pPr>
+              <a:lnSpc>
+                <a:spcPct val="90000"/>
+              </a:lnSpc>
+              <a:spcAft>
+                <a:spcPts val="600"/>
+              </a:spcAft>
+            </a:pPr>
+            <a:fld id="{D57F1E4F-1CFF-5643-939E-217C01CDF565}" type="slidenum">
+              <a:rPr lang="en-US" sz="1900" smtClean="0"/>
+              <a:pPr>
+                <a:lnSpc>
+                  <a:spcPct val="90000"/>
+                </a:lnSpc>
+                <a:spcAft>
+                  <a:spcPts val="600"/>
+                </a:spcAft>
+              </a:pPr>
+              <a:t>24</a:t>
+            </a:fld>
+            <a:endParaRPr lang="en-US" sz="1900"/>
+          </a:p>
+        </p:txBody>
+      </p:sp>
+      <p:pic>
+        <p:nvPicPr>
+          <p:cNvPr id="8" name="內容版面配置區 7">
+            <a:extLst>
+              <a:ext uri="{FF2B5EF4-FFF2-40B4-BE49-F238E27FC236}">
+                <a16:creationId xmlns:a16="http://schemas.microsoft.com/office/drawing/2014/main" id="{EBC15948-55A2-11B3-E823-D85BB2E41A61}"/>
+              </a:ext>
+            </a:extLst>
+          </p:cNvPr>
+          <p:cNvPicPr>
+            <a:picLocks noGrp="1" noChangeAspect="1"/>
+          </p:cNvPicPr>
+          <p:nvPr>
+            <p:ph idx="1"/>
+          </p:nvPr>
+        </p:nvPicPr>
+        <p:blipFill>
+          <a:blip r:embed="rId2"/>
+          <a:stretch>
+            <a:fillRect/>
+          </a:stretch>
+        </p:blipFill>
+        <p:spPr>
+          <a:xfrm>
+            <a:off x="1589056" y="1264555"/>
+            <a:ext cx="5860613" cy="4565354"/>
+          </a:xfrm>
+        </p:spPr>
+      </p:pic>
+    </p:spTree>
+    <p:extLst>
+      <p:ext uri="{BB962C8B-B14F-4D97-AF65-F5344CB8AC3E}">
+        <p14:creationId xmlns:p14="http://schemas.microsoft.com/office/powerpoint/2010/main" val="2113693716"/>
+      </p:ext>
+    </p:extLst>
+  </p:cSld>
+  <p:clrMapOvr>
+    <a:masterClrMapping/>
+  </p:clrMapOvr>
+</p:sld>
+</file>
+
+<file path=ppt/slides/slide25.xml><?xml version="1.0" encoding="utf-8"?>
+<p:sld xmlns:a="http://schemas.openxmlformats.org/drawingml/2006/main" xmlns:r="http://schemas.openxmlformats.org/officeDocument/2006/relationships" xmlns:p="http://schemas.openxmlformats.org/presentationml/2006/main">
+  <p:cSld>
+    <p:spTree>
+      <p:nvGrpSpPr>
+        <p:cNvPr id="1" name=""/>
+        <p:cNvGrpSpPr/>
+        <p:nvPr/>
+      </p:nvGrpSpPr>
+      <p:grpSpPr>
+        <a:xfrm>
+          <a:off x="0" y="0"/>
+          <a:ext cx="0" cy="0"/>
+          <a:chOff x="0" y="0"/>
+          <a:chExt cx="0" cy="0"/>
+        </a:xfrm>
+      </p:grpSpPr>
+      <p:sp>
+        <p:nvSpPr>
+          <p:cNvPr id="2" name="標題 1">
+            <a:extLst>
+              <a:ext uri="{FF2B5EF4-FFF2-40B4-BE49-F238E27FC236}">
+                <a16:creationId xmlns:a16="http://schemas.microsoft.com/office/drawing/2014/main" id="{9754B65C-1642-6FE5-D941-96E5D377AABC}"/>
+              </a:ext>
+            </a:extLst>
+          </p:cNvPr>
+          <p:cNvSpPr>
+            <a:spLocks noGrp="1"/>
+          </p:cNvSpPr>
+          <p:nvPr>
+            <p:ph type="title"/>
+          </p:nvPr>
+        </p:nvSpPr>
+        <p:spPr>
+          <a:xfrm>
+            <a:off x="1687669" y="624110"/>
+            <a:ext cx="4137059" cy="1280890"/>
+          </a:xfrm>
+        </p:spPr>
+        <p:txBody>
+          <a:bodyPr>
+            <a:normAutofit/>
+          </a:bodyPr>
+          <a:lstStyle/>
+          <a:p>
+            <a:r>
+              <a:rPr lang="en-US" altLang="zh-TW" sz="3200" dirty="0"/>
+              <a:t>Answer2.</a:t>
+            </a:r>
+            <a:endParaRPr lang="zh-TW" altLang="en-US" sz="3200" dirty="0"/>
+          </a:p>
+        </p:txBody>
+      </p:sp>
+      <p:sp>
+        <p:nvSpPr>
+          <p:cNvPr id="4" name="投影片編號版面配置區 3">
+            <a:extLst>
+              <a:ext uri="{FF2B5EF4-FFF2-40B4-BE49-F238E27FC236}">
+                <a16:creationId xmlns:a16="http://schemas.microsoft.com/office/drawing/2014/main" id="{3F1EA6AD-3945-5A5F-70AE-CD8043429B6D}"/>
+              </a:ext>
+            </a:extLst>
+          </p:cNvPr>
+          <p:cNvSpPr>
+            <a:spLocks noGrp="1"/>
+          </p:cNvSpPr>
+          <p:nvPr>
+            <p:ph type="sldNum" sz="quarter" idx="12"/>
+          </p:nvPr>
+        </p:nvSpPr>
+        <p:spPr>
+          <a:xfrm>
+            <a:off x="531812" y="787782"/>
+            <a:ext cx="779767" cy="365125"/>
+          </a:xfrm>
+        </p:spPr>
+        <p:txBody>
+          <a:bodyPr>
+            <a:normAutofit/>
+          </a:bodyPr>
+          <a:lstStyle/>
+          <a:p>
+            <a:pPr>
+              <a:lnSpc>
+                <a:spcPct val="90000"/>
+              </a:lnSpc>
+              <a:spcAft>
+                <a:spcPts val="600"/>
+              </a:spcAft>
+            </a:pPr>
+            <a:fld id="{D57F1E4F-1CFF-5643-939E-217C01CDF565}" type="slidenum">
+              <a:rPr lang="en-US" sz="1900" smtClean="0"/>
+              <a:pPr>
+                <a:lnSpc>
+                  <a:spcPct val="90000"/>
+                </a:lnSpc>
+                <a:spcAft>
+                  <a:spcPts val="600"/>
+                </a:spcAft>
+              </a:pPr>
+              <a:t>25</a:t>
+            </a:fld>
+            <a:endParaRPr lang="en-US" sz="1900"/>
+          </a:p>
+        </p:txBody>
+      </p:sp>
+      <p:sp>
+        <p:nvSpPr>
+          <p:cNvPr id="3" name="內容版面配置區 2">
+            <a:extLst>
+              <a:ext uri="{FF2B5EF4-FFF2-40B4-BE49-F238E27FC236}">
+                <a16:creationId xmlns:a16="http://schemas.microsoft.com/office/drawing/2014/main" id="{8A26720F-616D-E164-DA93-3A4EBED4F0AD}"/>
+              </a:ext>
+            </a:extLst>
+          </p:cNvPr>
+          <p:cNvSpPr>
+            <a:spLocks noGrp="1"/>
+          </p:cNvSpPr>
+          <p:nvPr>
+            <p:ph idx="1"/>
+          </p:nvPr>
+        </p:nvSpPr>
+        <p:spPr>
+          <a:xfrm>
+            <a:off x="1687669" y="1685364"/>
+            <a:ext cx="6074307" cy="3854824"/>
+          </a:xfrm>
+        </p:spPr>
+        <p:txBody>
+          <a:bodyPr>
+            <a:normAutofit/>
+          </a:bodyPr>
+          <a:lstStyle/>
+          <a:p>
+            <a:r>
+              <a:rPr lang="en-US" altLang="zh-TW" sz="1600" dirty="0">
+                <a:solidFill>
+                  <a:srgbClr val="000000"/>
+                </a:solidFill>
+                <a:latin typeface="微軟正黑體" panose="020B0604030504040204" pitchFamily="34" charset="-120"/>
+                <a:ea typeface="微軟正黑體" panose="020B0604030504040204" pitchFamily="34" charset="-120"/>
+              </a:rPr>
+              <a:t>SELECT [</a:t>
+            </a:r>
+            <a:r>
+              <a:rPr lang="en-US" altLang="zh-TW" sz="1600" dirty="0" err="1">
+                <a:solidFill>
+                  <a:srgbClr val="000000"/>
+                </a:solidFill>
+                <a:latin typeface="微軟正黑體" panose="020B0604030504040204" pitchFamily="34" charset="-120"/>
+                <a:ea typeface="微軟正黑體" panose="020B0604030504040204" pitchFamily="34" charset="-120"/>
+              </a:rPr>
+              <a:t>EventName</a:t>
+            </a:r>
+            <a:r>
+              <a:rPr lang="en-US" altLang="zh-TW" sz="1600" dirty="0">
+                <a:solidFill>
+                  <a:srgbClr val="000000"/>
+                </a:solidFill>
+                <a:latin typeface="微軟正黑體" panose="020B0604030504040204" pitchFamily="34" charset="-120"/>
+                <a:ea typeface="微軟正黑體" panose="020B0604030504040204" pitchFamily="34" charset="-120"/>
+              </a:rPr>
+              <a:t>] +' (</a:t>
+            </a:r>
+            <a:r>
+              <a:rPr lang="en-US" altLang="zh-TW" sz="1600" dirty="0" err="1">
+                <a:solidFill>
+                  <a:srgbClr val="000000"/>
+                </a:solidFill>
+                <a:latin typeface="微軟正黑體" panose="020B0604030504040204" pitchFamily="34" charset="-120"/>
+                <a:ea typeface="微軟正黑體" panose="020B0604030504040204" pitchFamily="34" charset="-120"/>
+              </a:rPr>
+              <a:t>categotry</a:t>
+            </a:r>
+            <a:r>
+              <a:rPr lang="en-US" altLang="zh-TW" sz="1600" dirty="0">
+                <a:solidFill>
+                  <a:srgbClr val="000000"/>
+                </a:solidFill>
+                <a:latin typeface="微軟正黑體" panose="020B0604030504040204" pitchFamily="34" charset="-120"/>
+                <a:ea typeface="微軟正黑體" panose="020B0604030504040204" pitchFamily="34" charset="-120"/>
+              </a:rPr>
+              <a:t> ' + CAST(</a:t>
+            </a:r>
+            <a:r>
+              <a:rPr lang="en-US" altLang="zh-TW" sz="1600" dirty="0" err="1">
+                <a:solidFill>
+                  <a:srgbClr val="000000"/>
+                </a:solidFill>
+                <a:latin typeface="微軟正黑體" panose="020B0604030504040204" pitchFamily="34" charset="-120"/>
+                <a:ea typeface="微軟正黑體" panose="020B0604030504040204" pitchFamily="34" charset="-120"/>
+              </a:rPr>
+              <a:t>CategoryID</a:t>
+            </a:r>
+            <a:r>
+              <a:rPr lang="en-US" altLang="zh-TW" sz="1600" dirty="0">
+                <a:solidFill>
+                  <a:srgbClr val="000000"/>
+                </a:solidFill>
+                <a:latin typeface="微軟正黑體" panose="020B0604030504040204" pitchFamily="34" charset="-120"/>
+                <a:ea typeface="微軟正黑體" panose="020B0604030504040204" pitchFamily="34" charset="-120"/>
+              </a:rPr>
+              <a:t> as </a:t>
+            </a:r>
+            <a:r>
+              <a:rPr lang="en-US" altLang="zh-TW" sz="1600" dirty="0" err="1">
+                <a:solidFill>
+                  <a:srgbClr val="000000"/>
+                </a:solidFill>
+                <a:latin typeface="微軟正黑體" panose="020B0604030504040204" pitchFamily="34" charset="-120"/>
+                <a:ea typeface="微軟正黑體" panose="020B0604030504040204" pitchFamily="34" charset="-120"/>
+              </a:rPr>
+              <a:t>nvarchar</a:t>
+            </a:r>
+            <a:r>
+              <a:rPr lang="en-US" altLang="zh-TW" sz="1600" dirty="0">
+                <a:solidFill>
+                  <a:srgbClr val="000000"/>
+                </a:solidFill>
+                <a:latin typeface="微軟正黑體" panose="020B0604030504040204" pitchFamily="34" charset="-120"/>
+                <a:ea typeface="微軟正黑體" panose="020B0604030504040204" pitchFamily="34" charset="-120"/>
+              </a:rPr>
+              <a:t>(10)) +')'</a:t>
+            </a:r>
+            <a:r>
+              <a:rPr lang="zh-TW" altLang="en-US" sz="1600" dirty="0">
+                <a:solidFill>
+                  <a:srgbClr val="000000"/>
+                </a:solidFill>
+                <a:latin typeface="微軟正黑體" panose="020B0604030504040204" pitchFamily="34" charset="-120"/>
+                <a:ea typeface="微軟正黑體" panose="020B0604030504040204" pitchFamily="34" charset="-120"/>
+              </a:rPr>
+              <a:t>　</a:t>
+            </a:r>
+            <a:r>
+              <a:rPr lang="en-US" altLang="zh-TW" sz="1600" dirty="0">
+                <a:solidFill>
+                  <a:srgbClr val="000000"/>
+                </a:solidFill>
+                <a:latin typeface="微軟正黑體" panose="020B0604030504040204" pitchFamily="34" charset="-120"/>
+                <a:ea typeface="微軟正黑體" panose="020B0604030504040204" pitchFamily="34" charset="-120"/>
+              </a:rPr>
+              <a:t>as 'Event (category)',[</a:t>
+            </a:r>
+            <a:r>
+              <a:rPr lang="en-US" altLang="zh-TW" sz="1600" dirty="0" err="1">
+                <a:solidFill>
+                  <a:srgbClr val="000000"/>
+                </a:solidFill>
+                <a:latin typeface="微軟正黑體" panose="020B0604030504040204" pitchFamily="34" charset="-120"/>
+                <a:ea typeface="微軟正黑體" panose="020B0604030504040204" pitchFamily="34" charset="-120"/>
+              </a:rPr>
+              <a:t>EventDate</a:t>
+            </a:r>
+            <a:r>
+              <a:rPr lang="en-US" altLang="zh-TW" sz="1600" dirty="0">
+                <a:solidFill>
+                  <a:srgbClr val="000000"/>
+                </a:solidFill>
+                <a:latin typeface="微軟正黑體" panose="020B0604030504040204" pitchFamily="34" charset="-120"/>
+                <a:ea typeface="微軟正黑體" panose="020B0604030504040204" pitchFamily="34" charset="-120"/>
+              </a:rPr>
+              <a:t>]      </a:t>
+            </a:r>
+          </a:p>
+          <a:p>
+            <a:r>
+              <a:rPr lang="en-US" altLang="zh-TW" sz="1600" dirty="0">
+                <a:solidFill>
+                  <a:srgbClr val="000000"/>
+                </a:solidFill>
+                <a:latin typeface="微軟正黑體" panose="020B0604030504040204" pitchFamily="34" charset="-120"/>
+                <a:ea typeface="微軟正黑體" panose="020B0604030504040204" pitchFamily="34" charset="-120"/>
+              </a:rPr>
+              <a:t>FROM [</a:t>
+            </a:r>
+            <a:r>
+              <a:rPr lang="en-US" altLang="zh-TW" sz="1600" dirty="0" err="1">
+                <a:solidFill>
+                  <a:srgbClr val="000000"/>
+                </a:solidFill>
+                <a:latin typeface="微軟正黑體" panose="020B0604030504040204" pitchFamily="34" charset="-120"/>
+                <a:ea typeface="微軟正黑體" panose="020B0604030504040204" pitchFamily="34" charset="-120"/>
+              </a:rPr>
+              <a:t>WorldEvents</a:t>
+            </a:r>
+            <a:r>
+              <a:rPr lang="en-US" altLang="zh-TW" sz="1600" dirty="0">
+                <a:solidFill>
+                  <a:srgbClr val="000000"/>
+                </a:solidFill>
+                <a:latin typeface="微軟正黑體" panose="020B0604030504040204" pitchFamily="34" charset="-120"/>
+                <a:ea typeface="微軟正黑體" panose="020B0604030504040204" pitchFamily="34" charset="-120"/>
+              </a:rPr>
+              <a:t>].[</a:t>
+            </a:r>
+            <a:r>
+              <a:rPr lang="en-US" altLang="zh-TW" sz="1600" dirty="0" err="1">
+                <a:solidFill>
+                  <a:srgbClr val="000000"/>
+                </a:solidFill>
+                <a:latin typeface="微軟正黑體" panose="020B0604030504040204" pitchFamily="34" charset="-120"/>
+                <a:ea typeface="微軟正黑體" panose="020B0604030504040204" pitchFamily="34" charset="-120"/>
+              </a:rPr>
+              <a:t>dbo</a:t>
+            </a:r>
+            <a:r>
+              <a:rPr lang="en-US" altLang="zh-TW" sz="1600" dirty="0">
+                <a:solidFill>
+                  <a:srgbClr val="000000"/>
+                </a:solidFill>
+                <a:latin typeface="微軟正黑體" panose="020B0604030504040204" pitchFamily="34" charset="-120"/>
+                <a:ea typeface="微軟正黑體" panose="020B0604030504040204" pitchFamily="34" charset="-120"/>
+              </a:rPr>
+              <a:t>].[</a:t>
+            </a:r>
+            <a:r>
+              <a:rPr lang="en-US" altLang="zh-TW" sz="1600" dirty="0" err="1">
+                <a:solidFill>
+                  <a:srgbClr val="000000"/>
+                </a:solidFill>
+                <a:latin typeface="微軟正黑體" panose="020B0604030504040204" pitchFamily="34" charset="-120"/>
+                <a:ea typeface="微軟正黑體" panose="020B0604030504040204" pitchFamily="34" charset="-120"/>
+              </a:rPr>
+              <a:t>tblEvent</a:t>
+            </a:r>
+            <a:r>
+              <a:rPr lang="en-US" altLang="zh-TW" sz="1600" dirty="0">
+                <a:solidFill>
+                  <a:srgbClr val="000000"/>
+                </a:solidFill>
+                <a:latin typeface="微軟正黑體" panose="020B0604030504040204" pitchFamily="34" charset="-120"/>
+                <a:ea typeface="微軟正黑體" panose="020B0604030504040204" pitchFamily="34" charset="-120"/>
+              </a:rPr>
+              <a:t>]</a:t>
+            </a:r>
+          </a:p>
+          <a:p>
+            <a:r>
+              <a:rPr lang="en-US" altLang="zh-TW" sz="1600" dirty="0">
+                <a:solidFill>
+                  <a:srgbClr val="000000"/>
+                </a:solidFill>
+                <a:latin typeface="微軟正黑體" panose="020B0604030504040204" pitchFamily="34" charset="-120"/>
+                <a:ea typeface="微軟正黑體" panose="020B0604030504040204" pitchFamily="34" charset="-120"/>
+              </a:rPr>
+              <a:t>WHERE [</a:t>
+            </a:r>
+            <a:r>
+              <a:rPr lang="en-US" altLang="zh-TW" sz="1600" dirty="0" err="1">
+                <a:solidFill>
+                  <a:srgbClr val="000000"/>
+                </a:solidFill>
+                <a:latin typeface="微軟正黑體" panose="020B0604030504040204" pitchFamily="34" charset="-120"/>
+                <a:ea typeface="微軟正黑體" panose="020B0604030504040204" pitchFamily="34" charset="-120"/>
+              </a:rPr>
+              <a:t>CountryID</a:t>
+            </a:r>
+            <a:r>
+              <a:rPr lang="en-US" altLang="zh-TW" sz="1600" dirty="0">
+                <a:solidFill>
+                  <a:srgbClr val="000000"/>
+                </a:solidFill>
+                <a:latin typeface="微軟正黑體" panose="020B0604030504040204" pitchFamily="34" charset="-120"/>
+                <a:ea typeface="微軟正黑體" panose="020B0604030504040204" pitchFamily="34" charset="-120"/>
+              </a:rPr>
+              <a:t>]=1</a:t>
+            </a:r>
+            <a:endParaRPr lang="zh-TW" altLang="en-US" sz="1600" dirty="0">
+              <a:solidFill>
+                <a:srgbClr val="000000"/>
+              </a:solidFill>
+              <a:latin typeface="微軟正黑體" panose="020B0604030504040204" pitchFamily="34" charset="-120"/>
+              <a:ea typeface="微軟正黑體" panose="020B0604030504040204" pitchFamily="34" charset="-120"/>
+            </a:endParaRPr>
+          </a:p>
+        </p:txBody>
+      </p:sp>
+      <p:sp>
+        <p:nvSpPr>
+          <p:cNvPr id="5" name="文字方塊 4">
+            <a:extLst>
+              <a:ext uri="{FF2B5EF4-FFF2-40B4-BE49-F238E27FC236}">
+                <a16:creationId xmlns:a16="http://schemas.microsoft.com/office/drawing/2014/main" id="{B3AE3051-64FE-7B61-225A-E28EC49D8F4F}"/>
+              </a:ext>
+            </a:extLst>
+          </p:cNvPr>
+          <p:cNvSpPr txBox="1"/>
+          <p:nvPr/>
+        </p:nvSpPr>
+        <p:spPr>
+          <a:xfrm>
+            <a:off x="1513627" y="5656729"/>
+            <a:ext cx="8940268" cy="369332"/>
+          </a:xfrm>
+          <a:prstGeom prst="rect">
+            <a:avLst/>
+          </a:prstGeom>
+          <a:noFill/>
+        </p:spPr>
+        <p:txBody>
+          <a:bodyPr wrap="none" rtlCol="0">
+            <a:spAutoFit/>
+          </a:bodyPr>
+          <a:lstStyle/>
+          <a:p>
+            <a:r>
+              <a:rPr lang="zh-TW" altLang="en-US" dirty="0"/>
+              <a:t>參考資料</a:t>
+            </a:r>
+            <a:r>
+              <a:rPr lang="en-US" altLang="zh-TW" dirty="0"/>
+              <a:t>:https://www.w3schools.com/sql/func_sqlserver_concat_with_plus.asp</a:t>
+            </a:r>
+            <a:endParaRPr lang="zh-TW" altLang="en-US" dirty="0"/>
+          </a:p>
+        </p:txBody>
+      </p:sp>
+      <p:pic>
+        <p:nvPicPr>
+          <p:cNvPr id="7" name="圖片 6">
+            <a:extLst>
+              <a:ext uri="{FF2B5EF4-FFF2-40B4-BE49-F238E27FC236}">
+                <a16:creationId xmlns:a16="http://schemas.microsoft.com/office/drawing/2014/main" id="{6D9B11B7-7385-EA41-3ED6-CDE7371AB63B}"/>
+              </a:ext>
+            </a:extLst>
+          </p:cNvPr>
+          <p:cNvPicPr>
+            <a:picLocks noChangeAspect="1"/>
+          </p:cNvPicPr>
+          <p:nvPr/>
+        </p:nvPicPr>
+        <p:blipFill>
+          <a:blip r:embed="rId2"/>
+          <a:stretch>
+            <a:fillRect/>
+          </a:stretch>
+        </p:blipFill>
+        <p:spPr>
+          <a:xfrm>
+            <a:off x="1687669" y="3429000"/>
+            <a:ext cx="5294378" cy="1596718"/>
+          </a:xfrm>
+          <a:prstGeom prst="rect">
+            <a:avLst/>
+          </a:prstGeom>
+        </p:spPr>
+      </p:pic>
+      <p:sp>
+        <p:nvSpPr>
+          <p:cNvPr id="9" name="文字方塊 8">
+            <a:extLst>
+              <a:ext uri="{FF2B5EF4-FFF2-40B4-BE49-F238E27FC236}">
+                <a16:creationId xmlns:a16="http://schemas.microsoft.com/office/drawing/2014/main" id="{35E0097D-1D25-800D-ACBE-7E565A45717E}"/>
+              </a:ext>
+            </a:extLst>
+          </p:cNvPr>
+          <p:cNvSpPr txBox="1"/>
+          <p:nvPr/>
+        </p:nvSpPr>
+        <p:spPr>
+          <a:xfrm>
+            <a:off x="1513627" y="6142602"/>
+            <a:ext cx="7465505" cy="369332"/>
+          </a:xfrm>
+          <a:prstGeom prst="rect">
+            <a:avLst/>
+          </a:prstGeom>
+          <a:noFill/>
+        </p:spPr>
+        <p:txBody>
+          <a:bodyPr wrap="none" rtlCol="0">
+            <a:spAutoFit/>
+          </a:bodyPr>
+          <a:lstStyle/>
+          <a:p>
+            <a:r>
+              <a:rPr lang="zh-TW" altLang="en-US" dirty="0"/>
+              <a:t>參考資料</a:t>
+            </a:r>
+            <a:r>
+              <a:rPr lang="en-US" altLang="zh-TW" dirty="0"/>
+              <a:t>:https://www.w3schools.com/sql/func_sqlserver_cast.asp</a:t>
+            </a:r>
+            <a:endParaRPr lang="zh-TW" altLang="en-US" dirty="0"/>
+          </a:p>
+        </p:txBody>
+      </p:sp>
+    </p:spTree>
+    <p:extLst>
+      <p:ext uri="{BB962C8B-B14F-4D97-AF65-F5344CB8AC3E}">
+        <p14:creationId xmlns:p14="http://schemas.microsoft.com/office/powerpoint/2010/main" val="2196657401"/>
+      </p:ext>
+    </p:extLst>
+  </p:cSld>
+  <p:clrMapOvr>
+    <a:masterClrMapping/>
+  </p:clrMapOvr>
+</p:sld>
+</file>
+
+<file path=ppt/slides/slide26.xml><?xml version="1.0" encoding="utf-8"?>
+<p:sld xmlns:a="http://schemas.openxmlformats.org/drawingml/2006/main" xmlns:r="http://schemas.openxmlformats.org/officeDocument/2006/relationships" xmlns:p="http://schemas.openxmlformats.org/presentationml/2006/main">
+  <p:cSld>
+    <p:spTree>
+      <p:nvGrpSpPr>
+        <p:cNvPr id="1" name=""/>
+        <p:cNvGrpSpPr/>
+        <p:nvPr/>
+      </p:nvGrpSpPr>
+      <p:grpSpPr>
+        <a:xfrm>
+          <a:off x="0" y="0"/>
+          <a:ext cx="0" cy="0"/>
+          <a:chOff x="0" y="0"/>
+          <a:chExt cx="0" cy="0"/>
+        </a:xfrm>
+      </p:grpSpPr>
+      <p:sp>
+        <p:nvSpPr>
+          <p:cNvPr id="2" name="標題 1">
+            <a:extLst>
+              <a:ext uri="{FF2B5EF4-FFF2-40B4-BE49-F238E27FC236}">
+                <a16:creationId xmlns:a16="http://schemas.microsoft.com/office/drawing/2014/main" id="{9754B65C-1642-6FE5-D941-96E5D377AABC}"/>
+              </a:ext>
+            </a:extLst>
+          </p:cNvPr>
+          <p:cNvSpPr>
+            <a:spLocks noGrp="1"/>
+          </p:cNvSpPr>
+          <p:nvPr>
+            <p:ph type="title"/>
+          </p:nvPr>
+        </p:nvSpPr>
+        <p:spPr>
+          <a:xfrm>
+            <a:off x="1687669" y="624110"/>
+            <a:ext cx="7321860" cy="1280890"/>
+          </a:xfrm>
+        </p:spPr>
+        <p:txBody>
+          <a:bodyPr>
+            <a:normAutofit/>
+          </a:bodyPr>
+          <a:lstStyle/>
+          <a:p>
+            <a:r>
+              <a:rPr lang="en-US" altLang="zh-TW" sz="3200" dirty="0"/>
+              <a:t>Calculations Q3</a:t>
+            </a:r>
+            <a:endParaRPr lang="zh-TW" altLang="en-US" sz="3200" dirty="0"/>
+          </a:p>
+        </p:txBody>
+      </p:sp>
+      <p:sp>
+        <p:nvSpPr>
+          <p:cNvPr id="4" name="投影片編號版面配置區 3">
+            <a:extLst>
+              <a:ext uri="{FF2B5EF4-FFF2-40B4-BE49-F238E27FC236}">
+                <a16:creationId xmlns:a16="http://schemas.microsoft.com/office/drawing/2014/main" id="{3F1EA6AD-3945-5A5F-70AE-CD8043429B6D}"/>
+              </a:ext>
+            </a:extLst>
+          </p:cNvPr>
+          <p:cNvSpPr>
+            <a:spLocks noGrp="1"/>
+          </p:cNvSpPr>
+          <p:nvPr>
+            <p:ph type="sldNum" sz="quarter" idx="12"/>
+          </p:nvPr>
+        </p:nvSpPr>
+        <p:spPr>
+          <a:xfrm>
+            <a:off x="531812" y="787782"/>
+            <a:ext cx="779767" cy="365125"/>
+          </a:xfrm>
+        </p:spPr>
+        <p:txBody>
+          <a:bodyPr>
+            <a:normAutofit/>
+          </a:bodyPr>
+          <a:lstStyle/>
+          <a:p>
+            <a:pPr>
+              <a:lnSpc>
+                <a:spcPct val="90000"/>
+              </a:lnSpc>
+              <a:spcAft>
+                <a:spcPts val="600"/>
+              </a:spcAft>
+            </a:pPr>
+            <a:fld id="{D57F1E4F-1CFF-5643-939E-217C01CDF565}" type="slidenum">
+              <a:rPr lang="en-US" sz="1900" smtClean="0"/>
+              <a:pPr>
+                <a:lnSpc>
+                  <a:spcPct val="90000"/>
+                </a:lnSpc>
+                <a:spcAft>
+                  <a:spcPts val="600"/>
+                </a:spcAft>
+              </a:pPr>
+              <a:t>26</a:t>
+            </a:fld>
+            <a:endParaRPr lang="en-US" sz="1900"/>
+          </a:p>
+        </p:txBody>
+      </p:sp>
+      <p:pic>
+        <p:nvPicPr>
+          <p:cNvPr id="7" name="內容版面配置區 6">
+            <a:extLst>
+              <a:ext uri="{FF2B5EF4-FFF2-40B4-BE49-F238E27FC236}">
+                <a16:creationId xmlns:a16="http://schemas.microsoft.com/office/drawing/2014/main" id="{4E739720-D886-9187-A33C-D5CC564119EE}"/>
+              </a:ext>
+            </a:extLst>
+          </p:cNvPr>
+          <p:cNvPicPr>
+            <a:picLocks noGrp="1" noChangeAspect="1"/>
+          </p:cNvPicPr>
+          <p:nvPr>
+            <p:ph idx="1"/>
+          </p:nvPr>
+        </p:nvPicPr>
+        <p:blipFill>
+          <a:blip r:embed="rId2"/>
+          <a:stretch>
+            <a:fillRect/>
+          </a:stretch>
+        </p:blipFill>
+        <p:spPr>
+          <a:xfrm>
+            <a:off x="1687669" y="1617313"/>
+            <a:ext cx="5430060" cy="4715877"/>
+          </a:xfrm>
+        </p:spPr>
+      </p:pic>
+    </p:spTree>
+    <p:extLst>
+      <p:ext uri="{BB962C8B-B14F-4D97-AF65-F5344CB8AC3E}">
+        <p14:creationId xmlns:p14="http://schemas.microsoft.com/office/powerpoint/2010/main" val="3113383072"/>
+      </p:ext>
+    </p:extLst>
+  </p:cSld>
+  <p:clrMapOvr>
+    <a:masterClrMapping/>
+  </p:clrMapOvr>
+</p:sld>
+</file>
+
+<file path=ppt/slides/slide27.xml><?xml version="1.0" encoding="utf-8"?>
+<p:sld xmlns:a="http://schemas.openxmlformats.org/drawingml/2006/main" xmlns:r="http://schemas.openxmlformats.org/officeDocument/2006/relationships" xmlns:p="http://schemas.openxmlformats.org/presentationml/2006/main">
+  <p:cSld>
+    <p:spTree>
+      <p:nvGrpSpPr>
+        <p:cNvPr id="1" name=""/>
+        <p:cNvGrpSpPr/>
+        <p:nvPr/>
+      </p:nvGrpSpPr>
+      <p:grpSpPr>
+        <a:xfrm>
+          <a:off x="0" y="0"/>
+          <a:ext cx="0" cy="0"/>
+          <a:chOff x="0" y="0"/>
+          <a:chExt cx="0" cy="0"/>
+        </a:xfrm>
+      </p:grpSpPr>
+      <p:sp>
+        <p:nvSpPr>
+          <p:cNvPr id="2" name="標題 1">
+            <a:extLst>
+              <a:ext uri="{FF2B5EF4-FFF2-40B4-BE49-F238E27FC236}">
+                <a16:creationId xmlns:a16="http://schemas.microsoft.com/office/drawing/2014/main" id="{9754B65C-1642-6FE5-D941-96E5D377AABC}"/>
+              </a:ext>
+            </a:extLst>
+          </p:cNvPr>
+          <p:cNvSpPr>
+            <a:spLocks noGrp="1"/>
+          </p:cNvSpPr>
+          <p:nvPr>
+            <p:ph type="title"/>
+          </p:nvPr>
+        </p:nvSpPr>
+        <p:spPr>
+          <a:xfrm>
+            <a:off x="1687669" y="624110"/>
+            <a:ext cx="4137059" cy="1280890"/>
+          </a:xfrm>
+        </p:spPr>
+        <p:txBody>
+          <a:bodyPr>
+            <a:normAutofit/>
+          </a:bodyPr>
+          <a:lstStyle/>
+          <a:p>
+            <a:r>
+              <a:rPr lang="en-US" altLang="zh-TW" sz="3200" dirty="0"/>
+              <a:t>Answer3.</a:t>
+            </a:r>
+            <a:endParaRPr lang="zh-TW" altLang="en-US" sz="3200" dirty="0"/>
+          </a:p>
+        </p:txBody>
+      </p:sp>
+      <p:sp>
+        <p:nvSpPr>
+          <p:cNvPr id="4" name="投影片編號版面配置區 3">
+            <a:extLst>
+              <a:ext uri="{FF2B5EF4-FFF2-40B4-BE49-F238E27FC236}">
+                <a16:creationId xmlns:a16="http://schemas.microsoft.com/office/drawing/2014/main" id="{3F1EA6AD-3945-5A5F-70AE-CD8043429B6D}"/>
+              </a:ext>
+            </a:extLst>
+          </p:cNvPr>
+          <p:cNvSpPr>
+            <a:spLocks noGrp="1"/>
+          </p:cNvSpPr>
+          <p:nvPr>
+            <p:ph type="sldNum" sz="quarter" idx="12"/>
+          </p:nvPr>
+        </p:nvSpPr>
+        <p:spPr>
+          <a:xfrm>
+            <a:off x="531812" y="787782"/>
+            <a:ext cx="779767" cy="365125"/>
+          </a:xfrm>
+        </p:spPr>
+        <p:txBody>
+          <a:bodyPr>
+            <a:normAutofit/>
+          </a:bodyPr>
+          <a:lstStyle/>
+          <a:p>
+            <a:pPr>
+              <a:lnSpc>
+                <a:spcPct val="90000"/>
+              </a:lnSpc>
+              <a:spcAft>
+                <a:spcPts val="600"/>
+              </a:spcAft>
+            </a:pPr>
+            <a:fld id="{D57F1E4F-1CFF-5643-939E-217C01CDF565}" type="slidenum">
+              <a:rPr lang="en-US" sz="1900" smtClean="0"/>
+              <a:pPr>
+                <a:lnSpc>
+                  <a:spcPct val="90000"/>
+                </a:lnSpc>
+                <a:spcAft>
+                  <a:spcPts val="600"/>
+                </a:spcAft>
+              </a:pPr>
+              <a:t>27</a:t>
+            </a:fld>
+            <a:endParaRPr lang="en-US" sz="1900"/>
+          </a:p>
+        </p:txBody>
+      </p:sp>
+      <p:sp>
+        <p:nvSpPr>
+          <p:cNvPr id="3" name="內容版面配置區 2">
+            <a:extLst>
+              <a:ext uri="{FF2B5EF4-FFF2-40B4-BE49-F238E27FC236}">
+                <a16:creationId xmlns:a16="http://schemas.microsoft.com/office/drawing/2014/main" id="{8A26720F-616D-E164-DA93-3A4EBED4F0AD}"/>
+              </a:ext>
+            </a:extLst>
+          </p:cNvPr>
+          <p:cNvSpPr>
+            <a:spLocks noGrp="1"/>
+          </p:cNvSpPr>
+          <p:nvPr>
+            <p:ph idx="1"/>
+          </p:nvPr>
+        </p:nvSpPr>
+        <p:spPr>
+          <a:xfrm>
+            <a:off x="1687669" y="1685364"/>
+            <a:ext cx="6074307" cy="3854824"/>
+          </a:xfrm>
+        </p:spPr>
+        <p:txBody>
+          <a:bodyPr>
+            <a:normAutofit fontScale="77500" lnSpcReduction="20000"/>
+          </a:bodyPr>
+          <a:lstStyle/>
+          <a:p>
+            <a:r>
+              <a:rPr lang="en-US" altLang="zh-TW" sz="1800" dirty="0">
+                <a:solidFill>
+                  <a:srgbClr val="0000FF"/>
+                </a:solidFill>
+                <a:latin typeface="細明體" panose="02020509000000000000" pitchFamily="49" charset="-120"/>
+                <a:ea typeface="細明體" panose="02020509000000000000" pitchFamily="49" charset="-120"/>
+              </a:rPr>
+              <a:t>SELECT</a:t>
+            </a:r>
+            <a:r>
+              <a:rPr lang="en-US" altLang="zh-TW" sz="1800" dirty="0">
+                <a:solidFill>
+                  <a:srgbClr val="000000"/>
+                </a:solidFill>
+                <a:latin typeface="細明體" panose="02020509000000000000" pitchFamily="49" charset="-120"/>
+                <a:ea typeface="細明體" panose="02020509000000000000" pitchFamily="49" charset="-120"/>
+              </a:rPr>
+              <a:t> [</a:t>
+            </a:r>
+            <a:r>
+              <a:rPr lang="en-US" altLang="zh-TW" sz="1800" dirty="0" err="1">
+                <a:solidFill>
+                  <a:srgbClr val="000000"/>
+                </a:solidFill>
+                <a:latin typeface="細明體" panose="02020509000000000000" pitchFamily="49" charset="-120"/>
+                <a:ea typeface="細明體" panose="02020509000000000000" pitchFamily="49" charset="-120"/>
+              </a:rPr>
+              <a:t>ContinentName</a:t>
+            </a:r>
+            <a:r>
+              <a:rPr lang="en-US" altLang="zh-TW" sz="1800" dirty="0">
+                <a:solidFill>
+                  <a:srgbClr val="000000"/>
+                </a:solidFill>
+                <a:latin typeface="細明體" panose="02020509000000000000" pitchFamily="49" charset="-120"/>
+                <a:ea typeface="細明體" panose="02020509000000000000" pitchFamily="49" charset="-120"/>
+              </a:rPr>
+              <a:t>]</a:t>
+            </a:r>
+          </a:p>
+          <a:p>
+            <a:r>
+              <a:rPr lang="en-US" altLang="zh-TW" sz="1800" dirty="0">
+                <a:solidFill>
+                  <a:srgbClr val="000000"/>
+                </a:solidFill>
+                <a:latin typeface="細明體" panose="02020509000000000000" pitchFamily="49" charset="-120"/>
+                <a:ea typeface="細明體" panose="02020509000000000000" pitchFamily="49" charset="-120"/>
+              </a:rPr>
+              <a:t>      </a:t>
+            </a:r>
+            <a:r>
+              <a:rPr lang="en-US" altLang="zh-TW" sz="1800" dirty="0">
+                <a:solidFill>
+                  <a:srgbClr val="808080"/>
+                </a:solidFill>
+                <a:latin typeface="細明體" panose="02020509000000000000" pitchFamily="49" charset="-120"/>
+                <a:ea typeface="細明體" panose="02020509000000000000" pitchFamily="49" charset="-120"/>
+              </a:rPr>
+              <a:t>,</a:t>
+            </a:r>
+            <a:r>
+              <a:rPr lang="en-US" altLang="zh-TW" sz="1800" dirty="0">
+                <a:solidFill>
+                  <a:srgbClr val="000000"/>
+                </a:solidFill>
+                <a:latin typeface="細明體" panose="02020509000000000000" pitchFamily="49" charset="-120"/>
+                <a:ea typeface="細明體" panose="02020509000000000000" pitchFamily="49" charset="-120"/>
+              </a:rPr>
+              <a:t>[Summary]</a:t>
+            </a:r>
+            <a:r>
+              <a:rPr lang="en-US" altLang="zh-TW" sz="1800" dirty="0">
+                <a:solidFill>
+                  <a:srgbClr val="808080"/>
+                </a:solidFill>
+                <a:latin typeface="細明體" panose="02020509000000000000" pitchFamily="49" charset="-120"/>
+                <a:ea typeface="細明體" panose="02020509000000000000" pitchFamily="49" charset="-120"/>
+              </a:rPr>
+              <a:t>,</a:t>
+            </a:r>
+            <a:endParaRPr lang="en-US" altLang="zh-TW" sz="1800" dirty="0">
+              <a:solidFill>
+                <a:srgbClr val="000000"/>
+              </a:solidFill>
+              <a:latin typeface="細明體" panose="02020509000000000000" pitchFamily="49" charset="-120"/>
+              <a:ea typeface="細明體" panose="02020509000000000000" pitchFamily="49" charset="-120"/>
+            </a:endParaRPr>
+          </a:p>
+          <a:p>
+            <a:r>
+              <a:rPr lang="en-US" altLang="zh-TW" sz="1800" dirty="0">
+                <a:solidFill>
+                  <a:srgbClr val="008000"/>
+                </a:solidFill>
+                <a:latin typeface="細明體" panose="02020509000000000000" pitchFamily="49" charset="-120"/>
+                <a:ea typeface="細明體" panose="02020509000000000000" pitchFamily="49" charset="-120"/>
+              </a:rPr>
+              <a:t>--using </a:t>
+            </a:r>
+            <a:r>
+              <a:rPr lang="en-US" altLang="zh-TW" sz="1800" dirty="0" err="1">
+                <a:solidFill>
+                  <a:srgbClr val="008000"/>
+                </a:solidFill>
+                <a:latin typeface="細明體" panose="02020509000000000000" pitchFamily="49" charset="-120"/>
+                <a:ea typeface="細明體" panose="02020509000000000000" pitchFamily="49" charset="-120"/>
+              </a:rPr>
+              <a:t>isnull</a:t>
+            </a:r>
+            <a:endParaRPr lang="en-US" altLang="zh-TW" sz="1800" dirty="0">
+              <a:solidFill>
+                <a:srgbClr val="000000"/>
+              </a:solidFill>
+              <a:latin typeface="細明體" panose="02020509000000000000" pitchFamily="49" charset="-120"/>
+              <a:ea typeface="細明體" panose="02020509000000000000" pitchFamily="49" charset="-120"/>
+            </a:endParaRPr>
+          </a:p>
+          <a:p>
+            <a:r>
+              <a:rPr lang="en-US" altLang="zh-TW" sz="1800" dirty="0">
+                <a:solidFill>
+                  <a:srgbClr val="FF00FF"/>
+                </a:solidFill>
+                <a:latin typeface="細明體" panose="02020509000000000000" pitchFamily="49" charset="-120"/>
+                <a:ea typeface="細明體" panose="02020509000000000000" pitchFamily="49" charset="-120"/>
+              </a:rPr>
+              <a:t>ISNULL</a:t>
+            </a:r>
+            <a:r>
+              <a:rPr lang="en-US" altLang="zh-TW" sz="1800" dirty="0">
+                <a:solidFill>
+                  <a:srgbClr val="808080"/>
+                </a:solidFill>
+                <a:latin typeface="細明體" panose="02020509000000000000" pitchFamily="49" charset="-120"/>
+                <a:ea typeface="細明體" panose="02020509000000000000" pitchFamily="49" charset="-120"/>
+              </a:rPr>
+              <a:t>(</a:t>
+            </a:r>
+            <a:r>
+              <a:rPr lang="en-US" altLang="zh-TW" sz="1800" dirty="0" err="1">
+                <a:solidFill>
+                  <a:srgbClr val="000000"/>
+                </a:solidFill>
+                <a:latin typeface="細明體" panose="02020509000000000000" pitchFamily="49" charset="-120"/>
+                <a:ea typeface="細明體" panose="02020509000000000000" pitchFamily="49" charset="-120"/>
+              </a:rPr>
+              <a:t>t</a:t>
+            </a:r>
+            <a:r>
+              <a:rPr lang="en-US" altLang="zh-TW" sz="1800" dirty="0" err="1">
+                <a:solidFill>
+                  <a:srgbClr val="808080"/>
+                </a:solidFill>
+                <a:latin typeface="細明體" panose="02020509000000000000" pitchFamily="49" charset="-120"/>
+                <a:ea typeface="細明體" panose="02020509000000000000" pitchFamily="49" charset="-120"/>
+              </a:rPr>
+              <a:t>.</a:t>
+            </a:r>
+            <a:r>
+              <a:rPr lang="en-US" altLang="zh-TW" sz="1800" dirty="0" err="1">
+                <a:solidFill>
+                  <a:srgbClr val="000000"/>
+                </a:solidFill>
+                <a:latin typeface="細明體" panose="02020509000000000000" pitchFamily="49" charset="-120"/>
+                <a:ea typeface="細明體" panose="02020509000000000000" pitchFamily="49" charset="-120"/>
+              </a:rPr>
+              <a:t>Summary</a:t>
+            </a:r>
+            <a:r>
+              <a:rPr lang="en-US" altLang="zh-TW" sz="1800" dirty="0" err="1">
+                <a:solidFill>
+                  <a:srgbClr val="808080"/>
+                </a:solidFill>
+                <a:latin typeface="細明體" panose="02020509000000000000" pitchFamily="49" charset="-120"/>
+                <a:ea typeface="細明體" panose="02020509000000000000" pitchFamily="49" charset="-120"/>
+              </a:rPr>
+              <a:t>,</a:t>
+            </a:r>
+            <a:r>
+              <a:rPr lang="en-US" altLang="zh-TW" sz="1800" dirty="0" err="1">
+                <a:solidFill>
+                  <a:srgbClr val="FF0000"/>
+                </a:solidFill>
+                <a:latin typeface="細明體" panose="02020509000000000000" pitchFamily="49" charset="-120"/>
+                <a:ea typeface="細明體" panose="02020509000000000000" pitchFamily="49" charset="-120"/>
+              </a:rPr>
+              <a:t>'No</a:t>
+            </a:r>
+            <a:r>
+              <a:rPr lang="en-US" altLang="zh-TW" sz="1800" dirty="0">
+                <a:solidFill>
+                  <a:srgbClr val="FF0000"/>
+                </a:solidFill>
+                <a:latin typeface="細明體" panose="02020509000000000000" pitchFamily="49" charset="-120"/>
+                <a:ea typeface="細明體" panose="02020509000000000000" pitchFamily="49" charset="-120"/>
+              </a:rPr>
+              <a:t> summary'</a:t>
+            </a:r>
+            <a:r>
+              <a:rPr lang="en-US" altLang="zh-TW" sz="1800" dirty="0">
+                <a:solidFill>
+                  <a:srgbClr val="808080"/>
+                </a:solidFill>
+                <a:latin typeface="細明體" panose="02020509000000000000" pitchFamily="49" charset="-120"/>
+                <a:ea typeface="細明體" panose="02020509000000000000" pitchFamily="49" charset="-120"/>
+              </a:rPr>
+              <a:t>)</a:t>
+            </a:r>
+            <a:r>
+              <a:rPr lang="en-US" altLang="zh-TW" sz="1800" dirty="0">
+                <a:solidFill>
+                  <a:srgbClr val="000000"/>
+                </a:solidFill>
+                <a:latin typeface="細明體" panose="02020509000000000000" pitchFamily="49" charset="-120"/>
+                <a:ea typeface="細明體" panose="02020509000000000000" pitchFamily="49" charset="-120"/>
+              </a:rPr>
+              <a:t> </a:t>
+            </a:r>
+            <a:r>
+              <a:rPr lang="en-US" altLang="zh-TW" sz="1800" dirty="0">
+                <a:solidFill>
+                  <a:srgbClr val="0000FF"/>
+                </a:solidFill>
+                <a:latin typeface="細明體" panose="02020509000000000000" pitchFamily="49" charset="-120"/>
+                <a:ea typeface="細明體" panose="02020509000000000000" pitchFamily="49" charset="-120"/>
+              </a:rPr>
+              <a:t>AS</a:t>
+            </a:r>
+            <a:r>
+              <a:rPr lang="en-US" altLang="zh-TW" sz="1800" dirty="0">
+                <a:solidFill>
+                  <a:srgbClr val="000000"/>
+                </a:solidFill>
+                <a:latin typeface="細明體" panose="02020509000000000000" pitchFamily="49" charset="-120"/>
+                <a:ea typeface="細明體" panose="02020509000000000000" pitchFamily="49" charset="-120"/>
+              </a:rPr>
+              <a:t> </a:t>
+            </a:r>
+            <a:r>
+              <a:rPr lang="en-US" altLang="zh-TW" sz="1800" dirty="0">
+                <a:solidFill>
+                  <a:srgbClr val="FF0000"/>
+                </a:solidFill>
+                <a:latin typeface="細明體" panose="02020509000000000000" pitchFamily="49" charset="-120"/>
+                <a:ea typeface="細明體" panose="02020509000000000000" pitchFamily="49" charset="-120"/>
+              </a:rPr>
+              <a:t>'Using ISNULL'</a:t>
+            </a:r>
+            <a:r>
+              <a:rPr lang="en-US" altLang="zh-TW" sz="1800" dirty="0">
+                <a:solidFill>
+                  <a:srgbClr val="808080"/>
+                </a:solidFill>
+                <a:latin typeface="細明體" panose="02020509000000000000" pitchFamily="49" charset="-120"/>
+                <a:ea typeface="細明體" panose="02020509000000000000" pitchFamily="49" charset="-120"/>
+              </a:rPr>
+              <a:t>,</a:t>
+            </a:r>
+            <a:endParaRPr lang="en-US" altLang="zh-TW" sz="1800" dirty="0">
+              <a:solidFill>
+                <a:srgbClr val="000000"/>
+              </a:solidFill>
+              <a:latin typeface="細明體" panose="02020509000000000000" pitchFamily="49" charset="-120"/>
+              <a:ea typeface="細明體" panose="02020509000000000000" pitchFamily="49" charset="-120"/>
+            </a:endParaRPr>
+          </a:p>
+          <a:p>
+            <a:r>
+              <a:rPr lang="en-US" altLang="zh-TW" sz="1800" dirty="0">
+                <a:solidFill>
+                  <a:srgbClr val="008000"/>
+                </a:solidFill>
+                <a:latin typeface="細明體" panose="02020509000000000000" pitchFamily="49" charset="-120"/>
+                <a:ea typeface="細明體" panose="02020509000000000000" pitchFamily="49" charset="-120"/>
+              </a:rPr>
+              <a:t>--using coalesce</a:t>
+            </a:r>
+            <a:endParaRPr lang="en-US" altLang="zh-TW" sz="1800" dirty="0">
+              <a:solidFill>
+                <a:srgbClr val="000000"/>
+              </a:solidFill>
+              <a:latin typeface="細明體" panose="02020509000000000000" pitchFamily="49" charset="-120"/>
+              <a:ea typeface="細明體" panose="02020509000000000000" pitchFamily="49" charset="-120"/>
+            </a:endParaRPr>
+          </a:p>
+          <a:p>
+            <a:r>
+              <a:rPr lang="en-US" altLang="zh-TW" sz="1800" dirty="0">
+                <a:solidFill>
+                  <a:srgbClr val="FF00FF"/>
+                </a:solidFill>
+                <a:latin typeface="細明體" panose="02020509000000000000" pitchFamily="49" charset="-120"/>
+                <a:ea typeface="細明體" panose="02020509000000000000" pitchFamily="49" charset="-120"/>
+              </a:rPr>
+              <a:t>COALESCE</a:t>
+            </a:r>
+            <a:r>
+              <a:rPr lang="en-US" altLang="zh-TW" sz="1800" dirty="0">
+                <a:solidFill>
+                  <a:srgbClr val="808080"/>
+                </a:solidFill>
+                <a:latin typeface="細明體" panose="02020509000000000000" pitchFamily="49" charset="-120"/>
+                <a:ea typeface="細明體" panose="02020509000000000000" pitchFamily="49" charset="-120"/>
+              </a:rPr>
+              <a:t>(</a:t>
+            </a:r>
+            <a:r>
+              <a:rPr lang="en-US" altLang="zh-TW" sz="1800" dirty="0" err="1">
+                <a:solidFill>
+                  <a:srgbClr val="000000"/>
+                </a:solidFill>
+                <a:latin typeface="細明體" panose="02020509000000000000" pitchFamily="49" charset="-120"/>
+                <a:ea typeface="細明體" panose="02020509000000000000" pitchFamily="49" charset="-120"/>
+              </a:rPr>
+              <a:t>t</a:t>
+            </a:r>
+            <a:r>
+              <a:rPr lang="en-US" altLang="zh-TW" sz="1800" dirty="0" err="1">
+                <a:solidFill>
+                  <a:srgbClr val="808080"/>
+                </a:solidFill>
+                <a:latin typeface="細明體" panose="02020509000000000000" pitchFamily="49" charset="-120"/>
+                <a:ea typeface="細明體" panose="02020509000000000000" pitchFamily="49" charset="-120"/>
+              </a:rPr>
+              <a:t>.</a:t>
+            </a:r>
+            <a:r>
+              <a:rPr lang="en-US" altLang="zh-TW" sz="1800" dirty="0" err="1">
+                <a:solidFill>
+                  <a:srgbClr val="000000"/>
+                </a:solidFill>
+                <a:latin typeface="細明體" panose="02020509000000000000" pitchFamily="49" charset="-120"/>
+                <a:ea typeface="細明體" panose="02020509000000000000" pitchFamily="49" charset="-120"/>
+              </a:rPr>
+              <a:t>Summary</a:t>
+            </a:r>
+            <a:r>
+              <a:rPr lang="en-US" altLang="zh-TW" sz="1800" dirty="0" err="1">
+                <a:solidFill>
+                  <a:srgbClr val="808080"/>
+                </a:solidFill>
+                <a:latin typeface="細明體" panose="02020509000000000000" pitchFamily="49" charset="-120"/>
+                <a:ea typeface="細明體" panose="02020509000000000000" pitchFamily="49" charset="-120"/>
+              </a:rPr>
+              <a:t>,</a:t>
+            </a:r>
+            <a:r>
+              <a:rPr lang="en-US" altLang="zh-TW" sz="1800" dirty="0" err="1">
+                <a:solidFill>
+                  <a:srgbClr val="FF0000"/>
+                </a:solidFill>
+                <a:latin typeface="細明體" panose="02020509000000000000" pitchFamily="49" charset="-120"/>
+                <a:ea typeface="細明體" panose="02020509000000000000" pitchFamily="49" charset="-120"/>
+              </a:rPr>
+              <a:t>'No</a:t>
+            </a:r>
+            <a:r>
+              <a:rPr lang="en-US" altLang="zh-TW" sz="1800" dirty="0">
+                <a:solidFill>
+                  <a:srgbClr val="FF0000"/>
+                </a:solidFill>
+                <a:latin typeface="細明體" panose="02020509000000000000" pitchFamily="49" charset="-120"/>
+                <a:ea typeface="細明體" panose="02020509000000000000" pitchFamily="49" charset="-120"/>
+              </a:rPr>
+              <a:t> summary'</a:t>
+            </a:r>
+            <a:r>
+              <a:rPr lang="en-US" altLang="zh-TW" sz="1800" dirty="0">
+                <a:solidFill>
+                  <a:srgbClr val="808080"/>
+                </a:solidFill>
+                <a:latin typeface="細明體" panose="02020509000000000000" pitchFamily="49" charset="-120"/>
+                <a:ea typeface="細明體" panose="02020509000000000000" pitchFamily="49" charset="-120"/>
+              </a:rPr>
+              <a:t>)</a:t>
+            </a:r>
+            <a:r>
+              <a:rPr lang="en-US" altLang="zh-TW" sz="1800" dirty="0">
+                <a:solidFill>
+                  <a:srgbClr val="000000"/>
+                </a:solidFill>
+                <a:latin typeface="細明體" panose="02020509000000000000" pitchFamily="49" charset="-120"/>
+                <a:ea typeface="細明體" panose="02020509000000000000" pitchFamily="49" charset="-120"/>
+              </a:rPr>
+              <a:t> </a:t>
+            </a:r>
+            <a:r>
+              <a:rPr lang="en-US" altLang="zh-TW" sz="1800" dirty="0">
+                <a:solidFill>
+                  <a:srgbClr val="0000FF"/>
+                </a:solidFill>
+                <a:latin typeface="細明體" panose="02020509000000000000" pitchFamily="49" charset="-120"/>
+                <a:ea typeface="細明體" panose="02020509000000000000" pitchFamily="49" charset="-120"/>
+              </a:rPr>
+              <a:t>AS</a:t>
+            </a:r>
+            <a:r>
+              <a:rPr lang="en-US" altLang="zh-TW" sz="1800" dirty="0">
+                <a:solidFill>
+                  <a:srgbClr val="000000"/>
+                </a:solidFill>
+                <a:latin typeface="細明體" panose="02020509000000000000" pitchFamily="49" charset="-120"/>
+                <a:ea typeface="細明體" panose="02020509000000000000" pitchFamily="49" charset="-120"/>
+              </a:rPr>
+              <a:t> </a:t>
+            </a:r>
+            <a:r>
+              <a:rPr lang="en-US" altLang="zh-TW" sz="1800" dirty="0">
+                <a:solidFill>
+                  <a:srgbClr val="FF0000"/>
+                </a:solidFill>
+                <a:latin typeface="細明體" panose="02020509000000000000" pitchFamily="49" charset="-120"/>
+                <a:ea typeface="細明體" panose="02020509000000000000" pitchFamily="49" charset="-120"/>
+              </a:rPr>
+              <a:t>'Using COALESCE'</a:t>
+            </a:r>
+            <a:r>
+              <a:rPr lang="en-US" altLang="zh-TW" sz="1800" dirty="0">
+                <a:solidFill>
+                  <a:srgbClr val="808080"/>
+                </a:solidFill>
+                <a:latin typeface="細明體" panose="02020509000000000000" pitchFamily="49" charset="-120"/>
+                <a:ea typeface="細明體" panose="02020509000000000000" pitchFamily="49" charset="-120"/>
+              </a:rPr>
+              <a:t>,</a:t>
+            </a:r>
+            <a:endParaRPr lang="en-US" altLang="zh-TW" sz="1800" dirty="0">
+              <a:solidFill>
+                <a:srgbClr val="000000"/>
+              </a:solidFill>
+              <a:latin typeface="細明體" panose="02020509000000000000" pitchFamily="49" charset="-120"/>
+              <a:ea typeface="細明體" panose="02020509000000000000" pitchFamily="49" charset="-120"/>
+            </a:endParaRPr>
+          </a:p>
+          <a:p>
+            <a:r>
+              <a:rPr lang="en-US" altLang="zh-TW" sz="1800" dirty="0">
+                <a:solidFill>
+                  <a:srgbClr val="008000"/>
+                </a:solidFill>
+                <a:latin typeface="細明體" panose="02020509000000000000" pitchFamily="49" charset="-120"/>
+                <a:ea typeface="細明體" panose="02020509000000000000" pitchFamily="49" charset="-120"/>
+              </a:rPr>
+              <a:t>--using case</a:t>
+            </a:r>
+            <a:endParaRPr lang="en-US" altLang="zh-TW" sz="1800" dirty="0">
+              <a:solidFill>
+                <a:srgbClr val="000000"/>
+              </a:solidFill>
+              <a:latin typeface="細明體" panose="02020509000000000000" pitchFamily="49" charset="-120"/>
+              <a:ea typeface="細明體" panose="02020509000000000000" pitchFamily="49" charset="-120"/>
+            </a:endParaRPr>
+          </a:p>
+          <a:p>
+            <a:r>
+              <a:rPr lang="en-US" altLang="zh-TW" sz="1800" dirty="0">
+                <a:solidFill>
+                  <a:srgbClr val="0000FF"/>
+                </a:solidFill>
+                <a:latin typeface="細明體" panose="02020509000000000000" pitchFamily="49" charset="-120"/>
+                <a:ea typeface="細明體" panose="02020509000000000000" pitchFamily="49" charset="-120"/>
+              </a:rPr>
+              <a:t>CASE</a:t>
+            </a:r>
+            <a:endParaRPr lang="en-US" altLang="zh-TW" sz="1800" dirty="0">
+              <a:solidFill>
+                <a:srgbClr val="000000"/>
+              </a:solidFill>
+              <a:latin typeface="細明體" panose="02020509000000000000" pitchFamily="49" charset="-120"/>
+              <a:ea typeface="細明體" panose="02020509000000000000" pitchFamily="49" charset="-120"/>
+            </a:endParaRPr>
+          </a:p>
+          <a:p>
+            <a:r>
+              <a:rPr lang="en-US" altLang="zh-TW" sz="1800" dirty="0">
+                <a:solidFill>
+                  <a:srgbClr val="0000FF"/>
+                </a:solidFill>
+                <a:latin typeface="細明體" panose="02020509000000000000" pitchFamily="49" charset="-120"/>
+                <a:ea typeface="細明體" panose="02020509000000000000" pitchFamily="49" charset="-120"/>
+              </a:rPr>
+              <a:t>WHEN</a:t>
+            </a:r>
+            <a:r>
+              <a:rPr lang="en-US" altLang="zh-TW" sz="1800" dirty="0">
+                <a:solidFill>
+                  <a:srgbClr val="000000"/>
+                </a:solidFill>
+                <a:latin typeface="細明體" panose="02020509000000000000" pitchFamily="49" charset="-120"/>
+                <a:ea typeface="細明體" panose="02020509000000000000" pitchFamily="49" charset="-120"/>
+              </a:rPr>
+              <a:t> </a:t>
+            </a:r>
+            <a:r>
+              <a:rPr lang="en-US" altLang="zh-TW" sz="1800" dirty="0" err="1">
+                <a:solidFill>
+                  <a:srgbClr val="000000"/>
+                </a:solidFill>
+                <a:latin typeface="細明體" panose="02020509000000000000" pitchFamily="49" charset="-120"/>
+                <a:ea typeface="細明體" panose="02020509000000000000" pitchFamily="49" charset="-120"/>
+              </a:rPr>
+              <a:t>t</a:t>
+            </a:r>
+            <a:r>
+              <a:rPr lang="en-US" altLang="zh-TW" sz="1800" dirty="0" err="1">
+                <a:solidFill>
+                  <a:srgbClr val="808080"/>
+                </a:solidFill>
+                <a:latin typeface="細明體" panose="02020509000000000000" pitchFamily="49" charset="-120"/>
+                <a:ea typeface="細明體" panose="02020509000000000000" pitchFamily="49" charset="-120"/>
+              </a:rPr>
+              <a:t>.</a:t>
+            </a:r>
+            <a:r>
+              <a:rPr lang="en-US" altLang="zh-TW" sz="1800" dirty="0" err="1">
+                <a:solidFill>
+                  <a:srgbClr val="000000"/>
+                </a:solidFill>
+                <a:latin typeface="細明體" panose="02020509000000000000" pitchFamily="49" charset="-120"/>
+                <a:ea typeface="細明體" panose="02020509000000000000" pitchFamily="49" charset="-120"/>
+              </a:rPr>
+              <a:t>Summary</a:t>
+            </a:r>
+            <a:r>
+              <a:rPr lang="en-US" altLang="zh-TW" sz="1800" dirty="0">
+                <a:solidFill>
+                  <a:srgbClr val="000000"/>
+                </a:solidFill>
+                <a:latin typeface="細明體" panose="02020509000000000000" pitchFamily="49" charset="-120"/>
+                <a:ea typeface="細明體" panose="02020509000000000000" pitchFamily="49" charset="-120"/>
+              </a:rPr>
+              <a:t> </a:t>
+            </a:r>
+            <a:r>
+              <a:rPr lang="en-US" altLang="zh-TW" sz="1800" dirty="0">
+                <a:solidFill>
+                  <a:srgbClr val="808080"/>
+                </a:solidFill>
+                <a:latin typeface="細明體" panose="02020509000000000000" pitchFamily="49" charset="-120"/>
+                <a:ea typeface="細明體" panose="02020509000000000000" pitchFamily="49" charset="-120"/>
+              </a:rPr>
+              <a:t>is</a:t>
+            </a:r>
+            <a:r>
+              <a:rPr lang="en-US" altLang="zh-TW" sz="1800" dirty="0">
+                <a:solidFill>
+                  <a:srgbClr val="000000"/>
+                </a:solidFill>
+                <a:latin typeface="細明體" panose="02020509000000000000" pitchFamily="49" charset="-120"/>
+                <a:ea typeface="細明體" panose="02020509000000000000" pitchFamily="49" charset="-120"/>
+              </a:rPr>
+              <a:t> </a:t>
+            </a:r>
+            <a:r>
+              <a:rPr lang="en-US" altLang="zh-TW" sz="1800" dirty="0">
+                <a:solidFill>
+                  <a:srgbClr val="808080"/>
+                </a:solidFill>
+                <a:latin typeface="細明體" panose="02020509000000000000" pitchFamily="49" charset="-120"/>
+                <a:ea typeface="細明體" panose="02020509000000000000" pitchFamily="49" charset="-120"/>
+              </a:rPr>
+              <a:t>null</a:t>
+            </a:r>
+            <a:r>
+              <a:rPr lang="en-US" altLang="zh-TW" sz="1800" dirty="0">
+                <a:solidFill>
+                  <a:srgbClr val="000000"/>
+                </a:solidFill>
+                <a:latin typeface="細明體" panose="02020509000000000000" pitchFamily="49" charset="-120"/>
+                <a:ea typeface="細明體" panose="02020509000000000000" pitchFamily="49" charset="-120"/>
+              </a:rPr>
+              <a:t> </a:t>
+            </a:r>
+            <a:r>
+              <a:rPr lang="en-US" altLang="zh-TW" sz="1800" dirty="0">
+                <a:solidFill>
+                  <a:srgbClr val="0000FF"/>
+                </a:solidFill>
+                <a:latin typeface="細明體" panose="02020509000000000000" pitchFamily="49" charset="-120"/>
+                <a:ea typeface="細明體" panose="02020509000000000000" pitchFamily="49" charset="-120"/>
+              </a:rPr>
+              <a:t>THEN</a:t>
+            </a:r>
+            <a:r>
+              <a:rPr lang="en-US" altLang="zh-TW" sz="1800" dirty="0">
+                <a:solidFill>
+                  <a:srgbClr val="000000"/>
+                </a:solidFill>
+                <a:latin typeface="細明體" panose="02020509000000000000" pitchFamily="49" charset="-120"/>
+                <a:ea typeface="細明體" panose="02020509000000000000" pitchFamily="49" charset="-120"/>
+              </a:rPr>
+              <a:t> </a:t>
+            </a:r>
+            <a:r>
+              <a:rPr lang="en-US" altLang="zh-TW" sz="1800" dirty="0">
+                <a:solidFill>
+                  <a:srgbClr val="FF0000"/>
+                </a:solidFill>
+                <a:latin typeface="細明體" panose="02020509000000000000" pitchFamily="49" charset="-120"/>
+                <a:ea typeface="細明體" panose="02020509000000000000" pitchFamily="49" charset="-120"/>
+              </a:rPr>
+              <a:t>'No summary'</a:t>
+            </a:r>
+            <a:endParaRPr lang="en-US" altLang="zh-TW" sz="1800" dirty="0">
+              <a:solidFill>
+                <a:srgbClr val="000000"/>
+              </a:solidFill>
+              <a:latin typeface="細明體" panose="02020509000000000000" pitchFamily="49" charset="-120"/>
+              <a:ea typeface="細明體" panose="02020509000000000000" pitchFamily="49" charset="-120"/>
+            </a:endParaRPr>
+          </a:p>
+          <a:p>
+            <a:r>
+              <a:rPr lang="en-US" altLang="zh-TW" sz="1800" dirty="0">
+                <a:solidFill>
+                  <a:srgbClr val="0000FF"/>
+                </a:solidFill>
+                <a:latin typeface="細明體" panose="02020509000000000000" pitchFamily="49" charset="-120"/>
+                <a:ea typeface="細明體" panose="02020509000000000000" pitchFamily="49" charset="-120"/>
+              </a:rPr>
+              <a:t>ELSE</a:t>
+            </a:r>
+            <a:r>
+              <a:rPr lang="en-US" altLang="zh-TW" sz="1800" dirty="0">
+                <a:solidFill>
+                  <a:srgbClr val="000000"/>
+                </a:solidFill>
+                <a:latin typeface="細明體" panose="02020509000000000000" pitchFamily="49" charset="-120"/>
+                <a:ea typeface="細明體" panose="02020509000000000000" pitchFamily="49" charset="-120"/>
+              </a:rPr>
+              <a:t> </a:t>
+            </a:r>
+            <a:r>
+              <a:rPr lang="en-US" altLang="zh-TW" sz="1800" dirty="0" err="1">
+                <a:solidFill>
+                  <a:srgbClr val="000000"/>
+                </a:solidFill>
+                <a:latin typeface="細明體" panose="02020509000000000000" pitchFamily="49" charset="-120"/>
+                <a:ea typeface="細明體" panose="02020509000000000000" pitchFamily="49" charset="-120"/>
+              </a:rPr>
+              <a:t>t</a:t>
+            </a:r>
+            <a:r>
+              <a:rPr lang="en-US" altLang="zh-TW" sz="1800" dirty="0" err="1">
+                <a:solidFill>
+                  <a:srgbClr val="808080"/>
+                </a:solidFill>
+                <a:latin typeface="細明體" panose="02020509000000000000" pitchFamily="49" charset="-120"/>
+                <a:ea typeface="細明體" panose="02020509000000000000" pitchFamily="49" charset="-120"/>
+              </a:rPr>
+              <a:t>.</a:t>
+            </a:r>
+            <a:r>
+              <a:rPr lang="en-US" altLang="zh-TW" sz="1800" dirty="0" err="1">
+                <a:solidFill>
+                  <a:srgbClr val="000000"/>
+                </a:solidFill>
+                <a:latin typeface="細明體" panose="02020509000000000000" pitchFamily="49" charset="-120"/>
+                <a:ea typeface="細明體" panose="02020509000000000000" pitchFamily="49" charset="-120"/>
+              </a:rPr>
+              <a:t>Summary</a:t>
+            </a:r>
+            <a:endParaRPr lang="en-US" altLang="zh-TW" sz="1800" dirty="0">
+              <a:solidFill>
+                <a:srgbClr val="000000"/>
+              </a:solidFill>
+              <a:latin typeface="細明體" panose="02020509000000000000" pitchFamily="49" charset="-120"/>
+              <a:ea typeface="細明體" panose="02020509000000000000" pitchFamily="49" charset="-120"/>
+            </a:endParaRPr>
+          </a:p>
+          <a:p>
+            <a:r>
+              <a:rPr lang="en-US" altLang="zh-TW" sz="1800" dirty="0">
+                <a:solidFill>
+                  <a:srgbClr val="0000FF"/>
+                </a:solidFill>
+                <a:latin typeface="細明體" panose="02020509000000000000" pitchFamily="49" charset="-120"/>
+                <a:ea typeface="細明體" panose="02020509000000000000" pitchFamily="49" charset="-120"/>
+              </a:rPr>
+              <a:t>END</a:t>
+            </a:r>
+            <a:r>
+              <a:rPr lang="en-US" altLang="zh-TW" sz="1800" dirty="0">
+                <a:solidFill>
+                  <a:srgbClr val="000000"/>
+                </a:solidFill>
+                <a:latin typeface="細明體" panose="02020509000000000000" pitchFamily="49" charset="-120"/>
+                <a:ea typeface="細明體" panose="02020509000000000000" pitchFamily="49" charset="-120"/>
+              </a:rPr>
+              <a:t> </a:t>
+            </a:r>
+            <a:r>
+              <a:rPr lang="en-US" altLang="zh-TW" sz="1800" dirty="0">
+                <a:solidFill>
+                  <a:srgbClr val="0000FF"/>
+                </a:solidFill>
+                <a:latin typeface="細明體" panose="02020509000000000000" pitchFamily="49" charset="-120"/>
+                <a:ea typeface="細明體" panose="02020509000000000000" pitchFamily="49" charset="-120"/>
+              </a:rPr>
+              <a:t>AS</a:t>
+            </a:r>
+            <a:r>
+              <a:rPr lang="en-US" altLang="zh-TW" sz="1800" dirty="0">
+                <a:solidFill>
+                  <a:srgbClr val="000000"/>
+                </a:solidFill>
+                <a:latin typeface="細明體" panose="02020509000000000000" pitchFamily="49" charset="-120"/>
+                <a:ea typeface="細明體" panose="02020509000000000000" pitchFamily="49" charset="-120"/>
+              </a:rPr>
+              <a:t> </a:t>
+            </a:r>
+            <a:r>
+              <a:rPr lang="en-US" altLang="zh-TW" sz="1800" dirty="0">
+                <a:solidFill>
+                  <a:srgbClr val="FF0000"/>
+                </a:solidFill>
+                <a:latin typeface="細明體" panose="02020509000000000000" pitchFamily="49" charset="-120"/>
+                <a:ea typeface="細明體" panose="02020509000000000000" pitchFamily="49" charset="-120"/>
+              </a:rPr>
+              <a:t>'Using CASE'</a:t>
+            </a:r>
+            <a:endParaRPr lang="en-US" altLang="zh-TW" sz="1800" dirty="0">
+              <a:solidFill>
+                <a:srgbClr val="000000"/>
+              </a:solidFill>
+              <a:latin typeface="細明體" panose="02020509000000000000" pitchFamily="49" charset="-120"/>
+              <a:ea typeface="細明體" panose="02020509000000000000" pitchFamily="49" charset="-120"/>
+            </a:endParaRPr>
+          </a:p>
+          <a:p>
+            <a:endParaRPr lang="zh-TW" altLang="en-US" sz="1800" dirty="0">
+              <a:solidFill>
+                <a:srgbClr val="000000"/>
+              </a:solidFill>
+              <a:latin typeface="細明體" panose="02020509000000000000" pitchFamily="49" charset="-120"/>
+              <a:ea typeface="細明體" panose="02020509000000000000" pitchFamily="49" charset="-120"/>
+            </a:endParaRPr>
+          </a:p>
+          <a:p>
+            <a:r>
+              <a:rPr lang="en-US" altLang="zh-TW" sz="1800" dirty="0">
+                <a:solidFill>
+                  <a:srgbClr val="0000FF"/>
+                </a:solidFill>
+                <a:latin typeface="細明體" panose="02020509000000000000" pitchFamily="49" charset="-120"/>
+                <a:ea typeface="細明體" panose="02020509000000000000" pitchFamily="49" charset="-120"/>
+              </a:rPr>
+              <a:t>FROM</a:t>
+            </a:r>
+            <a:r>
+              <a:rPr lang="en-US" altLang="zh-TW" sz="1800" dirty="0">
+                <a:solidFill>
+                  <a:srgbClr val="000000"/>
+                </a:solidFill>
+                <a:latin typeface="細明體" panose="02020509000000000000" pitchFamily="49" charset="-120"/>
+                <a:ea typeface="細明體" panose="02020509000000000000" pitchFamily="49" charset="-120"/>
+              </a:rPr>
+              <a:t> [</a:t>
+            </a:r>
+            <a:r>
+              <a:rPr lang="en-US" altLang="zh-TW" sz="1800" dirty="0" err="1">
+                <a:solidFill>
+                  <a:srgbClr val="000000"/>
+                </a:solidFill>
+                <a:latin typeface="細明體" panose="02020509000000000000" pitchFamily="49" charset="-120"/>
+                <a:ea typeface="細明體" panose="02020509000000000000" pitchFamily="49" charset="-120"/>
+              </a:rPr>
+              <a:t>WorldEvents</a:t>
+            </a:r>
+            <a:r>
+              <a:rPr lang="en-US" altLang="zh-TW" sz="1800" dirty="0">
+                <a:solidFill>
+                  <a:srgbClr val="000000"/>
+                </a:solidFill>
+                <a:latin typeface="細明體" panose="02020509000000000000" pitchFamily="49" charset="-120"/>
+                <a:ea typeface="細明體" panose="02020509000000000000" pitchFamily="49" charset="-120"/>
+              </a:rPr>
+              <a:t>]</a:t>
+            </a:r>
+            <a:r>
+              <a:rPr lang="en-US" altLang="zh-TW" sz="1800" dirty="0">
+                <a:solidFill>
+                  <a:srgbClr val="808080"/>
+                </a:solidFill>
+                <a:latin typeface="細明體" panose="02020509000000000000" pitchFamily="49" charset="-120"/>
+                <a:ea typeface="細明體" panose="02020509000000000000" pitchFamily="49" charset="-120"/>
+              </a:rPr>
+              <a:t>.</a:t>
+            </a:r>
+            <a:r>
+              <a:rPr lang="en-US" altLang="zh-TW" sz="1800" dirty="0">
+                <a:solidFill>
+                  <a:srgbClr val="000000"/>
+                </a:solidFill>
+                <a:latin typeface="細明體" panose="02020509000000000000" pitchFamily="49" charset="-120"/>
+                <a:ea typeface="細明體" panose="02020509000000000000" pitchFamily="49" charset="-120"/>
+              </a:rPr>
+              <a:t>[</a:t>
+            </a:r>
+            <a:r>
+              <a:rPr lang="en-US" altLang="zh-TW" sz="1800" dirty="0" err="1">
+                <a:solidFill>
+                  <a:srgbClr val="000000"/>
+                </a:solidFill>
+                <a:latin typeface="細明體" panose="02020509000000000000" pitchFamily="49" charset="-120"/>
+                <a:ea typeface="細明體" panose="02020509000000000000" pitchFamily="49" charset="-120"/>
+              </a:rPr>
+              <a:t>dbo</a:t>
+            </a:r>
+            <a:r>
+              <a:rPr lang="en-US" altLang="zh-TW" sz="1800" dirty="0">
+                <a:solidFill>
+                  <a:srgbClr val="000000"/>
+                </a:solidFill>
+                <a:latin typeface="細明體" panose="02020509000000000000" pitchFamily="49" charset="-120"/>
+                <a:ea typeface="細明體" panose="02020509000000000000" pitchFamily="49" charset="-120"/>
+              </a:rPr>
+              <a:t>]</a:t>
+            </a:r>
+            <a:r>
+              <a:rPr lang="en-US" altLang="zh-TW" sz="1800" dirty="0">
+                <a:solidFill>
+                  <a:srgbClr val="808080"/>
+                </a:solidFill>
+                <a:latin typeface="細明體" panose="02020509000000000000" pitchFamily="49" charset="-120"/>
+                <a:ea typeface="細明體" panose="02020509000000000000" pitchFamily="49" charset="-120"/>
+              </a:rPr>
+              <a:t>.</a:t>
+            </a:r>
+            <a:r>
+              <a:rPr lang="en-US" altLang="zh-TW" sz="1800" dirty="0">
+                <a:solidFill>
+                  <a:srgbClr val="000000"/>
+                </a:solidFill>
+                <a:latin typeface="細明體" panose="02020509000000000000" pitchFamily="49" charset="-120"/>
+                <a:ea typeface="細明體" panose="02020509000000000000" pitchFamily="49" charset="-120"/>
+              </a:rPr>
+              <a:t>[</a:t>
+            </a:r>
+            <a:r>
+              <a:rPr lang="en-US" altLang="zh-TW" sz="1800" dirty="0" err="1">
+                <a:solidFill>
+                  <a:srgbClr val="000000"/>
+                </a:solidFill>
+                <a:latin typeface="細明體" panose="02020509000000000000" pitchFamily="49" charset="-120"/>
+                <a:ea typeface="細明體" panose="02020509000000000000" pitchFamily="49" charset="-120"/>
+              </a:rPr>
+              <a:t>tblContinent</a:t>
+            </a:r>
+            <a:r>
+              <a:rPr lang="en-US" altLang="zh-TW" sz="1800" dirty="0">
+                <a:solidFill>
+                  <a:srgbClr val="000000"/>
+                </a:solidFill>
+                <a:latin typeface="細明體" panose="02020509000000000000" pitchFamily="49" charset="-120"/>
+                <a:ea typeface="細明體" panose="02020509000000000000" pitchFamily="49" charset="-120"/>
+              </a:rPr>
+              <a:t>] </a:t>
+            </a:r>
+            <a:r>
+              <a:rPr lang="en-US" altLang="zh-TW" sz="1800" dirty="0">
+                <a:solidFill>
+                  <a:srgbClr val="0000FF"/>
+                </a:solidFill>
+                <a:latin typeface="細明體" panose="02020509000000000000" pitchFamily="49" charset="-120"/>
+                <a:ea typeface="細明體" panose="02020509000000000000" pitchFamily="49" charset="-120"/>
+              </a:rPr>
+              <a:t>as</a:t>
+            </a:r>
+            <a:r>
+              <a:rPr lang="en-US" altLang="zh-TW" sz="1800" dirty="0">
+                <a:solidFill>
+                  <a:srgbClr val="000000"/>
+                </a:solidFill>
+                <a:latin typeface="細明體" panose="02020509000000000000" pitchFamily="49" charset="-120"/>
+                <a:ea typeface="細明體" panose="02020509000000000000" pitchFamily="49" charset="-120"/>
+              </a:rPr>
+              <a:t> t</a:t>
+            </a:r>
+            <a:endParaRPr lang="zh-TW" altLang="en-US" sz="1600" dirty="0">
+              <a:solidFill>
+                <a:srgbClr val="000000"/>
+              </a:solidFill>
+              <a:latin typeface="微軟正黑體" panose="020B0604030504040204" pitchFamily="34" charset="-120"/>
+              <a:ea typeface="微軟正黑體" panose="020B0604030504040204" pitchFamily="34" charset="-120"/>
+            </a:endParaRPr>
+          </a:p>
+        </p:txBody>
+      </p:sp>
+      <p:sp>
+        <p:nvSpPr>
+          <p:cNvPr id="5" name="文字方塊 4">
+            <a:extLst>
+              <a:ext uri="{FF2B5EF4-FFF2-40B4-BE49-F238E27FC236}">
+                <a16:creationId xmlns:a16="http://schemas.microsoft.com/office/drawing/2014/main" id="{B3AE3051-64FE-7B61-225A-E28EC49D8F4F}"/>
+              </a:ext>
+            </a:extLst>
+          </p:cNvPr>
+          <p:cNvSpPr txBox="1"/>
+          <p:nvPr/>
+        </p:nvSpPr>
+        <p:spPr>
+          <a:xfrm>
+            <a:off x="1513627" y="5656729"/>
+            <a:ext cx="7104830" cy="369332"/>
+          </a:xfrm>
+          <a:prstGeom prst="rect">
+            <a:avLst/>
+          </a:prstGeom>
+          <a:noFill/>
+        </p:spPr>
+        <p:txBody>
+          <a:bodyPr wrap="none" rtlCol="0">
+            <a:spAutoFit/>
+          </a:bodyPr>
+          <a:lstStyle/>
+          <a:p>
+            <a:r>
+              <a:rPr lang="zh-TW" altLang="en-US" dirty="0"/>
+              <a:t>參考資料</a:t>
+            </a:r>
+            <a:r>
+              <a:rPr lang="en-US" altLang="zh-TW" dirty="0"/>
+              <a:t>:https://dotblogs.com.tw/</a:t>
+            </a:r>
+            <a:r>
+              <a:rPr lang="en-US" altLang="zh-TW" dirty="0" err="1"/>
+              <a:t>SteveLiu</a:t>
+            </a:r>
+            <a:r>
+              <a:rPr lang="en-US" altLang="zh-TW" dirty="0"/>
+              <a:t>/2019/05/21/174116</a:t>
+            </a:r>
+            <a:endParaRPr lang="zh-TW" altLang="en-US" dirty="0"/>
+          </a:p>
+        </p:txBody>
+      </p:sp>
+      <p:sp>
+        <p:nvSpPr>
+          <p:cNvPr id="9" name="文字方塊 8">
+            <a:extLst>
+              <a:ext uri="{FF2B5EF4-FFF2-40B4-BE49-F238E27FC236}">
+                <a16:creationId xmlns:a16="http://schemas.microsoft.com/office/drawing/2014/main" id="{35E0097D-1D25-800D-ACBE-7E565A45717E}"/>
+              </a:ext>
+            </a:extLst>
+          </p:cNvPr>
+          <p:cNvSpPr txBox="1"/>
+          <p:nvPr/>
+        </p:nvSpPr>
+        <p:spPr>
+          <a:xfrm>
+            <a:off x="1513627" y="6142602"/>
+            <a:ext cx="6261651" cy="369332"/>
+          </a:xfrm>
+          <a:prstGeom prst="rect">
+            <a:avLst/>
+          </a:prstGeom>
+          <a:noFill/>
+        </p:spPr>
+        <p:txBody>
+          <a:bodyPr wrap="none" rtlCol="0">
+            <a:spAutoFit/>
+          </a:bodyPr>
+          <a:lstStyle/>
+          <a:p>
+            <a:r>
+              <a:rPr lang="zh-TW" altLang="en-US" dirty="0"/>
+              <a:t>參考資料</a:t>
+            </a:r>
+            <a:r>
+              <a:rPr lang="en-US" altLang="zh-TW" dirty="0"/>
+              <a:t>:https://www.w3schools.com/sql/sql_case.asp</a:t>
+            </a:r>
+            <a:endParaRPr lang="zh-TW" altLang="en-US" dirty="0"/>
+          </a:p>
+        </p:txBody>
+      </p:sp>
+      <p:pic>
+        <p:nvPicPr>
+          <p:cNvPr id="8" name="圖片 7">
+            <a:extLst>
+              <a:ext uri="{FF2B5EF4-FFF2-40B4-BE49-F238E27FC236}">
+                <a16:creationId xmlns:a16="http://schemas.microsoft.com/office/drawing/2014/main" id="{D9A4C7AA-7C2A-C6FC-DD18-B739835D5E71}"/>
+              </a:ext>
+            </a:extLst>
+          </p:cNvPr>
+          <p:cNvPicPr>
+            <a:picLocks noChangeAspect="1"/>
+          </p:cNvPicPr>
+          <p:nvPr/>
+        </p:nvPicPr>
+        <p:blipFill>
+          <a:blip r:embed="rId2"/>
+          <a:stretch>
+            <a:fillRect/>
+          </a:stretch>
+        </p:blipFill>
+        <p:spPr>
+          <a:xfrm>
+            <a:off x="7058242" y="1685364"/>
+            <a:ext cx="4648603" cy="1996613"/>
+          </a:xfrm>
+          <a:prstGeom prst="rect">
+            <a:avLst/>
+          </a:prstGeom>
+        </p:spPr>
+      </p:pic>
+    </p:spTree>
+    <p:extLst>
+      <p:ext uri="{BB962C8B-B14F-4D97-AF65-F5344CB8AC3E}">
+        <p14:creationId xmlns:p14="http://schemas.microsoft.com/office/powerpoint/2010/main" val="3766217675"/>
+      </p:ext>
+    </p:extLst>
+  </p:cSld>
+  <p:clrMapOvr>
+    <a:masterClrMapping/>
+  </p:clrMapOvr>
+</p:sld>
+</file>
+
+<file path=ppt/slides/slide28.xml><?xml version="1.0" encoding="utf-8"?>
+<p:sld xmlns:a="http://schemas.openxmlformats.org/drawingml/2006/main" xmlns:r="http://schemas.openxmlformats.org/officeDocument/2006/relationships" xmlns:p="http://schemas.openxmlformats.org/presentationml/2006/main">
+  <p:cSld>
+    <p:spTree>
+      <p:nvGrpSpPr>
+        <p:cNvPr id="1" name=""/>
+        <p:cNvGrpSpPr/>
+        <p:nvPr/>
+      </p:nvGrpSpPr>
+      <p:grpSpPr>
+        <a:xfrm>
+          <a:off x="0" y="0"/>
+          <a:ext cx="0" cy="0"/>
+          <a:chOff x="0" y="0"/>
+          <a:chExt cx="0" cy="0"/>
+        </a:xfrm>
+      </p:grpSpPr>
+      <p:sp>
+        <p:nvSpPr>
+          <p:cNvPr id="2" name="標題 1">
+            <a:extLst>
+              <a:ext uri="{FF2B5EF4-FFF2-40B4-BE49-F238E27FC236}">
+                <a16:creationId xmlns:a16="http://schemas.microsoft.com/office/drawing/2014/main" id="{9754B65C-1642-6FE5-D941-96E5D377AABC}"/>
+              </a:ext>
+            </a:extLst>
+          </p:cNvPr>
+          <p:cNvSpPr>
+            <a:spLocks noGrp="1"/>
+          </p:cNvSpPr>
+          <p:nvPr>
+            <p:ph type="title"/>
+          </p:nvPr>
+        </p:nvSpPr>
+        <p:spPr>
+          <a:xfrm>
+            <a:off x="1687669" y="624110"/>
+            <a:ext cx="7321860" cy="1280890"/>
+          </a:xfrm>
+        </p:spPr>
+        <p:txBody>
+          <a:bodyPr>
+            <a:normAutofit/>
+          </a:bodyPr>
+          <a:lstStyle/>
+          <a:p>
+            <a:r>
+              <a:rPr lang="en-US" altLang="zh-TW" sz="3200" dirty="0"/>
+              <a:t>Calculations Q4</a:t>
+            </a:r>
+            <a:endParaRPr lang="zh-TW" altLang="en-US" sz="3200" dirty="0"/>
+          </a:p>
+        </p:txBody>
+      </p:sp>
+      <p:sp>
+        <p:nvSpPr>
+          <p:cNvPr id="4" name="投影片編號版面配置區 3">
+            <a:extLst>
+              <a:ext uri="{FF2B5EF4-FFF2-40B4-BE49-F238E27FC236}">
+                <a16:creationId xmlns:a16="http://schemas.microsoft.com/office/drawing/2014/main" id="{3F1EA6AD-3945-5A5F-70AE-CD8043429B6D}"/>
+              </a:ext>
+            </a:extLst>
+          </p:cNvPr>
+          <p:cNvSpPr>
+            <a:spLocks noGrp="1"/>
+          </p:cNvSpPr>
+          <p:nvPr>
+            <p:ph type="sldNum" sz="quarter" idx="12"/>
+          </p:nvPr>
+        </p:nvSpPr>
+        <p:spPr>
+          <a:xfrm>
+            <a:off x="531812" y="787782"/>
+            <a:ext cx="779767" cy="365125"/>
+          </a:xfrm>
+        </p:spPr>
+        <p:txBody>
+          <a:bodyPr>
+            <a:normAutofit/>
+          </a:bodyPr>
+          <a:lstStyle/>
+          <a:p>
+            <a:pPr>
+              <a:lnSpc>
+                <a:spcPct val="90000"/>
+              </a:lnSpc>
+              <a:spcAft>
+                <a:spcPts val="600"/>
+              </a:spcAft>
+            </a:pPr>
+            <a:fld id="{D57F1E4F-1CFF-5643-939E-217C01CDF565}" type="slidenum">
+              <a:rPr lang="en-US" sz="1900" smtClean="0"/>
+              <a:pPr>
+                <a:lnSpc>
+                  <a:spcPct val="90000"/>
+                </a:lnSpc>
+                <a:spcAft>
+                  <a:spcPts val="600"/>
+                </a:spcAft>
+              </a:pPr>
+              <a:t>28</a:t>
+            </a:fld>
+            <a:endParaRPr lang="en-US" sz="1900"/>
+          </a:p>
+        </p:txBody>
+      </p:sp>
+      <p:sp>
+        <p:nvSpPr>
+          <p:cNvPr id="5" name="內容版面配置區 4">
+            <a:extLst>
+              <a:ext uri="{FF2B5EF4-FFF2-40B4-BE49-F238E27FC236}">
+                <a16:creationId xmlns:a16="http://schemas.microsoft.com/office/drawing/2014/main" id="{CE9D8324-0E9D-0EA9-46A8-3FB0853E9E57}"/>
+              </a:ext>
+            </a:extLst>
+          </p:cNvPr>
+          <p:cNvSpPr>
+            <a:spLocks noGrp="1"/>
+          </p:cNvSpPr>
+          <p:nvPr>
+            <p:ph idx="1"/>
+          </p:nvPr>
+        </p:nvSpPr>
+        <p:spPr/>
+        <p:txBody>
+          <a:bodyPr/>
+          <a:lstStyle/>
+          <a:p>
+            <a:endParaRPr lang="zh-TW" altLang="en-US"/>
+          </a:p>
+        </p:txBody>
+      </p:sp>
+      <p:pic>
+        <p:nvPicPr>
+          <p:cNvPr id="8" name="圖片 7">
+            <a:extLst>
+              <a:ext uri="{FF2B5EF4-FFF2-40B4-BE49-F238E27FC236}">
+                <a16:creationId xmlns:a16="http://schemas.microsoft.com/office/drawing/2014/main" id="{A139C1D5-AFB9-8723-50A0-59A5F89C6129}"/>
+              </a:ext>
+            </a:extLst>
+          </p:cNvPr>
+          <p:cNvPicPr>
+            <a:picLocks noChangeAspect="1"/>
+          </p:cNvPicPr>
+          <p:nvPr/>
+        </p:nvPicPr>
+        <p:blipFill>
+          <a:blip r:embed="rId2"/>
+          <a:stretch>
+            <a:fillRect/>
+          </a:stretch>
+        </p:blipFill>
+        <p:spPr>
+          <a:xfrm>
+            <a:off x="1687669" y="1314245"/>
+            <a:ext cx="6354741" cy="5416331"/>
+          </a:xfrm>
+          <a:prstGeom prst="rect">
+            <a:avLst/>
+          </a:prstGeom>
+        </p:spPr>
+      </p:pic>
+    </p:spTree>
+    <p:extLst>
+      <p:ext uri="{BB962C8B-B14F-4D97-AF65-F5344CB8AC3E}">
+        <p14:creationId xmlns:p14="http://schemas.microsoft.com/office/powerpoint/2010/main" val="3392664434"/>
+      </p:ext>
+    </p:extLst>
+  </p:cSld>
+  <p:clrMapOvr>
+    <a:masterClrMapping/>
+  </p:clrMapOvr>
+</p:sld>
+</file>
+
+<file path=ppt/slides/slide29.xml><?xml version="1.0" encoding="utf-8"?>
+<p:sld xmlns:a="http://schemas.openxmlformats.org/drawingml/2006/main" xmlns:r="http://schemas.openxmlformats.org/officeDocument/2006/relationships" xmlns:p="http://schemas.openxmlformats.org/presentationml/2006/main">
+  <p:cSld>
+    <p:spTree>
+      <p:nvGrpSpPr>
+        <p:cNvPr id="1" name=""/>
+        <p:cNvGrpSpPr/>
+        <p:nvPr/>
+      </p:nvGrpSpPr>
+      <p:grpSpPr>
+        <a:xfrm>
+          <a:off x="0" y="0"/>
+          <a:ext cx="0" cy="0"/>
+          <a:chOff x="0" y="0"/>
+          <a:chExt cx="0" cy="0"/>
+        </a:xfrm>
+      </p:grpSpPr>
+      <p:sp>
+        <p:nvSpPr>
+          <p:cNvPr id="2" name="標題 1">
+            <a:extLst>
+              <a:ext uri="{FF2B5EF4-FFF2-40B4-BE49-F238E27FC236}">
+                <a16:creationId xmlns:a16="http://schemas.microsoft.com/office/drawing/2014/main" id="{9754B65C-1642-6FE5-D941-96E5D377AABC}"/>
+              </a:ext>
+            </a:extLst>
+          </p:cNvPr>
+          <p:cNvSpPr>
+            <a:spLocks noGrp="1"/>
+          </p:cNvSpPr>
+          <p:nvPr>
+            <p:ph type="title"/>
+          </p:nvPr>
+        </p:nvSpPr>
+        <p:spPr>
+          <a:xfrm>
+            <a:off x="1687669" y="624110"/>
+            <a:ext cx="4137059" cy="1280890"/>
+          </a:xfrm>
+        </p:spPr>
+        <p:txBody>
+          <a:bodyPr>
+            <a:normAutofit/>
+          </a:bodyPr>
+          <a:lstStyle/>
+          <a:p>
+            <a:r>
+              <a:rPr lang="en-US" altLang="zh-TW" sz="3200" dirty="0"/>
+              <a:t>Answer4.</a:t>
+            </a:r>
+            <a:endParaRPr lang="zh-TW" altLang="en-US" sz="3200" dirty="0"/>
+          </a:p>
+        </p:txBody>
+      </p:sp>
+      <p:sp>
+        <p:nvSpPr>
+          <p:cNvPr id="4" name="投影片編號版面配置區 3">
+            <a:extLst>
+              <a:ext uri="{FF2B5EF4-FFF2-40B4-BE49-F238E27FC236}">
+                <a16:creationId xmlns:a16="http://schemas.microsoft.com/office/drawing/2014/main" id="{3F1EA6AD-3945-5A5F-70AE-CD8043429B6D}"/>
+              </a:ext>
+            </a:extLst>
+          </p:cNvPr>
+          <p:cNvSpPr>
+            <a:spLocks noGrp="1"/>
+          </p:cNvSpPr>
+          <p:nvPr>
+            <p:ph type="sldNum" sz="quarter" idx="12"/>
+          </p:nvPr>
+        </p:nvSpPr>
+        <p:spPr>
+          <a:xfrm>
+            <a:off x="531812" y="787782"/>
+            <a:ext cx="779767" cy="365125"/>
+          </a:xfrm>
+        </p:spPr>
+        <p:txBody>
+          <a:bodyPr>
+            <a:normAutofit/>
+          </a:bodyPr>
+          <a:lstStyle/>
+          <a:p>
+            <a:pPr>
+              <a:lnSpc>
+                <a:spcPct val="90000"/>
+              </a:lnSpc>
+              <a:spcAft>
+                <a:spcPts val="600"/>
+              </a:spcAft>
+            </a:pPr>
+            <a:fld id="{D57F1E4F-1CFF-5643-939E-217C01CDF565}" type="slidenum">
+              <a:rPr lang="en-US" sz="1900" smtClean="0"/>
+              <a:pPr>
+                <a:lnSpc>
+                  <a:spcPct val="90000"/>
+                </a:lnSpc>
+                <a:spcAft>
+                  <a:spcPts val="600"/>
+                </a:spcAft>
+              </a:pPr>
+              <a:t>29</a:t>
+            </a:fld>
+            <a:endParaRPr lang="en-US" sz="1900"/>
+          </a:p>
+        </p:txBody>
+      </p:sp>
+      <p:sp>
+        <p:nvSpPr>
+          <p:cNvPr id="3" name="內容版面配置區 2">
+            <a:extLst>
+              <a:ext uri="{FF2B5EF4-FFF2-40B4-BE49-F238E27FC236}">
+                <a16:creationId xmlns:a16="http://schemas.microsoft.com/office/drawing/2014/main" id="{8A26720F-616D-E164-DA93-3A4EBED4F0AD}"/>
+              </a:ext>
+            </a:extLst>
+          </p:cNvPr>
+          <p:cNvSpPr>
+            <a:spLocks noGrp="1"/>
+          </p:cNvSpPr>
+          <p:nvPr>
+            <p:ph idx="1"/>
+          </p:nvPr>
+        </p:nvSpPr>
+        <p:spPr>
+          <a:xfrm>
+            <a:off x="1687669" y="1685364"/>
+            <a:ext cx="6074307" cy="3854824"/>
+          </a:xfrm>
+        </p:spPr>
+        <p:txBody>
+          <a:bodyPr>
+            <a:normAutofit fontScale="85000" lnSpcReduction="20000"/>
+          </a:bodyPr>
+          <a:lstStyle/>
+          <a:p>
+            <a:r>
+              <a:rPr lang="en-US" altLang="zh-TW" sz="1800" dirty="0">
+                <a:solidFill>
+                  <a:srgbClr val="0000FF"/>
+                </a:solidFill>
+                <a:latin typeface="細明體" panose="02020509000000000000" pitchFamily="49" charset="-120"/>
+                <a:ea typeface="細明體" panose="02020509000000000000" pitchFamily="49" charset="-120"/>
+              </a:rPr>
+              <a:t>SELECT</a:t>
+            </a:r>
+            <a:r>
+              <a:rPr lang="en-US" altLang="zh-TW" sz="1800" dirty="0">
+                <a:solidFill>
+                  <a:srgbClr val="000000"/>
+                </a:solidFill>
+                <a:latin typeface="細明體" panose="02020509000000000000" pitchFamily="49" charset="-120"/>
+                <a:ea typeface="細明體" panose="02020509000000000000" pitchFamily="49" charset="-120"/>
+              </a:rPr>
+              <a:t> t</a:t>
+            </a:r>
+            <a:r>
+              <a:rPr lang="en-US" altLang="zh-TW" sz="1800" dirty="0">
+                <a:solidFill>
+                  <a:srgbClr val="808080"/>
+                </a:solidFill>
+                <a:latin typeface="細明體" panose="02020509000000000000" pitchFamily="49" charset="-120"/>
+                <a:ea typeface="細明體" panose="02020509000000000000" pitchFamily="49" charset="-120"/>
+              </a:rPr>
+              <a:t>.</a:t>
+            </a:r>
+            <a:r>
+              <a:rPr lang="en-US" altLang="zh-TW" sz="1800" dirty="0">
+                <a:solidFill>
+                  <a:srgbClr val="000000"/>
+                </a:solidFill>
+                <a:latin typeface="細明體" panose="02020509000000000000" pitchFamily="49" charset="-120"/>
+                <a:ea typeface="細明體" panose="02020509000000000000" pitchFamily="49" charset="-120"/>
+              </a:rPr>
+              <a:t>[</a:t>
+            </a:r>
+            <a:r>
+              <a:rPr lang="en-US" altLang="zh-TW" sz="1800" dirty="0" err="1">
+                <a:solidFill>
+                  <a:srgbClr val="000000"/>
+                </a:solidFill>
+                <a:latin typeface="細明體" panose="02020509000000000000" pitchFamily="49" charset="-120"/>
+                <a:ea typeface="細明體" panose="02020509000000000000" pitchFamily="49" charset="-120"/>
+              </a:rPr>
+              <a:t>CountryName</a:t>
+            </a:r>
+            <a:r>
+              <a:rPr lang="en-US" altLang="zh-TW" sz="1800" dirty="0">
+                <a:solidFill>
+                  <a:srgbClr val="000000"/>
+                </a:solidFill>
+                <a:latin typeface="細明體" panose="02020509000000000000" pitchFamily="49" charset="-120"/>
+                <a:ea typeface="細明體" panose="02020509000000000000" pitchFamily="49" charset="-120"/>
+              </a:rPr>
+              <a:t>]</a:t>
+            </a:r>
+            <a:r>
+              <a:rPr lang="en-US" altLang="zh-TW" sz="1800" dirty="0">
+                <a:solidFill>
+                  <a:srgbClr val="808080"/>
+                </a:solidFill>
+                <a:latin typeface="細明體" panose="02020509000000000000" pitchFamily="49" charset="-120"/>
+                <a:ea typeface="細明體" panose="02020509000000000000" pitchFamily="49" charset="-120"/>
+              </a:rPr>
+              <a:t>,</a:t>
+            </a:r>
+            <a:endParaRPr lang="en-US" altLang="zh-TW" sz="1800" dirty="0">
+              <a:solidFill>
+                <a:srgbClr val="000000"/>
+              </a:solidFill>
+              <a:latin typeface="細明體" panose="02020509000000000000" pitchFamily="49" charset="-120"/>
+              <a:ea typeface="細明體" panose="02020509000000000000" pitchFamily="49" charset="-120"/>
+            </a:endParaRPr>
+          </a:p>
+          <a:p>
+            <a:endParaRPr lang="zh-TW" altLang="en-US" sz="1800" dirty="0">
+              <a:solidFill>
+                <a:srgbClr val="000000"/>
+              </a:solidFill>
+              <a:latin typeface="細明體" panose="02020509000000000000" pitchFamily="49" charset="-120"/>
+              <a:ea typeface="細明體" panose="02020509000000000000" pitchFamily="49" charset="-120"/>
+            </a:endParaRPr>
+          </a:p>
+          <a:p>
+            <a:r>
+              <a:rPr lang="en-US" altLang="zh-TW" sz="1800" dirty="0">
+                <a:solidFill>
+                  <a:srgbClr val="0000FF"/>
+                </a:solidFill>
+                <a:latin typeface="細明體" panose="02020509000000000000" pitchFamily="49" charset="-120"/>
+                <a:ea typeface="細明體" panose="02020509000000000000" pitchFamily="49" charset="-120"/>
+              </a:rPr>
+              <a:t>CASE</a:t>
+            </a:r>
+            <a:endParaRPr lang="en-US" altLang="zh-TW" sz="1800" dirty="0">
+              <a:solidFill>
+                <a:srgbClr val="000000"/>
+              </a:solidFill>
+              <a:latin typeface="細明體" panose="02020509000000000000" pitchFamily="49" charset="-120"/>
+              <a:ea typeface="細明體" panose="02020509000000000000" pitchFamily="49" charset="-120"/>
+            </a:endParaRPr>
+          </a:p>
+          <a:p>
+            <a:r>
+              <a:rPr lang="en-US" altLang="zh-TW" sz="1800" dirty="0">
+                <a:solidFill>
+                  <a:srgbClr val="0000FF"/>
+                </a:solidFill>
+                <a:latin typeface="細明體" panose="02020509000000000000" pitchFamily="49" charset="-120"/>
+                <a:ea typeface="細明體" panose="02020509000000000000" pitchFamily="49" charset="-120"/>
+              </a:rPr>
+              <a:t>WHEN</a:t>
+            </a:r>
+            <a:r>
+              <a:rPr lang="en-US" altLang="zh-TW" sz="1800" dirty="0">
+                <a:solidFill>
+                  <a:srgbClr val="000000"/>
+                </a:solidFill>
+                <a:latin typeface="細明體" panose="02020509000000000000" pitchFamily="49" charset="-120"/>
+                <a:ea typeface="細明體" panose="02020509000000000000" pitchFamily="49" charset="-120"/>
+              </a:rPr>
+              <a:t> </a:t>
+            </a:r>
+            <a:r>
+              <a:rPr lang="en-US" altLang="zh-TW" sz="1800" dirty="0" err="1">
+                <a:solidFill>
+                  <a:srgbClr val="000000"/>
+                </a:solidFill>
+                <a:latin typeface="細明體" panose="02020509000000000000" pitchFamily="49" charset="-120"/>
+                <a:ea typeface="細明體" panose="02020509000000000000" pitchFamily="49" charset="-120"/>
+              </a:rPr>
+              <a:t>t</a:t>
+            </a:r>
+            <a:r>
+              <a:rPr lang="en-US" altLang="zh-TW" sz="1800" dirty="0" err="1">
+                <a:solidFill>
+                  <a:srgbClr val="808080"/>
+                </a:solidFill>
+                <a:latin typeface="細明體" panose="02020509000000000000" pitchFamily="49" charset="-120"/>
+                <a:ea typeface="細明體" panose="02020509000000000000" pitchFamily="49" charset="-120"/>
+              </a:rPr>
+              <a:t>.</a:t>
+            </a:r>
+            <a:r>
+              <a:rPr lang="en-US" altLang="zh-TW" sz="1800" dirty="0" err="1">
+                <a:solidFill>
+                  <a:srgbClr val="000000"/>
+                </a:solidFill>
+                <a:latin typeface="細明體" panose="02020509000000000000" pitchFamily="49" charset="-120"/>
+                <a:ea typeface="細明體" panose="02020509000000000000" pitchFamily="49" charset="-120"/>
+              </a:rPr>
+              <a:t>ContinentID</a:t>
+            </a:r>
+            <a:r>
+              <a:rPr lang="en-US" altLang="zh-TW" sz="1800" dirty="0">
+                <a:solidFill>
+                  <a:srgbClr val="000000"/>
+                </a:solidFill>
+                <a:latin typeface="細明體" panose="02020509000000000000" pitchFamily="49" charset="-120"/>
+                <a:ea typeface="細明體" panose="02020509000000000000" pitchFamily="49" charset="-120"/>
+              </a:rPr>
+              <a:t> </a:t>
+            </a:r>
+            <a:r>
+              <a:rPr lang="en-US" altLang="zh-TW" sz="1800" dirty="0">
+                <a:solidFill>
+                  <a:srgbClr val="808080"/>
+                </a:solidFill>
+                <a:latin typeface="細明體" panose="02020509000000000000" pitchFamily="49" charset="-120"/>
+                <a:ea typeface="細明體" panose="02020509000000000000" pitchFamily="49" charset="-120"/>
+              </a:rPr>
+              <a:t>in(</a:t>
+            </a:r>
+            <a:r>
+              <a:rPr lang="en-US" altLang="zh-TW" sz="1800" dirty="0">
+                <a:solidFill>
+                  <a:srgbClr val="000000"/>
+                </a:solidFill>
+                <a:latin typeface="細明體" panose="02020509000000000000" pitchFamily="49" charset="-120"/>
+                <a:ea typeface="細明體" panose="02020509000000000000" pitchFamily="49" charset="-120"/>
+              </a:rPr>
+              <a:t>1</a:t>
+            </a:r>
+            <a:r>
+              <a:rPr lang="en-US" altLang="zh-TW" sz="1800" dirty="0">
+                <a:solidFill>
+                  <a:srgbClr val="808080"/>
+                </a:solidFill>
+                <a:latin typeface="細明體" panose="02020509000000000000" pitchFamily="49" charset="-120"/>
+                <a:ea typeface="細明體" panose="02020509000000000000" pitchFamily="49" charset="-120"/>
+              </a:rPr>
+              <a:t>,</a:t>
+            </a:r>
+            <a:r>
+              <a:rPr lang="en-US" altLang="zh-TW" sz="1800" dirty="0">
+                <a:solidFill>
+                  <a:srgbClr val="000000"/>
+                </a:solidFill>
+                <a:latin typeface="細明體" panose="02020509000000000000" pitchFamily="49" charset="-120"/>
+                <a:ea typeface="細明體" panose="02020509000000000000" pitchFamily="49" charset="-120"/>
+              </a:rPr>
+              <a:t>3</a:t>
+            </a:r>
+            <a:r>
+              <a:rPr lang="en-US" altLang="zh-TW" sz="1800" dirty="0">
+                <a:solidFill>
+                  <a:srgbClr val="808080"/>
+                </a:solidFill>
+                <a:latin typeface="細明體" panose="02020509000000000000" pitchFamily="49" charset="-120"/>
+                <a:ea typeface="細明體" panose="02020509000000000000" pitchFamily="49" charset="-120"/>
+              </a:rPr>
+              <a:t>)</a:t>
+            </a:r>
+            <a:r>
+              <a:rPr lang="en-US" altLang="zh-TW" sz="1800" dirty="0">
+                <a:solidFill>
+                  <a:srgbClr val="000000"/>
+                </a:solidFill>
+                <a:latin typeface="細明體" panose="02020509000000000000" pitchFamily="49" charset="-120"/>
+                <a:ea typeface="細明體" panose="02020509000000000000" pitchFamily="49" charset="-120"/>
+              </a:rPr>
+              <a:t> </a:t>
+            </a:r>
+            <a:r>
+              <a:rPr lang="en-US" altLang="zh-TW" sz="1800" dirty="0">
+                <a:solidFill>
+                  <a:srgbClr val="0000FF"/>
+                </a:solidFill>
+                <a:latin typeface="細明體" panose="02020509000000000000" pitchFamily="49" charset="-120"/>
+                <a:ea typeface="細明體" panose="02020509000000000000" pitchFamily="49" charset="-120"/>
+              </a:rPr>
+              <a:t>THEN</a:t>
+            </a:r>
+            <a:r>
+              <a:rPr lang="en-US" altLang="zh-TW" sz="1800" dirty="0">
+                <a:solidFill>
+                  <a:srgbClr val="000000"/>
+                </a:solidFill>
+                <a:latin typeface="細明體" panose="02020509000000000000" pitchFamily="49" charset="-120"/>
+                <a:ea typeface="細明體" panose="02020509000000000000" pitchFamily="49" charset="-120"/>
+              </a:rPr>
+              <a:t> </a:t>
+            </a:r>
+            <a:r>
+              <a:rPr lang="en-US" altLang="zh-TW" sz="1800" dirty="0">
+                <a:solidFill>
+                  <a:srgbClr val="FF0000"/>
+                </a:solidFill>
+                <a:latin typeface="細明體" panose="02020509000000000000" pitchFamily="49" charset="-120"/>
+                <a:ea typeface="細明體" panose="02020509000000000000" pitchFamily="49" charset="-120"/>
+              </a:rPr>
+              <a:t>'Eurasia'</a:t>
+            </a:r>
+            <a:endParaRPr lang="en-US" altLang="zh-TW" sz="1800" dirty="0">
+              <a:solidFill>
+                <a:srgbClr val="000000"/>
+              </a:solidFill>
+              <a:latin typeface="細明體" panose="02020509000000000000" pitchFamily="49" charset="-120"/>
+              <a:ea typeface="細明體" panose="02020509000000000000" pitchFamily="49" charset="-120"/>
+            </a:endParaRPr>
+          </a:p>
+          <a:p>
+            <a:r>
+              <a:rPr lang="en-US" altLang="zh-TW" sz="1800" dirty="0">
+                <a:solidFill>
+                  <a:srgbClr val="0000FF"/>
+                </a:solidFill>
+                <a:latin typeface="細明體" panose="02020509000000000000" pitchFamily="49" charset="-120"/>
+                <a:ea typeface="細明體" panose="02020509000000000000" pitchFamily="49" charset="-120"/>
+              </a:rPr>
+              <a:t>WHEN</a:t>
+            </a:r>
+            <a:r>
+              <a:rPr lang="en-US" altLang="zh-TW" sz="1800" dirty="0">
+                <a:solidFill>
+                  <a:srgbClr val="000000"/>
+                </a:solidFill>
+                <a:latin typeface="細明體" panose="02020509000000000000" pitchFamily="49" charset="-120"/>
+                <a:ea typeface="細明體" panose="02020509000000000000" pitchFamily="49" charset="-120"/>
+              </a:rPr>
+              <a:t> </a:t>
+            </a:r>
+            <a:r>
+              <a:rPr lang="en-US" altLang="zh-TW" sz="1800" dirty="0" err="1">
+                <a:solidFill>
+                  <a:srgbClr val="000000"/>
+                </a:solidFill>
+                <a:latin typeface="細明體" panose="02020509000000000000" pitchFamily="49" charset="-120"/>
+                <a:ea typeface="細明體" panose="02020509000000000000" pitchFamily="49" charset="-120"/>
+              </a:rPr>
+              <a:t>t</a:t>
+            </a:r>
+            <a:r>
+              <a:rPr lang="en-US" altLang="zh-TW" sz="1800" dirty="0" err="1">
+                <a:solidFill>
+                  <a:srgbClr val="808080"/>
+                </a:solidFill>
+                <a:latin typeface="細明體" panose="02020509000000000000" pitchFamily="49" charset="-120"/>
+                <a:ea typeface="細明體" panose="02020509000000000000" pitchFamily="49" charset="-120"/>
+              </a:rPr>
+              <a:t>.</a:t>
+            </a:r>
+            <a:r>
+              <a:rPr lang="en-US" altLang="zh-TW" sz="1800" dirty="0" err="1">
+                <a:solidFill>
+                  <a:srgbClr val="000000"/>
+                </a:solidFill>
+                <a:latin typeface="細明體" panose="02020509000000000000" pitchFamily="49" charset="-120"/>
+                <a:ea typeface="細明體" panose="02020509000000000000" pitchFamily="49" charset="-120"/>
+              </a:rPr>
+              <a:t>ContinentID</a:t>
+            </a:r>
+            <a:r>
+              <a:rPr lang="en-US" altLang="zh-TW" sz="1800" dirty="0">
+                <a:solidFill>
+                  <a:srgbClr val="000000"/>
+                </a:solidFill>
+                <a:latin typeface="細明體" panose="02020509000000000000" pitchFamily="49" charset="-120"/>
+                <a:ea typeface="細明體" panose="02020509000000000000" pitchFamily="49" charset="-120"/>
+              </a:rPr>
+              <a:t> </a:t>
+            </a:r>
+            <a:r>
+              <a:rPr lang="en-US" altLang="zh-TW" sz="1800" dirty="0">
+                <a:solidFill>
+                  <a:srgbClr val="808080"/>
+                </a:solidFill>
+                <a:latin typeface="細明體" panose="02020509000000000000" pitchFamily="49" charset="-120"/>
+                <a:ea typeface="細明體" panose="02020509000000000000" pitchFamily="49" charset="-120"/>
+              </a:rPr>
+              <a:t>in(</a:t>
+            </a:r>
+            <a:r>
+              <a:rPr lang="en-US" altLang="zh-TW" sz="1800" dirty="0">
+                <a:solidFill>
+                  <a:srgbClr val="000000"/>
+                </a:solidFill>
+                <a:latin typeface="細明體" panose="02020509000000000000" pitchFamily="49" charset="-120"/>
+                <a:ea typeface="細明體" panose="02020509000000000000" pitchFamily="49" charset="-120"/>
+              </a:rPr>
+              <a:t>5</a:t>
+            </a:r>
+            <a:r>
+              <a:rPr lang="en-US" altLang="zh-TW" sz="1800" dirty="0">
+                <a:solidFill>
+                  <a:srgbClr val="808080"/>
+                </a:solidFill>
+                <a:latin typeface="細明體" panose="02020509000000000000" pitchFamily="49" charset="-120"/>
+                <a:ea typeface="細明體" panose="02020509000000000000" pitchFamily="49" charset="-120"/>
+              </a:rPr>
+              <a:t>,</a:t>
+            </a:r>
+            <a:r>
+              <a:rPr lang="en-US" altLang="zh-TW" sz="1800" dirty="0">
+                <a:solidFill>
+                  <a:srgbClr val="000000"/>
+                </a:solidFill>
+                <a:latin typeface="細明體" panose="02020509000000000000" pitchFamily="49" charset="-120"/>
+                <a:ea typeface="細明體" panose="02020509000000000000" pitchFamily="49" charset="-120"/>
+              </a:rPr>
+              <a:t>6</a:t>
+            </a:r>
+            <a:r>
+              <a:rPr lang="en-US" altLang="zh-TW" sz="1800" dirty="0">
+                <a:solidFill>
+                  <a:srgbClr val="808080"/>
+                </a:solidFill>
+                <a:latin typeface="細明體" panose="02020509000000000000" pitchFamily="49" charset="-120"/>
+                <a:ea typeface="細明體" panose="02020509000000000000" pitchFamily="49" charset="-120"/>
+              </a:rPr>
+              <a:t>)</a:t>
+            </a:r>
+            <a:r>
+              <a:rPr lang="en-US" altLang="zh-TW" sz="1800" dirty="0">
+                <a:solidFill>
+                  <a:srgbClr val="000000"/>
+                </a:solidFill>
+                <a:latin typeface="細明體" panose="02020509000000000000" pitchFamily="49" charset="-120"/>
+                <a:ea typeface="細明體" panose="02020509000000000000" pitchFamily="49" charset="-120"/>
+              </a:rPr>
+              <a:t> </a:t>
+            </a:r>
+            <a:r>
+              <a:rPr lang="en-US" altLang="zh-TW" sz="1800" dirty="0">
+                <a:solidFill>
+                  <a:srgbClr val="0000FF"/>
+                </a:solidFill>
+                <a:latin typeface="細明體" panose="02020509000000000000" pitchFamily="49" charset="-120"/>
+                <a:ea typeface="細明體" panose="02020509000000000000" pitchFamily="49" charset="-120"/>
+              </a:rPr>
+              <a:t>THEN</a:t>
+            </a:r>
+            <a:r>
+              <a:rPr lang="en-US" altLang="zh-TW" sz="1800" dirty="0">
+                <a:solidFill>
+                  <a:srgbClr val="000000"/>
+                </a:solidFill>
+                <a:latin typeface="細明體" panose="02020509000000000000" pitchFamily="49" charset="-120"/>
+                <a:ea typeface="細明體" panose="02020509000000000000" pitchFamily="49" charset="-120"/>
+              </a:rPr>
+              <a:t> </a:t>
+            </a:r>
+            <a:r>
+              <a:rPr lang="en-US" altLang="zh-TW" sz="1800" dirty="0">
+                <a:solidFill>
+                  <a:srgbClr val="FF0000"/>
+                </a:solidFill>
+                <a:latin typeface="細明體" panose="02020509000000000000" pitchFamily="49" charset="-120"/>
+                <a:ea typeface="細明體" panose="02020509000000000000" pitchFamily="49" charset="-120"/>
+              </a:rPr>
+              <a:t>'Americas'</a:t>
+            </a:r>
+            <a:endParaRPr lang="en-US" altLang="zh-TW" sz="1800" dirty="0">
+              <a:solidFill>
+                <a:srgbClr val="000000"/>
+              </a:solidFill>
+              <a:latin typeface="細明體" panose="02020509000000000000" pitchFamily="49" charset="-120"/>
+              <a:ea typeface="細明體" panose="02020509000000000000" pitchFamily="49" charset="-120"/>
+            </a:endParaRPr>
+          </a:p>
+          <a:p>
+            <a:r>
+              <a:rPr lang="en-US" altLang="zh-TW" sz="1800" dirty="0">
+                <a:solidFill>
+                  <a:srgbClr val="0000FF"/>
+                </a:solidFill>
+                <a:latin typeface="細明體" panose="02020509000000000000" pitchFamily="49" charset="-120"/>
+                <a:ea typeface="細明體" panose="02020509000000000000" pitchFamily="49" charset="-120"/>
+              </a:rPr>
+              <a:t>WHEN</a:t>
+            </a:r>
+            <a:r>
+              <a:rPr lang="en-US" altLang="zh-TW" sz="1800" dirty="0">
+                <a:solidFill>
+                  <a:srgbClr val="000000"/>
+                </a:solidFill>
+                <a:latin typeface="細明體" panose="02020509000000000000" pitchFamily="49" charset="-120"/>
+                <a:ea typeface="細明體" panose="02020509000000000000" pitchFamily="49" charset="-120"/>
+              </a:rPr>
+              <a:t> </a:t>
+            </a:r>
+            <a:r>
+              <a:rPr lang="en-US" altLang="zh-TW" sz="1800" dirty="0" err="1">
+                <a:solidFill>
+                  <a:srgbClr val="000000"/>
+                </a:solidFill>
+                <a:latin typeface="細明體" panose="02020509000000000000" pitchFamily="49" charset="-120"/>
+                <a:ea typeface="細明體" panose="02020509000000000000" pitchFamily="49" charset="-120"/>
+              </a:rPr>
+              <a:t>t</a:t>
+            </a:r>
+            <a:r>
+              <a:rPr lang="en-US" altLang="zh-TW" sz="1800" dirty="0" err="1">
+                <a:solidFill>
+                  <a:srgbClr val="808080"/>
+                </a:solidFill>
+                <a:latin typeface="細明體" panose="02020509000000000000" pitchFamily="49" charset="-120"/>
+                <a:ea typeface="細明體" panose="02020509000000000000" pitchFamily="49" charset="-120"/>
+              </a:rPr>
+              <a:t>.</a:t>
+            </a:r>
+            <a:r>
+              <a:rPr lang="en-US" altLang="zh-TW" sz="1800" dirty="0" err="1">
+                <a:solidFill>
+                  <a:srgbClr val="000000"/>
+                </a:solidFill>
+                <a:latin typeface="細明體" panose="02020509000000000000" pitchFamily="49" charset="-120"/>
+                <a:ea typeface="細明體" panose="02020509000000000000" pitchFamily="49" charset="-120"/>
+              </a:rPr>
+              <a:t>ContinentID</a:t>
+            </a:r>
+            <a:r>
+              <a:rPr lang="en-US" altLang="zh-TW" sz="1800" dirty="0">
+                <a:solidFill>
+                  <a:srgbClr val="000000"/>
+                </a:solidFill>
+                <a:latin typeface="細明體" panose="02020509000000000000" pitchFamily="49" charset="-120"/>
+                <a:ea typeface="細明體" panose="02020509000000000000" pitchFamily="49" charset="-120"/>
+              </a:rPr>
+              <a:t> </a:t>
+            </a:r>
+            <a:r>
+              <a:rPr lang="en-US" altLang="zh-TW" sz="1800" dirty="0">
+                <a:solidFill>
+                  <a:srgbClr val="808080"/>
+                </a:solidFill>
+                <a:latin typeface="細明體" panose="02020509000000000000" pitchFamily="49" charset="-120"/>
+                <a:ea typeface="細明體" panose="02020509000000000000" pitchFamily="49" charset="-120"/>
+              </a:rPr>
+              <a:t>in(</a:t>
+            </a:r>
+            <a:r>
+              <a:rPr lang="en-US" altLang="zh-TW" sz="1800" dirty="0">
+                <a:solidFill>
+                  <a:srgbClr val="000000"/>
+                </a:solidFill>
+                <a:latin typeface="細明體" panose="02020509000000000000" pitchFamily="49" charset="-120"/>
+                <a:ea typeface="細明體" panose="02020509000000000000" pitchFamily="49" charset="-120"/>
+              </a:rPr>
+              <a:t>2</a:t>
+            </a:r>
+            <a:r>
+              <a:rPr lang="en-US" altLang="zh-TW" sz="1800" dirty="0">
+                <a:solidFill>
+                  <a:srgbClr val="808080"/>
+                </a:solidFill>
+                <a:latin typeface="細明體" panose="02020509000000000000" pitchFamily="49" charset="-120"/>
+                <a:ea typeface="細明體" panose="02020509000000000000" pitchFamily="49" charset="-120"/>
+              </a:rPr>
+              <a:t>,</a:t>
+            </a:r>
+            <a:r>
+              <a:rPr lang="en-US" altLang="zh-TW" sz="1800" dirty="0">
+                <a:solidFill>
+                  <a:srgbClr val="000000"/>
+                </a:solidFill>
+                <a:latin typeface="細明體" panose="02020509000000000000" pitchFamily="49" charset="-120"/>
+                <a:ea typeface="細明體" panose="02020509000000000000" pitchFamily="49" charset="-120"/>
+              </a:rPr>
+              <a:t>4</a:t>
+            </a:r>
+            <a:r>
+              <a:rPr lang="en-US" altLang="zh-TW" sz="1800" dirty="0">
+                <a:solidFill>
+                  <a:srgbClr val="808080"/>
+                </a:solidFill>
+                <a:latin typeface="細明體" panose="02020509000000000000" pitchFamily="49" charset="-120"/>
+                <a:ea typeface="細明體" panose="02020509000000000000" pitchFamily="49" charset="-120"/>
+              </a:rPr>
+              <a:t>)</a:t>
+            </a:r>
+            <a:r>
+              <a:rPr lang="en-US" altLang="zh-TW" sz="1800" dirty="0">
+                <a:solidFill>
+                  <a:srgbClr val="000000"/>
+                </a:solidFill>
+                <a:latin typeface="細明體" panose="02020509000000000000" pitchFamily="49" charset="-120"/>
+                <a:ea typeface="細明體" panose="02020509000000000000" pitchFamily="49" charset="-120"/>
+              </a:rPr>
+              <a:t> </a:t>
+            </a:r>
+            <a:r>
+              <a:rPr lang="en-US" altLang="zh-TW" sz="1800" dirty="0">
+                <a:solidFill>
+                  <a:srgbClr val="0000FF"/>
+                </a:solidFill>
+                <a:latin typeface="細明體" panose="02020509000000000000" pitchFamily="49" charset="-120"/>
+                <a:ea typeface="細明體" panose="02020509000000000000" pitchFamily="49" charset="-120"/>
+              </a:rPr>
+              <a:t>THEN</a:t>
+            </a:r>
+            <a:r>
+              <a:rPr lang="en-US" altLang="zh-TW" sz="1800" dirty="0">
+                <a:solidFill>
+                  <a:srgbClr val="000000"/>
+                </a:solidFill>
+                <a:latin typeface="細明體" panose="02020509000000000000" pitchFamily="49" charset="-120"/>
+                <a:ea typeface="細明體" panose="02020509000000000000" pitchFamily="49" charset="-120"/>
+              </a:rPr>
+              <a:t> </a:t>
+            </a:r>
+            <a:r>
+              <a:rPr lang="en-US" altLang="zh-TW" sz="1800" dirty="0">
+                <a:solidFill>
+                  <a:srgbClr val="FF0000"/>
+                </a:solidFill>
+                <a:latin typeface="細明體" panose="02020509000000000000" pitchFamily="49" charset="-120"/>
+                <a:ea typeface="細明體" panose="02020509000000000000" pitchFamily="49" charset="-120"/>
+              </a:rPr>
+              <a:t>'Somewhere hot'</a:t>
+            </a:r>
+            <a:endParaRPr lang="en-US" altLang="zh-TW" sz="1800" dirty="0">
+              <a:solidFill>
+                <a:srgbClr val="000000"/>
+              </a:solidFill>
+              <a:latin typeface="細明體" panose="02020509000000000000" pitchFamily="49" charset="-120"/>
+              <a:ea typeface="細明體" panose="02020509000000000000" pitchFamily="49" charset="-120"/>
+            </a:endParaRPr>
+          </a:p>
+          <a:p>
+            <a:r>
+              <a:rPr lang="en-US" altLang="zh-TW" sz="1800" dirty="0">
+                <a:solidFill>
+                  <a:srgbClr val="0000FF"/>
+                </a:solidFill>
+                <a:latin typeface="細明體" panose="02020509000000000000" pitchFamily="49" charset="-120"/>
+                <a:ea typeface="細明體" panose="02020509000000000000" pitchFamily="49" charset="-120"/>
+              </a:rPr>
+              <a:t>WHEN</a:t>
+            </a:r>
+            <a:r>
+              <a:rPr lang="en-US" altLang="zh-TW" sz="1800" dirty="0">
+                <a:solidFill>
+                  <a:srgbClr val="000000"/>
+                </a:solidFill>
+                <a:latin typeface="細明體" panose="02020509000000000000" pitchFamily="49" charset="-120"/>
+                <a:ea typeface="細明體" panose="02020509000000000000" pitchFamily="49" charset="-120"/>
+              </a:rPr>
+              <a:t> </a:t>
+            </a:r>
+            <a:r>
+              <a:rPr lang="en-US" altLang="zh-TW" sz="1800" dirty="0" err="1">
+                <a:solidFill>
+                  <a:srgbClr val="000000"/>
+                </a:solidFill>
+                <a:latin typeface="細明體" panose="02020509000000000000" pitchFamily="49" charset="-120"/>
+                <a:ea typeface="細明體" panose="02020509000000000000" pitchFamily="49" charset="-120"/>
+              </a:rPr>
+              <a:t>t</a:t>
+            </a:r>
+            <a:r>
+              <a:rPr lang="en-US" altLang="zh-TW" sz="1800" dirty="0" err="1">
+                <a:solidFill>
+                  <a:srgbClr val="808080"/>
+                </a:solidFill>
+                <a:latin typeface="細明體" panose="02020509000000000000" pitchFamily="49" charset="-120"/>
+                <a:ea typeface="細明體" panose="02020509000000000000" pitchFamily="49" charset="-120"/>
+              </a:rPr>
+              <a:t>.</a:t>
+            </a:r>
+            <a:r>
+              <a:rPr lang="en-US" altLang="zh-TW" sz="1800" dirty="0" err="1">
+                <a:solidFill>
+                  <a:srgbClr val="000000"/>
+                </a:solidFill>
+                <a:latin typeface="細明體" panose="02020509000000000000" pitchFamily="49" charset="-120"/>
+                <a:ea typeface="細明體" panose="02020509000000000000" pitchFamily="49" charset="-120"/>
+              </a:rPr>
+              <a:t>ContinentID</a:t>
+            </a:r>
+            <a:r>
+              <a:rPr lang="en-US" altLang="zh-TW" sz="1800" dirty="0">
+                <a:solidFill>
+                  <a:srgbClr val="000000"/>
+                </a:solidFill>
+                <a:latin typeface="細明體" panose="02020509000000000000" pitchFamily="49" charset="-120"/>
+                <a:ea typeface="細明體" panose="02020509000000000000" pitchFamily="49" charset="-120"/>
+              </a:rPr>
+              <a:t> </a:t>
+            </a:r>
+            <a:r>
+              <a:rPr lang="en-US" altLang="zh-TW" sz="1800" dirty="0">
+                <a:solidFill>
+                  <a:srgbClr val="808080"/>
+                </a:solidFill>
+                <a:latin typeface="細明體" panose="02020509000000000000" pitchFamily="49" charset="-120"/>
+                <a:ea typeface="細明體" panose="02020509000000000000" pitchFamily="49" charset="-120"/>
+              </a:rPr>
+              <a:t>=</a:t>
+            </a:r>
+            <a:r>
+              <a:rPr lang="en-US" altLang="zh-TW" sz="1800" dirty="0">
+                <a:solidFill>
+                  <a:srgbClr val="000000"/>
+                </a:solidFill>
+                <a:latin typeface="細明體" panose="02020509000000000000" pitchFamily="49" charset="-120"/>
+                <a:ea typeface="細明體" panose="02020509000000000000" pitchFamily="49" charset="-120"/>
+              </a:rPr>
+              <a:t>7 </a:t>
+            </a:r>
+            <a:r>
+              <a:rPr lang="en-US" altLang="zh-TW" sz="1800" dirty="0">
+                <a:solidFill>
+                  <a:srgbClr val="0000FF"/>
+                </a:solidFill>
+                <a:latin typeface="細明體" panose="02020509000000000000" pitchFamily="49" charset="-120"/>
+                <a:ea typeface="細明體" panose="02020509000000000000" pitchFamily="49" charset="-120"/>
+              </a:rPr>
+              <a:t>THEN</a:t>
+            </a:r>
+            <a:r>
+              <a:rPr lang="en-US" altLang="zh-TW" sz="1800" dirty="0">
+                <a:solidFill>
+                  <a:srgbClr val="000000"/>
+                </a:solidFill>
+                <a:latin typeface="細明體" panose="02020509000000000000" pitchFamily="49" charset="-120"/>
+                <a:ea typeface="細明體" panose="02020509000000000000" pitchFamily="49" charset="-120"/>
+              </a:rPr>
+              <a:t> </a:t>
+            </a:r>
+            <a:r>
+              <a:rPr lang="en-US" altLang="zh-TW" sz="1800" dirty="0">
+                <a:solidFill>
+                  <a:srgbClr val="FF0000"/>
+                </a:solidFill>
+                <a:latin typeface="細明體" panose="02020509000000000000" pitchFamily="49" charset="-120"/>
+                <a:ea typeface="細明體" panose="02020509000000000000" pitchFamily="49" charset="-120"/>
+              </a:rPr>
+              <a:t>'Somewhere cold'</a:t>
+            </a:r>
+            <a:endParaRPr lang="en-US" altLang="zh-TW" sz="1800" dirty="0">
+              <a:solidFill>
+                <a:srgbClr val="000000"/>
+              </a:solidFill>
+              <a:latin typeface="細明體" panose="02020509000000000000" pitchFamily="49" charset="-120"/>
+              <a:ea typeface="細明體" panose="02020509000000000000" pitchFamily="49" charset="-120"/>
+            </a:endParaRPr>
+          </a:p>
+          <a:p>
+            <a:r>
+              <a:rPr lang="en-US" altLang="zh-TW" sz="1800" dirty="0">
+                <a:solidFill>
+                  <a:srgbClr val="0000FF"/>
+                </a:solidFill>
+                <a:latin typeface="細明體" panose="02020509000000000000" pitchFamily="49" charset="-120"/>
+                <a:ea typeface="細明體" panose="02020509000000000000" pitchFamily="49" charset="-120"/>
+              </a:rPr>
+              <a:t>else</a:t>
+            </a:r>
+            <a:r>
+              <a:rPr lang="en-US" altLang="zh-TW" sz="1800" dirty="0">
+                <a:solidFill>
+                  <a:srgbClr val="000000"/>
+                </a:solidFill>
+                <a:latin typeface="細明體" panose="02020509000000000000" pitchFamily="49" charset="-120"/>
+                <a:ea typeface="細明體" panose="02020509000000000000" pitchFamily="49" charset="-120"/>
+              </a:rPr>
+              <a:t> </a:t>
+            </a:r>
+            <a:r>
+              <a:rPr lang="en-US" altLang="zh-TW" sz="1800" dirty="0">
+                <a:solidFill>
+                  <a:srgbClr val="FF0000"/>
+                </a:solidFill>
+                <a:latin typeface="細明體" panose="02020509000000000000" pitchFamily="49" charset="-120"/>
+                <a:ea typeface="細明體" panose="02020509000000000000" pitchFamily="49" charset="-120"/>
+              </a:rPr>
+              <a:t>'Somewhere else'</a:t>
+            </a:r>
+            <a:endParaRPr lang="en-US" altLang="zh-TW" sz="1800" dirty="0">
+              <a:solidFill>
+                <a:srgbClr val="000000"/>
+              </a:solidFill>
+              <a:latin typeface="細明體" panose="02020509000000000000" pitchFamily="49" charset="-120"/>
+              <a:ea typeface="細明體" panose="02020509000000000000" pitchFamily="49" charset="-120"/>
+            </a:endParaRPr>
+          </a:p>
+          <a:p>
+            <a:r>
+              <a:rPr lang="en-US" altLang="zh-TW" sz="1800" dirty="0">
+                <a:solidFill>
+                  <a:srgbClr val="0000FF"/>
+                </a:solidFill>
+                <a:latin typeface="細明體" panose="02020509000000000000" pitchFamily="49" charset="-120"/>
+                <a:ea typeface="細明體" panose="02020509000000000000" pitchFamily="49" charset="-120"/>
+              </a:rPr>
+              <a:t>END</a:t>
+            </a:r>
+            <a:r>
+              <a:rPr lang="en-US" altLang="zh-TW" sz="1800" dirty="0">
+                <a:solidFill>
+                  <a:srgbClr val="000000"/>
+                </a:solidFill>
+                <a:latin typeface="細明體" panose="02020509000000000000" pitchFamily="49" charset="-120"/>
+                <a:ea typeface="細明體" panose="02020509000000000000" pitchFamily="49" charset="-120"/>
+              </a:rPr>
+              <a:t> </a:t>
+            </a:r>
+            <a:r>
+              <a:rPr lang="en-US" altLang="zh-TW" sz="1800" dirty="0">
+                <a:solidFill>
+                  <a:srgbClr val="0000FF"/>
+                </a:solidFill>
+                <a:latin typeface="細明體" panose="02020509000000000000" pitchFamily="49" charset="-120"/>
+                <a:ea typeface="細明體" panose="02020509000000000000" pitchFamily="49" charset="-120"/>
+              </a:rPr>
+              <a:t>AS</a:t>
+            </a:r>
+            <a:r>
+              <a:rPr lang="en-US" altLang="zh-TW" sz="1800" dirty="0">
+                <a:solidFill>
+                  <a:srgbClr val="000000"/>
+                </a:solidFill>
+                <a:latin typeface="細明體" panose="02020509000000000000" pitchFamily="49" charset="-120"/>
+                <a:ea typeface="細明體" panose="02020509000000000000" pitchFamily="49" charset="-120"/>
+              </a:rPr>
+              <a:t> </a:t>
+            </a:r>
+            <a:r>
+              <a:rPr lang="en-US" altLang="zh-TW" sz="1800" dirty="0">
+                <a:solidFill>
+                  <a:srgbClr val="FF0000"/>
+                </a:solidFill>
+                <a:latin typeface="細明體" panose="02020509000000000000" pitchFamily="49" charset="-120"/>
+                <a:ea typeface="細明體" panose="02020509000000000000" pitchFamily="49" charset="-120"/>
+              </a:rPr>
+              <a:t>'</a:t>
+            </a:r>
+            <a:r>
+              <a:rPr lang="en-US" altLang="zh-TW" sz="1800" dirty="0" err="1">
+                <a:solidFill>
+                  <a:srgbClr val="FF0000"/>
+                </a:solidFill>
+                <a:latin typeface="細明體" panose="02020509000000000000" pitchFamily="49" charset="-120"/>
+                <a:ea typeface="細明體" panose="02020509000000000000" pitchFamily="49" charset="-120"/>
+              </a:rPr>
+              <a:t>CountryLocation</a:t>
+            </a:r>
+            <a:r>
+              <a:rPr lang="en-US" altLang="zh-TW" sz="1800" dirty="0">
+                <a:solidFill>
+                  <a:srgbClr val="FF0000"/>
+                </a:solidFill>
+                <a:latin typeface="細明體" panose="02020509000000000000" pitchFamily="49" charset="-120"/>
+                <a:ea typeface="細明體" panose="02020509000000000000" pitchFamily="49" charset="-120"/>
+              </a:rPr>
+              <a:t>'</a:t>
+            </a:r>
+            <a:endParaRPr lang="en-US" altLang="zh-TW" sz="1800" dirty="0">
+              <a:solidFill>
+                <a:srgbClr val="000000"/>
+              </a:solidFill>
+              <a:latin typeface="細明體" panose="02020509000000000000" pitchFamily="49" charset="-120"/>
+              <a:ea typeface="細明體" panose="02020509000000000000" pitchFamily="49" charset="-120"/>
+            </a:endParaRPr>
+          </a:p>
+          <a:p>
+            <a:r>
+              <a:rPr lang="zh-TW" altLang="en-US" sz="1800" dirty="0">
+                <a:solidFill>
+                  <a:srgbClr val="000000"/>
+                </a:solidFill>
+                <a:latin typeface="細明體" panose="02020509000000000000" pitchFamily="49" charset="-120"/>
+                <a:ea typeface="細明體" panose="02020509000000000000" pitchFamily="49" charset="-120"/>
+              </a:rPr>
+              <a:t>      </a:t>
+            </a:r>
+          </a:p>
+          <a:p>
+            <a:r>
+              <a:rPr lang="en-US" altLang="zh-TW" sz="1800" dirty="0">
+                <a:solidFill>
+                  <a:srgbClr val="0000FF"/>
+                </a:solidFill>
+                <a:latin typeface="細明體" panose="02020509000000000000" pitchFamily="49" charset="-120"/>
+                <a:ea typeface="細明體" panose="02020509000000000000" pitchFamily="49" charset="-120"/>
+              </a:rPr>
+              <a:t>FROM</a:t>
+            </a:r>
+            <a:r>
+              <a:rPr lang="en-US" altLang="zh-TW" sz="1800" dirty="0">
+                <a:solidFill>
+                  <a:srgbClr val="000000"/>
+                </a:solidFill>
+                <a:latin typeface="細明體" panose="02020509000000000000" pitchFamily="49" charset="-120"/>
+                <a:ea typeface="細明體" panose="02020509000000000000" pitchFamily="49" charset="-120"/>
+              </a:rPr>
+              <a:t> [</a:t>
+            </a:r>
+            <a:r>
+              <a:rPr lang="en-US" altLang="zh-TW" sz="1800" dirty="0" err="1">
+                <a:solidFill>
+                  <a:srgbClr val="000000"/>
+                </a:solidFill>
+                <a:latin typeface="細明體" panose="02020509000000000000" pitchFamily="49" charset="-120"/>
+                <a:ea typeface="細明體" panose="02020509000000000000" pitchFamily="49" charset="-120"/>
+              </a:rPr>
+              <a:t>WorldEvents</a:t>
+            </a:r>
+            <a:r>
+              <a:rPr lang="en-US" altLang="zh-TW" sz="1800" dirty="0">
+                <a:solidFill>
+                  <a:srgbClr val="000000"/>
+                </a:solidFill>
+                <a:latin typeface="細明體" panose="02020509000000000000" pitchFamily="49" charset="-120"/>
+                <a:ea typeface="細明體" panose="02020509000000000000" pitchFamily="49" charset="-120"/>
+              </a:rPr>
+              <a:t>]</a:t>
+            </a:r>
+            <a:r>
+              <a:rPr lang="en-US" altLang="zh-TW" sz="1800" dirty="0">
+                <a:solidFill>
+                  <a:srgbClr val="808080"/>
+                </a:solidFill>
+                <a:latin typeface="細明體" panose="02020509000000000000" pitchFamily="49" charset="-120"/>
+                <a:ea typeface="細明體" panose="02020509000000000000" pitchFamily="49" charset="-120"/>
+              </a:rPr>
+              <a:t>.</a:t>
+            </a:r>
+            <a:r>
+              <a:rPr lang="en-US" altLang="zh-TW" sz="1800" dirty="0">
+                <a:solidFill>
+                  <a:srgbClr val="000000"/>
+                </a:solidFill>
+                <a:latin typeface="細明體" panose="02020509000000000000" pitchFamily="49" charset="-120"/>
+                <a:ea typeface="細明體" panose="02020509000000000000" pitchFamily="49" charset="-120"/>
+              </a:rPr>
+              <a:t>[</a:t>
+            </a:r>
+            <a:r>
+              <a:rPr lang="en-US" altLang="zh-TW" sz="1800" dirty="0" err="1">
+                <a:solidFill>
+                  <a:srgbClr val="000000"/>
+                </a:solidFill>
+                <a:latin typeface="細明體" panose="02020509000000000000" pitchFamily="49" charset="-120"/>
+                <a:ea typeface="細明體" panose="02020509000000000000" pitchFamily="49" charset="-120"/>
+              </a:rPr>
+              <a:t>dbo</a:t>
+            </a:r>
+            <a:r>
+              <a:rPr lang="en-US" altLang="zh-TW" sz="1800" dirty="0">
+                <a:solidFill>
+                  <a:srgbClr val="000000"/>
+                </a:solidFill>
+                <a:latin typeface="細明體" panose="02020509000000000000" pitchFamily="49" charset="-120"/>
+                <a:ea typeface="細明體" panose="02020509000000000000" pitchFamily="49" charset="-120"/>
+              </a:rPr>
+              <a:t>]</a:t>
+            </a:r>
+            <a:r>
+              <a:rPr lang="en-US" altLang="zh-TW" sz="1800" dirty="0">
+                <a:solidFill>
+                  <a:srgbClr val="808080"/>
+                </a:solidFill>
+                <a:latin typeface="細明體" panose="02020509000000000000" pitchFamily="49" charset="-120"/>
+                <a:ea typeface="細明體" panose="02020509000000000000" pitchFamily="49" charset="-120"/>
+              </a:rPr>
+              <a:t>.</a:t>
+            </a:r>
+            <a:r>
+              <a:rPr lang="en-US" altLang="zh-TW" sz="1800" dirty="0">
+                <a:solidFill>
+                  <a:srgbClr val="000000"/>
+                </a:solidFill>
+                <a:latin typeface="細明體" panose="02020509000000000000" pitchFamily="49" charset="-120"/>
+                <a:ea typeface="細明體" panose="02020509000000000000" pitchFamily="49" charset="-120"/>
+              </a:rPr>
+              <a:t>[</a:t>
+            </a:r>
+            <a:r>
+              <a:rPr lang="en-US" altLang="zh-TW" sz="1800" dirty="0" err="1">
+                <a:solidFill>
+                  <a:srgbClr val="000000"/>
+                </a:solidFill>
+                <a:latin typeface="細明體" panose="02020509000000000000" pitchFamily="49" charset="-120"/>
+                <a:ea typeface="細明體" panose="02020509000000000000" pitchFamily="49" charset="-120"/>
+              </a:rPr>
+              <a:t>tblCountry</a:t>
+            </a:r>
+            <a:r>
+              <a:rPr lang="en-US" altLang="zh-TW" sz="1800" dirty="0">
+                <a:solidFill>
+                  <a:srgbClr val="000000"/>
+                </a:solidFill>
+                <a:latin typeface="細明體" panose="02020509000000000000" pitchFamily="49" charset="-120"/>
+                <a:ea typeface="細明體" panose="02020509000000000000" pitchFamily="49" charset="-120"/>
+              </a:rPr>
+              <a:t>] </a:t>
+            </a:r>
+            <a:r>
+              <a:rPr lang="en-US" altLang="zh-TW" sz="1800" dirty="0">
+                <a:solidFill>
+                  <a:srgbClr val="0000FF"/>
+                </a:solidFill>
+                <a:latin typeface="細明體" panose="02020509000000000000" pitchFamily="49" charset="-120"/>
+                <a:ea typeface="細明體" panose="02020509000000000000" pitchFamily="49" charset="-120"/>
+              </a:rPr>
+              <a:t>as</a:t>
+            </a:r>
+            <a:r>
+              <a:rPr lang="en-US" altLang="zh-TW" sz="1800" dirty="0">
+                <a:solidFill>
+                  <a:srgbClr val="000000"/>
+                </a:solidFill>
+                <a:latin typeface="細明體" panose="02020509000000000000" pitchFamily="49" charset="-120"/>
+                <a:ea typeface="細明體" panose="02020509000000000000" pitchFamily="49" charset="-120"/>
+              </a:rPr>
+              <a:t> t</a:t>
+            </a:r>
+          </a:p>
+          <a:p>
+            <a:r>
+              <a:rPr lang="en-US" altLang="zh-TW" sz="1800" dirty="0">
+                <a:solidFill>
+                  <a:srgbClr val="0000FF"/>
+                </a:solidFill>
+                <a:latin typeface="細明體" panose="02020509000000000000" pitchFamily="49" charset="-120"/>
+                <a:ea typeface="細明體" panose="02020509000000000000" pitchFamily="49" charset="-120"/>
+              </a:rPr>
+              <a:t>ORDER</a:t>
+            </a:r>
+            <a:r>
+              <a:rPr lang="en-US" altLang="zh-TW" sz="1800" dirty="0">
+                <a:solidFill>
+                  <a:srgbClr val="000000"/>
+                </a:solidFill>
+                <a:latin typeface="細明體" panose="02020509000000000000" pitchFamily="49" charset="-120"/>
+                <a:ea typeface="細明體" panose="02020509000000000000" pitchFamily="49" charset="-120"/>
+              </a:rPr>
+              <a:t> </a:t>
+            </a:r>
+            <a:r>
+              <a:rPr lang="en-US" altLang="zh-TW" sz="1800" dirty="0">
+                <a:solidFill>
+                  <a:srgbClr val="0000FF"/>
+                </a:solidFill>
+                <a:latin typeface="細明體" panose="02020509000000000000" pitchFamily="49" charset="-120"/>
+                <a:ea typeface="細明體" panose="02020509000000000000" pitchFamily="49" charset="-120"/>
+              </a:rPr>
+              <a:t>BY</a:t>
+            </a:r>
+            <a:r>
+              <a:rPr lang="en-US" altLang="zh-TW" sz="1800" dirty="0">
+                <a:solidFill>
+                  <a:srgbClr val="000000"/>
+                </a:solidFill>
+                <a:latin typeface="細明體" panose="02020509000000000000" pitchFamily="49" charset="-120"/>
+                <a:ea typeface="細明體" panose="02020509000000000000" pitchFamily="49" charset="-120"/>
+              </a:rPr>
+              <a:t> </a:t>
+            </a:r>
+            <a:r>
+              <a:rPr lang="en-US" altLang="zh-TW" sz="1800" dirty="0" err="1">
+                <a:solidFill>
+                  <a:srgbClr val="000000"/>
+                </a:solidFill>
+                <a:latin typeface="細明體" panose="02020509000000000000" pitchFamily="49" charset="-120"/>
+                <a:ea typeface="細明體" panose="02020509000000000000" pitchFamily="49" charset="-120"/>
+              </a:rPr>
+              <a:t>CountryLocation</a:t>
+            </a:r>
+            <a:r>
+              <a:rPr lang="en-US" altLang="zh-TW" sz="1800" dirty="0">
+                <a:solidFill>
+                  <a:srgbClr val="000000"/>
+                </a:solidFill>
+                <a:latin typeface="細明體" panose="02020509000000000000" pitchFamily="49" charset="-120"/>
+                <a:ea typeface="細明體" panose="02020509000000000000" pitchFamily="49" charset="-120"/>
+              </a:rPr>
+              <a:t> </a:t>
+            </a:r>
+            <a:r>
+              <a:rPr lang="en-US" altLang="zh-TW" sz="1800" dirty="0">
+                <a:solidFill>
+                  <a:srgbClr val="0000FF"/>
+                </a:solidFill>
+                <a:latin typeface="細明體" panose="02020509000000000000" pitchFamily="49" charset="-120"/>
+                <a:ea typeface="細明體" panose="02020509000000000000" pitchFamily="49" charset="-120"/>
+              </a:rPr>
+              <a:t>DESC</a:t>
+            </a:r>
+            <a:endParaRPr lang="zh-TW" altLang="en-US" sz="1600" dirty="0">
+              <a:solidFill>
+                <a:srgbClr val="000000"/>
+              </a:solidFill>
+              <a:latin typeface="微軟正黑體" panose="020B0604030504040204" pitchFamily="34" charset="-120"/>
+              <a:ea typeface="微軟正黑體" panose="020B0604030504040204" pitchFamily="34" charset="-120"/>
+            </a:endParaRPr>
+          </a:p>
+        </p:txBody>
+      </p:sp>
+      <p:sp>
+        <p:nvSpPr>
+          <p:cNvPr id="9" name="文字方塊 8">
+            <a:extLst>
+              <a:ext uri="{FF2B5EF4-FFF2-40B4-BE49-F238E27FC236}">
+                <a16:creationId xmlns:a16="http://schemas.microsoft.com/office/drawing/2014/main" id="{35E0097D-1D25-800D-ACBE-7E565A45717E}"/>
+              </a:ext>
+            </a:extLst>
+          </p:cNvPr>
+          <p:cNvSpPr txBox="1"/>
+          <p:nvPr/>
+        </p:nvSpPr>
+        <p:spPr>
+          <a:xfrm>
+            <a:off x="1687669" y="5757119"/>
+            <a:ext cx="6261651" cy="369332"/>
+          </a:xfrm>
+          <a:prstGeom prst="rect">
+            <a:avLst/>
+          </a:prstGeom>
+          <a:noFill/>
+        </p:spPr>
+        <p:txBody>
+          <a:bodyPr wrap="none" rtlCol="0">
+            <a:spAutoFit/>
+          </a:bodyPr>
+          <a:lstStyle/>
+          <a:p>
+            <a:r>
+              <a:rPr lang="zh-TW" altLang="en-US" dirty="0"/>
+              <a:t>參考資料</a:t>
+            </a:r>
+            <a:r>
+              <a:rPr lang="en-US" altLang="zh-TW" dirty="0"/>
+              <a:t>:https://www.w3schools.com/sql/sql_case.asp</a:t>
+            </a:r>
+            <a:endParaRPr lang="zh-TW" altLang="en-US" dirty="0"/>
+          </a:p>
+        </p:txBody>
+      </p:sp>
+      <p:pic>
+        <p:nvPicPr>
+          <p:cNvPr id="11" name="圖片 10">
+            <a:extLst>
+              <a:ext uri="{FF2B5EF4-FFF2-40B4-BE49-F238E27FC236}">
+                <a16:creationId xmlns:a16="http://schemas.microsoft.com/office/drawing/2014/main" id="{36DFE76F-8108-376B-F5F3-67F0FDA2C0A5}"/>
+              </a:ext>
+            </a:extLst>
+          </p:cNvPr>
+          <p:cNvPicPr>
+            <a:picLocks noChangeAspect="1"/>
+          </p:cNvPicPr>
+          <p:nvPr/>
+        </p:nvPicPr>
+        <p:blipFill>
+          <a:blip r:embed="rId2"/>
+          <a:stretch>
+            <a:fillRect/>
+          </a:stretch>
+        </p:blipFill>
+        <p:spPr>
+          <a:xfrm>
+            <a:off x="7987553" y="1403107"/>
+            <a:ext cx="2854901" cy="3886416"/>
+          </a:xfrm>
+          <a:prstGeom prst="rect">
+            <a:avLst/>
+          </a:prstGeom>
+        </p:spPr>
+      </p:pic>
+    </p:spTree>
+    <p:extLst>
+      <p:ext uri="{BB962C8B-B14F-4D97-AF65-F5344CB8AC3E}">
+        <p14:creationId xmlns:p14="http://schemas.microsoft.com/office/powerpoint/2010/main" val="4271422009"/>
+      </p:ext>
+    </p:extLst>
+  </p:cSld>
+  <p:clrMapOvr>
+    <a:masterClrMapping/>
+  </p:clrMapOvr>
+</p:sld>
+</file>
+
 <file path=ppt/slides/slide3.xml><?xml version="1.0" encoding="utf-8"?>
 <p:sld xmlns:a="http://schemas.openxmlformats.org/drawingml/2006/main" xmlns:r="http://schemas.openxmlformats.org/officeDocument/2006/relationships" xmlns:p="http://schemas.openxmlformats.org/presentationml/2006/main">
   <p:cSld>
@@ -12483,6 +16439,5171 @@
     <p:extLst>
       <p:ext uri="{BB962C8B-B14F-4D97-AF65-F5344CB8AC3E}">
         <p14:creationId xmlns:p14="http://schemas.microsoft.com/office/powerpoint/2010/main" val="878525937"/>
+      </p:ext>
+    </p:extLst>
+  </p:cSld>
+  <p:clrMapOvr>
+    <a:masterClrMapping/>
+  </p:clrMapOvr>
+</p:sld>
+</file>
+
+<file path=ppt/slides/slide30.xml><?xml version="1.0" encoding="utf-8"?>
+<p:sld xmlns:a="http://schemas.openxmlformats.org/drawingml/2006/main" xmlns:r="http://schemas.openxmlformats.org/officeDocument/2006/relationships" xmlns:p="http://schemas.openxmlformats.org/presentationml/2006/main">
+  <p:cSld>
+    <p:spTree>
+      <p:nvGrpSpPr>
+        <p:cNvPr id="1" name=""/>
+        <p:cNvGrpSpPr/>
+        <p:nvPr/>
+      </p:nvGrpSpPr>
+      <p:grpSpPr>
+        <a:xfrm>
+          <a:off x="0" y="0"/>
+          <a:ext cx="0" cy="0"/>
+          <a:chOff x="0" y="0"/>
+          <a:chExt cx="0" cy="0"/>
+        </a:xfrm>
+      </p:grpSpPr>
+      <p:sp>
+        <p:nvSpPr>
+          <p:cNvPr id="2" name="標題 1">
+            <a:extLst>
+              <a:ext uri="{FF2B5EF4-FFF2-40B4-BE49-F238E27FC236}">
+                <a16:creationId xmlns:a16="http://schemas.microsoft.com/office/drawing/2014/main" id="{9754B65C-1642-6FE5-D941-96E5D377AABC}"/>
+              </a:ext>
+            </a:extLst>
+          </p:cNvPr>
+          <p:cNvSpPr>
+            <a:spLocks noGrp="1"/>
+          </p:cNvSpPr>
+          <p:nvPr>
+            <p:ph type="title"/>
+          </p:nvPr>
+        </p:nvSpPr>
+        <p:spPr>
+          <a:xfrm>
+            <a:off x="1687669" y="624110"/>
+            <a:ext cx="7321860" cy="1280890"/>
+          </a:xfrm>
+        </p:spPr>
+        <p:txBody>
+          <a:bodyPr>
+            <a:normAutofit/>
+          </a:bodyPr>
+          <a:lstStyle/>
+          <a:p>
+            <a:r>
+              <a:rPr lang="en-US" altLang="zh-TW" sz="3200" dirty="0"/>
+              <a:t>Calculations Q5</a:t>
+            </a:r>
+            <a:endParaRPr lang="zh-TW" altLang="en-US" sz="3200" dirty="0"/>
+          </a:p>
+        </p:txBody>
+      </p:sp>
+      <p:sp>
+        <p:nvSpPr>
+          <p:cNvPr id="4" name="投影片編號版面配置區 3">
+            <a:extLst>
+              <a:ext uri="{FF2B5EF4-FFF2-40B4-BE49-F238E27FC236}">
+                <a16:creationId xmlns:a16="http://schemas.microsoft.com/office/drawing/2014/main" id="{3F1EA6AD-3945-5A5F-70AE-CD8043429B6D}"/>
+              </a:ext>
+            </a:extLst>
+          </p:cNvPr>
+          <p:cNvSpPr>
+            <a:spLocks noGrp="1"/>
+          </p:cNvSpPr>
+          <p:nvPr>
+            <p:ph type="sldNum" sz="quarter" idx="12"/>
+          </p:nvPr>
+        </p:nvSpPr>
+        <p:spPr>
+          <a:xfrm>
+            <a:off x="531812" y="787782"/>
+            <a:ext cx="779767" cy="365125"/>
+          </a:xfrm>
+        </p:spPr>
+        <p:txBody>
+          <a:bodyPr>
+            <a:normAutofit/>
+          </a:bodyPr>
+          <a:lstStyle/>
+          <a:p>
+            <a:pPr>
+              <a:lnSpc>
+                <a:spcPct val="90000"/>
+              </a:lnSpc>
+              <a:spcAft>
+                <a:spcPts val="600"/>
+              </a:spcAft>
+            </a:pPr>
+            <a:fld id="{D57F1E4F-1CFF-5643-939E-217C01CDF565}" type="slidenum">
+              <a:rPr lang="en-US" sz="1900" smtClean="0"/>
+              <a:pPr>
+                <a:lnSpc>
+                  <a:spcPct val="90000"/>
+                </a:lnSpc>
+                <a:spcAft>
+                  <a:spcPts val="600"/>
+                </a:spcAft>
+              </a:pPr>
+              <a:t>30</a:t>
+            </a:fld>
+            <a:endParaRPr lang="en-US" sz="1900"/>
+          </a:p>
+        </p:txBody>
+      </p:sp>
+      <p:sp>
+        <p:nvSpPr>
+          <p:cNvPr id="5" name="內容版面配置區 4">
+            <a:extLst>
+              <a:ext uri="{FF2B5EF4-FFF2-40B4-BE49-F238E27FC236}">
+                <a16:creationId xmlns:a16="http://schemas.microsoft.com/office/drawing/2014/main" id="{CE9D8324-0E9D-0EA9-46A8-3FB0853E9E57}"/>
+              </a:ext>
+            </a:extLst>
+          </p:cNvPr>
+          <p:cNvSpPr>
+            <a:spLocks noGrp="1"/>
+          </p:cNvSpPr>
+          <p:nvPr>
+            <p:ph idx="1"/>
+          </p:nvPr>
+        </p:nvSpPr>
+        <p:spPr/>
+        <p:txBody>
+          <a:bodyPr/>
+          <a:lstStyle/>
+          <a:p>
+            <a:endParaRPr lang="zh-TW" altLang="en-US" dirty="0"/>
+          </a:p>
+        </p:txBody>
+      </p:sp>
+      <p:pic>
+        <p:nvPicPr>
+          <p:cNvPr id="6" name="圖片 5">
+            <a:extLst>
+              <a:ext uri="{FF2B5EF4-FFF2-40B4-BE49-F238E27FC236}">
+                <a16:creationId xmlns:a16="http://schemas.microsoft.com/office/drawing/2014/main" id="{7E5E24CC-7869-D2BE-6E93-0DD4FA4157B8}"/>
+              </a:ext>
+            </a:extLst>
+          </p:cNvPr>
+          <p:cNvPicPr>
+            <a:picLocks noChangeAspect="1"/>
+          </p:cNvPicPr>
+          <p:nvPr/>
+        </p:nvPicPr>
+        <p:blipFill>
+          <a:blip r:embed="rId2"/>
+          <a:stretch>
+            <a:fillRect/>
+          </a:stretch>
+        </p:blipFill>
+        <p:spPr>
+          <a:xfrm>
+            <a:off x="1687669" y="1682554"/>
+            <a:ext cx="6093696" cy="4969442"/>
+          </a:xfrm>
+          <a:prstGeom prst="rect">
+            <a:avLst/>
+          </a:prstGeom>
+        </p:spPr>
+      </p:pic>
+    </p:spTree>
+    <p:extLst>
+      <p:ext uri="{BB962C8B-B14F-4D97-AF65-F5344CB8AC3E}">
+        <p14:creationId xmlns:p14="http://schemas.microsoft.com/office/powerpoint/2010/main" val="3109750348"/>
+      </p:ext>
+    </p:extLst>
+  </p:cSld>
+  <p:clrMapOvr>
+    <a:masterClrMapping/>
+  </p:clrMapOvr>
+</p:sld>
+</file>
+
+<file path=ppt/slides/slide31.xml><?xml version="1.0" encoding="utf-8"?>
+<p:sld xmlns:a="http://schemas.openxmlformats.org/drawingml/2006/main" xmlns:r="http://schemas.openxmlformats.org/officeDocument/2006/relationships" xmlns:p="http://schemas.openxmlformats.org/presentationml/2006/main">
+  <p:cSld>
+    <p:spTree>
+      <p:nvGrpSpPr>
+        <p:cNvPr id="1" name=""/>
+        <p:cNvGrpSpPr/>
+        <p:nvPr/>
+      </p:nvGrpSpPr>
+      <p:grpSpPr>
+        <a:xfrm>
+          <a:off x="0" y="0"/>
+          <a:ext cx="0" cy="0"/>
+          <a:chOff x="0" y="0"/>
+          <a:chExt cx="0" cy="0"/>
+        </a:xfrm>
+      </p:grpSpPr>
+      <p:sp>
+        <p:nvSpPr>
+          <p:cNvPr id="2" name="標題 1">
+            <a:extLst>
+              <a:ext uri="{FF2B5EF4-FFF2-40B4-BE49-F238E27FC236}">
+                <a16:creationId xmlns:a16="http://schemas.microsoft.com/office/drawing/2014/main" id="{9754B65C-1642-6FE5-D941-96E5D377AABC}"/>
+              </a:ext>
+            </a:extLst>
+          </p:cNvPr>
+          <p:cNvSpPr>
+            <a:spLocks noGrp="1"/>
+          </p:cNvSpPr>
+          <p:nvPr>
+            <p:ph type="title"/>
+          </p:nvPr>
+        </p:nvSpPr>
+        <p:spPr>
+          <a:xfrm>
+            <a:off x="1687669" y="624110"/>
+            <a:ext cx="4137059" cy="1280890"/>
+          </a:xfrm>
+        </p:spPr>
+        <p:txBody>
+          <a:bodyPr>
+            <a:normAutofit/>
+          </a:bodyPr>
+          <a:lstStyle/>
+          <a:p>
+            <a:r>
+              <a:rPr lang="en-US" altLang="zh-TW" sz="3200" dirty="0"/>
+              <a:t>Answer5.</a:t>
+            </a:r>
+            <a:endParaRPr lang="zh-TW" altLang="en-US" sz="3200" dirty="0"/>
+          </a:p>
+        </p:txBody>
+      </p:sp>
+      <p:sp>
+        <p:nvSpPr>
+          <p:cNvPr id="4" name="投影片編號版面配置區 3">
+            <a:extLst>
+              <a:ext uri="{FF2B5EF4-FFF2-40B4-BE49-F238E27FC236}">
+                <a16:creationId xmlns:a16="http://schemas.microsoft.com/office/drawing/2014/main" id="{3F1EA6AD-3945-5A5F-70AE-CD8043429B6D}"/>
+              </a:ext>
+            </a:extLst>
+          </p:cNvPr>
+          <p:cNvSpPr>
+            <a:spLocks noGrp="1"/>
+          </p:cNvSpPr>
+          <p:nvPr>
+            <p:ph type="sldNum" sz="quarter" idx="12"/>
+          </p:nvPr>
+        </p:nvSpPr>
+        <p:spPr>
+          <a:xfrm>
+            <a:off x="531812" y="787782"/>
+            <a:ext cx="779767" cy="365125"/>
+          </a:xfrm>
+        </p:spPr>
+        <p:txBody>
+          <a:bodyPr>
+            <a:normAutofit/>
+          </a:bodyPr>
+          <a:lstStyle/>
+          <a:p>
+            <a:pPr>
+              <a:lnSpc>
+                <a:spcPct val="90000"/>
+              </a:lnSpc>
+              <a:spcAft>
+                <a:spcPts val="600"/>
+              </a:spcAft>
+            </a:pPr>
+            <a:fld id="{D57F1E4F-1CFF-5643-939E-217C01CDF565}" type="slidenum">
+              <a:rPr lang="en-US" sz="1900" smtClean="0"/>
+              <a:pPr>
+                <a:lnSpc>
+                  <a:spcPct val="90000"/>
+                </a:lnSpc>
+                <a:spcAft>
+                  <a:spcPts val="600"/>
+                </a:spcAft>
+              </a:pPr>
+              <a:t>31</a:t>
+            </a:fld>
+            <a:endParaRPr lang="en-US" sz="1900"/>
+          </a:p>
+        </p:txBody>
+      </p:sp>
+      <p:sp>
+        <p:nvSpPr>
+          <p:cNvPr id="3" name="內容版面配置區 2">
+            <a:extLst>
+              <a:ext uri="{FF2B5EF4-FFF2-40B4-BE49-F238E27FC236}">
+                <a16:creationId xmlns:a16="http://schemas.microsoft.com/office/drawing/2014/main" id="{8A26720F-616D-E164-DA93-3A4EBED4F0AD}"/>
+              </a:ext>
+            </a:extLst>
+          </p:cNvPr>
+          <p:cNvSpPr>
+            <a:spLocks noGrp="1"/>
+          </p:cNvSpPr>
+          <p:nvPr>
+            <p:ph idx="1"/>
+          </p:nvPr>
+        </p:nvSpPr>
+        <p:spPr>
+          <a:xfrm>
+            <a:off x="1687669" y="1685364"/>
+            <a:ext cx="6074307" cy="3854824"/>
+          </a:xfrm>
+        </p:spPr>
+        <p:txBody>
+          <a:bodyPr>
+            <a:normAutofit fontScale="77500" lnSpcReduction="20000"/>
+          </a:bodyPr>
+          <a:lstStyle/>
+          <a:p>
+            <a:r>
+              <a:rPr lang="en-US" altLang="zh-TW" sz="1800" dirty="0">
+                <a:solidFill>
+                  <a:srgbClr val="0000FF"/>
+                </a:solidFill>
+                <a:latin typeface="細明體" panose="02020509000000000000" pitchFamily="49" charset="-120"/>
+                <a:ea typeface="細明體" panose="02020509000000000000" pitchFamily="49" charset="-120"/>
+              </a:rPr>
+              <a:t>SELECT</a:t>
+            </a:r>
+            <a:r>
+              <a:rPr lang="en-US" altLang="zh-TW" sz="1800" dirty="0">
+                <a:solidFill>
+                  <a:srgbClr val="000000"/>
+                </a:solidFill>
+                <a:latin typeface="細明體" panose="02020509000000000000" pitchFamily="49" charset="-120"/>
+                <a:ea typeface="細明體" panose="02020509000000000000" pitchFamily="49" charset="-120"/>
+              </a:rPr>
+              <a:t> e</a:t>
+            </a:r>
+            <a:r>
+              <a:rPr lang="en-US" altLang="zh-TW" sz="1800" dirty="0">
+                <a:solidFill>
+                  <a:srgbClr val="808080"/>
+                </a:solidFill>
+                <a:latin typeface="細明體" panose="02020509000000000000" pitchFamily="49" charset="-120"/>
+                <a:ea typeface="細明體" panose="02020509000000000000" pitchFamily="49" charset="-120"/>
+              </a:rPr>
+              <a:t>.</a:t>
+            </a:r>
+            <a:r>
+              <a:rPr lang="en-US" altLang="zh-TW" sz="1800" dirty="0">
+                <a:solidFill>
+                  <a:srgbClr val="000000"/>
+                </a:solidFill>
+                <a:latin typeface="細明體" panose="02020509000000000000" pitchFamily="49" charset="-120"/>
+                <a:ea typeface="細明體" panose="02020509000000000000" pitchFamily="49" charset="-120"/>
+              </a:rPr>
+              <a:t>[</a:t>
+            </a:r>
+            <a:r>
+              <a:rPr lang="en-US" altLang="zh-TW" sz="1800" dirty="0" err="1">
+                <a:solidFill>
+                  <a:srgbClr val="000000"/>
+                </a:solidFill>
+                <a:latin typeface="細明體" panose="02020509000000000000" pitchFamily="49" charset="-120"/>
+                <a:ea typeface="細明體" panose="02020509000000000000" pitchFamily="49" charset="-120"/>
+              </a:rPr>
+              <a:t>EventName</a:t>
+            </a:r>
+            <a:r>
+              <a:rPr lang="en-US" altLang="zh-TW" sz="1800" dirty="0">
+                <a:solidFill>
+                  <a:srgbClr val="000000"/>
+                </a:solidFill>
+                <a:latin typeface="細明體" panose="02020509000000000000" pitchFamily="49" charset="-120"/>
+                <a:ea typeface="細明體" panose="02020509000000000000" pitchFamily="49" charset="-120"/>
+              </a:rPr>
+              <a:t>]</a:t>
+            </a:r>
+            <a:r>
+              <a:rPr lang="en-US" altLang="zh-TW" sz="1800" dirty="0">
+                <a:solidFill>
+                  <a:srgbClr val="808080"/>
+                </a:solidFill>
+                <a:latin typeface="細明體" panose="02020509000000000000" pitchFamily="49" charset="-120"/>
+                <a:ea typeface="細明體" panose="02020509000000000000" pitchFamily="49" charset="-120"/>
+              </a:rPr>
+              <a:t>,</a:t>
+            </a:r>
+            <a:endParaRPr lang="en-US" altLang="zh-TW" sz="1800" dirty="0">
+              <a:solidFill>
+                <a:srgbClr val="000000"/>
+              </a:solidFill>
+              <a:latin typeface="細明體" panose="02020509000000000000" pitchFamily="49" charset="-120"/>
+              <a:ea typeface="細明體" panose="02020509000000000000" pitchFamily="49" charset="-120"/>
+            </a:endParaRPr>
+          </a:p>
+          <a:p>
+            <a:endParaRPr lang="zh-TW" altLang="en-US" sz="1800" dirty="0">
+              <a:solidFill>
+                <a:srgbClr val="000000"/>
+              </a:solidFill>
+              <a:latin typeface="細明體" panose="02020509000000000000" pitchFamily="49" charset="-120"/>
+              <a:ea typeface="細明體" panose="02020509000000000000" pitchFamily="49" charset="-120"/>
+            </a:endParaRPr>
+          </a:p>
+          <a:p>
+            <a:r>
+              <a:rPr lang="en-US" altLang="zh-TW" sz="1800" dirty="0">
+                <a:solidFill>
+                  <a:srgbClr val="0000FF"/>
+                </a:solidFill>
+                <a:latin typeface="細明體" panose="02020509000000000000" pitchFamily="49" charset="-120"/>
+                <a:ea typeface="細明體" panose="02020509000000000000" pitchFamily="49" charset="-120"/>
+              </a:rPr>
+              <a:t>CASE</a:t>
+            </a:r>
+            <a:endParaRPr lang="en-US" altLang="zh-TW" sz="1800" dirty="0">
+              <a:solidFill>
+                <a:srgbClr val="000000"/>
+              </a:solidFill>
+              <a:latin typeface="細明體" panose="02020509000000000000" pitchFamily="49" charset="-120"/>
+              <a:ea typeface="細明體" panose="02020509000000000000" pitchFamily="49" charset="-120"/>
+            </a:endParaRPr>
+          </a:p>
+          <a:p>
+            <a:r>
+              <a:rPr lang="en-US" altLang="zh-TW" sz="1800" dirty="0">
+                <a:solidFill>
+                  <a:srgbClr val="0000FF"/>
+                </a:solidFill>
+                <a:latin typeface="細明體" panose="02020509000000000000" pitchFamily="49" charset="-120"/>
+                <a:ea typeface="細明體" panose="02020509000000000000" pitchFamily="49" charset="-120"/>
+              </a:rPr>
+              <a:t>WHEN</a:t>
+            </a:r>
+            <a:r>
+              <a:rPr lang="en-US" altLang="zh-TW" sz="1800" dirty="0">
+                <a:solidFill>
+                  <a:srgbClr val="000000"/>
+                </a:solidFill>
+                <a:latin typeface="細明體" panose="02020509000000000000" pitchFamily="49" charset="-120"/>
+                <a:ea typeface="細明體" panose="02020509000000000000" pitchFamily="49" charset="-120"/>
+              </a:rPr>
+              <a:t> </a:t>
+            </a:r>
+            <a:r>
+              <a:rPr lang="en-US" altLang="zh-TW" sz="1800" dirty="0">
+                <a:solidFill>
+                  <a:srgbClr val="FF00FF"/>
+                </a:solidFill>
+                <a:latin typeface="細明體" panose="02020509000000000000" pitchFamily="49" charset="-120"/>
+                <a:ea typeface="細明體" panose="02020509000000000000" pitchFamily="49" charset="-120"/>
+              </a:rPr>
+              <a:t>CHARINDEX</a:t>
+            </a:r>
+            <a:r>
+              <a:rPr lang="en-US" altLang="zh-TW" sz="1800" dirty="0">
+                <a:solidFill>
+                  <a:srgbClr val="808080"/>
+                </a:solidFill>
+                <a:latin typeface="細明體" panose="02020509000000000000" pitchFamily="49" charset="-120"/>
+                <a:ea typeface="細明體" panose="02020509000000000000" pitchFamily="49" charset="-120"/>
+              </a:rPr>
+              <a:t>(left(</a:t>
+            </a:r>
+            <a:r>
+              <a:rPr lang="en-US" altLang="zh-TW" sz="1800" dirty="0">
+                <a:solidFill>
+                  <a:srgbClr val="000000"/>
+                </a:solidFill>
+                <a:latin typeface="細明體" panose="02020509000000000000" pitchFamily="49" charset="-120"/>
+                <a:ea typeface="細明體" panose="02020509000000000000" pitchFamily="49" charset="-120"/>
+              </a:rPr>
+              <a:t>e</a:t>
+            </a:r>
+            <a:r>
+              <a:rPr lang="en-US" altLang="zh-TW" sz="1800" dirty="0">
+                <a:solidFill>
+                  <a:srgbClr val="808080"/>
+                </a:solidFill>
+                <a:latin typeface="細明體" panose="02020509000000000000" pitchFamily="49" charset="-120"/>
+                <a:ea typeface="細明體" panose="02020509000000000000" pitchFamily="49" charset="-120"/>
+              </a:rPr>
+              <a:t>.</a:t>
+            </a:r>
+            <a:r>
+              <a:rPr lang="en-US" altLang="zh-TW" sz="1800" dirty="0">
+                <a:solidFill>
+                  <a:srgbClr val="000000"/>
+                </a:solidFill>
+                <a:latin typeface="細明體" panose="02020509000000000000" pitchFamily="49" charset="-120"/>
+                <a:ea typeface="細明體" panose="02020509000000000000" pitchFamily="49" charset="-120"/>
+              </a:rPr>
+              <a:t>EventName</a:t>
+            </a:r>
+            <a:r>
+              <a:rPr lang="en-US" altLang="zh-TW" sz="1800" dirty="0">
+                <a:solidFill>
+                  <a:srgbClr val="808080"/>
+                </a:solidFill>
+                <a:latin typeface="細明體" panose="02020509000000000000" pitchFamily="49" charset="-120"/>
+                <a:ea typeface="細明體" panose="02020509000000000000" pitchFamily="49" charset="-120"/>
+              </a:rPr>
+              <a:t>,</a:t>
+            </a:r>
+            <a:r>
+              <a:rPr lang="en-US" altLang="zh-TW" sz="1800" dirty="0">
+                <a:solidFill>
+                  <a:srgbClr val="000000"/>
+                </a:solidFill>
+                <a:latin typeface="細明體" panose="02020509000000000000" pitchFamily="49" charset="-120"/>
+                <a:ea typeface="細明體" panose="02020509000000000000" pitchFamily="49" charset="-120"/>
+              </a:rPr>
+              <a:t>1</a:t>
+            </a:r>
+            <a:r>
+              <a:rPr lang="en-US" altLang="zh-TW" sz="1800" dirty="0">
+                <a:solidFill>
+                  <a:srgbClr val="808080"/>
+                </a:solidFill>
+                <a:latin typeface="細明體" panose="02020509000000000000" pitchFamily="49" charset="-120"/>
+                <a:ea typeface="細明體" panose="02020509000000000000" pitchFamily="49" charset="-120"/>
+              </a:rPr>
+              <a:t>),</a:t>
+            </a:r>
+            <a:r>
+              <a:rPr lang="en-US" altLang="zh-TW" sz="1800" dirty="0">
+                <a:solidFill>
+                  <a:srgbClr val="FF0000"/>
+                </a:solidFill>
+                <a:latin typeface="細明體" panose="02020509000000000000" pitchFamily="49" charset="-120"/>
+                <a:ea typeface="細明體" panose="02020509000000000000" pitchFamily="49" charset="-120"/>
+              </a:rPr>
+              <a:t>'aeiou'</a:t>
+            </a:r>
+            <a:r>
+              <a:rPr lang="en-US" altLang="zh-TW" sz="1800" dirty="0">
+                <a:solidFill>
+                  <a:srgbClr val="808080"/>
+                </a:solidFill>
+                <a:latin typeface="細明體" panose="02020509000000000000" pitchFamily="49" charset="-120"/>
+                <a:ea typeface="細明體" panose="02020509000000000000" pitchFamily="49" charset="-120"/>
+              </a:rPr>
+              <a:t>,</a:t>
+            </a:r>
+            <a:r>
+              <a:rPr lang="en-US" altLang="zh-TW" sz="1800" dirty="0">
+                <a:solidFill>
+                  <a:srgbClr val="000000"/>
+                </a:solidFill>
+                <a:latin typeface="細明體" panose="02020509000000000000" pitchFamily="49" charset="-120"/>
+                <a:ea typeface="細明體" panose="02020509000000000000" pitchFamily="49" charset="-120"/>
+              </a:rPr>
+              <a:t>1</a:t>
+            </a:r>
+            <a:r>
+              <a:rPr lang="en-US" altLang="zh-TW" sz="1800" dirty="0">
+                <a:solidFill>
+                  <a:srgbClr val="808080"/>
+                </a:solidFill>
+                <a:latin typeface="細明體" panose="02020509000000000000" pitchFamily="49" charset="-120"/>
+                <a:ea typeface="細明體" panose="02020509000000000000" pitchFamily="49" charset="-120"/>
+              </a:rPr>
+              <a:t>)</a:t>
+            </a:r>
+            <a:r>
+              <a:rPr lang="en-US" altLang="zh-TW" sz="1800" dirty="0">
+                <a:solidFill>
+                  <a:srgbClr val="000000"/>
+                </a:solidFill>
+                <a:latin typeface="細明體" panose="02020509000000000000" pitchFamily="49" charset="-120"/>
+                <a:ea typeface="細明體" panose="02020509000000000000" pitchFamily="49" charset="-120"/>
+              </a:rPr>
+              <a:t> </a:t>
+            </a:r>
+            <a:r>
+              <a:rPr lang="en-US" altLang="zh-TW" sz="1800" dirty="0">
+                <a:solidFill>
+                  <a:srgbClr val="808080"/>
+                </a:solidFill>
+                <a:latin typeface="細明體" panose="02020509000000000000" pitchFamily="49" charset="-120"/>
+                <a:ea typeface="細明體" panose="02020509000000000000" pitchFamily="49" charset="-120"/>
+              </a:rPr>
+              <a:t>&gt;</a:t>
+            </a:r>
+            <a:r>
+              <a:rPr lang="en-US" altLang="zh-TW" sz="1800" dirty="0">
+                <a:solidFill>
+                  <a:srgbClr val="000000"/>
+                </a:solidFill>
+                <a:latin typeface="細明體" panose="02020509000000000000" pitchFamily="49" charset="-120"/>
+                <a:ea typeface="細明體" panose="02020509000000000000" pitchFamily="49" charset="-120"/>
+              </a:rPr>
+              <a:t>0 </a:t>
+            </a:r>
+            <a:r>
+              <a:rPr lang="en-US" altLang="zh-TW" sz="1800" dirty="0">
+                <a:solidFill>
+                  <a:srgbClr val="808080"/>
+                </a:solidFill>
+                <a:latin typeface="細明體" panose="02020509000000000000" pitchFamily="49" charset="-120"/>
+                <a:ea typeface="細明體" panose="02020509000000000000" pitchFamily="49" charset="-120"/>
+              </a:rPr>
+              <a:t>AND</a:t>
+            </a:r>
+            <a:r>
+              <a:rPr lang="en-US" altLang="zh-TW" sz="1800" dirty="0">
+                <a:solidFill>
+                  <a:srgbClr val="000000"/>
+                </a:solidFill>
+                <a:latin typeface="細明體" panose="02020509000000000000" pitchFamily="49" charset="-120"/>
+                <a:ea typeface="細明體" panose="02020509000000000000" pitchFamily="49" charset="-120"/>
+              </a:rPr>
+              <a:t> </a:t>
+            </a:r>
+            <a:r>
+              <a:rPr lang="en-US" altLang="zh-TW" sz="1800" dirty="0">
+                <a:solidFill>
+                  <a:srgbClr val="808080"/>
+                </a:solidFill>
+                <a:latin typeface="細明體" panose="02020509000000000000" pitchFamily="49" charset="-120"/>
+                <a:ea typeface="細明體" panose="02020509000000000000" pitchFamily="49" charset="-120"/>
+              </a:rPr>
+              <a:t>left(</a:t>
+            </a:r>
+            <a:r>
+              <a:rPr lang="en-US" altLang="zh-TW" sz="1800" dirty="0">
+                <a:solidFill>
+                  <a:srgbClr val="000000"/>
+                </a:solidFill>
+                <a:latin typeface="細明體" panose="02020509000000000000" pitchFamily="49" charset="-120"/>
+                <a:ea typeface="細明體" panose="02020509000000000000" pitchFamily="49" charset="-120"/>
+              </a:rPr>
+              <a:t>e</a:t>
+            </a:r>
+            <a:r>
+              <a:rPr lang="en-US" altLang="zh-TW" sz="1800" dirty="0">
+                <a:solidFill>
+                  <a:srgbClr val="808080"/>
+                </a:solidFill>
+                <a:latin typeface="細明體" panose="02020509000000000000" pitchFamily="49" charset="-120"/>
+                <a:ea typeface="細明體" panose="02020509000000000000" pitchFamily="49" charset="-120"/>
+              </a:rPr>
+              <a:t>.</a:t>
+            </a:r>
+            <a:r>
+              <a:rPr lang="en-US" altLang="zh-TW" sz="1800" dirty="0">
+                <a:solidFill>
+                  <a:srgbClr val="000000"/>
+                </a:solidFill>
+                <a:latin typeface="細明體" panose="02020509000000000000" pitchFamily="49" charset="-120"/>
+                <a:ea typeface="細明體" panose="02020509000000000000" pitchFamily="49" charset="-120"/>
+              </a:rPr>
+              <a:t>EventName</a:t>
+            </a:r>
+            <a:r>
+              <a:rPr lang="en-US" altLang="zh-TW" sz="1800" dirty="0">
+                <a:solidFill>
+                  <a:srgbClr val="808080"/>
+                </a:solidFill>
+                <a:latin typeface="細明體" panose="02020509000000000000" pitchFamily="49" charset="-120"/>
+                <a:ea typeface="細明體" panose="02020509000000000000" pitchFamily="49" charset="-120"/>
+              </a:rPr>
+              <a:t>,</a:t>
+            </a:r>
+            <a:r>
+              <a:rPr lang="en-US" altLang="zh-TW" sz="1800" dirty="0">
+                <a:solidFill>
+                  <a:srgbClr val="000000"/>
+                </a:solidFill>
+                <a:latin typeface="細明體" panose="02020509000000000000" pitchFamily="49" charset="-120"/>
+                <a:ea typeface="細明體" panose="02020509000000000000" pitchFamily="49" charset="-120"/>
+              </a:rPr>
+              <a:t>1</a:t>
+            </a:r>
+            <a:r>
+              <a:rPr lang="en-US" altLang="zh-TW" sz="1800" dirty="0">
+                <a:solidFill>
+                  <a:srgbClr val="808080"/>
+                </a:solidFill>
+                <a:latin typeface="細明體" panose="02020509000000000000" pitchFamily="49" charset="-120"/>
+                <a:ea typeface="細明體" panose="02020509000000000000" pitchFamily="49" charset="-120"/>
+              </a:rPr>
+              <a:t>)</a:t>
+            </a:r>
+            <a:r>
+              <a:rPr lang="en-US" altLang="zh-TW" sz="1800" dirty="0">
+                <a:solidFill>
+                  <a:srgbClr val="000000"/>
+                </a:solidFill>
+                <a:latin typeface="細明體" panose="02020509000000000000" pitchFamily="49" charset="-120"/>
+                <a:ea typeface="細明體" panose="02020509000000000000" pitchFamily="49" charset="-120"/>
+              </a:rPr>
+              <a:t> </a:t>
+            </a:r>
+            <a:r>
+              <a:rPr lang="en-US" altLang="zh-TW" sz="1800" dirty="0">
+                <a:solidFill>
+                  <a:srgbClr val="808080"/>
+                </a:solidFill>
+                <a:latin typeface="細明體" panose="02020509000000000000" pitchFamily="49" charset="-120"/>
+                <a:ea typeface="細明體" panose="02020509000000000000" pitchFamily="49" charset="-120"/>
+              </a:rPr>
+              <a:t>=</a:t>
+            </a:r>
+            <a:r>
+              <a:rPr lang="en-US" altLang="zh-TW" sz="1800" dirty="0">
+                <a:solidFill>
+                  <a:srgbClr val="000000"/>
+                </a:solidFill>
+                <a:latin typeface="細明體" panose="02020509000000000000" pitchFamily="49" charset="-120"/>
+                <a:ea typeface="細明體" panose="02020509000000000000" pitchFamily="49" charset="-120"/>
+              </a:rPr>
+              <a:t> </a:t>
+            </a:r>
+            <a:r>
+              <a:rPr lang="en-US" altLang="zh-TW" sz="1800" dirty="0">
+                <a:solidFill>
+                  <a:srgbClr val="808080"/>
+                </a:solidFill>
+                <a:latin typeface="細明體" panose="02020509000000000000" pitchFamily="49" charset="-120"/>
+                <a:ea typeface="細明體" panose="02020509000000000000" pitchFamily="49" charset="-120"/>
+              </a:rPr>
+              <a:t>right(</a:t>
+            </a:r>
+            <a:r>
+              <a:rPr lang="en-US" altLang="zh-TW" sz="1800" dirty="0">
+                <a:solidFill>
+                  <a:srgbClr val="000000"/>
+                </a:solidFill>
+                <a:latin typeface="細明體" panose="02020509000000000000" pitchFamily="49" charset="-120"/>
+                <a:ea typeface="細明體" panose="02020509000000000000" pitchFamily="49" charset="-120"/>
+              </a:rPr>
+              <a:t>e</a:t>
+            </a:r>
+            <a:r>
+              <a:rPr lang="en-US" altLang="zh-TW" sz="1800" dirty="0">
+                <a:solidFill>
+                  <a:srgbClr val="808080"/>
+                </a:solidFill>
+                <a:latin typeface="細明體" panose="02020509000000000000" pitchFamily="49" charset="-120"/>
+                <a:ea typeface="細明體" panose="02020509000000000000" pitchFamily="49" charset="-120"/>
+              </a:rPr>
+              <a:t>.</a:t>
+            </a:r>
+            <a:r>
+              <a:rPr lang="en-US" altLang="zh-TW" sz="1800" dirty="0">
+                <a:solidFill>
+                  <a:srgbClr val="000000"/>
+                </a:solidFill>
+                <a:latin typeface="細明體" panose="02020509000000000000" pitchFamily="49" charset="-120"/>
+                <a:ea typeface="細明體" panose="02020509000000000000" pitchFamily="49" charset="-120"/>
+              </a:rPr>
+              <a:t>EventName</a:t>
+            </a:r>
+            <a:r>
+              <a:rPr lang="en-US" altLang="zh-TW" sz="1800" dirty="0">
+                <a:solidFill>
+                  <a:srgbClr val="808080"/>
+                </a:solidFill>
+                <a:latin typeface="細明體" panose="02020509000000000000" pitchFamily="49" charset="-120"/>
+                <a:ea typeface="細明體" panose="02020509000000000000" pitchFamily="49" charset="-120"/>
+              </a:rPr>
+              <a:t>,</a:t>
+            </a:r>
+            <a:r>
+              <a:rPr lang="en-US" altLang="zh-TW" sz="1800" dirty="0">
+                <a:solidFill>
+                  <a:srgbClr val="000000"/>
+                </a:solidFill>
+                <a:latin typeface="細明體" panose="02020509000000000000" pitchFamily="49" charset="-120"/>
+                <a:ea typeface="細明體" panose="02020509000000000000" pitchFamily="49" charset="-120"/>
+              </a:rPr>
+              <a:t>1</a:t>
+            </a:r>
+            <a:r>
+              <a:rPr lang="en-US" altLang="zh-TW" sz="1800" dirty="0">
+                <a:solidFill>
+                  <a:srgbClr val="808080"/>
+                </a:solidFill>
+                <a:latin typeface="細明體" panose="02020509000000000000" pitchFamily="49" charset="-120"/>
+                <a:ea typeface="細明體" panose="02020509000000000000" pitchFamily="49" charset="-120"/>
+              </a:rPr>
+              <a:t>)</a:t>
+            </a:r>
+            <a:r>
+              <a:rPr lang="en-US" altLang="zh-TW" sz="1800" dirty="0">
+                <a:solidFill>
+                  <a:srgbClr val="000000"/>
+                </a:solidFill>
+                <a:latin typeface="細明體" panose="02020509000000000000" pitchFamily="49" charset="-120"/>
+                <a:ea typeface="細明體" panose="02020509000000000000" pitchFamily="49" charset="-120"/>
+              </a:rPr>
+              <a:t>  </a:t>
+            </a:r>
+            <a:r>
+              <a:rPr lang="en-US" altLang="zh-TW" sz="1800" dirty="0">
+                <a:solidFill>
+                  <a:srgbClr val="0000FF"/>
+                </a:solidFill>
+                <a:latin typeface="細明體" panose="02020509000000000000" pitchFamily="49" charset="-120"/>
+                <a:ea typeface="細明體" panose="02020509000000000000" pitchFamily="49" charset="-120"/>
+              </a:rPr>
+              <a:t>THEN</a:t>
+            </a:r>
+            <a:r>
+              <a:rPr lang="en-US" altLang="zh-TW" sz="1800" dirty="0">
+                <a:solidFill>
+                  <a:srgbClr val="000000"/>
+                </a:solidFill>
+                <a:latin typeface="細明體" panose="02020509000000000000" pitchFamily="49" charset="-120"/>
+                <a:ea typeface="細明體" panose="02020509000000000000" pitchFamily="49" charset="-120"/>
+              </a:rPr>
+              <a:t> </a:t>
+            </a:r>
+            <a:r>
+              <a:rPr lang="en-US" altLang="zh-TW" sz="1800" dirty="0">
+                <a:solidFill>
+                  <a:srgbClr val="FF0000"/>
+                </a:solidFill>
+                <a:latin typeface="細明體" panose="02020509000000000000" pitchFamily="49" charset="-120"/>
+                <a:ea typeface="細明體" panose="02020509000000000000" pitchFamily="49" charset="-120"/>
+              </a:rPr>
+              <a:t>'Same vowel'</a:t>
+            </a:r>
+            <a:endParaRPr lang="en-US" altLang="zh-TW" sz="1800" dirty="0">
+              <a:solidFill>
+                <a:srgbClr val="000000"/>
+              </a:solidFill>
+              <a:latin typeface="細明體" panose="02020509000000000000" pitchFamily="49" charset="-120"/>
+              <a:ea typeface="細明體" panose="02020509000000000000" pitchFamily="49" charset="-120"/>
+            </a:endParaRPr>
+          </a:p>
+          <a:p>
+            <a:r>
+              <a:rPr lang="en-US" altLang="zh-TW" sz="1800" dirty="0">
+                <a:solidFill>
+                  <a:srgbClr val="0000FF"/>
+                </a:solidFill>
+                <a:latin typeface="細明體" panose="02020509000000000000" pitchFamily="49" charset="-120"/>
+                <a:ea typeface="細明體" panose="02020509000000000000" pitchFamily="49" charset="-120"/>
+              </a:rPr>
+              <a:t>WHEN</a:t>
+            </a:r>
+            <a:r>
+              <a:rPr lang="en-US" altLang="zh-TW" sz="1800" dirty="0">
+                <a:solidFill>
+                  <a:srgbClr val="000000"/>
+                </a:solidFill>
+                <a:latin typeface="細明體" panose="02020509000000000000" pitchFamily="49" charset="-120"/>
+                <a:ea typeface="細明體" panose="02020509000000000000" pitchFamily="49" charset="-120"/>
+              </a:rPr>
+              <a:t> </a:t>
+            </a:r>
+            <a:r>
+              <a:rPr lang="en-US" altLang="zh-TW" sz="1800" dirty="0">
+                <a:solidFill>
+                  <a:srgbClr val="808080"/>
+                </a:solidFill>
+                <a:latin typeface="細明體" panose="02020509000000000000" pitchFamily="49" charset="-120"/>
+                <a:ea typeface="細明體" panose="02020509000000000000" pitchFamily="49" charset="-120"/>
+              </a:rPr>
+              <a:t>left(</a:t>
+            </a:r>
+            <a:r>
+              <a:rPr lang="en-US" altLang="zh-TW" sz="1800" dirty="0">
+                <a:solidFill>
+                  <a:srgbClr val="000000"/>
+                </a:solidFill>
+                <a:latin typeface="細明體" panose="02020509000000000000" pitchFamily="49" charset="-120"/>
+                <a:ea typeface="細明體" panose="02020509000000000000" pitchFamily="49" charset="-120"/>
+              </a:rPr>
+              <a:t>e</a:t>
+            </a:r>
+            <a:r>
+              <a:rPr lang="en-US" altLang="zh-TW" sz="1800" dirty="0">
+                <a:solidFill>
+                  <a:srgbClr val="808080"/>
+                </a:solidFill>
+                <a:latin typeface="細明體" panose="02020509000000000000" pitchFamily="49" charset="-120"/>
+                <a:ea typeface="細明體" panose="02020509000000000000" pitchFamily="49" charset="-120"/>
+              </a:rPr>
+              <a:t>.</a:t>
+            </a:r>
+            <a:r>
+              <a:rPr lang="en-US" altLang="zh-TW" sz="1800" dirty="0">
+                <a:solidFill>
+                  <a:srgbClr val="000000"/>
+                </a:solidFill>
+                <a:latin typeface="細明體" panose="02020509000000000000" pitchFamily="49" charset="-120"/>
+                <a:ea typeface="細明體" panose="02020509000000000000" pitchFamily="49" charset="-120"/>
+              </a:rPr>
+              <a:t>EventName</a:t>
+            </a:r>
+            <a:r>
+              <a:rPr lang="en-US" altLang="zh-TW" sz="1800" dirty="0">
+                <a:solidFill>
+                  <a:srgbClr val="808080"/>
+                </a:solidFill>
+                <a:latin typeface="細明體" panose="02020509000000000000" pitchFamily="49" charset="-120"/>
+                <a:ea typeface="細明體" panose="02020509000000000000" pitchFamily="49" charset="-120"/>
+              </a:rPr>
+              <a:t>,</a:t>
+            </a:r>
+            <a:r>
+              <a:rPr lang="en-US" altLang="zh-TW" sz="1800" dirty="0">
+                <a:solidFill>
+                  <a:srgbClr val="000000"/>
+                </a:solidFill>
+                <a:latin typeface="細明體" panose="02020509000000000000" pitchFamily="49" charset="-120"/>
+                <a:ea typeface="細明體" panose="02020509000000000000" pitchFamily="49" charset="-120"/>
+              </a:rPr>
+              <a:t>1</a:t>
+            </a:r>
+            <a:r>
+              <a:rPr lang="en-US" altLang="zh-TW" sz="1800" dirty="0">
+                <a:solidFill>
+                  <a:srgbClr val="808080"/>
+                </a:solidFill>
+                <a:latin typeface="細明體" panose="02020509000000000000" pitchFamily="49" charset="-120"/>
+                <a:ea typeface="細明體" panose="02020509000000000000" pitchFamily="49" charset="-120"/>
+              </a:rPr>
+              <a:t>)</a:t>
+            </a:r>
+            <a:r>
+              <a:rPr lang="en-US" altLang="zh-TW" sz="1800" dirty="0">
+                <a:solidFill>
+                  <a:srgbClr val="000000"/>
+                </a:solidFill>
+                <a:latin typeface="細明體" panose="02020509000000000000" pitchFamily="49" charset="-120"/>
+                <a:ea typeface="細明體" panose="02020509000000000000" pitchFamily="49" charset="-120"/>
+              </a:rPr>
+              <a:t> </a:t>
+            </a:r>
+            <a:r>
+              <a:rPr lang="en-US" altLang="zh-TW" sz="1800" dirty="0">
+                <a:solidFill>
+                  <a:srgbClr val="808080"/>
+                </a:solidFill>
+                <a:latin typeface="細明體" panose="02020509000000000000" pitchFamily="49" charset="-120"/>
+                <a:ea typeface="細明體" panose="02020509000000000000" pitchFamily="49" charset="-120"/>
+              </a:rPr>
+              <a:t>=</a:t>
+            </a:r>
+            <a:r>
+              <a:rPr lang="en-US" altLang="zh-TW" sz="1800" dirty="0">
+                <a:solidFill>
+                  <a:srgbClr val="000000"/>
+                </a:solidFill>
+                <a:latin typeface="細明體" panose="02020509000000000000" pitchFamily="49" charset="-120"/>
+                <a:ea typeface="細明體" panose="02020509000000000000" pitchFamily="49" charset="-120"/>
+              </a:rPr>
+              <a:t> </a:t>
+            </a:r>
+            <a:r>
+              <a:rPr lang="en-US" altLang="zh-TW" sz="1800" dirty="0">
+                <a:solidFill>
+                  <a:srgbClr val="808080"/>
+                </a:solidFill>
+                <a:latin typeface="細明體" panose="02020509000000000000" pitchFamily="49" charset="-120"/>
+                <a:ea typeface="細明體" panose="02020509000000000000" pitchFamily="49" charset="-120"/>
+              </a:rPr>
+              <a:t>right(</a:t>
+            </a:r>
+            <a:r>
+              <a:rPr lang="en-US" altLang="zh-TW" sz="1800" dirty="0">
+                <a:solidFill>
+                  <a:srgbClr val="000000"/>
+                </a:solidFill>
+                <a:latin typeface="細明體" panose="02020509000000000000" pitchFamily="49" charset="-120"/>
+                <a:ea typeface="細明體" panose="02020509000000000000" pitchFamily="49" charset="-120"/>
+              </a:rPr>
+              <a:t>e</a:t>
+            </a:r>
+            <a:r>
+              <a:rPr lang="en-US" altLang="zh-TW" sz="1800" dirty="0">
+                <a:solidFill>
+                  <a:srgbClr val="808080"/>
+                </a:solidFill>
+                <a:latin typeface="細明體" panose="02020509000000000000" pitchFamily="49" charset="-120"/>
+                <a:ea typeface="細明體" panose="02020509000000000000" pitchFamily="49" charset="-120"/>
+              </a:rPr>
+              <a:t>.</a:t>
+            </a:r>
+            <a:r>
+              <a:rPr lang="en-US" altLang="zh-TW" sz="1800" dirty="0">
+                <a:solidFill>
+                  <a:srgbClr val="000000"/>
+                </a:solidFill>
+                <a:latin typeface="細明體" panose="02020509000000000000" pitchFamily="49" charset="-120"/>
+                <a:ea typeface="細明體" panose="02020509000000000000" pitchFamily="49" charset="-120"/>
+              </a:rPr>
+              <a:t>EventName</a:t>
+            </a:r>
+            <a:r>
+              <a:rPr lang="en-US" altLang="zh-TW" sz="1800" dirty="0">
+                <a:solidFill>
+                  <a:srgbClr val="808080"/>
+                </a:solidFill>
+                <a:latin typeface="細明體" panose="02020509000000000000" pitchFamily="49" charset="-120"/>
+                <a:ea typeface="細明體" panose="02020509000000000000" pitchFamily="49" charset="-120"/>
+              </a:rPr>
+              <a:t>,</a:t>
+            </a:r>
+            <a:r>
+              <a:rPr lang="en-US" altLang="zh-TW" sz="1800" dirty="0">
+                <a:solidFill>
+                  <a:srgbClr val="000000"/>
+                </a:solidFill>
+                <a:latin typeface="細明體" panose="02020509000000000000" pitchFamily="49" charset="-120"/>
+                <a:ea typeface="細明體" panose="02020509000000000000" pitchFamily="49" charset="-120"/>
+              </a:rPr>
+              <a:t>1</a:t>
+            </a:r>
+            <a:r>
+              <a:rPr lang="en-US" altLang="zh-TW" sz="1800" dirty="0">
+                <a:solidFill>
+                  <a:srgbClr val="808080"/>
+                </a:solidFill>
+                <a:latin typeface="細明體" panose="02020509000000000000" pitchFamily="49" charset="-120"/>
+                <a:ea typeface="細明體" panose="02020509000000000000" pitchFamily="49" charset="-120"/>
+              </a:rPr>
+              <a:t>)</a:t>
+            </a:r>
+            <a:r>
+              <a:rPr lang="en-US" altLang="zh-TW" sz="1800" dirty="0">
+                <a:solidFill>
+                  <a:srgbClr val="000000"/>
+                </a:solidFill>
+                <a:latin typeface="細明體" panose="02020509000000000000" pitchFamily="49" charset="-120"/>
+                <a:ea typeface="細明體" panose="02020509000000000000" pitchFamily="49" charset="-120"/>
+              </a:rPr>
+              <a:t> </a:t>
+            </a:r>
+            <a:r>
+              <a:rPr lang="en-US" altLang="zh-TW" sz="1800" dirty="0">
+                <a:solidFill>
+                  <a:srgbClr val="0000FF"/>
+                </a:solidFill>
+                <a:latin typeface="細明體" panose="02020509000000000000" pitchFamily="49" charset="-120"/>
+                <a:ea typeface="細明體" panose="02020509000000000000" pitchFamily="49" charset="-120"/>
+              </a:rPr>
+              <a:t>THEN</a:t>
+            </a:r>
+            <a:r>
+              <a:rPr lang="en-US" altLang="zh-TW" sz="1800" dirty="0">
+                <a:solidFill>
+                  <a:srgbClr val="000000"/>
+                </a:solidFill>
+                <a:latin typeface="細明體" panose="02020509000000000000" pitchFamily="49" charset="-120"/>
+                <a:ea typeface="細明體" panose="02020509000000000000" pitchFamily="49" charset="-120"/>
+              </a:rPr>
+              <a:t> </a:t>
+            </a:r>
+            <a:r>
+              <a:rPr lang="en-US" altLang="zh-TW" sz="1800" dirty="0">
+                <a:solidFill>
+                  <a:srgbClr val="FF0000"/>
+                </a:solidFill>
+                <a:latin typeface="細明體" panose="02020509000000000000" pitchFamily="49" charset="-120"/>
+                <a:ea typeface="細明體" panose="02020509000000000000" pitchFamily="49" charset="-120"/>
+              </a:rPr>
+              <a:t>'Same letter'</a:t>
+            </a:r>
+            <a:endParaRPr lang="en-US" altLang="zh-TW" sz="1800" dirty="0">
+              <a:solidFill>
+                <a:srgbClr val="000000"/>
+              </a:solidFill>
+              <a:latin typeface="細明體" panose="02020509000000000000" pitchFamily="49" charset="-120"/>
+              <a:ea typeface="細明體" panose="02020509000000000000" pitchFamily="49" charset="-120"/>
+            </a:endParaRPr>
+          </a:p>
+          <a:p>
+            <a:r>
+              <a:rPr lang="en-US" altLang="zh-TW" sz="1800" dirty="0">
+                <a:solidFill>
+                  <a:srgbClr val="0000FF"/>
+                </a:solidFill>
+                <a:latin typeface="細明體" panose="02020509000000000000" pitchFamily="49" charset="-120"/>
+                <a:ea typeface="細明體" panose="02020509000000000000" pitchFamily="49" charset="-120"/>
+              </a:rPr>
+              <a:t>WHEN</a:t>
+            </a:r>
+            <a:r>
+              <a:rPr lang="en-US" altLang="zh-TW" sz="1800" dirty="0">
+                <a:solidFill>
+                  <a:srgbClr val="000000"/>
+                </a:solidFill>
+                <a:latin typeface="細明體" panose="02020509000000000000" pitchFamily="49" charset="-120"/>
+                <a:ea typeface="細明體" panose="02020509000000000000" pitchFamily="49" charset="-120"/>
+              </a:rPr>
+              <a:t>  </a:t>
+            </a:r>
+            <a:r>
+              <a:rPr lang="en-US" altLang="zh-TW" sz="1800" dirty="0">
+                <a:solidFill>
+                  <a:srgbClr val="FF00FF"/>
+                </a:solidFill>
+                <a:latin typeface="細明體" panose="02020509000000000000" pitchFamily="49" charset="-120"/>
+                <a:ea typeface="細明體" panose="02020509000000000000" pitchFamily="49" charset="-120"/>
+              </a:rPr>
+              <a:t>CHARINDEX</a:t>
+            </a:r>
+            <a:r>
+              <a:rPr lang="en-US" altLang="zh-TW" sz="1800" dirty="0">
+                <a:solidFill>
+                  <a:srgbClr val="808080"/>
+                </a:solidFill>
+                <a:latin typeface="細明體" panose="02020509000000000000" pitchFamily="49" charset="-120"/>
+                <a:ea typeface="細明體" panose="02020509000000000000" pitchFamily="49" charset="-120"/>
+              </a:rPr>
+              <a:t>(left(</a:t>
+            </a:r>
+            <a:r>
+              <a:rPr lang="en-US" altLang="zh-TW" sz="1800" dirty="0">
+                <a:solidFill>
+                  <a:srgbClr val="000000"/>
+                </a:solidFill>
+                <a:latin typeface="細明體" panose="02020509000000000000" pitchFamily="49" charset="-120"/>
+                <a:ea typeface="細明體" panose="02020509000000000000" pitchFamily="49" charset="-120"/>
+              </a:rPr>
+              <a:t>e</a:t>
+            </a:r>
+            <a:r>
+              <a:rPr lang="en-US" altLang="zh-TW" sz="1800" dirty="0">
+                <a:solidFill>
+                  <a:srgbClr val="808080"/>
+                </a:solidFill>
+                <a:latin typeface="細明體" panose="02020509000000000000" pitchFamily="49" charset="-120"/>
+                <a:ea typeface="細明體" panose="02020509000000000000" pitchFamily="49" charset="-120"/>
+              </a:rPr>
+              <a:t>.</a:t>
+            </a:r>
+            <a:r>
+              <a:rPr lang="en-US" altLang="zh-TW" sz="1800" dirty="0">
+                <a:solidFill>
+                  <a:srgbClr val="000000"/>
+                </a:solidFill>
+                <a:latin typeface="細明體" panose="02020509000000000000" pitchFamily="49" charset="-120"/>
+                <a:ea typeface="細明體" panose="02020509000000000000" pitchFamily="49" charset="-120"/>
+              </a:rPr>
+              <a:t>EventName</a:t>
+            </a:r>
+            <a:r>
+              <a:rPr lang="en-US" altLang="zh-TW" sz="1800" dirty="0">
+                <a:solidFill>
+                  <a:srgbClr val="808080"/>
+                </a:solidFill>
+                <a:latin typeface="細明體" panose="02020509000000000000" pitchFamily="49" charset="-120"/>
+                <a:ea typeface="細明體" panose="02020509000000000000" pitchFamily="49" charset="-120"/>
+              </a:rPr>
+              <a:t>,</a:t>
+            </a:r>
+            <a:r>
+              <a:rPr lang="en-US" altLang="zh-TW" sz="1800" dirty="0">
+                <a:solidFill>
+                  <a:srgbClr val="000000"/>
+                </a:solidFill>
+                <a:latin typeface="細明體" panose="02020509000000000000" pitchFamily="49" charset="-120"/>
+                <a:ea typeface="細明體" panose="02020509000000000000" pitchFamily="49" charset="-120"/>
+              </a:rPr>
+              <a:t>1</a:t>
+            </a:r>
+            <a:r>
+              <a:rPr lang="en-US" altLang="zh-TW" sz="1800" dirty="0">
+                <a:solidFill>
+                  <a:srgbClr val="808080"/>
+                </a:solidFill>
+                <a:latin typeface="細明體" panose="02020509000000000000" pitchFamily="49" charset="-120"/>
+                <a:ea typeface="細明體" panose="02020509000000000000" pitchFamily="49" charset="-120"/>
+              </a:rPr>
+              <a:t>),</a:t>
+            </a:r>
+            <a:r>
+              <a:rPr lang="en-US" altLang="zh-TW" sz="1800" dirty="0">
+                <a:solidFill>
+                  <a:srgbClr val="FF0000"/>
+                </a:solidFill>
+                <a:latin typeface="細明體" panose="02020509000000000000" pitchFamily="49" charset="-120"/>
+                <a:ea typeface="細明體" panose="02020509000000000000" pitchFamily="49" charset="-120"/>
+              </a:rPr>
+              <a:t>'aeiou'</a:t>
+            </a:r>
+            <a:r>
+              <a:rPr lang="en-US" altLang="zh-TW" sz="1800" dirty="0">
+                <a:solidFill>
+                  <a:srgbClr val="808080"/>
+                </a:solidFill>
+                <a:latin typeface="細明體" panose="02020509000000000000" pitchFamily="49" charset="-120"/>
+                <a:ea typeface="細明體" panose="02020509000000000000" pitchFamily="49" charset="-120"/>
+              </a:rPr>
+              <a:t>,</a:t>
+            </a:r>
+            <a:r>
+              <a:rPr lang="en-US" altLang="zh-TW" sz="1800" dirty="0">
+                <a:solidFill>
+                  <a:srgbClr val="000000"/>
+                </a:solidFill>
+                <a:latin typeface="細明體" panose="02020509000000000000" pitchFamily="49" charset="-120"/>
+                <a:ea typeface="細明體" panose="02020509000000000000" pitchFamily="49" charset="-120"/>
+              </a:rPr>
+              <a:t>1</a:t>
+            </a:r>
+            <a:r>
+              <a:rPr lang="en-US" altLang="zh-TW" sz="1800" dirty="0">
+                <a:solidFill>
+                  <a:srgbClr val="808080"/>
+                </a:solidFill>
+                <a:latin typeface="細明體" panose="02020509000000000000" pitchFamily="49" charset="-120"/>
+                <a:ea typeface="細明體" panose="02020509000000000000" pitchFamily="49" charset="-120"/>
+              </a:rPr>
+              <a:t>)</a:t>
+            </a:r>
+            <a:r>
+              <a:rPr lang="en-US" altLang="zh-TW" sz="1800" dirty="0">
+                <a:solidFill>
+                  <a:srgbClr val="000000"/>
+                </a:solidFill>
+                <a:latin typeface="細明體" panose="02020509000000000000" pitchFamily="49" charset="-120"/>
+                <a:ea typeface="細明體" panose="02020509000000000000" pitchFamily="49" charset="-120"/>
+              </a:rPr>
+              <a:t> </a:t>
+            </a:r>
+            <a:r>
+              <a:rPr lang="en-US" altLang="zh-TW" sz="1800" dirty="0">
+                <a:solidFill>
+                  <a:srgbClr val="808080"/>
+                </a:solidFill>
+                <a:latin typeface="細明體" panose="02020509000000000000" pitchFamily="49" charset="-120"/>
+                <a:ea typeface="細明體" panose="02020509000000000000" pitchFamily="49" charset="-120"/>
+              </a:rPr>
+              <a:t>&gt;</a:t>
+            </a:r>
+            <a:r>
+              <a:rPr lang="en-US" altLang="zh-TW" sz="1800" dirty="0">
+                <a:solidFill>
+                  <a:srgbClr val="000000"/>
+                </a:solidFill>
+                <a:latin typeface="細明體" panose="02020509000000000000" pitchFamily="49" charset="-120"/>
+                <a:ea typeface="細明體" panose="02020509000000000000" pitchFamily="49" charset="-120"/>
+              </a:rPr>
+              <a:t>0 </a:t>
+            </a:r>
+            <a:r>
+              <a:rPr lang="en-US" altLang="zh-TW" sz="1800" dirty="0">
+                <a:solidFill>
+                  <a:srgbClr val="808080"/>
+                </a:solidFill>
+                <a:latin typeface="細明體" panose="02020509000000000000" pitchFamily="49" charset="-120"/>
+                <a:ea typeface="細明體" panose="02020509000000000000" pitchFamily="49" charset="-120"/>
+              </a:rPr>
+              <a:t>AND</a:t>
+            </a:r>
+            <a:r>
+              <a:rPr lang="en-US" altLang="zh-TW" sz="1800" dirty="0">
+                <a:solidFill>
+                  <a:srgbClr val="000000"/>
+                </a:solidFill>
+                <a:latin typeface="細明體" panose="02020509000000000000" pitchFamily="49" charset="-120"/>
+                <a:ea typeface="細明體" panose="02020509000000000000" pitchFamily="49" charset="-120"/>
+              </a:rPr>
+              <a:t> </a:t>
+            </a:r>
+            <a:r>
+              <a:rPr lang="en-US" altLang="zh-TW" sz="1800" dirty="0">
+                <a:solidFill>
+                  <a:srgbClr val="FF00FF"/>
+                </a:solidFill>
+                <a:latin typeface="細明體" panose="02020509000000000000" pitchFamily="49" charset="-120"/>
+                <a:ea typeface="細明體" panose="02020509000000000000" pitchFamily="49" charset="-120"/>
+              </a:rPr>
+              <a:t>CHARINDEX</a:t>
+            </a:r>
+            <a:r>
+              <a:rPr lang="en-US" altLang="zh-TW" sz="1800" dirty="0">
+                <a:solidFill>
+                  <a:srgbClr val="808080"/>
+                </a:solidFill>
+                <a:latin typeface="細明體" panose="02020509000000000000" pitchFamily="49" charset="-120"/>
+                <a:ea typeface="細明體" panose="02020509000000000000" pitchFamily="49" charset="-120"/>
+              </a:rPr>
+              <a:t>(right(</a:t>
+            </a:r>
+            <a:r>
+              <a:rPr lang="en-US" altLang="zh-TW" sz="1800" dirty="0">
+                <a:solidFill>
+                  <a:srgbClr val="000000"/>
+                </a:solidFill>
+                <a:latin typeface="細明體" panose="02020509000000000000" pitchFamily="49" charset="-120"/>
+                <a:ea typeface="細明體" panose="02020509000000000000" pitchFamily="49" charset="-120"/>
+              </a:rPr>
+              <a:t>e</a:t>
+            </a:r>
+            <a:r>
+              <a:rPr lang="en-US" altLang="zh-TW" sz="1800" dirty="0">
+                <a:solidFill>
+                  <a:srgbClr val="808080"/>
+                </a:solidFill>
+                <a:latin typeface="細明體" panose="02020509000000000000" pitchFamily="49" charset="-120"/>
+                <a:ea typeface="細明體" panose="02020509000000000000" pitchFamily="49" charset="-120"/>
+              </a:rPr>
+              <a:t>.</a:t>
+            </a:r>
+            <a:r>
+              <a:rPr lang="en-US" altLang="zh-TW" sz="1800" dirty="0">
+                <a:solidFill>
+                  <a:srgbClr val="000000"/>
+                </a:solidFill>
+                <a:latin typeface="細明體" panose="02020509000000000000" pitchFamily="49" charset="-120"/>
+                <a:ea typeface="細明體" panose="02020509000000000000" pitchFamily="49" charset="-120"/>
+              </a:rPr>
+              <a:t>EventName</a:t>
+            </a:r>
+            <a:r>
+              <a:rPr lang="en-US" altLang="zh-TW" sz="1800" dirty="0">
+                <a:solidFill>
+                  <a:srgbClr val="808080"/>
+                </a:solidFill>
+                <a:latin typeface="細明體" panose="02020509000000000000" pitchFamily="49" charset="-120"/>
+                <a:ea typeface="細明體" panose="02020509000000000000" pitchFamily="49" charset="-120"/>
+              </a:rPr>
+              <a:t>,</a:t>
+            </a:r>
+            <a:r>
+              <a:rPr lang="en-US" altLang="zh-TW" sz="1800" dirty="0">
+                <a:solidFill>
+                  <a:srgbClr val="000000"/>
+                </a:solidFill>
+                <a:latin typeface="細明體" panose="02020509000000000000" pitchFamily="49" charset="-120"/>
+                <a:ea typeface="細明體" panose="02020509000000000000" pitchFamily="49" charset="-120"/>
+              </a:rPr>
+              <a:t>1</a:t>
+            </a:r>
+            <a:r>
+              <a:rPr lang="en-US" altLang="zh-TW" sz="1800" dirty="0">
+                <a:solidFill>
+                  <a:srgbClr val="808080"/>
+                </a:solidFill>
+                <a:latin typeface="細明體" panose="02020509000000000000" pitchFamily="49" charset="-120"/>
+                <a:ea typeface="細明體" panose="02020509000000000000" pitchFamily="49" charset="-120"/>
+              </a:rPr>
+              <a:t>),</a:t>
+            </a:r>
+            <a:r>
+              <a:rPr lang="en-US" altLang="zh-TW" sz="1800" dirty="0">
+                <a:solidFill>
+                  <a:srgbClr val="FF0000"/>
+                </a:solidFill>
+                <a:latin typeface="細明體" panose="02020509000000000000" pitchFamily="49" charset="-120"/>
+                <a:ea typeface="細明體" panose="02020509000000000000" pitchFamily="49" charset="-120"/>
+              </a:rPr>
+              <a:t>'aeiou'</a:t>
+            </a:r>
+            <a:r>
+              <a:rPr lang="en-US" altLang="zh-TW" sz="1800" dirty="0">
+                <a:solidFill>
+                  <a:srgbClr val="808080"/>
+                </a:solidFill>
+                <a:latin typeface="細明體" panose="02020509000000000000" pitchFamily="49" charset="-120"/>
+                <a:ea typeface="細明體" panose="02020509000000000000" pitchFamily="49" charset="-120"/>
+              </a:rPr>
+              <a:t>,</a:t>
+            </a:r>
+            <a:r>
+              <a:rPr lang="en-US" altLang="zh-TW" sz="1800" dirty="0">
+                <a:solidFill>
+                  <a:srgbClr val="000000"/>
+                </a:solidFill>
+                <a:latin typeface="細明體" panose="02020509000000000000" pitchFamily="49" charset="-120"/>
+                <a:ea typeface="細明體" panose="02020509000000000000" pitchFamily="49" charset="-120"/>
+              </a:rPr>
+              <a:t>1</a:t>
+            </a:r>
+            <a:r>
+              <a:rPr lang="en-US" altLang="zh-TW" sz="1800" dirty="0">
+                <a:solidFill>
+                  <a:srgbClr val="808080"/>
+                </a:solidFill>
+                <a:latin typeface="細明體" panose="02020509000000000000" pitchFamily="49" charset="-120"/>
+                <a:ea typeface="細明體" panose="02020509000000000000" pitchFamily="49" charset="-120"/>
+              </a:rPr>
+              <a:t>)</a:t>
+            </a:r>
+            <a:r>
+              <a:rPr lang="en-US" altLang="zh-TW" sz="1800" dirty="0">
+                <a:solidFill>
+                  <a:srgbClr val="000000"/>
+                </a:solidFill>
+                <a:latin typeface="細明體" panose="02020509000000000000" pitchFamily="49" charset="-120"/>
+                <a:ea typeface="細明體" panose="02020509000000000000" pitchFamily="49" charset="-120"/>
+              </a:rPr>
+              <a:t> </a:t>
+            </a:r>
+            <a:r>
+              <a:rPr lang="en-US" altLang="zh-TW" sz="1800" dirty="0">
+                <a:solidFill>
+                  <a:srgbClr val="808080"/>
+                </a:solidFill>
+                <a:latin typeface="細明體" panose="02020509000000000000" pitchFamily="49" charset="-120"/>
+                <a:ea typeface="細明體" panose="02020509000000000000" pitchFamily="49" charset="-120"/>
+              </a:rPr>
+              <a:t>&gt;</a:t>
+            </a:r>
+            <a:r>
+              <a:rPr lang="en-US" altLang="zh-TW" sz="1800" dirty="0">
+                <a:solidFill>
+                  <a:srgbClr val="000000"/>
+                </a:solidFill>
+                <a:latin typeface="細明體" panose="02020509000000000000" pitchFamily="49" charset="-120"/>
+                <a:ea typeface="細明體" panose="02020509000000000000" pitchFamily="49" charset="-120"/>
+              </a:rPr>
+              <a:t>0 </a:t>
+            </a:r>
+            <a:r>
+              <a:rPr lang="en-US" altLang="zh-TW" sz="1800" dirty="0">
+                <a:solidFill>
+                  <a:srgbClr val="0000FF"/>
+                </a:solidFill>
+                <a:latin typeface="細明體" panose="02020509000000000000" pitchFamily="49" charset="-120"/>
+                <a:ea typeface="細明體" panose="02020509000000000000" pitchFamily="49" charset="-120"/>
+              </a:rPr>
+              <a:t>THEN</a:t>
+            </a:r>
+            <a:r>
+              <a:rPr lang="en-US" altLang="zh-TW" sz="1800" dirty="0">
+                <a:solidFill>
+                  <a:srgbClr val="000000"/>
+                </a:solidFill>
+                <a:latin typeface="細明體" panose="02020509000000000000" pitchFamily="49" charset="-120"/>
+                <a:ea typeface="細明體" panose="02020509000000000000" pitchFamily="49" charset="-120"/>
+              </a:rPr>
+              <a:t> </a:t>
+            </a:r>
+            <a:r>
+              <a:rPr lang="en-US" altLang="zh-TW" sz="1800" dirty="0">
+                <a:solidFill>
+                  <a:srgbClr val="FF0000"/>
+                </a:solidFill>
+                <a:latin typeface="細明體" panose="02020509000000000000" pitchFamily="49" charset="-120"/>
+                <a:ea typeface="細明體" panose="02020509000000000000" pitchFamily="49" charset="-120"/>
+              </a:rPr>
+              <a:t>'Begins and ends with vowel'</a:t>
+            </a:r>
+            <a:endParaRPr lang="en-US" altLang="zh-TW" sz="1800" dirty="0">
+              <a:solidFill>
+                <a:srgbClr val="000000"/>
+              </a:solidFill>
+              <a:latin typeface="細明體" panose="02020509000000000000" pitchFamily="49" charset="-120"/>
+              <a:ea typeface="細明體" panose="02020509000000000000" pitchFamily="49" charset="-120"/>
+            </a:endParaRPr>
+          </a:p>
+          <a:p>
+            <a:r>
+              <a:rPr lang="en-US" altLang="zh-TW" sz="1800" dirty="0">
+                <a:solidFill>
+                  <a:srgbClr val="0000FF"/>
+                </a:solidFill>
+                <a:latin typeface="細明體" panose="02020509000000000000" pitchFamily="49" charset="-120"/>
+                <a:ea typeface="細明體" panose="02020509000000000000" pitchFamily="49" charset="-120"/>
+              </a:rPr>
+              <a:t>ELSE</a:t>
+            </a:r>
+            <a:r>
+              <a:rPr lang="en-US" altLang="zh-TW" sz="1800" dirty="0">
+                <a:solidFill>
+                  <a:srgbClr val="000000"/>
+                </a:solidFill>
+                <a:latin typeface="細明體" panose="02020509000000000000" pitchFamily="49" charset="-120"/>
+                <a:ea typeface="細明體" panose="02020509000000000000" pitchFamily="49" charset="-120"/>
+              </a:rPr>
+              <a:t> </a:t>
+            </a:r>
+            <a:r>
+              <a:rPr lang="en-US" altLang="zh-TW" sz="1800" dirty="0">
+                <a:solidFill>
+                  <a:srgbClr val="FF0000"/>
+                </a:solidFill>
+                <a:latin typeface="細明體" panose="02020509000000000000" pitchFamily="49" charset="-120"/>
+                <a:ea typeface="細明體" panose="02020509000000000000" pitchFamily="49" charset="-120"/>
+              </a:rPr>
+              <a:t>'Boring event!'</a:t>
+            </a:r>
+            <a:endParaRPr lang="en-US" altLang="zh-TW" sz="1800" dirty="0">
+              <a:solidFill>
+                <a:srgbClr val="000000"/>
+              </a:solidFill>
+              <a:latin typeface="細明體" panose="02020509000000000000" pitchFamily="49" charset="-120"/>
+              <a:ea typeface="細明體" panose="02020509000000000000" pitchFamily="49" charset="-120"/>
+            </a:endParaRPr>
+          </a:p>
+          <a:p>
+            <a:r>
+              <a:rPr lang="en-US" altLang="zh-TW" sz="1800" dirty="0">
+                <a:solidFill>
+                  <a:srgbClr val="0000FF"/>
+                </a:solidFill>
+                <a:latin typeface="細明體" panose="02020509000000000000" pitchFamily="49" charset="-120"/>
+                <a:ea typeface="細明體" panose="02020509000000000000" pitchFamily="49" charset="-120"/>
+              </a:rPr>
+              <a:t>END</a:t>
+            </a:r>
+            <a:r>
+              <a:rPr lang="en-US" altLang="zh-TW" sz="1800" dirty="0">
+                <a:solidFill>
+                  <a:srgbClr val="000000"/>
+                </a:solidFill>
+                <a:latin typeface="細明體" panose="02020509000000000000" pitchFamily="49" charset="-120"/>
+                <a:ea typeface="細明體" panose="02020509000000000000" pitchFamily="49" charset="-120"/>
+              </a:rPr>
+              <a:t> </a:t>
+            </a:r>
+            <a:r>
+              <a:rPr lang="en-US" altLang="zh-TW" sz="1800" dirty="0">
+                <a:solidFill>
+                  <a:srgbClr val="0000FF"/>
+                </a:solidFill>
+                <a:latin typeface="細明體" panose="02020509000000000000" pitchFamily="49" charset="-120"/>
+                <a:ea typeface="細明體" panose="02020509000000000000" pitchFamily="49" charset="-120"/>
+              </a:rPr>
+              <a:t>AS</a:t>
+            </a:r>
+            <a:r>
+              <a:rPr lang="en-US" altLang="zh-TW" sz="1800" dirty="0">
+                <a:solidFill>
+                  <a:srgbClr val="000000"/>
+                </a:solidFill>
+                <a:latin typeface="細明體" panose="02020509000000000000" pitchFamily="49" charset="-120"/>
+                <a:ea typeface="細明體" panose="02020509000000000000" pitchFamily="49" charset="-120"/>
+              </a:rPr>
+              <a:t> </a:t>
+            </a:r>
+            <a:r>
+              <a:rPr lang="en-US" altLang="zh-TW" sz="1800" dirty="0">
+                <a:solidFill>
+                  <a:srgbClr val="FF0000"/>
+                </a:solidFill>
+                <a:latin typeface="細明體" panose="02020509000000000000" pitchFamily="49" charset="-120"/>
+                <a:ea typeface="細明體" panose="02020509000000000000" pitchFamily="49" charset="-120"/>
+              </a:rPr>
+              <a:t>'Verdict'</a:t>
+            </a:r>
+            <a:endParaRPr lang="en-US" altLang="zh-TW" sz="1800" dirty="0">
+              <a:solidFill>
+                <a:srgbClr val="000000"/>
+              </a:solidFill>
+              <a:latin typeface="細明體" panose="02020509000000000000" pitchFamily="49" charset="-120"/>
+              <a:ea typeface="細明體" panose="02020509000000000000" pitchFamily="49" charset="-120"/>
+            </a:endParaRPr>
+          </a:p>
+          <a:p>
+            <a:r>
+              <a:rPr lang="zh-TW" altLang="en-US" sz="1800" dirty="0">
+                <a:solidFill>
+                  <a:srgbClr val="000000"/>
+                </a:solidFill>
+                <a:latin typeface="細明體" panose="02020509000000000000" pitchFamily="49" charset="-120"/>
+                <a:ea typeface="細明體" panose="02020509000000000000" pitchFamily="49" charset="-120"/>
+              </a:rPr>
+              <a:t>     </a:t>
+            </a:r>
+          </a:p>
+          <a:p>
+            <a:r>
+              <a:rPr lang="en-US" altLang="zh-TW" sz="1800" dirty="0">
+                <a:solidFill>
+                  <a:srgbClr val="0000FF"/>
+                </a:solidFill>
+                <a:latin typeface="細明體" panose="02020509000000000000" pitchFamily="49" charset="-120"/>
+                <a:ea typeface="細明體" panose="02020509000000000000" pitchFamily="49" charset="-120"/>
+              </a:rPr>
+              <a:t>FROM</a:t>
+            </a:r>
+            <a:r>
+              <a:rPr lang="en-US" altLang="zh-TW" sz="1800" dirty="0">
+                <a:solidFill>
+                  <a:srgbClr val="000000"/>
+                </a:solidFill>
+                <a:latin typeface="細明體" panose="02020509000000000000" pitchFamily="49" charset="-120"/>
+                <a:ea typeface="細明體" panose="02020509000000000000" pitchFamily="49" charset="-120"/>
+              </a:rPr>
+              <a:t> [</a:t>
+            </a:r>
+            <a:r>
+              <a:rPr lang="en-US" altLang="zh-TW" sz="1800" dirty="0" err="1">
+                <a:solidFill>
+                  <a:srgbClr val="000000"/>
+                </a:solidFill>
+                <a:latin typeface="細明體" panose="02020509000000000000" pitchFamily="49" charset="-120"/>
+                <a:ea typeface="細明體" panose="02020509000000000000" pitchFamily="49" charset="-120"/>
+              </a:rPr>
+              <a:t>WorldEvents</a:t>
+            </a:r>
+            <a:r>
+              <a:rPr lang="en-US" altLang="zh-TW" sz="1800" dirty="0">
+                <a:solidFill>
+                  <a:srgbClr val="000000"/>
+                </a:solidFill>
+                <a:latin typeface="細明體" panose="02020509000000000000" pitchFamily="49" charset="-120"/>
+                <a:ea typeface="細明體" panose="02020509000000000000" pitchFamily="49" charset="-120"/>
+              </a:rPr>
+              <a:t>]</a:t>
+            </a:r>
+            <a:r>
+              <a:rPr lang="en-US" altLang="zh-TW" sz="1800" dirty="0">
+                <a:solidFill>
+                  <a:srgbClr val="808080"/>
+                </a:solidFill>
+                <a:latin typeface="細明體" panose="02020509000000000000" pitchFamily="49" charset="-120"/>
+                <a:ea typeface="細明體" panose="02020509000000000000" pitchFamily="49" charset="-120"/>
+              </a:rPr>
+              <a:t>.</a:t>
+            </a:r>
+            <a:r>
+              <a:rPr lang="en-US" altLang="zh-TW" sz="1800" dirty="0">
+                <a:solidFill>
+                  <a:srgbClr val="000000"/>
+                </a:solidFill>
+                <a:latin typeface="細明體" panose="02020509000000000000" pitchFamily="49" charset="-120"/>
+                <a:ea typeface="細明體" panose="02020509000000000000" pitchFamily="49" charset="-120"/>
+              </a:rPr>
+              <a:t>[</a:t>
+            </a:r>
+            <a:r>
+              <a:rPr lang="en-US" altLang="zh-TW" sz="1800" dirty="0" err="1">
+                <a:solidFill>
+                  <a:srgbClr val="000000"/>
+                </a:solidFill>
+                <a:latin typeface="細明體" panose="02020509000000000000" pitchFamily="49" charset="-120"/>
+                <a:ea typeface="細明體" panose="02020509000000000000" pitchFamily="49" charset="-120"/>
+              </a:rPr>
+              <a:t>dbo</a:t>
+            </a:r>
+            <a:r>
+              <a:rPr lang="en-US" altLang="zh-TW" sz="1800" dirty="0">
+                <a:solidFill>
+                  <a:srgbClr val="000000"/>
+                </a:solidFill>
+                <a:latin typeface="細明體" panose="02020509000000000000" pitchFamily="49" charset="-120"/>
+                <a:ea typeface="細明體" panose="02020509000000000000" pitchFamily="49" charset="-120"/>
+              </a:rPr>
+              <a:t>]</a:t>
+            </a:r>
+            <a:r>
+              <a:rPr lang="en-US" altLang="zh-TW" sz="1800" dirty="0">
+                <a:solidFill>
+                  <a:srgbClr val="808080"/>
+                </a:solidFill>
+                <a:latin typeface="細明體" panose="02020509000000000000" pitchFamily="49" charset="-120"/>
+                <a:ea typeface="細明體" panose="02020509000000000000" pitchFamily="49" charset="-120"/>
+              </a:rPr>
+              <a:t>.</a:t>
+            </a:r>
+            <a:r>
+              <a:rPr lang="en-US" altLang="zh-TW" sz="1800" dirty="0">
+                <a:solidFill>
+                  <a:srgbClr val="000000"/>
+                </a:solidFill>
+                <a:latin typeface="細明體" panose="02020509000000000000" pitchFamily="49" charset="-120"/>
+                <a:ea typeface="細明體" panose="02020509000000000000" pitchFamily="49" charset="-120"/>
+              </a:rPr>
+              <a:t>[</a:t>
+            </a:r>
+            <a:r>
+              <a:rPr lang="en-US" altLang="zh-TW" sz="1800" dirty="0" err="1">
+                <a:solidFill>
+                  <a:srgbClr val="000000"/>
+                </a:solidFill>
+                <a:latin typeface="細明體" panose="02020509000000000000" pitchFamily="49" charset="-120"/>
+                <a:ea typeface="細明體" panose="02020509000000000000" pitchFamily="49" charset="-120"/>
+              </a:rPr>
+              <a:t>tblEvent</a:t>
+            </a:r>
+            <a:r>
+              <a:rPr lang="en-US" altLang="zh-TW" sz="1800" dirty="0">
+                <a:solidFill>
+                  <a:srgbClr val="000000"/>
+                </a:solidFill>
+                <a:latin typeface="細明體" panose="02020509000000000000" pitchFamily="49" charset="-120"/>
+                <a:ea typeface="細明體" panose="02020509000000000000" pitchFamily="49" charset="-120"/>
+              </a:rPr>
+              <a:t>] </a:t>
+            </a:r>
+            <a:r>
+              <a:rPr lang="en-US" altLang="zh-TW" sz="1800" dirty="0">
+                <a:solidFill>
+                  <a:srgbClr val="0000FF"/>
+                </a:solidFill>
+                <a:latin typeface="細明體" panose="02020509000000000000" pitchFamily="49" charset="-120"/>
+                <a:ea typeface="細明體" panose="02020509000000000000" pitchFamily="49" charset="-120"/>
+              </a:rPr>
+              <a:t>AS</a:t>
+            </a:r>
+            <a:r>
+              <a:rPr lang="en-US" altLang="zh-TW" sz="1800" dirty="0">
+                <a:solidFill>
+                  <a:srgbClr val="000000"/>
+                </a:solidFill>
+                <a:latin typeface="細明體" panose="02020509000000000000" pitchFamily="49" charset="-120"/>
+                <a:ea typeface="細明體" panose="02020509000000000000" pitchFamily="49" charset="-120"/>
+              </a:rPr>
+              <a:t> e</a:t>
+            </a:r>
+            <a:endParaRPr lang="zh-TW" altLang="en-US" sz="1600" dirty="0">
+              <a:solidFill>
+                <a:srgbClr val="000000"/>
+              </a:solidFill>
+              <a:latin typeface="微軟正黑體" panose="020B0604030504040204" pitchFamily="34" charset="-120"/>
+              <a:ea typeface="微軟正黑體" panose="020B0604030504040204" pitchFamily="34" charset="-120"/>
+            </a:endParaRPr>
+          </a:p>
+        </p:txBody>
+      </p:sp>
+      <p:sp>
+        <p:nvSpPr>
+          <p:cNvPr id="9" name="文字方塊 8">
+            <a:extLst>
+              <a:ext uri="{FF2B5EF4-FFF2-40B4-BE49-F238E27FC236}">
+                <a16:creationId xmlns:a16="http://schemas.microsoft.com/office/drawing/2014/main" id="{35E0097D-1D25-800D-ACBE-7E565A45717E}"/>
+              </a:ext>
+            </a:extLst>
+          </p:cNvPr>
+          <p:cNvSpPr txBox="1"/>
+          <p:nvPr/>
+        </p:nvSpPr>
+        <p:spPr>
+          <a:xfrm>
+            <a:off x="1687669" y="5757119"/>
+            <a:ext cx="10152138" cy="369332"/>
+          </a:xfrm>
+          <a:prstGeom prst="rect">
+            <a:avLst/>
+          </a:prstGeom>
+          <a:noFill/>
+        </p:spPr>
+        <p:txBody>
+          <a:bodyPr wrap="none" rtlCol="0">
+            <a:spAutoFit/>
+          </a:bodyPr>
+          <a:lstStyle/>
+          <a:p>
+            <a:r>
+              <a:rPr lang="zh-TW" altLang="en-US" dirty="0"/>
+              <a:t>參考資料</a:t>
+            </a:r>
+            <a:r>
+              <a:rPr lang="en-US" altLang="zh-TW" dirty="0"/>
+              <a:t>:https://vimsky.com/</a:t>
+            </a:r>
+            <a:r>
+              <a:rPr lang="en-US" altLang="zh-TW" dirty="0" err="1"/>
+              <a:t>zh-tw</a:t>
+            </a:r>
+            <a:r>
+              <a:rPr lang="en-US" altLang="zh-TW" dirty="0"/>
+              <a:t>/examples/usage/sql-server-charindex-function-01.html</a:t>
+            </a:r>
+            <a:endParaRPr lang="zh-TW" altLang="en-US" dirty="0"/>
+          </a:p>
+        </p:txBody>
+      </p:sp>
+    </p:spTree>
+    <p:extLst>
+      <p:ext uri="{BB962C8B-B14F-4D97-AF65-F5344CB8AC3E}">
+        <p14:creationId xmlns:p14="http://schemas.microsoft.com/office/powerpoint/2010/main" val="1255062249"/>
+      </p:ext>
+    </p:extLst>
+  </p:cSld>
+  <p:clrMapOvr>
+    <a:masterClrMapping/>
+  </p:clrMapOvr>
+</p:sld>
+</file>
+
+<file path=ppt/slides/slide32.xml><?xml version="1.0" encoding="utf-8"?>
+<p:sld xmlns:a="http://schemas.openxmlformats.org/drawingml/2006/main" xmlns:r="http://schemas.openxmlformats.org/officeDocument/2006/relationships" xmlns:p="http://schemas.openxmlformats.org/presentationml/2006/main">
+  <p:cSld>
+    <p:spTree>
+      <p:nvGrpSpPr>
+        <p:cNvPr id="1" name=""/>
+        <p:cNvGrpSpPr/>
+        <p:nvPr/>
+      </p:nvGrpSpPr>
+      <p:grpSpPr>
+        <a:xfrm>
+          <a:off x="0" y="0"/>
+          <a:ext cx="0" cy="0"/>
+          <a:chOff x="0" y="0"/>
+          <a:chExt cx="0" cy="0"/>
+        </a:xfrm>
+      </p:grpSpPr>
+      <p:sp>
+        <p:nvSpPr>
+          <p:cNvPr id="2" name="標題 1">
+            <a:extLst>
+              <a:ext uri="{FF2B5EF4-FFF2-40B4-BE49-F238E27FC236}">
+                <a16:creationId xmlns:a16="http://schemas.microsoft.com/office/drawing/2014/main" id="{9754B65C-1642-6FE5-D941-96E5D377AABC}"/>
+              </a:ext>
+            </a:extLst>
+          </p:cNvPr>
+          <p:cNvSpPr>
+            <a:spLocks noGrp="1"/>
+          </p:cNvSpPr>
+          <p:nvPr>
+            <p:ph type="title"/>
+          </p:nvPr>
+        </p:nvSpPr>
+        <p:spPr>
+          <a:xfrm>
+            <a:off x="1687669" y="624110"/>
+            <a:ext cx="4137059" cy="1280890"/>
+          </a:xfrm>
+        </p:spPr>
+        <p:txBody>
+          <a:bodyPr>
+            <a:normAutofit/>
+          </a:bodyPr>
+          <a:lstStyle/>
+          <a:p>
+            <a:r>
+              <a:rPr lang="en-US" altLang="zh-TW" sz="3200" dirty="0"/>
+              <a:t>Answer5.</a:t>
+            </a:r>
+            <a:endParaRPr lang="zh-TW" altLang="en-US" sz="3200" dirty="0"/>
+          </a:p>
+        </p:txBody>
+      </p:sp>
+      <p:sp>
+        <p:nvSpPr>
+          <p:cNvPr id="4" name="投影片編號版面配置區 3">
+            <a:extLst>
+              <a:ext uri="{FF2B5EF4-FFF2-40B4-BE49-F238E27FC236}">
+                <a16:creationId xmlns:a16="http://schemas.microsoft.com/office/drawing/2014/main" id="{3F1EA6AD-3945-5A5F-70AE-CD8043429B6D}"/>
+              </a:ext>
+            </a:extLst>
+          </p:cNvPr>
+          <p:cNvSpPr>
+            <a:spLocks noGrp="1"/>
+          </p:cNvSpPr>
+          <p:nvPr>
+            <p:ph type="sldNum" sz="quarter" idx="12"/>
+          </p:nvPr>
+        </p:nvSpPr>
+        <p:spPr>
+          <a:xfrm>
+            <a:off x="531812" y="787782"/>
+            <a:ext cx="779767" cy="365125"/>
+          </a:xfrm>
+        </p:spPr>
+        <p:txBody>
+          <a:bodyPr>
+            <a:normAutofit/>
+          </a:bodyPr>
+          <a:lstStyle/>
+          <a:p>
+            <a:pPr>
+              <a:lnSpc>
+                <a:spcPct val="90000"/>
+              </a:lnSpc>
+              <a:spcAft>
+                <a:spcPts val="600"/>
+              </a:spcAft>
+            </a:pPr>
+            <a:fld id="{D57F1E4F-1CFF-5643-939E-217C01CDF565}" type="slidenum">
+              <a:rPr lang="en-US" sz="1900" smtClean="0"/>
+              <a:pPr>
+                <a:lnSpc>
+                  <a:spcPct val="90000"/>
+                </a:lnSpc>
+                <a:spcAft>
+                  <a:spcPts val="600"/>
+                </a:spcAft>
+              </a:pPr>
+              <a:t>32</a:t>
+            </a:fld>
+            <a:endParaRPr lang="en-US" sz="1900"/>
+          </a:p>
+        </p:txBody>
+      </p:sp>
+      <p:sp>
+        <p:nvSpPr>
+          <p:cNvPr id="3" name="內容版面配置區 2">
+            <a:extLst>
+              <a:ext uri="{FF2B5EF4-FFF2-40B4-BE49-F238E27FC236}">
+                <a16:creationId xmlns:a16="http://schemas.microsoft.com/office/drawing/2014/main" id="{8A26720F-616D-E164-DA93-3A4EBED4F0AD}"/>
+              </a:ext>
+            </a:extLst>
+          </p:cNvPr>
+          <p:cNvSpPr>
+            <a:spLocks noGrp="1"/>
+          </p:cNvSpPr>
+          <p:nvPr>
+            <p:ph idx="1"/>
+          </p:nvPr>
+        </p:nvSpPr>
+        <p:spPr>
+          <a:xfrm>
+            <a:off x="1687669" y="1685364"/>
+            <a:ext cx="6074307" cy="3854824"/>
+          </a:xfrm>
+        </p:spPr>
+        <p:txBody>
+          <a:bodyPr>
+            <a:normAutofit fontScale="92500" lnSpcReduction="20000"/>
+          </a:bodyPr>
+          <a:lstStyle/>
+          <a:p>
+            <a:r>
+              <a:rPr lang="en-US" altLang="zh-TW" sz="1800" dirty="0">
+                <a:solidFill>
+                  <a:srgbClr val="0000FF"/>
+                </a:solidFill>
+                <a:latin typeface="細明體" panose="02020509000000000000" pitchFamily="49" charset="-120"/>
+                <a:ea typeface="細明體" panose="02020509000000000000" pitchFamily="49" charset="-120"/>
+              </a:rPr>
+              <a:t>WHERE</a:t>
+            </a:r>
+            <a:endParaRPr lang="en-US" altLang="zh-TW" sz="1800" dirty="0">
+              <a:solidFill>
+                <a:srgbClr val="000000"/>
+              </a:solidFill>
+              <a:latin typeface="細明體" panose="02020509000000000000" pitchFamily="49" charset="-120"/>
+              <a:ea typeface="細明體" panose="02020509000000000000" pitchFamily="49" charset="-120"/>
+            </a:endParaRPr>
+          </a:p>
+          <a:p>
+            <a:endParaRPr lang="zh-TW" altLang="en-US" sz="1800" dirty="0">
+              <a:solidFill>
+                <a:srgbClr val="000000"/>
+              </a:solidFill>
+              <a:latin typeface="細明體" panose="02020509000000000000" pitchFamily="49" charset="-120"/>
+              <a:ea typeface="細明體" panose="02020509000000000000" pitchFamily="49" charset="-120"/>
+            </a:endParaRPr>
+          </a:p>
+          <a:p>
+            <a:r>
+              <a:rPr lang="en-US" altLang="zh-TW" sz="1800" dirty="0">
+                <a:solidFill>
+                  <a:srgbClr val="0000FF"/>
+                </a:solidFill>
+                <a:latin typeface="細明體" panose="02020509000000000000" pitchFamily="49" charset="-120"/>
+                <a:ea typeface="細明體" panose="02020509000000000000" pitchFamily="49" charset="-120"/>
+              </a:rPr>
+              <a:t>CASE</a:t>
+            </a:r>
+            <a:endParaRPr lang="en-US" altLang="zh-TW" sz="1800" dirty="0">
+              <a:solidFill>
+                <a:srgbClr val="000000"/>
+              </a:solidFill>
+              <a:latin typeface="細明體" panose="02020509000000000000" pitchFamily="49" charset="-120"/>
+              <a:ea typeface="細明體" panose="02020509000000000000" pitchFamily="49" charset="-120"/>
+            </a:endParaRPr>
+          </a:p>
+          <a:p>
+            <a:r>
+              <a:rPr lang="en-US" altLang="zh-TW" sz="1800" dirty="0">
+                <a:solidFill>
+                  <a:srgbClr val="0000FF"/>
+                </a:solidFill>
+                <a:latin typeface="細明體" panose="02020509000000000000" pitchFamily="49" charset="-120"/>
+                <a:ea typeface="細明體" panose="02020509000000000000" pitchFamily="49" charset="-120"/>
+              </a:rPr>
+              <a:t>WHEN</a:t>
+            </a:r>
+            <a:r>
+              <a:rPr lang="en-US" altLang="zh-TW" sz="1800" dirty="0">
+                <a:solidFill>
+                  <a:srgbClr val="000000"/>
+                </a:solidFill>
+                <a:latin typeface="細明體" panose="02020509000000000000" pitchFamily="49" charset="-120"/>
+                <a:ea typeface="細明體" panose="02020509000000000000" pitchFamily="49" charset="-120"/>
+              </a:rPr>
+              <a:t> </a:t>
+            </a:r>
+            <a:r>
+              <a:rPr lang="en-US" altLang="zh-TW" sz="1800" dirty="0">
+                <a:solidFill>
+                  <a:srgbClr val="808080"/>
+                </a:solidFill>
+                <a:latin typeface="細明體" panose="02020509000000000000" pitchFamily="49" charset="-120"/>
+                <a:ea typeface="細明體" panose="02020509000000000000" pitchFamily="49" charset="-120"/>
+              </a:rPr>
+              <a:t>left(</a:t>
+            </a:r>
+            <a:r>
+              <a:rPr lang="en-US" altLang="zh-TW" sz="1800" dirty="0">
+                <a:solidFill>
+                  <a:srgbClr val="000000"/>
+                </a:solidFill>
+                <a:latin typeface="細明體" panose="02020509000000000000" pitchFamily="49" charset="-120"/>
+                <a:ea typeface="細明體" panose="02020509000000000000" pitchFamily="49" charset="-120"/>
+              </a:rPr>
+              <a:t>e</a:t>
+            </a:r>
+            <a:r>
+              <a:rPr lang="en-US" altLang="zh-TW" sz="1800" dirty="0">
+                <a:solidFill>
+                  <a:srgbClr val="808080"/>
+                </a:solidFill>
+                <a:latin typeface="細明體" panose="02020509000000000000" pitchFamily="49" charset="-120"/>
+                <a:ea typeface="細明體" panose="02020509000000000000" pitchFamily="49" charset="-120"/>
+              </a:rPr>
+              <a:t>.</a:t>
+            </a:r>
+            <a:r>
+              <a:rPr lang="en-US" altLang="zh-TW" sz="1800" dirty="0">
+                <a:solidFill>
+                  <a:srgbClr val="000000"/>
+                </a:solidFill>
+                <a:latin typeface="細明體" panose="02020509000000000000" pitchFamily="49" charset="-120"/>
+                <a:ea typeface="細明體" panose="02020509000000000000" pitchFamily="49" charset="-120"/>
+              </a:rPr>
+              <a:t>EventName</a:t>
+            </a:r>
+            <a:r>
+              <a:rPr lang="en-US" altLang="zh-TW" sz="1800" dirty="0">
+                <a:solidFill>
+                  <a:srgbClr val="808080"/>
+                </a:solidFill>
+                <a:latin typeface="細明體" panose="02020509000000000000" pitchFamily="49" charset="-120"/>
+                <a:ea typeface="細明體" panose="02020509000000000000" pitchFamily="49" charset="-120"/>
+              </a:rPr>
+              <a:t>,</a:t>
+            </a:r>
+            <a:r>
+              <a:rPr lang="en-US" altLang="zh-TW" sz="1800" dirty="0">
+                <a:solidFill>
+                  <a:srgbClr val="000000"/>
+                </a:solidFill>
+                <a:latin typeface="細明體" panose="02020509000000000000" pitchFamily="49" charset="-120"/>
+                <a:ea typeface="細明體" panose="02020509000000000000" pitchFamily="49" charset="-120"/>
+              </a:rPr>
+              <a:t>1</a:t>
+            </a:r>
+            <a:r>
+              <a:rPr lang="en-US" altLang="zh-TW" sz="1800" dirty="0">
+                <a:solidFill>
+                  <a:srgbClr val="808080"/>
+                </a:solidFill>
+                <a:latin typeface="細明體" panose="02020509000000000000" pitchFamily="49" charset="-120"/>
+                <a:ea typeface="細明體" panose="02020509000000000000" pitchFamily="49" charset="-120"/>
+              </a:rPr>
+              <a:t>)</a:t>
+            </a:r>
+            <a:r>
+              <a:rPr lang="en-US" altLang="zh-TW" sz="1800" dirty="0">
+                <a:solidFill>
+                  <a:srgbClr val="000000"/>
+                </a:solidFill>
+                <a:latin typeface="細明體" panose="02020509000000000000" pitchFamily="49" charset="-120"/>
+                <a:ea typeface="細明體" panose="02020509000000000000" pitchFamily="49" charset="-120"/>
+              </a:rPr>
+              <a:t> </a:t>
+            </a:r>
+            <a:r>
+              <a:rPr lang="en-US" altLang="zh-TW" sz="1800" dirty="0">
+                <a:solidFill>
+                  <a:srgbClr val="808080"/>
+                </a:solidFill>
+                <a:latin typeface="細明體" panose="02020509000000000000" pitchFamily="49" charset="-120"/>
+                <a:ea typeface="細明體" panose="02020509000000000000" pitchFamily="49" charset="-120"/>
+              </a:rPr>
+              <a:t>=</a:t>
+            </a:r>
+            <a:r>
+              <a:rPr lang="en-US" altLang="zh-TW" sz="1800" dirty="0">
+                <a:solidFill>
+                  <a:srgbClr val="000000"/>
+                </a:solidFill>
+                <a:latin typeface="細明體" panose="02020509000000000000" pitchFamily="49" charset="-120"/>
+                <a:ea typeface="細明體" panose="02020509000000000000" pitchFamily="49" charset="-120"/>
+              </a:rPr>
+              <a:t> </a:t>
+            </a:r>
+            <a:r>
+              <a:rPr lang="en-US" altLang="zh-TW" sz="1800" dirty="0">
+                <a:solidFill>
+                  <a:srgbClr val="808080"/>
+                </a:solidFill>
+                <a:latin typeface="細明體" panose="02020509000000000000" pitchFamily="49" charset="-120"/>
+                <a:ea typeface="細明體" panose="02020509000000000000" pitchFamily="49" charset="-120"/>
+              </a:rPr>
+              <a:t>right(</a:t>
+            </a:r>
+            <a:r>
+              <a:rPr lang="en-US" altLang="zh-TW" sz="1800" dirty="0">
+                <a:solidFill>
+                  <a:srgbClr val="000000"/>
+                </a:solidFill>
+                <a:latin typeface="細明體" panose="02020509000000000000" pitchFamily="49" charset="-120"/>
+                <a:ea typeface="細明體" panose="02020509000000000000" pitchFamily="49" charset="-120"/>
+              </a:rPr>
+              <a:t>e</a:t>
+            </a:r>
+            <a:r>
+              <a:rPr lang="en-US" altLang="zh-TW" sz="1800" dirty="0">
+                <a:solidFill>
+                  <a:srgbClr val="808080"/>
+                </a:solidFill>
+                <a:latin typeface="細明體" panose="02020509000000000000" pitchFamily="49" charset="-120"/>
+                <a:ea typeface="細明體" panose="02020509000000000000" pitchFamily="49" charset="-120"/>
+              </a:rPr>
+              <a:t>.</a:t>
+            </a:r>
+            <a:r>
+              <a:rPr lang="en-US" altLang="zh-TW" sz="1800" dirty="0">
+                <a:solidFill>
+                  <a:srgbClr val="000000"/>
+                </a:solidFill>
+                <a:latin typeface="細明體" panose="02020509000000000000" pitchFamily="49" charset="-120"/>
+                <a:ea typeface="細明體" panose="02020509000000000000" pitchFamily="49" charset="-120"/>
+              </a:rPr>
+              <a:t>EventName</a:t>
+            </a:r>
+            <a:r>
+              <a:rPr lang="en-US" altLang="zh-TW" sz="1800" dirty="0">
+                <a:solidFill>
+                  <a:srgbClr val="808080"/>
+                </a:solidFill>
+                <a:latin typeface="細明體" panose="02020509000000000000" pitchFamily="49" charset="-120"/>
+                <a:ea typeface="細明體" panose="02020509000000000000" pitchFamily="49" charset="-120"/>
+              </a:rPr>
+              <a:t>,</a:t>
+            </a:r>
+            <a:r>
+              <a:rPr lang="en-US" altLang="zh-TW" sz="1800" dirty="0">
+                <a:solidFill>
+                  <a:srgbClr val="000000"/>
+                </a:solidFill>
+                <a:latin typeface="細明體" panose="02020509000000000000" pitchFamily="49" charset="-120"/>
+                <a:ea typeface="細明體" panose="02020509000000000000" pitchFamily="49" charset="-120"/>
+              </a:rPr>
+              <a:t>1</a:t>
+            </a:r>
+            <a:r>
+              <a:rPr lang="en-US" altLang="zh-TW" sz="1800" dirty="0">
+                <a:solidFill>
+                  <a:srgbClr val="808080"/>
+                </a:solidFill>
+                <a:latin typeface="細明體" panose="02020509000000000000" pitchFamily="49" charset="-120"/>
+                <a:ea typeface="細明體" panose="02020509000000000000" pitchFamily="49" charset="-120"/>
+              </a:rPr>
+              <a:t>)</a:t>
+            </a:r>
+            <a:r>
+              <a:rPr lang="en-US" altLang="zh-TW" sz="1800" dirty="0">
+                <a:solidFill>
+                  <a:srgbClr val="000000"/>
+                </a:solidFill>
+                <a:latin typeface="細明體" panose="02020509000000000000" pitchFamily="49" charset="-120"/>
+                <a:ea typeface="細明體" panose="02020509000000000000" pitchFamily="49" charset="-120"/>
+              </a:rPr>
+              <a:t> </a:t>
+            </a:r>
+            <a:r>
+              <a:rPr lang="en-US" altLang="zh-TW" sz="1800" dirty="0">
+                <a:solidFill>
+                  <a:srgbClr val="0000FF"/>
+                </a:solidFill>
+                <a:latin typeface="細明體" panose="02020509000000000000" pitchFamily="49" charset="-120"/>
+                <a:ea typeface="細明體" panose="02020509000000000000" pitchFamily="49" charset="-120"/>
+              </a:rPr>
+              <a:t>THEN</a:t>
+            </a:r>
+            <a:r>
+              <a:rPr lang="en-US" altLang="zh-TW" sz="1800" dirty="0">
+                <a:solidFill>
+                  <a:srgbClr val="000000"/>
+                </a:solidFill>
+                <a:latin typeface="細明體" panose="02020509000000000000" pitchFamily="49" charset="-120"/>
+                <a:ea typeface="細明體" panose="02020509000000000000" pitchFamily="49" charset="-120"/>
+              </a:rPr>
+              <a:t> </a:t>
+            </a:r>
+            <a:r>
+              <a:rPr lang="en-US" altLang="zh-TW" sz="1800" dirty="0">
+                <a:solidFill>
+                  <a:srgbClr val="FF0000"/>
+                </a:solidFill>
+                <a:latin typeface="細明體" panose="02020509000000000000" pitchFamily="49" charset="-120"/>
+                <a:ea typeface="細明體" panose="02020509000000000000" pitchFamily="49" charset="-120"/>
+              </a:rPr>
+              <a:t>'Same letter'</a:t>
+            </a:r>
+            <a:endParaRPr lang="en-US" altLang="zh-TW" sz="1800" dirty="0">
+              <a:solidFill>
+                <a:srgbClr val="000000"/>
+              </a:solidFill>
+              <a:latin typeface="細明體" panose="02020509000000000000" pitchFamily="49" charset="-120"/>
+              <a:ea typeface="細明體" panose="02020509000000000000" pitchFamily="49" charset="-120"/>
+            </a:endParaRPr>
+          </a:p>
+          <a:p>
+            <a:r>
+              <a:rPr lang="en-US" altLang="zh-TW" sz="1800" dirty="0">
+                <a:solidFill>
+                  <a:srgbClr val="0000FF"/>
+                </a:solidFill>
+                <a:latin typeface="細明體" panose="02020509000000000000" pitchFamily="49" charset="-120"/>
+                <a:ea typeface="細明體" panose="02020509000000000000" pitchFamily="49" charset="-120"/>
+              </a:rPr>
+              <a:t>WHEN</a:t>
+            </a:r>
+            <a:r>
+              <a:rPr lang="en-US" altLang="zh-TW" sz="1800" dirty="0">
+                <a:solidFill>
+                  <a:srgbClr val="000000"/>
+                </a:solidFill>
+                <a:latin typeface="細明體" panose="02020509000000000000" pitchFamily="49" charset="-120"/>
+                <a:ea typeface="細明體" panose="02020509000000000000" pitchFamily="49" charset="-120"/>
+              </a:rPr>
+              <a:t>  </a:t>
+            </a:r>
+            <a:r>
+              <a:rPr lang="en-US" altLang="zh-TW" sz="1800" dirty="0">
+                <a:solidFill>
+                  <a:srgbClr val="FF00FF"/>
+                </a:solidFill>
+                <a:latin typeface="細明體" panose="02020509000000000000" pitchFamily="49" charset="-120"/>
+                <a:ea typeface="細明體" panose="02020509000000000000" pitchFamily="49" charset="-120"/>
+              </a:rPr>
+              <a:t>CHARINDEX</a:t>
+            </a:r>
+            <a:r>
+              <a:rPr lang="en-US" altLang="zh-TW" sz="1800" dirty="0">
+                <a:solidFill>
+                  <a:srgbClr val="808080"/>
+                </a:solidFill>
+                <a:latin typeface="細明體" panose="02020509000000000000" pitchFamily="49" charset="-120"/>
+                <a:ea typeface="細明體" panose="02020509000000000000" pitchFamily="49" charset="-120"/>
+              </a:rPr>
+              <a:t>(left(</a:t>
+            </a:r>
+            <a:r>
+              <a:rPr lang="en-US" altLang="zh-TW" sz="1800" dirty="0">
+                <a:solidFill>
+                  <a:srgbClr val="000000"/>
+                </a:solidFill>
+                <a:latin typeface="細明體" panose="02020509000000000000" pitchFamily="49" charset="-120"/>
+                <a:ea typeface="細明體" panose="02020509000000000000" pitchFamily="49" charset="-120"/>
+              </a:rPr>
+              <a:t>e</a:t>
+            </a:r>
+            <a:r>
+              <a:rPr lang="en-US" altLang="zh-TW" sz="1800" dirty="0">
+                <a:solidFill>
+                  <a:srgbClr val="808080"/>
+                </a:solidFill>
+                <a:latin typeface="細明體" panose="02020509000000000000" pitchFamily="49" charset="-120"/>
+                <a:ea typeface="細明體" panose="02020509000000000000" pitchFamily="49" charset="-120"/>
+              </a:rPr>
+              <a:t>.</a:t>
+            </a:r>
+            <a:r>
+              <a:rPr lang="en-US" altLang="zh-TW" sz="1800" dirty="0">
+                <a:solidFill>
+                  <a:srgbClr val="000000"/>
+                </a:solidFill>
+                <a:latin typeface="細明體" panose="02020509000000000000" pitchFamily="49" charset="-120"/>
+                <a:ea typeface="細明體" panose="02020509000000000000" pitchFamily="49" charset="-120"/>
+              </a:rPr>
+              <a:t>EventName</a:t>
+            </a:r>
+            <a:r>
+              <a:rPr lang="en-US" altLang="zh-TW" sz="1800" dirty="0">
+                <a:solidFill>
+                  <a:srgbClr val="808080"/>
+                </a:solidFill>
+                <a:latin typeface="細明體" panose="02020509000000000000" pitchFamily="49" charset="-120"/>
+                <a:ea typeface="細明體" panose="02020509000000000000" pitchFamily="49" charset="-120"/>
+              </a:rPr>
+              <a:t>,</a:t>
+            </a:r>
+            <a:r>
+              <a:rPr lang="en-US" altLang="zh-TW" sz="1800" dirty="0">
+                <a:solidFill>
+                  <a:srgbClr val="000000"/>
+                </a:solidFill>
+                <a:latin typeface="細明體" panose="02020509000000000000" pitchFamily="49" charset="-120"/>
+                <a:ea typeface="細明體" panose="02020509000000000000" pitchFamily="49" charset="-120"/>
+              </a:rPr>
+              <a:t>1</a:t>
+            </a:r>
+            <a:r>
+              <a:rPr lang="en-US" altLang="zh-TW" sz="1800" dirty="0">
+                <a:solidFill>
+                  <a:srgbClr val="808080"/>
+                </a:solidFill>
+                <a:latin typeface="細明體" panose="02020509000000000000" pitchFamily="49" charset="-120"/>
+                <a:ea typeface="細明體" panose="02020509000000000000" pitchFamily="49" charset="-120"/>
+              </a:rPr>
+              <a:t>),</a:t>
+            </a:r>
+            <a:r>
+              <a:rPr lang="en-US" altLang="zh-TW" sz="1800" dirty="0">
+                <a:solidFill>
+                  <a:srgbClr val="FF0000"/>
+                </a:solidFill>
+                <a:latin typeface="細明體" panose="02020509000000000000" pitchFamily="49" charset="-120"/>
+                <a:ea typeface="細明體" panose="02020509000000000000" pitchFamily="49" charset="-120"/>
+              </a:rPr>
+              <a:t>'aeiou'</a:t>
+            </a:r>
+            <a:r>
+              <a:rPr lang="en-US" altLang="zh-TW" sz="1800" dirty="0">
+                <a:solidFill>
+                  <a:srgbClr val="808080"/>
+                </a:solidFill>
+                <a:latin typeface="細明體" panose="02020509000000000000" pitchFamily="49" charset="-120"/>
+                <a:ea typeface="細明體" panose="02020509000000000000" pitchFamily="49" charset="-120"/>
+              </a:rPr>
+              <a:t>,</a:t>
+            </a:r>
+            <a:r>
+              <a:rPr lang="en-US" altLang="zh-TW" sz="1800" dirty="0">
+                <a:solidFill>
+                  <a:srgbClr val="000000"/>
+                </a:solidFill>
+                <a:latin typeface="細明體" panose="02020509000000000000" pitchFamily="49" charset="-120"/>
+                <a:ea typeface="細明體" panose="02020509000000000000" pitchFamily="49" charset="-120"/>
+              </a:rPr>
+              <a:t>1</a:t>
+            </a:r>
+            <a:r>
+              <a:rPr lang="en-US" altLang="zh-TW" sz="1800" dirty="0">
+                <a:solidFill>
+                  <a:srgbClr val="808080"/>
+                </a:solidFill>
+                <a:latin typeface="細明體" panose="02020509000000000000" pitchFamily="49" charset="-120"/>
+                <a:ea typeface="細明體" panose="02020509000000000000" pitchFamily="49" charset="-120"/>
+              </a:rPr>
+              <a:t>)</a:t>
+            </a:r>
+            <a:r>
+              <a:rPr lang="en-US" altLang="zh-TW" sz="1800" dirty="0">
+                <a:solidFill>
+                  <a:srgbClr val="000000"/>
+                </a:solidFill>
+                <a:latin typeface="細明體" panose="02020509000000000000" pitchFamily="49" charset="-120"/>
+                <a:ea typeface="細明體" panose="02020509000000000000" pitchFamily="49" charset="-120"/>
+              </a:rPr>
+              <a:t> </a:t>
+            </a:r>
+            <a:r>
+              <a:rPr lang="en-US" altLang="zh-TW" sz="1800" dirty="0">
+                <a:solidFill>
+                  <a:srgbClr val="808080"/>
+                </a:solidFill>
+                <a:latin typeface="細明體" panose="02020509000000000000" pitchFamily="49" charset="-120"/>
+                <a:ea typeface="細明體" panose="02020509000000000000" pitchFamily="49" charset="-120"/>
+              </a:rPr>
+              <a:t>&gt;</a:t>
+            </a:r>
+            <a:r>
+              <a:rPr lang="en-US" altLang="zh-TW" sz="1800" dirty="0">
+                <a:solidFill>
+                  <a:srgbClr val="000000"/>
+                </a:solidFill>
+                <a:latin typeface="細明體" panose="02020509000000000000" pitchFamily="49" charset="-120"/>
+                <a:ea typeface="細明體" panose="02020509000000000000" pitchFamily="49" charset="-120"/>
+              </a:rPr>
+              <a:t>0 </a:t>
+            </a:r>
+            <a:r>
+              <a:rPr lang="en-US" altLang="zh-TW" sz="1800" dirty="0">
+                <a:solidFill>
+                  <a:srgbClr val="808080"/>
+                </a:solidFill>
+                <a:latin typeface="細明體" panose="02020509000000000000" pitchFamily="49" charset="-120"/>
+                <a:ea typeface="細明體" panose="02020509000000000000" pitchFamily="49" charset="-120"/>
+              </a:rPr>
+              <a:t>AND</a:t>
+            </a:r>
+            <a:r>
+              <a:rPr lang="en-US" altLang="zh-TW" sz="1800" dirty="0">
+                <a:solidFill>
+                  <a:srgbClr val="000000"/>
+                </a:solidFill>
+                <a:latin typeface="細明體" panose="02020509000000000000" pitchFamily="49" charset="-120"/>
+                <a:ea typeface="細明體" panose="02020509000000000000" pitchFamily="49" charset="-120"/>
+              </a:rPr>
+              <a:t> </a:t>
+            </a:r>
+            <a:r>
+              <a:rPr lang="en-US" altLang="zh-TW" sz="1800" dirty="0">
+                <a:solidFill>
+                  <a:srgbClr val="FF00FF"/>
+                </a:solidFill>
+                <a:latin typeface="細明體" panose="02020509000000000000" pitchFamily="49" charset="-120"/>
+                <a:ea typeface="細明體" panose="02020509000000000000" pitchFamily="49" charset="-120"/>
+              </a:rPr>
+              <a:t>CHARINDEX</a:t>
+            </a:r>
+            <a:r>
+              <a:rPr lang="en-US" altLang="zh-TW" sz="1800" dirty="0">
+                <a:solidFill>
+                  <a:srgbClr val="808080"/>
+                </a:solidFill>
+                <a:latin typeface="細明體" panose="02020509000000000000" pitchFamily="49" charset="-120"/>
+                <a:ea typeface="細明體" panose="02020509000000000000" pitchFamily="49" charset="-120"/>
+              </a:rPr>
+              <a:t>(right(</a:t>
+            </a:r>
+            <a:r>
+              <a:rPr lang="en-US" altLang="zh-TW" sz="1800" dirty="0">
+                <a:solidFill>
+                  <a:srgbClr val="000000"/>
+                </a:solidFill>
+                <a:latin typeface="細明體" panose="02020509000000000000" pitchFamily="49" charset="-120"/>
+                <a:ea typeface="細明體" panose="02020509000000000000" pitchFamily="49" charset="-120"/>
+              </a:rPr>
+              <a:t>e</a:t>
+            </a:r>
+            <a:r>
+              <a:rPr lang="en-US" altLang="zh-TW" sz="1800" dirty="0">
+                <a:solidFill>
+                  <a:srgbClr val="808080"/>
+                </a:solidFill>
+                <a:latin typeface="細明體" panose="02020509000000000000" pitchFamily="49" charset="-120"/>
+                <a:ea typeface="細明體" panose="02020509000000000000" pitchFamily="49" charset="-120"/>
+              </a:rPr>
+              <a:t>.</a:t>
+            </a:r>
+            <a:r>
+              <a:rPr lang="en-US" altLang="zh-TW" sz="1800" dirty="0">
+                <a:solidFill>
+                  <a:srgbClr val="000000"/>
+                </a:solidFill>
+                <a:latin typeface="細明體" panose="02020509000000000000" pitchFamily="49" charset="-120"/>
+                <a:ea typeface="細明體" panose="02020509000000000000" pitchFamily="49" charset="-120"/>
+              </a:rPr>
+              <a:t>EventName</a:t>
+            </a:r>
+            <a:r>
+              <a:rPr lang="en-US" altLang="zh-TW" sz="1800" dirty="0">
+                <a:solidFill>
+                  <a:srgbClr val="808080"/>
+                </a:solidFill>
+                <a:latin typeface="細明體" panose="02020509000000000000" pitchFamily="49" charset="-120"/>
+                <a:ea typeface="細明體" panose="02020509000000000000" pitchFamily="49" charset="-120"/>
+              </a:rPr>
+              <a:t>,</a:t>
+            </a:r>
+            <a:r>
+              <a:rPr lang="en-US" altLang="zh-TW" sz="1800" dirty="0">
+                <a:solidFill>
+                  <a:srgbClr val="000000"/>
+                </a:solidFill>
+                <a:latin typeface="細明體" panose="02020509000000000000" pitchFamily="49" charset="-120"/>
+                <a:ea typeface="細明體" panose="02020509000000000000" pitchFamily="49" charset="-120"/>
+              </a:rPr>
+              <a:t>1</a:t>
+            </a:r>
+            <a:r>
+              <a:rPr lang="en-US" altLang="zh-TW" sz="1800" dirty="0">
+                <a:solidFill>
+                  <a:srgbClr val="808080"/>
+                </a:solidFill>
+                <a:latin typeface="細明體" panose="02020509000000000000" pitchFamily="49" charset="-120"/>
+                <a:ea typeface="細明體" panose="02020509000000000000" pitchFamily="49" charset="-120"/>
+              </a:rPr>
+              <a:t>),</a:t>
+            </a:r>
+            <a:r>
+              <a:rPr lang="en-US" altLang="zh-TW" sz="1800" dirty="0">
+                <a:solidFill>
+                  <a:srgbClr val="FF0000"/>
+                </a:solidFill>
+                <a:latin typeface="細明體" panose="02020509000000000000" pitchFamily="49" charset="-120"/>
+                <a:ea typeface="細明體" panose="02020509000000000000" pitchFamily="49" charset="-120"/>
+              </a:rPr>
+              <a:t>'aeiou'</a:t>
+            </a:r>
+            <a:r>
+              <a:rPr lang="en-US" altLang="zh-TW" sz="1800" dirty="0">
+                <a:solidFill>
+                  <a:srgbClr val="808080"/>
+                </a:solidFill>
+                <a:latin typeface="細明體" panose="02020509000000000000" pitchFamily="49" charset="-120"/>
+                <a:ea typeface="細明體" panose="02020509000000000000" pitchFamily="49" charset="-120"/>
+              </a:rPr>
+              <a:t>,</a:t>
+            </a:r>
+            <a:r>
+              <a:rPr lang="en-US" altLang="zh-TW" sz="1800" dirty="0">
+                <a:solidFill>
+                  <a:srgbClr val="000000"/>
+                </a:solidFill>
+                <a:latin typeface="細明體" panose="02020509000000000000" pitchFamily="49" charset="-120"/>
+                <a:ea typeface="細明體" panose="02020509000000000000" pitchFamily="49" charset="-120"/>
+              </a:rPr>
+              <a:t>1</a:t>
+            </a:r>
+            <a:r>
+              <a:rPr lang="en-US" altLang="zh-TW" sz="1800" dirty="0">
+                <a:solidFill>
+                  <a:srgbClr val="808080"/>
+                </a:solidFill>
+                <a:latin typeface="細明體" panose="02020509000000000000" pitchFamily="49" charset="-120"/>
+                <a:ea typeface="細明體" panose="02020509000000000000" pitchFamily="49" charset="-120"/>
+              </a:rPr>
+              <a:t>)</a:t>
+            </a:r>
+            <a:r>
+              <a:rPr lang="en-US" altLang="zh-TW" sz="1800" dirty="0">
+                <a:solidFill>
+                  <a:srgbClr val="000000"/>
+                </a:solidFill>
+                <a:latin typeface="細明體" panose="02020509000000000000" pitchFamily="49" charset="-120"/>
+                <a:ea typeface="細明體" panose="02020509000000000000" pitchFamily="49" charset="-120"/>
+              </a:rPr>
+              <a:t> </a:t>
+            </a:r>
+            <a:r>
+              <a:rPr lang="en-US" altLang="zh-TW" sz="1800" dirty="0">
+                <a:solidFill>
+                  <a:srgbClr val="808080"/>
+                </a:solidFill>
+                <a:latin typeface="細明體" panose="02020509000000000000" pitchFamily="49" charset="-120"/>
+                <a:ea typeface="細明體" panose="02020509000000000000" pitchFamily="49" charset="-120"/>
+              </a:rPr>
+              <a:t>&gt;</a:t>
+            </a:r>
+            <a:r>
+              <a:rPr lang="en-US" altLang="zh-TW" sz="1800" dirty="0">
+                <a:solidFill>
+                  <a:srgbClr val="000000"/>
+                </a:solidFill>
+                <a:latin typeface="細明體" panose="02020509000000000000" pitchFamily="49" charset="-120"/>
+                <a:ea typeface="細明體" panose="02020509000000000000" pitchFamily="49" charset="-120"/>
+              </a:rPr>
+              <a:t>0 </a:t>
+            </a:r>
+            <a:r>
+              <a:rPr lang="en-US" altLang="zh-TW" sz="1800" dirty="0">
+                <a:solidFill>
+                  <a:srgbClr val="0000FF"/>
+                </a:solidFill>
+                <a:latin typeface="細明體" panose="02020509000000000000" pitchFamily="49" charset="-120"/>
+                <a:ea typeface="細明體" panose="02020509000000000000" pitchFamily="49" charset="-120"/>
+              </a:rPr>
+              <a:t>THEN</a:t>
+            </a:r>
+            <a:r>
+              <a:rPr lang="en-US" altLang="zh-TW" sz="1800" dirty="0">
+                <a:solidFill>
+                  <a:srgbClr val="000000"/>
+                </a:solidFill>
+                <a:latin typeface="細明體" panose="02020509000000000000" pitchFamily="49" charset="-120"/>
+                <a:ea typeface="細明體" panose="02020509000000000000" pitchFamily="49" charset="-120"/>
+              </a:rPr>
+              <a:t> </a:t>
+            </a:r>
+            <a:r>
+              <a:rPr lang="en-US" altLang="zh-TW" sz="1800" dirty="0">
+                <a:solidFill>
+                  <a:srgbClr val="FF0000"/>
+                </a:solidFill>
+                <a:latin typeface="細明體" panose="02020509000000000000" pitchFamily="49" charset="-120"/>
+                <a:ea typeface="細明體" panose="02020509000000000000" pitchFamily="49" charset="-120"/>
+              </a:rPr>
+              <a:t>'Begins and ends with vowel'</a:t>
+            </a:r>
+            <a:endParaRPr lang="en-US" altLang="zh-TW" sz="1800" dirty="0">
+              <a:solidFill>
+                <a:srgbClr val="000000"/>
+              </a:solidFill>
+              <a:latin typeface="細明體" panose="02020509000000000000" pitchFamily="49" charset="-120"/>
+              <a:ea typeface="細明體" panose="02020509000000000000" pitchFamily="49" charset="-120"/>
+            </a:endParaRPr>
+          </a:p>
+          <a:p>
+            <a:r>
+              <a:rPr lang="en-US" altLang="zh-TW" sz="1800" dirty="0">
+                <a:solidFill>
+                  <a:srgbClr val="0000FF"/>
+                </a:solidFill>
+                <a:latin typeface="細明體" panose="02020509000000000000" pitchFamily="49" charset="-120"/>
+                <a:ea typeface="細明體" panose="02020509000000000000" pitchFamily="49" charset="-120"/>
+              </a:rPr>
+              <a:t>ELSE</a:t>
+            </a:r>
+            <a:r>
+              <a:rPr lang="en-US" altLang="zh-TW" sz="1800" dirty="0">
+                <a:solidFill>
+                  <a:srgbClr val="000000"/>
+                </a:solidFill>
+                <a:latin typeface="細明體" panose="02020509000000000000" pitchFamily="49" charset="-120"/>
+                <a:ea typeface="細明體" panose="02020509000000000000" pitchFamily="49" charset="-120"/>
+              </a:rPr>
+              <a:t> </a:t>
+            </a:r>
+            <a:r>
+              <a:rPr lang="en-US" altLang="zh-TW" sz="1800" dirty="0">
+                <a:solidFill>
+                  <a:srgbClr val="FF0000"/>
+                </a:solidFill>
+                <a:latin typeface="細明體" panose="02020509000000000000" pitchFamily="49" charset="-120"/>
+                <a:ea typeface="細明體" panose="02020509000000000000" pitchFamily="49" charset="-120"/>
+              </a:rPr>
+              <a:t>'Boring event!'</a:t>
+            </a:r>
+            <a:endParaRPr lang="en-US" altLang="zh-TW" sz="1800" dirty="0">
+              <a:solidFill>
+                <a:srgbClr val="000000"/>
+              </a:solidFill>
+              <a:latin typeface="細明體" panose="02020509000000000000" pitchFamily="49" charset="-120"/>
+              <a:ea typeface="細明體" panose="02020509000000000000" pitchFamily="49" charset="-120"/>
+            </a:endParaRPr>
+          </a:p>
+          <a:p>
+            <a:r>
+              <a:rPr lang="en-US" altLang="zh-TW" sz="1800" dirty="0">
+                <a:solidFill>
+                  <a:srgbClr val="0000FF"/>
+                </a:solidFill>
+                <a:latin typeface="細明體" panose="02020509000000000000" pitchFamily="49" charset="-120"/>
+                <a:ea typeface="細明體" panose="02020509000000000000" pitchFamily="49" charset="-120"/>
+              </a:rPr>
+              <a:t>END</a:t>
+            </a:r>
+            <a:r>
+              <a:rPr lang="en-US" altLang="zh-TW" sz="1800" dirty="0">
+                <a:solidFill>
+                  <a:srgbClr val="000000"/>
+                </a:solidFill>
+                <a:latin typeface="細明體" panose="02020509000000000000" pitchFamily="49" charset="-120"/>
+                <a:ea typeface="細明體" panose="02020509000000000000" pitchFamily="49" charset="-120"/>
+              </a:rPr>
+              <a:t> </a:t>
+            </a:r>
+            <a:r>
+              <a:rPr lang="en-US" altLang="zh-TW" sz="1800" dirty="0">
+                <a:solidFill>
+                  <a:srgbClr val="808080"/>
+                </a:solidFill>
+                <a:latin typeface="細明體" panose="02020509000000000000" pitchFamily="49" charset="-120"/>
+                <a:ea typeface="細明體" panose="02020509000000000000" pitchFamily="49" charset="-120"/>
+              </a:rPr>
+              <a:t>&lt;&gt;</a:t>
+            </a:r>
+            <a:r>
+              <a:rPr lang="en-US" altLang="zh-TW" sz="1800" dirty="0">
+                <a:solidFill>
+                  <a:srgbClr val="000000"/>
+                </a:solidFill>
+                <a:latin typeface="細明體" panose="02020509000000000000" pitchFamily="49" charset="-120"/>
+                <a:ea typeface="細明體" panose="02020509000000000000" pitchFamily="49" charset="-120"/>
+              </a:rPr>
+              <a:t> </a:t>
+            </a:r>
+            <a:r>
+              <a:rPr lang="en-US" altLang="zh-TW" sz="1800" dirty="0">
+                <a:solidFill>
+                  <a:srgbClr val="FF0000"/>
+                </a:solidFill>
+                <a:latin typeface="細明體" panose="02020509000000000000" pitchFamily="49" charset="-120"/>
+                <a:ea typeface="細明體" panose="02020509000000000000" pitchFamily="49" charset="-120"/>
+              </a:rPr>
+              <a:t>'Boring event!'</a:t>
+            </a:r>
+            <a:endParaRPr lang="en-US" altLang="zh-TW" sz="1800" dirty="0">
+              <a:solidFill>
+                <a:srgbClr val="000000"/>
+              </a:solidFill>
+              <a:latin typeface="細明體" panose="02020509000000000000" pitchFamily="49" charset="-120"/>
+              <a:ea typeface="細明體" panose="02020509000000000000" pitchFamily="49" charset="-120"/>
+            </a:endParaRPr>
+          </a:p>
+          <a:p>
+            <a:endParaRPr lang="zh-TW" altLang="en-US" sz="1800" dirty="0">
+              <a:solidFill>
+                <a:srgbClr val="000000"/>
+              </a:solidFill>
+              <a:latin typeface="細明體" panose="02020509000000000000" pitchFamily="49" charset="-120"/>
+              <a:ea typeface="細明體" panose="02020509000000000000" pitchFamily="49" charset="-120"/>
+            </a:endParaRPr>
+          </a:p>
+          <a:p>
+            <a:r>
+              <a:rPr lang="en-US" altLang="zh-TW" sz="1800" dirty="0">
+                <a:solidFill>
+                  <a:srgbClr val="0000FF"/>
+                </a:solidFill>
+                <a:latin typeface="細明體" panose="02020509000000000000" pitchFamily="49" charset="-120"/>
+                <a:ea typeface="細明體" panose="02020509000000000000" pitchFamily="49" charset="-120"/>
+              </a:rPr>
+              <a:t>ORDER</a:t>
+            </a:r>
+            <a:r>
+              <a:rPr lang="en-US" altLang="zh-TW" sz="1800" dirty="0">
+                <a:solidFill>
+                  <a:srgbClr val="000000"/>
+                </a:solidFill>
+                <a:latin typeface="細明體" panose="02020509000000000000" pitchFamily="49" charset="-120"/>
+                <a:ea typeface="細明體" panose="02020509000000000000" pitchFamily="49" charset="-120"/>
+              </a:rPr>
+              <a:t> </a:t>
+            </a:r>
+            <a:r>
+              <a:rPr lang="en-US" altLang="zh-TW" sz="1800" dirty="0">
+                <a:solidFill>
+                  <a:srgbClr val="0000FF"/>
+                </a:solidFill>
+                <a:latin typeface="細明體" panose="02020509000000000000" pitchFamily="49" charset="-120"/>
+                <a:ea typeface="細明體" panose="02020509000000000000" pitchFamily="49" charset="-120"/>
+              </a:rPr>
+              <a:t>BY</a:t>
+            </a:r>
+            <a:r>
+              <a:rPr lang="en-US" altLang="zh-TW" sz="1800" dirty="0">
+                <a:solidFill>
+                  <a:srgbClr val="000000"/>
+                </a:solidFill>
+                <a:latin typeface="細明體" panose="02020509000000000000" pitchFamily="49" charset="-120"/>
+                <a:ea typeface="細明體" panose="02020509000000000000" pitchFamily="49" charset="-120"/>
+              </a:rPr>
+              <a:t> </a:t>
+            </a:r>
+            <a:r>
+              <a:rPr lang="en-US" altLang="zh-TW" sz="1800" dirty="0" err="1">
+                <a:solidFill>
+                  <a:srgbClr val="000000"/>
+                </a:solidFill>
+                <a:latin typeface="細明體" panose="02020509000000000000" pitchFamily="49" charset="-120"/>
+                <a:ea typeface="細明體" panose="02020509000000000000" pitchFamily="49" charset="-120"/>
+              </a:rPr>
+              <a:t>e</a:t>
+            </a:r>
+            <a:r>
+              <a:rPr lang="en-US" altLang="zh-TW" sz="1800" dirty="0" err="1">
+                <a:solidFill>
+                  <a:srgbClr val="808080"/>
+                </a:solidFill>
+                <a:latin typeface="細明體" panose="02020509000000000000" pitchFamily="49" charset="-120"/>
+                <a:ea typeface="細明體" panose="02020509000000000000" pitchFamily="49" charset="-120"/>
+              </a:rPr>
+              <a:t>.</a:t>
+            </a:r>
+            <a:r>
+              <a:rPr lang="en-US" altLang="zh-TW" sz="1800" dirty="0" err="1">
+                <a:solidFill>
+                  <a:srgbClr val="000000"/>
+                </a:solidFill>
+                <a:latin typeface="細明體" panose="02020509000000000000" pitchFamily="49" charset="-120"/>
+                <a:ea typeface="細明體" panose="02020509000000000000" pitchFamily="49" charset="-120"/>
+              </a:rPr>
+              <a:t>EventDate</a:t>
+            </a:r>
+            <a:r>
+              <a:rPr lang="en-US" altLang="zh-TW" sz="1800" dirty="0">
+                <a:solidFill>
+                  <a:srgbClr val="000000"/>
+                </a:solidFill>
+                <a:latin typeface="細明體" panose="02020509000000000000" pitchFamily="49" charset="-120"/>
+                <a:ea typeface="細明體" panose="02020509000000000000" pitchFamily="49" charset="-120"/>
+              </a:rPr>
+              <a:t> </a:t>
+            </a:r>
+            <a:r>
+              <a:rPr lang="en-US" altLang="zh-TW" sz="1800" dirty="0" err="1">
+                <a:solidFill>
+                  <a:srgbClr val="0000FF"/>
+                </a:solidFill>
+                <a:latin typeface="細明體" panose="02020509000000000000" pitchFamily="49" charset="-120"/>
+                <a:ea typeface="細明體" panose="02020509000000000000" pitchFamily="49" charset="-120"/>
+              </a:rPr>
+              <a:t>asc</a:t>
+            </a:r>
+            <a:endParaRPr lang="zh-TW" altLang="en-US" sz="1600" dirty="0">
+              <a:solidFill>
+                <a:srgbClr val="000000"/>
+              </a:solidFill>
+              <a:latin typeface="微軟正黑體" panose="020B0604030504040204" pitchFamily="34" charset="-120"/>
+              <a:ea typeface="微軟正黑體" panose="020B0604030504040204" pitchFamily="34" charset="-120"/>
+            </a:endParaRPr>
+          </a:p>
+        </p:txBody>
+      </p:sp>
+      <p:sp>
+        <p:nvSpPr>
+          <p:cNvPr id="9" name="文字方塊 8">
+            <a:extLst>
+              <a:ext uri="{FF2B5EF4-FFF2-40B4-BE49-F238E27FC236}">
+                <a16:creationId xmlns:a16="http://schemas.microsoft.com/office/drawing/2014/main" id="{35E0097D-1D25-800D-ACBE-7E565A45717E}"/>
+              </a:ext>
+            </a:extLst>
+          </p:cNvPr>
+          <p:cNvSpPr txBox="1"/>
+          <p:nvPr/>
+        </p:nvSpPr>
+        <p:spPr>
+          <a:xfrm>
+            <a:off x="1687669" y="5757119"/>
+            <a:ext cx="10152138" cy="369332"/>
+          </a:xfrm>
+          <a:prstGeom prst="rect">
+            <a:avLst/>
+          </a:prstGeom>
+          <a:noFill/>
+        </p:spPr>
+        <p:txBody>
+          <a:bodyPr wrap="none" rtlCol="0">
+            <a:spAutoFit/>
+          </a:bodyPr>
+          <a:lstStyle/>
+          <a:p>
+            <a:r>
+              <a:rPr lang="zh-TW" altLang="en-US" dirty="0"/>
+              <a:t>參考資料</a:t>
+            </a:r>
+            <a:r>
+              <a:rPr lang="en-US" altLang="zh-TW" dirty="0"/>
+              <a:t>:https://vimsky.com/</a:t>
+            </a:r>
+            <a:r>
+              <a:rPr lang="en-US" altLang="zh-TW" dirty="0" err="1"/>
+              <a:t>zh-tw</a:t>
+            </a:r>
+            <a:r>
+              <a:rPr lang="en-US" altLang="zh-TW" dirty="0"/>
+              <a:t>/examples/usage/sql-server-charindex-function-01.html</a:t>
+            </a:r>
+            <a:endParaRPr lang="zh-TW" altLang="en-US" dirty="0"/>
+          </a:p>
+        </p:txBody>
+      </p:sp>
+    </p:spTree>
+    <p:extLst>
+      <p:ext uri="{BB962C8B-B14F-4D97-AF65-F5344CB8AC3E}">
+        <p14:creationId xmlns:p14="http://schemas.microsoft.com/office/powerpoint/2010/main" val="1773031811"/>
+      </p:ext>
+    </p:extLst>
+  </p:cSld>
+  <p:clrMapOvr>
+    <a:masterClrMapping/>
+  </p:clrMapOvr>
+</p:sld>
+</file>
+
+<file path=ppt/slides/slide33.xml><?xml version="1.0" encoding="utf-8"?>
+<p:sld xmlns:a="http://schemas.openxmlformats.org/drawingml/2006/main" xmlns:r="http://schemas.openxmlformats.org/officeDocument/2006/relationships" xmlns:p="http://schemas.openxmlformats.org/presentationml/2006/main">
+  <p:cSld>
+    <p:spTree>
+      <p:nvGrpSpPr>
+        <p:cNvPr id="1" name=""/>
+        <p:cNvGrpSpPr/>
+        <p:nvPr/>
+      </p:nvGrpSpPr>
+      <p:grpSpPr>
+        <a:xfrm>
+          <a:off x="0" y="0"/>
+          <a:ext cx="0" cy="0"/>
+          <a:chOff x="0" y="0"/>
+          <a:chExt cx="0" cy="0"/>
+        </a:xfrm>
+      </p:grpSpPr>
+      <p:sp>
+        <p:nvSpPr>
+          <p:cNvPr id="2" name="標題 1">
+            <a:extLst>
+              <a:ext uri="{FF2B5EF4-FFF2-40B4-BE49-F238E27FC236}">
+                <a16:creationId xmlns:a16="http://schemas.microsoft.com/office/drawing/2014/main" id="{9754B65C-1642-6FE5-D941-96E5D377AABC}"/>
+              </a:ext>
+            </a:extLst>
+          </p:cNvPr>
+          <p:cNvSpPr>
+            <a:spLocks noGrp="1"/>
+          </p:cNvSpPr>
+          <p:nvPr>
+            <p:ph type="title"/>
+          </p:nvPr>
+        </p:nvSpPr>
+        <p:spPr>
+          <a:xfrm>
+            <a:off x="1687669" y="624110"/>
+            <a:ext cx="4137059" cy="1280890"/>
+          </a:xfrm>
+        </p:spPr>
+        <p:txBody>
+          <a:bodyPr>
+            <a:normAutofit/>
+          </a:bodyPr>
+          <a:lstStyle/>
+          <a:p>
+            <a:r>
+              <a:rPr lang="en-US" altLang="zh-TW" sz="3200" dirty="0"/>
+              <a:t>Answer5.</a:t>
+            </a:r>
+            <a:endParaRPr lang="zh-TW" altLang="en-US" sz="3200" dirty="0"/>
+          </a:p>
+        </p:txBody>
+      </p:sp>
+      <p:sp>
+        <p:nvSpPr>
+          <p:cNvPr id="4" name="投影片編號版面配置區 3">
+            <a:extLst>
+              <a:ext uri="{FF2B5EF4-FFF2-40B4-BE49-F238E27FC236}">
+                <a16:creationId xmlns:a16="http://schemas.microsoft.com/office/drawing/2014/main" id="{3F1EA6AD-3945-5A5F-70AE-CD8043429B6D}"/>
+              </a:ext>
+            </a:extLst>
+          </p:cNvPr>
+          <p:cNvSpPr>
+            <a:spLocks noGrp="1"/>
+          </p:cNvSpPr>
+          <p:nvPr>
+            <p:ph type="sldNum" sz="quarter" idx="12"/>
+          </p:nvPr>
+        </p:nvSpPr>
+        <p:spPr>
+          <a:xfrm>
+            <a:off x="531812" y="787782"/>
+            <a:ext cx="779767" cy="365125"/>
+          </a:xfrm>
+        </p:spPr>
+        <p:txBody>
+          <a:bodyPr>
+            <a:normAutofit/>
+          </a:bodyPr>
+          <a:lstStyle/>
+          <a:p>
+            <a:pPr>
+              <a:lnSpc>
+                <a:spcPct val="90000"/>
+              </a:lnSpc>
+              <a:spcAft>
+                <a:spcPts val="600"/>
+              </a:spcAft>
+            </a:pPr>
+            <a:fld id="{D57F1E4F-1CFF-5643-939E-217C01CDF565}" type="slidenum">
+              <a:rPr lang="en-US" sz="1900" smtClean="0"/>
+              <a:pPr>
+                <a:lnSpc>
+                  <a:spcPct val="90000"/>
+                </a:lnSpc>
+                <a:spcAft>
+                  <a:spcPts val="600"/>
+                </a:spcAft>
+              </a:pPr>
+              <a:t>33</a:t>
+            </a:fld>
+            <a:endParaRPr lang="en-US" sz="1900"/>
+          </a:p>
+        </p:txBody>
+      </p:sp>
+      <p:pic>
+        <p:nvPicPr>
+          <p:cNvPr id="6" name="內容版面配置區 5">
+            <a:extLst>
+              <a:ext uri="{FF2B5EF4-FFF2-40B4-BE49-F238E27FC236}">
+                <a16:creationId xmlns:a16="http://schemas.microsoft.com/office/drawing/2014/main" id="{82AE71E5-391B-603E-B1D3-2DC98E313345}"/>
+              </a:ext>
+            </a:extLst>
+          </p:cNvPr>
+          <p:cNvPicPr>
+            <a:picLocks noGrp="1" noChangeAspect="1"/>
+          </p:cNvPicPr>
+          <p:nvPr>
+            <p:ph idx="1"/>
+          </p:nvPr>
+        </p:nvPicPr>
+        <p:blipFill>
+          <a:blip r:embed="rId2"/>
+          <a:stretch>
+            <a:fillRect/>
+          </a:stretch>
+        </p:blipFill>
+        <p:spPr>
+          <a:xfrm>
+            <a:off x="1687669" y="1465741"/>
+            <a:ext cx="5044775" cy="3656744"/>
+          </a:xfrm>
+        </p:spPr>
+      </p:pic>
+      <p:sp>
+        <p:nvSpPr>
+          <p:cNvPr id="9" name="文字方塊 8">
+            <a:extLst>
+              <a:ext uri="{FF2B5EF4-FFF2-40B4-BE49-F238E27FC236}">
+                <a16:creationId xmlns:a16="http://schemas.microsoft.com/office/drawing/2014/main" id="{35E0097D-1D25-800D-ACBE-7E565A45717E}"/>
+              </a:ext>
+            </a:extLst>
+          </p:cNvPr>
+          <p:cNvSpPr txBox="1"/>
+          <p:nvPr/>
+        </p:nvSpPr>
+        <p:spPr>
+          <a:xfrm>
+            <a:off x="1687669" y="5757119"/>
+            <a:ext cx="10152138" cy="369332"/>
+          </a:xfrm>
+          <a:prstGeom prst="rect">
+            <a:avLst/>
+          </a:prstGeom>
+          <a:noFill/>
+        </p:spPr>
+        <p:txBody>
+          <a:bodyPr wrap="none" rtlCol="0">
+            <a:spAutoFit/>
+          </a:bodyPr>
+          <a:lstStyle/>
+          <a:p>
+            <a:r>
+              <a:rPr lang="zh-TW" altLang="en-US" dirty="0"/>
+              <a:t>參考資料</a:t>
+            </a:r>
+            <a:r>
+              <a:rPr lang="en-US" altLang="zh-TW" dirty="0"/>
+              <a:t>:https://vimsky.com/</a:t>
+            </a:r>
+            <a:r>
+              <a:rPr lang="en-US" altLang="zh-TW" dirty="0" err="1"/>
+              <a:t>zh-tw</a:t>
+            </a:r>
+            <a:r>
+              <a:rPr lang="en-US" altLang="zh-TW" dirty="0"/>
+              <a:t>/examples/usage/sql-server-charindex-function-01.html</a:t>
+            </a:r>
+            <a:endParaRPr lang="zh-TW" altLang="en-US" dirty="0"/>
+          </a:p>
+        </p:txBody>
+      </p:sp>
+    </p:spTree>
+    <p:extLst>
+      <p:ext uri="{BB962C8B-B14F-4D97-AF65-F5344CB8AC3E}">
+        <p14:creationId xmlns:p14="http://schemas.microsoft.com/office/powerpoint/2010/main" val="1086051967"/>
+      </p:ext>
+    </p:extLst>
+  </p:cSld>
+  <p:clrMapOvr>
+    <a:masterClrMapping/>
+  </p:clrMapOvr>
+</p:sld>
+</file>
+
+<file path=ppt/slides/slide34.xml><?xml version="1.0" encoding="utf-8"?>
+<p:sld xmlns:a="http://schemas.openxmlformats.org/drawingml/2006/main" xmlns:r="http://schemas.openxmlformats.org/officeDocument/2006/relationships" xmlns:p="http://schemas.openxmlformats.org/presentationml/2006/main">
+  <p:cSld>
+    <p:spTree>
+      <p:nvGrpSpPr>
+        <p:cNvPr id="1" name=""/>
+        <p:cNvGrpSpPr/>
+        <p:nvPr/>
+      </p:nvGrpSpPr>
+      <p:grpSpPr>
+        <a:xfrm>
+          <a:off x="0" y="0"/>
+          <a:ext cx="0" cy="0"/>
+          <a:chOff x="0" y="0"/>
+          <a:chExt cx="0" cy="0"/>
+        </a:xfrm>
+      </p:grpSpPr>
+      <p:sp>
+        <p:nvSpPr>
+          <p:cNvPr id="2" name="標題 1">
+            <a:extLst>
+              <a:ext uri="{FF2B5EF4-FFF2-40B4-BE49-F238E27FC236}">
+                <a16:creationId xmlns:a16="http://schemas.microsoft.com/office/drawing/2014/main" id="{9754B65C-1642-6FE5-D941-96E5D377AABC}"/>
+              </a:ext>
+            </a:extLst>
+          </p:cNvPr>
+          <p:cNvSpPr>
+            <a:spLocks noGrp="1"/>
+          </p:cNvSpPr>
+          <p:nvPr>
+            <p:ph type="title"/>
+          </p:nvPr>
+        </p:nvSpPr>
+        <p:spPr>
+          <a:xfrm>
+            <a:off x="1687669" y="624110"/>
+            <a:ext cx="7321860" cy="1280890"/>
+          </a:xfrm>
+        </p:spPr>
+        <p:txBody>
+          <a:bodyPr>
+            <a:normAutofit/>
+          </a:bodyPr>
+          <a:lstStyle/>
+          <a:p>
+            <a:r>
+              <a:rPr lang="en-US" altLang="zh-TW" sz="3200" dirty="0"/>
+              <a:t>Calculations Q6</a:t>
+            </a:r>
+            <a:endParaRPr lang="zh-TW" altLang="en-US" sz="3200" dirty="0"/>
+          </a:p>
+        </p:txBody>
+      </p:sp>
+      <p:sp>
+        <p:nvSpPr>
+          <p:cNvPr id="4" name="投影片編號版面配置區 3">
+            <a:extLst>
+              <a:ext uri="{FF2B5EF4-FFF2-40B4-BE49-F238E27FC236}">
+                <a16:creationId xmlns:a16="http://schemas.microsoft.com/office/drawing/2014/main" id="{3F1EA6AD-3945-5A5F-70AE-CD8043429B6D}"/>
+              </a:ext>
+            </a:extLst>
+          </p:cNvPr>
+          <p:cNvSpPr>
+            <a:spLocks noGrp="1"/>
+          </p:cNvSpPr>
+          <p:nvPr>
+            <p:ph type="sldNum" sz="quarter" idx="12"/>
+          </p:nvPr>
+        </p:nvSpPr>
+        <p:spPr>
+          <a:xfrm>
+            <a:off x="531812" y="787782"/>
+            <a:ext cx="779767" cy="365125"/>
+          </a:xfrm>
+        </p:spPr>
+        <p:txBody>
+          <a:bodyPr>
+            <a:normAutofit/>
+          </a:bodyPr>
+          <a:lstStyle/>
+          <a:p>
+            <a:pPr>
+              <a:lnSpc>
+                <a:spcPct val="90000"/>
+              </a:lnSpc>
+              <a:spcAft>
+                <a:spcPts val="600"/>
+              </a:spcAft>
+            </a:pPr>
+            <a:fld id="{D57F1E4F-1CFF-5643-939E-217C01CDF565}" type="slidenum">
+              <a:rPr lang="en-US" sz="1900" smtClean="0"/>
+              <a:pPr>
+                <a:lnSpc>
+                  <a:spcPct val="90000"/>
+                </a:lnSpc>
+                <a:spcAft>
+                  <a:spcPts val="600"/>
+                </a:spcAft>
+              </a:pPr>
+              <a:t>34</a:t>
+            </a:fld>
+            <a:endParaRPr lang="en-US" sz="1900"/>
+          </a:p>
+        </p:txBody>
+      </p:sp>
+      <p:pic>
+        <p:nvPicPr>
+          <p:cNvPr id="6" name="內容版面配置區 5">
+            <a:extLst>
+              <a:ext uri="{FF2B5EF4-FFF2-40B4-BE49-F238E27FC236}">
+                <a16:creationId xmlns:a16="http://schemas.microsoft.com/office/drawing/2014/main" id="{B78847E5-587A-8EA0-D201-58E547A6F405}"/>
+              </a:ext>
+            </a:extLst>
+          </p:cNvPr>
+          <p:cNvPicPr>
+            <a:picLocks noGrp="1" noChangeAspect="1"/>
+          </p:cNvPicPr>
+          <p:nvPr>
+            <p:ph idx="1"/>
+          </p:nvPr>
+        </p:nvPicPr>
+        <p:blipFill>
+          <a:blip r:embed="rId2"/>
+          <a:stretch>
+            <a:fillRect/>
+          </a:stretch>
+        </p:blipFill>
+        <p:spPr>
+          <a:xfrm>
+            <a:off x="1687669" y="1725705"/>
+            <a:ext cx="5564778" cy="4859633"/>
+          </a:xfrm>
+        </p:spPr>
+      </p:pic>
+    </p:spTree>
+    <p:extLst>
+      <p:ext uri="{BB962C8B-B14F-4D97-AF65-F5344CB8AC3E}">
+        <p14:creationId xmlns:p14="http://schemas.microsoft.com/office/powerpoint/2010/main" val="556916545"/>
+      </p:ext>
+    </p:extLst>
+  </p:cSld>
+  <p:clrMapOvr>
+    <a:masterClrMapping/>
+  </p:clrMapOvr>
+</p:sld>
+</file>
+
+<file path=ppt/slides/slide35.xml><?xml version="1.0" encoding="utf-8"?>
+<p:sld xmlns:a="http://schemas.openxmlformats.org/drawingml/2006/main" xmlns:r="http://schemas.openxmlformats.org/officeDocument/2006/relationships" xmlns:p="http://schemas.openxmlformats.org/presentationml/2006/main">
+  <p:cSld>
+    <p:spTree>
+      <p:nvGrpSpPr>
+        <p:cNvPr id="1" name=""/>
+        <p:cNvGrpSpPr/>
+        <p:nvPr/>
+      </p:nvGrpSpPr>
+      <p:grpSpPr>
+        <a:xfrm>
+          <a:off x="0" y="0"/>
+          <a:ext cx="0" cy="0"/>
+          <a:chOff x="0" y="0"/>
+          <a:chExt cx="0" cy="0"/>
+        </a:xfrm>
+      </p:grpSpPr>
+      <p:sp>
+        <p:nvSpPr>
+          <p:cNvPr id="2" name="標題 1">
+            <a:extLst>
+              <a:ext uri="{FF2B5EF4-FFF2-40B4-BE49-F238E27FC236}">
+                <a16:creationId xmlns:a16="http://schemas.microsoft.com/office/drawing/2014/main" id="{9754B65C-1642-6FE5-D941-96E5D377AABC}"/>
+              </a:ext>
+            </a:extLst>
+          </p:cNvPr>
+          <p:cNvSpPr>
+            <a:spLocks noGrp="1"/>
+          </p:cNvSpPr>
+          <p:nvPr>
+            <p:ph type="title"/>
+          </p:nvPr>
+        </p:nvSpPr>
+        <p:spPr>
+          <a:xfrm>
+            <a:off x="1687669" y="624110"/>
+            <a:ext cx="7321860" cy="1280890"/>
+          </a:xfrm>
+        </p:spPr>
+        <p:txBody>
+          <a:bodyPr>
+            <a:normAutofit/>
+          </a:bodyPr>
+          <a:lstStyle/>
+          <a:p>
+            <a:r>
+              <a:rPr lang="en-US" altLang="zh-TW" sz="3200" dirty="0"/>
+              <a:t>Calculations Q6</a:t>
+            </a:r>
+            <a:endParaRPr lang="zh-TW" altLang="en-US" sz="3200" dirty="0"/>
+          </a:p>
+        </p:txBody>
+      </p:sp>
+      <p:sp>
+        <p:nvSpPr>
+          <p:cNvPr id="4" name="投影片編號版面配置區 3">
+            <a:extLst>
+              <a:ext uri="{FF2B5EF4-FFF2-40B4-BE49-F238E27FC236}">
+                <a16:creationId xmlns:a16="http://schemas.microsoft.com/office/drawing/2014/main" id="{3F1EA6AD-3945-5A5F-70AE-CD8043429B6D}"/>
+              </a:ext>
+            </a:extLst>
+          </p:cNvPr>
+          <p:cNvSpPr>
+            <a:spLocks noGrp="1"/>
+          </p:cNvSpPr>
+          <p:nvPr>
+            <p:ph type="sldNum" sz="quarter" idx="12"/>
+          </p:nvPr>
+        </p:nvSpPr>
+        <p:spPr>
+          <a:xfrm>
+            <a:off x="531812" y="787782"/>
+            <a:ext cx="779767" cy="365125"/>
+          </a:xfrm>
+        </p:spPr>
+        <p:txBody>
+          <a:bodyPr>
+            <a:normAutofit/>
+          </a:bodyPr>
+          <a:lstStyle/>
+          <a:p>
+            <a:pPr>
+              <a:lnSpc>
+                <a:spcPct val="90000"/>
+              </a:lnSpc>
+              <a:spcAft>
+                <a:spcPts val="600"/>
+              </a:spcAft>
+            </a:pPr>
+            <a:fld id="{D57F1E4F-1CFF-5643-939E-217C01CDF565}" type="slidenum">
+              <a:rPr lang="en-US" sz="1900" smtClean="0"/>
+              <a:pPr>
+                <a:lnSpc>
+                  <a:spcPct val="90000"/>
+                </a:lnSpc>
+                <a:spcAft>
+                  <a:spcPts val="600"/>
+                </a:spcAft>
+              </a:pPr>
+              <a:t>35</a:t>
+            </a:fld>
+            <a:endParaRPr lang="en-US" sz="1900"/>
+          </a:p>
+        </p:txBody>
+      </p:sp>
+      <p:sp>
+        <p:nvSpPr>
+          <p:cNvPr id="5" name="內容版面配置區 4">
+            <a:extLst>
+              <a:ext uri="{FF2B5EF4-FFF2-40B4-BE49-F238E27FC236}">
+                <a16:creationId xmlns:a16="http://schemas.microsoft.com/office/drawing/2014/main" id="{F421F342-58B3-9F40-AA65-74741D994F73}"/>
+              </a:ext>
+            </a:extLst>
+          </p:cNvPr>
+          <p:cNvSpPr>
+            <a:spLocks noGrp="1"/>
+          </p:cNvSpPr>
+          <p:nvPr>
+            <p:ph idx="1"/>
+          </p:nvPr>
+        </p:nvSpPr>
+        <p:spPr/>
+        <p:txBody>
+          <a:bodyPr/>
+          <a:lstStyle/>
+          <a:p>
+            <a:endParaRPr lang="zh-TW" altLang="en-US"/>
+          </a:p>
+        </p:txBody>
+      </p:sp>
+      <p:pic>
+        <p:nvPicPr>
+          <p:cNvPr id="8" name="圖片 7">
+            <a:extLst>
+              <a:ext uri="{FF2B5EF4-FFF2-40B4-BE49-F238E27FC236}">
+                <a16:creationId xmlns:a16="http://schemas.microsoft.com/office/drawing/2014/main" id="{A32F12E3-866B-E30C-D274-37FC2C230A8B}"/>
+              </a:ext>
+            </a:extLst>
+          </p:cNvPr>
+          <p:cNvPicPr>
+            <a:picLocks noChangeAspect="1"/>
+          </p:cNvPicPr>
+          <p:nvPr/>
+        </p:nvPicPr>
+        <p:blipFill>
+          <a:blip r:embed="rId2"/>
+          <a:stretch>
+            <a:fillRect/>
+          </a:stretch>
+        </p:blipFill>
+        <p:spPr>
+          <a:xfrm>
+            <a:off x="1687669" y="1425171"/>
+            <a:ext cx="7209145" cy="5029636"/>
+          </a:xfrm>
+          <a:prstGeom prst="rect">
+            <a:avLst/>
+          </a:prstGeom>
+        </p:spPr>
+      </p:pic>
+    </p:spTree>
+    <p:extLst>
+      <p:ext uri="{BB962C8B-B14F-4D97-AF65-F5344CB8AC3E}">
+        <p14:creationId xmlns:p14="http://schemas.microsoft.com/office/powerpoint/2010/main" val="1592822605"/>
+      </p:ext>
+    </p:extLst>
+  </p:cSld>
+  <p:clrMapOvr>
+    <a:masterClrMapping/>
+  </p:clrMapOvr>
+</p:sld>
+</file>
+
+<file path=ppt/slides/slide36.xml><?xml version="1.0" encoding="utf-8"?>
+<p:sld xmlns:a="http://schemas.openxmlformats.org/drawingml/2006/main" xmlns:r="http://schemas.openxmlformats.org/officeDocument/2006/relationships" xmlns:p="http://schemas.openxmlformats.org/presentationml/2006/main">
+  <p:cSld>
+    <p:spTree>
+      <p:nvGrpSpPr>
+        <p:cNvPr id="1" name=""/>
+        <p:cNvGrpSpPr/>
+        <p:nvPr/>
+      </p:nvGrpSpPr>
+      <p:grpSpPr>
+        <a:xfrm>
+          <a:off x="0" y="0"/>
+          <a:ext cx="0" cy="0"/>
+          <a:chOff x="0" y="0"/>
+          <a:chExt cx="0" cy="0"/>
+        </a:xfrm>
+      </p:grpSpPr>
+      <p:sp>
+        <p:nvSpPr>
+          <p:cNvPr id="2" name="標題 1">
+            <a:extLst>
+              <a:ext uri="{FF2B5EF4-FFF2-40B4-BE49-F238E27FC236}">
+                <a16:creationId xmlns:a16="http://schemas.microsoft.com/office/drawing/2014/main" id="{9754B65C-1642-6FE5-D941-96E5D377AABC}"/>
+              </a:ext>
+            </a:extLst>
+          </p:cNvPr>
+          <p:cNvSpPr>
+            <a:spLocks noGrp="1"/>
+          </p:cNvSpPr>
+          <p:nvPr>
+            <p:ph type="title"/>
+          </p:nvPr>
+        </p:nvSpPr>
+        <p:spPr>
+          <a:xfrm>
+            <a:off x="1687669" y="624110"/>
+            <a:ext cx="4137059" cy="1280890"/>
+          </a:xfrm>
+        </p:spPr>
+        <p:txBody>
+          <a:bodyPr>
+            <a:normAutofit/>
+          </a:bodyPr>
+          <a:lstStyle/>
+          <a:p>
+            <a:r>
+              <a:rPr lang="en-US" altLang="zh-TW" sz="3200" dirty="0"/>
+              <a:t>Answer6.</a:t>
+            </a:r>
+            <a:endParaRPr lang="zh-TW" altLang="en-US" sz="3200" dirty="0"/>
+          </a:p>
+        </p:txBody>
+      </p:sp>
+      <p:sp>
+        <p:nvSpPr>
+          <p:cNvPr id="4" name="投影片編號版面配置區 3">
+            <a:extLst>
+              <a:ext uri="{FF2B5EF4-FFF2-40B4-BE49-F238E27FC236}">
+                <a16:creationId xmlns:a16="http://schemas.microsoft.com/office/drawing/2014/main" id="{3F1EA6AD-3945-5A5F-70AE-CD8043429B6D}"/>
+              </a:ext>
+            </a:extLst>
+          </p:cNvPr>
+          <p:cNvSpPr>
+            <a:spLocks noGrp="1"/>
+          </p:cNvSpPr>
+          <p:nvPr>
+            <p:ph type="sldNum" sz="quarter" idx="12"/>
+          </p:nvPr>
+        </p:nvSpPr>
+        <p:spPr>
+          <a:xfrm>
+            <a:off x="531812" y="787782"/>
+            <a:ext cx="779767" cy="365125"/>
+          </a:xfrm>
+        </p:spPr>
+        <p:txBody>
+          <a:bodyPr>
+            <a:normAutofit/>
+          </a:bodyPr>
+          <a:lstStyle/>
+          <a:p>
+            <a:pPr>
+              <a:lnSpc>
+                <a:spcPct val="90000"/>
+              </a:lnSpc>
+              <a:spcAft>
+                <a:spcPts val="600"/>
+              </a:spcAft>
+            </a:pPr>
+            <a:fld id="{D57F1E4F-1CFF-5643-939E-217C01CDF565}" type="slidenum">
+              <a:rPr lang="en-US" sz="1900" smtClean="0"/>
+              <a:pPr>
+                <a:lnSpc>
+                  <a:spcPct val="90000"/>
+                </a:lnSpc>
+                <a:spcAft>
+                  <a:spcPts val="600"/>
+                </a:spcAft>
+              </a:pPr>
+              <a:t>36</a:t>
+            </a:fld>
+            <a:endParaRPr lang="en-US" sz="1900"/>
+          </a:p>
+        </p:txBody>
+      </p:sp>
+      <p:sp>
+        <p:nvSpPr>
+          <p:cNvPr id="3" name="內容版面配置區 2">
+            <a:extLst>
+              <a:ext uri="{FF2B5EF4-FFF2-40B4-BE49-F238E27FC236}">
+                <a16:creationId xmlns:a16="http://schemas.microsoft.com/office/drawing/2014/main" id="{8A26720F-616D-E164-DA93-3A4EBED4F0AD}"/>
+              </a:ext>
+            </a:extLst>
+          </p:cNvPr>
+          <p:cNvSpPr>
+            <a:spLocks noGrp="1"/>
+          </p:cNvSpPr>
+          <p:nvPr>
+            <p:ph idx="1"/>
+          </p:nvPr>
+        </p:nvSpPr>
+        <p:spPr>
+          <a:xfrm>
+            <a:off x="1687669" y="1685364"/>
+            <a:ext cx="6074307" cy="3854824"/>
+          </a:xfrm>
+        </p:spPr>
+        <p:txBody>
+          <a:bodyPr>
+            <a:normAutofit fontScale="70000" lnSpcReduction="20000"/>
+          </a:bodyPr>
+          <a:lstStyle/>
+          <a:p>
+            <a:r>
+              <a:rPr lang="en-US" altLang="zh-TW" sz="1800" dirty="0">
+                <a:solidFill>
+                  <a:srgbClr val="0000FF"/>
+                </a:solidFill>
+                <a:latin typeface="細明體" panose="02020509000000000000" pitchFamily="49" charset="-120"/>
+                <a:ea typeface="細明體" panose="02020509000000000000" pitchFamily="49" charset="-120"/>
+              </a:rPr>
+              <a:t>SELECT</a:t>
+            </a:r>
+            <a:r>
+              <a:rPr lang="en-US" altLang="zh-TW" sz="1800" dirty="0">
+                <a:solidFill>
+                  <a:srgbClr val="000000"/>
+                </a:solidFill>
+                <a:latin typeface="細明體" panose="02020509000000000000" pitchFamily="49" charset="-120"/>
+                <a:ea typeface="細明體" panose="02020509000000000000" pitchFamily="49" charset="-120"/>
+              </a:rPr>
+              <a:t>  </a:t>
+            </a:r>
+            <a:r>
+              <a:rPr lang="en-US" altLang="zh-TW" sz="1800" dirty="0" err="1">
+                <a:solidFill>
+                  <a:srgbClr val="000000"/>
+                </a:solidFill>
+                <a:latin typeface="細明體" panose="02020509000000000000" pitchFamily="49" charset="-120"/>
+                <a:ea typeface="細明體" panose="02020509000000000000" pitchFamily="49" charset="-120"/>
+              </a:rPr>
+              <a:t>c</a:t>
+            </a:r>
+            <a:r>
+              <a:rPr lang="en-US" altLang="zh-TW" sz="1800" dirty="0" err="1">
+                <a:solidFill>
+                  <a:srgbClr val="808080"/>
+                </a:solidFill>
+                <a:latin typeface="細明體" panose="02020509000000000000" pitchFamily="49" charset="-120"/>
+                <a:ea typeface="細明體" panose="02020509000000000000" pitchFamily="49" charset="-120"/>
+              </a:rPr>
+              <a:t>.</a:t>
+            </a:r>
+            <a:r>
+              <a:rPr lang="en-US" altLang="zh-TW" sz="1800" dirty="0" err="1">
+                <a:solidFill>
+                  <a:srgbClr val="000000"/>
+                </a:solidFill>
+                <a:latin typeface="細明體" panose="02020509000000000000" pitchFamily="49" charset="-120"/>
+                <a:ea typeface="細明體" panose="02020509000000000000" pitchFamily="49" charset="-120"/>
+              </a:rPr>
+              <a:t>Country</a:t>
+            </a:r>
+            <a:r>
+              <a:rPr lang="en-US" altLang="zh-TW" sz="1800" dirty="0">
+                <a:solidFill>
+                  <a:srgbClr val="808080"/>
+                </a:solidFill>
+                <a:latin typeface="細明體" panose="02020509000000000000" pitchFamily="49" charset="-120"/>
+                <a:ea typeface="細明體" panose="02020509000000000000" pitchFamily="49" charset="-120"/>
+              </a:rPr>
+              <a:t>,</a:t>
+            </a:r>
+            <a:endParaRPr lang="en-US" altLang="zh-TW" sz="1800" dirty="0">
+              <a:solidFill>
+                <a:srgbClr val="000000"/>
+              </a:solidFill>
+              <a:latin typeface="細明體" panose="02020509000000000000" pitchFamily="49" charset="-120"/>
+              <a:ea typeface="細明體" panose="02020509000000000000" pitchFamily="49" charset="-120"/>
+            </a:endParaRPr>
+          </a:p>
+          <a:p>
+            <a:r>
+              <a:rPr lang="en-US" altLang="zh-TW" sz="1800" dirty="0" err="1">
+                <a:solidFill>
+                  <a:srgbClr val="000000"/>
+                </a:solidFill>
+                <a:latin typeface="細明體" panose="02020509000000000000" pitchFamily="49" charset="-120"/>
+                <a:ea typeface="細明體" panose="02020509000000000000" pitchFamily="49" charset="-120"/>
+              </a:rPr>
+              <a:t>c</a:t>
+            </a:r>
+            <a:r>
+              <a:rPr lang="en-US" altLang="zh-TW" sz="1800" dirty="0" err="1">
+                <a:solidFill>
+                  <a:srgbClr val="808080"/>
+                </a:solidFill>
+                <a:latin typeface="細明體" panose="02020509000000000000" pitchFamily="49" charset="-120"/>
+                <a:ea typeface="細明體" panose="02020509000000000000" pitchFamily="49" charset="-120"/>
+              </a:rPr>
+              <a:t>.</a:t>
+            </a:r>
+            <a:r>
+              <a:rPr lang="en-US" altLang="zh-TW" sz="1800" dirty="0" err="1">
+                <a:solidFill>
+                  <a:srgbClr val="000000"/>
+                </a:solidFill>
+                <a:latin typeface="細明體" panose="02020509000000000000" pitchFamily="49" charset="-120"/>
+                <a:ea typeface="細明體" panose="02020509000000000000" pitchFamily="49" charset="-120"/>
+              </a:rPr>
+              <a:t>KmSquared</a:t>
+            </a:r>
+            <a:r>
+              <a:rPr lang="en-US" altLang="zh-TW" sz="1800" dirty="0">
+                <a:solidFill>
+                  <a:srgbClr val="808080"/>
+                </a:solidFill>
+                <a:latin typeface="細明體" panose="02020509000000000000" pitchFamily="49" charset="-120"/>
+                <a:ea typeface="細明體" panose="02020509000000000000" pitchFamily="49" charset="-120"/>
+              </a:rPr>
+              <a:t>,</a:t>
+            </a:r>
+            <a:endParaRPr lang="en-US" altLang="zh-TW" sz="1800" dirty="0">
+              <a:solidFill>
+                <a:srgbClr val="000000"/>
+              </a:solidFill>
+              <a:latin typeface="細明體" panose="02020509000000000000" pitchFamily="49" charset="-120"/>
+              <a:ea typeface="細明體" panose="02020509000000000000" pitchFamily="49" charset="-120"/>
+            </a:endParaRPr>
+          </a:p>
+          <a:p>
+            <a:r>
+              <a:rPr lang="en-US" altLang="zh-TW" sz="1800" dirty="0">
+                <a:solidFill>
+                  <a:srgbClr val="808080"/>
+                </a:solidFill>
+                <a:latin typeface="細明體" panose="02020509000000000000" pitchFamily="49" charset="-120"/>
+                <a:ea typeface="細明體" panose="02020509000000000000" pitchFamily="49" charset="-120"/>
+              </a:rPr>
+              <a:t>(</a:t>
+            </a:r>
+            <a:r>
+              <a:rPr lang="en-US" altLang="zh-TW" sz="1800" dirty="0" err="1">
+                <a:solidFill>
+                  <a:srgbClr val="000000"/>
+                </a:solidFill>
+                <a:latin typeface="細明體" panose="02020509000000000000" pitchFamily="49" charset="-120"/>
+                <a:ea typeface="細明體" panose="02020509000000000000" pitchFamily="49" charset="-120"/>
+              </a:rPr>
+              <a:t>c</a:t>
+            </a:r>
+            <a:r>
+              <a:rPr lang="en-US" altLang="zh-TW" sz="1800" dirty="0" err="1">
+                <a:solidFill>
+                  <a:srgbClr val="808080"/>
+                </a:solidFill>
+                <a:latin typeface="細明體" panose="02020509000000000000" pitchFamily="49" charset="-120"/>
+                <a:ea typeface="細明體" panose="02020509000000000000" pitchFamily="49" charset="-120"/>
+              </a:rPr>
+              <a:t>.</a:t>
+            </a:r>
+            <a:r>
+              <a:rPr lang="en-US" altLang="zh-TW" sz="1800" dirty="0" err="1">
+                <a:solidFill>
+                  <a:srgbClr val="000000"/>
+                </a:solidFill>
+                <a:latin typeface="細明體" panose="02020509000000000000" pitchFamily="49" charset="-120"/>
+                <a:ea typeface="細明體" panose="02020509000000000000" pitchFamily="49" charset="-120"/>
+              </a:rPr>
+              <a:t>KmSquared</a:t>
+            </a:r>
+            <a:r>
+              <a:rPr lang="en-US" altLang="zh-TW" sz="1800" dirty="0" err="1">
+                <a:solidFill>
+                  <a:srgbClr val="808080"/>
+                </a:solidFill>
+                <a:latin typeface="細明體" panose="02020509000000000000" pitchFamily="49" charset="-120"/>
+                <a:ea typeface="細明體" panose="02020509000000000000" pitchFamily="49" charset="-120"/>
+              </a:rPr>
+              <a:t>-</a:t>
+            </a:r>
+            <a:r>
+              <a:rPr lang="en-US" altLang="zh-TW" sz="1800" dirty="0" err="1">
+                <a:solidFill>
+                  <a:srgbClr val="000000"/>
+                </a:solidFill>
+                <a:latin typeface="細明體" panose="02020509000000000000" pitchFamily="49" charset="-120"/>
+                <a:ea typeface="細明體" panose="02020509000000000000" pitchFamily="49" charset="-120"/>
+              </a:rPr>
+              <a:t>c</a:t>
+            </a:r>
+            <a:r>
+              <a:rPr lang="en-US" altLang="zh-TW" sz="1800" dirty="0" err="1">
+                <a:solidFill>
+                  <a:srgbClr val="808080"/>
+                </a:solidFill>
+                <a:latin typeface="細明體" panose="02020509000000000000" pitchFamily="49" charset="-120"/>
+                <a:ea typeface="細明體" panose="02020509000000000000" pitchFamily="49" charset="-120"/>
+              </a:rPr>
+              <a:t>.</a:t>
+            </a:r>
+            <a:r>
+              <a:rPr lang="en-US" altLang="zh-TW" sz="1800" dirty="0" err="1">
+                <a:solidFill>
+                  <a:srgbClr val="000000"/>
+                </a:solidFill>
+                <a:latin typeface="細明體" panose="02020509000000000000" pitchFamily="49" charset="-120"/>
+                <a:ea typeface="細明體" panose="02020509000000000000" pitchFamily="49" charset="-120"/>
+              </a:rPr>
+              <a:t>KmSquared</a:t>
+            </a:r>
+            <a:r>
+              <a:rPr lang="en-US" altLang="zh-TW" sz="1800" dirty="0">
+                <a:solidFill>
+                  <a:srgbClr val="000000"/>
+                </a:solidFill>
+                <a:latin typeface="細明體" panose="02020509000000000000" pitchFamily="49" charset="-120"/>
+                <a:ea typeface="細明體" panose="02020509000000000000" pitchFamily="49" charset="-120"/>
+              </a:rPr>
+              <a:t> </a:t>
+            </a:r>
+            <a:r>
+              <a:rPr lang="en-US" altLang="zh-TW" sz="1800" dirty="0">
+                <a:solidFill>
+                  <a:srgbClr val="808080"/>
+                </a:solidFill>
+                <a:latin typeface="細明體" panose="02020509000000000000" pitchFamily="49" charset="-120"/>
+                <a:ea typeface="細明體" panose="02020509000000000000" pitchFamily="49" charset="-120"/>
+              </a:rPr>
+              <a:t>%</a:t>
+            </a:r>
+            <a:r>
+              <a:rPr lang="en-US" altLang="zh-TW" sz="1800" dirty="0">
+                <a:solidFill>
+                  <a:srgbClr val="000000"/>
+                </a:solidFill>
+                <a:latin typeface="細明體" panose="02020509000000000000" pitchFamily="49" charset="-120"/>
+                <a:ea typeface="細明體" panose="02020509000000000000" pitchFamily="49" charset="-120"/>
+              </a:rPr>
+              <a:t> 20761</a:t>
+            </a:r>
+            <a:r>
+              <a:rPr lang="en-US" altLang="zh-TW" sz="1800" dirty="0">
+                <a:solidFill>
+                  <a:srgbClr val="808080"/>
+                </a:solidFill>
+                <a:latin typeface="細明體" panose="02020509000000000000" pitchFamily="49" charset="-120"/>
+                <a:ea typeface="細明體" panose="02020509000000000000" pitchFamily="49" charset="-120"/>
+              </a:rPr>
+              <a:t>)/</a:t>
+            </a:r>
+            <a:r>
+              <a:rPr lang="en-US" altLang="zh-TW" sz="1800" dirty="0">
+                <a:solidFill>
+                  <a:srgbClr val="000000"/>
+                </a:solidFill>
+                <a:latin typeface="細明體" panose="02020509000000000000" pitchFamily="49" charset="-120"/>
+                <a:ea typeface="細明體" panose="02020509000000000000" pitchFamily="49" charset="-120"/>
+              </a:rPr>
+              <a:t>20761 </a:t>
+            </a:r>
+            <a:r>
+              <a:rPr lang="en-US" altLang="zh-TW" sz="1800" dirty="0">
+                <a:solidFill>
+                  <a:srgbClr val="0000FF"/>
+                </a:solidFill>
+                <a:latin typeface="細明體" panose="02020509000000000000" pitchFamily="49" charset="-120"/>
+                <a:ea typeface="細明體" panose="02020509000000000000" pitchFamily="49" charset="-120"/>
+              </a:rPr>
+              <a:t>AS</a:t>
+            </a:r>
+            <a:r>
+              <a:rPr lang="en-US" altLang="zh-TW" sz="1800" dirty="0">
+                <a:solidFill>
+                  <a:srgbClr val="000000"/>
+                </a:solidFill>
+                <a:latin typeface="細明體" panose="02020509000000000000" pitchFamily="49" charset="-120"/>
+                <a:ea typeface="細明體" panose="02020509000000000000" pitchFamily="49" charset="-120"/>
+              </a:rPr>
+              <a:t> </a:t>
+            </a:r>
+            <a:r>
+              <a:rPr lang="en-US" altLang="zh-TW" sz="1800" dirty="0">
+                <a:solidFill>
+                  <a:srgbClr val="FF0000"/>
+                </a:solidFill>
+                <a:latin typeface="細明體" panose="02020509000000000000" pitchFamily="49" charset="-120"/>
+                <a:ea typeface="細明體" panose="02020509000000000000" pitchFamily="49" charset="-120"/>
+              </a:rPr>
+              <a:t>'</a:t>
+            </a:r>
+            <a:r>
+              <a:rPr lang="en-US" altLang="zh-TW" sz="1800" dirty="0" err="1">
+                <a:solidFill>
+                  <a:srgbClr val="FF0000"/>
+                </a:solidFill>
+                <a:latin typeface="細明體" panose="02020509000000000000" pitchFamily="49" charset="-120"/>
+                <a:ea typeface="細明體" panose="02020509000000000000" pitchFamily="49" charset="-120"/>
+              </a:rPr>
+              <a:t>WalesUnits</a:t>
+            </a:r>
+            <a:r>
+              <a:rPr lang="en-US" altLang="zh-TW" sz="1800" dirty="0">
+                <a:solidFill>
+                  <a:srgbClr val="FF0000"/>
+                </a:solidFill>
+                <a:latin typeface="細明體" panose="02020509000000000000" pitchFamily="49" charset="-120"/>
+                <a:ea typeface="細明體" panose="02020509000000000000" pitchFamily="49" charset="-120"/>
+              </a:rPr>
+              <a:t>'</a:t>
+            </a:r>
+            <a:r>
+              <a:rPr lang="en-US" altLang="zh-TW" sz="1800" dirty="0">
+                <a:solidFill>
+                  <a:srgbClr val="808080"/>
+                </a:solidFill>
+                <a:latin typeface="細明體" panose="02020509000000000000" pitchFamily="49" charset="-120"/>
+                <a:ea typeface="細明體" panose="02020509000000000000" pitchFamily="49" charset="-120"/>
+              </a:rPr>
+              <a:t>,</a:t>
+            </a:r>
+            <a:endParaRPr lang="en-US" altLang="zh-TW" sz="1800" dirty="0">
+              <a:solidFill>
+                <a:srgbClr val="000000"/>
+              </a:solidFill>
+              <a:latin typeface="細明體" panose="02020509000000000000" pitchFamily="49" charset="-120"/>
+              <a:ea typeface="細明體" panose="02020509000000000000" pitchFamily="49" charset="-120"/>
+            </a:endParaRPr>
+          </a:p>
+          <a:p>
+            <a:r>
+              <a:rPr lang="en-US" altLang="zh-TW" sz="1800" dirty="0" err="1">
+                <a:solidFill>
+                  <a:srgbClr val="000000"/>
+                </a:solidFill>
+                <a:latin typeface="細明體" panose="02020509000000000000" pitchFamily="49" charset="-120"/>
+                <a:ea typeface="細明體" panose="02020509000000000000" pitchFamily="49" charset="-120"/>
+              </a:rPr>
+              <a:t>c</a:t>
+            </a:r>
+            <a:r>
+              <a:rPr lang="en-US" altLang="zh-TW" sz="1800" dirty="0" err="1">
+                <a:solidFill>
+                  <a:srgbClr val="808080"/>
+                </a:solidFill>
+                <a:latin typeface="細明體" panose="02020509000000000000" pitchFamily="49" charset="-120"/>
+                <a:ea typeface="細明體" panose="02020509000000000000" pitchFamily="49" charset="-120"/>
+              </a:rPr>
+              <a:t>.</a:t>
+            </a:r>
+            <a:r>
+              <a:rPr lang="en-US" altLang="zh-TW" sz="1800" dirty="0" err="1">
+                <a:solidFill>
+                  <a:srgbClr val="000000"/>
+                </a:solidFill>
+                <a:latin typeface="細明體" panose="02020509000000000000" pitchFamily="49" charset="-120"/>
+                <a:ea typeface="細明體" panose="02020509000000000000" pitchFamily="49" charset="-120"/>
+              </a:rPr>
+              <a:t>KmSquared</a:t>
+            </a:r>
+            <a:r>
+              <a:rPr lang="en-US" altLang="zh-TW" sz="1800" dirty="0">
+                <a:solidFill>
+                  <a:srgbClr val="000000"/>
+                </a:solidFill>
+                <a:latin typeface="細明體" panose="02020509000000000000" pitchFamily="49" charset="-120"/>
+                <a:ea typeface="細明體" panose="02020509000000000000" pitchFamily="49" charset="-120"/>
+              </a:rPr>
+              <a:t> </a:t>
+            </a:r>
+            <a:r>
+              <a:rPr lang="en-US" altLang="zh-TW" sz="1800" dirty="0">
+                <a:solidFill>
+                  <a:srgbClr val="808080"/>
+                </a:solidFill>
+                <a:latin typeface="細明體" panose="02020509000000000000" pitchFamily="49" charset="-120"/>
+                <a:ea typeface="細明體" panose="02020509000000000000" pitchFamily="49" charset="-120"/>
+              </a:rPr>
+              <a:t>%</a:t>
+            </a:r>
+            <a:r>
+              <a:rPr lang="en-US" altLang="zh-TW" sz="1800" dirty="0">
+                <a:solidFill>
+                  <a:srgbClr val="000000"/>
+                </a:solidFill>
+                <a:latin typeface="細明體" panose="02020509000000000000" pitchFamily="49" charset="-120"/>
+                <a:ea typeface="細明體" panose="02020509000000000000" pitchFamily="49" charset="-120"/>
+              </a:rPr>
+              <a:t> 20761 </a:t>
+            </a:r>
+            <a:r>
+              <a:rPr lang="en-US" altLang="zh-TW" sz="1800" dirty="0">
+                <a:solidFill>
+                  <a:srgbClr val="0000FF"/>
+                </a:solidFill>
+                <a:latin typeface="細明體" panose="02020509000000000000" pitchFamily="49" charset="-120"/>
+                <a:ea typeface="細明體" panose="02020509000000000000" pitchFamily="49" charset="-120"/>
+              </a:rPr>
+              <a:t>AS</a:t>
+            </a:r>
+            <a:r>
+              <a:rPr lang="en-US" altLang="zh-TW" sz="1800" dirty="0">
+                <a:solidFill>
+                  <a:srgbClr val="000000"/>
+                </a:solidFill>
+                <a:latin typeface="細明體" panose="02020509000000000000" pitchFamily="49" charset="-120"/>
+                <a:ea typeface="細明體" panose="02020509000000000000" pitchFamily="49" charset="-120"/>
+              </a:rPr>
+              <a:t> </a:t>
+            </a:r>
+            <a:r>
+              <a:rPr lang="en-US" altLang="zh-TW" sz="1800" dirty="0">
+                <a:solidFill>
+                  <a:srgbClr val="FF0000"/>
+                </a:solidFill>
+                <a:latin typeface="細明體" panose="02020509000000000000" pitchFamily="49" charset="-120"/>
+                <a:ea typeface="細明體" panose="02020509000000000000" pitchFamily="49" charset="-120"/>
+              </a:rPr>
+              <a:t>'</a:t>
+            </a:r>
+            <a:r>
+              <a:rPr lang="en-US" altLang="zh-TW" sz="1800" dirty="0" err="1">
+                <a:solidFill>
+                  <a:srgbClr val="FF0000"/>
+                </a:solidFill>
+                <a:latin typeface="細明體" panose="02020509000000000000" pitchFamily="49" charset="-120"/>
+                <a:ea typeface="細明體" panose="02020509000000000000" pitchFamily="49" charset="-120"/>
+              </a:rPr>
+              <a:t>AreaLeftOver</a:t>
+            </a:r>
+            <a:r>
+              <a:rPr lang="en-US" altLang="zh-TW" sz="1800" dirty="0">
+                <a:solidFill>
+                  <a:srgbClr val="FF0000"/>
+                </a:solidFill>
+                <a:latin typeface="細明體" panose="02020509000000000000" pitchFamily="49" charset="-120"/>
+                <a:ea typeface="細明體" panose="02020509000000000000" pitchFamily="49" charset="-120"/>
+              </a:rPr>
+              <a:t>'</a:t>
+            </a:r>
+            <a:r>
+              <a:rPr lang="en-US" altLang="zh-TW" sz="1800" dirty="0">
+                <a:solidFill>
+                  <a:srgbClr val="808080"/>
+                </a:solidFill>
+                <a:latin typeface="細明體" panose="02020509000000000000" pitchFamily="49" charset="-120"/>
+                <a:ea typeface="細明體" panose="02020509000000000000" pitchFamily="49" charset="-120"/>
+              </a:rPr>
+              <a:t>,</a:t>
+            </a:r>
+            <a:endParaRPr lang="en-US" altLang="zh-TW" sz="1800" dirty="0">
+              <a:solidFill>
+                <a:srgbClr val="000000"/>
+              </a:solidFill>
+              <a:latin typeface="細明體" panose="02020509000000000000" pitchFamily="49" charset="-120"/>
+              <a:ea typeface="細明體" panose="02020509000000000000" pitchFamily="49" charset="-120"/>
+            </a:endParaRPr>
+          </a:p>
+          <a:p>
+            <a:r>
+              <a:rPr lang="en-US" altLang="zh-TW" sz="1800" dirty="0">
+                <a:solidFill>
+                  <a:srgbClr val="0000FF"/>
+                </a:solidFill>
+                <a:latin typeface="細明體" panose="02020509000000000000" pitchFamily="49" charset="-120"/>
+                <a:ea typeface="細明體" panose="02020509000000000000" pitchFamily="49" charset="-120"/>
+              </a:rPr>
+              <a:t>CASE</a:t>
+            </a:r>
+            <a:endParaRPr lang="en-US" altLang="zh-TW" sz="1800" dirty="0">
+              <a:solidFill>
+                <a:srgbClr val="000000"/>
+              </a:solidFill>
+              <a:latin typeface="細明體" panose="02020509000000000000" pitchFamily="49" charset="-120"/>
+              <a:ea typeface="細明體" panose="02020509000000000000" pitchFamily="49" charset="-120"/>
+            </a:endParaRPr>
+          </a:p>
+          <a:p>
+            <a:r>
+              <a:rPr lang="en-US" altLang="zh-TW" sz="1800" dirty="0">
+                <a:solidFill>
+                  <a:srgbClr val="0000FF"/>
+                </a:solidFill>
+                <a:latin typeface="細明體" panose="02020509000000000000" pitchFamily="49" charset="-120"/>
+                <a:ea typeface="細明體" panose="02020509000000000000" pitchFamily="49" charset="-120"/>
+              </a:rPr>
+              <a:t>WHEN</a:t>
+            </a:r>
+            <a:r>
+              <a:rPr lang="en-US" altLang="zh-TW" sz="1800" dirty="0">
+                <a:solidFill>
+                  <a:srgbClr val="000000"/>
+                </a:solidFill>
+                <a:latin typeface="細明體" panose="02020509000000000000" pitchFamily="49" charset="-120"/>
+                <a:ea typeface="細明體" panose="02020509000000000000" pitchFamily="49" charset="-120"/>
+              </a:rPr>
+              <a:t> </a:t>
+            </a:r>
+            <a:r>
+              <a:rPr lang="en-US" altLang="zh-TW" sz="1800" dirty="0" err="1">
+                <a:solidFill>
+                  <a:srgbClr val="000000"/>
+                </a:solidFill>
+                <a:latin typeface="細明體" panose="02020509000000000000" pitchFamily="49" charset="-120"/>
+                <a:ea typeface="細明體" panose="02020509000000000000" pitchFamily="49" charset="-120"/>
+              </a:rPr>
+              <a:t>c</a:t>
+            </a:r>
+            <a:r>
+              <a:rPr lang="en-US" altLang="zh-TW" sz="1800" dirty="0" err="1">
+                <a:solidFill>
+                  <a:srgbClr val="808080"/>
+                </a:solidFill>
+                <a:latin typeface="細明體" panose="02020509000000000000" pitchFamily="49" charset="-120"/>
+                <a:ea typeface="細明體" panose="02020509000000000000" pitchFamily="49" charset="-120"/>
+              </a:rPr>
+              <a:t>.</a:t>
+            </a:r>
+            <a:r>
+              <a:rPr lang="en-US" altLang="zh-TW" sz="1800" dirty="0" err="1">
+                <a:solidFill>
+                  <a:srgbClr val="000000"/>
+                </a:solidFill>
+                <a:latin typeface="細明體" panose="02020509000000000000" pitchFamily="49" charset="-120"/>
+                <a:ea typeface="細明體" panose="02020509000000000000" pitchFamily="49" charset="-120"/>
+              </a:rPr>
+              <a:t>KmSquared</a:t>
+            </a:r>
+            <a:r>
+              <a:rPr lang="en-US" altLang="zh-TW" sz="1800" dirty="0">
+                <a:solidFill>
+                  <a:srgbClr val="000000"/>
+                </a:solidFill>
+                <a:latin typeface="細明體" panose="02020509000000000000" pitchFamily="49" charset="-120"/>
+                <a:ea typeface="細明體" panose="02020509000000000000" pitchFamily="49" charset="-120"/>
+              </a:rPr>
+              <a:t> </a:t>
+            </a:r>
+            <a:r>
+              <a:rPr lang="en-US" altLang="zh-TW" sz="1800" dirty="0">
+                <a:solidFill>
+                  <a:srgbClr val="808080"/>
+                </a:solidFill>
+                <a:latin typeface="細明體" panose="02020509000000000000" pitchFamily="49" charset="-120"/>
+                <a:ea typeface="細明體" panose="02020509000000000000" pitchFamily="49" charset="-120"/>
+              </a:rPr>
+              <a:t>&lt;</a:t>
+            </a:r>
+            <a:r>
+              <a:rPr lang="en-US" altLang="zh-TW" sz="1800" dirty="0">
+                <a:solidFill>
+                  <a:srgbClr val="000000"/>
+                </a:solidFill>
+                <a:latin typeface="細明體" panose="02020509000000000000" pitchFamily="49" charset="-120"/>
+                <a:ea typeface="細明體" panose="02020509000000000000" pitchFamily="49" charset="-120"/>
+              </a:rPr>
+              <a:t> 20761 </a:t>
+            </a:r>
+            <a:r>
+              <a:rPr lang="en-US" altLang="zh-TW" sz="1800" dirty="0">
+                <a:solidFill>
+                  <a:srgbClr val="0000FF"/>
+                </a:solidFill>
+                <a:latin typeface="細明體" panose="02020509000000000000" pitchFamily="49" charset="-120"/>
+                <a:ea typeface="細明體" panose="02020509000000000000" pitchFamily="49" charset="-120"/>
+              </a:rPr>
+              <a:t>THEN</a:t>
+            </a:r>
+            <a:r>
+              <a:rPr lang="en-US" altLang="zh-TW" sz="1800" dirty="0">
+                <a:solidFill>
+                  <a:srgbClr val="000000"/>
+                </a:solidFill>
+                <a:latin typeface="細明體" panose="02020509000000000000" pitchFamily="49" charset="-120"/>
+                <a:ea typeface="細明體" panose="02020509000000000000" pitchFamily="49" charset="-120"/>
+              </a:rPr>
+              <a:t> </a:t>
+            </a:r>
+            <a:r>
+              <a:rPr lang="en-US" altLang="zh-TW" sz="1800" dirty="0">
+                <a:solidFill>
+                  <a:srgbClr val="FF0000"/>
+                </a:solidFill>
+                <a:latin typeface="細明體" panose="02020509000000000000" pitchFamily="49" charset="-120"/>
+                <a:ea typeface="細明體" panose="02020509000000000000" pitchFamily="49" charset="-120"/>
+              </a:rPr>
+              <a:t>'Smaller than </a:t>
+            </a:r>
+            <a:r>
+              <a:rPr lang="en-US" altLang="zh-TW" sz="1800" dirty="0" err="1">
+                <a:solidFill>
+                  <a:srgbClr val="FF0000"/>
+                </a:solidFill>
+                <a:latin typeface="細明體" panose="02020509000000000000" pitchFamily="49" charset="-120"/>
+                <a:ea typeface="細明體" panose="02020509000000000000" pitchFamily="49" charset="-120"/>
+              </a:rPr>
+              <a:t>Wales'</a:t>
+            </a:r>
+            <a:endParaRPr lang="en-US" altLang="zh-TW" sz="1800" dirty="0">
+              <a:solidFill>
+                <a:srgbClr val="000000"/>
+              </a:solidFill>
+              <a:latin typeface="細明體" panose="02020509000000000000" pitchFamily="49" charset="-120"/>
+              <a:ea typeface="細明體" panose="02020509000000000000" pitchFamily="49" charset="-120"/>
+            </a:endParaRPr>
+          </a:p>
+          <a:p>
+            <a:r>
+              <a:rPr lang="en-US" altLang="zh-TW" sz="1800" dirty="0">
+                <a:solidFill>
+                  <a:srgbClr val="0000FF"/>
+                </a:solidFill>
+                <a:latin typeface="細明體" panose="02020509000000000000" pitchFamily="49" charset="-120"/>
+                <a:ea typeface="細明體" panose="02020509000000000000" pitchFamily="49" charset="-120"/>
+              </a:rPr>
+              <a:t>ELSE</a:t>
+            </a:r>
+            <a:r>
+              <a:rPr lang="en-US" altLang="zh-TW" sz="1800" dirty="0">
+                <a:solidFill>
+                  <a:srgbClr val="000000"/>
+                </a:solidFill>
+                <a:latin typeface="細明體" panose="02020509000000000000" pitchFamily="49" charset="-120"/>
+                <a:ea typeface="細明體" panose="02020509000000000000" pitchFamily="49" charset="-120"/>
+              </a:rPr>
+              <a:t> </a:t>
+            </a:r>
+            <a:r>
+              <a:rPr lang="en-US" altLang="zh-TW" sz="1800" dirty="0">
+                <a:solidFill>
+                  <a:srgbClr val="FF00FF"/>
+                </a:solidFill>
+                <a:latin typeface="細明體" panose="02020509000000000000" pitchFamily="49" charset="-120"/>
+                <a:ea typeface="細明體" panose="02020509000000000000" pitchFamily="49" charset="-120"/>
+              </a:rPr>
+              <a:t>CAST</a:t>
+            </a:r>
+            <a:r>
+              <a:rPr lang="en-US" altLang="zh-TW" sz="1800" dirty="0">
+                <a:solidFill>
+                  <a:srgbClr val="808080"/>
+                </a:solidFill>
+                <a:latin typeface="細明體" panose="02020509000000000000" pitchFamily="49" charset="-120"/>
+                <a:ea typeface="細明體" panose="02020509000000000000" pitchFamily="49" charset="-120"/>
+              </a:rPr>
+              <a:t>((</a:t>
+            </a:r>
+            <a:r>
+              <a:rPr lang="en-US" altLang="zh-TW" sz="1800" dirty="0" err="1">
+                <a:solidFill>
+                  <a:srgbClr val="000000"/>
+                </a:solidFill>
+                <a:latin typeface="細明體" panose="02020509000000000000" pitchFamily="49" charset="-120"/>
+                <a:ea typeface="細明體" panose="02020509000000000000" pitchFamily="49" charset="-120"/>
+              </a:rPr>
+              <a:t>c</a:t>
+            </a:r>
+            <a:r>
+              <a:rPr lang="en-US" altLang="zh-TW" sz="1800" dirty="0" err="1">
+                <a:solidFill>
+                  <a:srgbClr val="808080"/>
+                </a:solidFill>
+                <a:latin typeface="細明體" panose="02020509000000000000" pitchFamily="49" charset="-120"/>
+                <a:ea typeface="細明體" panose="02020509000000000000" pitchFamily="49" charset="-120"/>
+              </a:rPr>
+              <a:t>.</a:t>
+            </a:r>
+            <a:r>
+              <a:rPr lang="en-US" altLang="zh-TW" sz="1800" dirty="0" err="1">
+                <a:solidFill>
+                  <a:srgbClr val="000000"/>
+                </a:solidFill>
+                <a:latin typeface="細明體" panose="02020509000000000000" pitchFamily="49" charset="-120"/>
+                <a:ea typeface="細明體" panose="02020509000000000000" pitchFamily="49" charset="-120"/>
+              </a:rPr>
+              <a:t>KmSquared</a:t>
+            </a:r>
+            <a:r>
+              <a:rPr lang="en-US" altLang="zh-TW" sz="1800" dirty="0" err="1">
+                <a:solidFill>
+                  <a:srgbClr val="808080"/>
+                </a:solidFill>
+                <a:latin typeface="細明體" panose="02020509000000000000" pitchFamily="49" charset="-120"/>
+                <a:ea typeface="細明體" panose="02020509000000000000" pitchFamily="49" charset="-120"/>
+              </a:rPr>
+              <a:t>-</a:t>
+            </a:r>
+            <a:r>
+              <a:rPr lang="en-US" altLang="zh-TW" sz="1800" dirty="0" err="1">
+                <a:solidFill>
+                  <a:srgbClr val="000000"/>
+                </a:solidFill>
+                <a:latin typeface="細明體" panose="02020509000000000000" pitchFamily="49" charset="-120"/>
+                <a:ea typeface="細明體" panose="02020509000000000000" pitchFamily="49" charset="-120"/>
+              </a:rPr>
+              <a:t>c</a:t>
+            </a:r>
+            <a:r>
+              <a:rPr lang="en-US" altLang="zh-TW" sz="1800" dirty="0" err="1">
+                <a:solidFill>
+                  <a:srgbClr val="808080"/>
+                </a:solidFill>
+                <a:latin typeface="細明體" panose="02020509000000000000" pitchFamily="49" charset="-120"/>
+                <a:ea typeface="細明體" panose="02020509000000000000" pitchFamily="49" charset="-120"/>
+              </a:rPr>
+              <a:t>.</a:t>
+            </a:r>
+            <a:r>
+              <a:rPr lang="en-US" altLang="zh-TW" sz="1800" dirty="0" err="1">
+                <a:solidFill>
+                  <a:srgbClr val="000000"/>
+                </a:solidFill>
+                <a:latin typeface="細明體" panose="02020509000000000000" pitchFamily="49" charset="-120"/>
+                <a:ea typeface="細明體" panose="02020509000000000000" pitchFamily="49" charset="-120"/>
+              </a:rPr>
+              <a:t>KmSquared</a:t>
+            </a:r>
+            <a:r>
+              <a:rPr lang="en-US" altLang="zh-TW" sz="1800" dirty="0">
+                <a:solidFill>
+                  <a:srgbClr val="000000"/>
+                </a:solidFill>
+                <a:latin typeface="細明體" panose="02020509000000000000" pitchFamily="49" charset="-120"/>
+                <a:ea typeface="細明體" panose="02020509000000000000" pitchFamily="49" charset="-120"/>
+              </a:rPr>
+              <a:t> </a:t>
+            </a:r>
+            <a:r>
+              <a:rPr lang="en-US" altLang="zh-TW" sz="1800" dirty="0">
+                <a:solidFill>
+                  <a:srgbClr val="808080"/>
+                </a:solidFill>
+                <a:latin typeface="細明體" panose="02020509000000000000" pitchFamily="49" charset="-120"/>
+                <a:ea typeface="細明體" panose="02020509000000000000" pitchFamily="49" charset="-120"/>
+              </a:rPr>
+              <a:t>%</a:t>
+            </a:r>
+            <a:r>
+              <a:rPr lang="en-US" altLang="zh-TW" sz="1800" dirty="0">
+                <a:solidFill>
+                  <a:srgbClr val="000000"/>
+                </a:solidFill>
+                <a:latin typeface="細明體" panose="02020509000000000000" pitchFamily="49" charset="-120"/>
+                <a:ea typeface="細明體" panose="02020509000000000000" pitchFamily="49" charset="-120"/>
+              </a:rPr>
+              <a:t> 20761</a:t>
+            </a:r>
+            <a:r>
+              <a:rPr lang="en-US" altLang="zh-TW" sz="1800" dirty="0">
+                <a:solidFill>
+                  <a:srgbClr val="808080"/>
+                </a:solidFill>
+                <a:latin typeface="細明體" panose="02020509000000000000" pitchFamily="49" charset="-120"/>
+                <a:ea typeface="細明體" panose="02020509000000000000" pitchFamily="49" charset="-120"/>
+              </a:rPr>
+              <a:t>)/</a:t>
+            </a:r>
+            <a:r>
+              <a:rPr lang="en-US" altLang="zh-TW" sz="1800" dirty="0">
+                <a:solidFill>
+                  <a:srgbClr val="000000"/>
+                </a:solidFill>
+                <a:latin typeface="細明體" panose="02020509000000000000" pitchFamily="49" charset="-120"/>
+                <a:ea typeface="細明體" panose="02020509000000000000" pitchFamily="49" charset="-120"/>
+              </a:rPr>
+              <a:t>20761 </a:t>
+            </a:r>
+            <a:r>
+              <a:rPr lang="en-US" altLang="zh-TW" sz="1800" dirty="0">
+                <a:solidFill>
+                  <a:srgbClr val="0000FF"/>
+                </a:solidFill>
+                <a:latin typeface="細明體" panose="02020509000000000000" pitchFamily="49" charset="-120"/>
+                <a:ea typeface="細明體" panose="02020509000000000000" pitchFamily="49" charset="-120"/>
+              </a:rPr>
+              <a:t>AS</a:t>
+            </a:r>
+            <a:r>
+              <a:rPr lang="en-US" altLang="zh-TW" sz="1800" dirty="0">
+                <a:solidFill>
+                  <a:srgbClr val="000000"/>
+                </a:solidFill>
+                <a:latin typeface="細明體" panose="02020509000000000000" pitchFamily="49" charset="-120"/>
+                <a:ea typeface="細明體" panose="02020509000000000000" pitchFamily="49" charset="-120"/>
+              </a:rPr>
+              <a:t> </a:t>
+            </a:r>
+            <a:r>
+              <a:rPr lang="en-US" altLang="zh-TW" sz="1800" dirty="0">
+                <a:solidFill>
+                  <a:srgbClr val="0000FF"/>
+                </a:solidFill>
+                <a:latin typeface="細明體" panose="02020509000000000000" pitchFamily="49" charset="-120"/>
+                <a:ea typeface="細明體" panose="02020509000000000000" pitchFamily="49" charset="-120"/>
+              </a:rPr>
+              <a:t>varchar</a:t>
+            </a:r>
+            <a:r>
+              <a:rPr lang="en-US" altLang="zh-TW" sz="1800" dirty="0">
+                <a:solidFill>
+                  <a:srgbClr val="808080"/>
+                </a:solidFill>
+                <a:latin typeface="細明體" panose="02020509000000000000" pitchFamily="49" charset="-120"/>
+                <a:ea typeface="細明體" panose="02020509000000000000" pitchFamily="49" charset="-120"/>
+              </a:rPr>
+              <a:t>(</a:t>
+            </a:r>
+            <a:r>
+              <a:rPr lang="en-US" altLang="zh-TW" sz="1800" dirty="0">
+                <a:solidFill>
+                  <a:srgbClr val="000000"/>
+                </a:solidFill>
+                <a:latin typeface="細明體" panose="02020509000000000000" pitchFamily="49" charset="-120"/>
+                <a:ea typeface="細明體" panose="02020509000000000000" pitchFamily="49" charset="-120"/>
+              </a:rPr>
+              <a:t>100</a:t>
+            </a:r>
+            <a:r>
+              <a:rPr lang="en-US" altLang="zh-TW" sz="1800" dirty="0">
+                <a:solidFill>
+                  <a:srgbClr val="808080"/>
+                </a:solidFill>
+                <a:latin typeface="細明體" panose="02020509000000000000" pitchFamily="49" charset="-120"/>
+                <a:ea typeface="細明體" panose="02020509000000000000" pitchFamily="49" charset="-120"/>
+              </a:rPr>
+              <a:t>))</a:t>
+            </a:r>
+            <a:r>
+              <a:rPr lang="en-US" altLang="zh-TW" sz="1800" dirty="0">
+                <a:solidFill>
+                  <a:srgbClr val="000000"/>
+                </a:solidFill>
+                <a:latin typeface="細明體" panose="02020509000000000000" pitchFamily="49" charset="-120"/>
+                <a:ea typeface="細明體" panose="02020509000000000000" pitchFamily="49" charset="-120"/>
+              </a:rPr>
+              <a:t> </a:t>
+            </a:r>
+            <a:r>
+              <a:rPr lang="en-US" altLang="zh-TW" sz="1800" dirty="0">
+                <a:solidFill>
+                  <a:srgbClr val="808080"/>
+                </a:solidFill>
+                <a:latin typeface="細明體" panose="02020509000000000000" pitchFamily="49" charset="-120"/>
+                <a:ea typeface="細明體" panose="02020509000000000000" pitchFamily="49" charset="-120"/>
+              </a:rPr>
+              <a:t>+</a:t>
+            </a:r>
+            <a:r>
+              <a:rPr lang="en-US" altLang="zh-TW" sz="1800" dirty="0">
+                <a:solidFill>
+                  <a:srgbClr val="000000"/>
+                </a:solidFill>
+                <a:latin typeface="細明體" panose="02020509000000000000" pitchFamily="49" charset="-120"/>
+                <a:ea typeface="細明體" panose="02020509000000000000" pitchFamily="49" charset="-120"/>
+              </a:rPr>
+              <a:t> </a:t>
+            </a:r>
+            <a:r>
+              <a:rPr lang="en-US" altLang="zh-TW" sz="1800" dirty="0">
+                <a:solidFill>
+                  <a:srgbClr val="FF0000"/>
+                </a:solidFill>
+                <a:latin typeface="細明體" panose="02020509000000000000" pitchFamily="49" charset="-120"/>
+                <a:ea typeface="細明體" panose="02020509000000000000" pitchFamily="49" charset="-120"/>
+              </a:rPr>
+              <a:t>'x Wales plus '</a:t>
+            </a:r>
+            <a:endParaRPr lang="en-US" altLang="zh-TW" sz="1800" dirty="0">
+              <a:solidFill>
+                <a:srgbClr val="000000"/>
+              </a:solidFill>
+              <a:latin typeface="細明體" panose="02020509000000000000" pitchFamily="49" charset="-120"/>
+              <a:ea typeface="細明體" panose="02020509000000000000" pitchFamily="49" charset="-120"/>
+            </a:endParaRPr>
+          </a:p>
+          <a:p>
+            <a:r>
+              <a:rPr lang="en-US" altLang="zh-TW" sz="1800" dirty="0">
+                <a:solidFill>
+                  <a:srgbClr val="808080"/>
+                </a:solidFill>
+                <a:latin typeface="細明體" panose="02020509000000000000" pitchFamily="49" charset="-120"/>
+                <a:ea typeface="細明體" panose="02020509000000000000" pitchFamily="49" charset="-120"/>
+              </a:rPr>
+              <a:t>+</a:t>
+            </a:r>
+            <a:r>
+              <a:rPr lang="en-US" altLang="zh-TW" sz="1800" dirty="0">
+                <a:solidFill>
+                  <a:srgbClr val="FF00FF"/>
+                </a:solidFill>
+                <a:latin typeface="細明體" panose="02020509000000000000" pitchFamily="49" charset="-120"/>
+                <a:ea typeface="細明體" panose="02020509000000000000" pitchFamily="49" charset="-120"/>
+              </a:rPr>
+              <a:t>CAST</a:t>
+            </a:r>
+            <a:r>
+              <a:rPr lang="en-US" altLang="zh-TW" sz="1800" dirty="0">
+                <a:solidFill>
+                  <a:srgbClr val="808080"/>
+                </a:solidFill>
+                <a:latin typeface="細明體" panose="02020509000000000000" pitchFamily="49" charset="-120"/>
+                <a:ea typeface="細明體" panose="02020509000000000000" pitchFamily="49" charset="-120"/>
+              </a:rPr>
+              <a:t>(</a:t>
+            </a:r>
+            <a:r>
+              <a:rPr lang="en-US" altLang="zh-TW" sz="1800" dirty="0" err="1">
+                <a:solidFill>
+                  <a:srgbClr val="000000"/>
+                </a:solidFill>
+                <a:latin typeface="細明體" panose="02020509000000000000" pitchFamily="49" charset="-120"/>
+                <a:ea typeface="細明體" panose="02020509000000000000" pitchFamily="49" charset="-120"/>
+              </a:rPr>
+              <a:t>c</a:t>
+            </a:r>
+            <a:r>
+              <a:rPr lang="en-US" altLang="zh-TW" sz="1800" dirty="0" err="1">
+                <a:solidFill>
+                  <a:srgbClr val="808080"/>
+                </a:solidFill>
+                <a:latin typeface="細明體" panose="02020509000000000000" pitchFamily="49" charset="-120"/>
+                <a:ea typeface="細明體" panose="02020509000000000000" pitchFamily="49" charset="-120"/>
+              </a:rPr>
+              <a:t>.</a:t>
+            </a:r>
+            <a:r>
+              <a:rPr lang="en-US" altLang="zh-TW" sz="1800" dirty="0" err="1">
+                <a:solidFill>
+                  <a:srgbClr val="000000"/>
+                </a:solidFill>
+                <a:latin typeface="細明體" panose="02020509000000000000" pitchFamily="49" charset="-120"/>
+                <a:ea typeface="細明體" panose="02020509000000000000" pitchFamily="49" charset="-120"/>
+              </a:rPr>
+              <a:t>KmSquared</a:t>
+            </a:r>
+            <a:r>
+              <a:rPr lang="en-US" altLang="zh-TW" sz="1800" dirty="0">
+                <a:solidFill>
+                  <a:srgbClr val="000000"/>
+                </a:solidFill>
+                <a:latin typeface="細明體" panose="02020509000000000000" pitchFamily="49" charset="-120"/>
+                <a:ea typeface="細明體" panose="02020509000000000000" pitchFamily="49" charset="-120"/>
+              </a:rPr>
+              <a:t> </a:t>
+            </a:r>
+            <a:r>
+              <a:rPr lang="en-US" altLang="zh-TW" sz="1800" dirty="0">
+                <a:solidFill>
+                  <a:srgbClr val="808080"/>
+                </a:solidFill>
+                <a:latin typeface="細明體" panose="02020509000000000000" pitchFamily="49" charset="-120"/>
+                <a:ea typeface="細明體" panose="02020509000000000000" pitchFamily="49" charset="-120"/>
+              </a:rPr>
+              <a:t>%</a:t>
+            </a:r>
+            <a:r>
+              <a:rPr lang="en-US" altLang="zh-TW" sz="1800" dirty="0">
+                <a:solidFill>
+                  <a:srgbClr val="000000"/>
+                </a:solidFill>
+                <a:latin typeface="細明體" panose="02020509000000000000" pitchFamily="49" charset="-120"/>
+                <a:ea typeface="細明體" panose="02020509000000000000" pitchFamily="49" charset="-120"/>
+              </a:rPr>
+              <a:t> 20761 </a:t>
+            </a:r>
+            <a:r>
+              <a:rPr lang="en-US" altLang="zh-TW" sz="1800" dirty="0">
+                <a:solidFill>
+                  <a:srgbClr val="0000FF"/>
+                </a:solidFill>
+                <a:latin typeface="細明體" panose="02020509000000000000" pitchFamily="49" charset="-120"/>
+                <a:ea typeface="細明體" panose="02020509000000000000" pitchFamily="49" charset="-120"/>
+              </a:rPr>
+              <a:t>AS</a:t>
+            </a:r>
+            <a:r>
+              <a:rPr lang="en-US" altLang="zh-TW" sz="1800" dirty="0">
+                <a:solidFill>
+                  <a:srgbClr val="000000"/>
+                </a:solidFill>
+                <a:latin typeface="細明體" panose="02020509000000000000" pitchFamily="49" charset="-120"/>
+                <a:ea typeface="細明體" panose="02020509000000000000" pitchFamily="49" charset="-120"/>
+              </a:rPr>
+              <a:t> </a:t>
+            </a:r>
+            <a:r>
+              <a:rPr lang="en-US" altLang="zh-TW" sz="1800" dirty="0">
+                <a:solidFill>
+                  <a:srgbClr val="0000FF"/>
+                </a:solidFill>
+                <a:latin typeface="細明體" panose="02020509000000000000" pitchFamily="49" charset="-120"/>
+                <a:ea typeface="細明體" panose="02020509000000000000" pitchFamily="49" charset="-120"/>
+              </a:rPr>
+              <a:t>varchar</a:t>
+            </a:r>
+            <a:r>
+              <a:rPr lang="en-US" altLang="zh-TW" sz="1800" dirty="0">
+                <a:solidFill>
+                  <a:srgbClr val="808080"/>
+                </a:solidFill>
+                <a:latin typeface="細明體" panose="02020509000000000000" pitchFamily="49" charset="-120"/>
+                <a:ea typeface="細明體" panose="02020509000000000000" pitchFamily="49" charset="-120"/>
+              </a:rPr>
+              <a:t>(</a:t>
+            </a:r>
+            <a:r>
+              <a:rPr lang="en-US" altLang="zh-TW" sz="1800" dirty="0">
+                <a:solidFill>
+                  <a:srgbClr val="000000"/>
+                </a:solidFill>
+                <a:latin typeface="細明體" panose="02020509000000000000" pitchFamily="49" charset="-120"/>
+                <a:ea typeface="細明體" panose="02020509000000000000" pitchFamily="49" charset="-120"/>
+              </a:rPr>
+              <a:t>100</a:t>
+            </a:r>
+            <a:r>
+              <a:rPr lang="en-US" altLang="zh-TW" sz="1800" dirty="0">
+                <a:solidFill>
+                  <a:srgbClr val="808080"/>
+                </a:solidFill>
+                <a:latin typeface="細明體" panose="02020509000000000000" pitchFamily="49" charset="-120"/>
+                <a:ea typeface="細明體" panose="02020509000000000000" pitchFamily="49" charset="-120"/>
+              </a:rPr>
+              <a:t>))</a:t>
+            </a:r>
+            <a:endParaRPr lang="en-US" altLang="zh-TW" sz="1800" dirty="0">
+              <a:solidFill>
+                <a:srgbClr val="000000"/>
+              </a:solidFill>
+              <a:latin typeface="細明體" panose="02020509000000000000" pitchFamily="49" charset="-120"/>
+              <a:ea typeface="細明體" panose="02020509000000000000" pitchFamily="49" charset="-120"/>
+            </a:endParaRPr>
+          </a:p>
+          <a:p>
+            <a:r>
+              <a:rPr lang="en-US" altLang="zh-TW" sz="1800" dirty="0">
+                <a:solidFill>
+                  <a:srgbClr val="808080"/>
+                </a:solidFill>
+                <a:latin typeface="細明體" panose="02020509000000000000" pitchFamily="49" charset="-120"/>
+                <a:ea typeface="細明體" panose="02020509000000000000" pitchFamily="49" charset="-120"/>
+              </a:rPr>
+              <a:t>+</a:t>
+            </a:r>
+            <a:r>
+              <a:rPr lang="en-US" altLang="zh-TW" sz="1800" dirty="0">
+                <a:solidFill>
+                  <a:srgbClr val="FF0000"/>
+                </a:solidFill>
+                <a:latin typeface="細明體" panose="02020509000000000000" pitchFamily="49" charset="-120"/>
+                <a:ea typeface="細明體" panose="02020509000000000000" pitchFamily="49" charset="-120"/>
+              </a:rPr>
+              <a:t>'sq. km. '</a:t>
+            </a:r>
+            <a:endParaRPr lang="en-US" altLang="zh-TW" sz="1800" dirty="0">
+              <a:solidFill>
+                <a:srgbClr val="000000"/>
+              </a:solidFill>
+              <a:latin typeface="細明體" panose="02020509000000000000" pitchFamily="49" charset="-120"/>
+              <a:ea typeface="細明體" panose="02020509000000000000" pitchFamily="49" charset="-120"/>
+            </a:endParaRPr>
+          </a:p>
+          <a:p>
+            <a:r>
+              <a:rPr lang="en-US" altLang="zh-TW" sz="1800" dirty="0">
+                <a:solidFill>
+                  <a:srgbClr val="0000FF"/>
+                </a:solidFill>
+                <a:latin typeface="細明體" panose="02020509000000000000" pitchFamily="49" charset="-120"/>
+                <a:ea typeface="細明體" panose="02020509000000000000" pitchFamily="49" charset="-120"/>
+              </a:rPr>
+              <a:t>END</a:t>
+            </a:r>
+            <a:r>
+              <a:rPr lang="en-US" altLang="zh-TW" sz="1800" dirty="0">
+                <a:solidFill>
+                  <a:srgbClr val="000000"/>
+                </a:solidFill>
+                <a:latin typeface="細明體" panose="02020509000000000000" pitchFamily="49" charset="-120"/>
+                <a:ea typeface="細明體" panose="02020509000000000000" pitchFamily="49" charset="-120"/>
+              </a:rPr>
+              <a:t> </a:t>
+            </a:r>
+            <a:r>
+              <a:rPr lang="en-US" altLang="zh-TW" sz="1800" dirty="0">
+                <a:solidFill>
+                  <a:srgbClr val="0000FF"/>
+                </a:solidFill>
+                <a:latin typeface="細明體" panose="02020509000000000000" pitchFamily="49" charset="-120"/>
+                <a:ea typeface="細明體" panose="02020509000000000000" pitchFamily="49" charset="-120"/>
+              </a:rPr>
+              <a:t>AS</a:t>
+            </a:r>
+            <a:r>
+              <a:rPr lang="en-US" altLang="zh-TW" sz="1800" dirty="0">
+                <a:solidFill>
+                  <a:srgbClr val="000000"/>
+                </a:solidFill>
+                <a:latin typeface="細明體" panose="02020509000000000000" pitchFamily="49" charset="-120"/>
+                <a:ea typeface="細明體" panose="02020509000000000000" pitchFamily="49" charset="-120"/>
+              </a:rPr>
+              <a:t> </a:t>
+            </a:r>
+            <a:r>
+              <a:rPr lang="en-US" altLang="zh-TW" sz="1800" dirty="0" err="1">
+                <a:solidFill>
+                  <a:srgbClr val="000000"/>
+                </a:solidFill>
+                <a:latin typeface="細明體" panose="02020509000000000000" pitchFamily="49" charset="-120"/>
+                <a:ea typeface="細明體" panose="02020509000000000000" pitchFamily="49" charset="-120"/>
+              </a:rPr>
+              <a:t>WalesComparison</a:t>
+            </a:r>
+            <a:endParaRPr lang="en-US" altLang="zh-TW" sz="1800" dirty="0">
+              <a:solidFill>
+                <a:srgbClr val="000000"/>
+              </a:solidFill>
+              <a:latin typeface="細明體" panose="02020509000000000000" pitchFamily="49" charset="-120"/>
+              <a:ea typeface="細明體" panose="02020509000000000000" pitchFamily="49" charset="-120"/>
+            </a:endParaRPr>
+          </a:p>
+          <a:p>
+            <a:endParaRPr lang="zh-TW" altLang="en-US" sz="1800" dirty="0">
+              <a:solidFill>
+                <a:srgbClr val="000000"/>
+              </a:solidFill>
+              <a:latin typeface="細明體" panose="02020509000000000000" pitchFamily="49" charset="-120"/>
+              <a:ea typeface="細明體" panose="02020509000000000000" pitchFamily="49" charset="-120"/>
+            </a:endParaRPr>
+          </a:p>
+          <a:p>
+            <a:r>
+              <a:rPr lang="en-US" altLang="zh-TW" sz="1800" dirty="0">
+                <a:solidFill>
+                  <a:srgbClr val="0000FF"/>
+                </a:solidFill>
+                <a:latin typeface="細明體" panose="02020509000000000000" pitchFamily="49" charset="-120"/>
+                <a:ea typeface="細明體" panose="02020509000000000000" pitchFamily="49" charset="-120"/>
+              </a:rPr>
+              <a:t>FROM</a:t>
+            </a:r>
+            <a:r>
+              <a:rPr lang="en-US" altLang="zh-TW" sz="1800" dirty="0">
+                <a:solidFill>
+                  <a:srgbClr val="000000"/>
+                </a:solidFill>
+                <a:latin typeface="細明體" panose="02020509000000000000" pitchFamily="49" charset="-120"/>
+                <a:ea typeface="細明體" panose="02020509000000000000" pitchFamily="49" charset="-120"/>
+              </a:rPr>
+              <a:t> [</a:t>
+            </a:r>
+            <a:r>
+              <a:rPr lang="en-US" altLang="zh-TW" sz="1800" dirty="0" err="1">
+                <a:solidFill>
+                  <a:srgbClr val="000000"/>
+                </a:solidFill>
+                <a:latin typeface="細明體" panose="02020509000000000000" pitchFamily="49" charset="-120"/>
+                <a:ea typeface="細明體" panose="02020509000000000000" pitchFamily="49" charset="-120"/>
+              </a:rPr>
+              <a:t>WorldEvents</a:t>
+            </a:r>
+            <a:r>
+              <a:rPr lang="en-US" altLang="zh-TW" sz="1800" dirty="0">
+                <a:solidFill>
+                  <a:srgbClr val="000000"/>
+                </a:solidFill>
+                <a:latin typeface="細明體" panose="02020509000000000000" pitchFamily="49" charset="-120"/>
+                <a:ea typeface="細明體" panose="02020509000000000000" pitchFamily="49" charset="-120"/>
+              </a:rPr>
+              <a:t>]</a:t>
+            </a:r>
+            <a:r>
+              <a:rPr lang="en-US" altLang="zh-TW" sz="1800" dirty="0">
+                <a:solidFill>
+                  <a:srgbClr val="808080"/>
+                </a:solidFill>
+                <a:latin typeface="細明體" panose="02020509000000000000" pitchFamily="49" charset="-120"/>
+                <a:ea typeface="細明體" panose="02020509000000000000" pitchFamily="49" charset="-120"/>
+              </a:rPr>
+              <a:t>.</a:t>
+            </a:r>
+            <a:r>
+              <a:rPr lang="en-US" altLang="zh-TW" sz="1800" dirty="0">
+                <a:solidFill>
+                  <a:srgbClr val="000000"/>
+                </a:solidFill>
+                <a:latin typeface="細明體" panose="02020509000000000000" pitchFamily="49" charset="-120"/>
+                <a:ea typeface="細明體" panose="02020509000000000000" pitchFamily="49" charset="-120"/>
+              </a:rPr>
+              <a:t>[</a:t>
+            </a:r>
+            <a:r>
+              <a:rPr lang="en-US" altLang="zh-TW" sz="1800" dirty="0" err="1">
+                <a:solidFill>
+                  <a:srgbClr val="000000"/>
+                </a:solidFill>
+                <a:latin typeface="細明體" panose="02020509000000000000" pitchFamily="49" charset="-120"/>
+                <a:ea typeface="細明體" panose="02020509000000000000" pitchFamily="49" charset="-120"/>
+              </a:rPr>
+              <a:t>dbo</a:t>
+            </a:r>
+            <a:r>
+              <a:rPr lang="en-US" altLang="zh-TW" sz="1800" dirty="0">
+                <a:solidFill>
+                  <a:srgbClr val="000000"/>
+                </a:solidFill>
+                <a:latin typeface="細明體" panose="02020509000000000000" pitchFamily="49" charset="-120"/>
+                <a:ea typeface="細明體" panose="02020509000000000000" pitchFamily="49" charset="-120"/>
+              </a:rPr>
+              <a:t>]</a:t>
+            </a:r>
+            <a:r>
+              <a:rPr lang="en-US" altLang="zh-TW" sz="1800" dirty="0">
+                <a:solidFill>
+                  <a:srgbClr val="808080"/>
+                </a:solidFill>
+                <a:latin typeface="細明體" panose="02020509000000000000" pitchFamily="49" charset="-120"/>
+                <a:ea typeface="細明體" panose="02020509000000000000" pitchFamily="49" charset="-120"/>
+              </a:rPr>
+              <a:t>.</a:t>
+            </a:r>
+            <a:r>
+              <a:rPr lang="en-US" altLang="zh-TW" sz="1800" dirty="0">
+                <a:solidFill>
+                  <a:srgbClr val="000000"/>
+                </a:solidFill>
+                <a:latin typeface="細明體" panose="02020509000000000000" pitchFamily="49" charset="-120"/>
+                <a:ea typeface="細明體" panose="02020509000000000000" pitchFamily="49" charset="-120"/>
+              </a:rPr>
+              <a:t>[</a:t>
+            </a:r>
+            <a:r>
+              <a:rPr lang="en-US" altLang="zh-TW" sz="1800" dirty="0" err="1">
+                <a:solidFill>
+                  <a:srgbClr val="000000"/>
+                </a:solidFill>
+                <a:latin typeface="細明體" panose="02020509000000000000" pitchFamily="49" charset="-120"/>
+                <a:ea typeface="細明體" panose="02020509000000000000" pitchFamily="49" charset="-120"/>
+              </a:rPr>
+              <a:t>CountriesByArea</a:t>
+            </a:r>
+            <a:r>
+              <a:rPr lang="en-US" altLang="zh-TW" sz="1800" dirty="0">
+                <a:solidFill>
+                  <a:srgbClr val="000000"/>
+                </a:solidFill>
+                <a:latin typeface="細明體" panose="02020509000000000000" pitchFamily="49" charset="-120"/>
+                <a:ea typeface="細明體" panose="02020509000000000000" pitchFamily="49" charset="-120"/>
+              </a:rPr>
+              <a:t>] </a:t>
+            </a:r>
+            <a:r>
+              <a:rPr lang="en-US" altLang="zh-TW" sz="1800" dirty="0">
+                <a:solidFill>
+                  <a:srgbClr val="0000FF"/>
+                </a:solidFill>
+                <a:latin typeface="細明體" panose="02020509000000000000" pitchFamily="49" charset="-120"/>
+                <a:ea typeface="細明體" panose="02020509000000000000" pitchFamily="49" charset="-120"/>
+              </a:rPr>
+              <a:t>as</a:t>
+            </a:r>
+            <a:r>
+              <a:rPr lang="en-US" altLang="zh-TW" sz="1800" dirty="0">
+                <a:solidFill>
+                  <a:srgbClr val="000000"/>
+                </a:solidFill>
+                <a:latin typeface="細明體" panose="02020509000000000000" pitchFamily="49" charset="-120"/>
+                <a:ea typeface="細明體" panose="02020509000000000000" pitchFamily="49" charset="-120"/>
+              </a:rPr>
+              <a:t> c</a:t>
+            </a:r>
+          </a:p>
+          <a:p>
+            <a:r>
+              <a:rPr lang="en-US" altLang="zh-TW" sz="1800" dirty="0">
+                <a:solidFill>
+                  <a:srgbClr val="0000FF"/>
+                </a:solidFill>
+                <a:latin typeface="細明體" panose="02020509000000000000" pitchFamily="49" charset="-120"/>
+                <a:ea typeface="細明體" panose="02020509000000000000" pitchFamily="49" charset="-120"/>
+              </a:rPr>
+              <a:t>ORDER</a:t>
+            </a:r>
+            <a:r>
+              <a:rPr lang="en-US" altLang="zh-TW" sz="1800" dirty="0">
+                <a:solidFill>
+                  <a:srgbClr val="000000"/>
+                </a:solidFill>
+                <a:latin typeface="細明體" panose="02020509000000000000" pitchFamily="49" charset="-120"/>
+                <a:ea typeface="細明體" panose="02020509000000000000" pitchFamily="49" charset="-120"/>
+              </a:rPr>
+              <a:t> </a:t>
+            </a:r>
+            <a:r>
+              <a:rPr lang="en-US" altLang="zh-TW" sz="1800" dirty="0">
+                <a:solidFill>
+                  <a:srgbClr val="0000FF"/>
+                </a:solidFill>
+                <a:latin typeface="細明體" panose="02020509000000000000" pitchFamily="49" charset="-120"/>
+                <a:ea typeface="細明體" panose="02020509000000000000" pitchFamily="49" charset="-120"/>
+              </a:rPr>
+              <a:t>BY</a:t>
+            </a:r>
+            <a:r>
+              <a:rPr lang="en-US" altLang="zh-TW" sz="1800" dirty="0">
+                <a:solidFill>
+                  <a:srgbClr val="000000"/>
+                </a:solidFill>
+                <a:latin typeface="細明體" panose="02020509000000000000" pitchFamily="49" charset="-120"/>
+                <a:ea typeface="細明體" panose="02020509000000000000" pitchFamily="49" charset="-120"/>
+              </a:rPr>
+              <a:t> </a:t>
+            </a:r>
+            <a:r>
+              <a:rPr lang="en-US" altLang="zh-TW" sz="1800" dirty="0">
+                <a:solidFill>
+                  <a:srgbClr val="FF00FF"/>
+                </a:solidFill>
+                <a:latin typeface="細明體" panose="02020509000000000000" pitchFamily="49" charset="-120"/>
+                <a:ea typeface="細明體" panose="02020509000000000000" pitchFamily="49" charset="-120"/>
+              </a:rPr>
+              <a:t>ABS</a:t>
+            </a:r>
+            <a:r>
+              <a:rPr lang="en-US" altLang="zh-TW" sz="1800" dirty="0">
+                <a:solidFill>
+                  <a:srgbClr val="808080"/>
+                </a:solidFill>
+                <a:latin typeface="細明體" panose="02020509000000000000" pitchFamily="49" charset="-120"/>
+                <a:ea typeface="細明體" panose="02020509000000000000" pitchFamily="49" charset="-120"/>
+              </a:rPr>
+              <a:t>(</a:t>
+            </a:r>
+            <a:r>
+              <a:rPr lang="en-US" altLang="zh-TW" sz="1800" dirty="0">
+                <a:solidFill>
+                  <a:srgbClr val="000000"/>
+                </a:solidFill>
+                <a:latin typeface="細明體" panose="02020509000000000000" pitchFamily="49" charset="-120"/>
+                <a:ea typeface="細明體" panose="02020509000000000000" pitchFamily="49" charset="-120"/>
+              </a:rPr>
+              <a:t>20761</a:t>
+            </a:r>
+            <a:r>
+              <a:rPr lang="en-US" altLang="zh-TW" sz="1800" dirty="0">
+                <a:solidFill>
+                  <a:srgbClr val="808080"/>
+                </a:solidFill>
+                <a:latin typeface="細明體" panose="02020509000000000000" pitchFamily="49" charset="-120"/>
+                <a:ea typeface="細明體" panose="02020509000000000000" pitchFamily="49" charset="-120"/>
+              </a:rPr>
+              <a:t>-</a:t>
+            </a:r>
+            <a:r>
+              <a:rPr lang="en-US" altLang="zh-TW" sz="1800" dirty="0">
+                <a:solidFill>
+                  <a:srgbClr val="000000"/>
+                </a:solidFill>
+                <a:latin typeface="細明體" panose="02020509000000000000" pitchFamily="49" charset="-120"/>
+                <a:ea typeface="細明體" panose="02020509000000000000" pitchFamily="49" charset="-120"/>
+              </a:rPr>
+              <a:t>c</a:t>
+            </a:r>
+            <a:r>
+              <a:rPr lang="en-US" altLang="zh-TW" sz="1800" dirty="0">
+                <a:solidFill>
+                  <a:srgbClr val="808080"/>
+                </a:solidFill>
+                <a:latin typeface="細明體" panose="02020509000000000000" pitchFamily="49" charset="-120"/>
+                <a:ea typeface="細明體" panose="02020509000000000000" pitchFamily="49" charset="-120"/>
+              </a:rPr>
+              <a:t>.</a:t>
+            </a:r>
+            <a:r>
+              <a:rPr lang="en-US" altLang="zh-TW" sz="1800" dirty="0">
+                <a:solidFill>
+                  <a:srgbClr val="000000"/>
+                </a:solidFill>
+                <a:latin typeface="細明體" panose="02020509000000000000" pitchFamily="49" charset="-120"/>
+                <a:ea typeface="細明體" panose="02020509000000000000" pitchFamily="49" charset="-120"/>
+              </a:rPr>
+              <a:t>KmSquared</a:t>
+            </a:r>
+            <a:r>
+              <a:rPr lang="en-US" altLang="zh-TW" sz="1800" dirty="0">
+                <a:solidFill>
+                  <a:srgbClr val="808080"/>
+                </a:solidFill>
+                <a:latin typeface="細明體" panose="02020509000000000000" pitchFamily="49" charset="-120"/>
+                <a:ea typeface="細明體" panose="02020509000000000000" pitchFamily="49" charset="-120"/>
+              </a:rPr>
+              <a:t>)</a:t>
+            </a:r>
+            <a:r>
+              <a:rPr lang="en-US" altLang="zh-TW" sz="1800" dirty="0">
+                <a:solidFill>
+                  <a:srgbClr val="000000"/>
+                </a:solidFill>
+                <a:latin typeface="細明體" panose="02020509000000000000" pitchFamily="49" charset="-120"/>
+                <a:ea typeface="細明體" panose="02020509000000000000" pitchFamily="49" charset="-120"/>
+              </a:rPr>
+              <a:t> </a:t>
+            </a:r>
+            <a:r>
+              <a:rPr lang="en-US" altLang="zh-TW" sz="1800" dirty="0">
+                <a:solidFill>
+                  <a:srgbClr val="0000FF"/>
+                </a:solidFill>
+                <a:latin typeface="細明體" panose="02020509000000000000" pitchFamily="49" charset="-120"/>
+                <a:ea typeface="細明體" panose="02020509000000000000" pitchFamily="49" charset="-120"/>
+              </a:rPr>
+              <a:t>ASC</a:t>
+            </a:r>
+            <a:endParaRPr lang="zh-TW" altLang="en-US" sz="1600" dirty="0">
+              <a:solidFill>
+                <a:srgbClr val="000000"/>
+              </a:solidFill>
+              <a:latin typeface="微軟正黑體" panose="020B0604030504040204" pitchFamily="34" charset="-120"/>
+              <a:ea typeface="微軟正黑體" panose="020B0604030504040204" pitchFamily="34" charset="-120"/>
+            </a:endParaRPr>
+          </a:p>
+        </p:txBody>
+      </p:sp>
+      <p:sp>
+        <p:nvSpPr>
+          <p:cNvPr id="9" name="文字方塊 8">
+            <a:extLst>
+              <a:ext uri="{FF2B5EF4-FFF2-40B4-BE49-F238E27FC236}">
+                <a16:creationId xmlns:a16="http://schemas.microsoft.com/office/drawing/2014/main" id="{35E0097D-1D25-800D-ACBE-7E565A45717E}"/>
+              </a:ext>
+            </a:extLst>
+          </p:cNvPr>
+          <p:cNvSpPr txBox="1"/>
+          <p:nvPr/>
+        </p:nvSpPr>
+        <p:spPr>
+          <a:xfrm>
+            <a:off x="1687669" y="5757119"/>
+            <a:ext cx="6261651" cy="369332"/>
+          </a:xfrm>
+          <a:prstGeom prst="rect">
+            <a:avLst/>
+          </a:prstGeom>
+          <a:noFill/>
+        </p:spPr>
+        <p:txBody>
+          <a:bodyPr wrap="none" rtlCol="0">
+            <a:spAutoFit/>
+          </a:bodyPr>
+          <a:lstStyle/>
+          <a:p>
+            <a:r>
+              <a:rPr lang="zh-TW" altLang="en-US" dirty="0"/>
+              <a:t>參考資料</a:t>
+            </a:r>
+            <a:r>
+              <a:rPr lang="en-US" altLang="zh-TW" dirty="0"/>
+              <a:t>:https://www.w3schools.com/sql/sql_case.asp</a:t>
+            </a:r>
+            <a:endParaRPr lang="zh-TW" altLang="en-US" dirty="0"/>
+          </a:p>
+        </p:txBody>
+      </p:sp>
+    </p:spTree>
+    <p:extLst>
+      <p:ext uri="{BB962C8B-B14F-4D97-AF65-F5344CB8AC3E}">
+        <p14:creationId xmlns:p14="http://schemas.microsoft.com/office/powerpoint/2010/main" val="2993311499"/>
+      </p:ext>
+    </p:extLst>
+  </p:cSld>
+  <p:clrMapOvr>
+    <a:masterClrMapping/>
+  </p:clrMapOvr>
+</p:sld>
+</file>
+
+<file path=ppt/slides/slide37.xml><?xml version="1.0" encoding="utf-8"?>
+<p:sld xmlns:a="http://schemas.openxmlformats.org/drawingml/2006/main" xmlns:r="http://schemas.openxmlformats.org/officeDocument/2006/relationships" xmlns:p="http://schemas.openxmlformats.org/presentationml/2006/main">
+  <p:cSld>
+    <p:spTree>
+      <p:nvGrpSpPr>
+        <p:cNvPr id="1" name=""/>
+        <p:cNvGrpSpPr/>
+        <p:nvPr/>
+      </p:nvGrpSpPr>
+      <p:grpSpPr>
+        <a:xfrm>
+          <a:off x="0" y="0"/>
+          <a:ext cx="0" cy="0"/>
+          <a:chOff x="0" y="0"/>
+          <a:chExt cx="0" cy="0"/>
+        </a:xfrm>
+      </p:grpSpPr>
+      <p:sp>
+        <p:nvSpPr>
+          <p:cNvPr id="2" name="標題 1">
+            <a:extLst>
+              <a:ext uri="{FF2B5EF4-FFF2-40B4-BE49-F238E27FC236}">
+                <a16:creationId xmlns:a16="http://schemas.microsoft.com/office/drawing/2014/main" id="{9754B65C-1642-6FE5-D941-96E5D377AABC}"/>
+              </a:ext>
+            </a:extLst>
+          </p:cNvPr>
+          <p:cNvSpPr>
+            <a:spLocks noGrp="1"/>
+          </p:cNvSpPr>
+          <p:nvPr>
+            <p:ph type="title"/>
+          </p:nvPr>
+        </p:nvSpPr>
+        <p:spPr>
+          <a:xfrm>
+            <a:off x="1687669" y="624110"/>
+            <a:ext cx="4137059" cy="1280890"/>
+          </a:xfrm>
+        </p:spPr>
+        <p:txBody>
+          <a:bodyPr>
+            <a:normAutofit/>
+          </a:bodyPr>
+          <a:lstStyle/>
+          <a:p>
+            <a:r>
+              <a:rPr lang="en-US" altLang="zh-TW" sz="3200" dirty="0"/>
+              <a:t>Answer6.</a:t>
+            </a:r>
+            <a:endParaRPr lang="zh-TW" altLang="en-US" sz="3200" dirty="0"/>
+          </a:p>
+        </p:txBody>
+      </p:sp>
+      <p:sp>
+        <p:nvSpPr>
+          <p:cNvPr id="4" name="投影片編號版面配置區 3">
+            <a:extLst>
+              <a:ext uri="{FF2B5EF4-FFF2-40B4-BE49-F238E27FC236}">
+                <a16:creationId xmlns:a16="http://schemas.microsoft.com/office/drawing/2014/main" id="{3F1EA6AD-3945-5A5F-70AE-CD8043429B6D}"/>
+              </a:ext>
+            </a:extLst>
+          </p:cNvPr>
+          <p:cNvSpPr>
+            <a:spLocks noGrp="1"/>
+          </p:cNvSpPr>
+          <p:nvPr>
+            <p:ph type="sldNum" sz="quarter" idx="12"/>
+          </p:nvPr>
+        </p:nvSpPr>
+        <p:spPr>
+          <a:xfrm>
+            <a:off x="531812" y="787782"/>
+            <a:ext cx="779767" cy="365125"/>
+          </a:xfrm>
+        </p:spPr>
+        <p:txBody>
+          <a:bodyPr>
+            <a:normAutofit/>
+          </a:bodyPr>
+          <a:lstStyle/>
+          <a:p>
+            <a:pPr>
+              <a:lnSpc>
+                <a:spcPct val="90000"/>
+              </a:lnSpc>
+              <a:spcAft>
+                <a:spcPts val="600"/>
+              </a:spcAft>
+            </a:pPr>
+            <a:fld id="{D57F1E4F-1CFF-5643-939E-217C01CDF565}" type="slidenum">
+              <a:rPr lang="en-US" sz="1900" smtClean="0"/>
+              <a:pPr>
+                <a:lnSpc>
+                  <a:spcPct val="90000"/>
+                </a:lnSpc>
+                <a:spcAft>
+                  <a:spcPts val="600"/>
+                </a:spcAft>
+              </a:pPr>
+              <a:t>37</a:t>
+            </a:fld>
+            <a:endParaRPr lang="en-US" sz="1900"/>
+          </a:p>
+        </p:txBody>
+      </p:sp>
+      <p:sp>
+        <p:nvSpPr>
+          <p:cNvPr id="3" name="內容版面配置區 2">
+            <a:extLst>
+              <a:ext uri="{FF2B5EF4-FFF2-40B4-BE49-F238E27FC236}">
+                <a16:creationId xmlns:a16="http://schemas.microsoft.com/office/drawing/2014/main" id="{8A26720F-616D-E164-DA93-3A4EBED4F0AD}"/>
+              </a:ext>
+            </a:extLst>
+          </p:cNvPr>
+          <p:cNvSpPr>
+            <a:spLocks noGrp="1"/>
+          </p:cNvSpPr>
+          <p:nvPr>
+            <p:ph idx="1"/>
+          </p:nvPr>
+        </p:nvSpPr>
+        <p:spPr>
+          <a:xfrm>
+            <a:off x="1687669" y="1685364"/>
+            <a:ext cx="6074307" cy="3854824"/>
+          </a:xfrm>
+        </p:spPr>
+        <p:txBody>
+          <a:bodyPr>
+            <a:normAutofit/>
+          </a:bodyPr>
+          <a:lstStyle/>
+          <a:p>
+            <a:endParaRPr lang="zh-TW" altLang="en-US" sz="1600" dirty="0">
+              <a:solidFill>
+                <a:srgbClr val="000000"/>
+              </a:solidFill>
+              <a:latin typeface="微軟正黑體" panose="020B0604030504040204" pitchFamily="34" charset="-120"/>
+              <a:ea typeface="微軟正黑體" panose="020B0604030504040204" pitchFamily="34" charset="-120"/>
+            </a:endParaRPr>
+          </a:p>
+        </p:txBody>
+      </p:sp>
+      <p:sp>
+        <p:nvSpPr>
+          <p:cNvPr id="9" name="文字方塊 8">
+            <a:extLst>
+              <a:ext uri="{FF2B5EF4-FFF2-40B4-BE49-F238E27FC236}">
+                <a16:creationId xmlns:a16="http://schemas.microsoft.com/office/drawing/2014/main" id="{35E0097D-1D25-800D-ACBE-7E565A45717E}"/>
+              </a:ext>
+            </a:extLst>
+          </p:cNvPr>
+          <p:cNvSpPr txBox="1"/>
+          <p:nvPr/>
+        </p:nvSpPr>
+        <p:spPr>
+          <a:xfrm>
+            <a:off x="1687669" y="5757119"/>
+            <a:ext cx="6261651" cy="369332"/>
+          </a:xfrm>
+          <a:prstGeom prst="rect">
+            <a:avLst/>
+          </a:prstGeom>
+          <a:noFill/>
+        </p:spPr>
+        <p:txBody>
+          <a:bodyPr wrap="none" rtlCol="0">
+            <a:spAutoFit/>
+          </a:bodyPr>
+          <a:lstStyle/>
+          <a:p>
+            <a:r>
+              <a:rPr lang="zh-TW" altLang="en-US" dirty="0"/>
+              <a:t>參考資料</a:t>
+            </a:r>
+            <a:r>
+              <a:rPr lang="en-US" altLang="zh-TW" dirty="0"/>
+              <a:t>:https://www.w3schools.com/sql/sql_case.asp</a:t>
+            </a:r>
+            <a:endParaRPr lang="zh-TW" altLang="en-US" dirty="0"/>
+          </a:p>
+        </p:txBody>
+      </p:sp>
+      <p:pic>
+        <p:nvPicPr>
+          <p:cNvPr id="6" name="圖片 5">
+            <a:extLst>
+              <a:ext uri="{FF2B5EF4-FFF2-40B4-BE49-F238E27FC236}">
+                <a16:creationId xmlns:a16="http://schemas.microsoft.com/office/drawing/2014/main" id="{A1BABAAD-9DB3-D761-860C-C7C912176BBC}"/>
+              </a:ext>
+            </a:extLst>
+          </p:cNvPr>
+          <p:cNvPicPr>
+            <a:picLocks noChangeAspect="1"/>
+          </p:cNvPicPr>
+          <p:nvPr/>
+        </p:nvPicPr>
+        <p:blipFill>
+          <a:blip r:embed="rId2"/>
+          <a:stretch>
+            <a:fillRect/>
+          </a:stretch>
+        </p:blipFill>
+        <p:spPr>
+          <a:xfrm>
+            <a:off x="1916929" y="2121931"/>
+            <a:ext cx="5845047" cy="2964437"/>
+          </a:xfrm>
+          <a:prstGeom prst="rect">
+            <a:avLst/>
+          </a:prstGeom>
+        </p:spPr>
+      </p:pic>
+    </p:spTree>
+    <p:extLst>
+      <p:ext uri="{BB962C8B-B14F-4D97-AF65-F5344CB8AC3E}">
+        <p14:creationId xmlns:p14="http://schemas.microsoft.com/office/powerpoint/2010/main" val="3822363258"/>
       </p:ext>
     </p:extLst>
   </p:cSld>

--- a/sql answer.pptx
+++ b/sql answer.pptx
@@ -5,7 +5,7 @@
     <p:sldMasterId id="2147483648" r:id="rId1"/>
   </p:sldMasterIdLst>
   <p:notesMasterIdLst>
-    <p:notesMasterId r:id="rId39"/>
+    <p:notesMasterId r:id="rId49"/>
   </p:notesMasterIdLst>
   <p:sldIdLst>
     <p:sldId id="256" r:id="rId2"/>
@@ -45,6 +45,16 @@
     <p:sldId id="292" r:id="rId36"/>
     <p:sldId id="290" r:id="rId37"/>
     <p:sldId id="291" r:id="rId38"/>
+    <p:sldId id="293" r:id="rId39"/>
+    <p:sldId id="294" r:id="rId40"/>
+    <p:sldId id="295" r:id="rId41"/>
+    <p:sldId id="296" r:id="rId42"/>
+    <p:sldId id="297" r:id="rId43"/>
+    <p:sldId id="298" r:id="rId44"/>
+    <p:sldId id="299" r:id="rId45"/>
+    <p:sldId id="300" r:id="rId46"/>
+    <p:sldId id="301" r:id="rId47"/>
+    <p:sldId id="302" r:id="rId48"/>
   </p:sldIdLst>
   <p:sldSz cx="12192000" cy="6858000"/>
   <p:notesSz cx="6858000" cy="9144000"/>
@@ -233,7 +243,7 @@
           <a:p>
             <a:fld id="{54AEA450-3062-4AAA-926F-005294A4F50C}" type="datetimeFigureOut">
               <a:rPr lang="zh-TW" altLang="en-US" smtClean="0"/>
-              <a:t>2023/8/2</a:t>
+              <a:t>2023/8/10</a:t>
             </a:fld>
             <a:endParaRPr lang="zh-TW" altLang="en-US"/>
           </a:p>
@@ -688,7 +698,7 @@
           <a:p>
             <a:fld id="{A6C54CF7-6667-4CB7-8FEA-8B4DA9F0AC0C}" type="datetime1">
               <a:rPr lang="en-US" altLang="zh-TW" smtClean="0"/>
-              <a:t>8/2/2023</a:t>
+              <a:t>8/10/2023</a:t>
             </a:fld>
             <a:endParaRPr lang="en-US" dirty="0"/>
           </a:p>
@@ -1022,7 +1032,7 @@
           <a:p>
             <a:fld id="{FE5B22DC-6D1B-472D-BD9F-6B84DDEAB6B8}" type="datetime1">
               <a:rPr lang="en-US" altLang="zh-TW" smtClean="0"/>
-              <a:t>8/2/2023</a:t>
+              <a:t>8/10/2023</a:t>
             </a:fld>
             <a:endParaRPr lang="en-US" dirty="0"/>
           </a:p>
@@ -1419,7 +1429,7 @@
           <a:p>
             <a:fld id="{3FC3214E-7A41-44CA-BB02-BAB1A71F9802}" type="datetime1">
               <a:rPr lang="en-US" altLang="zh-TW" smtClean="0"/>
-              <a:t>8/2/2023</a:t>
+              <a:t>8/10/2023</a:t>
             </a:fld>
             <a:endParaRPr lang="en-US" dirty="0"/>
           </a:p>
@@ -1751,7 +1761,7 @@
           <a:p>
             <a:fld id="{88479D64-44E6-4599-AF52-72AA177CD66B}" type="datetime1">
               <a:rPr lang="en-US" altLang="zh-TW" smtClean="0"/>
-              <a:t>8/2/2023</a:t>
+              <a:t>8/10/2023</a:t>
             </a:fld>
             <a:endParaRPr lang="en-US" dirty="0"/>
           </a:p>
@@ -2067,7 +2077,7 @@
           <a:p>
             <a:fld id="{BC5341FE-9B92-4466-B7E3-A580E0801C16}" type="datetime1">
               <a:rPr lang="en-US" altLang="zh-TW" smtClean="0"/>
-              <a:t>8/2/2023</a:t>
+              <a:t>8/10/2023</a:t>
             </a:fld>
             <a:endParaRPr lang="en-US" dirty="0"/>
           </a:p>
@@ -2459,7 +2469,7 @@
           <a:p>
             <a:fld id="{0D284FD5-6194-4E8F-9756-89A3108F6C23}" type="datetime1">
               <a:rPr lang="en-US" altLang="zh-TW" smtClean="0"/>
-              <a:t>8/2/2023</a:t>
+              <a:t>8/10/2023</a:t>
             </a:fld>
             <a:endParaRPr lang="en-US" dirty="0"/>
           </a:p>
@@ -2712,7 +2722,7 @@
           <a:p>
             <a:fld id="{CBAC82C6-D93E-47E7-8693-33E42F689429}" type="datetime1">
               <a:rPr lang="en-US" altLang="zh-TW" smtClean="0"/>
-              <a:t>8/2/2023</a:t>
+              <a:t>8/10/2023</a:t>
             </a:fld>
             <a:endParaRPr lang="en-US" dirty="0"/>
           </a:p>
@@ -2970,7 +2980,7 @@
           <a:p>
             <a:fld id="{02319D0E-B076-43B7-9EF9-D6B7F26EF7E2}" type="datetime1">
               <a:rPr lang="en-US" altLang="zh-TW" smtClean="0"/>
-              <a:t>8/2/2023</a:t>
+              <a:t>8/10/2023</a:t>
             </a:fld>
             <a:endParaRPr lang="en-US" dirty="0"/>
           </a:p>
@@ -3228,7 +3238,7 @@
           <a:p>
             <a:fld id="{44708793-4B7B-4D17-9975-D4491719BE20}" type="datetime1">
               <a:rPr lang="en-US" altLang="zh-TW" smtClean="0"/>
-              <a:t>8/2/2023</a:t>
+              <a:t>8/10/2023</a:t>
             </a:fld>
             <a:endParaRPr lang="en-US" dirty="0"/>
           </a:p>
@@ -3553,7 +3563,7 @@
           <a:p>
             <a:fld id="{C8293FAC-1493-4884-862F-E2E3704498C6}" type="datetime1">
               <a:rPr lang="en-US" altLang="zh-TW" smtClean="0"/>
-              <a:t>8/2/2023</a:t>
+              <a:t>8/10/2023</a:t>
             </a:fld>
             <a:endParaRPr lang="en-US" dirty="0"/>
           </a:p>
@@ -3872,7 +3882,7 @@
           <a:p>
             <a:fld id="{9FF65A49-FC39-47D2-AD3E-83B3400966FA}" type="datetime1">
               <a:rPr lang="en-US" altLang="zh-TW" smtClean="0"/>
-              <a:t>8/2/2023</a:t>
+              <a:t>8/10/2023</a:t>
             </a:fld>
             <a:endParaRPr lang="en-US" dirty="0"/>
           </a:p>
@@ -4325,7 +4335,7 @@
           <a:p>
             <a:fld id="{DDE8F718-462A-480A-988A-43604F475233}" type="datetime1">
               <a:rPr lang="en-US" altLang="zh-TW" smtClean="0"/>
-              <a:t>8/2/2023</a:t>
+              <a:t>8/10/2023</a:t>
             </a:fld>
             <a:endParaRPr lang="en-US" dirty="0"/>
           </a:p>
@@ -4526,7 +4536,7 @@
           <a:p>
             <a:fld id="{778B05C5-8E7C-4599-8ED3-6260AC83F79E}" type="datetime1">
               <a:rPr lang="en-US" altLang="zh-TW" smtClean="0"/>
-              <a:t>8/2/2023</a:t>
+              <a:t>8/10/2023</a:t>
             </a:fld>
             <a:endParaRPr lang="en-US" dirty="0"/>
           </a:p>
@@ -4699,7 +4709,7 @@
           <a:p>
             <a:fld id="{B345B859-EFE9-45D0-969C-2B31176A0FB1}" type="datetime1">
               <a:rPr lang="en-US" altLang="zh-TW" smtClean="0"/>
-              <a:t>8/2/2023</a:t>
+              <a:t>8/10/2023</a:t>
             </a:fld>
             <a:endParaRPr lang="en-US" dirty="0"/>
           </a:p>
@@ -5028,7 +5038,7 @@
           <a:p>
             <a:fld id="{74F40FDB-72BA-4C65-8D45-6FB1F48CE299}" type="datetime1">
               <a:rPr lang="en-US" altLang="zh-TW" smtClean="0"/>
-              <a:t>8/2/2023</a:t>
+              <a:t>8/10/2023</a:t>
             </a:fld>
             <a:endParaRPr lang="en-US" dirty="0"/>
           </a:p>
@@ -5369,7 +5379,7 @@
           <a:p>
             <a:fld id="{A7A6B26D-7F72-4902-9D21-541244423039}" type="datetime1">
               <a:rPr lang="en-US" altLang="zh-TW" smtClean="0"/>
-              <a:t>8/2/2023</a:t>
+              <a:t>8/10/2023</a:t>
             </a:fld>
             <a:endParaRPr lang="en-US" dirty="0"/>
           </a:p>
@@ -7482,7 +7492,7 @@
           <a:p>
             <a:fld id="{877DD24C-FF9A-411C-96FD-F688C4DA8D6E}" type="datetime1">
               <a:rPr lang="en-US" altLang="zh-TW" smtClean="0"/>
-              <a:t>8/2/2023</a:t>
+              <a:t>8/10/2023</a:t>
             </a:fld>
             <a:endParaRPr lang="en-US" dirty="0"/>
           </a:p>
@@ -21613,6 +21623,1690 @@
 </p:sld>
 </file>
 
+<file path=ppt/slides/slide38.xml><?xml version="1.0" encoding="utf-8"?>
+<p:sld xmlns:a="http://schemas.openxmlformats.org/drawingml/2006/main" xmlns:r="http://schemas.openxmlformats.org/officeDocument/2006/relationships" xmlns:p="http://schemas.openxmlformats.org/presentationml/2006/main">
+  <p:cSld>
+    <p:spTree>
+      <p:nvGrpSpPr>
+        <p:cNvPr id="1" name=""/>
+        <p:cNvGrpSpPr/>
+        <p:nvPr/>
+      </p:nvGrpSpPr>
+      <p:grpSpPr>
+        <a:xfrm>
+          <a:off x="0" y="0"/>
+          <a:ext cx="0" cy="0"/>
+          <a:chOff x="0" y="0"/>
+          <a:chExt cx="0" cy="0"/>
+        </a:xfrm>
+      </p:grpSpPr>
+      <p:sp>
+        <p:nvSpPr>
+          <p:cNvPr id="2" name="標題 1">
+            <a:extLst>
+              <a:ext uri="{FF2B5EF4-FFF2-40B4-BE49-F238E27FC236}">
+                <a16:creationId xmlns:a16="http://schemas.microsoft.com/office/drawing/2014/main" id="{9754B65C-1642-6FE5-D941-96E5D377AABC}"/>
+              </a:ext>
+            </a:extLst>
+          </p:cNvPr>
+          <p:cNvSpPr>
+            <a:spLocks noGrp="1"/>
+          </p:cNvSpPr>
+          <p:nvPr>
+            <p:ph type="title"/>
+          </p:nvPr>
+        </p:nvSpPr>
+        <p:spPr>
+          <a:xfrm>
+            <a:off x="1687669" y="624110"/>
+            <a:ext cx="7321860" cy="1280890"/>
+          </a:xfrm>
+        </p:spPr>
+        <p:txBody>
+          <a:bodyPr>
+            <a:normAutofit/>
+          </a:bodyPr>
+          <a:lstStyle/>
+          <a:p>
+            <a:r>
+              <a:rPr lang="en-US" altLang="zh-TW" sz="3200" dirty="0"/>
+              <a:t>Calculations Q7</a:t>
+            </a:r>
+            <a:endParaRPr lang="zh-TW" altLang="en-US" sz="3200" dirty="0"/>
+          </a:p>
+        </p:txBody>
+      </p:sp>
+      <p:sp>
+        <p:nvSpPr>
+          <p:cNvPr id="4" name="投影片編號版面配置區 3">
+            <a:extLst>
+              <a:ext uri="{FF2B5EF4-FFF2-40B4-BE49-F238E27FC236}">
+                <a16:creationId xmlns:a16="http://schemas.microsoft.com/office/drawing/2014/main" id="{3F1EA6AD-3945-5A5F-70AE-CD8043429B6D}"/>
+              </a:ext>
+            </a:extLst>
+          </p:cNvPr>
+          <p:cNvSpPr>
+            <a:spLocks noGrp="1"/>
+          </p:cNvSpPr>
+          <p:nvPr>
+            <p:ph type="sldNum" sz="quarter" idx="12"/>
+          </p:nvPr>
+        </p:nvSpPr>
+        <p:spPr>
+          <a:xfrm>
+            <a:off x="531812" y="787782"/>
+            <a:ext cx="779767" cy="365125"/>
+          </a:xfrm>
+        </p:spPr>
+        <p:txBody>
+          <a:bodyPr>
+            <a:normAutofit/>
+          </a:bodyPr>
+          <a:lstStyle/>
+          <a:p>
+            <a:pPr>
+              <a:lnSpc>
+                <a:spcPct val="90000"/>
+              </a:lnSpc>
+              <a:spcAft>
+                <a:spcPts val="600"/>
+              </a:spcAft>
+            </a:pPr>
+            <a:fld id="{D57F1E4F-1CFF-5643-939E-217C01CDF565}" type="slidenum">
+              <a:rPr lang="en-US" sz="1900" smtClean="0"/>
+              <a:pPr>
+                <a:lnSpc>
+                  <a:spcPct val="90000"/>
+                </a:lnSpc>
+                <a:spcAft>
+                  <a:spcPts val="600"/>
+                </a:spcAft>
+              </a:pPr>
+              <a:t>38</a:t>
+            </a:fld>
+            <a:endParaRPr lang="en-US" sz="1900"/>
+          </a:p>
+        </p:txBody>
+      </p:sp>
+      <p:sp>
+        <p:nvSpPr>
+          <p:cNvPr id="5" name="內容版面配置區 4">
+            <a:extLst>
+              <a:ext uri="{FF2B5EF4-FFF2-40B4-BE49-F238E27FC236}">
+                <a16:creationId xmlns:a16="http://schemas.microsoft.com/office/drawing/2014/main" id="{F421F342-58B3-9F40-AA65-74741D994F73}"/>
+              </a:ext>
+            </a:extLst>
+          </p:cNvPr>
+          <p:cNvSpPr>
+            <a:spLocks noGrp="1"/>
+          </p:cNvSpPr>
+          <p:nvPr>
+            <p:ph idx="1"/>
+          </p:nvPr>
+        </p:nvSpPr>
+        <p:spPr/>
+        <p:txBody>
+          <a:bodyPr/>
+          <a:lstStyle/>
+          <a:p>
+            <a:endParaRPr lang="zh-TW" altLang="en-US"/>
+          </a:p>
+        </p:txBody>
+      </p:sp>
+      <p:pic>
+        <p:nvPicPr>
+          <p:cNvPr id="6" name="圖片 5">
+            <a:extLst>
+              <a:ext uri="{FF2B5EF4-FFF2-40B4-BE49-F238E27FC236}">
+                <a16:creationId xmlns:a16="http://schemas.microsoft.com/office/drawing/2014/main" id="{96554E91-DFDA-90DB-6430-D5F717F9D6D7}"/>
+              </a:ext>
+            </a:extLst>
+          </p:cNvPr>
+          <p:cNvPicPr>
+            <a:picLocks noChangeAspect="1"/>
+          </p:cNvPicPr>
+          <p:nvPr/>
+        </p:nvPicPr>
+        <p:blipFill>
+          <a:blip r:embed="rId2"/>
+          <a:stretch>
+            <a:fillRect/>
+          </a:stretch>
+        </p:blipFill>
+        <p:spPr>
+          <a:xfrm>
+            <a:off x="1687669" y="1646252"/>
+            <a:ext cx="7742591" cy="4587638"/>
+          </a:xfrm>
+          <a:prstGeom prst="rect">
+            <a:avLst/>
+          </a:prstGeom>
+        </p:spPr>
+      </p:pic>
+    </p:spTree>
+    <p:extLst>
+      <p:ext uri="{BB962C8B-B14F-4D97-AF65-F5344CB8AC3E}">
+        <p14:creationId xmlns:p14="http://schemas.microsoft.com/office/powerpoint/2010/main" val="167884475"/>
+      </p:ext>
+    </p:extLst>
+  </p:cSld>
+  <p:clrMapOvr>
+    <a:masterClrMapping/>
+  </p:clrMapOvr>
+</p:sld>
+</file>
+
+<file path=ppt/slides/slide39.xml><?xml version="1.0" encoding="utf-8"?>
+<p:sld xmlns:a="http://schemas.openxmlformats.org/drawingml/2006/main" xmlns:r="http://schemas.openxmlformats.org/officeDocument/2006/relationships" xmlns:p="http://schemas.openxmlformats.org/presentationml/2006/main">
+  <p:cSld>
+    <p:spTree>
+      <p:nvGrpSpPr>
+        <p:cNvPr id="1" name=""/>
+        <p:cNvGrpSpPr/>
+        <p:nvPr/>
+      </p:nvGrpSpPr>
+      <p:grpSpPr>
+        <a:xfrm>
+          <a:off x="0" y="0"/>
+          <a:ext cx="0" cy="0"/>
+          <a:chOff x="0" y="0"/>
+          <a:chExt cx="0" cy="0"/>
+        </a:xfrm>
+      </p:grpSpPr>
+      <p:sp>
+        <p:nvSpPr>
+          <p:cNvPr id="2" name="標題 1">
+            <a:extLst>
+              <a:ext uri="{FF2B5EF4-FFF2-40B4-BE49-F238E27FC236}">
+                <a16:creationId xmlns:a16="http://schemas.microsoft.com/office/drawing/2014/main" id="{9754B65C-1642-6FE5-D941-96E5D377AABC}"/>
+              </a:ext>
+            </a:extLst>
+          </p:cNvPr>
+          <p:cNvSpPr>
+            <a:spLocks noGrp="1"/>
+          </p:cNvSpPr>
+          <p:nvPr>
+            <p:ph type="title"/>
+          </p:nvPr>
+        </p:nvSpPr>
+        <p:spPr>
+          <a:xfrm>
+            <a:off x="1687669" y="624110"/>
+            <a:ext cx="4137059" cy="1280890"/>
+          </a:xfrm>
+        </p:spPr>
+        <p:txBody>
+          <a:bodyPr>
+            <a:normAutofit/>
+          </a:bodyPr>
+          <a:lstStyle/>
+          <a:p>
+            <a:r>
+              <a:rPr lang="en-US" altLang="zh-TW" sz="3200" dirty="0"/>
+              <a:t>Answer7.</a:t>
+            </a:r>
+            <a:endParaRPr lang="zh-TW" altLang="en-US" sz="3200" dirty="0"/>
+          </a:p>
+        </p:txBody>
+      </p:sp>
+      <p:sp>
+        <p:nvSpPr>
+          <p:cNvPr id="4" name="投影片編號版面配置區 3">
+            <a:extLst>
+              <a:ext uri="{FF2B5EF4-FFF2-40B4-BE49-F238E27FC236}">
+                <a16:creationId xmlns:a16="http://schemas.microsoft.com/office/drawing/2014/main" id="{3F1EA6AD-3945-5A5F-70AE-CD8043429B6D}"/>
+              </a:ext>
+            </a:extLst>
+          </p:cNvPr>
+          <p:cNvSpPr>
+            <a:spLocks noGrp="1"/>
+          </p:cNvSpPr>
+          <p:nvPr>
+            <p:ph type="sldNum" sz="quarter" idx="12"/>
+          </p:nvPr>
+        </p:nvSpPr>
+        <p:spPr>
+          <a:xfrm>
+            <a:off x="531812" y="787782"/>
+            <a:ext cx="779767" cy="365125"/>
+          </a:xfrm>
+        </p:spPr>
+        <p:txBody>
+          <a:bodyPr>
+            <a:normAutofit/>
+          </a:bodyPr>
+          <a:lstStyle/>
+          <a:p>
+            <a:pPr>
+              <a:lnSpc>
+                <a:spcPct val="90000"/>
+              </a:lnSpc>
+              <a:spcAft>
+                <a:spcPts val="600"/>
+              </a:spcAft>
+            </a:pPr>
+            <a:fld id="{D57F1E4F-1CFF-5643-939E-217C01CDF565}" type="slidenum">
+              <a:rPr lang="en-US" sz="1900" smtClean="0"/>
+              <a:pPr>
+                <a:lnSpc>
+                  <a:spcPct val="90000"/>
+                </a:lnSpc>
+                <a:spcAft>
+                  <a:spcPts val="600"/>
+                </a:spcAft>
+              </a:pPr>
+              <a:t>39</a:t>
+            </a:fld>
+            <a:endParaRPr lang="en-US" sz="1900"/>
+          </a:p>
+        </p:txBody>
+      </p:sp>
+      <p:sp>
+        <p:nvSpPr>
+          <p:cNvPr id="3" name="內容版面配置區 2">
+            <a:extLst>
+              <a:ext uri="{FF2B5EF4-FFF2-40B4-BE49-F238E27FC236}">
+                <a16:creationId xmlns:a16="http://schemas.microsoft.com/office/drawing/2014/main" id="{8A26720F-616D-E164-DA93-3A4EBED4F0AD}"/>
+              </a:ext>
+            </a:extLst>
+          </p:cNvPr>
+          <p:cNvSpPr>
+            <a:spLocks noGrp="1"/>
+          </p:cNvSpPr>
+          <p:nvPr>
+            <p:ph idx="1"/>
+          </p:nvPr>
+        </p:nvSpPr>
+        <p:spPr>
+          <a:xfrm>
+            <a:off x="1479176" y="1461247"/>
+            <a:ext cx="7324165" cy="3935506"/>
+          </a:xfrm>
+        </p:spPr>
+        <p:txBody>
+          <a:bodyPr>
+            <a:normAutofit/>
+          </a:bodyPr>
+          <a:lstStyle/>
+          <a:p>
+            <a:r>
+              <a:rPr lang="en-US" altLang="zh-TW" sz="1800" dirty="0">
+                <a:solidFill>
+                  <a:srgbClr val="0000FF"/>
+                </a:solidFill>
+                <a:latin typeface="細明體" panose="02020509000000000000" pitchFamily="49" charset="-120"/>
+                <a:ea typeface="細明體" panose="02020509000000000000" pitchFamily="49" charset="-120"/>
+              </a:rPr>
+              <a:t>SELECT</a:t>
+            </a:r>
+            <a:r>
+              <a:rPr lang="en-US" altLang="zh-TW" sz="1800" dirty="0">
+                <a:solidFill>
+                  <a:srgbClr val="000000"/>
+                </a:solidFill>
+                <a:latin typeface="細明體" panose="02020509000000000000" pitchFamily="49" charset="-120"/>
+                <a:ea typeface="細明體" panose="02020509000000000000" pitchFamily="49" charset="-120"/>
+              </a:rPr>
+              <a:t>   e</a:t>
+            </a:r>
+            <a:r>
+              <a:rPr lang="en-US" altLang="zh-TW" sz="1800" dirty="0">
+                <a:solidFill>
+                  <a:srgbClr val="808080"/>
+                </a:solidFill>
+                <a:latin typeface="細明體" panose="02020509000000000000" pitchFamily="49" charset="-120"/>
+                <a:ea typeface="細明體" panose="02020509000000000000" pitchFamily="49" charset="-120"/>
+              </a:rPr>
+              <a:t>.</a:t>
+            </a:r>
+            <a:r>
+              <a:rPr lang="en-US" altLang="zh-TW" sz="1800" dirty="0">
+                <a:solidFill>
+                  <a:srgbClr val="000000"/>
+                </a:solidFill>
+                <a:latin typeface="細明體" panose="02020509000000000000" pitchFamily="49" charset="-120"/>
+                <a:ea typeface="細明體" panose="02020509000000000000" pitchFamily="49" charset="-120"/>
+              </a:rPr>
+              <a:t>[</a:t>
+            </a:r>
+            <a:r>
+              <a:rPr lang="en-US" altLang="zh-TW" sz="1800" dirty="0" err="1">
+                <a:solidFill>
+                  <a:srgbClr val="000000"/>
+                </a:solidFill>
+                <a:latin typeface="細明體" panose="02020509000000000000" pitchFamily="49" charset="-120"/>
+                <a:ea typeface="細明體" panose="02020509000000000000" pitchFamily="49" charset="-120"/>
+              </a:rPr>
+              <a:t>EventName</a:t>
+            </a:r>
+            <a:r>
+              <a:rPr lang="en-US" altLang="zh-TW" sz="1800" dirty="0">
+                <a:solidFill>
+                  <a:srgbClr val="000000"/>
+                </a:solidFill>
+                <a:latin typeface="細明體" panose="02020509000000000000" pitchFamily="49" charset="-120"/>
+                <a:ea typeface="細明體" panose="02020509000000000000" pitchFamily="49" charset="-120"/>
+              </a:rPr>
+              <a:t>]</a:t>
+            </a:r>
+            <a:r>
+              <a:rPr lang="en-US" altLang="zh-TW" sz="1800" dirty="0">
+                <a:solidFill>
+                  <a:srgbClr val="808080"/>
+                </a:solidFill>
+                <a:latin typeface="細明體" panose="02020509000000000000" pitchFamily="49" charset="-120"/>
+                <a:ea typeface="細明體" panose="02020509000000000000" pitchFamily="49" charset="-120"/>
+              </a:rPr>
+              <a:t>,</a:t>
+            </a:r>
+            <a:r>
+              <a:rPr lang="en-US" altLang="zh-TW" sz="1800" dirty="0">
+                <a:solidFill>
+                  <a:srgbClr val="000000"/>
+                </a:solidFill>
+                <a:latin typeface="細明體" panose="02020509000000000000" pitchFamily="49" charset="-120"/>
+                <a:ea typeface="細明體" panose="02020509000000000000" pitchFamily="49" charset="-120"/>
+              </a:rPr>
+              <a:t> e</a:t>
+            </a:r>
+            <a:r>
+              <a:rPr lang="en-US" altLang="zh-TW" sz="1800" dirty="0">
+                <a:solidFill>
+                  <a:srgbClr val="808080"/>
+                </a:solidFill>
+                <a:latin typeface="細明體" panose="02020509000000000000" pitchFamily="49" charset="-120"/>
+                <a:ea typeface="細明體" panose="02020509000000000000" pitchFamily="49" charset="-120"/>
+              </a:rPr>
+              <a:t>.</a:t>
+            </a:r>
+            <a:r>
+              <a:rPr lang="en-US" altLang="zh-TW" sz="1800" dirty="0">
+                <a:solidFill>
+                  <a:srgbClr val="000000"/>
+                </a:solidFill>
+                <a:latin typeface="細明體" panose="02020509000000000000" pitchFamily="49" charset="-120"/>
+                <a:ea typeface="細明體" panose="02020509000000000000" pitchFamily="49" charset="-120"/>
+              </a:rPr>
+              <a:t>[</a:t>
+            </a:r>
+            <a:r>
+              <a:rPr lang="en-US" altLang="zh-TW" sz="1800" dirty="0" err="1">
+                <a:solidFill>
+                  <a:srgbClr val="000000"/>
+                </a:solidFill>
+                <a:latin typeface="細明體" panose="02020509000000000000" pitchFamily="49" charset="-120"/>
+                <a:ea typeface="細明體" panose="02020509000000000000" pitchFamily="49" charset="-120"/>
+              </a:rPr>
+              <a:t>EventDate</a:t>
+            </a:r>
+            <a:r>
+              <a:rPr lang="en-US" altLang="zh-TW" sz="1800" dirty="0">
+                <a:solidFill>
+                  <a:srgbClr val="000000"/>
+                </a:solidFill>
+                <a:latin typeface="細明體" panose="02020509000000000000" pitchFamily="49" charset="-120"/>
+                <a:ea typeface="細明體" panose="02020509000000000000" pitchFamily="49" charset="-120"/>
+              </a:rPr>
+              <a:t>]</a:t>
+            </a:r>
+            <a:r>
+              <a:rPr lang="en-US" altLang="zh-TW" sz="1800" dirty="0">
+                <a:solidFill>
+                  <a:srgbClr val="808080"/>
+                </a:solidFill>
+                <a:latin typeface="細明體" panose="02020509000000000000" pitchFamily="49" charset="-120"/>
+                <a:ea typeface="細明體" panose="02020509000000000000" pitchFamily="49" charset="-120"/>
+              </a:rPr>
+              <a:t>,</a:t>
+            </a:r>
+            <a:endParaRPr lang="en-US" altLang="zh-TW" sz="1800" dirty="0">
+              <a:solidFill>
+                <a:srgbClr val="000000"/>
+              </a:solidFill>
+              <a:latin typeface="細明體" panose="02020509000000000000" pitchFamily="49" charset="-120"/>
+              <a:ea typeface="細明體" panose="02020509000000000000" pitchFamily="49" charset="-120"/>
+            </a:endParaRPr>
+          </a:p>
+          <a:p>
+            <a:r>
+              <a:rPr lang="en-US" altLang="zh-TW" sz="1800" dirty="0">
+                <a:solidFill>
+                  <a:srgbClr val="000000"/>
+                </a:solidFill>
+                <a:latin typeface="細明體" panose="02020509000000000000" pitchFamily="49" charset="-120"/>
+                <a:ea typeface="細明體" panose="02020509000000000000" pitchFamily="49" charset="-120"/>
+              </a:rPr>
+              <a:t> </a:t>
+            </a:r>
+            <a:r>
+              <a:rPr lang="en-US" altLang="zh-TW" sz="1800" dirty="0">
+                <a:solidFill>
+                  <a:srgbClr val="FF00FF"/>
+                </a:solidFill>
+                <a:latin typeface="細明體" panose="02020509000000000000" pitchFamily="49" charset="-120"/>
+                <a:ea typeface="細明體" panose="02020509000000000000" pitchFamily="49" charset="-120"/>
+              </a:rPr>
+              <a:t>CHARINDEX</a:t>
+            </a:r>
+            <a:r>
+              <a:rPr lang="en-US" altLang="zh-TW" sz="1800" dirty="0">
+                <a:solidFill>
+                  <a:srgbClr val="808080"/>
+                </a:solidFill>
+                <a:latin typeface="細明體" panose="02020509000000000000" pitchFamily="49" charset="-120"/>
+                <a:ea typeface="細明體" panose="02020509000000000000" pitchFamily="49" charset="-120"/>
+              </a:rPr>
+              <a:t>(</a:t>
+            </a:r>
+            <a:r>
+              <a:rPr lang="en-US" altLang="zh-TW" sz="1800" dirty="0">
+                <a:solidFill>
+                  <a:srgbClr val="FF0000"/>
+                </a:solidFill>
+                <a:latin typeface="細明體" panose="02020509000000000000" pitchFamily="49" charset="-120"/>
+                <a:ea typeface="細明體" panose="02020509000000000000" pitchFamily="49" charset="-120"/>
+              </a:rPr>
+              <a:t>'this'</a:t>
+            </a:r>
+            <a:r>
+              <a:rPr lang="en-US" altLang="zh-TW" sz="1800" dirty="0">
+                <a:solidFill>
+                  <a:srgbClr val="808080"/>
+                </a:solidFill>
+                <a:latin typeface="細明體" panose="02020509000000000000" pitchFamily="49" charset="-120"/>
+                <a:ea typeface="細明體" panose="02020509000000000000" pitchFamily="49" charset="-120"/>
+              </a:rPr>
+              <a:t>,</a:t>
+            </a:r>
+            <a:r>
+              <a:rPr lang="en-US" altLang="zh-TW" sz="1800" dirty="0" err="1">
+                <a:solidFill>
+                  <a:srgbClr val="000000"/>
+                </a:solidFill>
+                <a:latin typeface="細明體" panose="02020509000000000000" pitchFamily="49" charset="-120"/>
+                <a:ea typeface="細明體" panose="02020509000000000000" pitchFamily="49" charset="-120"/>
+              </a:rPr>
+              <a:t>e</a:t>
+            </a:r>
+            <a:r>
+              <a:rPr lang="en-US" altLang="zh-TW" sz="1800" dirty="0" err="1">
+                <a:solidFill>
+                  <a:srgbClr val="808080"/>
+                </a:solidFill>
+                <a:latin typeface="細明體" panose="02020509000000000000" pitchFamily="49" charset="-120"/>
+                <a:ea typeface="細明體" panose="02020509000000000000" pitchFamily="49" charset="-120"/>
+              </a:rPr>
+              <a:t>.</a:t>
+            </a:r>
+            <a:r>
+              <a:rPr lang="en-US" altLang="zh-TW" sz="1800" dirty="0" err="1">
+                <a:solidFill>
+                  <a:srgbClr val="000000"/>
+                </a:solidFill>
+                <a:latin typeface="細明體" panose="02020509000000000000" pitchFamily="49" charset="-120"/>
+                <a:ea typeface="細明體" panose="02020509000000000000" pitchFamily="49" charset="-120"/>
+              </a:rPr>
+              <a:t>EventDetails</a:t>
+            </a:r>
+            <a:r>
+              <a:rPr lang="en-US" altLang="zh-TW" sz="1800" dirty="0">
+                <a:solidFill>
+                  <a:srgbClr val="808080"/>
+                </a:solidFill>
+                <a:latin typeface="細明體" panose="02020509000000000000" pitchFamily="49" charset="-120"/>
+                <a:ea typeface="細明體" panose="02020509000000000000" pitchFamily="49" charset="-120"/>
+              </a:rPr>
+              <a:t>)</a:t>
+            </a:r>
+            <a:r>
+              <a:rPr lang="en-US" altLang="zh-TW" sz="1800" dirty="0">
+                <a:solidFill>
+                  <a:srgbClr val="000000"/>
+                </a:solidFill>
+                <a:latin typeface="細明體" panose="02020509000000000000" pitchFamily="49" charset="-120"/>
+                <a:ea typeface="細明體" panose="02020509000000000000" pitchFamily="49" charset="-120"/>
+              </a:rPr>
+              <a:t> </a:t>
+            </a:r>
+            <a:r>
+              <a:rPr lang="en-US" altLang="zh-TW" sz="1800" dirty="0">
+                <a:solidFill>
+                  <a:srgbClr val="0000FF"/>
+                </a:solidFill>
+                <a:latin typeface="細明體" panose="02020509000000000000" pitchFamily="49" charset="-120"/>
+                <a:ea typeface="細明體" panose="02020509000000000000" pitchFamily="49" charset="-120"/>
+              </a:rPr>
+              <a:t>as</a:t>
+            </a:r>
+            <a:r>
+              <a:rPr lang="en-US" altLang="zh-TW" sz="1800" dirty="0">
+                <a:solidFill>
+                  <a:srgbClr val="000000"/>
+                </a:solidFill>
+                <a:latin typeface="細明體" panose="02020509000000000000" pitchFamily="49" charset="-120"/>
+                <a:ea typeface="細明體" panose="02020509000000000000" pitchFamily="49" charset="-120"/>
+              </a:rPr>
+              <a:t> </a:t>
+            </a:r>
+            <a:r>
+              <a:rPr lang="en-US" altLang="zh-TW" sz="1800" dirty="0">
+                <a:solidFill>
+                  <a:srgbClr val="FF0000"/>
+                </a:solidFill>
+                <a:latin typeface="細明體" panose="02020509000000000000" pitchFamily="49" charset="-120"/>
+                <a:ea typeface="細明體" panose="02020509000000000000" pitchFamily="49" charset="-120"/>
+              </a:rPr>
+              <a:t>'</a:t>
+            </a:r>
+            <a:r>
+              <a:rPr lang="en-US" altLang="zh-TW" sz="1800" dirty="0" err="1">
+                <a:solidFill>
+                  <a:srgbClr val="FF0000"/>
+                </a:solidFill>
+                <a:latin typeface="細明體" panose="02020509000000000000" pitchFamily="49" charset="-120"/>
+                <a:ea typeface="細明體" panose="02020509000000000000" pitchFamily="49" charset="-120"/>
+              </a:rPr>
+              <a:t>thisPosition</a:t>
+            </a:r>
+            <a:r>
+              <a:rPr lang="en-US" altLang="zh-TW" sz="1800" dirty="0">
+                <a:solidFill>
+                  <a:srgbClr val="FF0000"/>
+                </a:solidFill>
+                <a:latin typeface="細明體" panose="02020509000000000000" pitchFamily="49" charset="-120"/>
+                <a:ea typeface="細明體" panose="02020509000000000000" pitchFamily="49" charset="-120"/>
+              </a:rPr>
+              <a:t>'</a:t>
+            </a:r>
+            <a:r>
+              <a:rPr lang="en-US" altLang="zh-TW" sz="1800" dirty="0">
+                <a:solidFill>
+                  <a:srgbClr val="808080"/>
+                </a:solidFill>
+                <a:latin typeface="細明體" panose="02020509000000000000" pitchFamily="49" charset="-120"/>
+                <a:ea typeface="細明體" panose="02020509000000000000" pitchFamily="49" charset="-120"/>
+              </a:rPr>
+              <a:t>,</a:t>
+            </a:r>
+            <a:endParaRPr lang="en-US" altLang="zh-TW" sz="1800" dirty="0">
+              <a:solidFill>
+                <a:srgbClr val="000000"/>
+              </a:solidFill>
+              <a:latin typeface="細明體" panose="02020509000000000000" pitchFamily="49" charset="-120"/>
+              <a:ea typeface="細明體" panose="02020509000000000000" pitchFamily="49" charset="-120"/>
+            </a:endParaRPr>
+          </a:p>
+          <a:p>
+            <a:r>
+              <a:rPr lang="en-US" altLang="zh-TW" sz="1800" dirty="0">
+                <a:solidFill>
+                  <a:srgbClr val="000000"/>
+                </a:solidFill>
+                <a:latin typeface="細明體" panose="02020509000000000000" pitchFamily="49" charset="-120"/>
+                <a:ea typeface="細明體" panose="02020509000000000000" pitchFamily="49" charset="-120"/>
+              </a:rPr>
+              <a:t> </a:t>
+            </a:r>
+            <a:r>
+              <a:rPr lang="en-US" altLang="zh-TW" sz="1800" dirty="0">
+                <a:solidFill>
+                  <a:srgbClr val="FF00FF"/>
+                </a:solidFill>
+                <a:latin typeface="細明體" panose="02020509000000000000" pitchFamily="49" charset="-120"/>
+                <a:ea typeface="細明體" panose="02020509000000000000" pitchFamily="49" charset="-120"/>
+              </a:rPr>
+              <a:t>CHARINDEX</a:t>
+            </a:r>
+            <a:r>
+              <a:rPr lang="en-US" altLang="zh-TW" sz="1800" dirty="0">
+                <a:solidFill>
+                  <a:srgbClr val="808080"/>
+                </a:solidFill>
+                <a:latin typeface="細明體" panose="02020509000000000000" pitchFamily="49" charset="-120"/>
+                <a:ea typeface="細明體" panose="02020509000000000000" pitchFamily="49" charset="-120"/>
+              </a:rPr>
+              <a:t>(</a:t>
+            </a:r>
+            <a:r>
+              <a:rPr lang="en-US" altLang="zh-TW" sz="1800" dirty="0">
+                <a:solidFill>
+                  <a:srgbClr val="FF0000"/>
+                </a:solidFill>
+                <a:latin typeface="細明體" panose="02020509000000000000" pitchFamily="49" charset="-120"/>
+                <a:ea typeface="細明體" panose="02020509000000000000" pitchFamily="49" charset="-120"/>
+              </a:rPr>
+              <a:t>'that'</a:t>
+            </a:r>
+            <a:r>
+              <a:rPr lang="en-US" altLang="zh-TW" sz="1800" dirty="0">
+                <a:solidFill>
+                  <a:srgbClr val="808080"/>
+                </a:solidFill>
+                <a:latin typeface="細明體" panose="02020509000000000000" pitchFamily="49" charset="-120"/>
+                <a:ea typeface="細明體" panose="02020509000000000000" pitchFamily="49" charset="-120"/>
+              </a:rPr>
+              <a:t>,</a:t>
+            </a:r>
+            <a:r>
+              <a:rPr lang="en-US" altLang="zh-TW" sz="1800" dirty="0" err="1">
+                <a:solidFill>
+                  <a:srgbClr val="000000"/>
+                </a:solidFill>
+                <a:latin typeface="細明體" panose="02020509000000000000" pitchFamily="49" charset="-120"/>
+                <a:ea typeface="細明體" panose="02020509000000000000" pitchFamily="49" charset="-120"/>
+              </a:rPr>
+              <a:t>e</a:t>
+            </a:r>
+            <a:r>
+              <a:rPr lang="en-US" altLang="zh-TW" sz="1800" dirty="0" err="1">
+                <a:solidFill>
+                  <a:srgbClr val="808080"/>
+                </a:solidFill>
+                <a:latin typeface="細明體" panose="02020509000000000000" pitchFamily="49" charset="-120"/>
+                <a:ea typeface="細明體" panose="02020509000000000000" pitchFamily="49" charset="-120"/>
+              </a:rPr>
+              <a:t>.</a:t>
+            </a:r>
+            <a:r>
+              <a:rPr lang="en-US" altLang="zh-TW" sz="1800" dirty="0" err="1">
+                <a:solidFill>
+                  <a:srgbClr val="000000"/>
+                </a:solidFill>
+                <a:latin typeface="細明體" panose="02020509000000000000" pitchFamily="49" charset="-120"/>
+                <a:ea typeface="細明體" panose="02020509000000000000" pitchFamily="49" charset="-120"/>
+              </a:rPr>
+              <a:t>EventDetails</a:t>
+            </a:r>
+            <a:r>
+              <a:rPr lang="en-US" altLang="zh-TW" sz="1800" dirty="0">
+                <a:solidFill>
+                  <a:srgbClr val="808080"/>
+                </a:solidFill>
+                <a:latin typeface="細明體" panose="02020509000000000000" pitchFamily="49" charset="-120"/>
+                <a:ea typeface="細明體" panose="02020509000000000000" pitchFamily="49" charset="-120"/>
+              </a:rPr>
+              <a:t>)</a:t>
+            </a:r>
+            <a:r>
+              <a:rPr lang="en-US" altLang="zh-TW" sz="1800" dirty="0">
+                <a:solidFill>
+                  <a:srgbClr val="000000"/>
+                </a:solidFill>
+                <a:latin typeface="細明體" panose="02020509000000000000" pitchFamily="49" charset="-120"/>
+                <a:ea typeface="細明體" panose="02020509000000000000" pitchFamily="49" charset="-120"/>
+              </a:rPr>
+              <a:t> </a:t>
+            </a:r>
+            <a:r>
+              <a:rPr lang="en-US" altLang="zh-TW" sz="1800" dirty="0">
+                <a:solidFill>
+                  <a:srgbClr val="0000FF"/>
+                </a:solidFill>
+                <a:latin typeface="細明體" panose="02020509000000000000" pitchFamily="49" charset="-120"/>
+                <a:ea typeface="細明體" panose="02020509000000000000" pitchFamily="49" charset="-120"/>
+              </a:rPr>
+              <a:t>as</a:t>
+            </a:r>
+            <a:r>
+              <a:rPr lang="en-US" altLang="zh-TW" sz="1800" dirty="0">
+                <a:solidFill>
+                  <a:srgbClr val="000000"/>
+                </a:solidFill>
+                <a:latin typeface="細明體" panose="02020509000000000000" pitchFamily="49" charset="-120"/>
+                <a:ea typeface="細明體" panose="02020509000000000000" pitchFamily="49" charset="-120"/>
+              </a:rPr>
+              <a:t> </a:t>
+            </a:r>
+            <a:r>
+              <a:rPr lang="en-US" altLang="zh-TW" sz="1800" dirty="0">
+                <a:solidFill>
+                  <a:srgbClr val="FF0000"/>
+                </a:solidFill>
+                <a:latin typeface="細明體" panose="02020509000000000000" pitchFamily="49" charset="-120"/>
+                <a:ea typeface="細明體" panose="02020509000000000000" pitchFamily="49" charset="-120"/>
+              </a:rPr>
+              <a:t>'</a:t>
+            </a:r>
+            <a:r>
+              <a:rPr lang="en-US" altLang="zh-TW" sz="1800" dirty="0" err="1">
+                <a:solidFill>
+                  <a:srgbClr val="FF0000"/>
+                </a:solidFill>
+                <a:latin typeface="細明體" panose="02020509000000000000" pitchFamily="49" charset="-120"/>
+                <a:ea typeface="細明體" panose="02020509000000000000" pitchFamily="49" charset="-120"/>
+              </a:rPr>
+              <a:t>thatPosition</a:t>
+            </a:r>
+            <a:r>
+              <a:rPr lang="en-US" altLang="zh-TW" sz="1800" dirty="0">
+                <a:solidFill>
+                  <a:srgbClr val="FF0000"/>
+                </a:solidFill>
+                <a:latin typeface="細明體" panose="02020509000000000000" pitchFamily="49" charset="-120"/>
+                <a:ea typeface="細明體" panose="02020509000000000000" pitchFamily="49" charset="-120"/>
+              </a:rPr>
+              <a:t>'</a:t>
+            </a:r>
+            <a:r>
+              <a:rPr lang="en-US" altLang="zh-TW" sz="1800" dirty="0">
+                <a:solidFill>
+                  <a:srgbClr val="808080"/>
+                </a:solidFill>
+                <a:latin typeface="細明體" panose="02020509000000000000" pitchFamily="49" charset="-120"/>
+                <a:ea typeface="細明體" panose="02020509000000000000" pitchFamily="49" charset="-120"/>
+              </a:rPr>
+              <a:t>,</a:t>
+            </a:r>
+            <a:endParaRPr lang="en-US" altLang="zh-TW" sz="1800" dirty="0">
+              <a:solidFill>
+                <a:srgbClr val="000000"/>
+              </a:solidFill>
+              <a:latin typeface="細明體" panose="02020509000000000000" pitchFamily="49" charset="-120"/>
+              <a:ea typeface="細明體" panose="02020509000000000000" pitchFamily="49" charset="-120"/>
+            </a:endParaRPr>
+          </a:p>
+          <a:p>
+            <a:r>
+              <a:rPr lang="en-US" altLang="zh-TW" sz="1800" dirty="0">
+                <a:solidFill>
+                  <a:srgbClr val="000000"/>
+                </a:solidFill>
+                <a:latin typeface="細明體" panose="02020509000000000000" pitchFamily="49" charset="-120"/>
+                <a:ea typeface="細明體" panose="02020509000000000000" pitchFamily="49" charset="-120"/>
+              </a:rPr>
+              <a:t> </a:t>
+            </a:r>
+            <a:r>
+              <a:rPr lang="en-US" altLang="zh-TW" sz="1800" dirty="0">
+                <a:solidFill>
+                  <a:srgbClr val="FF00FF"/>
+                </a:solidFill>
+                <a:latin typeface="細明體" panose="02020509000000000000" pitchFamily="49" charset="-120"/>
+                <a:ea typeface="細明體" panose="02020509000000000000" pitchFamily="49" charset="-120"/>
+              </a:rPr>
+              <a:t>CHARINDEX</a:t>
+            </a:r>
+            <a:r>
+              <a:rPr lang="en-US" altLang="zh-TW" sz="1800" dirty="0">
+                <a:solidFill>
+                  <a:srgbClr val="808080"/>
+                </a:solidFill>
+                <a:latin typeface="細明體" panose="02020509000000000000" pitchFamily="49" charset="-120"/>
+                <a:ea typeface="細明體" panose="02020509000000000000" pitchFamily="49" charset="-120"/>
+              </a:rPr>
+              <a:t>(</a:t>
+            </a:r>
+            <a:r>
+              <a:rPr lang="en-US" altLang="zh-TW" sz="1800" dirty="0">
+                <a:solidFill>
+                  <a:srgbClr val="FF0000"/>
+                </a:solidFill>
+                <a:latin typeface="細明體" panose="02020509000000000000" pitchFamily="49" charset="-120"/>
+                <a:ea typeface="細明體" panose="02020509000000000000" pitchFamily="49" charset="-120"/>
+              </a:rPr>
+              <a:t>'that'</a:t>
+            </a:r>
+            <a:r>
+              <a:rPr lang="en-US" altLang="zh-TW" sz="1800" dirty="0">
+                <a:solidFill>
+                  <a:srgbClr val="808080"/>
+                </a:solidFill>
+                <a:latin typeface="細明體" panose="02020509000000000000" pitchFamily="49" charset="-120"/>
+                <a:ea typeface="細明體" panose="02020509000000000000" pitchFamily="49" charset="-120"/>
+              </a:rPr>
+              <a:t>,</a:t>
+            </a:r>
+            <a:r>
+              <a:rPr lang="en-US" altLang="zh-TW" sz="1800" dirty="0" err="1">
+                <a:solidFill>
+                  <a:srgbClr val="000000"/>
+                </a:solidFill>
+                <a:latin typeface="細明體" panose="02020509000000000000" pitchFamily="49" charset="-120"/>
+                <a:ea typeface="細明體" panose="02020509000000000000" pitchFamily="49" charset="-120"/>
+              </a:rPr>
+              <a:t>e</a:t>
+            </a:r>
+            <a:r>
+              <a:rPr lang="en-US" altLang="zh-TW" sz="1800" dirty="0" err="1">
+                <a:solidFill>
+                  <a:srgbClr val="808080"/>
+                </a:solidFill>
+                <a:latin typeface="細明體" panose="02020509000000000000" pitchFamily="49" charset="-120"/>
+                <a:ea typeface="細明體" panose="02020509000000000000" pitchFamily="49" charset="-120"/>
+              </a:rPr>
+              <a:t>.</a:t>
+            </a:r>
+            <a:r>
+              <a:rPr lang="en-US" altLang="zh-TW" sz="1800" dirty="0" err="1">
+                <a:solidFill>
+                  <a:srgbClr val="000000"/>
+                </a:solidFill>
+                <a:latin typeface="細明體" panose="02020509000000000000" pitchFamily="49" charset="-120"/>
+                <a:ea typeface="細明體" panose="02020509000000000000" pitchFamily="49" charset="-120"/>
+              </a:rPr>
+              <a:t>EventDetails</a:t>
+            </a:r>
+            <a:r>
+              <a:rPr lang="en-US" altLang="zh-TW" sz="1800" dirty="0">
+                <a:solidFill>
+                  <a:srgbClr val="808080"/>
+                </a:solidFill>
+                <a:latin typeface="細明體" panose="02020509000000000000" pitchFamily="49" charset="-120"/>
+                <a:ea typeface="細明體" panose="02020509000000000000" pitchFamily="49" charset="-120"/>
+              </a:rPr>
+              <a:t>)-  </a:t>
+            </a:r>
+            <a:r>
+              <a:rPr lang="en-US" altLang="zh-TW" sz="1800" dirty="0">
+                <a:solidFill>
+                  <a:srgbClr val="FF00FF"/>
+                </a:solidFill>
+                <a:latin typeface="細明體" panose="02020509000000000000" pitchFamily="49" charset="-120"/>
+                <a:ea typeface="細明體" panose="02020509000000000000" pitchFamily="49" charset="-120"/>
+              </a:rPr>
+              <a:t>CHARINDEX</a:t>
+            </a:r>
+            <a:r>
+              <a:rPr lang="en-US" altLang="zh-TW" sz="1800" dirty="0">
+                <a:solidFill>
+                  <a:srgbClr val="808080"/>
+                </a:solidFill>
+                <a:latin typeface="細明體" panose="02020509000000000000" pitchFamily="49" charset="-120"/>
+                <a:ea typeface="細明體" panose="02020509000000000000" pitchFamily="49" charset="-120"/>
+              </a:rPr>
+              <a:t>(</a:t>
+            </a:r>
+            <a:r>
+              <a:rPr lang="en-US" altLang="zh-TW" sz="1800" dirty="0">
+                <a:solidFill>
+                  <a:srgbClr val="FF0000"/>
+                </a:solidFill>
+                <a:latin typeface="細明體" panose="02020509000000000000" pitchFamily="49" charset="-120"/>
+                <a:ea typeface="細明體" panose="02020509000000000000" pitchFamily="49" charset="-120"/>
+              </a:rPr>
+              <a:t>'this'</a:t>
+            </a:r>
+            <a:r>
+              <a:rPr lang="en-US" altLang="zh-TW" sz="1800" dirty="0">
+                <a:solidFill>
+                  <a:srgbClr val="808080"/>
+                </a:solidFill>
+                <a:latin typeface="細明體" panose="02020509000000000000" pitchFamily="49" charset="-120"/>
+                <a:ea typeface="細明體" panose="02020509000000000000" pitchFamily="49" charset="-120"/>
+              </a:rPr>
+              <a:t>,</a:t>
+            </a:r>
+            <a:r>
+              <a:rPr lang="en-US" altLang="zh-TW" sz="1800" dirty="0" err="1">
+                <a:solidFill>
+                  <a:srgbClr val="000000"/>
+                </a:solidFill>
+                <a:latin typeface="細明體" panose="02020509000000000000" pitchFamily="49" charset="-120"/>
+                <a:ea typeface="細明體" panose="02020509000000000000" pitchFamily="49" charset="-120"/>
+              </a:rPr>
+              <a:t>e</a:t>
+            </a:r>
+            <a:r>
+              <a:rPr lang="en-US" altLang="zh-TW" sz="1800" dirty="0" err="1">
+                <a:solidFill>
+                  <a:srgbClr val="808080"/>
+                </a:solidFill>
+                <a:latin typeface="細明體" panose="02020509000000000000" pitchFamily="49" charset="-120"/>
+                <a:ea typeface="細明體" panose="02020509000000000000" pitchFamily="49" charset="-120"/>
+              </a:rPr>
+              <a:t>.</a:t>
+            </a:r>
+            <a:r>
+              <a:rPr lang="en-US" altLang="zh-TW" sz="1800" dirty="0" err="1">
+                <a:solidFill>
+                  <a:srgbClr val="000000"/>
+                </a:solidFill>
+                <a:latin typeface="細明體" panose="02020509000000000000" pitchFamily="49" charset="-120"/>
+                <a:ea typeface="細明體" panose="02020509000000000000" pitchFamily="49" charset="-120"/>
+              </a:rPr>
+              <a:t>EventDetails</a:t>
+            </a:r>
+            <a:r>
+              <a:rPr lang="en-US" altLang="zh-TW" sz="1800" dirty="0">
+                <a:solidFill>
+                  <a:srgbClr val="808080"/>
+                </a:solidFill>
+                <a:latin typeface="細明體" panose="02020509000000000000" pitchFamily="49" charset="-120"/>
+                <a:ea typeface="細明體" panose="02020509000000000000" pitchFamily="49" charset="-120"/>
+              </a:rPr>
+              <a:t>)</a:t>
+            </a:r>
+            <a:r>
+              <a:rPr lang="en-US" altLang="zh-TW" sz="1800" dirty="0">
+                <a:solidFill>
+                  <a:srgbClr val="000000"/>
+                </a:solidFill>
+                <a:latin typeface="細明體" panose="02020509000000000000" pitchFamily="49" charset="-120"/>
+                <a:ea typeface="細明體" panose="02020509000000000000" pitchFamily="49" charset="-120"/>
+              </a:rPr>
+              <a:t> </a:t>
+            </a:r>
+            <a:r>
+              <a:rPr lang="en-US" altLang="zh-TW" sz="1800" dirty="0">
+                <a:solidFill>
+                  <a:srgbClr val="0000FF"/>
+                </a:solidFill>
+                <a:latin typeface="細明體" panose="02020509000000000000" pitchFamily="49" charset="-120"/>
+                <a:ea typeface="細明體" panose="02020509000000000000" pitchFamily="49" charset="-120"/>
+              </a:rPr>
+              <a:t>as</a:t>
+            </a:r>
+            <a:r>
+              <a:rPr lang="en-US" altLang="zh-TW" sz="1800" dirty="0">
+                <a:solidFill>
+                  <a:srgbClr val="000000"/>
+                </a:solidFill>
+                <a:latin typeface="細明體" panose="02020509000000000000" pitchFamily="49" charset="-120"/>
+                <a:ea typeface="細明體" panose="02020509000000000000" pitchFamily="49" charset="-120"/>
+              </a:rPr>
+              <a:t> </a:t>
+            </a:r>
+            <a:r>
+              <a:rPr lang="en-US" altLang="zh-TW" sz="1800" dirty="0">
+                <a:solidFill>
+                  <a:srgbClr val="FF0000"/>
+                </a:solidFill>
+                <a:latin typeface="細明體" panose="02020509000000000000" pitchFamily="49" charset="-120"/>
+                <a:ea typeface="細明體" panose="02020509000000000000" pitchFamily="49" charset="-120"/>
+              </a:rPr>
+              <a:t>'Offset'</a:t>
+            </a:r>
+            <a:r>
+              <a:rPr lang="zh-TW" altLang="en-US" sz="1800" dirty="0">
+                <a:solidFill>
+                  <a:srgbClr val="000000"/>
+                </a:solidFill>
+                <a:latin typeface="細明體" panose="02020509000000000000" pitchFamily="49" charset="-120"/>
+                <a:ea typeface="細明體" panose="02020509000000000000" pitchFamily="49" charset="-120"/>
+              </a:rPr>
+              <a:t>   </a:t>
+            </a:r>
+          </a:p>
+          <a:p>
+            <a:r>
+              <a:rPr lang="en-US" altLang="zh-TW" sz="1800" dirty="0">
+                <a:solidFill>
+                  <a:srgbClr val="0000FF"/>
+                </a:solidFill>
+                <a:latin typeface="細明體" panose="02020509000000000000" pitchFamily="49" charset="-120"/>
+                <a:ea typeface="細明體" panose="02020509000000000000" pitchFamily="49" charset="-120"/>
+              </a:rPr>
+              <a:t>FROM</a:t>
+            </a:r>
+            <a:r>
+              <a:rPr lang="en-US" altLang="zh-TW" sz="1800" dirty="0">
+                <a:solidFill>
+                  <a:srgbClr val="000000"/>
+                </a:solidFill>
+                <a:latin typeface="細明體" panose="02020509000000000000" pitchFamily="49" charset="-120"/>
+                <a:ea typeface="細明體" panose="02020509000000000000" pitchFamily="49" charset="-120"/>
+              </a:rPr>
+              <a:t> [</a:t>
+            </a:r>
+            <a:r>
+              <a:rPr lang="en-US" altLang="zh-TW" sz="1800" dirty="0" err="1">
+                <a:solidFill>
+                  <a:srgbClr val="000000"/>
+                </a:solidFill>
+                <a:latin typeface="細明體" panose="02020509000000000000" pitchFamily="49" charset="-120"/>
+                <a:ea typeface="細明體" panose="02020509000000000000" pitchFamily="49" charset="-120"/>
+              </a:rPr>
+              <a:t>WorldEvents</a:t>
+            </a:r>
+            <a:r>
+              <a:rPr lang="en-US" altLang="zh-TW" sz="1800" dirty="0">
+                <a:solidFill>
+                  <a:srgbClr val="000000"/>
+                </a:solidFill>
+                <a:latin typeface="細明體" panose="02020509000000000000" pitchFamily="49" charset="-120"/>
+                <a:ea typeface="細明體" panose="02020509000000000000" pitchFamily="49" charset="-120"/>
+              </a:rPr>
+              <a:t>]</a:t>
+            </a:r>
+            <a:r>
+              <a:rPr lang="en-US" altLang="zh-TW" sz="1800" dirty="0">
+                <a:solidFill>
+                  <a:srgbClr val="808080"/>
+                </a:solidFill>
+                <a:latin typeface="細明體" panose="02020509000000000000" pitchFamily="49" charset="-120"/>
+                <a:ea typeface="細明體" panose="02020509000000000000" pitchFamily="49" charset="-120"/>
+              </a:rPr>
+              <a:t>.</a:t>
+            </a:r>
+            <a:r>
+              <a:rPr lang="en-US" altLang="zh-TW" sz="1800" dirty="0">
+                <a:solidFill>
+                  <a:srgbClr val="000000"/>
+                </a:solidFill>
+                <a:latin typeface="細明體" panose="02020509000000000000" pitchFamily="49" charset="-120"/>
+                <a:ea typeface="細明體" panose="02020509000000000000" pitchFamily="49" charset="-120"/>
+              </a:rPr>
+              <a:t>[</a:t>
+            </a:r>
+            <a:r>
+              <a:rPr lang="en-US" altLang="zh-TW" sz="1800" dirty="0" err="1">
+                <a:solidFill>
+                  <a:srgbClr val="000000"/>
+                </a:solidFill>
+                <a:latin typeface="細明體" panose="02020509000000000000" pitchFamily="49" charset="-120"/>
+                <a:ea typeface="細明體" panose="02020509000000000000" pitchFamily="49" charset="-120"/>
+              </a:rPr>
+              <a:t>dbo</a:t>
+            </a:r>
+            <a:r>
+              <a:rPr lang="en-US" altLang="zh-TW" sz="1800" dirty="0">
+                <a:solidFill>
+                  <a:srgbClr val="000000"/>
+                </a:solidFill>
+                <a:latin typeface="細明體" panose="02020509000000000000" pitchFamily="49" charset="-120"/>
+                <a:ea typeface="細明體" panose="02020509000000000000" pitchFamily="49" charset="-120"/>
+              </a:rPr>
+              <a:t>]</a:t>
+            </a:r>
+            <a:r>
+              <a:rPr lang="en-US" altLang="zh-TW" sz="1800" dirty="0">
+                <a:solidFill>
+                  <a:srgbClr val="808080"/>
+                </a:solidFill>
+                <a:latin typeface="細明體" panose="02020509000000000000" pitchFamily="49" charset="-120"/>
+                <a:ea typeface="細明體" panose="02020509000000000000" pitchFamily="49" charset="-120"/>
+              </a:rPr>
+              <a:t>.</a:t>
+            </a:r>
+            <a:r>
+              <a:rPr lang="en-US" altLang="zh-TW" sz="1800" dirty="0">
+                <a:solidFill>
+                  <a:srgbClr val="000000"/>
+                </a:solidFill>
+                <a:latin typeface="細明體" panose="02020509000000000000" pitchFamily="49" charset="-120"/>
+                <a:ea typeface="細明體" panose="02020509000000000000" pitchFamily="49" charset="-120"/>
+              </a:rPr>
+              <a:t>[</a:t>
+            </a:r>
+            <a:r>
+              <a:rPr lang="en-US" altLang="zh-TW" sz="1800" dirty="0" err="1">
+                <a:solidFill>
+                  <a:srgbClr val="000000"/>
+                </a:solidFill>
+                <a:latin typeface="細明體" panose="02020509000000000000" pitchFamily="49" charset="-120"/>
+                <a:ea typeface="細明體" panose="02020509000000000000" pitchFamily="49" charset="-120"/>
+              </a:rPr>
+              <a:t>tblEvent</a:t>
+            </a:r>
+            <a:r>
+              <a:rPr lang="en-US" altLang="zh-TW" sz="1800" dirty="0">
+                <a:solidFill>
+                  <a:srgbClr val="000000"/>
+                </a:solidFill>
+                <a:latin typeface="細明體" panose="02020509000000000000" pitchFamily="49" charset="-120"/>
+                <a:ea typeface="細明體" panose="02020509000000000000" pitchFamily="49" charset="-120"/>
+              </a:rPr>
+              <a:t>] </a:t>
+            </a:r>
+            <a:r>
+              <a:rPr lang="en-US" altLang="zh-TW" sz="1800" dirty="0">
+                <a:solidFill>
+                  <a:srgbClr val="0000FF"/>
+                </a:solidFill>
+                <a:latin typeface="細明體" panose="02020509000000000000" pitchFamily="49" charset="-120"/>
+                <a:ea typeface="細明體" panose="02020509000000000000" pitchFamily="49" charset="-120"/>
+              </a:rPr>
+              <a:t>as</a:t>
+            </a:r>
+            <a:r>
+              <a:rPr lang="en-US" altLang="zh-TW" sz="1800" dirty="0">
+                <a:solidFill>
+                  <a:srgbClr val="000000"/>
+                </a:solidFill>
+                <a:latin typeface="細明體" panose="02020509000000000000" pitchFamily="49" charset="-120"/>
+                <a:ea typeface="細明體" panose="02020509000000000000" pitchFamily="49" charset="-120"/>
+              </a:rPr>
+              <a:t> e</a:t>
+            </a:r>
+          </a:p>
+          <a:p>
+            <a:r>
+              <a:rPr lang="en-US" altLang="zh-TW" sz="1800" dirty="0">
+                <a:solidFill>
+                  <a:srgbClr val="0000FF"/>
+                </a:solidFill>
+                <a:latin typeface="細明體" panose="02020509000000000000" pitchFamily="49" charset="-120"/>
+                <a:ea typeface="細明體" panose="02020509000000000000" pitchFamily="49" charset="-120"/>
+              </a:rPr>
+              <a:t>WHERE</a:t>
+            </a:r>
+            <a:r>
+              <a:rPr lang="en-US" altLang="zh-TW" sz="1800" dirty="0">
+                <a:solidFill>
+                  <a:srgbClr val="000000"/>
+                </a:solidFill>
+                <a:latin typeface="細明體" panose="02020509000000000000" pitchFamily="49" charset="-120"/>
+                <a:ea typeface="細明體" panose="02020509000000000000" pitchFamily="49" charset="-120"/>
+              </a:rPr>
+              <a:t> </a:t>
+            </a:r>
+            <a:r>
+              <a:rPr lang="en-US" altLang="zh-TW" sz="1800" dirty="0">
+                <a:solidFill>
+                  <a:srgbClr val="FF00FF"/>
+                </a:solidFill>
+                <a:latin typeface="細明體" panose="02020509000000000000" pitchFamily="49" charset="-120"/>
+                <a:ea typeface="細明體" panose="02020509000000000000" pitchFamily="49" charset="-120"/>
+              </a:rPr>
+              <a:t>CHARINDEX</a:t>
+            </a:r>
+            <a:r>
+              <a:rPr lang="en-US" altLang="zh-TW" sz="1800" dirty="0">
+                <a:solidFill>
+                  <a:srgbClr val="808080"/>
+                </a:solidFill>
+                <a:latin typeface="細明體" panose="02020509000000000000" pitchFamily="49" charset="-120"/>
+                <a:ea typeface="細明體" panose="02020509000000000000" pitchFamily="49" charset="-120"/>
+              </a:rPr>
+              <a:t>(</a:t>
+            </a:r>
+            <a:r>
+              <a:rPr lang="en-US" altLang="zh-TW" sz="1800" dirty="0">
+                <a:solidFill>
+                  <a:srgbClr val="FF0000"/>
+                </a:solidFill>
+                <a:latin typeface="細明體" panose="02020509000000000000" pitchFamily="49" charset="-120"/>
+                <a:ea typeface="細明體" panose="02020509000000000000" pitchFamily="49" charset="-120"/>
+              </a:rPr>
+              <a:t>'this'</a:t>
+            </a:r>
+            <a:r>
+              <a:rPr lang="en-US" altLang="zh-TW" sz="1800" dirty="0">
+                <a:solidFill>
+                  <a:srgbClr val="808080"/>
+                </a:solidFill>
+                <a:latin typeface="細明體" panose="02020509000000000000" pitchFamily="49" charset="-120"/>
+                <a:ea typeface="細明體" panose="02020509000000000000" pitchFamily="49" charset="-120"/>
+              </a:rPr>
+              <a:t>,</a:t>
+            </a:r>
+            <a:r>
+              <a:rPr lang="en-US" altLang="zh-TW" sz="1800" dirty="0" err="1">
+                <a:solidFill>
+                  <a:srgbClr val="000000"/>
+                </a:solidFill>
+                <a:latin typeface="細明體" panose="02020509000000000000" pitchFamily="49" charset="-120"/>
+                <a:ea typeface="細明體" panose="02020509000000000000" pitchFamily="49" charset="-120"/>
+              </a:rPr>
+              <a:t>e</a:t>
+            </a:r>
+            <a:r>
+              <a:rPr lang="en-US" altLang="zh-TW" sz="1800" dirty="0" err="1">
+                <a:solidFill>
+                  <a:srgbClr val="808080"/>
+                </a:solidFill>
+                <a:latin typeface="細明體" panose="02020509000000000000" pitchFamily="49" charset="-120"/>
+                <a:ea typeface="細明體" panose="02020509000000000000" pitchFamily="49" charset="-120"/>
+              </a:rPr>
+              <a:t>.</a:t>
+            </a:r>
+            <a:r>
+              <a:rPr lang="en-US" altLang="zh-TW" sz="1800" dirty="0" err="1">
+                <a:solidFill>
+                  <a:srgbClr val="000000"/>
+                </a:solidFill>
+                <a:latin typeface="細明體" panose="02020509000000000000" pitchFamily="49" charset="-120"/>
+                <a:ea typeface="細明體" panose="02020509000000000000" pitchFamily="49" charset="-120"/>
+              </a:rPr>
+              <a:t>EventDetails</a:t>
+            </a:r>
+            <a:r>
+              <a:rPr lang="en-US" altLang="zh-TW" sz="1800" dirty="0">
+                <a:solidFill>
+                  <a:srgbClr val="808080"/>
+                </a:solidFill>
+                <a:latin typeface="細明體" panose="02020509000000000000" pitchFamily="49" charset="-120"/>
+                <a:ea typeface="細明體" panose="02020509000000000000" pitchFamily="49" charset="-120"/>
+              </a:rPr>
+              <a:t>)&gt;</a:t>
+            </a:r>
+            <a:r>
+              <a:rPr lang="en-US" altLang="zh-TW" sz="1800" dirty="0">
+                <a:solidFill>
+                  <a:srgbClr val="000000"/>
+                </a:solidFill>
+                <a:latin typeface="細明體" panose="02020509000000000000" pitchFamily="49" charset="-120"/>
+                <a:ea typeface="細明體" panose="02020509000000000000" pitchFamily="49" charset="-120"/>
+              </a:rPr>
+              <a:t>0</a:t>
+            </a:r>
+          </a:p>
+          <a:p>
+            <a:r>
+              <a:rPr lang="en-US" altLang="zh-TW" sz="1800" dirty="0">
+                <a:solidFill>
+                  <a:srgbClr val="808080"/>
+                </a:solidFill>
+                <a:latin typeface="細明體" panose="02020509000000000000" pitchFamily="49" charset="-120"/>
+                <a:ea typeface="細明體" panose="02020509000000000000" pitchFamily="49" charset="-120"/>
+              </a:rPr>
+              <a:t>AND</a:t>
+            </a:r>
+            <a:r>
+              <a:rPr lang="en-US" altLang="zh-TW" sz="1800" dirty="0">
+                <a:solidFill>
+                  <a:srgbClr val="000000"/>
+                </a:solidFill>
+                <a:latin typeface="細明體" panose="02020509000000000000" pitchFamily="49" charset="-120"/>
+                <a:ea typeface="細明體" panose="02020509000000000000" pitchFamily="49" charset="-120"/>
+              </a:rPr>
+              <a:t>   </a:t>
+            </a:r>
+            <a:r>
+              <a:rPr lang="en-US" altLang="zh-TW" sz="1800" dirty="0">
+                <a:solidFill>
+                  <a:srgbClr val="FF00FF"/>
+                </a:solidFill>
+                <a:latin typeface="細明體" panose="02020509000000000000" pitchFamily="49" charset="-120"/>
+                <a:ea typeface="細明體" panose="02020509000000000000" pitchFamily="49" charset="-120"/>
+              </a:rPr>
+              <a:t>CHARINDEX</a:t>
+            </a:r>
+            <a:r>
+              <a:rPr lang="en-US" altLang="zh-TW" sz="1800" dirty="0">
+                <a:solidFill>
+                  <a:srgbClr val="808080"/>
+                </a:solidFill>
+                <a:latin typeface="細明體" panose="02020509000000000000" pitchFamily="49" charset="-120"/>
+                <a:ea typeface="細明體" panose="02020509000000000000" pitchFamily="49" charset="-120"/>
+              </a:rPr>
+              <a:t>(</a:t>
+            </a:r>
+            <a:r>
+              <a:rPr lang="en-US" altLang="zh-TW" sz="1800" dirty="0">
+                <a:solidFill>
+                  <a:srgbClr val="FF0000"/>
+                </a:solidFill>
+                <a:latin typeface="細明體" panose="02020509000000000000" pitchFamily="49" charset="-120"/>
+                <a:ea typeface="細明體" panose="02020509000000000000" pitchFamily="49" charset="-120"/>
+              </a:rPr>
+              <a:t>'that'</a:t>
+            </a:r>
+            <a:r>
+              <a:rPr lang="en-US" altLang="zh-TW" sz="1800" dirty="0">
+                <a:solidFill>
+                  <a:srgbClr val="808080"/>
+                </a:solidFill>
+                <a:latin typeface="細明體" panose="02020509000000000000" pitchFamily="49" charset="-120"/>
+                <a:ea typeface="細明體" panose="02020509000000000000" pitchFamily="49" charset="-120"/>
+              </a:rPr>
+              <a:t>,</a:t>
+            </a:r>
+            <a:r>
+              <a:rPr lang="en-US" altLang="zh-TW" sz="1800" dirty="0" err="1">
+                <a:solidFill>
+                  <a:srgbClr val="000000"/>
+                </a:solidFill>
+                <a:latin typeface="細明體" panose="02020509000000000000" pitchFamily="49" charset="-120"/>
+                <a:ea typeface="細明體" panose="02020509000000000000" pitchFamily="49" charset="-120"/>
+              </a:rPr>
+              <a:t>e</a:t>
+            </a:r>
+            <a:r>
+              <a:rPr lang="en-US" altLang="zh-TW" sz="1800" dirty="0" err="1">
+                <a:solidFill>
+                  <a:srgbClr val="808080"/>
+                </a:solidFill>
+                <a:latin typeface="細明體" panose="02020509000000000000" pitchFamily="49" charset="-120"/>
+                <a:ea typeface="細明體" panose="02020509000000000000" pitchFamily="49" charset="-120"/>
+              </a:rPr>
+              <a:t>.</a:t>
+            </a:r>
+            <a:r>
+              <a:rPr lang="en-US" altLang="zh-TW" sz="1800" dirty="0" err="1">
+                <a:solidFill>
+                  <a:srgbClr val="000000"/>
+                </a:solidFill>
+                <a:latin typeface="細明體" panose="02020509000000000000" pitchFamily="49" charset="-120"/>
+                <a:ea typeface="細明體" panose="02020509000000000000" pitchFamily="49" charset="-120"/>
+              </a:rPr>
+              <a:t>EventDetails</a:t>
+            </a:r>
+            <a:r>
+              <a:rPr lang="en-US" altLang="zh-TW" sz="1800" dirty="0">
+                <a:solidFill>
+                  <a:srgbClr val="808080"/>
+                </a:solidFill>
+                <a:latin typeface="細明體" panose="02020509000000000000" pitchFamily="49" charset="-120"/>
+                <a:ea typeface="細明體" panose="02020509000000000000" pitchFamily="49" charset="-120"/>
+              </a:rPr>
+              <a:t>)&gt;</a:t>
+            </a:r>
+            <a:r>
+              <a:rPr lang="en-US" altLang="zh-TW" sz="1800" dirty="0">
+                <a:solidFill>
+                  <a:srgbClr val="000000"/>
+                </a:solidFill>
+                <a:latin typeface="細明體" panose="02020509000000000000" pitchFamily="49" charset="-120"/>
+                <a:ea typeface="細明體" panose="02020509000000000000" pitchFamily="49" charset="-120"/>
+              </a:rPr>
+              <a:t>0</a:t>
+            </a:r>
+          </a:p>
+          <a:p>
+            <a:r>
+              <a:rPr lang="en-US" altLang="zh-TW" sz="1800" dirty="0">
+                <a:solidFill>
+                  <a:srgbClr val="808080"/>
+                </a:solidFill>
+                <a:latin typeface="細明體" panose="02020509000000000000" pitchFamily="49" charset="-120"/>
+                <a:ea typeface="細明體" panose="02020509000000000000" pitchFamily="49" charset="-120"/>
+              </a:rPr>
+              <a:t>AND</a:t>
+            </a:r>
+            <a:r>
+              <a:rPr lang="en-US" altLang="zh-TW" sz="1800" dirty="0">
+                <a:solidFill>
+                  <a:srgbClr val="000000"/>
+                </a:solidFill>
+                <a:latin typeface="細明體" panose="02020509000000000000" pitchFamily="49" charset="-120"/>
+                <a:ea typeface="細明體" panose="02020509000000000000" pitchFamily="49" charset="-120"/>
+              </a:rPr>
+              <a:t>   </a:t>
+            </a:r>
+            <a:r>
+              <a:rPr lang="en-US" altLang="zh-TW" sz="1800" dirty="0">
+                <a:solidFill>
+                  <a:srgbClr val="FF00FF"/>
+                </a:solidFill>
+                <a:latin typeface="細明體" panose="02020509000000000000" pitchFamily="49" charset="-120"/>
+                <a:ea typeface="細明體" panose="02020509000000000000" pitchFamily="49" charset="-120"/>
+              </a:rPr>
+              <a:t>CHARINDEX</a:t>
+            </a:r>
+            <a:r>
+              <a:rPr lang="en-US" altLang="zh-TW" sz="1800" dirty="0">
+                <a:solidFill>
+                  <a:srgbClr val="808080"/>
+                </a:solidFill>
+                <a:latin typeface="細明體" panose="02020509000000000000" pitchFamily="49" charset="-120"/>
+                <a:ea typeface="細明體" panose="02020509000000000000" pitchFamily="49" charset="-120"/>
+              </a:rPr>
+              <a:t>(</a:t>
+            </a:r>
+            <a:r>
+              <a:rPr lang="en-US" altLang="zh-TW" sz="1800" dirty="0">
+                <a:solidFill>
+                  <a:srgbClr val="FF0000"/>
+                </a:solidFill>
+                <a:latin typeface="細明體" panose="02020509000000000000" pitchFamily="49" charset="-120"/>
+                <a:ea typeface="細明體" panose="02020509000000000000" pitchFamily="49" charset="-120"/>
+              </a:rPr>
+              <a:t>'that'</a:t>
+            </a:r>
+            <a:r>
+              <a:rPr lang="en-US" altLang="zh-TW" sz="1800" dirty="0">
+                <a:solidFill>
+                  <a:srgbClr val="808080"/>
+                </a:solidFill>
+                <a:latin typeface="細明體" panose="02020509000000000000" pitchFamily="49" charset="-120"/>
+                <a:ea typeface="細明體" panose="02020509000000000000" pitchFamily="49" charset="-120"/>
+              </a:rPr>
+              <a:t>,</a:t>
+            </a:r>
+            <a:r>
+              <a:rPr lang="en-US" altLang="zh-TW" sz="1800" dirty="0" err="1">
+                <a:solidFill>
+                  <a:srgbClr val="000000"/>
+                </a:solidFill>
+                <a:latin typeface="細明體" panose="02020509000000000000" pitchFamily="49" charset="-120"/>
+                <a:ea typeface="細明體" panose="02020509000000000000" pitchFamily="49" charset="-120"/>
+              </a:rPr>
+              <a:t>e</a:t>
+            </a:r>
+            <a:r>
+              <a:rPr lang="en-US" altLang="zh-TW" sz="1800" dirty="0" err="1">
+                <a:solidFill>
+                  <a:srgbClr val="808080"/>
+                </a:solidFill>
+                <a:latin typeface="細明體" panose="02020509000000000000" pitchFamily="49" charset="-120"/>
+                <a:ea typeface="細明體" panose="02020509000000000000" pitchFamily="49" charset="-120"/>
+              </a:rPr>
+              <a:t>.</a:t>
+            </a:r>
+            <a:r>
+              <a:rPr lang="en-US" altLang="zh-TW" sz="1800" dirty="0" err="1">
+                <a:solidFill>
+                  <a:srgbClr val="000000"/>
+                </a:solidFill>
+                <a:latin typeface="細明體" panose="02020509000000000000" pitchFamily="49" charset="-120"/>
+                <a:ea typeface="細明體" panose="02020509000000000000" pitchFamily="49" charset="-120"/>
+              </a:rPr>
+              <a:t>EventDetails</a:t>
+            </a:r>
+            <a:r>
+              <a:rPr lang="en-US" altLang="zh-TW" sz="1800" dirty="0">
+                <a:solidFill>
+                  <a:srgbClr val="808080"/>
+                </a:solidFill>
+                <a:latin typeface="細明體" panose="02020509000000000000" pitchFamily="49" charset="-120"/>
+                <a:ea typeface="細明體" panose="02020509000000000000" pitchFamily="49" charset="-120"/>
+              </a:rPr>
+              <a:t>)</a:t>
+            </a:r>
+            <a:r>
+              <a:rPr lang="en-US" altLang="zh-TW" sz="1800" dirty="0">
+                <a:solidFill>
+                  <a:srgbClr val="000000"/>
+                </a:solidFill>
+                <a:latin typeface="細明體" panose="02020509000000000000" pitchFamily="49" charset="-120"/>
+                <a:ea typeface="細明體" panose="02020509000000000000" pitchFamily="49" charset="-120"/>
+              </a:rPr>
+              <a:t> </a:t>
+            </a:r>
+            <a:r>
+              <a:rPr lang="en-US" altLang="zh-TW" sz="1800" dirty="0">
+                <a:solidFill>
+                  <a:srgbClr val="808080"/>
+                </a:solidFill>
+                <a:latin typeface="細明體" panose="02020509000000000000" pitchFamily="49" charset="-120"/>
+                <a:ea typeface="細明體" panose="02020509000000000000" pitchFamily="49" charset="-120"/>
+              </a:rPr>
+              <a:t>-</a:t>
+            </a:r>
+            <a:r>
+              <a:rPr lang="en-US" altLang="zh-TW" sz="1800" dirty="0">
+                <a:solidFill>
+                  <a:srgbClr val="000000"/>
+                </a:solidFill>
+                <a:latin typeface="細明體" panose="02020509000000000000" pitchFamily="49" charset="-120"/>
+                <a:ea typeface="細明體" panose="02020509000000000000" pitchFamily="49" charset="-120"/>
+              </a:rPr>
+              <a:t> </a:t>
+            </a:r>
+            <a:r>
+              <a:rPr lang="en-US" altLang="zh-TW" sz="1800" dirty="0">
+                <a:solidFill>
+                  <a:srgbClr val="FF00FF"/>
+                </a:solidFill>
+                <a:latin typeface="細明體" panose="02020509000000000000" pitchFamily="49" charset="-120"/>
+                <a:ea typeface="細明體" panose="02020509000000000000" pitchFamily="49" charset="-120"/>
+              </a:rPr>
+              <a:t>CHARINDEX</a:t>
+            </a:r>
+            <a:r>
+              <a:rPr lang="en-US" altLang="zh-TW" sz="1800" dirty="0">
+                <a:solidFill>
+                  <a:srgbClr val="808080"/>
+                </a:solidFill>
+                <a:latin typeface="細明體" panose="02020509000000000000" pitchFamily="49" charset="-120"/>
+                <a:ea typeface="細明體" panose="02020509000000000000" pitchFamily="49" charset="-120"/>
+              </a:rPr>
+              <a:t>(</a:t>
+            </a:r>
+            <a:r>
+              <a:rPr lang="en-US" altLang="zh-TW" sz="1800" dirty="0">
+                <a:solidFill>
+                  <a:srgbClr val="FF0000"/>
+                </a:solidFill>
+                <a:latin typeface="細明體" panose="02020509000000000000" pitchFamily="49" charset="-120"/>
+                <a:ea typeface="細明體" panose="02020509000000000000" pitchFamily="49" charset="-120"/>
+              </a:rPr>
+              <a:t>'this'</a:t>
+            </a:r>
+            <a:r>
+              <a:rPr lang="en-US" altLang="zh-TW" sz="1800" dirty="0">
+                <a:solidFill>
+                  <a:srgbClr val="808080"/>
+                </a:solidFill>
+                <a:latin typeface="細明體" panose="02020509000000000000" pitchFamily="49" charset="-120"/>
+                <a:ea typeface="細明體" panose="02020509000000000000" pitchFamily="49" charset="-120"/>
+              </a:rPr>
+              <a:t>,</a:t>
+            </a:r>
+            <a:r>
+              <a:rPr lang="en-US" altLang="zh-TW" sz="1800" dirty="0" err="1">
+                <a:solidFill>
+                  <a:srgbClr val="000000"/>
+                </a:solidFill>
+                <a:latin typeface="細明體" panose="02020509000000000000" pitchFamily="49" charset="-120"/>
+                <a:ea typeface="細明體" panose="02020509000000000000" pitchFamily="49" charset="-120"/>
+              </a:rPr>
+              <a:t>e</a:t>
+            </a:r>
+            <a:r>
+              <a:rPr lang="en-US" altLang="zh-TW" sz="1800" dirty="0" err="1">
+                <a:solidFill>
+                  <a:srgbClr val="808080"/>
+                </a:solidFill>
+                <a:latin typeface="細明體" panose="02020509000000000000" pitchFamily="49" charset="-120"/>
+                <a:ea typeface="細明體" panose="02020509000000000000" pitchFamily="49" charset="-120"/>
+              </a:rPr>
+              <a:t>.</a:t>
+            </a:r>
+            <a:r>
+              <a:rPr lang="en-US" altLang="zh-TW" sz="1800" dirty="0" err="1">
+                <a:solidFill>
+                  <a:srgbClr val="000000"/>
+                </a:solidFill>
+                <a:latin typeface="細明體" panose="02020509000000000000" pitchFamily="49" charset="-120"/>
+                <a:ea typeface="細明體" panose="02020509000000000000" pitchFamily="49" charset="-120"/>
+              </a:rPr>
+              <a:t>EventDetails</a:t>
+            </a:r>
+            <a:r>
+              <a:rPr lang="en-US" altLang="zh-TW" sz="1800" dirty="0">
+                <a:solidFill>
+                  <a:srgbClr val="808080"/>
+                </a:solidFill>
+                <a:latin typeface="細明體" panose="02020509000000000000" pitchFamily="49" charset="-120"/>
+                <a:ea typeface="細明體" panose="02020509000000000000" pitchFamily="49" charset="-120"/>
+              </a:rPr>
+              <a:t>)&gt;</a:t>
+            </a:r>
+            <a:r>
+              <a:rPr lang="en-US" altLang="zh-TW" sz="1800" dirty="0">
+                <a:solidFill>
+                  <a:srgbClr val="000000"/>
+                </a:solidFill>
+                <a:latin typeface="細明體" panose="02020509000000000000" pitchFamily="49" charset="-120"/>
+                <a:ea typeface="細明體" panose="02020509000000000000" pitchFamily="49" charset="-120"/>
+              </a:rPr>
+              <a:t>0</a:t>
+            </a:r>
+            <a:endParaRPr lang="zh-TW" altLang="en-US" sz="1600" dirty="0">
+              <a:solidFill>
+                <a:srgbClr val="000000"/>
+              </a:solidFill>
+              <a:latin typeface="微軟正黑體" panose="020B0604030504040204" pitchFamily="34" charset="-120"/>
+              <a:ea typeface="微軟正黑體" panose="020B0604030504040204" pitchFamily="34" charset="-120"/>
+            </a:endParaRPr>
+          </a:p>
+        </p:txBody>
+      </p:sp>
+      <p:sp>
+        <p:nvSpPr>
+          <p:cNvPr id="9" name="文字方塊 8">
+            <a:extLst>
+              <a:ext uri="{FF2B5EF4-FFF2-40B4-BE49-F238E27FC236}">
+                <a16:creationId xmlns:a16="http://schemas.microsoft.com/office/drawing/2014/main" id="{35E0097D-1D25-800D-ACBE-7E565A45717E}"/>
+              </a:ext>
+            </a:extLst>
+          </p:cNvPr>
+          <p:cNvSpPr txBox="1"/>
+          <p:nvPr/>
+        </p:nvSpPr>
+        <p:spPr>
+          <a:xfrm>
+            <a:off x="1687669" y="5757119"/>
+            <a:ext cx="10216258" cy="369332"/>
+          </a:xfrm>
+          <a:prstGeom prst="rect">
+            <a:avLst/>
+          </a:prstGeom>
+          <a:noFill/>
+        </p:spPr>
+        <p:txBody>
+          <a:bodyPr wrap="none" rtlCol="0">
+            <a:spAutoFit/>
+          </a:bodyPr>
+          <a:lstStyle/>
+          <a:p>
+            <a:r>
+              <a:rPr lang="zh-TW" altLang="en-US" dirty="0"/>
+              <a:t>參考資料</a:t>
+            </a:r>
+            <a:r>
+              <a:rPr lang="en-US" altLang="zh-TW" dirty="0"/>
+              <a:t>: https://vimsky.com/zh-tw/examples/usage/sql-server-charindex-function-01.html</a:t>
+            </a:r>
+            <a:endParaRPr lang="zh-TW" altLang="en-US" dirty="0"/>
+          </a:p>
+        </p:txBody>
+      </p:sp>
+      <p:pic>
+        <p:nvPicPr>
+          <p:cNvPr id="6" name="圖片 5">
+            <a:extLst>
+              <a:ext uri="{FF2B5EF4-FFF2-40B4-BE49-F238E27FC236}">
+                <a16:creationId xmlns:a16="http://schemas.microsoft.com/office/drawing/2014/main" id="{F7E2F151-DF77-BE9B-BD86-05147B179E7F}"/>
+              </a:ext>
+            </a:extLst>
+          </p:cNvPr>
+          <p:cNvPicPr>
+            <a:picLocks noChangeAspect="1"/>
+          </p:cNvPicPr>
+          <p:nvPr/>
+        </p:nvPicPr>
+        <p:blipFill>
+          <a:blip r:embed="rId2"/>
+          <a:stretch>
+            <a:fillRect/>
+          </a:stretch>
+        </p:blipFill>
+        <p:spPr>
+          <a:xfrm>
+            <a:off x="6938777" y="3932803"/>
+            <a:ext cx="4710637" cy="949431"/>
+          </a:xfrm>
+          <a:prstGeom prst="rect">
+            <a:avLst/>
+          </a:prstGeom>
+        </p:spPr>
+      </p:pic>
+    </p:spTree>
+    <p:extLst>
+      <p:ext uri="{BB962C8B-B14F-4D97-AF65-F5344CB8AC3E}">
+        <p14:creationId xmlns:p14="http://schemas.microsoft.com/office/powerpoint/2010/main" val="3523639817"/>
+      </p:ext>
+    </p:extLst>
+  </p:cSld>
+  <p:clrMapOvr>
+    <a:masterClrMapping/>
+  </p:clrMapOvr>
+</p:sld>
+</file>
+
 <file path=ppt/slides/slide4.xml><?xml version="1.0" encoding="utf-8"?>
 <p:sld xmlns:a="http://schemas.openxmlformats.org/drawingml/2006/main" xmlns:r="http://schemas.openxmlformats.org/officeDocument/2006/relationships" xmlns:p="http://schemas.openxmlformats.org/presentationml/2006/main">
   <p:cSld>
@@ -21938,6 +23632,5658 @@
     <p:extLst>
       <p:ext uri="{BB962C8B-B14F-4D97-AF65-F5344CB8AC3E}">
         <p14:creationId xmlns:p14="http://schemas.microsoft.com/office/powerpoint/2010/main" val="1899207007"/>
+      </p:ext>
+    </p:extLst>
+  </p:cSld>
+  <p:clrMapOvr>
+    <a:masterClrMapping/>
+  </p:clrMapOvr>
+</p:sld>
+</file>
+
+<file path=ppt/slides/slide40.xml><?xml version="1.0" encoding="utf-8"?>
+<p:sld xmlns:a="http://schemas.openxmlformats.org/drawingml/2006/main" xmlns:r="http://schemas.openxmlformats.org/officeDocument/2006/relationships" xmlns:p="http://schemas.openxmlformats.org/presentationml/2006/main">
+  <p:cSld>
+    <p:spTree>
+      <p:nvGrpSpPr>
+        <p:cNvPr id="1" name=""/>
+        <p:cNvGrpSpPr/>
+        <p:nvPr/>
+      </p:nvGrpSpPr>
+      <p:grpSpPr>
+        <a:xfrm>
+          <a:off x="0" y="0"/>
+          <a:ext cx="0" cy="0"/>
+          <a:chOff x="0" y="0"/>
+          <a:chExt cx="0" cy="0"/>
+        </a:xfrm>
+      </p:grpSpPr>
+      <p:sp>
+        <p:nvSpPr>
+          <p:cNvPr id="2" name="標題 1">
+            <a:extLst>
+              <a:ext uri="{FF2B5EF4-FFF2-40B4-BE49-F238E27FC236}">
+                <a16:creationId xmlns:a16="http://schemas.microsoft.com/office/drawing/2014/main" id="{9754B65C-1642-6FE5-D941-96E5D377AABC}"/>
+              </a:ext>
+            </a:extLst>
+          </p:cNvPr>
+          <p:cNvSpPr>
+            <a:spLocks noGrp="1"/>
+          </p:cNvSpPr>
+          <p:nvPr>
+            <p:ph type="title"/>
+          </p:nvPr>
+        </p:nvSpPr>
+        <p:spPr>
+          <a:xfrm>
+            <a:off x="1687669" y="624110"/>
+            <a:ext cx="7321860" cy="1280890"/>
+          </a:xfrm>
+        </p:spPr>
+        <p:txBody>
+          <a:bodyPr>
+            <a:normAutofit/>
+          </a:bodyPr>
+          <a:lstStyle/>
+          <a:p>
+            <a:r>
+              <a:rPr lang="en-US" altLang="zh-TW" sz="3200" dirty="0"/>
+              <a:t>Calculations using dates Q1</a:t>
+            </a:r>
+            <a:endParaRPr lang="zh-TW" altLang="en-US" sz="3200" dirty="0"/>
+          </a:p>
+        </p:txBody>
+      </p:sp>
+      <p:sp>
+        <p:nvSpPr>
+          <p:cNvPr id="4" name="投影片編號版面配置區 3">
+            <a:extLst>
+              <a:ext uri="{FF2B5EF4-FFF2-40B4-BE49-F238E27FC236}">
+                <a16:creationId xmlns:a16="http://schemas.microsoft.com/office/drawing/2014/main" id="{3F1EA6AD-3945-5A5F-70AE-CD8043429B6D}"/>
+              </a:ext>
+            </a:extLst>
+          </p:cNvPr>
+          <p:cNvSpPr>
+            <a:spLocks noGrp="1"/>
+          </p:cNvSpPr>
+          <p:nvPr>
+            <p:ph type="sldNum" sz="quarter" idx="12"/>
+          </p:nvPr>
+        </p:nvSpPr>
+        <p:spPr>
+          <a:xfrm>
+            <a:off x="531812" y="787782"/>
+            <a:ext cx="779767" cy="365125"/>
+          </a:xfrm>
+        </p:spPr>
+        <p:txBody>
+          <a:bodyPr>
+            <a:normAutofit/>
+          </a:bodyPr>
+          <a:lstStyle/>
+          <a:p>
+            <a:pPr>
+              <a:lnSpc>
+                <a:spcPct val="90000"/>
+              </a:lnSpc>
+              <a:spcAft>
+                <a:spcPts val="600"/>
+              </a:spcAft>
+            </a:pPr>
+            <a:fld id="{D57F1E4F-1CFF-5643-939E-217C01CDF565}" type="slidenum">
+              <a:rPr lang="en-US" sz="1900" smtClean="0"/>
+              <a:pPr>
+                <a:lnSpc>
+                  <a:spcPct val="90000"/>
+                </a:lnSpc>
+                <a:spcAft>
+                  <a:spcPts val="600"/>
+                </a:spcAft>
+              </a:pPr>
+              <a:t>40</a:t>
+            </a:fld>
+            <a:endParaRPr lang="en-US" sz="1900"/>
+          </a:p>
+        </p:txBody>
+      </p:sp>
+      <p:pic>
+        <p:nvPicPr>
+          <p:cNvPr id="9" name="內容版面配置區 8">
+            <a:extLst>
+              <a:ext uri="{FF2B5EF4-FFF2-40B4-BE49-F238E27FC236}">
+                <a16:creationId xmlns:a16="http://schemas.microsoft.com/office/drawing/2014/main" id="{9E4CA673-6833-6C9D-FBD4-432F89576A1B}"/>
+              </a:ext>
+            </a:extLst>
+          </p:cNvPr>
+          <p:cNvPicPr>
+            <a:picLocks noGrp="1" noChangeAspect="1"/>
+          </p:cNvPicPr>
+          <p:nvPr>
+            <p:ph idx="1"/>
+          </p:nvPr>
+        </p:nvPicPr>
+        <p:blipFill>
+          <a:blip r:embed="rId2"/>
+          <a:stretch>
+            <a:fillRect/>
+          </a:stretch>
+        </p:blipFill>
+        <p:spPr>
+          <a:xfrm>
+            <a:off x="887506" y="1823277"/>
+            <a:ext cx="5441577" cy="1333247"/>
+          </a:xfrm>
+        </p:spPr>
+      </p:pic>
+      <p:pic>
+        <p:nvPicPr>
+          <p:cNvPr id="6" name="圖片 5">
+            <a:extLst>
+              <a:ext uri="{FF2B5EF4-FFF2-40B4-BE49-F238E27FC236}">
+                <a16:creationId xmlns:a16="http://schemas.microsoft.com/office/drawing/2014/main" id="{CB34D96A-219C-C2BB-7F84-08B81C05A87C}"/>
+              </a:ext>
+            </a:extLst>
+          </p:cNvPr>
+          <p:cNvPicPr>
+            <a:picLocks noChangeAspect="1"/>
+          </p:cNvPicPr>
+          <p:nvPr/>
+        </p:nvPicPr>
+        <p:blipFill>
+          <a:blip r:embed="rId3"/>
+          <a:stretch>
+            <a:fillRect/>
+          </a:stretch>
+        </p:blipFill>
+        <p:spPr>
+          <a:xfrm>
+            <a:off x="6436659" y="1791901"/>
+            <a:ext cx="5441576" cy="4598933"/>
+          </a:xfrm>
+          <a:prstGeom prst="rect">
+            <a:avLst/>
+          </a:prstGeom>
+        </p:spPr>
+      </p:pic>
+    </p:spTree>
+    <p:extLst>
+      <p:ext uri="{BB962C8B-B14F-4D97-AF65-F5344CB8AC3E}">
+        <p14:creationId xmlns:p14="http://schemas.microsoft.com/office/powerpoint/2010/main" val="387611898"/>
+      </p:ext>
+    </p:extLst>
+  </p:cSld>
+  <p:clrMapOvr>
+    <a:masterClrMapping/>
+  </p:clrMapOvr>
+</p:sld>
+</file>
+
+<file path=ppt/slides/slide41.xml><?xml version="1.0" encoding="utf-8"?>
+<p:sld xmlns:a="http://schemas.openxmlformats.org/drawingml/2006/main" xmlns:r="http://schemas.openxmlformats.org/officeDocument/2006/relationships" xmlns:p="http://schemas.openxmlformats.org/presentationml/2006/main">
+  <p:cSld>
+    <p:spTree>
+      <p:nvGrpSpPr>
+        <p:cNvPr id="1" name=""/>
+        <p:cNvGrpSpPr/>
+        <p:nvPr/>
+      </p:nvGrpSpPr>
+      <p:grpSpPr>
+        <a:xfrm>
+          <a:off x="0" y="0"/>
+          <a:ext cx="0" cy="0"/>
+          <a:chOff x="0" y="0"/>
+          <a:chExt cx="0" cy="0"/>
+        </a:xfrm>
+      </p:grpSpPr>
+      <p:sp>
+        <p:nvSpPr>
+          <p:cNvPr id="2" name="標題 1">
+            <a:extLst>
+              <a:ext uri="{FF2B5EF4-FFF2-40B4-BE49-F238E27FC236}">
+                <a16:creationId xmlns:a16="http://schemas.microsoft.com/office/drawing/2014/main" id="{9754B65C-1642-6FE5-D941-96E5D377AABC}"/>
+              </a:ext>
+            </a:extLst>
+          </p:cNvPr>
+          <p:cNvSpPr>
+            <a:spLocks noGrp="1"/>
+          </p:cNvSpPr>
+          <p:nvPr>
+            <p:ph type="title"/>
+          </p:nvPr>
+        </p:nvSpPr>
+        <p:spPr>
+          <a:xfrm>
+            <a:off x="1687669" y="624110"/>
+            <a:ext cx="4137059" cy="1280890"/>
+          </a:xfrm>
+        </p:spPr>
+        <p:txBody>
+          <a:bodyPr>
+            <a:normAutofit/>
+          </a:bodyPr>
+          <a:lstStyle/>
+          <a:p>
+            <a:r>
+              <a:rPr lang="en-US" altLang="zh-TW" sz="3200" dirty="0"/>
+              <a:t>Answer1.</a:t>
+            </a:r>
+            <a:endParaRPr lang="zh-TW" altLang="en-US" sz="3200" dirty="0"/>
+          </a:p>
+        </p:txBody>
+      </p:sp>
+      <p:sp>
+        <p:nvSpPr>
+          <p:cNvPr id="4" name="投影片編號版面配置區 3">
+            <a:extLst>
+              <a:ext uri="{FF2B5EF4-FFF2-40B4-BE49-F238E27FC236}">
+                <a16:creationId xmlns:a16="http://schemas.microsoft.com/office/drawing/2014/main" id="{3F1EA6AD-3945-5A5F-70AE-CD8043429B6D}"/>
+              </a:ext>
+            </a:extLst>
+          </p:cNvPr>
+          <p:cNvSpPr>
+            <a:spLocks noGrp="1"/>
+          </p:cNvSpPr>
+          <p:nvPr>
+            <p:ph type="sldNum" sz="quarter" idx="12"/>
+          </p:nvPr>
+        </p:nvSpPr>
+        <p:spPr>
+          <a:xfrm>
+            <a:off x="531812" y="787782"/>
+            <a:ext cx="779767" cy="365125"/>
+          </a:xfrm>
+        </p:spPr>
+        <p:txBody>
+          <a:bodyPr>
+            <a:normAutofit/>
+          </a:bodyPr>
+          <a:lstStyle/>
+          <a:p>
+            <a:pPr>
+              <a:lnSpc>
+                <a:spcPct val="90000"/>
+              </a:lnSpc>
+              <a:spcAft>
+                <a:spcPts val="600"/>
+              </a:spcAft>
+            </a:pPr>
+            <a:fld id="{D57F1E4F-1CFF-5643-939E-217C01CDF565}" type="slidenum">
+              <a:rPr lang="en-US" sz="1900" smtClean="0"/>
+              <a:pPr>
+                <a:lnSpc>
+                  <a:spcPct val="90000"/>
+                </a:lnSpc>
+                <a:spcAft>
+                  <a:spcPts val="600"/>
+                </a:spcAft>
+              </a:pPr>
+              <a:t>41</a:t>
+            </a:fld>
+            <a:endParaRPr lang="en-US" sz="1900"/>
+          </a:p>
+        </p:txBody>
+      </p:sp>
+      <p:sp>
+        <p:nvSpPr>
+          <p:cNvPr id="3" name="內容版面配置區 2">
+            <a:extLst>
+              <a:ext uri="{FF2B5EF4-FFF2-40B4-BE49-F238E27FC236}">
+                <a16:creationId xmlns:a16="http://schemas.microsoft.com/office/drawing/2014/main" id="{8A26720F-616D-E164-DA93-3A4EBED4F0AD}"/>
+              </a:ext>
+            </a:extLst>
+          </p:cNvPr>
+          <p:cNvSpPr>
+            <a:spLocks noGrp="1"/>
+          </p:cNvSpPr>
+          <p:nvPr>
+            <p:ph idx="1"/>
+          </p:nvPr>
+        </p:nvSpPr>
+        <p:spPr>
+          <a:xfrm>
+            <a:off x="1024280" y="1764258"/>
+            <a:ext cx="6074307" cy="3854824"/>
+          </a:xfrm>
+        </p:spPr>
+        <p:txBody>
+          <a:bodyPr>
+            <a:normAutofit/>
+          </a:bodyPr>
+          <a:lstStyle/>
+          <a:p>
+            <a:r>
+              <a:rPr lang="en-US" altLang="zh-TW" sz="1800" dirty="0">
+                <a:solidFill>
+                  <a:srgbClr val="0000FF"/>
+                </a:solidFill>
+                <a:latin typeface="細明體" panose="02020509000000000000" pitchFamily="49" charset="-120"/>
+                <a:ea typeface="細明體" panose="02020509000000000000" pitchFamily="49" charset="-120"/>
+              </a:rPr>
+              <a:t>SELECT</a:t>
+            </a:r>
+            <a:r>
+              <a:rPr lang="en-US" altLang="zh-TW" sz="1800" dirty="0">
+                <a:solidFill>
+                  <a:srgbClr val="000000"/>
+                </a:solidFill>
+                <a:latin typeface="細明體" panose="02020509000000000000" pitchFamily="49" charset="-120"/>
+                <a:ea typeface="細明體" panose="02020509000000000000" pitchFamily="49" charset="-120"/>
+              </a:rPr>
+              <a:t> e</a:t>
+            </a:r>
+            <a:r>
+              <a:rPr lang="en-US" altLang="zh-TW" sz="1800" dirty="0">
+                <a:solidFill>
+                  <a:srgbClr val="808080"/>
+                </a:solidFill>
+                <a:latin typeface="細明體" panose="02020509000000000000" pitchFamily="49" charset="-120"/>
+                <a:ea typeface="細明體" panose="02020509000000000000" pitchFamily="49" charset="-120"/>
+              </a:rPr>
+              <a:t>.</a:t>
+            </a:r>
+            <a:r>
+              <a:rPr lang="en-US" altLang="zh-TW" sz="1800" dirty="0">
+                <a:solidFill>
+                  <a:srgbClr val="000000"/>
+                </a:solidFill>
+                <a:latin typeface="細明體" panose="02020509000000000000" pitchFamily="49" charset="-120"/>
+                <a:ea typeface="細明體" panose="02020509000000000000" pitchFamily="49" charset="-120"/>
+              </a:rPr>
+              <a:t>[</a:t>
+            </a:r>
+            <a:r>
+              <a:rPr lang="en-US" altLang="zh-TW" sz="1800" dirty="0" err="1">
+                <a:solidFill>
+                  <a:srgbClr val="000000"/>
+                </a:solidFill>
+                <a:latin typeface="細明體" panose="02020509000000000000" pitchFamily="49" charset="-120"/>
+                <a:ea typeface="細明體" panose="02020509000000000000" pitchFamily="49" charset="-120"/>
+              </a:rPr>
+              <a:t>EventName</a:t>
+            </a:r>
+            <a:r>
+              <a:rPr lang="en-US" altLang="zh-TW" sz="1800" dirty="0">
+                <a:solidFill>
+                  <a:srgbClr val="000000"/>
+                </a:solidFill>
+                <a:latin typeface="細明體" panose="02020509000000000000" pitchFamily="49" charset="-120"/>
+                <a:ea typeface="細明體" panose="02020509000000000000" pitchFamily="49" charset="-120"/>
+              </a:rPr>
+              <a:t>]</a:t>
+            </a:r>
+            <a:r>
+              <a:rPr lang="en-US" altLang="zh-TW" sz="1800" dirty="0">
+                <a:solidFill>
+                  <a:srgbClr val="808080"/>
+                </a:solidFill>
+                <a:latin typeface="細明體" panose="02020509000000000000" pitchFamily="49" charset="-120"/>
+                <a:ea typeface="細明體" panose="02020509000000000000" pitchFamily="49" charset="-120"/>
+              </a:rPr>
+              <a:t>,</a:t>
+            </a:r>
+            <a:endParaRPr lang="en-US" altLang="zh-TW" sz="1800" dirty="0">
+              <a:solidFill>
+                <a:srgbClr val="000000"/>
+              </a:solidFill>
+              <a:latin typeface="細明體" panose="02020509000000000000" pitchFamily="49" charset="-120"/>
+              <a:ea typeface="細明體" panose="02020509000000000000" pitchFamily="49" charset="-120"/>
+            </a:endParaRPr>
+          </a:p>
+          <a:p>
+            <a:r>
+              <a:rPr lang="en-US" altLang="zh-TW" sz="1800" dirty="0">
+                <a:solidFill>
+                  <a:srgbClr val="000000"/>
+                </a:solidFill>
+                <a:latin typeface="細明體" panose="02020509000000000000" pitchFamily="49" charset="-120"/>
+                <a:ea typeface="細明體" panose="02020509000000000000" pitchFamily="49" charset="-120"/>
+              </a:rPr>
+              <a:t>       e</a:t>
+            </a:r>
+            <a:r>
+              <a:rPr lang="en-US" altLang="zh-TW" sz="1800" dirty="0">
+                <a:solidFill>
+                  <a:srgbClr val="808080"/>
+                </a:solidFill>
+                <a:latin typeface="細明體" panose="02020509000000000000" pitchFamily="49" charset="-120"/>
+                <a:ea typeface="細明體" panose="02020509000000000000" pitchFamily="49" charset="-120"/>
+              </a:rPr>
+              <a:t>.</a:t>
+            </a:r>
+            <a:r>
+              <a:rPr lang="en-US" altLang="zh-TW" sz="1800" dirty="0">
+                <a:solidFill>
+                  <a:srgbClr val="000000"/>
+                </a:solidFill>
+                <a:latin typeface="細明體" panose="02020509000000000000" pitchFamily="49" charset="-120"/>
+                <a:ea typeface="細明體" panose="02020509000000000000" pitchFamily="49" charset="-120"/>
+              </a:rPr>
+              <a:t>[</a:t>
+            </a:r>
+            <a:r>
+              <a:rPr lang="en-US" altLang="zh-TW" sz="1800" dirty="0" err="1">
+                <a:solidFill>
+                  <a:srgbClr val="000000"/>
+                </a:solidFill>
+                <a:latin typeface="細明體" panose="02020509000000000000" pitchFamily="49" charset="-120"/>
+                <a:ea typeface="細明體" panose="02020509000000000000" pitchFamily="49" charset="-120"/>
+              </a:rPr>
+              <a:t>EventDate</a:t>
+            </a:r>
+            <a:r>
+              <a:rPr lang="en-US" altLang="zh-TW" sz="1800" dirty="0">
+                <a:solidFill>
+                  <a:srgbClr val="000000"/>
+                </a:solidFill>
+                <a:latin typeface="細明體" panose="02020509000000000000" pitchFamily="49" charset="-120"/>
+                <a:ea typeface="細明體" panose="02020509000000000000" pitchFamily="49" charset="-120"/>
+              </a:rPr>
+              <a:t>] </a:t>
+            </a:r>
+            <a:r>
+              <a:rPr lang="en-US" altLang="zh-TW" sz="1800" dirty="0">
+                <a:solidFill>
+                  <a:srgbClr val="0000FF"/>
+                </a:solidFill>
+                <a:latin typeface="細明體" panose="02020509000000000000" pitchFamily="49" charset="-120"/>
+                <a:ea typeface="細明體" panose="02020509000000000000" pitchFamily="49" charset="-120"/>
+              </a:rPr>
+              <a:t>as</a:t>
+            </a:r>
+            <a:r>
+              <a:rPr lang="en-US" altLang="zh-TW" sz="1800" dirty="0">
+                <a:solidFill>
+                  <a:srgbClr val="000000"/>
+                </a:solidFill>
+                <a:latin typeface="細明體" panose="02020509000000000000" pitchFamily="49" charset="-120"/>
+                <a:ea typeface="細明體" panose="02020509000000000000" pitchFamily="49" charset="-120"/>
+              </a:rPr>
+              <a:t> </a:t>
+            </a:r>
+            <a:r>
+              <a:rPr lang="en-US" altLang="zh-TW" sz="1800" dirty="0">
+                <a:solidFill>
+                  <a:srgbClr val="FF0000"/>
+                </a:solidFill>
+                <a:latin typeface="細明體" panose="02020509000000000000" pitchFamily="49" charset="-120"/>
+                <a:ea typeface="細明體" panose="02020509000000000000" pitchFamily="49" charset="-120"/>
+              </a:rPr>
+              <a:t>'</a:t>
+            </a:r>
+            <a:r>
+              <a:rPr lang="en-US" altLang="zh-TW" sz="1800" dirty="0" err="1">
+                <a:solidFill>
+                  <a:srgbClr val="FF0000"/>
+                </a:solidFill>
+                <a:latin typeface="細明體" panose="02020509000000000000" pitchFamily="49" charset="-120"/>
+                <a:ea typeface="細明體" panose="02020509000000000000" pitchFamily="49" charset="-120"/>
+              </a:rPr>
+              <a:t>NotFormatted</a:t>
+            </a:r>
+            <a:r>
+              <a:rPr lang="en-US" altLang="zh-TW" sz="1800" dirty="0">
+                <a:solidFill>
+                  <a:srgbClr val="FF0000"/>
+                </a:solidFill>
+                <a:latin typeface="細明體" panose="02020509000000000000" pitchFamily="49" charset="-120"/>
+                <a:ea typeface="細明體" panose="02020509000000000000" pitchFamily="49" charset="-120"/>
+              </a:rPr>
+              <a:t>'</a:t>
+            </a:r>
+            <a:r>
+              <a:rPr lang="en-US" altLang="zh-TW" sz="1800" dirty="0">
+                <a:solidFill>
+                  <a:srgbClr val="808080"/>
+                </a:solidFill>
+                <a:latin typeface="細明體" panose="02020509000000000000" pitchFamily="49" charset="-120"/>
+                <a:ea typeface="細明體" panose="02020509000000000000" pitchFamily="49" charset="-120"/>
+              </a:rPr>
+              <a:t>,</a:t>
+            </a:r>
+            <a:endParaRPr lang="en-US" altLang="zh-TW" sz="1800" dirty="0">
+              <a:solidFill>
+                <a:srgbClr val="000000"/>
+              </a:solidFill>
+              <a:latin typeface="細明體" panose="02020509000000000000" pitchFamily="49" charset="-120"/>
+              <a:ea typeface="細明體" panose="02020509000000000000" pitchFamily="49" charset="-120"/>
+            </a:endParaRPr>
+          </a:p>
+          <a:p>
+            <a:r>
+              <a:rPr lang="en-US" altLang="zh-TW" sz="1800" dirty="0">
+                <a:solidFill>
+                  <a:srgbClr val="000000"/>
+                </a:solidFill>
+                <a:latin typeface="細明體" panose="02020509000000000000" pitchFamily="49" charset="-120"/>
+                <a:ea typeface="細明體" panose="02020509000000000000" pitchFamily="49" charset="-120"/>
+              </a:rPr>
+              <a:t>   </a:t>
+            </a:r>
+            <a:r>
+              <a:rPr lang="en-US" altLang="zh-TW" sz="1800" dirty="0">
+                <a:solidFill>
+                  <a:srgbClr val="FF00FF"/>
+                </a:solidFill>
+                <a:latin typeface="細明體" panose="02020509000000000000" pitchFamily="49" charset="-120"/>
+                <a:ea typeface="細明體" panose="02020509000000000000" pitchFamily="49" charset="-120"/>
+              </a:rPr>
+              <a:t>FORMAT</a:t>
+            </a:r>
+            <a:r>
+              <a:rPr lang="en-US" altLang="zh-TW" sz="1800" dirty="0">
+                <a:solidFill>
+                  <a:srgbClr val="808080"/>
+                </a:solidFill>
+                <a:latin typeface="細明體" panose="02020509000000000000" pitchFamily="49" charset="-120"/>
+                <a:ea typeface="細明體" panose="02020509000000000000" pitchFamily="49" charset="-120"/>
+              </a:rPr>
+              <a:t>(</a:t>
+            </a:r>
+            <a:r>
+              <a:rPr lang="en-US" altLang="zh-TW" sz="1800" dirty="0">
+                <a:solidFill>
+                  <a:srgbClr val="000000"/>
+                </a:solidFill>
+                <a:latin typeface="細明體" panose="02020509000000000000" pitchFamily="49" charset="-120"/>
+                <a:ea typeface="細明體" panose="02020509000000000000" pitchFamily="49" charset="-120"/>
+              </a:rPr>
+              <a:t>e</a:t>
+            </a:r>
+            <a:r>
+              <a:rPr lang="en-US" altLang="zh-TW" sz="1800" dirty="0">
+                <a:solidFill>
+                  <a:srgbClr val="808080"/>
+                </a:solidFill>
+                <a:latin typeface="細明體" panose="02020509000000000000" pitchFamily="49" charset="-120"/>
+                <a:ea typeface="細明體" panose="02020509000000000000" pitchFamily="49" charset="-120"/>
+              </a:rPr>
+              <a:t>.</a:t>
+            </a:r>
+            <a:r>
+              <a:rPr lang="en-US" altLang="zh-TW" sz="1800" dirty="0" err="1">
+                <a:solidFill>
+                  <a:srgbClr val="000000"/>
+                </a:solidFill>
+                <a:latin typeface="細明體" panose="02020509000000000000" pitchFamily="49" charset="-120"/>
+                <a:ea typeface="細明體" panose="02020509000000000000" pitchFamily="49" charset="-120"/>
+              </a:rPr>
+              <a:t>EventDate</a:t>
+            </a:r>
+            <a:r>
+              <a:rPr lang="en-US" altLang="zh-TW" sz="1800" dirty="0">
+                <a:solidFill>
+                  <a:srgbClr val="808080"/>
+                </a:solidFill>
+                <a:latin typeface="細明體" panose="02020509000000000000" pitchFamily="49" charset="-120"/>
+                <a:ea typeface="細明體" panose="02020509000000000000" pitchFamily="49" charset="-120"/>
+              </a:rPr>
+              <a:t>,</a:t>
+            </a:r>
+            <a:r>
+              <a:rPr lang="en-US" altLang="zh-TW" sz="1800" dirty="0">
+                <a:solidFill>
+                  <a:srgbClr val="FF0000"/>
+                </a:solidFill>
+                <a:latin typeface="細明體" panose="02020509000000000000" pitchFamily="49" charset="-120"/>
+                <a:ea typeface="細明體" panose="02020509000000000000" pitchFamily="49" charset="-120"/>
+              </a:rPr>
+              <a:t>'dd/MM/</a:t>
+            </a:r>
+            <a:r>
+              <a:rPr lang="en-US" altLang="zh-TW" sz="1800" dirty="0" err="1">
+                <a:solidFill>
+                  <a:srgbClr val="FF0000"/>
+                </a:solidFill>
+                <a:latin typeface="細明體" panose="02020509000000000000" pitchFamily="49" charset="-120"/>
+                <a:ea typeface="細明體" panose="02020509000000000000" pitchFamily="49" charset="-120"/>
+              </a:rPr>
+              <a:t>yyyy</a:t>
+            </a:r>
+            <a:r>
+              <a:rPr lang="en-US" altLang="zh-TW" sz="1800" dirty="0">
+                <a:solidFill>
+                  <a:srgbClr val="FF0000"/>
+                </a:solidFill>
+                <a:latin typeface="細明體" panose="02020509000000000000" pitchFamily="49" charset="-120"/>
+                <a:ea typeface="細明體" panose="02020509000000000000" pitchFamily="49" charset="-120"/>
+              </a:rPr>
+              <a:t>'</a:t>
+            </a:r>
+            <a:r>
+              <a:rPr lang="en-US" altLang="zh-TW" sz="1800" dirty="0">
+                <a:solidFill>
+                  <a:srgbClr val="808080"/>
+                </a:solidFill>
+                <a:latin typeface="細明體" panose="02020509000000000000" pitchFamily="49" charset="-120"/>
+                <a:ea typeface="細明體" panose="02020509000000000000" pitchFamily="49" charset="-120"/>
+              </a:rPr>
+              <a:t>)</a:t>
+            </a:r>
+            <a:r>
+              <a:rPr lang="en-US" altLang="zh-TW" sz="1800" dirty="0">
+                <a:solidFill>
+                  <a:srgbClr val="000000"/>
+                </a:solidFill>
+                <a:latin typeface="細明體" panose="02020509000000000000" pitchFamily="49" charset="-120"/>
+                <a:ea typeface="細明體" panose="02020509000000000000" pitchFamily="49" charset="-120"/>
+              </a:rPr>
+              <a:t> </a:t>
+            </a:r>
+            <a:r>
+              <a:rPr lang="en-US" altLang="zh-TW" sz="1800" dirty="0">
+                <a:solidFill>
+                  <a:srgbClr val="0000FF"/>
+                </a:solidFill>
+                <a:latin typeface="細明體" panose="02020509000000000000" pitchFamily="49" charset="-120"/>
+                <a:ea typeface="細明體" panose="02020509000000000000" pitchFamily="49" charset="-120"/>
+              </a:rPr>
+              <a:t>AS</a:t>
+            </a:r>
+            <a:r>
+              <a:rPr lang="en-US" altLang="zh-TW" sz="1800" dirty="0">
+                <a:solidFill>
+                  <a:srgbClr val="000000"/>
+                </a:solidFill>
+                <a:latin typeface="細明體" panose="02020509000000000000" pitchFamily="49" charset="-120"/>
+                <a:ea typeface="細明體" panose="02020509000000000000" pitchFamily="49" charset="-120"/>
+              </a:rPr>
+              <a:t> </a:t>
+            </a:r>
+            <a:r>
+              <a:rPr lang="en-US" altLang="zh-TW" sz="1800" dirty="0">
+                <a:solidFill>
+                  <a:srgbClr val="FF0000"/>
+                </a:solidFill>
+                <a:latin typeface="細明體" panose="02020509000000000000" pitchFamily="49" charset="-120"/>
+                <a:ea typeface="細明體" panose="02020509000000000000" pitchFamily="49" charset="-120"/>
+              </a:rPr>
+              <a:t>'</a:t>
+            </a:r>
+            <a:r>
+              <a:rPr lang="en-US" altLang="zh-TW" sz="1800" dirty="0" err="1">
+                <a:solidFill>
+                  <a:srgbClr val="FF0000"/>
+                </a:solidFill>
+                <a:latin typeface="細明體" panose="02020509000000000000" pitchFamily="49" charset="-120"/>
+                <a:ea typeface="細明體" panose="02020509000000000000" pitchFamily="49" charset="-120"/>
+              </a:rPr>
+              <a:t>UsingFormat</a:t>
+            </a:r>
+            <a:r>
+              <a:rPr lang="en-US" altLang="zh-TW" sz="1800" dirty="0">
+                <a:solidFill>
+                  <a:srgbClr val="FF0000"/>
+                </a:solidFill>
+                <a:latin typeface="細明體" panose="02020509000000000000" pitchFamily="49" charset="-120"/>
+                <a:ea typeface="細明體" panose="02020509000000000000" pitchFamily="49" charset="-120"/>
+              </a:rPr>
+              <a:t>'</a:t>
+            </a:r>
+            <a:r>
+              <a:rPr lang="en-US" altLang="zh-TW" sz="1800" dirty="0">
+                <a:solidFill>
+                  <a:srgbClr val="808080"/>
+                </a:solidFill>
+                <a:latin typeface="細明體" panose="02020509000000000000" pitchFamily="49" charset="-120"/>
+                <a:ea typeface="細明體" panose="02020509000000000000" pitchFamily="49" charset="-120"/>
+              </a:rPr>
+              <a:t>,</a:t>
+            </a:r>
+            <a:endParaRPr lang="en-US" altLang="zh-TW" sz="1800" dirty="0">
+              <a:solidFill>
+                <a:srgbClr val="000000"/>
+              </a:solidFill>
+              <a:latin typeface="細明體" panose="02020509000000000000" pitchFamily="49" charset="-120"/>
+              <a:ea typeface="細明體" panose="02020509000000000000" pitchFamily="49" charset="-120"/>
+            </a:endParaRPr>
+          </a:p>
+          <a:p>
+            <a:r>
+              <a:rPr lang="en-US" altLang="zh-TW" sz="1800" dirty="0">
+                <a:solidFill>
+                  <a:srgbClr val="000000"/>
+                </a:solidFill>
+                <a:latin typeface="細明體" panose="02020509000000000000" pitchFamily="49" charset="-120"/>
+                <a:ea typeface="細明體" panose="02020509000000000000" pitchFamily="49" charset="-120"/>
+              </a:rPr>
+              <a:t>   </a:t>
+            </a:r>
+            <a:r>
+              <a:rPr lang="en-US" altLang="zh-TW" sz="1800" dirty="0">
+                <a:solidFill>
+                  <a:srgbClr val="FF00FF"/>
+                </a:solidFill>
+                <a:latin typeface="細明體" panose="02020509000000000000" pitchFamily="49" charset="-120"/>
+                <a:ea typeface="細明體" panose="02020509000000000000" pitchFamily="49" charset="-120"/>
+              </a:rPr>
+              <a:t>CONVERT</a:t>
+            </a:r>
+            <a:r>
+              <a:rPr lang="en-US" altLang="zh-TW" sz="1800" dirty="0">
+                <a:solidFill>
+                  <a:srgbClr val="0000FF"/>
+                </a:solidFill>
+                <a:latin typeface="細明體" panose="02020509000000000000" pitchFamily="49" charset="-120"/>
+                <a:ea typeface="細明體" panose="02020509000000000000" pitchFamily="49" charset="-120"/>
+              </a:rPr>
+              <a:t> </a:t>
+            </a:r>
+            <a:r>
+              <a:rPr lang="en-US" altLang="zh-TW" sz="1800" dirty="0">
+                <a:solidFill>
+                  <a:srgbClr val="808080"/>
+                </a:solidFill>
+                <a:latin typeface="細明體" panose="02020509000000000000" pitchFamily="49" charset="-120"/>
+                <a:ea typeface="細明體" panose="02020509000000000000" pitchFamily="49" charset="-120"/>
+              </a:rPr>
+              <a:t>(</a:t>
+            </a:r>
+            <a:r>
+              <a:rPr lang="en-US" altLang="zh-TW" sz="1800" dirty="0">
+                <a:solidFill>
+                  <a:srgbClr val="0000FF"/>
+                </a:solidFill>
+                <a:latin typeface="細明體" panose="02020509000000000000" pitchFamily="49" charset="-120"/>
+                <a:ea typeface="細明體" panose="02020509000000000000" pitchFamily="49" charset="-120"/>
+              </a:rPr>
+              <a:t>varchar</a:t>
+            </a:r>
+            <a:r>
+              <a:rPr lang="en-US" altLang="zh-TW" sz="1800" dirty="0">
+                <a:solidFill>
+                  <a:srgbClr val="808080"/>
+                </a:solidFill>
+                <a:latin typeface="細明體" panose="02020509000000000000" pitchFamily="49" charset="-120"/>
+                <a:ea typeface="細明體" panose="02020509000000000000" pitchFamily="49" charset="-120"/>
+              </a:rPr>
+              <a:t>(</a:t>
+            </a:r>
+            <a:r>
+              <a:rPr lang="en-US" altLang="zh-TW" sz="1800" dirty="0">
+                <a:solidFill>
+                  <a:srgbClr val="000000"/>
+                </a:solidFill>
+                <a:latin typeface="細明體" panose="02020509000000000000" pitchFamily="49" charset="-120"/>
+                <a:ea typeface="細明體" panose="02020509000000000000" pitchFamily="49" charset="-120"/>
+              </a:rPr>
+              <a:t>10</a:t>
+            </a:r>
+            <a:r>
+              <a:rPr lang="en-US" altLang="zh-TW" sz="1800" dirty="0">
+                <a:solidFill>
+                  <a:srgbClr val="808080"/>
+                </a:solidFill>
+                <a:latin typeface="細明體" panose="02020509000000000000" pitchFamily="49" charset="-120"/>
+                <a:ea typeface="細明體" panose="02020509000000000000" pitchFamily="49" charset="-120"/>
+              </a:rPr>
+              <a:t>),</a:t>
+            </a:r>
+            <a:r>
+              <a:rPr lang="en-US" altLang="zh-TW" sz="1800" dirty="0">
+                <a:solidFill>
+                  <a:srgbClr val="000000"/>
+                </a:solidFill>
+                <a:latin typeface="細明體" panose="02020509000000000000" pitchFamily="49" charset="-120"/>
+                <a:ea typeface="細明體" panose="02020509000000000000" pitchFamily="49" charset="-120"/>
+              </a:rPr>
+              <a:t>e</a:t>
+            </a:r>
+            <a:r>
+              <a:rPr lang="en-US" altLang="zh-TW" sz="1800" dirty="0">
+                <a:solidFill>
+                  <a:srgbClr val="808080"/>
+                </a:solidFill>
+                <a:latin typeface="細明體" panose="02020509000000000000" pitchFamily="49" charset="-120"/>
+                <a:ea typeface="細明體" panose="02020509000000000000" pitchFamily="49" charset="-120"/>
+              </a:rPr>
+              <a:t>.</a:t>
+            </a:r>
+            <a:r>
+              <a:rPr lang="en-US" altLang="zh-TW" sz="1800" dirty="0">
+                <a:solidFill>
+                  <a:srgbClr val="000000"/>
+                </a:solidFill>
+                <a:latin typeface="細明體" panose="02020509000000000000" pitchFamily="49" charset="-120"/>
+                <a:ea typeface="細明體" panose="02020509000000000000" pitchFamily="49" charset="-120"/>
+              </a:rPr>
+              <a:t>EventDate</a:t>
+            </a:r>
+            <a:r>
+              <a:rPr lang="en-US" altLang="zh-TW" sz="1800" dirty="0">
+                <a:solidFill>
+                  <a:srgbClr val="808080"/>
+                </a:solidFill>
+                <a:latin typeface="細明體" panose="02020509000000000000" pitchFamily="49" charset="-120"/>
+                <a:ea typeface="細明體" panose="02020509000000000000" pitchFamily="49" charset="-120"/>
+              </a:rPr>
+              <a:t>,</a:t>
+            </a:r>
+            <a:r>
+              <a:rPr lang="en-US" altLang="zh-TW" sz="1800" dirty="0">
+                <a:solidFill>
+                  <a:srgbClr val="000000"/>
+                </a:solidFill>
+                <a:latin typeface="細明體" panose="02020509000000000000" pitchFamily="49" charset="-120"/>
+                <a:ea typeface="細明體" panose="02020509000000000000" pitchFamily="49" charset="-120"/>
+              </a:rPr>
+              <a:t>103</a:t>
+            </a:r>
+            <a:r>
+              <a:rPr lang="en-US" altLang="zh-TW" sz="1800" dirty="0">
+                <a:solidFill>
+                  <a:srgbClr val="808080"/>
+                </a:solidFill>
+                <a:latin typeface="細明體" panose="02020509000000000000" pitchFamily="49" charset="-120"/>
+                <a:ea typeface="細明體" panose="02020509000000000000" pitchFamily="49" charset="-120"/>
+              </a:rPr>
+              <a:t>)</a:t>
+            </a:r>
+            <a:r>
+              <a:rPr lang="en-US" altLang="zh-TW" sz="1800" dirty="0">
+                <a:solidFill>
+                  <a:srgbClr val="000000"/>
+                </a:solidFill>
+                <a:latin typeface="細明體" panose="02020509000000000000" pitchFamily="49" charset="-120"/>
+                <a:ea typeface="細明體" panose="02020509000000000000" pitchFamily="49" charset="-120"/>
+              </a:rPr>
+              <a:t> </a:t>
+            </a:r>
+            <a:r>
+              <a:rPr lang="en-US" altLang="zh-TW" sz="1800" dirty="0">
+                <a:solidFill>
+                  <a:srgbClr val="0000FF"/>
+                </a:solidFill>
+                <a:latin typeface="細明體" panose="02020509000000000000" pitchFamily="49" charset="-120"/>
+                <a:ea typeface="細明體" panose="02020509000000000000" pitchFamily="49" charset="-120"/>
+              </a:rPr>
+              <a:t>AS</a:t>
+            </a:r>
+            <a:r>
+              <a:rPr lang="en-US" altLang="zh-TW" sz="1800" dirty="0">
+                <a:solidFill>
+                  <a:srgbClr val="000000"/>
+                </a:solidFill>
+                <a:latin typeface="細明體" panose="02020509000000000000" pitchFamily="49" charset="-120"/>
+                <a:ea typeface="細明體" panose="02020509000000000000" pitchFamily="49" charset="-120"/>
+              </a:rPr>
+              <a:t> </a:t>
+            </a:r>
+            <a:r>
+              <a:rPr lang="en-US" altLang="zh-TW" sz="1800" dirty="0">
+                <a:solidFill>
+                  <a:srgbClr val="FF0000"/>
+                </a:solidFill>
+                <a:latin typeface="細明體" panose="02020509000000000000" pitchFamily="49" charset="-120"/>
+                <a:ea typeface="細明體" panose="02020509000000000000" pitchFamily="49" charset="-120"/>
+              </a:rPr>
+              <a:t>'</a:t>
+            </a:r>
+            <a:r>
+              <a:rPr lang="en-US" altLang="zh-TW" sz="1800" dirty="0" err="1">
+                <a:solidFill>
+                  <a:srgbClr val="FF0000"/>
+                </a:solidFill>
+                <a:latin typeface="細明體" panose="02020509000000000000" pitchFamily="49" charset="-120"/>
+                <a:ea typeface="細明體" panose="02020509000000000000" pitchFamily="49" charset="-120"/>
+              </a:rPr>
+              <a:t>UsingConvert</a:t>
+            </a:r>
+            <a:r>
+              <a:rPr lang="en-US" altLang="zh-TW" sz="1800" dirty="0">
+                <a:solidFill>
+                  <a:srgbClr val="FF0000"/>
+                </a:solidFill>
+                <a:latin typeface="細明體" panose="02020509000000000000" pitchFamily="49" charset="-120"/>
+                <a:ea typeface="細明體" panose="02020509000000000000" pitchFamily="49" charset="-120"/>
+              </a:rPr>
+              <a:t>'</a:t>
+            </a:r>
+            <a:endParaRPr lang="en-US" altLang="zh-TW" sz="1800" dirty="0">
+              <a:solidFill>
+                <a:srgbClr val="000000"/>
+              </a:solidFill>
+              <a:latin typeface="細明體" panose="02020509000000000000" pitchFamily="49" charset="-120"/>
+              <a:ea typeface="細明體" panose="02020509000000000000" pitchFamily="49" charset="-120"/>
+            </a:endParaRPr>
+          </a:p>
+          <a:p>
+            <a:endParaRPr lang="zh-TW" altLang="en-US" sz="1800" dirty="0">
+              <a:solidFill>
+                <a:srgbClr val="000000"/>
+              </a:solidFill>
+              <a:latin typeface="細明體" panose="02020509000000000000" pitchFamily="49" charset="-120"/>
+              <a:ea typeface="細明體" panose="02020509000000000000" pitchFamily="49" charset="-120"/>
+            </a:endParaRPr>
+          </a:p>
+          <a:p>
+            <a:r>
+              <a:rPr lang="en-US" altLang="zh-TW" sz="1800" dirty="0">
+                <a:solidFill>
+                  <a:srgbClr val="0000FF"/>
+                </a:solidFill>
+                <a:latin typeface="細明體" panose="02020509000000000000" pitchFamily="49" charset="-120"/>
+                <a:ea typeface="細明體" panose="02020509000000000000" pitchFamily="49" charset="-120"/>
+              </a:rPr>
+              <a:t>FROM</a:t>
+            </a:r>
+            <a:r>
+              <a:rPr lang="en-US" altLang="zh-TW" sz="1800" dirty="0">
+                <a:solidFill>
+                  <a:srgbClr val="000000"/>
+                </a:solidFill>
+                <a:latin typeface="細明體" panose="02020509000000000000" pitchFamily="49" charset="-120"/>
+                <a:ea typeface="細明體" panose="02020509000000000000" pitchFamily="49" charset="-120"/>
+              </a:rPr>
+              <a:t> [</a:t>
+            </a:r>
+            <a:r>
+              <a:rPr lang="en-US" altLang="zh-TW" sz="1800" dirty="0" err="1">
+                <a:solidFill>
+                  <a:srgbClr val="000000"/>
+                </a:solidFill>
+                <a:latin typeface="細明體" panose="02020509000000000000" pitchFamily="49" charset="-120"/>
+                <a:ea typeface="細明體" panose="02020509000000000000" pitchFamily="49" charset="-120"/>
+              </a:rPr>
+              <a:t>WorldEvents</a:t>
+            </a:r>
+            <a:r>
+              <a:rPr lang="en-US" altLang="zh-TW" sz="1800" dirty="0">
+                <a:solidFill>
+                  <a:srgbClr val="000000"/>
+                </a:solidFill>
+                <a:latin typeface="細明體" panose="02020509000000000000" pitchFamily="49" charset="-120"/>
+                <a:ea typeface="細明體" panose="02020509000000000000" pitchFamily="49" charset="-120"/>
+              </a:rPr>
+              <a:t>]</a:t>
+            </a:r>
+            <a:r>
+              <a:rPr lang="en-US" altLang="zh-TW" sz="1800" dirty="0">
+                <a:solidFill>
+                  <a:srgbClr val="808080"/>
+                </a:solidFill>
+                <a:latin typeface="細明體" panose="02020509000000000000" pitchFamily="49" charset="-120"/>
+                <a:ea typeface="細明體" panose="02020509000000000000" pitchFamily="49" charset="-120"/>
+              </a:rPr>
+              <a:t>.</a:t>
+            </a:r>
+            <a:r>
+              <a:rPr lang="en-US" altLang="zh-TW" sz="1800" dirty="0">
+                <a:solidFill>
+                  <a:srgbClr val="000000"/>
+                </a:solidFill>
+                <a:latin typeface="細明體" panose="02020509000000000000" pitchFamily="49" charset="-120"/>
+                <a:ea typeface="細明體" panose="02020509000000000000" pitchFamily="49" charset="-120"/>
+              </a:rPr>
+              <a:t>[</a:t>
+            </a:r>
+            <a:r>
+              <a:rPr lang="en-US" altLang="zh-TW" sz="1800" dirty="0" err="1">
+                <a:solidFill>
+                  <a:srgbClr val="000000"/>
+                </a:solidFill>
+                <a:latin typeface="細明體" panose="02020509000000000000" pitchFamily="49" charset="-120"/>
+                <a:ea typeface="細明體" panose="02020509000000000000" pitchFamily="49" charset="-120"/>
+              </a:rPr>
+              <a:t>dbo</a:t>
+            </a:r>
+            <a:r>
+              <a:rPr lang="en-US" altLang="zh-TW" sz="1800" dirty="0">
+                <a:solidFill>
+                  <a:srgbClr val="000000"/>
+                </a:solidFill>
+                <a:latin typeface="細明體" panose="02020509000000000000" pitchFamily="49" charset="-120"/>
+                <a:ea typeface="細明體" panose="02020509000000000000" pitchFamily="49" charset="-120"/>
+              </a:rPr>
+              <a:t>]</a:t>
+            </a:r>
+            <a:r>
+              <a:rPr lang="en-US" altLang="zh-TW" sz="1800" dirty="0">
+                <a:solidFill>
+                  <a:srgbClr val="808080"/>
+                </a:solidFill>
+                <a:latin typeface="細明體" panose="02020509000000000000" pitchFamily="49" charset="-120"/>
+                <a:ea typeface="細明體" panose="02020509000000000000" pitchFamily="49" charset="-120"/>
+              </a:rPr>
+              <a:t>.</a:t>
+            </a:r>
+            <a:r>
+              <a:rPr lang="en-US" altLang="zh-TW" sz="1800" dirty="0">
+                <a:solidFill>
+                  <a:srgbClr val="000000"/>
+                </a:solidFill>
+                <a:latin typeface="細明體" panose="02020509000000000000" pitchFamily="49" charset="-120"/>
+                <a:ea typeface="細明體" panose="02020509000000000000" pitchFamily="49" charset="-120"/>
+              </a:rPr>
+              <a:t>[</a:t>
+            </a:r>
+            <a:r>
+              <a:rPr lang="en-US" altLang="zh-TW" sz="1800" dirty="0" err="1">
+                <a:solidFill>
+                  <a:srgbClr val="000000"/>
+                </a:solidFill>
+                <a:latin typeface="細明體" panose="02020509000000000000" pitchFamily="49" charset="-120"/>
+                <a:ea typeface="細明體" panose="02020509000000000000" pitchFamily="49" charset="-120"/>
+              </a:rPr>
+              <a:t>tblEvent</a:t>
+            </a:r>
+            <a:r>
+              <a:rPr lang="en-US" altLang="zh-TW" sz="1800" dirty="0">
+                <a:solidFill>
+                  <a:srgbClr val="000000"/>
+                </a:solidFill>
+                <a:latin typeface="細明體" panose="02020509000000000000" pitchFamily="49" charset="-120"/>
+                <a:ea typeface="細明體" panose="02020509000000000000" pitchFamily="49" charset="-120"/>
+              </a:rPr>
+              <a:t>] </a:t>
+            </a:r>
+            <a:r>
+              <a:rPr lang="en-US" altLang="zh-TW" sz="1800" dirty="0">
+                <a:solidFill>
+                  <a:srgbClr val="0000FF"/>
+                </a:solidFill>
+                <a:latin typeface="細明體" panose="02020509000000000000" pitchFamily="49" charset="-120"/>
+                <a:ea typeface="細明體" panose="02020509000000000000" pitchFamily="49" charset="-120"/>
+              </a:rPr>
+              <a:t>as</a:t>
+            </a:r>
+            <a:r>
+              <a:rPr lang="en-US" altLang="zh-TW" sz="1800" dirty="0">
+                <a:solidFill>
+                  <a:srgbClr val="000000"/>
+                </a:solidFill>
+                <a:latin typeface="細明體" panose="02020509000000000000" pitchFamily="49" charset="-120"/>
+                <a:ea typeface="細明體" panose="02020509000000000000" pitchFamily="49" charset="-120"/>
+              </a:rPr>
+              <a:t> e</a:t>
+            </a:r>
+          </a:p>
+          <a:p>
+            <a:r>
+              <a:rPr lang="en-US" altLang="zh-TW" sz="1800" dirty="0">
+                <a:solidFill>
+                  <a:srgbClr val="0000FF"/>
+                </a:solidFill>
+                <a:latin typeface="細明體" panose="02020509000000000000" pitchFamily="49" charset="-120"/>
+                <a:ea typeface="細明體" panose="02020509000000000000" pitchFamily="49" charset="-120"/>
+              </a:rPr>
+              <a:t>WHERE</a:t>
+            </a:r>
+            <a:r>
+              <a:rPr lang="en-US" altLang="zh-TW" sz="1800" dirty="0">
+                <a:solidFill>
+                  <a:srgbClr val="000000"/>
+                </a:solidFill>
+                <a:latin typeface="細明體" panose="02020509000000000000" pitchFamily="49" charset="-120"/>
+                <a:ea typeface="細明體" panose="02020509000000000000" pitchFamily="49" charset="-120"/>
+              </a:rPr>
+              <a:t> </a:t>
+            </a:r>
+            <a:r>
+              <a:rPr lang="en-US" altLang="zh-TW" sz="1800" dirty="0">
+                <a:solidFill>
+                  <a:srgbClr val="FF00FF"/>
+                </a:solidFill>
+                <a:latin typeface="細明體" panose="02020509000000000000" pitchFamily="49" charset="-120"/>
+                <a:ea typeface="細明體" panose="02020509000000000000" pitchFamily="49" charset="-120"/>
+              </a:rPr>
+              <a:t>YEAR</a:t>
+            </a:r>
+            <a:r>
+              <a:rPr lang="en-US" altLang="zh-TW" sz="1800" dirty="0">
+                <a:solidFill>
+                  <a:srgbClr val="808080"/>
+                </a:solidFill>
+                <a:latin typeface="細明體" panose="02020509000000000000" pitchFamily="49" charset="-120"/>
+                <a:ea typeface="細明體" panose="02020509000000000000" pitchFamily="49" charset="-120"/>
+              </a:rPr>
+              <a:t>(</a:t>
+            </a:r>
+            <a:r>
+              <a:rPr lang="en-US" altLang="zh-TW" sz="1800" dirty="0" err="1">
+                <a:solidFill>
+                  <a:srgbClr val="000000"/>
+                </a:solidFill>
+                <a:latin typeface="細明體" panose="02020509000000000000" pitchFamily="49" charset="-120"/>
+                <a:ea typeface="細明體" panose="02020509000000000000" pitchFamily="49" charset="-120"/>
+              </a:rPr>
+              <a:t>e</a:t>
+            </a:r>
+            <a:r>
+              <a:rPr lang="en-US" altLang="zh-TW" sz="1800" dirty="0" err="1">
+                <a:solidFill>
+                  <a:srgbClr val="808080"/>
+                </a:solidFill>
+                <a:latin typeface="細明體" panose="02020509000000000000" pitchFamily="49" charset="-120"/>
+                <a:ea typeface="細明體" panose="02020509000000000000" pitchFamily="49" charset="-120"/>
+              </a:rPr>
+              <a:t>.</a:t>
+            </a:r>
+            <a:r>
+              <a:rPr lang="en-US" altLang="zh-TW" sz="1800" dirty="0" err="1">
+                <a:solidFill>
+                  <a:srgbClr val="000000"/>
+                </a:solidFill>
+                <a:latin typeface="細明體" panose="02020509000000000000" pitchFamily="49" charset="-120"/>
+                <a:ea typeface="細明體" panose="02020509000000000000" pitchFamily="49" charset="-120"/>
+              </a:rPr>
+              <a:t>EventDate</a:t>
+            </a:r>
+            <a:r>
+              <a:rPr lang="en-US" altLang="zh-TW" sz="1800" dirty="0">
+                <a:solidFill>
+                  <a:srgbClr val="808080"/>
+                </a:solidFill>
+                <a:latin typeface="細明體" panose="02020509000000000000" pitchFamily="49" charset="-120"/>
+                <a:ea typeface="細明體" panose="02020509000000000000" pitchFamily="49" charset="-120"/>
+              </a:rPr>
+              <a:t>)=</a:t>
+            </a:r>
+            <a:r>
+              <a:rPr lang="en-US" altLang="zh-TW" sz="1800" dirty="0">
+                <a:solidFill>
+                  <a:srgbClr val="000000"/>
+                </a:solidFill>
+                <a:latin typeface="細明體" panose="02020509000000000000" pitchFamily="49" charset="-120"/>
+                <a:ea typeface="細明體" panose="02020509000000000000" pitchFamily="49" charset="-120"/>
+              </a:rPr>
+              <a:t>1978</a:t>
+            </a:r>
+          </a:p>
+          <a:p>
+            <a:r>
+              <a:rPr lang="en-US" altLang="zh-TW" sz="1800" dirty="0">
+                <a:solidFill>
+                  <a:srgbClr val="0000FF"/>
+                </a:solidFill>
+                <a:latin typeface="細明體" panose="02020509000000000000" pitchFamily="49" charset="-120"/>
+                <a:ea typeface="細明體" panose="02020509000000000000" pitchFamily="49" charset="-120"/>
+              </a:rPr>
+              <a:t>ORDER</a:t>
+            </a:r>
+            <a:r>
+              <a:rPr lang="en-US" altLang="zh-TW" sz="1800" dirty="0">
+                <a:solidFill>
+                  <a:srgbClr val="000000"/>
+                </a:solidFill>
+                <a:latin typeface="細明體" panose="02020509000000000000" pitchFamily="49" charset="-120"/>
+                <a:ea typeface="細明體" panose="02020509000000000000" pitchFamily="49" charset="-120"/>
+              </a:rPr>
+              <a:t> </a:t>
+            </a:r>
+            <a:r>
+              <a:rPr lang="en-US" altLang="zh-TW" sz="1800" dirty="0">
+                <a:solidFill>
+                  <a:srgbClr val="0000FF"/>
+                </a:solidFill>
+                <a:latin typeface="細明體" panose="02020509000000000000" pitchFamily="49" charset="-120"/>
+                <a:ea typeface="細明體" panose="02020509000000000000" pitchFamily="49" charset="-120"/>
+              </a:rPr>
+              <a:t>BY</a:t>
+            </a:r>
+            <a:r>
+              <a:rPr lang="en-US" altLang="zh-TW" sz="1800" dirty="0">
+                <a:solidFill>
+                  <a:srgbClr val="000000"/>
+                </a:solidFill>
+                <a:latin typeface="細明體" panose="02020509000000000000" pitchFamily="49" charset="-120"/>
+                <a:ea typeface="細明體" panose="02020509000000000000" pitchFamily="49" charset="-120"/>
+              </a:rPr>
+              <a:t> </a:t>
+            </a:r>
+            <a:r>
+              <a:rPr lang="en-US" altLang="zh-TW" sz="1800" dirty="0" err="1">
+                <a:solidFill>
+                  <a:srgbClr val="000000"/>
+                </a:solidFill>
+                <a:latin typeface="細明體" panose="02020509000000000000" pitchFamily="49" charset="-120"/>
+                <a:ea typeface="細明體" panose="02020509000000000000" pitchFamily="49" charset="-120"/>
+              </a:rPr>
+              <a:t>e</a:t>
+            </a:r>
+            <a:r>
+              <a:rPr lang="en-US" altLang="zh-TW" sz="1800" dirty="0" err="1">
+                <a:solidFill>
+                  <a:srgbClr val="808080"/>
+                </a:solidFill>
+                <a:latin typeface="細明體" panose="02020509000000000000" pitchFamily="49" charset="-120"/>
+                <a:ea typeface="細明體" panose="02020509000000000000" pitchFamily="49" charset="-120"/>
+              </a:rPr>
+              <a:t>.</a:t>
+            </a:r>
+            <a:r>
+              <a:rPr lang="en-US" altLang="zh-TW" sz="1800" dirty="0" err="1">
+                <a:solidFill>
+                  <a:srgbClr val="000000"/>
+                </a:solidFill>
+                <a:latin typeface="細明體" panose="02020509000000000000" pitchFamily="49" charset="-120"/>
+                <a:ea typeface="細明體" panose="02020509000000000000" pitchFamily="49" charset="-120"/>
+              </a:rPr>
+              <a:t>EventDate</a:t>
+            </a:r>
+            <a:r>
+              <a:rPr lang="en-US" altLang="zh-TW" sz="1800" dirty="0">
+                <a:solidFill>
+                  <a:srgbClr val="000000"/>
+                </a:solidFill>
+                <a:latin typeface="細明體" panose="02020509000000000000" pitchFamily="49" charset="-120"/>
+                <a:ea typeface="細明體" panose="02020509000000000000" pitchFamily="49" charset="-120"/>
+              </a:rPr>
+              <a:t> </a:t>
+            </a:r>
+            <a:r>
+              <a:rPr lang="en-US" altLang="zh-TW" sz="1800" dirty="0">
+                <a:solidFill>
+                  <a:srgbClr val="0000FF"/>
+                </a:solidFill>
+                <a:latin typeface="細明體" panose="02020509000000000000" pitchFamily="49" charset="-120"/>
+                <a:ea typeface="細明體" panose="02020509000000000000" pitchFamily="49" charset="-120"/>
+              </a:rPr>
+              <a:t>ASC</a:t>
+            </a:r>
+            <a:endParaRPr lang="zh-TW" altLang="en-US" sz="1600" dirty="0">
+              <a:solidFill>
+                <a:srgbClr val="000000"/>
+              </a:solidFill>
+              <a:latin typeface="微軟正黑體" panose="020B0604030504040204" pitchFamily="34" charset="-120"/>
+              <a:ea typeface="微軟正黑體" panose="020B0604030504040204" pitchFamily="34" charset="-120"/>
+            </a:endParaRPr>
+          </a:p>
+        </p:txBody>
+      </p:sp>
+      <p:sp>
+        <p:nvSpPr>
+          <p:cNvPr id="9" name="文字方塊 8">
+            <a:extLst>
+              <a:ext uri="{FF2B5EF4-FFF2-40B4-BE49-F238E27FC236}">
+                <a16:creationId xmlns:a16="http://schemas.microsoft.com/office/drawing/2014/main" id="{35E0097D-1D25-800D-ACBE-7E565A45717E}"/>
+              </a:ext>
+            </a:extLst>
+          </p:cNvPr>
+          <p:cNvSpPr txBox="1"/>
+          <p:nvPr/>
+        </p:nvSpPr>
+        <p:spPr>
+          <a:xfrm>
+            <a:off x="818092" y="5792978"/>
+            <a:ext cx="11238974" cy="369332"/>
+          </a:xfrm>
+          <a:prstGeom prst="rect">
+            <a:avLst/>
+          </a:prstGeom>
+          <a:noFill/>
+        </p:spPr>
+        <p:txBody>
+          <a:bodyPr wrap="none" rtlCol="0">
+            <a:spAutoFit/>
+          </a:bodyPr>
+          <a:lstStyle/>
+          <a:p>
+            <a:r>
+              <a:rPr lang="zh-TW" altLang="en-US" dirty="0"/>
+              <a:t>參考資料</a:t>
+            </a:r>
+            <a:r>
+              <a:rPr lang="en-US" altLang="zh-TW" dirty="0"/>
+              <a:t>:https://www.mssqltips.com/sqlservertip/2655/format-sql-server-dates-with-format-function/</a:t>
+            </a:r>
+            <a:endParaRPr lang="zh-TW" altLang="en-US" dirty="0"/>
+          </a:p>
+        </p:txBody>
+      </p:sp>
+      <p:sp>
+        <p:nvSpPr>
+          <p:cNvPr id="5" name="文字方塊 4">
+            <a:extLst>
+              <a:ext uri="{FF2B5EF4-FFF2-40B4-BE49-F238E27FC236}">
+                <a16:creationId xmlns:a16="http://schemas.microsoft.com/office/drawing/2014/main" id="{42926540-D4BA-F1F5-B8CC-24A69076B682}"/>
+              </a:ext>
+            </a:extLst>
+          </p:cNvPr>
+          <p:cNvSpPr txBox="1"/>
+          <p:nvPr/>
+        </p:nvSpPr>
+        <p:spPr>
+          <a:xfrm>
+            <a:off x="818092" y="6230434"/>
+            <a:ext cx="8919429" cy="369332"/>
+          </a:xfrm>
+          <a:prstGeom prst="rect">
+            <a:avLst/>
+          </a:prstGeom>
+          <a:noFill/>
+        </p:spPr>
+        <p:txBody>
+          <a:bodyPr wrap="none" rtlCol="0">
+            <a:spAutoFit/>
+          </a:bodyPr>
+          <a:lstStyle/>
+          <a:p>
+            <a:r>
+              <a:rPr lang="zh-TW" altLang="en-US" dirty="0"/>
+              <a:t>參考資料</a:t>
+            </a:r>
+            <a:r>
+              <a:rPr lang="en-US" altLang="zh-TW" dirty="0"/>
+              <a:t>:https://networking.ringofsaturn.com/SQL/</a:t>
+            </a:r>
+            <a:r>
+              <a:rPr lang="en-US" altLang="zh-TW" dirty="0" err="1"/>
+              <a:t>howtoformatdatetime.php</a:t>
+            </a:r>
+            <a:endParaRPr lang="zh-TW" altLang="en-US" dirty="0"/>
+          </a:p>
+        </p:txBody>
+      </p:sp>
+      <p:pic>
+        <p:nvPicPr>
+          <p:cNvPr id="7" name="圖片 6">
+            <a:extLst>
+              <a:ext uri="{FF2B5EF4-FFF2-40B4-BE49-F238E27FC236}">
+                <a16:creationId xmlns:a16="http://schemas.microsoft.com/office/drawing/2014/main" id="{2A04EFB8-34CF-B07C-95F8-371918033D99}"/>
+              </a:ext>
+            </a:extLst>
+          </p:cNvPr>
+          <p:cNvPicPr>
+            <a:picLocks noChangeAspect="1"/>
+          </p:cNvPicPr>
+          <p:nvPr/>
+        </p:nvPicPr>
+        <p:blipFill>
+          <a:blip r:embed="rId2"/>
+          <a:stretch>
+            <a:fillRect/>
+          </a:stretch>
+        </p:blipFill>
+        <p:spPr>
+          <a:xfrm>
+            <a:off x="6437579" y="4001818"/>
+            <a:ext cx="5298338" cy="1463036"/>
+          </a:xfrm>
+          <a:prstGeom prst="rect">
+            <a:avLst/>
+          </a:prstGeom>
+        </p:spPr>
+      </p:pic>
+    </p:spTree>
+    <p:extLst>
+      <p:ext uri="{BB962C8B-B14F-4D97-AF65-F5344CB8AC3E}">
+        <p14:creationId xmlns:p14="http://schemas.microsoft.com/office/powerpoint/2010/main" val="2720321773"/>
+      </p:ext>
+    </p:extLst>
+  </p:cSld>
+  <p:clrMapOvr>
+    <a:masterClrMapping/>
+  </p:clrMapOvr>
+</p:sld>
+</file>
+
+<file path=ppt/slides/slide42.xml><?xml version="1.0" encoding="utf-8"?>
+<p:sld xmlns:a="http://schemas.openxmlformats.org/drawingml/2006/main" xmlns:r="http://schemas.openxmlformats.org/officeDocument/2006/relationships" xmlns:p="http://schemas.openxmlformats.org/presentationml/2006/main">
+  <p:cSld>
+    <p:spTree>
+      <p:nvGrpSpPr>
+        <p:cNvPr id="1" name=""/>
+        <p:cNvGrpSpPr/>
+        <p:nvPr/>
+      </p:nvGrpSpPr>
+      <p:grpSpPr>
+        <a:xfrm>
+          <a:off x="0" y="0"/>
+          <a:ext cx="0" cy="0"/>
+          <a:chOff x="0" y="0"/>
+          <a:chExt cx="0" cy="0"/>
+        </a:xfrm>
+      </p:grpSpPr>
+      <p:sp>
+        <p:nvSpPr>
+          <p:cNvPr id="2" name="標題 1">
+            <a:extLst>
+              <a:ext uri="{FF2B5EF4-FFF2-40B4-BE49-F238E27FC236}">
+                <a16:creationId xmlns:a16="http://schemas.microsoft.com/office/drawing/2014/main" id="{9754B65C-1642-6FE5-D941-96E5D377AABC}"/>
+              </a:ext>
+            </a:extLst>
+          </p:cNvPr>
+          <p:cNvSpPr>
+            <a:spLocks noGrp="1"/>
+          </p:cNvSpPr>
+          <p:nvPr>
+            <p:ph type="title"/>
+          </p:nvPr>
+        </p:nvSpPr>
+        <p:spPr>
+          <a:xfrm>
+            <a:off x="1687669" y="624110"/>
+            <a:ext cx="7321860" cy="1280890"/>
+          </a:xfrm>
+        </p:spPr>
+        <p:txBody>
+          <a:bodyPr>
+            <a:normAutofit/>
+          </a:bodyPr>
+          <a:lstStyle/>
+          <a:p>
+            <a:r>
+              <a:rPr lang="en-US" altLang="zh-TW" sz="3200" dirty="0"/>
+              <a:t>Calculations using dates Q2</a:t>
+            </a:r>
+            <a:endParaRPr lang="zh-TW" altLang="en-US" sz="3200" dirty="0"/>
+          </a:p>
+        </p:txBody>
+      </p:sp>
+      <p:sp>
+        <p:nvSpPr>
+          <p:cNvPr id="4" name="投影片編號版面配置區 3">
+            <a:extLst>
+              <a:ext uri="{FF2B5EF4-FFF2-40B4-BE49-F238E27FC236}">
+                <a16:creationId xmlns:a16="http://schemas.microsoft.com/office/drawing/2014/main" id="{3F1EA6AD-3945-5A5F-70AE-CD8043429B6D}"/>
+              </a:ext>
+            </a:extLst>
+          </p:cNvPr>
+          <p:cNvSpPr>
+            <a:spLocks noGrp="1"/>
+          </p:cNvSpPr>
+          <p:nvPr>
+            <p:ph type="sldNum" sz="quarter" idx="12"/>
+          </p:nvPr>
+        </p:nvSpPr>
+        <p:spPr>
+          <a:xfrm>
+            <a:off x="531812" y="787782"/>
+            <a:ext cx="779767" cy="365125"/>
+          </a:xfrm>
+        </p:spPr>
+        <p:txBody>
+          <a:bodyPr>
+            <a:normAutofit/>
+          </a:bodyPr>
+          <a:lstStyle/>
+          <a:p>
+            <a:pPr>
+              <a:lnSpc>
+                <a:spcPct val="90000"/>
+              </a:lnSpc>
+              <a:spcAft>
+                <a:spcPts val="600"/>
+              </a:spcAft>
+            </a:pPr>
+            <a:fld id="{D57F1E4F-1CFF-5643-939E-217C01CDF565}" type="slidenum">
+              <a:rPr lang="en-US" sz="1900" smtClean="0"/>
+              <a:pPr>
+                <a:lnSpc>
+                  <a:spcPct val="90000"/>
+                </a:lnSpc>
+                <a:spcAft>
+                  <a:spcPts val="600"/>
+                </a:spcAft>
+              </a:pPr>
+              <a:t>42</a:t>
+            </a:fld>
+            <a:endParaRPr lang="en-US" sz="1900"/>
+          </a:p>
+        </p:txBody>
+      </p:sp>
+      <p:pic>
+        <p:nvPicPr>
+          <p:cNvPr id="9" name="內容版面配置區 8">
+            <a:extLst>
+              <a:ext uri="{FF2B5EF4-FFF2-40B4-BE49-F238E27FC236}">
+                <a16:creationId xmlns:a16="http://schemas.microsoft.com/office/drawing/2014/main" id="{891B5269-B100-3EA3-C275-591F7659152A}"/>
+              </a:ext>
+            </a:extLst>
+          </p:cNvPr>
+          <p:cNvPicPr>
+            <a:picLocks noGrp="1" noChangeAspect="1"/>
+          </p:cNvPicPr>
+          <p:nvPr>
+            <p:ph idx="1"/>
+          </p:nvPr>
+        </p:nvPicPr>
+        <p:blipFill>
+          <a:blip r:embed="rId2"/>
+          <a:stretch>
+            <a:fillRect/>
+          </a:stretch>
+        </p:blipFill>
+        <p:spPr>
+          <a:xfrm>
+            <a:off x="1900518" y="1264555"/>
+            <a:ext cx="5157429" cy="5321531"/>
+          </a:xfrm>
+        </p:spPr>
+      </p:pic>
+    </p:spTree>
+    <p:extLst>
+      <p:ext uri="{BB962C8B-B14F-4D97-AF65-F5344CB8AC3E}">
+        <p14:creationId xmlns:p14="http://schemas.microsoft.com/office/powerpoint/2010/main" val="1183459908"/>
+      </p:ext>
+    </p:extLst>
+  </p:cSld>
+  <p:clrMapOvr>
+    <a:masterClrMapping/>
+  </p:clrMapOvr>
+</p:sld>
+</file>
+
+<file path=ppt/slides/slide43.xml><?xml version="1.0" encoding="utf-8"?>
+<p:sld xmlns:a="http://schemas.openxmlformats.org/drawingml/2006/main" xmlns:r="http://schemas.openxmlformats.org/officeDocument/2006/relationships" xmlns:p="http://schemas.openxmlformats.org/presentationml/2006/main">
+  <p:cSld>
+    <p:spTree>
+      <p:nvGrpSpPr>
+        <p:cNvPr id="1" name=""/>
+        <p:cNvGrpSpPr/>
+        <p:nvPr/>
+      </p:nvGrpSpPr>
+      <p:grpSpPr>
+        <a:xfrm>
+          <a:off x="0" y="0"/>
+          <a:ext cx="0" cy="0"/>
+          <a:chOff x="0" y="0"/>
+          <a:chExt cx="0" cy="0"/>
+        </a:xfrm>
+      </p:grpSpPr>
+      <p:sp>
+        <p:nvSpPr>
+          <p:cNvPr id="2" name="標題 1">
+            <a:extLst>
+              <a:ext uri="{FF2B5EF4-FFF2-40B4-BE49-F238E27FC236}">
+                <a16:creationId xmlns:a16="http://schemas.microsoft.com/office/drawing/2014/main" id="{9754B65C-1642-6FE5-D941-96E5D377AABC}"/>
+              </a:ext>
+            </a:extLst>
+          </p:cNvPr>
+          <p:cNvSpPr>
+            <a:spLocks noGrp="1"/>
+          </p:cNvSpPr>
+          <p:nvPr>
+            <p:ph type="title"/>
+          </p:nvPr>
+        </p:nvSpPr>
+        <p:spPr>
+          <a:xfrm>
+            <a:off x="1687669" y="624110"/>
+            <a:ext cx="4137059" cy="1280890"/>
+          </a:xfrm>
+        </p:spPr>
+        <p:txBody>
+          <a:bodyPr>
+            <a:normAutofit/>
+          </a:bodyPr>
+          <a:lstStyle/>
+          <a:p>
+            <a:r>
+              <a:rPr lang="en-US" altLang="zh-TW" sz="3200" dirty="0"/>
+              <a:t>Answer2.</a:t>
+            </a:r>
+            <a:endParaRPr lang="zh-TW" altLang="en-US" sz="3200" dirty="0"/>
+          </a:p>
+        </p:txBody>
+      </p:sp>
+      <p:sp>
+        <p:nvSpPr>
+          <p:cNvPr id="4" name="投影片編號版面配置區 3">
+            <a:extLst>
+              <a:ext uri="{FF2B5EF4-FFF2-40B4-BE49-F238E27FC236}">
+                <a16:creationId xmlns:a16="http://schemas.microsoft.com/office/drawing/2014/main" id="{3F1EA6AD-3945-5A5F-70AE-CD8043429B6D}"/>
+              </a:ext>
+            </a:extLst>
+          </p:cNvPr>
+          <p:cNvSpPr>
+            <a:spLocks noGrp="1"/>
+          </p:cNvSpPr>
+          <p:nvPr>
+            <p:ph type="sldNum" sz="quarter" idx="12"/>
+          </p:nvPr>
+        </p:nvSpPr>
+        <p:spPr>
+          <a:xfrm>
+            <a:off x="531812" y="787782"/>
+            <a:ext cx="779767" cy="365125"/>
+          </a:xfrm>
+        </p:spPr>
+        <p:txBody>
+          <a:bodyPr>
+            <a:normAutofit/>
+          </a:bodyPr>
+          <a:lstStyle/>
+          <a:p>
+            <a:pPr>
+              <a:lnSpc>
+                <a:spcPct val="90000"/>
+              </a:lnSpc>
+              <a:spcAft>
+                <a:spcPts val="600"/>
+              </a:spcAft>
+            </a:pPr>
+            <a:fld id="{D57F1E4F-1CFF-5643-939E-217C01CDF565}" type="slidenum">
+              <a:rPr lang="en-US" sz="1900" smtClean="0"/>
+              <a:pPr>
+                <a:lnSpc>
+                  <a:spcPct val="90000"/>
+                </a:lnSpc>
+                <a:spcAft>
+                  <a:spcPts val="600"/>
+                </a:spcAft>
+              </a:pPr>
+              <a:t>43</a:t>
+            </a:fld>
+            <a:endParaRPr lang="en-US" sz="1900"/>
+          </a:p>
+        </p:txBody>
+      </p:sp>
+      <p:sp>
+        <p:nvSpPr>
+          <p:cNvPr id="3" name="內容版面配置區 2">
+            <a:extLst>
+              <a:ext uri="{FF2B5EF4-FFF2-40B4-BE49-F238E27FC236}">
+                <a16:creationId xmlns:a16="http://schemas.microsoft.com/office/drawing/2014/main" id="{8A26720F-616D-E164-DA93-3A4EBED4F0AD}"/>
+              </a:ext>
+            </a:extLst>
+          </p:cNvPr>
+          <p:cNvSpPr>
+            <a:spLocks noGrp="1"/>
+          </p:cNvSpPr>
+          <p:nvPr>
+            <p:ph idx="1"/>
+          </p:nvPr>
+        </p:nvSpPr>
+        <p:spPr>
+          <a:xfrm>
+            <a:off x="1687669" y="1685364"/>
+            <a:ext cx="6074307" cy="3854824"/>
+          </a:xfrm>
+        </p:spPr>
+        <p:txBody>
+          <a:bodyPr>
+            <a:normAutofit/>
+          </a:bodyPr>
+          <a:lstStyle/>
+          <a:p>
+            <a:r>
+              <a:rPr lang="en-US" altLang="zh-TW" sz="1800" dirty="0">
+                <a:solidFill>
+                  <a:srgbClr val="0000FF"/>
+                </a:solidFill>
+                <a:latin typeface="細明體" panose="02020509000000000000" pitchFamily="49" charset="-120"/>
+                <a:ea typeface="細明體" panose="02020509000000000000" pitchFamily="49" charset="-120"/>
+              </a:rPr>
+              <a:t>SELECT</a:t>
+            </a:r>
+            <a:r>
+              <a:rPr lang="en-US" altLang="zh-TW" sz="1800" dirty="0">
+                <a:solidFill>
+                  <a:srgbClr val="000000"/>
+                </a:solidFill>
+                <a:latin typeface="細明體" panose="02020509000000000000" pitchFamily="49" charset="-120"/>
+                <a:ea typeface="細明體" panose="02020509000000000000" pitchFamily="49" charset="-120"/>
+              </a:rPr>
+              <a:t> e</a:t>
+            </a:r>
+            <a:r>
+              <a:rPr lang="en-US" altLang="zh-TW" sz="1800" dirty="0">
+                <a:solidFill>
+                  <a:srgbClr val="808080"/>
+                </a:solidFill>
+                <a:latin typeface="細明體" panose="02020509000000000000" pitchFamily="49" charset="-120"/>
+                <a:ea typeface="細明體" panose="02020509000000000000" pitchFamily="49" charset="-120"/>
+              </a:rPr>
+              <a:t>.</a:t>
+            </a:r>
+            <a:r>
+              <a:rPr lang="en-US" altLang="zh-TW" sz="1800" dirty="0">
+                <a:solidFill>
+                  <a:srgbClr val="000000"/>
+                </a:solidFill>
+                <a:latin typeface="細明體" panose="02020509000000000000" pitchFamily="49" charset="-120"/>
+                <a:ea typeface="細明體" panose="02020509000000000000" pitchFamily="49" charset="-120"/>
+              </a:rPr>
+              <a:t>[</a:t>
+            </a:r>
+            <a:r>
+              <a:rPr lang="en-US" altLang="zh-TW" sz="1800" dirty="0" err="1">
+                <a:solidFill>
+                  <a:srgbClr val="000000"/>
+                </a:solidFill>
+                <a:latin typeface="細明體" panose="02020509000000000000" pitchFamily="49" charset="-120"/>
+                <a:ea typeface="細明體" panose="02020509000000000000" pitchFamily="49" charset="-120"/>
+              </a:rPr>
+              <a:t>EventName</a:t>
+            </a:r>
+            <a:r>
+              <a:rPr lang="en-US" altLang="zh-TW" sz="1800" dirty="0">
+                <a:solidFill>
+                  <a:srgbClr val="000000"/>
+                </a:solidFill>
+                <a:latin typeface="細明體" panose="02020509000000000000" pitchFamily="49" charset="-120"/>
+                <a:ea typeface="細明體" panose="02020509000000000000" pitchFamily="49" charset="-120"/>
+              </a:rPr>
+              <a:t>]</a:t>
+            </a:r>
+            <a:r>
+              <a:rPr lang="en-US" altLang="zh-TW" sz="1800" dirty="0">
+                <a:solidFill>
+                  <a:srgbClr val="808080"/>
+                </a:solidFill>
+                <a:latin typeface="細明體" panose="02020509000000000000" pitchFamily="49" charset="-120"/>
+                <a:ea typeface="細明體" panose="02020509000000000000" pitchFamily="49" charset="-120"/>
+              </a:rPr>
+              <a:t>,</a:t>
+            </a:r>
+            <a:endParaRPr lang="en-US" altLang="zh-TW" sz="1800" dirty="0">
+              <a:solidFill>
+                <a:srgbClr val="000000"/>
+              </a:solidFill>
+              <a:latin typeface="細明體" panose="02020509000000000000" pitchFamily="49" charset="-120"/>
+              <a:ea typeface="細明體" panose="02020509000000000000" pitchFamily="49" charset="-120"/>
+            </a:endParaRPr>
+          </a:p>
+          <a:p>
+            <a:r>
+              <a:rPr lang="en-US" altLang="zh-TW" sz="1800" dirty="0">
+                <a:solidFill>
+                  <a:srgbClr val="000000"/>
+                </a:solidFill>
+                <a:latin typeface="細明體" panose="02020509000000000000" pitchFamily="49" charset="-120"/>
+                <a:ea typeface="細明體" panose="02020509000000000000" pitchFamily="49" charset="-120"/>
+              </a:rPr>
+              <a:t>      </a:t>
+            </a:r>
+            <a:r>
+              <a:rPr lang="en-US" altLang="zh-TW" sz="1800" dirty="0">
+                <a:solidFill>
+                  <a:srgbClr val="FF00FF"/>
+                </a:solidFill>
+                <a:latin typeface="細明體" panose="02020509000000000000" pitchFamily="49" charset="-120"/>
+                <a:ea typeface="細明體" panose="02020509000000000000" pitchFamily="49" charset="-120"/>
+              </a:rPr>
+              <a:t>FORMAT</a:t>
+            </a:r>
+            <a:r>
+              <a:rPr lang="en-US" altLang="zh-TW" sz="1800" dirty="0">
+                <a:solidFill>
+                  <a:srgbClr val="808080"/>
+                </a:solidFill>
+                <a:latin typeface="細明體" panose="02020509000000000000" pitchFamily="49" charset="-120"/>
+                <a:ea typeface="細明體" panose="02020509000000000000" pitchFamily="49" charset="-120"/>
+              </a:rPr>
+              <a:t>(</a:t>
+            </a:r>
+            <a:r>
+              <a:rPr lang="en-US" altLang="zh-TW" sz="1800" dirty="0">
+                <a:solidFill>
+                  <a:srgbClr val="000000"/>
+                </a:solidFill>
+                <a:latin typeface="細明體" panose="02020509000000000000" pitchFamily="49" charset="-120"/>
+                <a:ea typeface="細明體" panose="02020509000000000000" pitchFamily="49" charset="-120"/>
+              </a:rPr>
+              <a:t>e</a:t>
+            </a:r>
+            <a:r>
+              <a:rPr lang="en-US" altLang="zh-TW" sz="1800" dirty="0">
+                <a:solidFill>
+                  <a:srgbClr val="808080"/>
+                </a:solidFill>
+                <a:latin typeface="細明體" panose="02020509000000000000" pitchFamily="49" charset="-120"/>
+                <a:ea typeface="細明體" panose="02020509000000000000" pitchFamily="49" charset="-120"/>
+              </a:rPr>
+              <a:t>.</a:t>
+            </a:r>
+            <a:r>
+              <a:rPr lang="en-US" altLang="zh-TW" sz="1800" dirty="0">
+                <a:solidFill>
+                  <a:srgbClr val="000000"/>
+                </a:solidFill>
+                <a:latin typeface="細明體" panose="02020509000000000000" pitchFamily="49" charset="-120"/>
+                <a:ea typeface="細明體" panose="02020509000000000000" pitchFamily="49" charset="-120"/>
+              </a:rPr>
+              <a:t>[</a:t>
+            </a:r>
+            <a:r>
+              <a:rPr lang="en-US" altLang="zh-TW" sz="1800" dirty="0" err="1">
+                <a:solidFill>
+                  <a:srgbClr val="000000"/>
+                </a:solidFill>
+                <a:latin typeface="細明體" panose="02020509000000000000" pitchFamily="49" charset="-120"/>
+                <a:ea typeface="細明體" panose="02020509000000000000" pitchFamily="49" charset="-120"/>
+              </a:rPr>
+              <a:t>EventDate</a:t>
+            </a:r>
+            <a:r>
+              <a:rPr lang="en-US" altLang="zh-TW" sz="1800" dirty="0">
+                <a:solidFill>
+                  <a:srgbClr val="000000"/>
+                </a:solidFill>
+                <a:latin typeface="細明體" panose="02020509000000000000" pitchFamily="49" charset="-120"/>
+                <a:ea typeface="細明體" panose="02020509000000000000" pitchFamily="49" charset="-120"/>
+              </a:rPr>
+              <a:t>]</a:t>
+            </a:r>
+            <a:r>
+              <a:rPr lang="en-US" altLang="zh-TW" sz="1800" dirty="0">
+                <a:solidFill>
+                  <a:srgbClr val="808080"/>
+                </a:solidFill>
+                <a:latin typeface="細明體" panose="02020509000000000000" pitchFamily="49" charset="-120"/>
+                <a:ea typeface="細明體" panose="02020509000000000000" pitchFamily="49" charset="-120"/>
+              </a:rPr>
+              <a:t>,</a:t>
+            </a:r>
+            <a:r>
+              <a:rPr lang="en-US" altLang="zh-TW" sz="1800" dirty="0">
+                <a:solidFill>
+                  <a:srgbClr val="FF0000"/>
+                </a:solidFill>
+                <a:latin typeface="細明體" panose="02020509000000000000" pitchFamily="49" charset="-120"/>
+                <a:ea typeface="細明體" panose="02020509000000000000" pitchFamily="49" charset="-120"/>
+              </a:rPr>
+              <a:t>'dd MMM </a:t>
+            </a:r>
+            <a:r>
+              <a:rPr lang="en-US" altLang="zh-TW" sz="1800" dirty="0" err="1">
+                <a:solidFill>
+                  <a:srgbClr val="FF0000"/>
+                </a:solidFill>
+                <a:latin typeface="細明體" panose="02020509000000000000" pitchFamily="49" charset="-120"/>
+                <a:ea typeface="細明體" panose="02020509000000000000" pitchFamily="49" charset="-120"/>
+              </a:rPr>
+              <a:t>yyyy</a:t>
+            </a:r>
+            <a:r>
+              <a:rPr lang="en-US" altLang="zh-TW" sz="1800" dirty="0">
+                <a:solidFill>
+                  <a:srgbClr val="FF0000"/>
+                </a:solidFill>
+                <a:latin typeface="細明體" panose="02020509000000000000" pitchFamily="49" charset="-120"/>
+                <a:ea typeface="細明體" panose="02020509000000000000" pitchFamily="49" charset="-120"/>
+              </a:rPr>
+              <a:t>'</a:t>
+            </a:r>
+            <a:r>
+              <a:rPr lang="en-US" altLang="zh-TW" sz="1800" dirty="0">
+                <a:solidFill>
+                  <a:srgbClr val="808080"/>
+                </a:solidFill>
+                <a:latin typeface="細明體" panose="02020509000000000000" pitchFamily="49" charset="-120"/>
+                <a:ea typeface="細明體" panose="02020509000000000000" pitchFamily="49" charset="-120"/>
+              </a:rPr>
+              <a:t>)</a:t>
+            </a:r>
+            <a:r>
+              <a:rPr lang="en-US" altLang="zh-TW" sz="1800" dirty="0">
+                <a:solidFill>
+                  <a:srgbClr val="000000"/>
+                </a:solidFill>
+                <a:latin typeface="細明體" panose="02020509000000000000" pitchFamily="49" charset="-120"/>
+                <a:ea typeface="細明體" panose="02020509000000000000" pitchFamily="49" charset="-120"/>
+              </a:rPr>
+              <a:t> </a:t>
+            </a:r>
+            <a:r>
+              <a:rPr lang="en-US" altLang="zh-TW" sz="1800" dirty="0">
+                <a:solidFill>
+                  <a:srgbClr val="0000FF"/>
+                </a:solidFill>
+                <a:latin typeface="細明體" panose="02020509000000000000" pitchFamily="49" charset="-120"/>
+                <a:ea typeface="細明體" panose="02020509000000000000" pitchFamily="49" charset="-120"/>
+              </a:rPr>
+              <a:t>as</a:t>
+            </a:r>
+            <a:r>
+              <a:rPr lang="en-US" altLang="zh-TW" sz="1800" dirty="0">
+                <a:solidFill>
+                  <a:srgbClr val="000000"/>
+                </a:solidFill>
+                <a:latin typeface="細明體" panose="02020509000000000000" pitchFamily="49" charset="-120"/>
+                <a:ea typeface="細明體" panose="02020509000000000000" pitchFamily="49" charset="-120"/>
+              </a:rPr>
+              <a:t> </a:t>
+            </a:r>
+            <a:r>
+              <a:rPr lang="en-US" altLang="zh-TW" sz="1800" dirty="0">
+                <a:solidFill>
+                  <a:srgbClr val="FF0000"/>
+                </a:solidFill>
+                <a:latin typeface="細明體" panose="02020509000000000000" pitchFamily="49" charset="-120"/>
+                <a:ea typeface="細明體" panose="02020509000000000000" pitchFamily="49" charset="-120"/>
+              </a:rPr>
+              <a:t>'</a:t>
+            </a:r>
+            <a:r>
+              <a:rPr lang="en-US" altLang="zh-TW" sz="1800" dirty="0" err="1">
+                <a:solidFill>
+                  <a:srgbClr val="FF0000"/>
+                </a:solidFill>
+                <a:latin typeface="細明體" panose="02020509000000000000" pitchFamily="49" charset="-120"/>
+                <a:ea typeface="細明體" panose="02020509000000000000" pitchFamily="49" charset="-120"/>
+              </a:rPr>
+              <a:t>EventDate</a:t>
+            </a:r>
+            <a:r>
+              <a:rPr lang="en-US" altLang="zh-TW" sz="1800" dirty="0">
+                <a:solidFill>
+                  <a:srgbClr val="FF0000"/>
+                </a:solidFill>
+                <a:latin typeface="細明體" panose="02020509000000000000" pitchFamily="49" charset="-120"/>
+                <a:ea typeface="細明體" panose="02020509000000000000" pitchFamily="49" charset="-120"/>
+              </a:rPr>
+              <a:t>'</a:t>
+            </a:r>
+            <a:r>
+              <a:rPr lang="en-US" altLang="zh-TW" sz="1800" dirty="0">
+                <a:solidFill>
+                  <a:srgbClr val="808080"/>
+                </a:solidFill>
+                <a:latin typeface="細明體" panose="02020509000000000000" pitchFamily="49" charset="-120"/>
+                <a:ea typeface="細明體" panose="02020509000000000000" pitchFamily="49" charset="-120"/>
+              </a:rPr>
+              <a:t>,</a:t>
+            </a:r>
+            <a:endParaRPr lang="en-US" altLang="zh-TW" sz="1800" dirty="0">
+              <a:solidFill>
+                <a:srgbClr val="000000"/>
+              </a:solidFill>
+              <a:latin typeface="細明體" panose="02020509000000000000" pitchFamily="49" charset="-120"/>
+              <a:ea typeface="細明體" panose="02020509000000000000" pitchFamily="49" charset="-120"/>
+            </a:endParaRPr>
+          </a:p>
+          <a:p>
+            <a:r>
+              <a:rPr lang="en-US" altLang="zh-TW" sz="1800" dirty="0">
+                <a:solidFill>
+                  <a:srgbClr val="000000"/>
+                </a:solidFill>
+                <a:latin typeface="細明體" panose="02020509000000000000" pitchFamily="49" charset="-120"/>
+                <a:ea typeface="細明體" panose="02020509000000000000" pitchFamily="49" charset="-120"/>
+              </a:rPr>
+              <a:t>  </a:t>
+            </a:r>
+            <a:r>
+              <a:rPr lang="en-US" altLang="zh-TW" sz="1800" dirty="0">
+                <a:solidFill>
+                  <a:srgbClr val="FF00FF"/>
+                </a:solidFill>
+                <a:latin typeface="細明體" panose="02020509000000000000" pitchFamily="49" charset="-120"/>
+                <a:ea typeface="細明體" panose="02020509000000000000" pitchFamily="49" charset="-120"/>
+              </a:rPr>
+              <a:t>DATEDIFF</a:t>
+            </a:r>
+            <a:r>
+              <a:rPr lang="en-US" altLang="zh-TW" sz="1800" dirty="0">
+                <a:solidFill>
+                  <a:srgbClr val="808080"/>
+                </a:solidFill>
+                <a:latin typeface="細明體" panose="02020509000000000000" pitchFamily="49" charset="-120"/>
+                <a:ea typeface="細明體" panose="02020509000000000000" pitchFamily="49" charset="-120"/>
+              </a:rPr>
+              <a:t>(</a:t>
+            </a:r>
+            <a:r>
+              <a:rPr lang="en-US" altLang="zh-TW" sz="1800" dirty="0">
+                <a:solidFill>
+                  <a:srgbClr val="FF00FF"/>
+                </a:solidFill>
+                <a:latin typeface="細明體" panose="02020509000000000000" pitchFamily="49" charset="-120"/>
+                <a:ea typeface="細明體" panose="02020509000000000000" pitchFamily="49" charset="-120"/>
+              </a:rPr>
+              <a:t>DAY</a:t>
+            </a:r>
+            <a:r>
+              <a:rPr lang="en-US" altLang="zh-TW" sz="1800" dirty="0">
+                <a:solidFill>
+                  <a:srgbClr val="808080"/>
+                </a:solidFill>
+                <a:latin typeface="細明體" panose="02020509000000000000" pitchFamily="49" charset="-120"/>
+                <a:ea typeface="細明體" panose="02020509000000000000" pitchFamily="49" charset="-120"/>
+              </a:rPr>
+              <a:t>,</a:t>
+            </a:r>
+            <a:r>
+              <a:rPr lang="en-US" altLang="zh-TW" sz="1800" dirty="0">
+                <a:solidFill>
+                  <a:srgbClr val="000000"/>
+                </a:solidFill>
+                <a:latin typeface="細明體" panose="02020509000000000000" pitchFamily="49" charset="-120"/>
+                <a:ea typeface="細明體" panose="02020509000000000000" pitchFamily="49" charset="-120"/>
+              </a:rPr>
+              <a:t>e</a:t>
+            </a:r>
+            <a:r>
+              <a:rPr lang="en-US" altLang="zh-TW" sz="1800" dirty="0">
+                <a:solidFill>
+                  <a:srgbClr val="808080"/>
+                </a:solidFill>
+                <a:latin typeface="細明體" panose="02020509000000000000" pitchFamily="49" charset="-120"/>
+                <a:ea typeface="細明體" panose="02020509000000000000" pitchFamily="49" charset="-120"/>
+              </a:rPr>
+              <a:t>.</a:t>
+            </a:r>
+            <a:r>
+              <a:rPr lang="en-US" altLang="zh-TW" sz="1800" dirty="0">
+                <a:solidFill>
+                  <a:srgbClr val="000000"/>
+                </a:solidFill>
+                <a:latin typeface="細明體" panose="02020509000000000000" pitchFamily="49" charset="-120"/>
+                <a:ea typeface="細明體" panose="02020509000000000000" pitchFamily="49" charset="-120"/>
+              </a:rPr>
+              <a:t>EventDate</a:t>
+            </a:r>
+            <a:r>
+              <a:rPr lang="en-US" altLang="zh-TW" sz="1800" dirty="0">
+                <a:solidFill>
+                  <a:srgbClr val="808080"/>
+                </a:solidFill>
+                <a:latin typeface="細明體" panose="02020509000000000000" pitchFamily="49" charset="-120"/>
+                <a:ea typeface="細明體" panose="02020509000000000000" pitchFamily="49" charset="-120"/>
+              </a:rPr>
+              <a:t>,</a:t>
+            </a:r>
+            <a:r>
+              <a:rPr lang="en-US" altLang="zh-TW" sz="1800" dirty="0">
+                <a:solidFill>
+                  <a:srgbClr val="FF0000"/>
+                </a:solidFill>
+                <a:latin typeface="細明體" panose="02020509000000000000" pitchFamily="49" charset="-120"/>
+                <a:ea typeface="細明體" panose="02020509000000000000" pitchFamily="49" charset="-120"/>
+              </a:rPr>
+              <a:t>'19640304'</a:t>
+            </a:r>
+            <a:r>
+              <a:rPr lang="en-US" altLang="zh-TW" sz="1800" dirty="0">
+                <a:solidFill>
+                  <a:srgbClr val="808080"/>
+                </a:solidFill>
+                <a:latin typeface="細明體" panose="02020509000000000000" pitchFamily="49" charset="-120"/>
+                <a:ea typeface="細明體" panose="02020509000000000000" pitchFamily="49" charset="-120"/>
+              </a:rPr>
+              <a:t>)</a:t>
+            </a:r>
+            <a:r>
+              <a:rPr lang="en-US" altLang="zh-TW" sz="1800" dirty="0">
+                <a:solidFill>
+                  <a:srgbClr val="000000"/>
+                </a:solidFill>
+                <a:latin typeface="細明體" panose="02020509000000000000" pitchFamily="49" charset="-120"/>
+                <a:ea typeface="細明體" panose="02020509000000000000" pitchFamily="49" charset="-120"/>
+              </a:rPr>
+              <a:t> </a:t>
+            </a:r>
+            <a:r>
+              <a:rPr lang="en-US" altLang="zh-TW" sz="1800" dirty="0">
+                <a:solidFill>
+                  <a:srgbClr val="0000FF"/>
+                </a:solidFill>
+                <a:latin typeface="細明體" panose="02020509000000000000" pitchFamily="49" charset="-120"/>
+                <a:ea typeface="細明體" panose="02020509000000000000" pitchFamily="49" charset="-120"/>
+              </a:rPr>
+              <a:t>as</a:t>
+            </a:r>
+            <a:r>
+              <a:rPr lang="en-US" altLang="zh-TW" sz="1800" dirty="0">
+                <a:solidFill>
+                  <a:srgbClr val="000000"/>
+                </a:solidFill>
+                <a:latin typeface="細明體" panose="02020509000000000000" pitchFamily="49" charset="-120"/>
+                <a:ea typeface="細明體" panose="02020509000000000000" pitchFamily="49" charset="-120"/>
+              </a:rPr>
+              <a:t> </a:t>
+            </a:r>
+            <a:r>
+              <a:rPr lang="en-US" altLang="zh-TW" sz="1800" dirty="0">
+                <a:solidFill>
+                  <a:srgbClr val="FF0000"/>
+                </a:solidFill>
+                <a:latin typeface="細明體" panose="02020509000000000000" pitchFamily="49" charset="-120"/>
+                <a:ea typeface="細明體" panose="02020509000000000000" pitchFamily="49" charset="-120"/>
+              </a:rPr>
+              <a:t>'Days offset'</a:t>
+            </a:r>
+            <a:r>
+              <a:rPr lang="en-US" altLang="zh-TW" sz="1800" dirty="0">
+                <a:solidFill>
+                  <a:srgbClr val="808080"/>
+                </a:solidFill>
+                <a:latin typeface="細明體" panose="02020509000000000000" pitchFamily="49" charset="-120"/>
+                <a:ea typeface="細明體" panose="02020509000000000000" pitchFamily="49" charset="-120"/>
+              </a:rPr>
+              <a:t>,</a:t>
+            </a:r>
+            <a:endParaRPr lang="en-US" altLang="zh-TW" sz="1800" dirty="0">
+              <a:solidFill>
+                <a:srgbClr val="000000"/>
+              </a:solidFill>
+              <a:latin typeface="細明體" panose="02020509000000000000" pitchFamily="49" charset="-120"/>
+              <a:ea typeface="細明體" panose="02020509000000000000" pitchFamily="49" charset="-120"/>
+            </a:endParaRPr>
+          </a:p>
+          <a:p>
+            <a:r>
+              <a:rPr lang="en-US" altLang="zh-TW" sz="1800" dirty="0">
+                <a:solidFill>
+                  <a:srgbClr val="000000"/>
+                </a:solidFill>
+                <a:latin typeface="細明體" panose="02020509000000000000" pitchFamily="49" charset="-120"/>
+                <a:ea typeface="細明體" panose="02020509000000000000" pitchFamily="49" charset="-120"/>
+              </a:rPr>
+              <a:t>  </a:t>
+            </a:r>
+            <a:r>
+              <a:rPr lang="en-US" altLang="zh-TW" sz="1800" dirty="0">
+                <a:solidFill>
+                  <a:srgbClr val="FF00FF"/>
+                </a:solidFill>
+                <a:latin typeface="細明體" panose="02020509000000000000" pitchFamily="49" charset="-120"/>
+                <a:ea typeface="細明體" panose="02020509000000000000" pitchFamily="49" charset="-120"/>
+              </a:rPr>
+              <a:t>ABS</a:t>
+            </a:r>
+            <a:r>
+              <a:rPr lang="en-US" altLang="zh-TW" sz="1800" dirty="0">
+                <a:solidFill>
+                  <a:srgbClr val="808080"/>
+                </a:solidFill>
+                <a:latin typeface="細明體" panose="02020509000000000000" pitchFamily="49" charset="-120"/>
+                <a:ea typeface="細明體" panose="02020509000000000000" pitchFamily="49" charset="-120"/>
+              </a:rPr>
+              <a:t>(</a:t>
+            </a:r>
+            <a:r>
+              <a:rPr lang="en-US" altLang="zh-TW" sz="1800" dirty="0">
+                <a:solidFill>
+                  <a:srgbClr val="FF00FF"/>
+                </a:solidFill>
+                <a:latin typeface="細明體" panose="02020509000000000000" pitchFamily="49" charset="-120"/>
+                <a:ea typeface="細明體" panose="02020509000000000000" pitchFamily="49" charset="-120"/>
+              </a:rPr>
+              <a:t>DATEDIFF</a:t>
+            </a:r>
+            <a:r>
+              <a:rPr lang="en-US" altLang="zh-TW" sz="1800" dirty="0">
+                <a:solidFill>
+                  <a:srgbClr val="808080"/>
+                </a:solidFill>
+                <a:latin typeface="細明體" panose="02020509000000000000" pitchFamily="49" charset="-120"/>
+                <a:ea typeface="細明體" panose="02020509000000000000" pitchFamily="49" charset="-120"/>
+              </a:rPr>
+              <a:t>(</a:t>
+            </a:r>
+            <a:r>
+              <a:rPr lang="en-US" altLang="zh-TW" sz="1800" dirty="0">
+                <a:solidFill>
+                  <a:srgbClr val="FF00FF"/>
+                </a:solidFill>
+                <a:latin typeface="細明體" panose="02020509000000000000" pitchFamily="49" charset="-120"/>
+                <a:ea typeface="細明體" panose="02020509000000000000" pitchFamily="49" charset="-120"/>
+              </a:rPr>
+              <a:t>DAY</a:t>
+            </a:r>
+            <a:r>
+              <a:rPr lang="en-US" altLang="zh-TW" sz="1800" dirty="0">
+                <a:solidFill>
+                  <a:srgbClr val="808080"/>
+                </a:solidFill>
+                <a:latin typeface="細明體" panose="02020509000000000000" pitchFamily="49" charset="-120"/>
+                <a:ea typeface="細明體" panose="02020509000000000000" pitchFamily="49" charset="-120"/>
+              </a:rPr>
+              <a:t>,</a:t>
+            </a:r>
+            <a:r>
+              <a:rPr lang="en-US" altLang="zh-TW" sz="1800" dirty="0">
+                <a:solidFill>
+                  <a:srgbClr val="000000"/>
+                </a:solidFill>
+                <a:latin typeface="細明體" panose="02020509000000000000" pitchFamily="49" charset="-120"/>
+                <a:ea typeface="細明體" panose="02020509000000000000" pitchFamily="49" charset="-120"/>
+              </a:rPr>
+              <a:t>e</a:t>
+            </a:r>
+            <a:r>
+              <a:rPr lang="en-US" altLang="zh-TW" sz="1800" dirty="0">
+                <a:solidFill>
+                  <a:srgbClr val="808080"/>
+                </a:solidFill>
+                <a:latin typeface="細明體" panose="02020509000000000000" pitchFamily="49" charset="-120"/>
+                <a:ea typeface="細明體" panose="02020509000000000000" pitchFamily="49" charset="-120"/>
+              </a:rPr>
+              <a:t>.</a:t>
+            </a:r>
+            <a:r>
+              <a:rPr lang="en-US" altLang="zh-TW" sz="1800" dirty="0">
+                <a:solidFill>
+                  <a:srgbClr val="000000"/>
+                </a:solidFill>
+                <a:latin typeface="細明體" panose="02020509000000000000" pitchFamily="49" charset="-120"/>
+                <a:ea typeface="細明體" panose="02020509000000000000" pitchFamily="49" charset="-120"/>
+              </a:rPr>
+              <a:t>EventDate</a:t>
+            </a:r>
+            <a:r>
+              <a:rPr lang="en-US" altLang="zh-TW" sz="1800" dirty="0">
+                <a:solidFill>
+                  <a:srgbClr val="808080"/>
+                </a:solidFill>
+                <a:latin typeface="細明體" panose="02020509000000000000" pitchFamily="49" charset="-120"/>
+                <a:ea typeface="細明體" panose="02020509000000000000" pitchFamily="49" charset="-120"/>
+              </a:rPr>
+              <a:t>,</a:t>
+            </a:r>
+            <a:r>
+              <a:rPr lang="en-US" altLang="zh-TW" sz="1800" dirty="0">
+                <a:solidFill>
+                  <a:srgbClr val="FF0000"/>
+                </a:solidFill>
+                <a:latin typeface="細明體" panose="02020509000000000000" pitchFamily="49" charset="-120"/>
+                <a:ea typeface="細明體" panose="02020509000000000000" pitchFamily="49" charset="-120"/>
+              </a:rPr>
+              <a:t>'19640304'</a:t>
+            </a:r>
+            <a:r>
+              <a:rPr lang="en-US" altLang="zh-TW" sz="1800" dirty="0">
+                <a:solidFill>
+                  <a:srgbClr val="808080"/>
+                </a:solidFill>
+                <a:latin typeface="細明體" panose="02020509000000000000" pitchFamily="49" charset="-120"/>
+                <a:ea typeface="細明體" panose="02020509000000000000" pitchFamily="49" charset="-120"/>
+              </a:rPr>
+              <a:t>))</a:t>
+            </a:r>
+            <a:r>
+              <a:rPr lang="en-US" altLang="zh-TW" sz="1800" dirty="0">
+                <a:solidFill>
+                  <a:srgbClr val="000000"/>
+                </a:solidFill>
+                <a:latin typeface="細明體" panose="02020509000000000000" pitchFamily="49" charset="-120"/>
+                <a:ea typeface="細明體" panose="02020509000000000000" pitchFamily="49" charset="-120"/>
+              </a:rPr>
+              <a:t> </a:t>
+            </a:r>
+            <a:r>
+              <a:rPr lang="en-US" altLang="zh-TW" sz="1800" dirty="0">
+                <a:solidFill>
+                  <a:srgbClr val="0000FF"/>
+                </a:solidFill>
+                <a:latin typeface="細明體" panose="02020509000000000000" pitchFamily="49" charset="-120"/>
+                <a:ea typeface="細明體" panose="02020509000000000000" pitchFamily="49" charset="-120"/>
+              </a:rPr>
+              <a:t>as</a:t>
+            </a:r>
+            <a:r>
+              <a:rPr lang="en-US" altLang="zh-TW" sz="1800" dirty="0">
+                <a:solidFill>
+                  <a:srgbClr val="000000"/>
+                </a:solidFill>
+                <a:latin typeface="細明體" panose="02020509000000000000" pitchFamily="49" charset="-120"/>
+                <a:ea typeface="細明體" panose="02020509000000000000" pitchFamily="49" charset="-120"/>
+              </a:rPr>
+              <a:t> </a:t>
+            </a:r>
+            <a:r>
+              <a:rPr lang="en-US" altLang="zh-TW" sz="1800" dirty="0">
+                <a:solidFill>
+                  <a:srgbClr val="FF0000"/>
+                </a:solidFill>
+                <a:latin typeface="細明體" panose="02020509000000000000" pitchFamily="49" charset="-120"/>
+                <a:ea typeface="細明體" panose="02020509000000000000" pitchFamily="49" charset="-120"/>
+              </a:rPr>
+              <a:t>'Days difference'</a:t>
+            </a:r>
+            <a:endParaRPr lang="en-US" altLang="zh-TW" sz="1800" dirty="0">
+              <a:solidFill>
+                <a:srgbClr val="000000"/>
+              </a:solidFill>
+              <a:latin typeface="細明體" panose="02020509000000000000" pitchFamily="49" charset="-120"/>
+              <a:ea typeface="細明體" panose="02020509000000000000" pitchFamily="49" charset="-120"/>
+            </a:endParaRPr>
+          </a:p>
+          <a:p>
+            <a:r>
+              <a:rPr lang="zh-TW" altLang="en-US" sz="1800" dirty="0">
+                <a:solidFill>
+                  <a:srgbClr val="000000"/>
+                </a:solidFill>
+                <a:latin typeface="細明體" panose="02020509000000000000" pitchFamily="49" charset="-120"/>
+                <a:ea typeface="細明體" panose="02020509000000000000" pitchFamily="49" charset="-120"/>
+              </a:rPr>
+              <a:t>      </a:t>
+            </a:r>
+          </a:p>
+          <a:p>
+            <a:r>
+              <a:rPr lang="en-US" altLang="zh-TW" sz="1800" dirty="0">
+                <a:solidFill>
+                  <a:srgbClr val="000000"/>
+                </a:solidFill>
+                <a:latin typeface="細明體" panose="02020509000000000000" pitchFamily="49" charset="-120"/>
+                <a:ea typeface="細明體" panose="02020509000000000000" pitchFamily="49" charset="-120"/>
+              </a:rPr>
+              <a:t>  </a:t>
+            </a:r>
+            <a:r>
+              <a:rPr lang="en-US" altLang="zh-TW" sz="1800" dirty="0">
+                <a:solidFill>
+                  <a:srgbClr val="0000FF"/>
+                </a:solidFill>
+                <a:latin typeface="細明體" panose="02020509000000000000" pitchFamily="49" charset="-120"/>
+                <a:ea typeface="細明體" panose="02020509000000000000" pitchFamily="49" charset="-120"/>
+              </a:rPr>
+              <a:t>FROM</a:t>
+            </a:r>
+            <a:r>
+              <a:rPr lang="en-US" altLang="zh-TW" sz="1800" dirty="0">
+                <a:solidFill>
+                  <a:srgbClr val="000000"/>
+                </a:solidFill>
+                <a:latin typeface="細明體" panose="02020509000000000000" pitchFamily="49" charset="-120"/>
+                <a:ea typeface="細明體" panose="02020509000000000000" pitchFamily="49" charset="-120"/>
+              </a:rPr>
+              <a:t> [</a:t>
+            </a:r>
+            <a:r>
+              <a:rPr lang="en-US" altLang="zh-TW" sz="1800" dirty="0" err="1">
+                <a:solidFill>
+                  <a:srgbClr val="000000"/>
+                </a:solidFill>
+                <a:latin typeface="細明體" panose="02020509000000000000" pitchFamily="49" charset="-120"/>
+                <a:ea typeface="細明體" panose="02020509000000000000" pitchFamily="49" charset="-120"/>
+              </a:rPr>
+              <a:t>WorldEvents</a:t>
+            </a:r>
+            <a:r>
+              <a:rPr lang="en-US" altLang="zh-TW" sz="1800" dirty="0">
+                <a:solidFill>
+                  <a:srgbClr val="000000"/>
+                </a:solidFill>
+                <a:latin typeface="細明體" panose="02020509000000000000" pitchFamily="49" charset="-120"/>
+                <a:ea typeface="細明體" panose="02020509000000000000" pitchFamily="49" charset="-120"/>
+              </a:rPr>
+              <a:t>]</a:t>
+            </a:r>
+            <a:r>
+              <a:rPr lang="en-US" altLang="zh-TW" sz="1800" dirty="0">
+                <a:solidFill>
+                  <a:srgbClr val="808080"/>
+                </a:solidFill>
+                <a:latin typeface="細明體" panose="02020509000000000000" pitchFamily="49" charset="-120"/>
+                <a:ea typeface="細明體" panose="02020509000000000000" pitchFamily="49" charset="-120"/>
+              </a:rPr>
+              <a:t>.</a:t>
+            </a:r>
+            <a:r>
+              <a:rPr lang="en-US" altLang="zh-TW" sz="1800" dirty="0">
+                <a:solidFill>
+                  <a:srgbClr val="000000"/>
+                </a:solidFill>
+                <a:latin typeface="細明體" panose="02020509000000000000" pitchFamily="49" charset="-120"/>
+                <a:ea typeface="細明體" panose="02020509000000000000" pitchFamily="49" charset="-120"/>
+              </a:rPr>
+              <a:t>[</a:t>
+            </a:r>
+            <a:r>
+              <a:rPr lang="en-US" altLang="zh-TW" sz="1800" dirty="0" err="1">
+                <a:solidFill>
+                  <a:srgbClr val="000000"/>
+                </a:solidFill>
+                <a:latin typeface="細明體" panose="02020509000000000000" pitchFamily="49" charset="-120"/>
+                <a:ea typeface="細明體" panose="02020509000000000000" pitchFamily="49" charset="-120"/>
+              </a:rPr>
+              <a:t>dbo</a:t>
+            </a:r>
+            <a:r>
+              <a:rPr lang="en-US" altLang="zh-TW" sz="1800" dirty="0">
+                <a:solidFill>
+                  <a:srgbClr val="000000"/>
+                </a:solidFill>
+                <a:latin typeface="細明體" panose="02020509000000000000" pitchFamily="49" charset="-120"/>
+                <a:ea typeface="細明體" panose="02020509000000000000" pitchFamily="49" charset="-120"/>
+              </a:rPr>
+              <a:t>]</a:t>
+            </a:r>
+            <a:r>
+              <a:rPr lang="en-US" altLang="zh-TW" sz="1800" dirty="0">
+                <a:solidFill>
+                  <a:srgbClr val="808080"/>
+                </a:solidFill>
+                <a:latin typeface="細明體" panose="02020509000000000000" pitchFamily="49" charset="-120"/>
+                <a:ea typeface="細明體" panose="02020509000000000000" pitchFamily="49" charset="-120"/>
+              </a:rPr>
+              <a:t>.</a:t>
+            </a:r>
+            <a:r>
+              <a:rPr lang="en-US" altLang="zh-TW" sz="1800" dirty="0">
+                <a:solidFill>
+                  <a:srgbClr val="000000"/>
+                </a:solidFill>
+                <a:latin typeface="細明體" panose="02020509000000000000" pitchFamily="49" charset="-120"/>
+                <a:ea typeface="細明體" panose="02020509000000000000" pitchFamily="49" charset="-120"/>
+              </a:rPr>
+              <a:t>[</a:t>
+            </a:r>
+            <a:r>
+              <a:rPr lang="en-US" altLang="zh-TW" sz="1800" dirty="0" err="1">
+                <a:solidFill>
+                  <a:srgbClr val="000000"/>
+                </a:solidFill>
+                <a:latin typeface="細明體" panose="02020509000000000000" pitchFamily="49" charset="-120"/>
+                <a:ea typeface="細明體" panose="02020509000000000000" pitchFamily="49" charset="-120"/>
+              </a:rPr>
+              <a:t>tblEvent</a:t>
+            </a:r>
+            <a:r>
+              <a:rPr lang="en-US" altLang="zh-TW" sz="1800" dirty="0">
+                <a:solidFill>
+                  <a:srgbClr val="000000"/>
+                </a:solidFill>
+                <a:latin typeface="細明體" panose="02020509000000000000" pitchFamily="49" charset="-120"/>
+                <a:ea typeface="細明體" panose="02020509000000000000" pitchFamily="49" charset="-120"/>
+              </a:rPr>
+              <a:t>] </a:t>
+            </a:r>
+            <a:r>
+              <a:rPr lang="en-US" altLang="zh-TW" sz="1800" dirty="0">
+                <a:solidFill>
+                  <a:srgbClr val="0000FF"/>
+                </a:solidFill>
+                <a:latin typeface="細明體" panose="02020509000000000000" pitchFamily="49" charset="-120"/>
+                <a:ea typeface="細明體" panose="02020509000000000000" pitchFamily="49" charset="-120"/>
+              </a:rPr>
+              <a:t>as</a:t>
+            </a:r>
+            <a:r>
+              <a:rPr lang="en-US" altLang="zh-TW" sz="1800" dirty="0">
+                <a:solidFill>
+                  <a:srgbClr val="000000"/>
+                </a:solidFill>
+                <a:latin typeface="細明體" panose="02020509000000000000" pitchFamily="49" charset="-120"/>
+                <a:ea typeface="細明體" panose="02020509000000000000" pitchFamily="49" charset="-120"/>
+              </a:rPr>
+              <a:t> e</a:t>
+            </a:r>
+          </a:p>
+          <a:p>
+            <a:r>
+              <a:rPr lang="en-US" altLang="zh-TW" sz="1800" dirty="0">
+                <a:solidFill>
+                  <a:srgbClr val="000000"/>
+                </a:solidFill>
+                <a:latin typeface="細明體" panose="02020509000000000000" pitchFamily="49" charset="-120"/>
+                <a:ea typeface="細明體" panose="02020509000000000000" pitchFamily="49" charset="-120"/>
+              </a:rPr>
+              <a:t>  </a:t>
+            </a:r>
+            <a:r>
+              <a:rPr lang="en-US" altLang="zh-TW" sz="1800" dirty="0">
+                <a:solidFill>
+                  <a:srgbClr val="0000FF"/>
+                </a:solidFill>
+                <a:latin typeface="細明體" panose="02020509000000000000" pitchFamily="49" charset="-120"/>
+                <a:ea typeface="細明體" panose="02020509000000000000" pitchFamily="49" charset="-120"/>
+              </a:rPr>
+              <a:t>ORDER</a:t>
+            </a:r>
+            <a:r>
+              <a:rPr lang="en-US" altLang="zh-TW" sz="1800" dirty="0">
+                <a:solidFill>
+                  <a:srgbClr val="000000"/>
+                </a:solidFill>
+                <a:latin typeface="細明體" panose="02020509000000000000" pitchFamily="49" charset="-120"/>
+                <a:ea typeface="細明體" panose="02020509000000000000" pitchFamily="49" charset="-120"/>
+              </a:rPr>
+              <a:t> </a:t>
+            </a:r>
+            <a:r>
+              <a:rPr lang="en-US" altLang="zh-TW" sz="1800" dirty="0">
+                <a:solidFill>
+                  <a:srgbClr val="0000FF"/>
+                </a:solidFill>
+                <a:latin typeface="細明體" panose="02020509000000000000" pitchFamily="49" charset="-120"/>
+                <a:ea typeface="細明體" panose="02020509000000000000" pitchFamily="49" charset="-120"/>
+              </a:rPr>
+              <a:t>BY</a:t>
+            </a:r>
+            <a:r>
+              <a:rPr lang="en-US" altLang="zh-TW" sz="1800" dirty="0">
+                <a:solidFill>
+                  <a:srgbClr val="000000"/>
+                </a:solidFill>
+                <a:latin typeface="細明體" panose="02020509000000000000" pitchFamily="49" charset="-120"/>
+                <a:ea typeface="細明體" panose="02020509000000000000" pitchFamily="49" charset="-120"/>
+              </a:rPr>
+              <a:t> </a:t>
+            </a:r>
+            <a:r>
+              <a:rPr lang="en-US" altLang="zh-TW" sz="1800" dirty="0">
+                <a:solidFill>
+                  <a:srgbClr val="FF0000"/>
+                </a:solidFill>
+                <a:latin typeface="細明體" panose="02020509000000000000" pitchFamily="49" charset="-120"/>
+                <a:ea typeface="細明體" panose="02020509000000000000" pitchFamily="49" charset="-120"/>
+              </a:rPr>
+              <a:t>'Days difference'</a:t>
+            </a:r>
+            <a:r>
+              <a:rPr lang="en-US" altLang="zh-TW" sz="1800" dirty="0">
+                <a:solidFill>
+                  <a:srgbClr val="000000"/>
+                </a:solidFill>
+                <a:latin typeface="細明體" panose="02020509000000000000" pitchFamily="49" charset="-120"/>
+                <a:ea typeface="細明體" panose="02020509000000000000" pitchFamily="49" charset="-120"/>
+              </a:rPr>
+              <a:t> </a:t>
+            </a:r>
+            <a:r>
+              <a:rPr lang="en-US" altLang="zh-TW" sz="1800" dirty="0" err="1">
+                <a:solidFill>
+                  <a:srgbClr val="0000FF"/>
+                </a:solidFill>
+                <a:latin typeface="細明體" panose="02020509000000000000" pitchFamily="49" charset="-120"/>
+                <a:ea typeface="細明體" panose="02020509000000000000" pitchFamily="49" charset="-120"/>
+              </a:rPr>
+              <a:t>asc</a:t>
+            </a:r>
+            <a:endParaRPr lang="zh-TW" altLang="en-US" sz="1600" dirty="0">
+              <a:solidFill>
+                <a:srgbClr val="000000"/>
+              </a:solidFill>
+              <a:latin typeface="微軟正黑體" panose="020B0604030504040204" pitchFamily="34" charset="-120"/>
+              <a:ea typeface="微軟正黑體" panose="020B0604030504040204" pitchFamily="34" charset="-120"/>
+            </a:endParaRPr>
+          </a:p>
+        </p:txBody>
+      </p:sp>
+      <p:sp>
+        <p:nvSpPr>
+          <p:cNvPr id="9" name="文字方塊 8">
+            <a:extLst>
+              <a:ext uri="{FF2B5EF4-FFF2-40B4-BE49-F238E27FC236}">
+                <a16:creationId xmlns:a16="http://schemas.microsoft.com/office/drawing/2014/main" id="{35E0097D-1D25-800D-ACBE-7E565A45717E}"/>
+              </a:ext>
+            </a:extLst>
+          </p:cNvPr>
+          <p:cNvSpPr txBox="1"/>
+          <p:nvPr/>
+        </p:nvSpPr>
+        <p:spPr>
+          <a:xfrm>
+            <a:off x="1687669" y="5757119"/>
+            <a:ext cx="7893508" cy="369332"/>
+          </a:xfrm>
+          <a:prstGeom prst="rect">
+            <a:avLst/>
+          </a:prstGeom>
+          <a:noFill/>
+        </p:spPr>
+        <p:txBody>
+          <a:bodyPr wrap="none" rtlCol="0">
+            <a:spAutoFit/>
+          </a:bodyPr>
+          <a:lstStyle/>
+          <a:p>
+            <a:r>
+              <a:rPr lang="zh-TW" altLang="en-US" dirty="0"/>
+              <a:t>參考資料</a:t>
+            </a:r>
+            <a:r>
+              <a:rPr lang="en-US" altLang="zh-TW" dirty="0"/>
+              <a:t>:https://www.fooish.com/sql/sql-server-datediff-function.html</a:t>
+            </a:r>
+            <a:endParaRPr lang="zh-TW" altLang="en-US" dirty="0"/>
+          </a:p>
+        </p:txBody>
+      </p:sp>
+      <p:pic>
+        <p:nvPicPr>
+          <p:cNvPr id="6" name="圖片 5">
+            <a:extLst>
+              <a:ext uri="{FF2B5EF4-FFF2-40B4-BE49-F238E27FC236}">
+                <a16:creationId xmlns:a16="http://schemas.microsoft.com/office/drawing/2014/main" id="{4665323B-FF07-FC29-BF02-7150D4CA099E}"/>
+              </a:ext>
+            </a:extLst>
+          </p:cNvPr>
+          <p:cNvPicPr>
+            <a:picLocks noChangeAspect="1"/>
+          </p:cNvPicPr>
+          <p:nvPr/>
+        </p:nvPicPr>
+        <p:blipFill>
+          <a:blip r:embed="rId2"/>
+          <a:stretch>
+            <a:fillRect/>
+          </a:stretch>
+        </p:blipFill>
+        <p:spPr>
+          <a:xfrm>
+            <a:off x="7661428" y="2086136"/>
+            <a:ext cx="4152602" cy="2685727"/>
+          </a:xfrm>
+          <a:prstGeom prst="rect">
+            <a:avLst/>
+          </a:prstGeom>
+        </p:spPr>
+      </p:pic>
+    </p:spTree>
+    <p:extLst>
+      <p:ext uri="{BB962C8B-B14F-4D97-AF65-F5344CB8AC3E}">
+        <p14:creationId xmlns:p14="http://schemas.microsoft.com/office/powerpoint/2010/main" val="234946457"/>
+      </p:ext>
+    </p:extLst>
+  </p:cSld>
+  <p:clrMapOvr>
+    <a:masterClrMapping/>
+  </p:clrMapOvr>
+</p:sld>
+</file>
+
+<file path=ppt/slides/slide44.xml><?xml version="1.0" encoding="utf-8"?>
+<p:sld xmlns:a="http://schemas.openxmlformats.org/drawingml/2006/main" xmlns:r="http://schemas.openxmlformats.org/officeDocument/2006/relationships" xmlns:p="http://schemas.openxmlformats.org/presentationml/2006/main">
+  <p:cSld>
+    <p:spTree>
+      <p:nvGrpSpPr>
+        <p:cNvPr id="1" name=""/>
+        <p:cNvGrpSpPr/>
+        <p:nvPr/>
+      </p:nvGrpSpPr>
+      <p:grpSpPr>
+        <a:xfrm>
+          <a:off x="0" y="0"/>
+          <a:ext cx="0" cy="0"/>
+          <a:chOff x="0" y="0"/>
+          <a:chExt cx="0" cy="0"/>
+        </a:xfrm>
+      </p:grpSpPr>
+      <p:sp>
+        <p:nvSpPr>
+          <p:cNvPr id="2" name="標題 1">
+            <a:extLst>
+              <a:ext uri="{FF2B5EF4-FFF2-40B4-BE49-F238E27FC236}">
+                <a16:creationId xmlns:a16="http://schemas.microsoft.com/office/drawing/2014/main" id="{9754B65C-1642-6FE5-D941-96E5D377AABC}"/>
+              </a:ext>
+            </a:extLst>
+          </p:cNvPr>
+          <p:cNvSpPr>
+            <a:spLocks noGrp="1"/>
+          </p:cNvSpPr>
+          <p:nvPr>
+            <p:ph type="title"/>
+          </p:nvPr>
+        </p:nvSpPr>
+        <p:spPr>
+          <a:xfrm>
+            <a:off x="1687669" y="624110"/>
+            <a:ext cx="7321860" cy="1280890"/>
+          </a:xfrm>
+        </p:spPr>
+        <p:txBody>
+          <a:bodyPr>
+            <a:normAutofit/>
+          </a:bodyPr>
+          <a:lstStyle/>
+          <a:p>
+            <a:r>
+              <a:rPr lang="en-US" altLang="zh-TW" sz="3200" dirty="0"/>
+              <a:t>Calculations using dates Q3</a:t>
+            </a:r>
+            <a:endParaRPr lang="zh-TW" altLang="en-US" sz="3200" dirty="0"/>
+          </a:p>
+        </p:txBody>
+      </p:sp>
+      <p:sp>
+        <p:nvSpPr>
+          <p:cNvPr id="4" name="投影片編號版面配置區 3">
+            <a:extLst>
+              <a:ext uri="{FF2B5EF4-FFF2-40B4-BE49-F238E27FC236}">
+                <a16:creationId xmlns:a16="http://schemas.microsoft.com/office/drawing/2014/main" id="{3F1EA6AD-3945-5A5F-70AE-CD8043429B6D}"/>
+              </a:ext>
+            </a:extLst>
+          </p:cNvPr>
+          <p:cNvSpPr>
+            <a:spLocks noGrp="1"/>
+          </p:cNvSpPr>
+          <p:nvPr>
+            <p:ph type="sldNum" sz="quarter" idx="12"/>
+          </p:nvPr>
+        </p:nvSpPr>
+        <p:spPr>
+          <a:xfrm>
+            <a:off x="531812" y="787782"/>
+            <a:ext cx="779767" cy="365125"/>
+          </a:xfrm>
+        </p:spPr>
+        <p:txBody>
+          <a:bodyPr>
+            <a:normAutofit/>
+          </a:bodyPr>
+          <a:lstStyle/>
+          <a:p>
+            <a:pPr>
+              <a:lnSpc>
+                <a:spcPct val="90000"/>
+              </a:lnSpc>
+              <a:spcAft>
+                <a:spcPts val="600"/>
+              </a:spcAft>
+            </a:pPr>
+            <a:fld id="{D57F1E4F-1CFF-5643-939E-217C01CDF565}" type="slidenum">
+              <a:rPr lang="en-US" sz="1900" smtClean="0"/>
+              <a:pPr>
+                <a:lnSpc>
+                  <a:spcPct val="90000"/>
+                </a:lnSpc>
+                <a:spcAft>
+                  <a:spcPts val="600"/>
+                </a:spcAft>
+              </a:pPr>
+              <a:t>44</a:t>
+            </a:fld>
+            <a:endParaRPr lang="en-US" sz="1900"/>
+          </a:p>
+        </p:txBody>
+      </p:sp>
+      <p:pic>
+        <p:nvPicPr>
+          <p:cNvPr id="12" name="內容版面配置區 11">
+            <a:extLst>
+              <a:ext uri="{FF2B5EF4-FFF2-40B4-BE49-F238E27FC236}">
+                <a16:creationId xmlns:a16="http://schemas.microsoft.com/office/drawing/2014/main" id="{A59FF5E6-5D2B-C1A3-E758-9C0E67ED4EA5}"/>
+              </a:ext>
+            </a:extLst>
+          </p:cNvPr>
+          <p:cNvPicPr>
+            <a:picLocks noGrp="1" noChangeAspect="1"/>
+          </p:cNvPicPr>
+          <p:nvPr>
+            <p:ph idx="1"/>
+          </p:nvPr>
+        </p:nvPicPr>
+        <p:blipFill>
+          <a:blip r:embed="rId2"/>
+          <a:stretch>
+            <a:fillRect/>
+          </a:stretch>
+        </p:blipFill>
+        <p:spPr>
+          <a:xfrm>
+            <a:off x="1593130" y="1350343"/>
+            <a:ext cx="6427702" cy="5145969"/>
+          </a:xfrm>
+        </p:spPr>
+      </p:pic>
+    </p:spTree>
+    <p:extLst>
+      <p:ext uri="{BB962C8B-B14F-4D97-AF65-F5344CB8AC3E}">
+        <p14:creationId xmlns:p14="http://schemas.microsoft.com/office/powerpoint/2010/main" val="2237620696"/>
+      </p:ext>
+    </p:extLst>
+  </p:cSld>
+  <p:clrMapOvr>
+    <a:masterClrMapping/>
+  </p:clrMapOvr>
+</p:sld>
+</file>
+
+<file path=ppt/slides/slide45.xml><?xml version="1.0" encoding="utf-8"?>
+<p:sld xmlns:a="http://schemas.openxmlformats.org/drawingml/2006/main" xmlns:r="http://schemas.openxmlformats.org/officeDocument/2006/relationships" xmlns:p="http://schemas.openxmlformats.org/presentationml/2006/main">
+  <p:cSld>
+    <p:spTree>
+      <p:nvGrpSpPr>
+        <p:cNvPr id="1" name=""/>
+        <p:cNvGrpSpPr/>
+        <p:nvPr/>
+      </p:nvGrpSpPr>
+      <p:grpSpPr>
+        <a:xfrm>
+          <a:off x="0" y="0"/>
+          <a:ext cx="0" cy="0"/>
+          <a:chOff x="0" y="0"/>
+          <a:chExt cx="0" cy="0"/>
+        </a:xfrm>
+      </p:grpSpPr>
+      <p:sp>
+        <p:nvSpPr>
+          <p:cNvPr id="2" name="標題 1">
+            <a:extLst>
+              <a:ext uri="{FF2B5EF4-FFF2-40B4-BE49-F238E27FC236}">
+                <a16:creationId xmlns:a16="http://schemas.microsoft.com/office/drawing/2014/main" id="{9754B65C-1642-6FE5-D941-96E5D377AABC}"/>
+              </a:ext>
+            </a:extLst>
+          </p:cNvPr>
+          <p:cNvSpPr>
+            <a:spLocks noGrp="1"/>
+          </p:cNvSpPr>
+          <p:nvPr>
+            <p:ph type="title"/>
+          </p:nvPr>
+        </p:nvSpPr>
+        <p:spPr>
+          <a:xfrm>
+            <a:off x="1687669" y="624110"/>
+            <a:ext cx="4137059" cy="1280890"/>
+          </a:xfrm>
+        </p:spPr>
+        <p:txBody>
+          <a:bodyPr>
+            <a:normAutofit/>
+          </a:bodyPr>
+          <a:lstStyle/>
+          <a:p>
+            <a:r>
+              <a:rPr lang="en-US" altLang="zh-TW" sz="3200" dirty="0"/>
+              <a:t>Answer3.</a:t>
+            </a:r>
+            <a:endParaRPr lang="zh-TW" altLang="en-US" sz="3200" dirty="0"/>
+          </a:p>
+        </p:txBody>
+      </p:sp>
+      <p:sp>
+        <p:nvSpPr>
+          <p:cNvPr id="4" name="投影片編號版面配置區 3">
+            <a:extLst>
+              <a:ext uri="{FF2B5EF4-FFF2-40B4-BE49-F238E27FC236}">
+                <a16:creationId xmlns:a16="http://schemas.microsoft.com/office/drawing/2014/main" id="{3F1EA6AD-3945-5A5F-70AE-CD8043429B6D}"/>
+              </a:ext>
+            </a:extLst>
+          </p:cNvPr>
+          <p:cNvSpPr>
+            <a:spLocks noGrp="1"/>
+          </p:cNvSpPr>
+          <p:nvPr>
+            <p:ph type="sldNum" sz="quarter" idx="12"/>
+          </p:nvPr>
+        </p:nvSpPr>
+        <p:spPr>
+          <a:xfrm>
+            <a:off x="531812" y="787782"/>
+            <a:ext cx="779767" cy="365125"/>
+          </a:xfrm>
+        </p:spPr>
+        <p:txBody>
+          <a:bodyPr>
+            <a:normAutofit/>
+          </a:bodyPr>
+          <a:lstStyle/>
+          <a:p>
+            <a:pPr>
+              <a:lnSpc>
+                <a:spcPct val="90000"/>
+              </a:lnSpc>
+              <a:spcAft>
+                <a:spcPts val="600"/>
+              </a:spcAft>
+            </a:pPr>
+            <a:fld id="{D57F1E4F-1CFF-5643-939E-217C01CDF565}" type="slidenum">
+              <a:rPr lang="en-US" sz="1900" smtClean="0"/>
+              <a:pPr>
+                <a:lnSpc>
+                  <a:spcPct val="90000"/>
+                </a:lnSpc>
+                <a:spcAft>
+                  <a:spcPts val="600"/>
+                </a:spcAft>
+              </a:pPr>
+              <a:t>45</a:t>
+            </a:fld>
+            <a:endParaRPr lang="en-US" sz="1900"/>
+          </a:p>
+        </p:txBody>
+      </p:sp>
+      <p:sp>
+        <p:nvSpPr>
+          <p:cNvPr id="3" name="內容版面配置區 2">
+            <a:extLst>
+              <a:ext uri="{FF2B5EF4-FFF2-40B4-BE49-F238E27FC236}">
+                <a16:creationId xmlns:a16="http://schemas.microsoft.com/office/drawing/2014/main" id="{8A26720F-616D-E164-DA93-3A4EBED4F0AD}"/>
+              </a:ext>
+            </a:extLst>
+          </p:cNvPr>
+          <p:cNvSpPr>
+            <a:spLocks noGrp="1"/>
+          </p:cNvSpPr>
+          <p:nvPr>
+            <p:ph idx="1"/>
+          </p:nvPr>
+        </p:nvSpPr>
+        <p:spPr>
+          <a:xfrm>
+            <a:off x="1687669" y="1685364"/>
+            <a:ext cx="6074307" cy="3854824"/>
+          </a:xfrm>
+        </p:spPr>
+        <p:txBody>
+          <a:bodyPr>
+            <a:normAutofit/>
+          </a:bodyPr>
+          <a:lstStyle/>
+          <a:p>
+            <a:r>
+              <a:rPr lang="en-US" altLang="zh-TW" sz="1800" dirty="0">
+                <a:solidFill>
+                  <a:srgbClr val="0000FF"/>
+                </a:solidFill>
+                <a:latin typeface="細明體" panose="02020509000000000000" pitchFamily="49" charset="-120"/>
+                <a:ea typeface="細明體" panose="02020509000000000000" pitchFamily="49" charset="-120"/>
+              </a:rPr>
+              <a:t>SELECT</a:t>
+            </a:r>
+            <a:r>
+              <a:rPr lang="en-US" altLang="zh-TW" sz="1800" dirty="0">
+                <a:solidFill>
+                  <a:srgbClr val="000000"/>
+                </a:solidFill>
+                <a:latin typeface="細明體" panose="02020509000000000000" pitchFamily="49" charset="-120"/>
+                <a:ea typeface="細明體" panose="02020509000000000000" pitchFamily="49" charset="-120"/>
+              </a:rPr>
+              <a:t> e</a:t>
+            </a:r>
+            <a:r>
+              <a:rPr lang="en-US" altLang="zh-TW" sz="1800" dirty="0">
+                <a:solidFill>
+                  <a:srgbClr val="808080"/>
+                </a:solidFill>
+                <a:latin typeface="細明體" panose="02020509000000000000" pitchFamily="49" charset="-120"/>
+                <a:ea typeface="細明體" panose="02020509000000000000" pitchFamily="49" charset="-120"/>
+              </a:rPr>
+              <a:t>.</a:t>
+            </a:r>
+            <a:r>
+              <a:rPr lang="en-US" altLang="zh-TW" sz="1800" dirty="0">
+                <a:solidFill>
+                  <a:srgbClr val="000000"/>
+                </a:solidFill>
+                <a:latin typeface="細明體" panose="02020509000000000000" pitchFamily="49" charset="-120"/>
+                <a:ea typeface="細明體" panose="02020509000000000000" pitchFamily="49" charset="-120"/>
+              </a:rPr>
+              <a:t>[</a:t>
+            </a:r>
+            <a:r>
+              <a:rPr lang="en-US" altLang="zh-TW" sz="1800" dirty="0" err="1">
+                <a:solidFill>
+                  <a:srgbClr val="000000"/>
+                </a:solidFill>
+                <a:latin typeface="細明體" panose="02020509000000000000" pitchFamily="49" charset="-120"/>
+                <a:ea typeface="細明體" panose="02020509000000000000" pitchFamily="49" charset="-120"/>
+              </a:rPr>
+              <a:t>EventName</a:t>
+            </a:r>
+            <a:r>
+              <a:rPr lang="en-US" altLang="zh-TW" sz="1800" dirty="0">
+                <a:solidFill>
+                  <a:srgbClr val="000000"/>
+                </a:solidFill>
+                <a:latin typeface="細明體" panose="02020509000000000000" pitchFamily="49" charset="-120"/>
+                <a:ea typeface="細明體" panose="02020509000000000000" pitchFamily="49" charset="-120"/>
+              </a:rPr>
+              <a:t>]</a:t>
+            </a:r>
+            <a:r>
+              <a:rPr lang="en-US" altLang="zh-TW" sz="1800" dirty="0">
+                <a:solidFill>
+                  <a:srgbClr val="808080"/>
+                </a:solidFill>
+                <a:latin typeface="細明體" panose="02020509000000000000" pitchFamily="49" charset="-120"/>
+                <a:ea typeface="細明體" panose="02020509000000000000" pitchFamily="49" charset="-120"/>
+              </a:rPr>
+              <a:t>,</a:t>
+            </a:r>
+            <a:endParaRPr lang="en-US" altLang="zh-TW" sz="1800" dirty="0">
+              <a:solidFill>
+                <a:srgbClr val="000000"/>
+              </a:solidFill>
+              <a:latin typeface="細明體" panose="02020509000000000000" pitchFamily="49" charset="-120"/>
+              <a:ea typeface="細明體" panose="02020509000000000000" pitchFamily="49" charset="-120"/>
+            </a:endParaRPr>
+          </a:p>
+          <a:p>
+            <a:r>
+              <a:rPr lang="en-US" altLang="zh-TW" sz="1800" dirty="0">
+                <a:solidFill>
+                  <a:srgbClr val="000000"/>
+                </a:solidFill>
+                <a:latin typeface="細明體" panose="02020509000000000000" pitchFamily="49" charset="-120"/>
+                <a:ea typeface="細明體" panose="02020509000000000000" pitchFamily="49" charset="-120"/>
+              </a:rPr>
+              <a:t>       e</a:t>
+            </a:r>
+            <a:r>
+              <a:rPr lang="en-US" altLang="zh-TW" sz="1800" dirty="0">
+                <a:solidFill>
+                  <a:srgbClr val="808080"/>
+                </a:solidFill>
+                <a:latin typeface="細明體" panose="02020509000000000000" pitchFamily="49" charset="-120"/>
+                <a:ea typeface="細明體" panose="02020509000000000000" pitchFamily="49" charset="-120"/>
+              </a:rPr>
+              <a:t>.</a:t>
+            </a:r>
+            <a:r>
+              <a:rPr lang="en-US" altLang="zh-TW" sz="1800" dirty="0">
+                <a:solidFill>
+                  <a:srgbClr val="000000"/>
+                </a:solidFill>
+                <a:latin typeface="細明體" panose="02020509000000000000" pitchFamily="49" charset="-120"/>
+                <a:ea typeface="細明體" panose="02020509000000000000" pitchFamily="49" charset="-120"/>
+              </a:rPr>
+              <a:t>[</a:t>
+            </a:r>
+            <a:r>
+              <a:rPr lang="en-US" altLang="zh-TW" sz="1800" dirty="0" err="1">
+                <a:solidFill>
+                  <a:srgbClr val="000000"/>
+                </a:solidFill>
+                <a:latin typeface="細明體" panose="02020509000000000000" pitchFamily="49" charset="-120"/>
+                <a:ea typeface="細明體" panose="02020509000000000000" pitchFamily="49" charset="-120"/>
+              </a:rPr>
+              <a:t>EventDate</a:t>
+            </a:r>
+            <a:r>
+              <a:rPr lang="en-US" altLang="zh-TW" sz="1800" dirty="0">
+                <a:solidFill>
+                  <a:srgbClr val="000000"/>
+                </a:solidFill>
+                <a:latin typeface="細明體" panose="02020509000000000000" pitchFamily="49" charset="-120"/>
+                <a:ea typeface="細明體" panose="02020509000000000000" pitchFamily="49" charset="-120"/>
+              </a:rPr>
+              <a:t>]</a:t>
+            </a:r>
+            <a:r>
+              <a:rPr lang="en-US" altLang="zh-TW" sz="1800" dirty="0">
+                <a:solidFill>
+                  <a:srgbClr val="808080"/>
+                </a:solidFill>
+                <a:latin typeface="細明體" panose="02020509000000000000" pitchFamily="49" charset="-120"/>
+                <a:ea typeface="細明體" panose="02020509000000000000" pitchFamily="49" charset="-120"/>
+              </a:rPr>
+              <a:t>,</a:t>
+            </a:r>
+            <a:endParaRPr lang="en-US" altLang="zh-TW" sz="1800" dirty="0">
+              <a:solidFill>
+                <a:srgbClr val="000000"/>
+              </a:solidFill>
+              <a:latin typeface="細明體" panose="02020509000000000000" pitchFamily="49" charset="-120"/>
+              <a:ea typeface="細明體" panose="02020509000000000000" pitchFamily="49" charset="-120"/>
+            </a:endParaRPr>
+          </a:p>
+          <a:p>
+            <a:r>
+              <a:rPr lang="en-US" altLang="zh-TW" sz="1800" dirty="0">
+                <a:solidFill>
+                  <a:srgbClr val="000000"/>
+                </a:solidFill>
+                <a:latin typeface="細明體" panose="02020509000000000000" pitchFamily="49" charset="-120"/>
+                <a:ea typeface="細明體" panose="02020509000000000000" pitchFamily="49" charset="-120"/>
+              </a:rPr>
+              <a:t>   </a:t>
+            </a:r>
+            <a:r>
+              <a:rPr lang="en-US" altLang="zh-TW" sz="1800" dirty="0">
+                <a:solidFill>
+                  <a:srgbClr val="FF00FF"/>
+                </a:solidFill>
+                <a:latin typeface="細明體" panose="02020509000000000000" pitchFamily="49" charset="-120"/>
+                <a:ea typeface="細明體" panose="02020509000000000000" pitchFamily="49" charset="-120"/>
+              </a:rPr>
+              <a:t>DATENAME</a:t>
+            </a:r>
+            <a:r>
+              <a:rPr lang="en-US" altLang="zh-TW" sz="1800" dirty="0">
+                <a:solidFill>
+                  <a:srgbClr val="808080"/>
+                </a:solidFill>
+                <a:latin typeface="細明體" panose="02020509000000000000" pitchFamily="49" charset="-120"/>
+                <a:ea typeface="細明體" panose="02020509000000000000" pitchFamily="49" charset="-120"/>
+              </a:rPr>
+              <a:t>(</a:t>
+            </a:r>
+            <a:r>
+              <a:rPr lang="en-US" altLang="zh-TW" sz="1800" dirty="0" err="1">
+                <a:solidFill>
+                  <a:srgbClr val="0000FF"/>
+                </a:solidFill>
+                <a:latin typeface="細明體" panose="02020509000000000000" pitchFamily="49" charset="-120"/>
+                <a:ea typeface="細明體" panose="02020509000000000000" pitchFamily="49" charset="-120"/>
+              </a:rPr>
+              <a:t>WEEKDAY</a:t>
+            </a:r>
+            <a:r>
+              <a:rPr lang="en-US" altLang="zh-TW" sz="1800" dirty="0" err="1">
+                <a:solidFill>
+                  <a:srgbClr val="808080"/>
+                </a:solidFill>
+                <a:latin typeface="細明體" panose="02020509000000000000" pitchFamily="49" charset="-120"/>
+                <a:ea typeface="細明體" panose="02020509000000000000" pitchFamily="49" charset="-120"/>
+              </a:rPr>
+              <a:t>,</a:t>
+            </a:r>
+            <a:r>
+              <a:rPr lang="en-US" altLang="zh-TW" sz="1800" dirty="0" err="1">
+                <a:solidFill>
+                  <a:srgbClr val="000000"/>
+                </a:solidFill>
+                <a:latin typeface="細明體" panose="02020509000000000000" pitchFamily="49" charset="-120"/>
+                <a:ea typeface="細明體" panose="02020509000000000000" pitchFamily="49" charset="-120"/>
+              </a:rPr>
+              <a:t>e</a:t>
+            </a:r>
+            <a:r>
+              <a:rPr lang="en-US" altLang="zh-TW" sz="1800" dirty="0" err="1">
+                <a:solidFill>
+                  <a:srgbClr val="808080"/>
+                </a:solidFill>
+                <a:latin typeface="細明體" panose="02020509000000000000" pitchFamily="49" charset="-120"/>
+                <a:ea typeface="細明體" panose="02020509000000000000" pitchFamily="49" charset="-120"/>
+              </a:rPr>
+              <a:t>.</a:t>
+            </a:r>
+            <a:r>
+              <a:rPr lang="en-US" altLang="zh-TW" sz="1800" dirty="0" err="1">
+                <a:solidFill>
+                  <a:srgbClr val="000000"/>
+                </a:solidFill>
+                <a:latin typeface="細明體" panose="02020509000000000000" pitchFamily="49" charset="-120"/>
+                <a:ea typeface="細明體" panose="02020509000000000000" pitchFamily="49" charset="-120"/>
+              </a:rPr>
+              <a:t>EventDate</a:t>
+            </a:r>
+            <a:r>
+              <a:rPr lang="en-US" altLang="zh-TW" sz="1800" dirty="0">
+                <a:solidFill>
+                  <a:srgbClr val="808080"/>
+                </a:solidFill>
+                <a:latin typeface="細明體" panose="02020509000000000000" pitchFamily="49" charset="-120"/>
+                <a:ea typeface="細明體" panose="02020509000000000000" pitchFamily="49" charset="-120"/>
+              </a:rPr>
+              <a:t>)</a:t>
+            </a:r>
+            <a:r>
+              <a:rPr lang="en-US" altLang="zh-TW" sz="1800" dirty="0">
+                <a:solidFill>
+                  <a:srgbClr val="000000"/>
+                </a:solidFill>
+                <a:latin typeface="細明體" panose="02020509000000000000" pitchFamily="49" charset="-120"/>
+                <a:ea typeface="細明體" panose="02020509000000000000" pitchFamily="49" charset="-120"/>
+              </a:rPr>
+              <a:t> </a:t>
+            </a:r>
+            <a:r>
+              <a:rPr lang="en-US" altLang="zh-TW" sz="1800" dirty="0">
+                <a:solidFill>
+                  <a:srgbClr val="0000FF"/>
+                </a:solidFill>
+                <a:latin typeface="細明體" panose="02020509000000000000" pitchFamily="49" charset="-120"/>
+                <a:ea typeface="細明體" panose="02020509000000000000" pitchFamily="49" charset="-120"/>
+              </a:rPr>
+              <a:t>AS</a:t>
+            </a:r>
+            <a:r>
+              <a:rPr lang="en-US" altLang="zh-TW" sz="1800" dirty="0">
+                <a:solidFill>
+                  <a:srgbClr val="000000"/>
+                </a:solidFill>
+                <a:latin typeface="細明體" panose="02020509000000000000" pitchFamily="49" charset="-120"/>
+                <a:ea typeface="細明體" panose="02020509000000000000" pitchFamily="49" charset="-120"/>
+              </a:rPr>
+              <a:t> </a:t>
+            </a:r>
+            <a:r>
+              <a:rPr lang="en-US" altLang="zh-TW" sz="1800" dirty="0">
+                <a:solidFill>
+                  <a:srgbClr val="FF0000"/>
+                </a:solidFill>
+                <a:latin typeface="細明體" panose="02020509000000000000" pitchFamily="49" charset="-120"/>
+                <a:ea typeface="細明體" panose="02020509000000000000" pitchFamily="49" charset="-120"/>
+              </a:rPr>
+              <a:t>'Day of week'</a:t>
+            </a:r>
+            <a:r>
+              <a:rPr lang="en-US" altLang="zh-TW" sz="1800" dirty="0">
+                <a:solidFill>
+                  <a:srgbClr val="808080"/>
+                </a:solidFill>
+                <a:latin typeface="細明體" panose="02020509000000000000" pitchFamily="49" charset="-120"/>
+                <a:ea typeface="細明體" panose="02020509000000000000" pitchFamily="49" charset="-120"/>
+              </a:rPr>
+              <a:t>,</a:t>
+            </a:r>
+            <a:endParaRPr lang="en-US" altLang="zh-TW" sz="1800" dirty="0">
+              <a:solidFill>
+                <a:srgbClr val="000000"/>
+              </a:solidFill>
+              <a:latin typeface="細明體" panose="02020509000000000000" pitchFamily="49" charset="-120"/>
+              <a:ea typeface="細明體" panose="02020509000000000000" pitchFamily="49" charset="-120"/>
+            </a:endParaRPr>
+          </a:p>
+          <a:p>
+            <a:r>
+              <a:rPr lang="en-US" altLang="zh-TW" sz="1800" dirty="0">
+                <a:solidFill>
+                  <a:srgbClr val="000000"/>
+                </a:solidFill>
+                <a:latin typeface="細明體" panose="02020509000000000000" pitchFamily="49" charset="-120"/>
+                <a:ea typeface="細明體" panose="02020509000000000000" pitchFamily="49" charset="-120"/>
+              </a:rPr>
+              <a:t>   </a:t>
+            </a:r>
+            <a:r>
+              <a:rPr lang="en-US" altLang="zh-TW" sz="1800" dirty="0">
+                <a:solidFill>
+                  <a:srgbClr val="FF00FF"/>
+                </a:solidFill>
+                <a:latin typeface="細明體" panose="02020509000000000000" pitchFamily="49" charset="-120"/>
+                <a:ea typeface="細明體" panose="02020509000000000000" pitchFamily="49" charset="-120"/>
+              </a:rPr>
+              <a:t>DATEPART</a:t>
+            </a:r>
+            <a:r>
+              <a:rPr lang="en-US" altLang="zh-TW" sz="1800" dirty="0">
+                <a:solidFill>
+                  <a:srgbClr val="808080"/>
+                </a:solidFill>
+                <a:latin typeface="細明體" panose="02020509000000000000" pitchFamily="49" charset="-120"/>
+                <a:ea typeface="細明體" panose="02020509000000000000" pitchFamily="49" charset="-120"/>
+              </a:rPr>
+              <a:t>(</a:t>
+            </a:r>
+            <a:r>
+              <a:rPr lang="en-US" altLang="zh-TW" sz="1800" dirty="0" err="1">
+                <a:solidFill>
+                  <a:srgbClr val="FF00FF"/>
+                </a:solidFill>
+                <a:latin typeface="細明體" panose="02020509000000000000" pitchFamily="49" charset="-120"/>
+                <a:ea typeface="細明體" panose="02020509000000000000" pitchFamily="49" charset="-120"/>
+              </a:rPr>
+              <a:t>DAY</a:t>
+            </a:r>
+            <a:r>
+              <a:rPr lang="en-US" altLang="zh-TW" sz="1800" dirty="0" err="1">
+                <a:solidFill>
+                  <a:srgbClr val="808080"/>
+                </a:solidFill>
+                <a:latin typeface="細明體" panose="02020509000000000000" pitchFamily="49" charset="-120"/>
+                <a:ea typeface="細明體" panose="02020509000000000000" pitchFamily="49" charset="-120"/>
+              </a:rPr>
+              <a:t>,</a:t>
+            </a:r>
+            <a:r>
+              <a:rPr lang="en-US" altLang="zh-TW" sz="1800" dirty="0" err="1">
+                <a:solidFill>
+                  <a:srgbClr val="000000"/>
+                </a:solidFill>
+                <a:latin typeface="細明體" panose="02020509000000000000" pitchFamily="49" charset="-120"/>
+                <a:ea typeface="細明體" panose="02020509000000000000" pitchFamily="49" charset="-120"/>
+              </a:rPr>
+              <a:t>e</a:t>
+            </a:r>
+            <a:r>
+              <a:rPr lang="en-US" altLang="zh-TW" sz="1800" dirty="0" err="1">
+                <a:solidFill>
+                  <a:srgbClr val="808080"/>
+                </a:solidFill>
+                <a:latin typeface="細明體" panose="02020509000000000000" pitchFamily="49" charset="-120"/>
+                <a:ea typeface="細明體" panose="02020509000000000000" pitchFamily="49" charset="-120"/>
+              </a:rPr>
+              <a:t>.</a:t>
+            </a:r>
+            <a:r>
+              <a:rPr lang="en-US" altLang="zh-TW" sz="1800" dirty="0" err="1">
+                <a:solidFill>
+                  <a:srgbClr val="000000"/>
+                </a:solidFill>
+                <a:latin typeface="細明體" panose="02020509000000000000" pitchFamily="49" charset="-120"/>
+                <a:ea typeface="細明體" panose="02020509000000000000" pitchFamily="49" charset="-120"/>
+              </a:rPr>
+              <a:t>EventDate</a:t>
+            </a:r>
+            <a:r>
+              <a:rPr lang="en-US" altLang="zh-TW" sz="1800" dirty="0">
+                <a:solidFill>
+                  <a:srgbClr val="808080"/>
+                </a:solidFill>
+                <a:latin typeface="細明體" panose="02020509000000000000" pitchFamily="49" charset="-120"/>
+                <a:ea typeface="細明體" panose="02020509000000000000" pitchFamily="49" charset="-120"/>
+              </a:rPr>
+              <a:t>)</a:t>
+            </a:r>
+            <a:r>
+              <a:rPr lang="en-US" altLang="zh-TW" sz="1800" dirty="0">
+                <a:solidFill>
+                  <a:srgbClr val="000000"/>
+                </a:solidFill>
+                <a:latin typeface="細明體" panose="02020509000000000000" pitchFamily="49" charset="-120"/>
+                <a:ea typeface="細明體" panose="02020509000000000000" pitchFamily="49" charset="-120"/>
+              </a:rPr>
+              <a:t> </a:t>
+            </a:r>
+            <a:r>
+              <a:rPr lang="en-US" altLang="zh-TW" sz="1800" dirty="0">
+                <a:solidFill>
+                  <a:srgbClr val="0000FF"/>
+                </a:solidFill>
+                <a:latin typeface="細明體" panose="02020509000000000000" pitchFamily="49" charset="-120"/>
+                <a:ea typeface="細明體" panose="02020509000000000000" pitchFamily="49" charset="-120"/>
+              </a:rPr>
+              <a:t>AS</a:t>
+            </a:r>
+            <a:r>
+              <a:rPr lang="en-US" altLang="zh-TW" sz="1800" dirty="0">
+                <a:solidFill>
+                  <a:srgbClr val="000000"/>
+                </a:solidFill>
+                <a:latin typeface="細明體" panose="02020509000000000000" pitchFamily="49" charset="-120"/>
+                <a:ea typeface="細明體" panose="02020509000000000000" pitchFamily="49" charset="-120"/>
+              </a:rPr>
+              <a:t> </a:t>
+            </a:r>
+            <a:r>
+              <a:rPr lang="en-US" altLang="zh-TW" sz="1800" dirty="0">
+                <a:solidFill>
+                  <a:srgbClr val="FF0000"/>
+                </a:solidFill>
+                <a:latin typeface="細明體" panose="02020509000000000000" pitchFamily="49" charset="-120"/>
+                <a:ea typeface="細明體" panose="02020509000000000000" pitchFamily="49" charset="-120"/>
+              </a:rPr>
+              <a:t>'Day number'</a:t>
+            </a:r>
+            <a:endParaRPr lang="en-US" altLang="zh-TW" sz="1800" dirty="0">
+              <a:solidFill>
+                <a:srgbClr val="000000"/>
+              </a:solidFill>
+              <a:latin typeface="細明體" panose="02020509000000000000" pitchFamily="49" charset="-120"/>
+              <a:ea typeface="細明體" panose="02020509000000000000" pitchFamily="49" charset="-120"/>
+            </a:endParaRPr>
+          </a:p>
+          <a:p>
+            <a:r>
+              <a:rPr lang="zh-TW" altLang="en-US" sz="1800" dirty="0">
+                <a:solidFill>
+                  <a:srgbClr val="000000"/>
+                </a:solidFill>
+                <a:latin typeface="細明體" panose="02020509000000000000" pitchFamily="49" charset="-120"/>
+                <a:ea typeface="細明體" panose="02020509000000000000" pitchFamily="49" charset="-120"/>
+              </a:rPr>
+              <a:t>      </a:t>
+            </a:r>
+          </a:p>
+          <a:p>
+            <a:r>
+              <a:rPr lang="en-US" altLang="zh-TW" sz="1800" dirty="0">
+                <a:solidFill>
+                  <a:srgbClr val="000000"/>
+                </a:solidFill>
+                <a:latin typeface="細明體" panose="02020509000000000000" pitchFamily="49" charset="-120"/>
+                <a:ea typeface="細明體" panose="02020509000000000000" pitchFamily="49" charset="-120"/>
+              </a:rPr>
+              <a:t>  </a:t>
+            </a:r>
+            <a:r>
+              <a:rPr lang="en-US" altLang="zh-TW" sz="1800" dirty="0">
+                <a:solidFill>
+                  <a:srgbClr val="0000FF"/>
+                </a:solidFill>
+                <a:latin typeface="細明體" panose="02020509000000000000" pitchFamily="49" charset="-120"/>
+                <a:ea typeface="細明體" panose="02020509000000000000" pitchFamily="49" charset="-120"/>
+              </a:rPr>
+              <a:t>FROM</a:t>
+            </a:r>
+            <a:r>
+              <a:rPr lang="en-US" altLang="zh-TW" sz="1800" dirty="0">
+                <a:solidFill>
+                  <a:srgbClr val="000000"/>
+                </a:solidFill>
+                <a:latin typeface="細明體" panose="02020509000000000000" pitchFamily="49" charset="-120"/>
+                <a:ea typeface="細明體" panose="02020509000000000000" pitchFamily="49" charset="-120"/>
+              </a:rPr>
+              <a:t> [</a:t>
+            </a:r>
+            <a:r>
+              <a:rPr lang="en-US" altLang="zh-TW" sz="1800" dirty="0" err="1">
+                <a:solidFill>
+                  <a:srgbClr val="000000"/>
+                </a:solidFill>
+                <a:latin typeface="細明體" panose="02020509000000000000" pitchFamily="49" charset="-120"/>
+                <a:ea typeface="細明體" panose="02020509000000000000" pitchFamily="49" charset="-120"/>
+              </a:rPr>
+              <a:t>WorldEvents</a:t>
+            </a:r>
+            <a:r>
+              <a:rPr lang="en-US" altLang="zh-TW" sz="1800" dirty="0">
+                <a:solidFill>
+                  <a:srgbClr val="000000"/>
+                </a:solidFill>
+                <a:latin typeface="細明體" panose="02020509000000000000" pitchFamily="49" charset="-120"/>
+                <a:ea typeface="細明體" panose="02020509000000000000" pitchFamily="49" charset="-120"/>
+              </a:rPr>
+              <a:t>]</a:t>
+            </a:r>
+            <a:r>
+              <a:rPr lang="en-US" altLang="zh-TW" sz="1800" dirty="0">
+                <a:solidFill>
+                  <a:srgbClr val="808080"/>
+                </a:solidFill>
+                <a:latin typeface="細明體" panose="02020509000000000000" pitchFamily="49" charset="-120"/>
+                <a:ea typeface="細明體" panose="02020509000000000000" pitchFamily="49" charset="-120"/>
+              </a:rPr>
+              <a:t>.</a:t>
+            </a:r>
+            <a:r>
+              <a:rPr lang="en-US" altLang="zh-TW" sz="1800" dirty="0">
+                <a:solidFill>
+                  <a:srgbClr val="000000"/>
+                </a:solidFill>
+                <a:latin typeface="細明體" panose="02020509000000000000" pitchFamily="49" charset="-120"/>
+                <a:ea typeface="細明體" panose="02020509000000000000" pitchFamily="49" charset="-120"/>
+              </a:rPr>
+              <a:t>[</a:t>
+            </a:r>
+            <a:r>
+              <a:rPr lang="en-US" altLang="zh-TW" sz="1800" dirty="0" err="1">
+                <a:solidFill>
+                  <a:srgbClr val="000000"/>
+                </a:solidFill>
+                <a:latin typeface="細明體" panose="02020509000000000000" pitchFamily="49" charset="-120"/>
+                <a:ea typeface="細明體" panose="02020509000000000000" pitchFamily="49" charset="-120"/>
+              </a:rPr>
+              <a:t>dbo</a:t>
+            </a:r>
+            <a:r>
+              <a:rPr lang="en-US" altLang="zh-TW" sz="1800" dirty="0">
+                <a:solidFill>
+                  <a:srgbClr val="000000"/>
+                </a:solidFill>
+                <a:latin typeface="細明體" panose="02020509000000000000" pitchFamily="49" charset="-120"/>
+                <a:ea typeface="細明體" panose="02020509000000000000" pitchFamily="49" charset="-120"/>
+              </a:rPr>
+              <a:t>]</a:t>
+            </a:r>
+            <a:r>
+              <a:rPr lang="en-US" altLang="zh-TW" sz="1800" dirty="0">
+                <a:solidFill>
+                  <a:srgbClr val="808080"/>
+                </a:solidFill>
+                <a:latin typeface="細明體" panose="02020509000000000000" pitchFamily="49" charset="-120"/>
+                <a:ea typeface="細明體" panose="02020509000000000000" pitchFamily="49" charset="-120"/>
+              </a:rPr>
+              <a:t>.</a:t>
+            </a:r>
+            <a:r>
+              <a:rPr lang="en-US" altLang="zh-TW" sz="1800" dirty="0">
+                <a:solidFill>
+                  <a:srgbClr val="000000"/>
+                </a:solidFill>
+                <a:latin typeface="細明體" panose="02020509000000000000" pitchFamily="49" charset="-120"/>
+                <a:ea typeface="細明體" panose="02020509000000000000" pitchFamily="49" charset="-120"/>
+              </a:rPr>
+              <a:t>[</a:t>
+            </a:r>
+            <a:r>
+              <a:rPr lang="en-US" altLang="zh-TW" sz="1800" dirty="0" err="1">
+                <a:solidFill>
+                  <a:srgbClr val="000000"/>
+                </a:solidFill>
+                <a:latin typeface="細明體" panose="02020509000000000000" pitchFamily="49" charset="-120"/>
+                <a:ea typeface="細明體" panose="02020509000000000000" pitchFamily="49" charset="-120"/>
+              </a:rPr>
+              <a:t>tblEvent</a:t>
+            </a:r>
+            <a:r>
+              <a:rPr lang="en-US" altLang="zh-TW" sz="1800" dirty="0">
+                <a:solidFill>
+                  <a:srgbClr val="000000"/>
+                </a:solidFill>
+                <a:latin typeface="細明體" panose="02020509000000000000" pitchFamily="49" charset="-120"/>
+                <a:ea typeface="細明體" panose="02020509000000000000" pitchFamily="49" charset="-120"/>
+              </a:rPr>
+              <a:t>] </a:t>
+            </a:r>
+            <a:r>
+              <a:rPr lang="en-US" altLang="zh-TW" sz="1800" dirty="0">
+                <a:solidFill>
+                  <a:srgbClr val="0000FF"/>
+                </a:solidFill>
+                <a:latin typeface="細明體" panose="02020509000000000000" pitchFamily="49" charset="-120"/>
+                <a:ea typeface="細明體" panose="02020509000000000000" pitchFamily="49" charset="-120"/>
+              </a:rPr>
+              <a:t>as</a:t>
+            </a:r>
+            <a:r>
+              <a:rPr lang="en-US" altLang="zh-TW" sz="1800" dirty="0">
+                <a:solidFill>
+                  <a:srgbClr val="000000"/>
+                </a:solidFill>
+                <a:latin typeface="細明體" panose="02020509000000000000" pitchFamily="49" charset="-120"/>
+                <a:ea typeface="細明體" panose="02020509000000000000" pitchFamily="49" charset="-120"/>
+              </a:rPr>
+              <a:t> e</a:t>
+            </a:r>
+            <a:endParaRPr lang="zh-TW" altLang="en-US" sz="1600" dirty="0">
+              <a:solidFill>
+                <a:srgbClr val="000000"/>
+              </a:solidFill>
+              <a:latin typeface="微軟正黑體" panose="020B0604030504040204" pitchFamily="34" charset="-120"/>
+              <a:ea typeface="微軟正黑體" panose="020B0604030504040204" pitchFamily="34" charset="-120"/>
+            </a:endParaRPr>
+          </a:p>
+        </p:txBody>
+      </p:sp>
+      <p:sp>
+        <p:nvSpPr>
+          <p:cNvPr id="9" name="文字方塊 8">
+            <a:extLst>
+              <a:ext uri="{FF2B5EF4-FFF2-40B4-BE49-F238E27FC236}">
+                <a16:creationId xmlns:a16="http://schemas.microsoft.com/office/drawing/2014/main" id="{35E0097D-1D25-800D-ACBE-7E565A45717E}"/>
+              </a:ext>
+            </a:extLst>
+          </p:cNvPr>
+          <p:cNvSpPr txBox="1"/>
+          <p:nvPr/>
+        </p:nvSpPr>
+        <p:spPr>
+          <a:xfrm>
+            <a:off x="1840069" y="6225982"/>
+            <a:ext cx="8201284" cy="369332"/>
+          </a:xfrm>
+          <a:prstGeom prst="rect">
+            <a:avLst/>
+          </a:prstGeom>
+          <a:noFill/>
+        </p:spPr>
+        <p:txBody>
+          <a:bodyPr wrap="none" rtlCol="0">
+            <a:spAutoFit/>
+          </a:bodyPr>
+          <a:lstStyle/>
+          <a:p>
+            <a:r>
+              <a:rPr lang="zh-TW" altLang="en-US" dirty="0"/>
+              <a:t>參考資料</a:t>
+            </a:r>
+            <a:r>
+              <a:rPr lang="en-US" altLang="zh-TW" dirty="0"/>
+              <a:t>:https://www.w3schools.com/sql/func_sqlserver_datepart.asp</a:t>
+            </a:r>
+            <a:endParaRPr lang="zh-TW" altLang="en-US" dirty="0"/>
+          </a:p>
+        </p:txBody>
+      </p:sp>
+      <p:pic>
+        <p:nvPicPr>
+          <p:cNvPr id="6" name="圖片 5">
+            <a:extLst>
+              <a:ext uri="{FF2B5EF4-FFF2-40B4-BE49-F238E27FC236}">
+                <a16:creationId xmlns:a16="http://schemas.microsoft.com/office/drawing/2014/main" id="{34D974E1-2147-6976-0B21-C0559AA8A133}"/>
+              </a:ext>
+            </a:extLst>
+          </p:cNvPr>
+          <p:cNvPicPr>
+            <a:picLocks noChangeAspect="1"/>
+          </p:cNvPicPr>
+          <p:nvPr/>
+        </p:nvPicPr>
+        <p:blipFill>
+          <a:blip r:embed="rId2"/>
+          <a:stretch>
+            <a:fillRect/>
+          </a:stretch>
+        </p:blipFill>
+        <p:spPr>
+          <a:xfrm>
+            <a:off x="7530941" y="1756637"/>
+            <a:ext cx="3955123" cy="2911092"/>
+          </a:xfrm>
+          <a:prstGeom prst="rect">
+            <a:avLst/>
+          </a:prstGeom>
+        </p:spPr>
+      </p:pic>
+      <p:sp>
+        <p:nvSpPr>
+          <p:cNvPr id="10" name="文字方塊 9">
+            <a:extLst>
+              <a:ext uri="{FF2B5EF4-FFF2-40B4-BE49-F238E27FC236}">
+                <a16:creationId xmlns:a16="http://schemas.microsoft.com/office/drawing/2014/main" id="{DD8BAA2E-A221-5931-03C2-40E6A9785496}"/>
+              </a:ext>
+            </a:extLst>
+          </p:cNvPr>
+          <p:cNvSpPr txBox="1"/>
+          <p:nvPr/>
+        </p:nvSpPr>
+        <p:spPr>
+          <a:xfrm>
+            <a:off x="1840069" y="5909519"/>
+            <a:ext cx="8201284" cy="369332"/>
+          </a:xfrm>
+          <a:prstGeom prst="rect">
+            <a:avLst/>
+          </a:prstGeom>
+          <a:noFill/>
+        </p:spPr>
+        <p:txBody>
+          <a:bodyPr wrap="none" rtlCol="0">
+            <a:spAutoFit/>
+          </a:bodyPr>
+          <a:lstStyle/>
+          <a:p>
+            <a:r>
+              <a:rPr lang="zh-TW" altLang="en-US" dirty="0"/>
+              <a:t>參考資料</a:t>
+            </a:r>
+            <a:r>
+              <a:rPr lang="en-US" altLang="zh-TW" dirty="0"/>
+              <a:t>:https://www.w3schools.com/sql/func_sqlserver_datename.asp</a:t>
+            </a:r>
+            <a:endParaRPr lang="zh-TW" altLang="en-US" dirty="0"/>
+          </a:p>
+        </p:txBody>
+      </p:sp>
+    </p:spTree>
+    <p:extLst>
+      <p:ext uri="{BB962C8B-B14F-4D97-AF65-F5344CB8AC3E}">
+        <p14:creationId xmlns:p14="http://schemas.microsoft.com/office/powerpoint/2010/main" val="112704417"/>
+      </p:ext>
+    </p:extLst>
+  </p:cSld>
+  <p:clrMapOvr>
+    <a:masterClrMapping/>
+  </p:clrMapOvr>
+</p:sld>
+</file>
+
+<file path=ppt/slides/slide46.xml><?xml version="1.0" encoding="utf-8"?>
+<p:sld xmlns:a="http://schemas.openxmlformats.org/drawingml/2006/main" xmlns:r="http://schemas.openxmlformats.org/officeDocument/2006/relationships" xmlns:p="http://schemas.openxmlformats.org/presentationml/2006/main">
+  <p:cSld>
+    <p:spTree>
+      <p:nvGrpSpPr>
+        <p:cNvPr id="1" name=""/>
+        <p:cNvGrpSpPr/>
+        <p:nvPr/>
+      </p:nvGrpSpPr>
+      <p:grpSpPr>
+        <a:xfrm>
+          <a:off x="0" y="0"/>
+          <a:ext cx="0" cy="0"/>
+          <a:chOff x="0" y="0"/>
+          <a:chExt cx="0" cy="0"/>
+        </a:xfrm>
+      </p:grpSpPr>
+      <p:sp>
+        <p:nvSpPr>
+          <p:cNvPr id="2" name="標題 1">
+            <a:extLst>
+              <a:ext uri="{FF2B5EF4-FFF2-40B4-BE49-F238E27FC236}">
+                <a16:creationId xmlns:a16="http://schemas.microsoft.com/office/drawing/2014/main" id="{9754B65C-1642-6FE5-D941-96E5D377AABC}"/>
+              </a:ext>
+            </a:extLst>
+          </p:cNvPr>
+          <p:cNvSpPr>
+            <a:spLocks noGrp="1"/>
+          </p:cNvSpPr>
+          <p:nvPr>
+            <p:ph type="title"/>
+          </p:nvPr>
+        </p:nvSpPr>
+        <p:spPr>
+          <a:xfrm>
+            <a:off x="1687669" y="624110"/>
+            <a:ext cx="7321860" cy="1280890"/>
+          </a:xfrm>
+        </p:spPr>
+        <p:txBody>
+          <a:bodyPr>
+            <a:normAutofit/>
+          </a:bodyPr>
+          <a:lstStyle/>
+          <a:p>
+            <a:r>
+              <a:rPr lang="en-US" altLang="zh-TW" sz="3200" dirty="0"/>
+              <a:t>Calculations using dates Q4</a:t>
+            </a:r>
+            <a:endParaRPr lang="zh-TW" altLang="en-US" sz="3200" dirty="0"/>
+          </a:p>
+        </p:txBody>
+      </p:sp>
+      <p:sp>
+        <p:nvSpPr>
+          <p:cNvPr id="4" name="投影片編號版面配置區 3">
+            <a:extLst>
+              <a:ext uri="{FF2B5EF4-FFF2-40B4-BE49-F238E27FC236}">
+                <a16:creationId xmlns:a16="http://schemas.microsoft.com/office/drawing/2014/main" id="{3F1EA6AD-3945-5A5F-70AE-CD8043429B6D}"/>
+              </a:ext>
+            </a:extLst>
+          </p:cNvPr>
+          <p:cNvSpPr>
+            <a:spLocks noGrp="1"/>
+          </p:cNvSpPr>
+          <p:nvPr>
+            <p:ph type="sldNum" sz="quarter" idx="12"/>
+          </p:nvPr>
+        </p:nvSpPr>
+        <p:spPr>
+          <a:xfrm>
+            <a:off x="531812" y="787782"/>
+            <a:ext cx="779767" cy="365125"/>
+          </a:xfrm>
+        </p:spPr>
+        <p:txBody>
+          <a:bodyPr>
+            <a:normAutofit/>
+          </a:bodyPr>
+          <a:lstStyle/>
+          <a:p>
+            <a:pPr>
+              <a:lnSpc>
+                <a:spcPct val="90000"/>
+              </a:lnSpc>
+              <a:spcAft>
+                <a:spcPts val="600"/>
+              </a:spcAft>
+            </a:pPr>
+            <a:fld id="{D57F1E4F-1CFF-5643-939E-217C01CDF565}" type="slidenum">
+              <a:rPr lang="en-US" sz="1900" smtClean="0"/>
+              <a:pPr>
+                <a:lnSpc>
+                  <a:spcPct val="90000"/>
+                </a:lnSpc>
+                <a:spcAft>
+                  <a:spcPts val="600"/>
+                </a:spcAft>
+              </a:pPr>
+              <a:t>46</a:t>
+            </a:fld>
+            <a:endParaRPr lang="en-US" sz="1900"/>
+          </a:p>
+        </p:txBody>
+      </p:sp>
+      <p:pic>
+        <p:nvPicPr>
+          <p:cNvPr id="6" name="內容版面配置區 5">
+            <a:extLst>
+              <a:ext uri="{FF2B5EF4-FFF2-40B4-BE49-F238E27FC236}">
+                <a16:creationId xmlns:a16="http://schemas.microsoft.com/office/drawing/2014/main" id="{148D6BEA-DF0D-1BEA-7A46-A18008E908B8}"/>
+              </a:ext>
+            </a:extLst>
+          </p:cNvPr>
+          <p:cNvPicPr>
+            <a:picLocks noGrp="1" noChangeAspect="1"/>
+          </p:cNvPicPr>
+          <p:nvPr>
+            <p:ph idx="1"/>
+          </p:nvPr>
+        </p:nvPicPr>
+        <p:blipFill>
+          <a:blip r:embed="rId2"/>
+          <a:stretch>
+            <a:fillRect/>
+          </a:stretch>
+        </p:blipFill>
+        <p:spPr>
+          <a:xfrm>
+            <a:off x="1687669" y="1905000"/>
+            <a:ext cx="6906831" cy="4611595"/>
+          </a:xfrm>
+        </p:spPr>
+      </p:pic>
+    </p:spTree>
+    <p:extLst>
+      <p:ext uri="{BB962C8B-B14F-4D97-AF65-F5344CB8AC3E}">
+        <p14:creationId xmlns:p14="http://schemas.microsoft.com/office/powerpoint/2010/main" val="3599858875"/>
+      </p:ext>
+    </p:extLst>
+  </p:cSld>
+  <p:clrMapOvr>
+    <a:masterClrMapping/>
+  </p:clrMapOvr>
+</p:sld>
+</file>
+
+<file path=ppt/slides/slide47.xml><?xml version="1.0" encoding="utf-8"?>
+<p:sld xmlns:a="http://schemas.openxmlformats.org/drawingml/2006/main" xmlns:r="http://schemas.openxmlformats.org/officeDocument/2006/relationships" xmlns:p="http://schemas.openxmlformats.org/presentationml/2006/main">
+  <p:cSld>
+    <p:spTree>
+      <p:nvGrpSpPr>
+        <p:cNvPr id="1" name=""/>
+        <p:cNvGrpSpPr/>
+        <p:nvPr/>
+      </p:nvGrpSpPr>
+      <p:grpSpPr>
+        <a:xfrm>
+          <a:off x="0" y="0"/>
+          <a:ext cx="0" cy="0"/>
+          <a:chOff x="0" y="0"/>
+          <a:chExt cx="0" cy="0"/>
+        </a:xfrm>
+      </p:grpSpPr>
+      <p:sp>
+        <p:nvSpPr>
+          <p:cNvPr id="2" name="標題 1">
+            <a:extLst>
+              <a:ext uri="{FF2B5EF4-FFF2-40B4-BE49-F238E27FC236}">
+                <a16:creationId xmlns:a16="http://schemas.microsoft.com/office/drawing/2014/main" id="{9754B65C-1642-6FE5-D941-96E5D377AABC}"/>
+              </a:ext>
+            </a:extLst>
+          </p:cNvPr>
+          <p:cNvSpPr>
+            <a:spLocks noGrp="1"/>
+          </p:cNvSpPr>
+          <p:nvPr>
+            <p:ph type="title"/>
+          </p:nvPr>
+        </p:nvSpPr>
+        <p:spPr>
+          <a:xfrm>
+            <a:off x="1687669" y="624110"/>
+            <a:ext cx="4137059" cy="1280890"/>
+          </a:xfrm>
+        </p:spPr>
+        <p:txBody>
+          <a:bodyPr>
+            <a:normAutofit/>
+          </a:bodyPr>
+          <a:lstStyle/>
+          <a:p>
+            <a:r>
+              <a:rPr lang="en-US" altLang="zh-TW" sz="3200" dirty="0"/>
+              <a:t>Answer4.</a:t>
+            </a:r>
+            <a:endParaRPr lang="zh-TW" altLang="en-US" sz="3200" dirty="0"/>
+          </a:p>
+        </p:txBody>
+      </p:sp>
+      <p:sp>
+        <p:nvSpPr>
+          <p:cNvPr id="4" name="投影片編號版面配置區 3">
+            <a:extLst>
+              <a:ext uri="{FF2B5EF4-FFF2-40B4-BE49-F238E27FC236}">
+                <a16:creationId xmlns:a16="http://schemas.microsoft.com/office/drawing/2014/main" id="{3F1EA6AD-3945-5A5F-70AE-CD8043429B6D}"/>
+              </a:ext>
+            </a:extLst>
+          </p:cNvPr>
+          <p:cNvSpPr>
+            <a:spLocks noGrp="1"/>
+          </p:cNvSpPr>
+          <p:nvPr>
+            <p:ph type="sldNum" sz="quarter" idx="12"/>
+          </p:nvPr>
+        </p:nvSpPr>
+        <p:spPr>
+          <a:xfrm>
+            <a:off x="531812" y="787782"/>
+            <a:ext cx="779767" cy="365125"/>
+          </a:xfrm>
+        </p:spPr>
+        <p:txBody>
+          <a:bodyPr>
+            <a:normAutofit/>
+          </a:bodyPr>
+          <a:lstStyle/>
+          <a:p>
+            <a:pPr>
+              <a:lnSpc>
+                <a:spcPct val="90000"/>
+              </a:lnSpc>
+              <a:spcAft>
+                <a:spcPts val="600"/>
+              </a:spcAft>
+            </a:pPr>
+            <a:fld id="{D57F1E4F-1CFF-5643-939E-217C01CDF565}" type="slidenum">
+              <a:rPr lang="en-US" sz="1900" smtClean="0"/>
+              <a:pPr>
+                <a:lnSpc>
+                  <a:spcPct val="90000"/>
+                </a:lnSpc>
+                <a:spcAft>
+                  <a:spcPts val="600"/>
+                </a:spcAft>
+              </a:pPr>
+              <a:t>47</a:t>
+            </a:fld>
+            <a:endParaRPr lang="en-US" sz="1900"/>
+          </a:p>
+        </p:txBody>
+      </p:sp>
+      <p:sp>
+        <p:nvSpPr>
+          <p:cNvPr id="3" name="內容版面配置區 2">
+            <a:extLst>
+              <a:ext uri="{FF2B5EF4-FFF2-40B4-BE49-F238E27FC236}">
+                <a16:creationId xmlns:a16="http://schemas.microsoft.com/office/drawing/2014/main" id="{8A26720F-616D-E164-DA93-3A4EBED4F0AD}"/>
+              </a:ext>
+            </a:extLst>
+          </p:cNvPr>
+          <p:cNvSpPr>
+            <a:spLocks noGrp="1"/>
+          </p:cNvSpPr>
+          <p:nvPr>
+            <p:ph idx="1"/>
+          </p:nvPr>
+        </p:nvSpPr>
+        <p:spPr>
+          <a:xfrm>
+            <a:off x="1687669" y="1685364"/>
+            <a:ext cx="6074307" cy="3854824"/>
+          </a:xfrm>
+        </p:spPr>
+        <p:txBody>
+          <a:bodyPr>
+            <a:normAutofit fontScale="85000" lnSpcReduction="20000"/>
+          </a:bodyPr>
+          <a:lstStyle/>
+          <a:p>
+            <a:r>
+              <a:rPr lang="en-US" altLang="zh-TW" sz="1800" dirty="0">
+                <a:solidFill>
+                  <a:srgbClr val="0000FF"/>
+                </a:solidFill>
+                <a:latin typeface="細明體" panose="02020509000000000000" pitchFamily="49" charset="-120"/>
+                <a:ea typeface="細明體" panose="02020509000000000000" pitchFamily="49" charset="-120"/>
+              </a:rPr>
+              <a:t>SELECT</a:t>
+            </a:r>
+            <a:r>
+              <a:rPr lang="en-US" altLang="zh-TW" sz="1800" dirty="0">
+                <a:solidFill>
+                  <a:srgbClr val="000000"/>
+                </a:solidFill>
+                <a:latin typeface="細明體" panose="02020509000000000000" pitchFamily="49" charset="-120"/>
+                <a:ea typeface="細明體" panose="02020509000000000000" pitchFamily="49" charset="-120"/>
+              </a:rPr>
+              <a:t> e</a:t>
+            </a:r>
+            <a:r>
+              <a:rPr lang="en-US" altLang="zh-TW" sz="1800" dirty="0">
+                <a:solidFill>
+                  <a:srgbClr val="808080"/>
+                </a:solidFill>
+                <a:latin typeface="細明體" panose="02020509000000000000" pitchFamily="49" charset="-120"/>
+                <a:ea typeface="細明體" panose="02020509000000000000" pitchFamily="49" charset="-120"/>
+              </a:rPr>
+              <a:t>.</a:t>
+            </a:r>
+            <a:r>
+              <a:rPr lang="en-US" altLang="zh-TW" sz="1800" dirty="0">
+                <a:solidFill>
+                  <a:srgbClr val="000000"/>
+                </a:solidFill>
+                <a:latin typeface="細明體" panose="02020509000000000000" pitchFamily="49" charset="-120"/>
+                <a:ea typeface="細明體" panose="02020509000000000000" pitchFamily="49" charset="-120"/>
+              </a:rPr>
+              <a:t>[</a:t>
+            </a:r>
+            <a:r>
+              <a:rPr lang="en-US" altLang="zh-TW" sz="1800" dirty="0" err="1">
+                <a:solidFill>
+                  <a:srgbClr val="000000"/>
+                </a:solidFill>
+                <a:latin typeface="細明體" panose="02020509000000000000" pitchFamily="49" charset="-120"/>
+                <a:ea typeface="細明體" panose="02020509000000000000" pitchFamily="49" charset="-120"/>
+              </a:rPr>
+              <a:t>EventName</a:t>
+            </a:r>
+            <a:r>
+              <a:rPr lang="en-US" altLang="zh-TW" sz="1800" dirty="0">
+                <a:solidFill>
+                  <a:srgbClr val="000000"/>
+                </a:solidFill>
+                <a:latin typeface="細明體" panose="02020509000000000000" pitchFamily="49" charset="-120"/>
+                <a:ea typeface="細明體" panose="02020509000000000000" pitchFamily="49" charset="-120"/>
+              </a:rPr>
+              <a:t>]</a:t>
+            </a:r>
+            <a:r>
+              <a:rPr lang="en-US" altLang="zh-TW" sz="1800" dirty="0">
+                <a:solidFill>
+                  <a:srgbClr val="808080"/>
+                </a:solidFill>
+                <a:latin typeface="細明體" panose="02020509000000000000" pitchFamily="49" charset="-120"/>
+                <a:ea typeface="細明體" panose="02020509000000000000" pitchFamily="49" charset="-120"/>
+              </a:rPr>
+              <a:t>,</a:t>
+            </a:r>
+            <a:endParaRPr lang="en-US" altLang="zh-TW" sz="1800" dirty="0">
+              <a:solidFill>
+                <a:srgbClr val="000000"/>
+              </a:solidFill>
+              <a:latin typeface="細明體" panose="02020509000000000000" pitchFamily="49" charset="-120"/>
+              <a:ea typeface="細明體" panose="02020509000000000000" pitchFamily="49" charset="-120"/>
+            </a:endParaRPr>
+          </a:p>
+          <a:p>
+            <a:r>
+              <a:rPr lang="en-US" altLang="zh-TW" sz="1800" dirty="0">
+                <a:solidFill>
+                  <a:srgbClr val="000000"/>
+                </a:solidFill>
+                <a:latin typeface="細明體" panose="02020509000000000000" pitchFamily="49" charset="-120"/>
+                <a:ea typeface="細明體" panose="02020509000000000000" pitchFamily="49" charset="-120"/>
+              </a:rPr>
+              <a:t>   </a:t>
+            </a:r>
+            <a:r>
+              <a:rPr lang="en-US" altLang="zh-TW" sz="1800" dirty="0">
+                <a:solidFill>
+                  <a:srgbClr val="FF00FF"/>
+                </a:solidFill>
+                <a:latin typeface="細明體" panose="02020509000000000000" pitchFamily="49" charset="-120"/>
+                <a:ea typeface="細明體" panose="02020509000000000000" pitchFamily="49" charset="-120"/>
+              </a:rPr>
+              <a:t>DATENAME</a:t>
+            </a:r>
+            <a:r>
+              <a:rPr lang="en-US" altLang="zh-TW" sz="1800" dirty="0">
+                <a:solidFill>
+                  <a:srgbClr val="808080"/>
+                </a:solidFill>
+                <a:latin typeface="細明體" panose="02020509000000000000" pitchFamily="49" charset="-120"/>
+                <a:ea typeface="細明體" panose="02020509000000000000" pitchFamily="49" charset="-120"/>
+              </a:rPr>
+              <a:t>(</a:t>
+            </a:r>
+            <a:r>
+              <a:rPr lang="en-US" altLang="zh-TW" sz="1800" dirty="0" err="1">
+                <a:solidFill>
+                  <a:srgbClr val="0000FF"/>
+                </a:solidFill>
+                <a:latin typeface="細明體" panose="02020509000000000000" pitchFamily="49" charset="-120"/>
+                <a:ea typeface="細明體" panose="02020509000000000000" pitchFamily="49" charset="-120"/>
+              </a:rPr>
+              <a:t>WEEKDAY</a:t>
+            </a:r>
+            <a:r>
+              <a:rPr lang="en-US" altLang="zh-TW" sz="1800" dirty="0" err="1">
+                <a:solidFill>
+                  <a:srgbClr val="808080"/>
+                </a:solidFill>
+                <a:latin typeface="細明體" panose="02020509000000000000" pitchFamily="49" charset="-120"/>
+                <a:ea typeface="細明體" panose="02020509000000000000" pitchFamily="49" charset="-120"/>
+              </a:rPr>
+              <a:t>,</a:t>
+            </a:r>
+            <a:r>
+              <a:rPr lang="en-US" altLang="zh-TW" sz="1800" dirty="0" err="1">
+                <a:solidFill>
+                  <a:srgbClr val="000000"/>
+                </a:solidFill>
+                <a:latin typeface="細明體" panose="02020509000000000000" pitchFamily="49" charset="-120"/>
+                <a:ea typeface="細明體" panose="02020509000000000000" pitchFamily="49" charset="-120"/>
+              </a:rPr>
+              <a:t>e</a:t>
+            </a:r>
+            <a:r>
+              <a:rPr lang="en-US" altLang="zh-TW" sz="1800" dirty="0" err="1">
+                <a:solidFill>
+                  <a:srgbClr val="808080"/>
+                </a:solidFill>
+                <a:latin typeface="細明體" panose="02020509000000000000" pitchFamily="49" charset="-120"/>
+                <a:ea typeface="細明體" panose="02020509000000000000" pitchFamily="49" charset="-120"/>
+              </a:rPr>
+              <a:t>.</a:t>
+            </a:r>
+            <a:r>
+              <a:rPr lang="en-US" altLang="zh-TW" sz="1800" dirty="0" err="1">
+                <a:solidFill>
+                  <a:srgbClr val="000000"/>
+                </a:solidFill>
+                <a:latin typeface="細明體" panose="02020509000000000000" pitchFamily="49" charset="-120"/>
+                <a:ea typeface="細明體" panose="02020509000000000000" pitchFamily="49" charset="-120"/>
+              </a:rPr>
+              <a:t>EventDate</a:t>
+            </a:r>
+            <a:r>
+              <a:rPr lang="en-US" altLang="zh-TW" sz="1800" dirty="0">
+                <a:solidFill>
+                  <a:srgbClr val="808080"/>
+                </a:solidFill>
+                <a:latin typeface="細明體" panose="02020509000000000000" pitchFamily="49" charset="-120"/>
+                <a:ea typeface="細明體" panose="02020509000000000000" pitchFamily="49" charset="-120"/>
+              </a:rPr>
+              <a:t>)</a:t>
+            </a:r>
+            <a:r>
+              <a:rPr lang="en-US" altLang="zh-TW" sz="1800" dirty="0">
+                <a:solidFill>
+                  <a:srgbClr val="000000"/>
+                </a:solidFill>
+                <a:latin typeface="細明體" panose="02020509000000000000" pitchFamily="49" charset="-120"/>
+                <a:ea typeface="細明體" panose="02020509000000000000" pitchFamily="49" charset="-120"/>
+              </a:rPr>
+              <a:t> </a:t>
+            </a:r>
+            <a:r>
+              <a:rPr lang="en-US" altLang="zh-TW" sz="1800" dirty="0">
+                <a:solidFill>
+                  <a:srgbClr val="808080"/>
+                </a:solidFill>
+                <a:latin typeface="細明體" panose="02020509000000000000" pitchFamily="49" charset="-120"/>
+                <a:ea typeface="細明體" panose="02020509000000000000" pitchFamily="49" charset="-120"/>
+              </a:rPr>
+              <a:t>+</a:t>
+            </a:r>
+            <a:endParaRPr lang="en-US" altLang="zh-TW" sz="1800" dirty="0">
+              <a:solidFill>
+                <a:srgbClr val="000000"/>
+              </a:solidFill>
+              <a:latin typeface="細明體" panose="02020509000000000000" pitchFamily="49" charset="-120"/>
+              <a:ea typeface="細明體" panose="02020509000000000000" pitchFamily="49" charset="-120"/>
+            </a:endParaRPr>
+          </a:p>
+          <a:p>
+            <a:r>
+              <a:rPr lang="en-US" altLang="zh-TW" sz="1800" dirty="0">
+                <a:solidFill>
+                  <a:srgbClr val="000000"/>
+                </a:solidFill>
+                <a:latin typeface="細明體" panose="02020509000000000000" pitchFamily="49" charset="-120"/>
+                <a:ea typeface="細明體" panose="02020509000000000000" pitchFamily="49" charset="-120"/>
+              </a:rPr>
+              <a:t>   </a:t>
+            </a:r>
+            <a:r>
+              <a:rPr lang="en-US" altLang="zh-TW" sz="1800" dirty="0">
+                <a:solidFill>
+                  <a:srgbClr val="FF00FF"/>
+                </a:solidFill>
+                <a:latin typeface="細明體" panose="02020509000000000000" pitchFamily="49" charset="-120"/>
+                <a:ea typeface="細明體" panose="02020509000000000000" pitchFamily="49" charset="-120"/>
+              </a:rPr>
+              <a:t>DATENAME</a:t>
+            </a:r>
+            <a:r>
+              <a:rPr lang="en-US" altLang="zh-TW" sz="1800" dirty="0">
+                <a:solidFill>
+                  <a:srgbClr val="808080"/>
+                </a:solidFill>
+                <a:latin typeface="細明體" panose="02020509000000000000" pitchFamily="49" charset="-120"/>
+                <a:ea typeface="細明體" panose="02020509000000000000" pitchFamily="49" charset="-120"/>
+              </a:rPr>
+              <a:t>(</a:t>
+            </a:r>
+            <a:r>
+              <a:rPr lang="en-US" altLang="zh-TW" sz="1800" dirty="0" err="1">
+                <a:solidFill>
+                  <a:srgbClr val="FF00FF"/>
+                </a:solidFill>
+                <a:latin typeface="細明體" panose="02020509000000000000" pitchFamily="49" charset="-120"/>
+                <a:ea typeface="細明體" panose="02020509000000000000" pitchFamily="49" charset="-120"/>
+              </a:rPr>
+              <a:t>DAY</a:t>
+            </a:r>
+            <a:r>
+              <a:rPr lang="en-US" altLang="zh-TW" sz="1800" dirty="0" err="1">
+                <a:solidFill>
+                  <a:srgbClr val="808080"/>
+                </a:solidFill>
+                <a:latin typeface="細明體" panose="02020509000000000000" pitchFamily="49" charset="-120"/>
+                <a:ea typeface="細明體" panose="02020509000000000000" pitchFamily="49" charset="-120"/>
+              </a:rPr>
+              <a:t>,</a:t>
+            </a:r>
+            <a:r>
+              <a:rPr lang="en-US" altLang="zh-TW" sz="1800" dirty="0" err="1">
+                <a:solidFill>
+                  <a:srgbClr val="000000"/>
+                </a:solidFill>
+                <a:latin typeface="細明體" panose="02020509000000000000" pitchFamily="49" charset="-120"/>
+                <a:ea typeface="細明體" panose="02020509000000000000" pitchFamily="49" charset="-120"/>
+              </a:rPr>
+              <a:t>e</a:t>
+            </a:r>
+            <a:r>
+              <a:rPr lang="en-US" altLang="zh-TW" sz="1800" dirty="0" err="1">
+                <a:solidFill>
+                  <a:srgbClr val="808080"/>
+                </a:solidFill>
+                <a:latin typeface="細明體" panose="02020509000000000000" pitchFamily="49" charset="-120"/>
+                <a:ea typeface="細明體" panose="02020509000000000000" pitchFamily="49" charset="-120"/>
+              </a:rPr>
+              <a:t>.</a:t>
+            </a:r>
+            <a:r>
+              <a:rPr lang="en-US" altLang="zh-TW" sz="1800" dirty="0" err="1">
+                <a:solidFill>
+                  <a:srgbClr val="000000"/>
+                </a:solidFill>
+                <a:latin typeface="細明體" panose="02020509000000000000" pitchFamily="49" charset="-120"/>
+                <a:ea typeface="細明體" panose="02020509000000000000" pitchFamily="49" charset="-120"/>
+              </a:rPr>
+              <a:t>EventDate</a:t>
+            </a:r>
+            <a:r>
+              <a:rPr lang="en-US" altLang="zh-TW" sz="1800" dirty="0">
+                <a:solidFill>
+                  <a:srgbClr val="808080"/>
+                </a:solidFill>
+                <a:latin typeface="細明體" panose="02020509000000000000" pitchFamily="49" charset="-120"/>
+                <a:ea typeface="細明體" panose="02020509000000000000" pitchFamily="49" charset="-120"/>
+              </a:rPr>
+              <a:t>)</a:t>
+            </a:r>
+            <a:r>
+              <a:rPr lang="en-US" altLang="zh-TW" sz="1800" dirty="0">
+                <a:solidFill>
+                  <a:srgbClr val="000000"/>
+                </a:solidFill>
+                <a:latin typeface="細明體" panose="02020509000000000000" pitchFamily="49" charset="-120"/>
+                <a:ea typeface="細明體" panose="02020509000000000000" pitchFamily="49" charset="-120"/>
+              </a:rPr>
+              <a:t> </a:t>
+            </a:r>
+            <a:r>
+              <a:rPr lang="en-US" altLang="zh-TW" sz="1800" dirty="0">
+                <a:solidFill>
+                  <a:srgbClr val="808080"/>
+                </a:solidFill>
+                <a:latin typeface="細明體" panose="02020509000000000000" pitchFamily="49" charset="-120"/>
+                <a:ea typeface="細明體" panose="02020509000000000000" pitchFamily="49" charset="-120"/>
+              </a:rPr>
+              <a:t>+</a:t>
+            </a:r>
+            <a:endParaRPr lang="en-US" altLang="zh-TW" sz="1800" dirty="0">
+              <a:solidFill>
+                <a:srgbClr val="000000"/>
+              </a:solidFill>
+              <a:latin typeface="細明體" panose="02020509000000000000" pitchFamily="49" charset="-120"/>
+              <a:ea typeface="細明體" panose="02020509000000000000" pitchFamily="49" charset="-120"/>
+            </a:endParaRPr>
+          </a:p>
+          <a:p>
+            <a:r>
+              <a:rPr lang="en-US" altLang="zh-TW" sz="1800" dirty="0">
+                <a:solidFill>
+                  <a:srgbClr val="0000FF"/>
+                </a:solidFill>
+                <a:latin typeface="細明體" panose="02020509000000000000" pitchFamily="49" charset="-120"/>
+                <a:ea typeface="細明體" panose="02020509000000000000" pitchFamily="49" charset="-120"/>
+              </a:rPr>
+              <a:t>CASE</a:t>
+            </a:r>
+            <a:endParaRPr lang="en-US" altLang="zh-TW" sz="1800" dirty="0">
+              <a:solidFill>
+                <a:srgbClr val="000000"/>
+              </a:solidFill>
+              <a:latin typeface="細明體" panose="02020509000000000000" pitchFamily="49" charset="-120"/>
+              <a:ea typeface="細明體" panose="02020509000000000000" pitchFamily="49" charset="-120"/>
+            </a:endParaRPr>
+          </a:p>
+          <a:p>
+            <a:r>
+              <a:rPr lang="en-US" altLang="zh-TW" sz="1800" dirty="0">
+                <a:solidFill>
+                  <a:srgbClr val="000000"/>
+                </a:solidFill>
+                <a:latin typeface="細明體" panose="02020509000000000000" pitchFamily="49" charset="-120"/>
+                <a:ea typeface="細明體" panose="02020509000000000000" pitchFamily="49" charset="-120"/>
+              </a:rPr>
+              <a:t>   </a:t>
+            </a:r>
+            <a:r>
+              <a:rPr lang="en-US" altLang="zh-TW" sz="1800" dirty="0">
+                <a:solidFill>
+                  <a:srgbClr val="0000FF"/>
+                </a:solidFill>
+                <a:latin typeface="細明體" panose="02020509000000000000" pitchFamily="49" charset="-120"/>
+                <a:ea typeface="細明體" panose="02020509000000000000" pitchFamily="49" charset="-120"/>
+              </a:rPr>
+              <a:t>WHEN</a:t>
+            </a:r>
+            <a:r>
+              <a:rPr lang="en-US" altLang="zh-TW" sz="1800" dirty="0">
+                <a:solidFill>
+                  <a:srgbClr val="000000"/>
+                </a:solidFill>
+                <a:latin typeface="細明體" panose="02020509000000000000" pitchFamily="49" charset="-120"/>
+                <a:ea typeface="細明體" panose="02020509000000000000" pitchFamily="49" charset="-120"/>
+              </a:rPr>
+              <a:t> </a:t>
+            </a:r>
+            <a:r>
+              <a:rPr lang="en-US" altLang="zh-TW" sz="1800" dirty="0">
+                <a:solidFill>
+                  <a:srgbClr val="FF00FF"/>
+                </a:solidFill>
+                <a:latin typeface="細明體" panose="02020509000000000000" pitchFamily="49" charset="-120"/>
+                <a:ea typeface="細明體" panose="02020509000000000000" pitchFamily="49" charset="-120"/>
+              </a:rPr>
+              <a:t>DATEPART</a:t>
+            </a:r>
+            <a:r>
+              <a:rPr lang="en-US" altLang="zh-TW" sz="1800" dirty="0">
+                <a:solidFill>
+                  <a:srgbClr val="808080"/>
+                </a:solidFill>
+                <a:latin typeface="細明體" panose="02020509000000000000" pitchFamily="49" charset="-120"/>
+                <a:ea typeface="細明體" panose="02020509000000000000" pitchFamily="49" charset="-120"/>
+              </a:rPr>
+              <a:t>(</a:t>
+            </a:r>
+            <a:r>
+              <a:rPr lang="en-US" altLang="zh-TW" sz="1800" dirty="0" err="1">
+                <a:solidFill>
+                  <a:srgbClr val="FF00FF"/>
+                </a:solidFill>
+                <a:latin typeface="細明體" panose="02020509000000000000" pitchFamily="49" charset="-120"/>
+                <a:ea typeface="細明體" panose="02020509000000000000" pitchFamily="49" charset="-120"/>
+              </a:rPr>
+              <a:t>DAY</a:t>
+            </a:r>
+            <a:r>
+              <a:rPr lang="en-US" altLang="zh-TW" sz="1800" dirty="0" err="1">
+                <a:solidFill>
+                  <a:srgbClr val="808080"/>
+                </a:solidFill>
+                <a:latin typeface="細明體" panose="02020509000000000000" pitchFamily="49" charset="-120"/>
+                <a:ea typeface="細明體" panose="02020509000000000000" pitchFamily="49" charset="-120"/>
+              </a:rPr>
+              <a:t>,</a:t>
+            </a:r>
+            <a:r>
+              <a:rPr lang="en-US" altLang="zh-TW" sz="1800" dirty="0" err="1">
+                <a:solidFill>
+                  <a:srgbClr val="000000"/>
+                </a:solidFill>
+                <a:latin typeface="細明體" panose="02020509000000000000" pitchFamily="49" charset="-120"/>
+                <a:ea typeface="細明體" panose="02020509000000000000" pitchFamily="49" charset="-120"/>
+              </a:rPr>
+              <a:t>e</a:t>
+            </a:r>
+            <a:r>
+              <a:rPr lang="en-US" altLang="zh-TW" sz="1800" dirty="0" err="1">
+                <a:solidFill>
+                  <a:srgbClr val="808080"/>
+                </a:solidFill>
+                <a:latin typeface="細明體" panose="02020509000000000000" pitchFamily="49" charset="-120"/>
+                <a:ea typeface="細明體" panose="02020509000000000000" pitchFamily="49" charset="-120"/>
+              </a:rPr>
+              <a:t>.</a:t>
+            </a:r>
+            <a:r>
+              <a:rPr lang="en-US" altLang="zh-TW" sz="1800" dirty="0" err="1">
+                <a:solidFill>
+                  <a:srgbClr val="000000"/>
+                </a:solidFill>
+                <a:latin typeface="細明體" panose="02020509000000000000" pitchFamily="49" charset="-120"/>
+                <a:ea typeface="細明體" panose="02020509000000000000" pitchFamily="49" charset="-120"/>
+              </a:rPr>
+              <a:t>EventDate</a:t>
+            </a:r>
+            <a:r>
+              <a:rPr lang="en-US" altLang="zh-TW" sz="1800" dirty="0">
+                <a:solidFill>
+                  <a:srgbClr val="808080"/>
+                </a:solidFill>
+                <a:latin typeface="細明體" panose="02020509000000000000" pitchFamily="49" charset="-120"/>
+                <a:ea typeface="細明體" panose="02020509000000000000" pitchFamily="49" charset="-120"/>
+              </a:rPr>
+              <a:t>)</a:t>
+            </a:r>
+            <a:r>
+              <a:rPr lang="en-US" altLang="zh-TW" sz="1800" dirty="0">
+                <a:solidFill>
+                  <a:srgbClr val="000000"/>
+                </a:solidFill>
+                <a:latin typeface="細明體" panose="02020509000000000000" pitchFamily="49" charset="-120"/>
+                <a:ea typeface="細明體" panose="02020509000000000000" pitchFamily="49" charset="-120"/>
+              </a:rPr>
+              <a:t> </a:t>
+            </a:r>
+            <a:r>
+              <a:rPr lang="en-US" altLang="zh-TW" sz="1800" dirty="0">
+                <a:solidFill>
+                  <a:srgbClr val="808080"/>
+                </a:solidFill>
+                <a:latin typeface="細明體" panose="02020509000000000000" pitchFamily="49" charset="-120"/>
+                <a:ea typeface="細明體" panose="02020509000000000000" pitchFamily="49" charset="-120"/>
+              </a:rPr>
+              <a:t>IN</a:t>
+            </a:r>
+            <a:r>
+              <a:rPr lang="en-US" altLang="zh-TW" sz="1800" dirty="0">
+                <a:solidFill>
+                  <a:srgbClr val="0000FF"/>
+                </a:solidFill>
+                <a:latin typeface="細明體" panose="02020509000000000000" pitchFamily="49" charset="-120"/>
+                <a:ea typeface="細明體" panose="02020509000000000000" pitchFamily="49" charset="-120"/>
+              </a:rPr>
+              <a:t> </a:t>
+            </a:r>
+            <a:r>
+              <a:rPr lang="en-US" altLang="zh-TW" sz="1800" dirty="0">
+                <a:solidFill>
+                  <a:srgbClr val="808080"/>
+                </a:solidFill>
+                <a:latin typeface="細明體" panose="02020509000000000000" pitchFamily="49" charset="-120"/>
+                <a:ea typeface="細明體" panose="02020509000000000000" pitchFamily="49" charset="-120"/>
+              </a:rPr>
+              <a:t>(</a:t>
+            </a:r>
+            <a:r>
+              <a:rPr lang="en-US" altLang="zh-TW" sz="1800" dirty="0">
+                <a:solidFill>
+                  <a:srgbClr val="000000"/>
+                </a:solidFill>
+                <a:latin typeface="細明體" panose="02020509000000000000" pitchFamily="49" charset="-120"/>
+                <a:ea typeface="細明體" panose="02020509000000000000" pitchFamily="49" charset="-120"/>
+              </a:rPr>
+              <a:t>1</a:t>
+            </a:r>
+            <a:r>
+              <a:rPr lang="en-US" altLang="zh-TW" sz="1800" dirty="0">
+                <a:solidFill>
+                  <a:srgbClr val="808080"/>
+                </a:solidFill>
+                <a:latin typeface="細明體" panose="02020509000000000000" pitchFamily="49" charset="-120"/>
+                <a:ea typeface="細明體" panose="02020509000000000000" pitchFamily="49" charset="-120"/>
+              </a:rPr>
+              <a:t>,</a:t>
+            </a:r>
+            <a:r>
+              <a:rPr lang="en-US" altLang="zh-TW" sz="1800" dirty="0">
+                <a:solidFill>
+                  <a:srgbClr val="000000"/>
+                </a:solidFill>
+                <a:latin typeface="細明體" panose="02020509000000000000" pitchFamily="49" charset="-120"/>
+                <a:ea typeface="細明體" panose="02020509000000000000" pitchFamily="49" charset="-120"/>
+              </a:rPr>
+              <a:t>21</a:t>
+            </a:r>
+            <a:r>
+              <a:rPr lang="en-US" altLang="zh-TW" sz="1800" dirty="0">
+                <a:solidFill>
+                  <a:srgbClr val="808080"/>
+                </a:solidFill>
+                <a:latin typeface="細明體" panose="02020509000000000000" pitchFamily="49" charset="-120"/>
+                <a:ea typeface="細明體" panose="02020509000000000000" pitchFamily="49" charset="-120"/>
+              </a:rPr>
+              <a:t>,</a:t>
+            </a:r>
+            <a:r>
+              <a:rPr lang="en-US" altLang="zh-TW" sz="1800" dirty="0">
+                <a:solidFill>
+                  <a:srgbClr val="000000"/>
+                </a:solidFill>
+                <a:latin typeface="細明體" panose="02020509000000000000" pitchFamily="49" charset="-120"/>
+                <a:ea typeface="細明體" panose="02020509000000000000" pitchFamily="49" charset="-120"/>
+              </a:rPr>
+              <a:t>31</a:t>
+            </a:r>
+            <a:r>
+              <a:rPr lang="en-US" altLang="zh-TW" sz="1800" dirty="0">
+                <a:solidFill>
+                  <a:srgbClr val="808080"/>
+                </a:solidFill>
+                <a:latin typeface="細明體" panose="02020509000000000000" pitchFamily="49" charset="-120"/>
+                <a:ea typeface="細明體" panose="02020509000000000000" pitchFamily="49" charset="-120"/>
+              </a:rPr>
+              <a:t>)</a:t>
+            </a:r>
+            <a:r>
+              <a:rPr lang="en-US" altLang="zh-TW" sz="1800" dirty="0">
+                <a:solidFill>
+                  <a:srgbClr val="000000"/>
+                </a:solidFill>
+                <a:latin typeface="細明體" panose="02020509000000000000" pitchFamily="49" charset="-120"/>
+                <a:ea typeface="細明體" panose="02020509000000000000" pitchFamily="49" charset="-120"/>
+              </a:rPr>
+              <a:t> </a:t>
+            </a:r>
+            <a:r>
+              <a:rPr lang="en-US" altLang="zh-TW" sz="1800" dirty="0">
+                <a:solidFill>
+                  <a:srgbClr val="0000FF"/>
+                </a:solidFill>
+                <a:latin typeface="細明體" panose="02020509000000000000" pitchFamily="49" charset="-120"/>
+                <a:ea typeface="細明體" panose="02020509000000000000" pitchFamily="49" charset="-120"/>
+              </a:rPr>
+              <a:t>THEN</a:t>
+            </a:r>
+            <a:r>
+              <a:rPr lang="en-US" altLang="zh-TW" sz="1800" dirty="0">
+                <a:solidFill>
+                  <a:srgbClr val="000000"/>
+                </a:solidFill>
+                <a:latin typeface="細明體" panose="02020509000000000000" pitchFamily="49" charset="-120"/>
+                <a:ea typeface="細明體" panose="02020509000000000000" pitchFamily="49" charset="-120"/>
+              </a:rPr>
+              <a:t> </a:t>
+            </a:r>
+            <a:r>
+              <a:rPr lang="en-US" altLang="zh-TW" sz="1800" dirty="0">
+                <a:solidFill>
+                  <a:srgbClr val="FF0000"/>
+                </a:solidFill>
+                <a:latin typeface="細明體" panose="02020509000000000000" pitchFamily="49" charset="-120"/>
+                <a:ea typeface="細明體" panose="02020509000000000000" pitchFamily="49" charset="-120"/>
+              </a:rPr>
+              <a:t>'</a:t>
+            </a:r>
+            <a:r>
+              <a:rPr lang="en-US" altLang="zh-TW" sz="1800" dirty="0" err="1">
+                <a:solidFill>
+                  <a:srgbClr val="FF0000"/>
+                </a:solidFill>
+                <a:latin typeface="細明體" panose="02020509000000000000" pitchFamily="49" charset="-120"/>
+                <a:ea typeface="細明體" panose="02020509000000000000" pitchFamily="49" charset="-120"/>
+              </a:rPr>
+              <a:t>st</a:t>
+            </a:r>
+            <a:r>
+              <a:rPr lang="en-US" altLang="zh-TW" sz="1800" dirty="0">
+                <a:solidFill>
+                  <a:srgbClr val="FF0000"/>
+                </a:solidFill>
+                <a:latin typeface="細明體" panose="02020509000000000000" pitchFamily="49" charset="-120"/>
+                <a:ea typeface="細明體" panose="02020509000000000000" pitchFamily="49" charset="-120"/>
+              </a:rPr>
+              <a:t>'</a:t>
+            </a:r>
+            <a:endParaRPr lang="en-US" altLang="zh-TW" sz="1800" dirty="0">
+              <a:solidFill>
+                <a:srgbClr val="000000"/>
+              </a:solidFill>
+              <a:latin typeface="細明體" panose="02020509000000000000" pitchFamily="49" charset="-120"/>
+              <a:ea typeface="細明體" panose="02020509000000000000" pitchFamily="49" charset="-120"/>
+            </a:endParaRPr>
+          </a:p>
+          <a:p>
+            <a:r>
+              <a:rPr lang="en-US" altLang="zh-TW" sz="1800" dirty="0">
+                <a:solidFill>
+                  <a:srgbClr val="000000"/>
+                </a:solidFill>
+                <a:latin typeface="細明體" panose="02020509000000000000" pitchFamily="49" charset="-120"/>
+                <a:ea typeface="細明體" panose="02020509000000000000" pitchFamily="49" charset="-120"/>
+              </a:rPr>
+              <a:t>   </a:t>
+            </a:r>
+            <a:r>
+              <a:rPr lang="en-US" altLang="zh-TW" sz="1800" dirty="0">
+                <a:solidFill>
+                  <a:srgbClr val="0000FF"/>
+                </a:solidFill>
+                <a:latin typeface="細明體" panose="02020509000000000000" pitchFamily="49" charset="-120"/>
+                <a:ea typeface="細明體" panose="02020509000000000000" pitchFamily="49" charset="-120"/>
+              </a:rPr>
+              <a:t>WHEN</a:t>
+            </a:r>
+            <a:r>
+              <a:rPr lang="en-US" altLang="zh-TW" sz="1800" dirty="0">
+                <a:solidFill>
+                  <a:srgbClr val="000000"/>
+                </a:solidFill>
+                <a:latin typeface="細明體" panose="02020509000000000000" pitchFamily="49" charset="-120"/>
+                <a:ea typeface="細明體" panose="02020509000000000000" pitchFamily="49" charset="-120"/>
+              </a:rPr>
+              <a:t> </a:t>
+            </a:r>
+            <a:r>
+              <a:rPr lang="en-US" altLang="zh-TW" sz="1800" dirty="0">
+                <a:solidFill>
+                  <a:srgbClr val="FF00FF"/>
+                </a:solidFill>
+                <a:latin typeface="細明體" panose="02020509000000000000" pitchFamily="49" charset="-120"/>
+                <a:ea typeface="細明體" panose="02020509000000000000" pitchFamily="49" charset="-120"/>
+              </a:rPr>
+              <a:t>DATEPART</a:t>
+            </a:r>
+            <a:r>
+              <a:rPr lang="en-US" altLang="zh-TW" sz="1800" dirty="0">
+                <a:solidFill>
+                  <a:srgbClr val="808080"/>
+                </a:solidFill>
+                <a:latin typeface="細明體" panose="02020509000000000000" pitchFamily="49" charset="-120"/>
+                <a:ea typeface="細明體" panose="02020509000000000000" pitchFamily="49" charset="-120"/>
+              </a:rPr>
+              <a:t>(</a:t>
+            </a:r>
+            <a:r>
+              <a:rPr lang="en-US" altLang="zh-TW" sz="1800" dirty="0" err="1">
+                <a:solidFill>
+                  <a:srgbClr val="FF00FF"/>
+                </a:solidFill>
+                <a:latin typeface="細明體" panose="02020509000000000000" pitchFamily="49" charset="-120"/>
+                <a:ea typeface="細明體" panose="02020509000000000000" pitchFamily="49" charset="-120"/>
+              </a:rPr>
+              <a:t>DAY</a:t>
+            </a:r>
+            <a:r>
+              <a:rPr lang="en-US" altLang="zh-TW" sz="1800" dirty="0" err="1">
+                <a:solidFill>
+                  <a:srgbClr val="808080"/>
+                </a:solidFill>
+                <a:latin typeface="細明體" panose="02020509000000000000" pitchFamily="49" charset="-120"/>
+                <a:ea typeface="細明體" panose="02020509000000000000" pitchFamily="49" charset="-120"/>
+              </a:rPr>
+              <a:t>,</a:t>
+            </a:r>
+            <a:r>
+              <a:rPr lang="en-US" altLang="zh-TW" sz="1800" dirty="0" err="1">
+                <a:solidFill>
+                  <a:srgbClr val="000000"/>
+                </a:solidFill>
+                <a:latin typeface="細明體" panose="02020509000000000000" pitchFamily="49" charset="-120"/>
+                <a:ea typeface="細明體" panose="02020509000000000000" pitchFamily="49" charset="-120"/>
+              </a:rPr>
+              <a:t>e</a:t>
+            </a:r>
+            <a:r>
+              <a:rPr lang="en-US" altLang="zh-TW" sz="1800" dirty="0" err="1">
+                <a:solidFill>
+                  <a:srgbClr val="808080"/>
+                </a:solidFill>
+                <a:latin typeface="細明體" panose="02020509000000000000" pitchFamily="49" charset="-120"/>
+                <a:ea typeface="細明體" panose="02020509000000000000" pitchFamily="49" charset="-120"/>
+              </a:rPr>
+              <a:t>.</a:t>
+            </a:r>
+            <a:r>
+              <a:rPr lang="en-US" altLang="zh-TW" sz="1800" dirty="0" err="1">
+                <a:solidFill>
+                  <a:srgbClr val="000000"/>
+                </a:solidFill>
+                <a:latin typeface="細明體" panose="02020509000000000000" pitchFamily="49" charset="-120"/>
+                <a:ea typeface="細明體" panose="02020509000000000000" pitchFamily="49" charset="-120"/>
+              </a:rPr>
+              <a:t>EventDate</a:t>
+            </a:r>
+            <a:r>
+              <a:rPr lang="en-US" altLang="zh-TW" sz="1800" dirty="0">
+                <a:solidFill>
+                  <a:srgbClr val="808080"/>
+                </a:solidFill>
+                <a:latin typeface="細明體" panose="02020509000000000000" pitchFamily="49" charset="-120"/>
+                <a:ea typeface="細明體" panose="02020509000000000000" pitchFamily="49" charset="-120"/>
+              </a:rPr>
+              <a:t>)</a:t>
+            </a:r>
+            <a:r>
+              <a:rPr lang="en-US" altLang="zh-TW" sz="1800" dirty="0">
+                <a:solidFill>
+                  <a:srgbClr val="000000"/>
+                </a:solidFill>
+                <a:latin typeface="細明體" panose="02020509000000000000" pitchFamily="49" charset="-120"/>
+                <a:ea typeface="細明體" panose="02020509000000000000" pitchFamily="49" charset="-120"/>
+              </a:rPr>
+              <a:t> </a:t>
+            </a:r>
+            <a:r>
+              <a:rPr lang="en-US" altLang="zh-TW" sz="1800" dirty="0">
+                <a:solidFill>
+                  <a:srgbClr val="808080"/>
+                </a:solidFill>
+                <a:latin typeface="細明體" panose="02020509000000000000" pitchFamily="49" charset="-120"/>
+                <a:ea typeface="細明體" panose="02020509000000000000" pitchFamily="49" charset="-120"/>
+              </a:rPr>
+              <a:t>IN</a:t>
+            </a:r>
+            <a:r>
+              <a:rPr lang="en-US" altLang="zh-TW" sz="1800" dirty="0">
+                <a:solidFill>
+                  <a:srgbClr val="0000FF"/>
+                </a:solidFill>
+                <a:latin typeface="細明體" panose="02020509000000000000" pitchFamily="49" charset="-120"/>
+                <a:ea typeface="細明體" panose="02020509000000000000" pitchFamily="49" charset="-120"/>
+              </a:rPr>
+              <a:t> </a:t>
+            </a:r>
+            <a:r>
+              <a:rPr lang="en-US" altLang="zh-TW" sz="1800" dirty="0">
+                <a:solidFill>
+                  <a:srgbClr val="808080"/>
+                </a:solidFill>
+                <a:latin typeface="細明體" panose="02020509000000000000" pitchFamily="49" charset="-120"/>
+                <a:ea typeface="細明體" panose="02020509000000000000" pitchFamily="49" charset="-120"/>
+              </a:rPr>
+              <a:t>(</a:t>
+            </a:r>
+            <a:r>
+              <a:rPr lang="en-US" altLang="zh-TW" sz="1800" dirty="0">
+                <a:solidFill>
+                  <a:srgbClr val="000000"/>
+                </a:solidFill>
+                <a:latin typeface="細明體" panose="02020509000000000000" pitchFamily="49" charset="-120"/>
+                <a:ea typeface="細明體" panose="02020509000000000000" pitchFamily="49" charset="-120"/>
+              </a:rPr>
+              <a:t>2</a:t>
+            </a:r>
+            <a:r>
+              <a:rPr lang="en-US" altLang="zh-TW" sz="1800" dirty="0">
+                <a:solidFill>
+                  <a:srgbClr val="808080"/>
+                </a:solidFill>
+                <a:latin typeface="細明體" panose="02020509000000000000" pitchFamily="49" charset="-120"/>
+                <a:ea typeface="細明體" panose="02020509000000000000" pitchFamily="49" charset="-120"/>
+              </a:rPr>
+              <a:t>,</a:t>
+            </a:r>
+            <a:r>
+              <a:rPr lang="en-US" altLang="zh-TW" sz="1800" dirty="0">
+                <a:solidFill>
+                  <a:srgbClr val="000000"/>
+                </a:solidFill>
+                <a:latin typeface="細明體" panose="02020509000000000000" pitchFamily="49" charset="-120"/>
+                <a:ea typeface="細明體" panose="02020509000000000000" pitchFamily="49" charset="-120"/>
+              </a:rPr>
+              <a:t>22</a:t>
+            </a:r>
+            <a:r>
+              <a:rPr lang="en-US" altLang="zh-TW" sz="1800" dirty="0">
+                <a:solidFill>
+                  <a:srgbClr val="808080"/>
+                </a:solidFill>
+                <a:latin typeface="細明體" panose="02020509000000000000" pitchFamily="49" charset="-120"/>
+                <a:ea typeface="細明體" panose="02020509000000000000" pitchFamily="49" charset="-120"/>
+              </a:rPr>
+              <a:t>)</a:t>
+            </a:r>
+            <a:r>
+              <a:rPr lang="en-US" altLang="zh-TW" sz="1800" dirty="0">
+                <a:solidFill>
+                  <a:srgbClr val="000000"/>
+                </a:solidFill>
+                <a:latin typeface="細明體" panose="02020509000000000000" pitchFamily="49" charset="-120"/>
+                <a:ea typeface="細明體" panose="02020509000000000000" pitchFamily="49" charset="-120"/>
+              </a:rPr>
+              <a:t> </a:t>
+            </a:r>
+            <a:r>
+              <a:rPr lang="en-US" altLang="zh-TW" sz="1800" dirty="0">
+                <a:solidFill>
+                  <a:srgbClr val="0000FF"/>
+                </a:solidFill>
+                <a:latin typeface="細明體" panose="02020509000000000000" pitchFamily="49" charset="-120"/>
+                <a:ea typeface="細明體" panose="02020509000000000000" pitchFamily="49" charset="-120"/>
+              </a:rPr>
+              <a:t>THEN</a:t>
+            </a:r>
+            <a:r>
+              <a:rPr lang="en-US" altLang="zh-TW" sz="1800" dirty="0">
+                <a:solidFill>
+                  <a:srgbClr val="000000"/>
+                </a:solidFill>
+                <a:latin typeface="細明體" panose="02020509000000000000" pitchFamily="49" charset="-120"/>
+                <a:ea typeface="細明體" panose="02020509000000000000" pitchFamily="49" charset="-120"/>
+              </a:rPr>
+              <a:t> </a:t>
+            </a:r>
+            <a:r>
+              <a:rPr lang="en-US" altLang="zh-TW" sz="1800" dirty="0">
+                <a:solidFill>
+                  <a:srgbClr val="FF0000"/>
+                </a:solidFill>
+                <a:latin typeface="細明體" panose="02020509000000000000" pitchFamily="49" charset="-120"/>
+                <a:ea typeface="細明體" panose="02020509000000000000" pitchFamily="49" charset="-120"/>
+              </a:rPr>
+              <a:t>'</a:t>
+            </a:r>
+            <a:r>
+              <a:rPr lang="en-US" altLang="zh-TW" sz="1800" dirty="0" err="1">
+                <a:solidFill>
+                  <a:srgbClr val="FF0000"/>
+                </a:solidFill>
+                <a:latin typeface="細明體" panose="02020509000000000000" pitchFamily="49" charset="-120"/>
+                <a:ea typeface="細明體" panose="02020509000000000000" pitchFamily="49" charset="-120"/>
+              </a:rPr>
+              <a:t>nd</a:t>
+            </a:r>
+            <a:r>
+              <a:rPr lang="en-US" altLang="zh-TW" sz="1800" dirty="0">
+                <a:solidFill>
+                  <a:srgbClr val="FF0000"/>
+                </a:solidFill>
+                <a:latin typeface="細明體" panose="02020509000000000000" pitchFamily="49" charset="-120"/>
+                <a:ea typeface="細明體" panose="02020509000000000000" pitchFamily="49" charset="-120"/>
+              </a:rPr>
+              <a:t>'</a:t>
+            </a:r>
+            <a:endParaRPr lang="en-US" altLang="zh-TW" sz="1800" dirty="0">
+              <a:solidFill>
+                <a:srgbClr val="000000"/>
+              </a:solidFill>
+              <a:latin typeface="細明體" panose="02020509000000000000" pitchFamily="49" charset="-120"/>
+              <a:ea typeface="細明體" panose="02020509000000000000" pitchFamily="49" charset="-120"/>
+            </a:endParaRPr>
+          </a:p>
+          <a:p>
+            <a:r>
+              <a:rPr lang="en-US" altLang="zh-TW" sz="1800" dirty="0">
+                <a:solidFill>
+                  <a:srgbClr val="000000"/>
+                </a:solidFill>
+                <a:latin typeface="細明體" panose="02020509000000000000" pitchFamily="49" charset="-120"/>
+                <a:ea typeface="細明體" panose="02020509000000000000" pitchFamily="49" charset="-120"/>
+              </a:rPr>
+              <a:t>   </a:t>
+            </a:r>
+            <a:r>
+              <a:rPr lang="en-US" altLang="zh-TW" sz="1800" dirty="0">
+                <a:solidFill>
+                  <a:srgbClr val="0000FF"/>
+                </a:solidFill>
+                <a:latin typeface="細明體" panose="02020509000000000000" pitchFamily="49" charset="-120"/>
+                <a:ea typeface="細明體" panose="02020509000000000000" pitchFamily="49" charset="-120"/>
+              </a:rPr>
+              <a:t>WHEN</a:t>
+            </a:r>
+            <a:r>
+              <a:rPr lang="en-US" altLang="zh-TW" sz="1800" dirty="0">
+                <a:solidFill>
+                  <a:srgbClr val="000000"/>
+                </a:solidFill>
+                <a:latin typeface="細明體" panose="02020509000000000000" pitchFamily="49" charset="-120"/>
+                <a:ea typeface="細明體" panose="02020509000000000000" pitchFamily="49" charset="-120"/>
+              </a:rPr>
+              <a:t> </a:t>
+            </a:r>
+            <a:r>
+              <a:rPr lang="en-US" altLang="zh-TW" sz="1800" dirty="0">
+                <a:solidFill>
+                  <a:srgbClr val="FF00FF"/>
+                </a:solidFill>
+                <a:latin typeface="細明體" panose="02020509000000000000" pitchFamily="49" charset="-120"/>
+                <a:ea typeface="細明體" panose="02020509000000000000" pitchFamily="49" charset="-120"/>
+              </a:rPr>
+              <a:t>DATEPART</a:t>
+            </a:r>
+            <a:r>
+              <a:rPr lang="en-US" altLang="zh-TW" sz="1800" dirty="0">
+                <a:solidFill>
+                  <a:srgbClr val="808080"/>
+                </a:solidFill>
+                <a:latin typeface="細明體" panose="02020509000000000000" pitchFamily="49" charset="-120"/>
+                <a:ea typeface="細明體" panose="02020509000000000000" pitchFamily="49" charset="-120"/>
+              </a:rPr>
+              <a:t>(</a:t>
+            </a:r>
+            <a:r>
+              <a:rPr lang="en-US" altLang="zh-TW" sz="1800" dirty="0" err="1">
+                <a:solidFill>
+                  <a:srgbClr val="FF00FF"/>
+                </a:solidFill>
+                <a:latin typeface="細明體" panose="02020509000000000000" pitchFamily="49" charset="-120"/>
+                <a:ea typeface="細明體" panose="02020509000000000000" pitchFamily="49" charset="-120"/>
+              </a:rPr>
+              <a:t>DAY</a:t>
+            </a:r>
+            <a:r>
+              <a:rPr lang="en-US" altLang="zh-TW" sz="1800" dirty="0" err="1">
+                <a:solidFill>
+                  <a:srgbClr val="808080"/>
+                </a:solidFill>
+                <a:latin typeface="細明體" panose="02020509000000000000" pitchFamily="49" charset="-120"/>
+                <a:ea typeface="細明體" panose="02020509000000000000" pitchFamily="49" charset="-120"/>
+              </a:rPr>
+              <a:t>,</a:t>
+            </a:r>
+            <a:r>
+              <a:rPr lang="en-US" altLang="zh-TW" sz="1800" dirty="0" err="1">
+                <a:solidFill>
+                  <a:srgbClr val="000000"/>
+                </a:solidFill>
+                <a:latin typeface="細明體" panose="02020509000000000000" pitchFamily="49" charset="-120"/>
+                <a:ea typeface="細明體" panose="02020509000000000000" pitchFamily="49" charset="-120"/>
+              </a:rPr>
+              <a:t>e</a:t>
+            </a:r>
+            <a:r>
+              <a:rPr lang="en-US" altLang="zh-TW" sz="1800" dirty="0" err="1">
+                <a:solidFill>
+                  <a:srgbClr val="808080"/>
+                </a:solidFill>
+                <a:latin typeface="細明體" panose="02020509000000000000" pitchFamily="49" charset="-120"/>
+                <a:ea typeface="細明體" panose="02020509000000000000" pitchFamily="49" charset="-120"/>
+              </a:rPr>
+              <a:t>.</a:t>
+            </a:r>
+            <a:r>
+              <a:rPr lang="en-US" altLang="zh-TW" sz="1800" dirty="0" err="1">
+                <a:solidFill>
+                  <a:srgbClr val="000000"/>
+                </a:solidFill>
+                <a:latin typeface="細明體" panose="02020509000000000000" pitchFamily="49" charset="-120"/>
+                <a:ea typeface="細明體" panose="02020509000000000000" pitchFamily="49" charset="-120"/>
+              </a:rPr>
+              <a:t>EventDate</a:t>
+            </a:r>
+            <a:r>
+              <a:rPr lang="en-US" altLang="zh-TW" sz="1800" dirty="0">
+                <a:solidFill>
+                  <a:srgbClr val="808080"/>
+                </a:solidFill>
+                <a:latin typeface="細明體" panose="02020509000000000000" pitchFamily="49" charset="-120"/>
+                <a:ea typeface="細明體" panose="02020509000000000000" pitchFamily="49" charset="-120"/>
+              </a:rPr>
+              <a:t>)</a:t>
+            </a:r>
+            <a:r>
+              <a:rPr lang="en-US" altLang="zh-TW" sz="1800" dirty="0">
+                <a:solidFill>
+                  <a:srgbClr val="000000"/>
+                </a:solidFill>
+                <a:latin typeface="細明體" panose="02020509000000000000" pitchFamily="49" charset="-120"/>
+                <a:ea typeface="細明體" panose="02020509000000000000" pitchFamily="49" charset="-120"/>
+              </a:rPr>
+              <a:t> </a:t>
+            </a:r>
+            <a:r>
+              <a:rPr lang="en-US" altLang="zh-TW" sz="1800" dirty="0">
+                <a:solidFill>
+                  <a:srgbClr val="808080"/>
+                </a:solidFill>
+                <a:latin typeface="細明體" panose="02020509000000000000" pitchFamily="49" charset="-120"/>
+                <a:ea typeface="細明體" panose="02020509000000000000" pitchFamily="49" charset="-120"/>
+              </a:rPr>
+              <a:t>IN</a:t>
+            </a:r>
+            <a:r>
+              <a:rPr lang="en-US" altLang="zh-TW" sz="1800" dirty="0">
+                <a:solidFill>
+                  <a:srgbClr val="0000FF"/>
+                </a:solidFill>
+                <a:latin typeface="細明體" panose="02020509000000000000" pitchFamily="49" charset="-120"/>
+                <a:ea typeface="細明體" panose="02020509000000000000" pitchFamily="49" charset="-120"/>
+              </a:rPr>
+              <a:t> </a:t>
+            </a:r>
+            <a:r>
+              <a:rPr lang="en-US" altLang="zh-TW" sz="1800" dirty="0">
+                <a:solidFill>
+                  <a:srgbClr val="808080"/>
+                </a:solidFill>
+                <a:latin typeface="細明體" panose="02020509000000000000" pitchFamily="49" charset="-120"/>
+                <a:ea typeface="細明體" panose="02020509000000000000" pitchFamily="49" charset="-120"/>
+              </a:rPr>
+              <a:t>(</a:t>
+            </a:r>
+            <a:r>
+              <a:rPr lang="en-US" altLang="zh-TW" sz="1800" dirty="0">
+                <a:solidFill>
+                  <a:srgbClr val="000000"/>
+                </a:solidFill>
+                <a:latin typeface="細明體" panose="02020509000000000000" pitchFamily="49" charset="-120"/>
+                <a:ea typeface="細明體" panose="02020509000000000000" pitchFamily="49" charset="-120"/>
+              </a:rPr>
+              <a:t>3</a:t>
+            </a:r>
+            <a:r>
+              <a:rPr lang="en-US" altLang="zh-TW" sz="1800" dirty="0">
+                <a:solidFill>
+                  <a:srgbClr val="808080"/>
+                </a:solidFill>
+                <a:latin typeface="細明體" panose="02020509000000000000" pitchFamily="49" charset="-120"/>
+                <a:ea typeface="細明體" panose="02020509000000000000" pitchFamily="49" charset="-120"/>
+              </a:rPr>
+              <a:t>,</a:t>
+            </a:r>
+            <a:r>
+              <a:rPr lang="en-US" altLang="zh-TW" sz="1800" dirty="0">
+                <a:solidFill>
+                  <a:srgbClr val="000000"/>
+                </a:solidFill>
+                <a:latin typeface="細明體" panose="02020509000000000000" pitchFamily="49" charset="-120"/>
+                <a:ea typeface="細明體" panose="02020509000000000000" pitchFamily="49" charset="-120"/>
+              </a:rPr>
+              <a:t>23</a:t>
+            </a:r>
+            <a:r>
+              <a:rPr lang="en-US" altLang="zh-TW" sz="1800" dirty="0">
+                <a:solidFill>
+                  <a:srgbClr val="808080"/>
+                </a:solidFill>
+                <a:latin typeface="細明體" panose="02020509000000000000" pitchFamily="49" charset="-120"/>
+                <a:ea typeface="細明體" panose="02020509000000000000" pitchFamily="49" charset="-120"/>
+              </a:rPr>
+              <a:t>)</a:t>
+            </a:r>
+            <a:r>
+              <a:rPr lang="en-US" altLang="zh-TW" sz="1800" dirty="0">
+                <a:solidFill>
+                  <a:srgbClr val="000000"/>
+                </a:solidFill>
+                <a:latin typeface="細明體" panose="02020509000000000000" pitchFamily="49" charset="-120"/>
+                <a:ea typeface="細明體" panose="02020509000000000000" pitchFamily="49" charset="-120"/>
+              </a:rPr>
+              <a:t> </a:t>
+            </a:r>
+            <a:r>
+              <a:rPr lang="en-US" altLang="zh-TW" sz="1800" dirty="0">
+                <a:solidFill>
+                  <a:srgbClr val="0000FF"/>
+                </a:solidFill>
+                <a:latin typeface="細明體" panose="02020509000000000000" pitchFamily="49" charset="-120"/>
+                <a:ea typeface="細明體" panose="02020509000000000000" pitchFamily="49" charset="-120"/>
+              </a:rPr>
+              <a:t>THEN</a:t>
+            </a:r>
+            <a:r>
+              <a:rPr lang="en-US" altLang="zh-TW" sz="1800" dirty="0">
+                <a:solidFill>
+                  <a:srgbClr val="000000"/>
+                </a:solidFill>
+                <a:latin typeface="細明體" panose="02020509000000000000" pitchFamily="49" charset="-120"/>
+                <a:ea typeface="細明體" panose="02020509000000000000" pitchFamily="49" charset="-120"/>
+              </a:rPr>
+              <a:t> </a:t>
+            </a:r>
+            <a:r>
+              <a:rPr lang="en-US" altLang="zh-TW" sz="1800" dirty="0">
+                <a:solidFill>
+                  <a:srgbClr val="FF0000"/>
+                </a:solidFill>
+                <a:latin typeface="細明體" panose="02020509000000000000" pitchFamily="49" charset="-120"/>
+                <a:ea typeface="細明體" panose="02020509000000000000" pitchFamily="49" charset="-120"/>
+              </a:rPr>
+              <a:t>'</a:t>
+            </a:r>
+            <a:r>
+              <a:rPr lang="en-US" altLang="zh-TW" sz="1800" dirty="0" err="1">
+                <a:solidFill>
+                  <a:srgbClr val="FF0000"/>
+                </a:solidFill>
+                <a:latin typeface="細明體" panose="02020509000000000000" pitchFamily="49" charset="-120"/>
+                <a:ea typeface="細明體" panose="02020509000000000000" pitchFamily="49" charset="-120"/>
+              </a:rPr>
+              <a:t>rd</a:t>
+            </a:r>
+            <a:r>
+              <a:rPr lang="en-US" altLang="zh-TW" sz="1800" dirty="0">
+                <a:solidFill>
+                  <a:srgbClr val="FF0000"/>
+                </a:solidFill>
+                <a:latin typeface="細明體" panose="02020509000000000000" pitchFamily="49" charset="-120"/>
+                <a:ea typeface="細明體" panose="02020509000000000000" pitchFamily="49" charset="-120"/>
+              </a:rPr>
+              <a:t>'</a:t>
+            </a:r>
+            <a:endParaRPr lang="en-US" altLang="zh-TW" sz="1800" dirty="0">
+              <a:solidFill>
+                <a:srgbClr val="000000"/>
+              </a:solidFill>
+              <a:latin typeface="細明體" panose="02020509000000000000" pitchFamily="49" charset="-120"/>
+              <a:ea typeface="細明體" panose="02020509000000000000" pitchFamily="49" charset="-120"/>
+            </a:endParaRPr>
+          </a:p>
+          <a:p>
+            <a:r>
+              <a:rPr lang="en-US" altLang="zh-TW" sz="1800" dirty="0">
+                <a:solidFill>
+                  <a:srgbClr val="000000"/>
+                </a:solidFill>
+                <a:latin typeface="細明體" panose="02020509000000000000" pitchFamily="49" charset="-120"/>
+                <a:ea typeface="細明體" panose="02020509000000000000" pitchFamily="49" charset="-120"/>
+              </a:rPr>
+              <a:t>   </a:t>
+            </a:r>
+            <a:r>
+              <a:rPr lang="en-US" altLang="zh-TW" sz="1800" dirty="0" err="1">
+                <a:solidFill>
+                  <a:srgbClr val="0000FF"/>
+                </a:solidFill>
+                <a:latin typeface="細明體" panose="02020509000000000000" pitchFamily="49" charset="-120"/>
+                <a:ea typeface="細明體" panose="02020509000000000000" pitchFamily="49" charset="-120"/>
+              </a:rPr>
+              <a:t>ElSE</a:t>
+            </a:r>
+            <a:r>
+              <a:rPr lang="en-US" altLang="zh-TW" sz="1800" dirty="0">
+                <a:solidFill>
+                  <a:srgbClr val="000000"/>
+                </a:solidFill>
+                <a:latin typeface="細明體" panose="02020509000000000000" pitchFamily="49" charset="-120"/>
+                <a:ea typeface="細明體" panose="02020509000000000000" pitchFamily="49" charset="-120"/>
+              </a:rPr>
+              <a:t> </a:t>
+            </a:r>
+            <a:r>
+              <a:rPr lang="en-US" altLang="zh-TW" sz="1800" dirty="0">
+                <a:solidFill>
+                  <a:srgbClr val="FF0000"/>
+                </a:solidFill>
+                <a:latin typeface="細明體" panose="02020509000000000000" pitchFamily="49" charset="-120"/>
+                <a:ea typeface="細明體" panose="02020509000000000000" pitchFamily="49" charset="-120"/>
+              </a:rPr>
+              <a:t>'</a:t>
+            </a:r>
+            <a:r>
+              <a:rPr lang="en-US" altLang="zh-TW" sz="1800" dirty="0" err="1">
+                <a:solidFill>
+                  <a:srgbClr val="FF0000"/>
+                </a:solidFill>
+                <a:latin typeface="細明體" panose="02020509000000000000" pitchFamily="49" charset="-120"/>
+                <a:ea typeface="細明體" panose="02020509000000000000" pitchFamily="49" charset="-120"/>
+              </a:rPr>
+              <a:t>th</a:t>
+            </a:r>
+            <a:r>
+              <a:rPr lang="en-US" altLang="zh-TW" sz="1800" dirty="0">
+                <a:solidFill>
+                  <a:srgbClr val="FF0000"/>
+                </a:solidFill>
+                <a:latin typeface="細明體" panose="02020509000000000000" pitchFamily="49" charset="-120"/>
+                <a:ea typeface="細明體" panose="02020509000000000000" pitchFamily="49" charset="-120"/>
+              </a:rPr>
+              <a:t>'</a:t>
+            </a:r>
+            <a:endParaRPr lang="en-US" altLang="zh-TW" sz="1800" dirty="0">
+              <a:solidFill>
+                <a:srgbClr val="000000"/>
+              </a:solidFill>
+              <a:latin typeface="細明體" panose="02020509000000000000" pitchFamily="49" charset="-120"/>
+              <a:ea typeface="細明體" panose="02020509000000000000" pitchFamily="49" charset="-120"/>
+            </a:endParaRPr>
+          </a:p>
+          <a:p>
+            <a:r>
+              <a:rPr lang="en-US" altLang="zh-TW" sz="1800" dirty="0">
+                <a:solidFill>
+                  <a:srgbClr val="0000FF"/>
+                </a:solidFill>
+                <a:latin typeface="細明體" panose="02020509000000000000" pitchFamily="49" charset="-120"/>
+                <a:ea typeface="細明體" panose="02020509000000000000" pitchFamily="49" charset="-120"/>
+              </a:rPr>
+              <a:t>END</a:t>
+            </a:r>
+            <a:r>
+              <a:rPr lang="en-US" altLang="zh-TW" sz="1800" dirty="0">
+                <a:solidFill>
+                  <a:srgbClr val="000000"/>
+                </a:solidFill>
+                <a:latin typeface="細明體" panose="02020509000000000000" pitchFamily="49" charset="-120"/>
+                <a:ea typeface="細明體" panose="02020509000000000000" pitchFamily="49" charset="-120"/>
+              </a:rPr>
+              <a:t> </a:t>
+            </a:r>
+            <a:r>
+              <a:rPr lang="en-US" altLang="zh-TW" sz="1800" dirty="0">
+                <a:solidFill>
+                  <a:srgbClr val="808080"/>
+                </a:solidFill>
+                <a:latin typeface="細明體" panose="02020509000000000000" pitchFamily="49" charset="-120"/>
+                <a:ea typeface="細明體" panose="02020509000000000000" pitchFamily="49" charset="-120"/>
+              </a:rPr>
+              <a:t>+</a:t>
+            </a:r>
+            <a:endParaRPr lang="en-US" altLang="zh-TW" sz="1800" dirty="0">
+              <a:solidFill>
+                <a:srgbClr val="000000"/>
+              </a:solidFill>
+              <a:latin typeface="細明體" panose="02020509000000000000" pitchFamily="49" charset="-120"/>
+              <a:ea typeface="細明體" panose="02020509000000000000" pitchFamily="49" charset="-120"/>
+            </a:endParaRPr>
+          </a:p>
+          <a:p>
+            <a:r>
+              <a:rPr lang="en-US" altLang="zh-TW" sz="1800" dirty="0">
+                <a:solidFill>
+                  <a:srgbClr val="000000"/>
+                </a:solidFill>
+                <a:latin typeface="細明體" panose="02020509000000000000" pitchFamily="49" charset="-120"/>
+                <a:ea typeface="細明體" panose="02020509000000000000" pitchFamily="49" charset="-120"/>
+              </a:rPr>
+              <a:t>   </a:t>
+            </a:r>
+            <a:r>
+              <a:rPr lang="en-US" altLang="zh-TW" sz="1800" dirty="0">
+                <a:solidFill>
+                  <a:srgbClr val="FF00FF"/>
+                </a:solidFill>
+                <a:latin typeface="細明體" panose="02020509000000000000" pitchFamily="49" charset="-120"/>
+                <a:ea typeface="細明體" panose="02020509000000000000" pitchFamily="49" charset="-120"/>
+              </a:rPr>
+              <a:t>DATENAME</a:t>
+            </a:r>
+            <a:r>
+              <a:rPr lang="en-US" altLang="zh-TW" sz="1800" dirty="0">
+                <a:solidFill>
+                  <a:srgbClr val="808080"/>
+                </a:solidFill>
+                <a:latin typeface="細明體" panose="02020509000000000000" pitchFamily="49" charset="-120"/>
+                <a:ea typeface="細明體" panose="02020509000000000000" pitchFamily="49" charset="-120"/>
+              </a:rPr>
+              <a:t>(</a:t>
+            </a:r>
+            <a:r>
+              <a:rPr lang="en-US" altLang="zh-TW" sz="1800" dirty="0" err="1">
+                <a:solidFill>
+                  <a:srgbClr val="FF00FF"/>
+                </a:solidFill>
+                <a:latin typeface="細明體" panose="02020509000000000000" pitchFamily="49" charset="-120"/>
+                <a:ea typeface="細明體" panose="02020509000000000000" pitchFamily="49" charset="-120"/>
+              </a:rPr>
+              <a:t>MONTH</a:t>
+            </a:r>
+            <a:r>
+              <a:rPr lang="en-US" altLang="zh-TW" sz="1800" dirty="0" err="1">
+                <a:solidFill>
+                  <a:srgbClr val="808080"/>
+                </a:solidFill>
+                <a:latin typeface="細明體" panose="02020509000000000000" pitchFamily="49" charset="-120"/>
+                <a:ea typeface="細明體" panose="02020509000000000000" pitchFamily="49" charset="-120"/>
+              </a:rPr>
+              <a:t>,</a:t>
+            </a:r>
+            <a:r>
+              <a:rPr lang="en-US" altLang="zh-TW" sz="1800" dirty="0" err="1">
+                <a:solidFill>
+                  <a:srgbClr val="000000"/>
+                </a:solidFill>
+                <a:latin typeface="細明體" panose="02020509000000000000" pitchFamily="49" charset="-120"/>
+                <a:ea typeface="細明體" panose="02020509000000000000" pitchFamily="49" charset="-120"/>
+              </a:rPr>
+              <a:t>e</a:t>
+            </a:r>
+            <a:r>
+              <a:rPr lang="en-US" altLang="zh-TW" sz="1800" dirty="0" err="1">
+                <a:solidFill>
+                  <a:srgbClr val="808080"/>
+                </a:solidFill>
+                <a:latin typeface="細明體" panose="02020509000000000000" pitchFamily="49" charset="-120"/>
+                <a:ea typeface="細明體" panose="02020509000000000000" pitchFamily="49" charset="-120"/>
+              </a:rPr>
+              <a:t>.</a:t>
+            </a:r>
+            <a:r>
+              <a:rPr lang="en-US" altLang="zh-TW" sz="1800" dirty="0" err="1">
+                <a:solidFill>
+                  <a:srgbClr val="000000"/>
+                </a:solidFill>
+                <a:latin typeface="細明體" panose="02020509000000000000" pitchFamily="49" charset="-120"/>
+                <a:ea typeface="細明體" panose="02020509000000000000" pitchFamily="49" charset="-120"/>
+              </a:rPr>
+              <a:t>EventDate</a:t>
+            </a:r>
+            <a:r>
+              <a:rPr lang="en-US" altLang="zh-TW" sz="1800" dirty="0">
+                <a:solidFill>
+                  <a:srgbClr val="808080"/>
+                </a:solidFill>
+                <a:latin typeface="細明體" panose="02020509000000000000" pitchFamily="49" charset="-120"/>
+                <a:ea typeface="細明體" panose="02020509000000000000" pitchFamily="49" charset="-120"/>
+              </a:rPr>
+              <a:t>)</a:t>
+            </a:r>
+            <a:r>
+              <a:rPr lang="en-US" altLang="zh-TW" sz="1800" dirty="0">
+                <a:solidFill>
+                  <a:srgbClr val="000000"/>
+                </a:solidFill>
+                <a:latin typeface="細明體" panose="02020509000000000000" pitchFamily="49" charset="-120"/>
+                <a:ea typeface="細明體" panose="02020509000000000000" pitchFamily="49" charset="-120"/>
+              </a:rPr>
+              <a:t> </a:t>
+            </a:r>
+            <a:r>
+              <a:rPr lang="en-US" altLang="zh-TW" sz="1800" dirty="0">
+                <a:solidFill>
+                  <a:srgbClr val="808080"/>
+                </a:solidFill>
+                <a:latin typeface="細明體" panose="02020509000000000000" pitchFamily="49" charset="-120"/>
+                <a:ea typeface="細明體" panose="02020509000000000000" pitchFamily="49" charset="-120"/>
+              </a:rPr>
+              <a:t>+</a:t>
+            </a:r>
+            <a:endParaRPr lang="en-US" altLang="zh-TW" sz="1800" dirty="0">
+              <a:solidFill>
+                <a:srgbClr val="000000"/>
+              </a:solidFill>
+              <a:latin typeface="細明體" panose="02020509000000000000" pitchFamily="49" charset="-120"/>
+              <a:ea typeface="細明體" panose="02020509000000000000" pitchFamily="49" charset="-120"/>
+            </a:endParaRPr>
+          </a:p>
+          <a:p>
+            <a:r>
+              <a:rPr lang="en-US" altLang="zh-TW" sz="1800" dirty="0">
+                <a:solidFill>
+                  <a:srgbClr val="000000"/>
+                </a:solidFill>
+                <a:latin typeface="細明體" panose="02020509000000000000" pitchFamily="49" charset="-120"/>
+                <a:ea typeface="細明體" panose="02020509000000000000" pitchFamily="49" charset="-120"/>
+              </a:rPr>
+              <a:t>   </a:t>
+            </a:r>
+            <a:r>
+              <a:rPr lang="en-US" altLang="zh-TW" sz="1800" dirty="0">
+                <a:solidFill>
+                  <a:srgbClr val="FF00FF"/>
+                </a:solidFill>
+                <a:latin typeface="細明體" panose="02020509000000000000" pitchFamily="49" charset="-120"/>
+                <a:ea typeface="細明體" panose="02020509000000000000" pitchFamily="49" charset="-120"/>
+              </a:rPr>
+              <a:t>DATENAME</a:t>
+            </a:r>
+            <a:r>
+              <a:rPr lang="en-US" altLang="zh-TW" sz="1800" dirty="0">
+                <a:solidFill>
+                  <a:srgbClr val="808080"/>
+                </a:solidFill>
+                <a:latin typeface="細明體" panose="02020509000000000000" pitchFamily="49" charset="-120"/>
+                <a:ea typeface="細明體" panose="02020509000000000000" pitchFamily="49" charset="-120"/>
+              </a:rPr>
+              <a:t>(</a:t>
+            </a:r>
+            <a:r>
+              <a:rPr lang="en-US" altLang="zh-TW" sz="1800" dirty="0" err="1">
+                <a:solidFill>
+                  <a:srgbClr val="FF00FF"/>
+                </a:solidFill>
+                <a:latin typeface="細明體" panose="02020509000000000000" pitchFamily="49" charset="-120"/>
+                <a:ea typeface="細明體" panose="02020509000000000000" pitchFamily="49" charset="-120"/>
+              </a:rPr>
+              <a:t>YEAR</a:t>
+            </a:r>
+            <a:r>
+              <a:rPr lang="en-US" altLang="zh-TW" sz="1800" dirty="0" err="1">
+                <a:solidFill>
+                  <a:srgbClr val="808080"/>
+                </a:solidFill>
+                <a:latin typeface="細明體" panose="02020509000000000000" pitchFamily="49" charset="-120"/>
+                <a:ea typeface="細明體" panose="02020509000000000000" pitchFamily="49" charset="-120"/>
+              </a:rPr>
+              <a:t>,</a:t>
+            </a:r>
+            <a:r>
+              <a:rPr lang="en-US" altLang="zh-TW" sz="1800" dirty="0" err="1">
+                <a:solidFill>
+                  <a:srgbClr val="000000"/>
+                </a:solidFill>
+                <a:latin typeface="細明體" panose="02020509000000000000" pitchFamily="49" charset="-120"/>
+                <a:ea typeface="細明體" panose="02020509000000000000" pitchFamily="49" charset="-120"/>
+              </a:rPr>
+              <a:t>e</a:t>
+            </a:r>
+            <a:r>
+              <a:rPr lang="en-US" altLang="zh-TW" sz="1800" dirty="0" err="1">
+                <a:solidFill>
+                  <a:srgbClr val="808080"/>
+                </a:solidFill>
+                <a:latin typeface="細明體" panose="02020509000000000000" pitchFamily="49" charset="-120"/>
+                <a:ea typeface="細明體" panose="02020509000000000000" pitchFamily="49" charset="-120"/>
+              </a:rPr>
+              <a:t>.</a:t>
+            </a:r>
+            <a:r>
+              <a:rPr lang="en-US" altLang="zh-TW" sz="1800" dirty="0" err="1">
+                <a:solidFill>
+                  <a:srgbClr val="000000"/>
+                </a:solidFill>
+                <a:latin typeface="細明體" panose="02020509000000000000" pitchFamily="49" charset="-120"/>
+                <a:ea typeface="細明體" panose="02020509000000000000" pitchFamily="49" charset="-120"/>
+              </a:rPr>
+              <a:t>EventDate</a:t>
+            </a:r>
+            <a:r>
+              <a:rPr lang="en-US" altLang="zh-TW" sz="1800" dirty="0">
+                <a:solidFill>
+                  <a:srgbClr val="808080"/>
+                </a:solidFill>
+                <a:latin typeface="細明體" panose="02020509000000000000" pitchFamily="49" charset="-120"/>
+                <a:ea typeface="細明體" panose="02020509000000000000" pitchFamily="49" charset="-120"/>
+              </a:rPr>
+              <a:t>)</a:t>
+            </a:r>
+            <a:r>
+              <a:rPr lang="en-US" altLang="zh-TW" sz="1800" dirty="0">
+                <a:solidFill>
+                  <a:srgbClr val="000000"/>
+                </a:solidFill>
+                <a:latin typeface="細明體" panose="02020509000000000000" pitchFamily="49" charset="-120"/>
+                <a:ea typeface="細明體" panose="02020509000000000000" pitchFamily="49" charset="-120"/>
+              </a:rPr>
+              <a:t> </a:t>
+            </a:r>
+            <a:r>
+              <a:rPr lang="en-US" altLang="zh-TW" sz="1800" dirty="0">
+                <a:solidFill>
+                  <a:srgbClr val="0000FF"/>
+                </a:solidFill>
+                <a:latin typeface="細明體" panose="02020509000000000000" pitchFamily="49" charset="-120"/>
+                <a:ea typeface="細明體" panose="02020509000000000000" pitchFamily="49" charset="-120"/>
+              </a:rPr>
+              <a:t>as</a:t>
+            </a:r>
+            <a:r>
+              <a:rPr lang="en-US" altLang="zh-TW" sz="1800" dirty="0">
+                <a:solidFill>
+                  <a:srgbClr val="000000"/>
+                </a:solidFill>
+                <a:latin typeface="細明體" panose="02020509000000000000" pitchFamily="49" charset="-120"/>
+                <a:ea typeface="細明體" panose="02020509000000000000" pitchFamily="49" charset="-120"/>
+              </a:rPr>
+              <a:t> </a:t>
+            </a:r>
+            <a:r>
+              <a:rPr lang="en-US" altLang="zh-TW" sz="1800" dirty="0">
+                <a:solidFill>
+                  <a:srgbClr val="FF0000"/>
+                </a:solidFill>
+                <a:latin typeface="細明體" panose="02020509000000000000" pitchFamily="49" charset="-120"/>
+                <a:ea typeface="細明體" panose="02020509000000000000" pitchFamily="49" charset="-120"/>
+              </a:rPr>
+              <a:t>'Full date'</a:t>
+            </a:r>
+            <a:endParaRPr lang="en-US" altLang="zh-TW" sz="1800" dirty="0">
+              <a:solidFill>
+                <a:srgbClr val="000000"/>
+              </a:solidFill>
+              <a:latin typeface="細明體" panose="02020509000000000000" pitchFamily="49" charset="-120"/>
+              <a:ea typeface="細明體" panose="02020509000000000000" pitchFamily="49" charset="-120"/>
+            </a:endParaRPr>
+          </a:p>
+          <a:p>
+            <a:r>
+              <a:rPr lang="en-US" altLang="zh-TW" sz="1800" dirty="0">
+                <a:solidFill>
+                  <a:srgbClr val="0000FF"/>
+                </a:solidFill>
+                <a:latin typeface="細明體" panose="02020509000000000000" pitchFamily="49" charset="-120"/>
+                <a:ea typeface="細明體" panose="02020509000000000000" pitchFamily="49" charset="-120"/>
+              </a:rPr>
+              <a:t>FROM</a:t>
+            </a:r>
+            <a:r>
+              <a:rPr lang="en-US" altLang="zh-TW" sz="1800" dirty="0">
+                <a:solidFill>
+                  <a:srgbClr val="000000"/>
+                </a:solidFill>
+                <a:latin typeface="細明體" panose="02020509000000000000" pitchFamily="49" charset="-120"/>
+                <a:ea typeface="細明體" panose="02020509000000000000" pitchFamily="49" charset="-120"/>
+              </a:rPr>
+              <a:t> [</a:t>
+            </a:r>
+            <a:r>
+              <a:rPr lang="en-US" altLang="zh-TW" sz="1800" dirty="0" err="1">
+                <a:solidFill>
+                  <a:srgbClr val="000000"/>
+                </a:solidFill>
+                <a:latin typeface="細明體" panose="02020509000000000000" pitchFamily="49" charset="-120"/>
+                <a:ea typeface="細明體" panose="02020509000000000000" pitchFamily="49" charset="-120"/>
+              </a:rPr>
+              <a:t>WorldEvents</a:t>
+            </a:r>
+            <a:r>
+              <a:rPr lang="en-US" altLang="zh-TW" sz="1800" dirty="0">
+                <a:solidFill>
+                  <a:srgbClr val="000000"/>
+                </a:solidFill>
+                <a:latin typeface="細明體" panose="02020509000000000000" pitchFamily="49" charset="-120"/>
+                <a:ea typeface="細明體" panose="02020509000000000000" pitchFamily="49" charset="-120"/>
+              </a:rPr>
+              <a:t>]</a:t>
+            </a:r>
+            <a:r>
+              <a:rPr lang="en-US" altLang="zh-TW" sz="1800" dirty="0">
+                <a:solidFill>
+                  <a:srgbClr val="808080"/>
+                </a:solidFill>
+                <a:latin typeface="細明體" panose="02020509000000000000" pitchFamily="49" charset="-120"/>
+                <a:ea typeface="細明體" panose="02020509000000000000" pitchFamily="49" charset="-120"/>
+              </a:rPr>
+              <a:t>.</a:t>
+            </a:r>
+            <a:r>
+              <a:rPr lang="en-US" altLang="zh-TW" sz="1800" dirty="0">
+                <a:solidFill>
+                  <a:srgbClr val="000000"/>
+                </a:solidFill>
+                <a:latin typeface="細明體" panose="02020509000000000000" pitchFamily="49" charset="-120"/>
+                <a:ea typeface="細明體" panose="02020509000000000000" pitchFamily="49" charset="-120"/>
+              </a:rPr>
+              <a:t>[</a:t>
+            </a:r>
+            <a:r>
+              <a:rPr lang="en-US" altLang="zh-TW" sz="1800" dirty="0" err="1">
+                <a:solidFill>
+                  <a:srgbClr val="000000"/>
+                </a:solidFill>
+                <a:latin typeface="細明體" panose="02020509000000000000" pitchFamily="49" charset="-120"/>
+                <a:ea typeface="細明體" panose="02020509000000000000" pitchFamily="49" charset="-120"/>
+              </a:rPr>
+              <a:t>dbo</a:t>
+            </a:r>
+            <a:r>
+              <a:rPr lang="en-US" altLang="zh-TW" sz="1800" dirty="0">
+                <a:solidFill>
+                  <a:srgbClr val="000000"/>
+                </a:solidFill>
+                <a:latin typeface="細明體" panose="02020509000000000000" pitchFamily="49" charset="-120"/>
+                <a:ea typeface="細明體" panose="02020509000000000000" pitchFamily="49" charset="-120"/>
+              </a:rPr>
+              <a:t>]</a:t>
+            </a:r>
+            <a:r>
+              <a:rPr lang="en-US" altLang="zh-TW" sz="1800" dirty="0">
+                <a:solidFill>
+                  <a:srgbClr val="808080"/>
+                </a:solidFill>
+                <a:latin typeface="細明體" panose="02020509000000000000" pitchFamily="49" charset="-120"/>
+                <a:ea typeface="細明體" panose="02020509000000000000" pitchFamily="49" charset="-120"/>
+              </a:rPr>
+              <a:t>.</a:t>
+            </a:r>
+            <a:r>
+              <a:rPr lang="en-US" altLang="zh-TW" sz="1800" dirty="0">
+                <a:solidFill>
+                  <a:srgbClr val="000000"/>
+                </a:solidFill>
+                <a:latin typeface="細明體" panose="02020509000000000000" pitchFamily="49" charset="-120"/>
+                <a:ea typeface="細明體" panose="02020509000000000000" pitchFamily="49" charset="-120"/>
+              </a:rPr>
+              <a:t>[</a:t>
+            </a:r>
+            <a:r>
+              <a:rPr lang="en-US" altLang="zh-TW" sz="1800" dirty="0" err="1">
+                <a:solidFill>
+                  <a:srgbClr val="000000"/>
+                </a:solidFill>
+                <a:latin typeface="細明體" panose="02020509000000000000" pitchFamily="49" charset="-120"/>
+                <a:ea typeface="細明體" panose="02020509000000000000" pitchFamily="49" charset="-120"/>
+              </a:rPr>
+              <a:t>tblEvent</a:t>
+            </a:r>
+            <a:r>
+              <a:rPr lang="en-US" altLang="zh-TW" sz="1800" dirty="0">
+                <a:solidFill>
+                  <a:srgbClr val="000000"/>
+                </a:solidFill>
+                <a:latin typeface="細明體" panose="02020509000000000000" pitchFamily="49" charset="-120"/>
+                <a:ea typeface="細明體" panose="02020509000000000000" pitchFamily="49" charset="-120"/>
+              </a:rPr>
+              <a:t>] </a:t>
+            </a:r>
+            <a:r>
+              <a:rPr lang="en-US" altLang="zh-TW" sz="1800" dirty="0">
+                <a:solidFill>
+                  <a:srgbClr val="0000FF"/>
+                </a:solidFill>
+                <a:latin typeface="細明體" panose="02020509000000000000" pitchFamily="49" charset="-120"/>
+                <a:ea typeface="細明體" panose="02020509000000000000" pitchFamily="49" charset="-120"/>
+              </a:rPr>
+              <a:t>as</a:t>
+            </a:r>
+            <a:r>
+              <a:rPr lang="en-US" altLang="zh-TW" sz="1800" dirty="0">
+                <a:solidFill>
+                  <a:srgbClr val="000000"/>
+                </a:solidFill>
+                <a:latin typeface="細明體" panose="02020509000000000000" pitchFamily="49" charset="-120"/>
+                <a:ea typeface="細明體" panose="02020509000000000000" pitchFamily="49" charset="-120"/>
+              </a:rPr>
+              <a:t> e</a:t>
+            </a:r>
+            <a:endParaRPr lang="zh-TW" altLang="en-US" sz="1600" dirty="0">
+              <a:solidFill>
+                <a:srgbClr val="000000"/>
+              </a:solidFill>
+              <a:latin typeface="微軟正黑體" panose="020B0604030504040204" pitchFamily="34" charset="-120"/>
+              <a:ea typeface="微軟正黑體" panose="020B0604030504040204" pitchFamily="34" charset="-120"/>
+            </a:endParaRPr>
+          </a:p>
+        </p:txBody>
+      </p:sp>
+      <p:sp>
+        <p:nvSpPr>
+          <p:cNvPr id="9" name="文字方塊 8">
+            <a:extLst>
+              <a:ext uri="{FF2B5EF4-FFF2-40B4-BE49-F238E27FC236}">
+                <a16:creationId xmlns:a16="http://schemas.microsoft.com/office/drawing/2014/main" id="{35E0097D-1D25-800D-ACBE-7E565A45717E}"/>
+              </a:ext>
+            </a:extLst>
+          </p:cNvPr>
+          <p:cNvSpPr txBox="1"/>
+          <p:nvPr/>
+        </p:nvSpPr>
+        <p:spPr>
+          <a:xfrm>
+            <a:off x="1687669" y="5757119"/>
+            <a:ext cx="6261651" cy="369332"/>
+          </a:xfrm>
+          <a:prstGeom prst="rect">
+            <a:avLst/>
+          </a:prstGeom>
+          <a:noFill/>
+        </p:spPr>
+        <p:txBody>
+          <a:bodyPr wrap="none" rtlCol="0">
+            <a:spAutoFit/>
+          </a:bodyPr>
+          <a:lstStyle/>
+          <a:p>
+            <a:r>
+              <a:rPr lang="zh-TW" altLang="en-US" dirty="0"/>
+              <a:t>參考資料</a:t>
+            </a:r>
+            <a:r>
+              <a:rPr lang="en-US" altLang="zh-TW" dirty="0"/>
+              <a:t>:https://www.w3schools.com/sql/sql_case.asp</a:t>
+            </a:r>
+            <a:endParaRPr lang="zh-TW" altLang="en-US" dirty="0"/>
+          </a:p>
+        </p:txBody>
+      </p:sp>
+      <p:pic>
+        <p:nvPicPr>
+          <p:cNvPr id="6" name="圖片 5">
+            <a:extLst>
+              <a:ext uri="{FF2B5EF4-FFF2-40B4-BE49-F238E27FC236}">
+                <a16:creationId xmlns:a16="http://schemas.microsoft.com/office/drawing/2014/main" id="{1F796612-BC0E-3748-DAB5-18D2A38C1311}"/>
+              </a:ext>
+            </a:extLst>
+          </p:cNvPr>
+          <p:cNvPicPr>
+            <a:picLocks noChangeAspect="1"/>
+          </p:cNvPicPr>
+          <p:nvPr/>
+        </p:nvPicPr>
+        <p:blipFill>
+          <a:blip r:embed="rId2"/>
+          <a:stretch>
+            <a:fillRect/>
+          </a:stretch>
+        </p:blipFill>
+        <p:spPr>
+          <a:xfrm>
+            <a:off x="7761976" y="1905000"/>
+            <a:ext cx="4082378" cy="3267636"/>
+          </a:xfrm>
+          <a:prstGeom prst="rect">
+            <a:avLst/>
+          </a:prstGeom>
+        </p:spPr>
+      </p:pic>
+    </p:spTree>
+    <p:extLst>
+      <p:ext uri="{BB962C8B-B14F-4D97-AF65-F5344CB8AC3E}">
+        <p14:creationId xmlns:p14="http://schemas.microsoft.com/office/powerpoint/2010/main" val="700012498"/>
       </p:ext>
     </p:extLst>
   </p:cSld>
